--- a/doc/tex/sdf/tq_76558_cow_protocol/figures_raw/Full2.pptx
+++ b/doc/tex/sdf/tq_76558_cow_protocol/figures_raw/Full2.pptx
@@ -6,6 +6,13 @@
   </p:sldMasterIdLst>
   <p:sldIdLst>
     <p:sldId id="256" r:id="rId2"/>
+    <p:sldId id="262" r:id="rId3"/>
+    <p:sldId id="258" r:id="rId4"/>
+    <p:sldId id="257" r:id="rId5"/>
+    <p:sldId id="259" r:id="rId6"/>
+    <p:sldId id="260" r:id="rId7"/>
+    <p:sldId id="261" r:id="rId8"/>
+    <p:sldId id="263" r:id="rId9"/>
   </p:sldIdLst>
   <p:sldSz cx="12192000" cy="6858000"/>
   <p:notesSz cx="6858000" cy="9144000"/>
@@ -2764,9 +2771,14 @@
 <p:sldMaster xmlns:a="http://schemas.openxmlformats.org/drawingml/2006/main" xmlns:r="http://schemas.openxmlformats.org/officeDocument/2006/relationships" xmlns:p="http://schemas.openxmlformats.org/presentationml/2006/main">
   <p:cSld>
     <p:bg>
-      <p:bgRef idx="1001">
-        <a:schemeClr val="bg1"/>
-      </p:bgRef>
+      <p:bgPr>
+        <a:solidFill>
+          <a:schemeClr val="bg1">
+            <a:alpha val="0"/>
+          </a:schemeClr>
+        </a:solidFill>
+        <a:effectLst/>
+      </p:bgPr>
     </p:bg>
     <p:spTree>
       <p:nvGrpSpPr>
@@ -3361,7 +3373,7 @@
         </p:nvSpPr>
         <p:spPr>
           <a:xfrm>
-            <a:off x="341762" y="860784"/>
+            <a:off x="217937" y="514709"/>
             <a:ext cx="2184124" cy="1230891"/>
           </a:xfrm>
           <a:prstGeom prst="rect">
@@ -3396,7 +3408,7 @@
         </p:nvSpPr>
         <p:spPr>
           <a:xfrm>
-            <a:off x="6341144" y="820355"/>
+            <a:off x="6331619" y="474280"/>
             <a:ext cx="1828796" cy="1230891"/>
           </a:xfrm>
           <a:prstGeom prst="rect">
@@ -3417,6 +3429,1465 @@
           </a:p>
         </p:txBody>
       </p:sp>
+      <mc:AlternateContent xmlns:mc="http://schemas.openxmlformats.org/markup-compatibility/2006" xmlns:am3d="http://schemas.microsoft.com/office/drawing/2017/model3d">
+        <mc:Choice Requires="am3d">
+          <p:graphicFrame>
+            <p:nvGraphicFramePr>
+              <p:cNvPr id="20" name="Modelo 3D 19" descr="Sinal de Subtração Cinza-Escuro">
+                <a:extLst>
+                  <a:ext uri="{FF2B5EF4-FFF2-40B4-BE49-F238E27FC236}">
+                    <a16:creationId xmlns:a16="http://schemas.microsoft.com/office/drawing/2014/main" id="{16B436A3-99FA-483A-8656-A05268DC972A}"/>
+                  </a:ext>
+                </a:extLst>
+              </p:cNvPr>
+              <p:cNvGraphicFramePr>
+                <a:graphicFrameLocks noChangeAspect="1"/>
+              </p:cNvGraphicFramePr>
+              <p:nvPr>
+                <p:extLst>
+                  <p:ext uri="{D42A27DB-BD31-4B8C-83A1-F6EECF244321}">
+                    <p14:modId xmlns:p14="http://schemas.microsoft.com/office/powerpoint/2010/main" val="1443767051"/>
+                  </p:ext>
+                </p:extLst>
+              </p:nvPr>
+            </p:nvGraphicFramePr>
+            <p:xfrm>
+              <a:off x="3938917" y="1026410"/>
+              <a:ext cx="911891" cy="1743209"/>
+            </p:xfrm>
+            <a:graphic>
+              <a:graphicData uri="http://schemas.microsoft.com/office/drawing/2017/model3d">
+                <am3d:model3d r:embed="rId2">
+                  <am3d:spPr>
+                    <a:xfrm>
+                      <a:off x="0" y="0"/>
+                      <a:ext cx="911891" cy="1743209"/>
+                    </a:xfrm>
+                    <a:prstGeom prst="rect">
+                      <a:avLst/>
+                    </a:prstGeom>
+                  </am3d:spPr>
+                  <am3d:camera>
+                    <am3d:pos x="0" y="0" z="49021875"/>
+                    <am3d:up dx="0" dy="36000000" dz="0"/>
+                    <am3d:lookAt x="0" y="0" z="0"/>
+                    <am3d:perspective fov="2700000"/>
+                  </am3d:camera>
+                  <am3d:trans>
+                    <am3d:meterPerModelUnit n="4685389" d="1000000"/>
+                    <am3d:preTrans dx="-2441" dy="-23614363" dz="0"/>
+                    <am3d:scale>
+                      <am3d:sx n="1000000" d="1000000"/>
+                      <am3d:sy n="1000000" d="1000000"/>
+                      <am3d:sz n="1000000" d="1000000"/>
+                    </am3d:scale>
+                    <am3d:rot ax="5616986" ay="4619897" az="5622683"/>
+                    <am3d:postTrans dx="0" dy="0" dz="0"/>
+                  </am3d:trans>
+                  <am3d:raster rName="Office3DRenderer" rVer="16.0.8326">
+                    <am3d:blip r:embed="rId3"/>
+                  </am3d:raster>
+                  <am3d:objViewport viewportSz="2651383"/>
+                  <am3d:ambientLight>
+                    <am3d:clr>
+                      <a:scrgbClr r="50000" g="50000" b="50000"/>
+                    </am3d:clr>
+                    <am3d:illuminance n="500000" d="1000000"/>
+                  </am3d:ambientLight>
+                  <am3d:ptLight rad="0">
+                    <am3d:clr>
+                      <a:scrgbClr r="100000" g="75000" b="50000"/>
+                    </am3d:clr>
+                    <am3d:intensity n="9765625" d="1000000"/>
+                    <am3d:pos x="21959998" y="70920001" z="16344003"/>
+                  </am3d:ptLight>
+                  <am3d:ptLight rad="0">
+                    <am3d:clr>
+                      <a:scrgbClr r="40000" g="60000" b="95000"/>
+                    </am3d:clr>
+                    <am3d:intensity n="12250000" d="1000000"/>
+                    <am3d:pos x="-37964106" y="51130435" z="57631972"/>
+                  </am3d:ptLight>
+                  <am3d:ptLight rad="0">
+                    <am3d:clr>
+                      <a:scrgbClr r="86837" g="72700" b="100000"/>
+                    </am3d:clr>
+                    <am3d:intensity n="3125000" d="1000000"/>
+                    <am3d:pos x="-37739122" y="58056624" z="-34769649"/>
+                  </am3d:ptLight>
+                </am3d:model3d>
+              </a:graphicData>
+            </a:graphic>
+          </p:graphicFrame>
+        </mc:Choice>
+        <mc:Fallback xmlns="">
+          <p:pic>
+            <p:nvPicPr>
+              <p:cNvPr id="20" name="Modelo 3D 19" descr="Sinal de Subtração Cinza-Escuro">
+                <a:extLst>
+                  <a:ext uri="{FF2B5EF4-FFF2-40B4-BE49-F238E27FC236}">
+                    <a16:creationId xmlns:a16="http://schemas.microsoft.com/office/drawing/2014/main" id="{16B436A3-99FA-483A-8656-A05268DC972A}"/>
+                  </a:ext>
+                </a:extLst>
+              </p:cNvPr>
+              <p:cNvPicPr>
+                <a:picLocks noGrp="1" noRot="1" noChangeAspect="1" noMove="1" noResize="1" noEditPoints="1" noAdjustHandles="1" noChangeArrowheads="1" noChangeShapeType="1" noCrop="1"/>
+              </p:cNvPicPr>
+              <p:nvPr/>
+            </p:nvPicPr>
+            <p:blipFill>
+              <a:blip r:embed="rId4"/>
+              <a:stretch>
+                <a:fillRect/>
+              </a:stretch>
+            </p:blipFill>
+            <p:spPr>
+              <a:xfrm>
+                <a:off x="3938917" y="1026410"/>
+                <a:ext cx="911891" cy="1743209"/>
+              </a:xfrm>
+              <a:prstGeom prst="rect">
+                <a:avLst/>
+              </a:prstGeom>
+            </p:spPr>
+          </p:pic>
+        </mc:Fallback>
+      </mc:AlternateContent>
+      <mc:AlternateContent xmlns:mc="http://schemas.openxmlformats.org/markup-compatibility/2006" xmlns:am3d="http://schemas.microsoft.com/office/drawing/2017/model3d">
+        <mc:Choice Requires="am3d">
+          <p:graphicFrame>
+            <p:nvGraphicFramePr>
+              <p:cNvPr id="35" name="Modelo 3D 34" descr="Cuboide Cinza-Escuro">
+                <a:extLst>
+                  <a:ext uri="{FF2B5EF4-FFF2-40B4-BE49-F238E27FC236}">
+                    <a16:creationId xmlns:a16="http://schemas.microsoft.com/office/drawing/2014/main" id="{CD476A95-7313-42E0-866F-47084F20620C}"/>
+                  </a:ext>
+                </a:extLst>
+              </p:cNvPr>
+              <p:cNvGraphicFramePr>
+                <a:graphicFrameLocks noChangeAspect="1"/>
+              </p:cNvGraphicFramePr>
+              <p:nvPr>
+                <p:extLst>
+                  <p:ext uri="{D42A27DB-BD31-4B8C-83A1-F6EECF244321}">
+                    <p14:modId xmlns:p14="http://schemas.microsoft.com/office/powerpoint/2010/main" val="3484849518"/>
+                  </p:ext>
+                </p:extLst>
+              </p:nvPr>
+            </p:nvGraphicFramePr>
+            <p:xfrm>
+              <a:off x="8626740" y="3830084"/>
+              <a:ext cx="503965" cy="669954"/>
+            </p:xfrm>
+            <a:graphic>
+              <a:graphicData uri="http://schemas.microsoft.com/office/drawing/2017/model3d">
+                <am3d:model3d r:embed="rId5">
+                  <am3d:spPr>
+                    <a:xfrm>
+                      <a:off x="0" y="0"/>
+                      <a:ext cx="503965" cy="669954"/>
+                    </a:xfrm>
+                    <a:prstGeom prst="rect">
+                      <a:avLst/>
+                    </a:prstGeom>
+                  </am3d:spPr>
+                  <am3d:camera>
+                    <am3d:pos x="0" y="0" z="57664451"/>
+                    <am3d:up dx="0" dy="36000000" dz="0"/>
+                    <am3d:lookAt x="0" y="0" z="0"/>
+                    <am3d:perspective fov="2700000"/>
+                  </am3d:camera>
+                  <am3d:trans>
+                    <am3d:meterPerModelUnit n="4361393" d="1000000"/>
+                    <am3d:preTrans dx="0" dy="-6493603" dz="0"/>
+                    <am3d:scale>
+                      <am3d:sx n="1000000" d="1000000"/>
+                      <am3d:sy n="1000000" d="1000000"/>
+                      <am3d:sz n="1000000" d="1000000"/>
+                    </am3d:scale>
+                    <am3d:rot ax="-7650021" ay="5" az="7"/>
+                    <am3d:postTrans dx="0" dy="0" dz="0"/>
+                  </am3d:trans>
+                  <am3d:raster rName="Office3DRenderer" rVer="16.0.8326">
+                    <am3d:blip r:embed="rId6"/>
+                  </am3d:raster>
+                  <am3d:objViewport viewportSz="789260"/>
+                  <am3d:ambientLight>
+                    <am3d:clr>
+                      <a:scrgbClr r="50000" g="50000" b="50000"/>
+                    </am3d:clr>
+                    <am3d:illuminance n="500000" d="1000000"/>
+                  </am3d:ambientLight>
+                  <am3d:ptLight rad="0">
+                    <am3d:clr>
+                      <a:scrgbClr r="100000" g="75000" b="50000"/>
+                    </am3d:clr>
+                    <am3d:intensity n="9765625" d="1000000"/>
+                    <am3d:pos x="21959998" y="70920001" z="16344003"/>
+                  </am3d:ptLight>
+                  <am3d:ptLight rad="0">
+                    <am3d:clr>
+                      <a:scrgbClr r="40000" g="60000" b="95000"/>
+                    </am3d:clr>
+                    <am3d:intensity n="12250000" d="1000000"/>
+                    <am3d:pos x="-37964106" y="51130435" z="57631972"/>
+                  </am3d:ptLight>
+                  <am3d:ptLight rad="0">
+                    <am3d:clr>
+                      <a:scrgbClr r="86837" g="72700" b="100000"/>
+                    </am3d:clr>
+                    <am3d:intensity n="3125000" d="1000000"/>
+                    <am3d:pos x="-37739122" y="58056624" z="-34769649"/>
+                  </am3d:ptLight>
+                </am3d:model3d>
+              </a:graphicData>
+            </a:graphic>
+          </p:graphicFrame>
+        </mc:Choice>
+        <mc:Fallback xmlns="">
+          <p:pic>
+            <p:nvPicPr>
+              <p:cNvPr id="35" name="Modelo 3D 34" descr="Cuboide Cinza-Escuro">
+                <a:extLst>
+                  <a:ext uri="{FF2B5EF4-FFF2-40B4-BE49-F238E27FC236}">
+                    <a16:creationId xmlns:a16="http://schemas.microsoft.com/office/drawing/2014/main" id="{CD476A95-7313-42E0-866F-47084F20620C}"/>
+                  </a:ext>
+                </a:extLst>
+              </p:cNvPr>
+              <p:cNvPicPr>
+                <a:picLocks noGrp="1" noRot="1" noChangeAspect="1" noMove="1" noResize="1" noEditPoints="1" noAdjustHandles="1" noChangeArrowheads="1" noChangeShapeType="1" noCrop="1"/>
+              </p:cNvPicPr>
+              <p:nvPr/>
+            </p:nvPicPr>
+            <p:blipFill>
+              <a:blip r:embed="rId7"/>
+              <a:stretch>
+                <a:fillRect/>
+              </a:stretch>
+            </p:blipFill>
+            <p:spPr>
+              <a:xfrm>
+                <a:off x="8626740" y="3830084"/>
+                <a:ext cx="503965" cy="669954"/>
+              </a:xfrm>
+              <a:prstGeom prst="rect">
+                <a:avLst/>
+              </a:prstGeom>
+            </p:spPr>
+          </p:pic>
+        </mc:Fallback>
+      </mc:AlternateContent>
+      <p:sp>
+        <p:nvSpPr>
+          <p:cNvPr id="41" name="Retângulo 40">
+            <a:extLst>
+              <a:ext uri="{FF2B5EF4-FFF2-40B4-BE49-F238E27FC236}">
+                <a16:creationId xmlns:a16="http://schemas.microsoft.com/office/drawing/2014/main" id="{1044C7DB-10A5-4A4A-8A69-80C92F5516A3}"/>
+              </a:ext>
+            </a:extLst>
+          </p:cNvPr>
+          <p:cNvSpPr/>
+          <p:nvPr/>
+        </p:nvSpPr>
+        <p:spPr>
+          <a:xfrm>
+            <a:off x="252636" y="600409"/>
+            <a:ext cx="5616593" cy="2944480"/>
+          </a:xfrm>
+          <a:prstGeom prst="rect">
+            <a:avLst/>
+          </a:prstGeom>
+          <a:noFill/>
+          <a:ln w="9525" cap="flat" cmpd="sng" algn="ctr">
+            <a:solidFill>
+              <a:schemeClr val="dk1"/>
+            </a:solidFill>
+            <a:prstDash val="dashDot"/>
+            <a:round/>
+            <a:headEnd type="none" w="med" len="med"/>
+            <a:tailEnd type="none" w="med" len="med"/>
+          </a:ln>
+        </p:spPr>
+        <p:style>
+          <a:lnRef idx="0">
+            <a:scrgbClr r="0" g="0" b="0"/>
+          </a:lnRef>
+          <a:fillRef idx="0">
+            <a:scrgbClr r="0" g="0" b="0"/>
+          </a:fillRef>
+          <a:effectRef idx="0">
+            <a:scrgbClr r="0" g="0" b="0"/>
+          </a:effectRef>
+          <a:fontRef idx="minor">
+            <a:schemeClr val="dk1"/>
+          </a:fontRef>
+        </p:style>
+        <p:txBody>
+          <a:bodyPr rtlCol="0" anchor="ctr"/>
+          <a:lstStyle/>
+          <a:p>
+            <a:pPr algn="ctr"/>
+            <a:endParaRPr lang="en-GB"/>
+          </a:p>
+        </p:txBody>
+      </p:sp>
+      <p:sp>
+        <p:nvSpPr>
+          <p:cNvPr id="42" name="Retângulo 41">
+            <a:extLst>
+              <a:ext uri="{FF2B5EF4-FFF2-40B4-BE49-F238E27FC236}">
+                <a16:creationId xmlns:a16="http://schemas.microsoft.com/office/drawing/2014/main" id="{C2F6895E-CB3E-4942-AB4D-A1330623A524}"/>
+              </a:ext>
+            </a:extLst>
+          </p:cNvPr>
+          <p:cNvSpPr/>
+          <p:nvPr/>
+        </p:nvSpPr>
+        <p:spPr>
+          <a:xfrm>
+            <a:off x="6383253" y="592388"/>
+            <a:ext cx="5691770" cy="5699113"/>
+          </a:xfrm>
+          <a:prstGeom prst="rect">
+            <a:avLst/>
+          </a:prstGeom>
+          <a:noFill/>
+          <a:ln w="9525" cap="flat" cmpd="sng" algn="ctr">
+            <a:solidFill>
+              <a:schemeClr val="dk1"/>
+            </a:solidFill>
+            <a:prstDash val="dashDot"/>
+            <a:round/>
+            <a:headEnd type="none" w="med" len="med"/>
+            <a:tailEnd type="none" w="med" len="med"/>
+          </a:ln>
+        </p:spPr>
+        <p:style>
+          <a:lnRef idx="0">
+            <a:scrgbClr r="0" g="0" b="0"/>
+          </a:lnRef>
+          <a:fillRef idx="0">
+            <a:scrgbClr r="0" g="0" b="0"/>
+          </a:fillRef>
+          <a:effectRef idx="0">
+            <a:scrgbClr r="0" g="0" b="0"/>
+          </a:effectRef>
+          <a:fontRef idx="minor">
+            <a:schemeClr val="dk1"/>
+          </a:fontRef>
+        </p:style>
+        <p:txBody>
+          <a:bodyPr rtlCol="0" anchor="ctr"/>
+          <a:lstStyle/>
+          <a:p>
+            <a:pPr algn="ctr"/>
+            <a:endParaRPr lang="en-GB"/>
+          </a:p>
+        </p:txBody>
+      </p:sp>
+      <p:sp>
+        <p:nvSpPr>
+          <p:cNvPr id="43" name="CaixaDeTexto 42">
+            <a:extLst>
+              <a:ext uri="{FF2B5EF4-FFF2-40B4-BE49-F238E27FC236}">
+                <a16:creationId xmlns:a16="http://schemas.microsoft.com/office/drawing/2014/main" id="{A2E492A1-082D-4F9D-B8E2-9ACC85032C33}"/>
+              </a:ext>
+            </a:extLst>
+          </p:cNvPr>
+          <p:cNvSpPr txBox="1"/>
+          <p:nvPr/>
+        </p:nvSpPr>
+        <p:spPr>
+          <a:xfrm>
+            <a:off x="1459056" y="2846788"/>
+            <a:ext cx="1019831" cy="553998"/>
+          </a:xfrm>
+          <a:prstGeom prst="rect">
+            <a:avLst/>
+          </a:prstGeom>
+          <a:noFill/>
+        </p:spPr>
+        <p:txBody>
+          <a:bodyPr wrap="none" rtlCol="0">
+            <a:spAutoFit/>
+          </a:bodyPr>
+          <a:lstStyle/>
+          <a:p>
+            <a:r>
+              <a:rPr lang="en-GB" sz="3000" b="1" dirty="0"/>
+              <a:t>Laser</a:t>
+            </a:r>
+          </a:p>
+        </p:txBody>
+      </p:sp>
+      <p:sp>
+        <p:nvSpPr>
+          <p:cNvPr id="44" name="CaixaDeTexto 43">
+            <a:extLst>
+              <a:ext uri="{FF2B5EF4-FFF2-40B4-BE49-F238E27FC236}">
+                <a16:creationId xmlns:a16="http://schemas.microsoft.com/office/drawing/2014/main" id="{0EDA8795-CA94-4B3A-85AF-B784E65A4DC7}"/>
+              </a:ext>
+            </a:extLst>
+          </p:cNvPr>
+          <p:cNvSpPr txBox="1"/>
+          <p:nvPr/>
+        </p:nvSpPr>
+        <p:spPr>
+          <a:xfrm>
+            <a:off x="3681388" y="776211"/>
+            <a:ext cx="1382045" cy="707886"/>
+          </a:xfrm>
+          <a:prstGeom prst="rect">
+            <a:avLst/>
+          </a:prstGeom>
+          <a:noFill/>
+        </p:spPr>
+        <p:txBody>
+          <a:bodyPr wrap="none" rtlCol="0">
+            <a:spAutoFit/>
+          </a:bodyPr>
+          <a:lstStyle/>
+          <a:p>
+            <a:pPr algn="ctr"/>
+            <a:r>
+              <a:rPr lang="en-GB" sz="2000" b="1" dirty="0"/>
+              <a:t>Intensity</a:t>
+            </a:r>
+          </a:p>
+          <a:p>
+            <a:pPr algn="ctr"/>
+            <a:r>
+              <a:rPr lang="en-GB" sz="2000" b="1" dirty="0"/>
+              <a:t> Modulator</a:t>
+            </a:r>
+          </a:p>
+        </p:txBody>
+      </p:sp>
+      <p:grpSp>
+        <p:nvGrpSpPr>
+          <p:cNvPr id="71" name="Agrupar 70">
+            <a:extLst>
+              <a:ext uri="{FF2B5EF4-FFF2-40B4-BE49-F238E27FC236}">
+                <a16:creationId xmlns:a16="http://schemas.microsoft.com/office/drawing/2014/main" id="{780E8B69-3907-4302-872B-50CB368BDD8B}"/>
+              </a:ext>
+            </a:extLst>
+          </p:cNvPr>
+          <p:cNvGrpSpPr/>
+          <p:nvPr/>
+        </p:nvGrpSpPr>
+        <p:grpSpPr>
+          <a:xfrm>
+            <a:off x="10698880" y="4753934"/>
+            <a:ext cx="1225017" cy="1369542"/>
+            <a:chOff x="10498855" y="5477834"/>
+            <a:chExt cx="1225017" cy="1369542"/>
+          </a:xfrm>
+        </p:grpSpPr>
+        <mc:AlternateContent xmlns:mc="http://schemas.openxmlformats.org/markup-compatibility/2006" xmlns:am3d="http://schemas.microsoft.com/office/drawing/2017/model3d">
+          <mc:Choice Requires="am3d">
+            <p:graphicFrame>
+              <p:nvGraphicFramePr>
+                <p:cNvPr id="27" name="Modelo 3D 26" descr="Hemisfério Cinza-Escuro">
+                  <a:extLst>
+                    <a:ext uri="{FF2B5EF4-FFF2-40B4-BE49-F238E27FC236}">
+                      <a16:creationId xmlns:a16="http://schemas.microsoft.com/office/drawing/2014/main" id="{84E0CCAB-7D61-4B1B-ACAF-C110CFF4DB82}"/>
+                    </a:ext>
+                  </a:extLst>
+                </p:cNvPr>
+                <p:cNvGraphicFramePr>
+                  <a:graphicFrameLocks noChangeAspect="1"/>
+                </p:cNvGraphicFramePr>
+                <p:nvPr>
+                  <p:extLst>
+                    <p:ext uri="{D42A27DB-BD31-4B8C-83A1-F6EECF244321}">
+                      <p14:modId xmlns:p14="http://schemas.microsoft.com/office/powerpoint/2010/main" val="48384046"/>
+                    </p:ext>
+                  </p:extLst>
+                </p:nvPr>
+              </p:nvGraphicFramePr>
+              <p:xfrm rot="5400000">
+                <a:off x="10310915" y="5856664"/>
+                <a:ext cx="1178652" cy="802772"/>
+              </p:xfrm>
+              <a:graphic>
+                <a:graphicData uri="http://schemas.microsoft.com/office/drawing/2017/model3d">
+                  <am3d:model3d r:embed="rId8">
+                    <am3d:spPr>
+                      <a:xfrm rot="5400000">
+                        <a:off x="0" y="0"/>
+                        <a:ext cx="1178652" cy="802772"/>
+                      </a:xfrm>
+                      <a:prstGeom prst="rect">
+                        <a:avLst/>
+                      </a:prstGeom>
+                    </am3d:spPr>
+                    <am3d:camera>
+                      <am3d:pos x="0" y="0" z="70522459"/>
+                      <am3d:up dx="0" dy="36000000" dz="0"/>
+                      <am3d:lookAt x="0" y="0" z="0"/>
+                      <am3d:perspective fov="2700000"/>
+                    </am3d:camera>
+                    <am3d:trans>
+                      <am3d:meterPerModelUnit n="6553073" d="1000000"/>
+                      <am3d:preTrans dx="9" dy="-8999683" dz="-344461"/>
+                      <am3d:scale>
+                        <am3d:sx n="1000000" d="1000000"/>
+                        <am3d:sy n="1000000" d="1000000"/>
+                        <am3d:sz n="1000000" d="1000000"/>
+                      </am3d:scale>
+                      <am3d:rot ax="16200000" ay="3600000" az="16200000"/>
+                      <am3d:postTrans dx="0" dy="0" dz="0"/>
+                    </am3d:trans>
+                    <am3d:raster rName="Office3DRenderer" rVer="16.0.8326">
+                      <am3d:blip r:embed="rId9"/>
+                    </am3d:raster>
+                    <am3d:objViewport viewportSz="1615893"/>
+                    <am3d:ambientLight>
+                      <am3d:clr>
+                        <a:scrgbClr r="50000" g="50000" b="50000"/>
+                      </am3d:clr>
+                      <am3d:illuminance n="500000" d="1000000"/>
+                    </am3d:ambientLight>
+                    <am3d:ptLight rad="0">
+                      <am3d:clr>
+                        <a:scrgbClr r="100000" g="75000" b="50000"/>
+                      </am3d:clr>
+                      <am3d:intensity n="9765625" d="1000000"/>
+                      <am3d:pos x="21959998" y="70920001" z="16344003"/>
+                    </am3d:ptLight>
+                    <am3d:ptLight rad="0">
+                      <am3d:clr>
+                        <a:scrgbClr r="40000" g="60000" b="95000"/>
+                      </am3d:clr>
+                      <am3d:intensity n="12250000" d="1000000"/>
+                      <am3d:pos x="-37964106" y="51130435" z="57631972"/>
+                    </am3d:ptLight>
+                    <am3d:ptLight rad="0">
+                      <am3d:clr>
+                        <a:scrgbClr r="86837" g="72700" b="100000"/>
+                      </am3d:clr>
+                      <am3d:intensity n="3125000" d="1000000"/>
+                      <am3d:pos x="-37739122" y="58056624" z="-34769649"/>
+                    </am3d:ptLight>
+                  </am3d:model3d>
+                </a:graphicData>
+              </a:graphic>
+            </p:graphicFrame>
+          </mc:Choice>
+          <mc:Fallback xmlns="">
+            <p:pic>
+              <p:nvPicPr>
+                <p:cNvPr id="27" name="Modelo 3D 26" descr="Hemisfério Cinza-Escuro">
+                  <a:extLst>
+                    <a:ext uri="{FF2B5EF4-FFF2-40B4-BE49-F238E27FC236}">
+                      <a16:creationId xmlns:a16="http://schemas.microsoft.com/office/drawing/2014/main" id="{84E0CCAB-7D61-4B1B-ACAF-C110CFF4DB82}"/>
+                    </a:ext>
+                  </a:extLst>
+                </p:cNvPr>
+                <p:cNvPicPr>
+                  <a:picLocks noGrp="1" noRot="1" noChangeAspect="1" noMove="1" noResize="1" noEditPoints="1" noAdjustHandles="1" noChangeArrowheads="1" noChangeShapeType="1" noCrop="1"/>
+                </p:cNvPicPr>
+                <p:nvPr/>
+              </p:nvPicPr>
+              <p:blipFill>
+                <a:blip r:embed="rId10"/>
+                <a:stretch>
+                  <a:fillRect/>
+                </a:stretch>
+              </p:blipFill>
+              <p:spPr>
+                <a:xfrm rot="5400000">
+                  <a:off x="10472840" y="5628064"/>
+                  <a:ext cx="1178652" cy="802772"/>
+                </a:xfrm>
+                <a:prstGeom prst="rect">
+                  <a:avLst/>
+                </a:prstGeom>
+              </p:spPr>
+            </p:pic>
+          </mc:Fallback>
+        </mc:AlternateContent>
+        <p:sp>
+          <p:nvSpPr>
+            <p:cNvPr id="47" name="CaixaDeTexto 46">
+              <a:extLst>
+                <a:ext uri="{FF2B5EF4-FFF2-40B4-BE49-F238E27FC236}">
+                  <a16:creationId xmlns:a16="http://schemas.microsoft.com/office/drawing/2014/main" id="{8973744B-C158-45F6-B7DA-10886371E7AD}"/>
+                </a:ext>
+              </a:extLst>
+            </p:cNvPr>
+            <p:cNvSpPr txBox="1"/>
+            <p:nvPr/>
+          </p:nvSpPr>
+          <p:spPr>
+            <a:xfrm>
+              <a:off x="10942889" y="5477834"/>
+              <a:ext cx="780983" cy="553998"/>
+            </a:xfrm>
+            <a:prstGeom prst="rect">
+              <a:avLst/>
+            </a:prstGeom>
+            <a:noFill/>
+          </p:spPr>
+          <p:txBody>
+            <a:bodyPr wrap="none" rtlCol="0">
+              <a:spAutoFit/>
+            </a:bodyPr>
+            <a:lstStyle/>
+            <a:p>
+              <a:r>
+                <a:rPr lang="en-GB" sz="3000" b="1" dirty="0"/>
+                <a:t>D</a:t>
+              </a:r>
+              <a:r>
+                <a:rPr lang="en-GB" sz="3000" b="1" baseline="-25000" dirty="0"/>
+                <a:t>M2</a:t>
+              </a:r>
+            </a:p>
+          </p:txBody>
+        </p:sp>
+      </p:grpSp>
+      <p:sp>
+        <p:nvSpPr>
+          <p:cNvPr id="48" name="CaixaDeTexto 47">
+            <a:extLst>
+              <a:ext uri="{FF2B5EF4-FFF2-40B4-BE49-F238E27FC236}">
+                <a16:creationId xmlns:a16="http://schemas.microsoft.com/office/drawing/2014/main" id="{A2AB5F69-AF24-421C-A1FA-6D69BC18C10F}"/>
+              </a:ext>
+            </a:extLst>
+          </p:cNvPr>
+          <p:cNvSpPr txBox="1"/>
+          <p:nvPr/>
+        </p:nvSpPr>
+        <p:spPr>
+          <a:xfrm>
+            <a:off x="8280649" y="3310233"/>
+            <a:ext cx="1186543" cy="553998"/>
+          </a:xfrm>
+          <a:prstGeom prst="rect">
+            <a:avLst/>
+          </a:prstGeom>
+          <a:noFill/>
+        </p:spPr>
+        <p:txBody>
+          <a:bodyPr wrap="none" rtlCol="0">
+            <a:spAutoFit/>
+          </a:bodyPr>
+          <a:lstStyle/>
+          <a:p>
+            <a:r>
+              <a:rPr lang="en-GB" sz="3000" b="1" dirty="0"/>
+              <a:t>0.5 </a:t>
+            </a:r>
+            <a:r>
+              <a:rPr lang="en-GB" sz="3000" b="1" dirty="0" err="1"/>
+              <a:t>t</a:t>
+            </a:r>
+            <a:r>
+              <a:rPr lang="en-GB" sz="3000" b="1" baseline="-25000" dirty="0" err="1"/>
+              <a:t>bit</a:t>
+            </a:r>
+            <a:endParaRPr lang="en-GB" sz="3000" b="1" baseline="-25000" dirty="0"/>
+          </a:p>
+        </p:txBody>
+      </p:sp>
+      <p:sp>
+        <p:nvSpPr>
+          <p:cNvPr id="49" name="CaixaDeTexto 48">
+            <a:extLst>
+              <a:ext uri="{FF2B5EF4-FFF2-40B4-BE49-F238E27FC236}">
+                <a16:creationId xmlns:a16="http://schemas.microsoft.com/office/drawing/2014/main" id="{DF00DC78-493F-4A09-881D-ECC652B928CC}"/>
+              </a:ext>
+            </a:extLst>
+          </p:cNvPr>
+          <p:cNvSpPr txBox="1"/>
+          <p:nvPr/>
+        </p:nvSpPr>
+        <p:spPr>
+          <a:xfrm>
+            <a:off x="7175885" y="1468601"/>
+            <a:ext cx="461986" cy="553998"/>
+          </a:xfrm>
+          <a:prstGeom prst="rect">
+            <a:avLst/>
+          </a:prstGeom>
+          <a:noFill/>
+        </p:spPr>
+        <p:txBody>
+          <a:bodyPr wrap="none" rtlCol="0">
+            <a:spAutoFit/>
+          </a:bodyPr>
+          <a:lstStyle/>
+          <a:p>
+            <a:r>
+              <a:rPr lang="en-GB" sz="3000" b="1" dirty="0" err="1"/>
+              <a:t>t</a:t>
+            </a:r>
+            <a:r>
+              <a:rPr lang="en-GB" sz="3000" b="1" baseline="-25000" dirty="0" err="1"/>
+              <a:t>B</a:t>
+            </a:r>
+            <a:endParaRPr lang="en-GB" sz="3000" b="1" baseline="-25000" dirty="0"/>
+          </a:p>
+        </p:txBody>
+      </p:sp>
+      <p:sp>
+        <p:nvSpPr>
+          <p:cNvPr id="50" name="CaixaDeTexto 49">
+            <a:extLst>
+              <a:ext uri="{FF2B5EF4-FFF2-40B4-BE49-F238E27FC236}">
+                <a16:creationId xmlns:a16="http://schemas.microsoft.com/office/drawing/2014/main" id="{F1C44298-1642-4EAC-8D47-A952D30FC8D6}"/>
+              </a:ext>
+            </a:extLst>
+          </p:cNvPr>
+          <p:cNvSpPr txBox="1"/>
+          <p:nvPr/>
+        </p:nvSpPr>
+        <p:spPr>
+          <a:xfrm>
+            <a:off x="6872977" y="2516066"/>
+            <a:ext cx="774571" cy="553998"/>
+          </a:xfrm>
+          <a:prstGeom prst="rect">
+            <a:avLst/>
+          </a:prstGeom>
+          <a:noFill/>
+        </p:spPr>
+        <p:txBody>
+          <a:bodyPr wrap="none" rtlCol="0">
+            <a:spAutoFit/>
+          </a:bodyPr>
+          <a:lstStyle/>
+          <a:p>
+            <a:r>
+              <a:rPr lang="en-GB" sz="3000" b="1" dirty="0"/>
+              <a:t>1-t</a:t>
+            </a:r>
+            <a:r>
+              <a:rPr lang="en-GB" sz="3000" b="1" baseline="-25000" dirty="0"/>
+              <a:t>B</a:t>
+            </a:r>
+          </a:p>
+        </p:txBody>
+      </p:sp>
+      <p:sp>
+        <p:nvSpPr>
+          <p:cNvPr id="53" name="Hexágono 52">
+            <a:extLst>
+              <a:ext uri="{FF2B5EF4-FFF2-40B4-BE49-F238E27FC236}">
+                <a16:creationId xmlns:a16="http://schemas.microsoft.com/office/drawing/2014/main" id="{0EF39FF1-9468-4B15-AE62-D30F361F0818}"/>
+              </a:ext>
+            </a:extLst>
+          </p:cNvPr>
+          <p:cNvSpPr/>
+          <p:nvPr/>
+        </p:nvSpPr>
+        <p:spPr>
+          <a:xfrm>
+            <a:off x="7698030" y="4174422"/>
+            <a:ext cx="2246214" cy="942975"/>
+          </a:xfrm>
+          <a:prstGeom prst="hexagon">
+            <a:avLst/>
+          </a:prstGeom>
+          <a:noFill/>
+          <a:ln w="127000" cap="sq">
+            <a:solidFill>
+              <a:schemeClr val="accent4"/>
+            </a:solidFill>
+            <a:miter lim="800000"/>
+          </a:ln>
+        </p:spPr>
+        <p:style>
+          <a:lnRef idx="2">
+            <a:schemeClr val="accent1">
+              <a:shade val="50000"/>
+            </a:schemeClr>
+          </a:lnRef>
+          <a:fillRef idx="1">
+            <a:schemeClr val="accent1"/>
+          </a:fillRef>
+          <a:effectRef idx="0">
+            <a:schemeClr val="accent1"/>
+          </a:effectRef>
+          <a:fontRef idx="minor">
+            <a:schemeClr val="lt1"/>
+          </a:fontRef>
+        </p:style>
+        <p:txBody>
+          <a:bodyPr rtlCol="0" anchor="ctr"/>
+          <a:lstStyle/>
+          <a:p>
+            <a:pPr algn="ctr"/>
+            <a:endParaRPr lang="en-GB"/>
+          </a:p>
+        </p:txBody>
+      </p:sp>
+      <p:cxnSp>
+        <p:nvCxnSpPr>
+          <p:cNvPr id="57" name="Conexão reta 56">
+            <a:extLst>
+              <a:ext uri="{FF2B5EF4-FFF2-40B4-BE49-F238E27FC236}">
+                <a16:creationId xmlns:a16="http://schemas.microsoft.com/office/drawing/2014/main" id="{66EA8DB7-A68B-4DEC-8783-55FEF91B7784}"/>
+              </a:ext>
+            </a:extLst>
+          </p:cNvPr>
+          <p:cNvCxnSpPr>
+            <a:stCxn id="53" idx="0"/>
+          </p:cNvCxnSpPr>
+          <p:nvPr/>
+        </p:nvCxnSpPr>
+        <p:spPr>
+          <a:xfrm>
+            <a:off x="9944244" y="4645909"/>
+            <a:ext cx="914400" cy="914400"/>
+          </a:xfrm>
+          <a:prstGeom prst="line">
+            <a:avLst/>
+          </a:prstGeom>
+          <a:ln w="127000">
+            <a:solidFill>
+              <a:schemeClr val="accent4"/>
+            </a:solidFill>
+          </a:ln>
+        </p:spPr>
+        <p:style>
+          <a:lnRef idx="1">
+            <a:schemeClr val="accent1"/>
+          </a:lnRef>
+          <a:fillRef idx="0">
+            <a:schemeClr val="accent1"/>
+          </a:fillRef>
+          <a:effectRef idx="0">
+            <a:schemeClr val="accent1"/>
+          </a:effectRef>
+          <a:fontRef idx="minor">
+            <a:schemeClr val="tx1"/>
+          </a:fontRef>
+        </p:style>
+      </p:cxnSp>
+      <p:cxnSp>
+        <p:nvCxnSpPr>
+          <p:cNvPr id="63" name="Conexão reta 62">
+            <a:extLst>
+              <a:ext uri="{FF2B5EF4-FFF2-40B4-BE49-F238E27FC236}">
+                <a16:creationId xmlns:a16="http://schemas.microsoft.com/office/drawing/2014/main" id="{9D5B6D5C-B107-4E32-B4F4-B5E76FACD7BE}"/>
+              </a:ext>
+            </a:extLst>
+          </p:cNvPr>
+          <p:cNvCxnSpPr>
+            <a:cxnSpLocks/>
+          </p:cNvCxnSpPr>
+          <p:nvPr/>
+        </p:nvCxnSpPr>
+        <p:spPr>
+          <a:xfrm flipV="1">
+            <a:off x="6783630" y="4664959"/>
+            <a:ext cx="914400" cy="914400"/>
+          </a:xfrm>
+          <a:prstGeom prst="line">
+            <a:avLst/>
+          </a:prstGeom>
+          <a:ln w="127000">
+            <a:solidFill>
+              <a:schemeClr val="accent4"/>
+            </a:solidFill>
+          </a:ln>
+        </p:spPr>
+        <p:style>
+          <a:lnRef idx="1">
+            <a:schemeClr val="accent1"/>
+          </a:lnRef>
+          <a:fillRef idx="0">
+            <a:schemeClr val="accent1"/>
+          </a:fillRef>
+          <a:effectRef idx="0">
+            <a:schemeClr val="accent1"/>
+          </a:effectRef>
+          <a:fontRef idx="minor">
+            <a:schemeClr val="tx1"/>
+          </a:fontRef>
+        </p:style>
+      </p:cxnSp>
+      <p:cxnSp>
+        <p:nvCxnSpPr>
+          <p:cNvPr id="65" name="Conexão reta 64">
+            <a:extLst>
+              <a:ext uri="{FF2B5EF4-FFF2-40B4-BE49-F238E27FC236}">
+                <a16:creationId xmlns:a16="http://schemas.microsoft.com/office/drawing/2014/main" id="{6884B1D7-F3C4-4BF2-9CCD-C5CC953B59E3}"/>
+              </a:ext>
+            </a:extLst>
+          </p:cNvPr>
+          <p:cNvCxnSpPr>
+            <a:cxnSpLocks/>
+          </p:cNvCxnSpPr>
+          <p:nvPr/>
+        </p:nvCxnSpPr>
+        <p:spPr>
+          <a:xfrm>
+            <a:off x="6793155" y="3741034"/>
+            <a:ext cx="914400" cy="914400"/>
+          </a:xfrm>
+          <a:prstGeom prst="line">
+            <a:avLst/>
+          </a:prstGeom>
+          <a:ln w="127000">
+            <a:solidFill>
+              <a:schemeClr val="accent4"/>
+            </a:solidFill>
+          </a:ln>
+        </p:spPr>
+        <p:style>
+          <a:lnRef idx="1">
+            <a:schemeClr val="accent1"/>
+          </a:lnRef>
+          <a:fillRef idx="0">
+            <a:schemeClr val="accent1"/>
+          </a:fillRef>
+          <a:effectRef idx="0">
+            <a:schemeClr val="accent1"/>
+          </a:effectRef>
+          <a:fontRef idx="minor">
+            <a:schemeClr val="tx1"/>
+          </a:fontRef>
+        </p:style>
+      </p:cxnSp>
+      <p:grpSp>
+        <p:nvGrpSpPr>
+          <p:cNvPr id="76" name="Agrupar 75">
+            <a:extLst>
+              <a:ext uri="{FF2B5EF4-FFF2-40B4-BE49-F238E27FC236}">
+                <a16:creationId xmlns:a16="http://schemas.microsoft.com/office/drawing/2014/main" id="{34D96E33-B495-437F-A3F3-BD079F952083}"/>
+              </a:ext>
+            </a:extLst>
+          </p:cNvPr>
+          <p:cNvGrpSpPr/>
+          <p:nvPr/>
+        </p:nvGrpSpPr>
+        <p:grpSpPr>
+          <a:xfrm>
+            <a:off x="10708405" y="2963234"/>
+            <a:ext cx="1225017" cy="1369542"/>
+            <a:chOff x="10498855" y="5477834"/>
+            <a:chExt cx="1225017" cy="1369542"/>
+          </a:xfrm>
+        </p:grpSpPr>
+        <mc:AlternateContent xmlns:mc="http://schemas.openxmlformats.org/markup-compatibility/2006" xmlns:am3d="http://schemas.microsoft.com/office/drawing/2017/model3d">
+          <mc:Choice Requires="am3d">
+            <p:graphicFrame>
+              <p:nvGraphicFramePr>
+                <p:cNvPr id="77" name="Modelo 3D 76" descr="Hemisfério Cinza-Escuro">
+                  <a:extLst>
+                    <a:ext uri="{FF2B5EF4-FFF2-40B4-BE49-F238E27FC236}">
+                      <a16:creationId xmlns:a16="http://schemas.microsoft.com/office/drawing/2014/main" id="{8814C08B-2BAE-475B-B167-0EC1D5CC6ACD}"/>
+                    </a:ext>
+                  </a:extLst>
+                </p:cNvPr>
+                <p:cNvGraphicFramePr>
+                  <a:graphicFrameLocks noChangeAspect="1"/>
+                </p:cNvGraphicFramePr>
+                <p:nvPr>
+                  <p:extLst>
+                    <p:ext uri="{D42A27DB-BD31-4B8C-83A1-F6EECF244321}">
+                      <p14:modId xmlns:p14="http://schemas.microsoft.com/office/powerpoint/2010/main" val="3220112064"/>
+                    </p:ext>
+                  </p:extLst>
+                </p:nvPr>
+              </p:nvGraphicFramePr>
+              <p:xfrm rot="5400000">
+                <a:off x="10310915" y="5856664"/>
+                <a:ext cx="1178652" cy="802772"/>
+              </p:xfrm>
+              <a:graphic>
+                <a:graphicData uri="http://schemas.microsoft.com/office/drawing/2017/model3d">
+                  <am3d:model3d r:embed="rId8">
+                    <am3d:spPr>
+                      <a:xfrm rot="5400000">
+                        <a:off x="0" y="0"/>
+                        <a:ext cx="1178652" cy="802772"/>
+                      </a:xfrm>
+                      <a:prstGeom prst="rect">
+                        <a:avLst/>
+                      </a:prstGeom>
+                    </am3d:spPr>
+                    <am3d:camera>
+                      <am3d:pos x="0" y="0" z="70522459"/>
+                      <am3d:up dx="0" dy="36000000" dz="0"/>
+                      <am3d:lookAt x="0" y="0" z="0"/>
+                      <am3d:perspective fov="2700000"/>
+                    </am3d:camera>
+                    <am3d:trans>
+                      <am3d:meterPerModelUnit n="6553073" d="1000000"/>
+                      <am3d:preTrans dx="9" dy="-8999683" dz="-344461"/>
+                      <am3d:scale>
+                        <am3d:sx n="1000000" d="1000000"/>
+                        <am3d:sy n="1000000" d="1000000"/>
+                        <am3d:sz n="1000000" d="1000000"/>
+                      </am3d:scale>
+                      <am3d:rot ax="16200000" ay="3600000" az="16200000"/>
+                      <am3d:postTrans dx="0" dy="0" dz="0"/>
+                    </am3d:trans>
+                    <am3d:raster rName="Office3DRenderer" rVer="16.0.8326">
+                      <am3d:blip r:embed="rId9"/>
+                    </am3d:raster>
+                    <am3d:objViewport viewportSz="1615893"/>
+                    <am3d:ambientLight>
+                      <am3d:clr>
+                        <a:scrgbClr r="50000" g="50000" b="50000"/>
+                      </am3d:clr>
+                      <am3d:illuminance n="500000" d="1000000"/>
+                    </am3d:ambientLight>
+                    <am3d:ptLight rad="0">
+                      <am3d:clr>
+                        <a:scrgbClr r="100000" g="75000" b="50000"/>
+                      </am3d:clr>
+                      <am3d:intensity n="9765625" d="1000000"/>
+                      <am3d:pos x="21959998" y="70920001" z="16344003"/>
+                    </am3d:ptLight>
+                    <am3d:ptLight rad="0">
+                      <am3d:clr>
+                        <a:scrgbClr r="40000" g="60000" b="95000"/>
+                      </am3d:clr>
+                      <am3d:intensity n="12250000" d="1000000"/>
+                      <am3d:pos x="-37964106" y="51130435" z="57631972"/>
+                    </am3d:ptLight>
+                    <am3d:ptLight rad="0">
+                      <am3d:clr>
+                        <a:scrgbClr r="86837" g="72700" b="100000"/>
+                      </am3d:clr>
+                      <am3d:intensity n="3125000" d="1000000"/>
+                      <am3d:pos x="-37739122" y="58056624" z="-34769649"/>
+                    </am3d:ptLight>
+                  </am3d:model3d>
+                </a:graphicData>
+              </a:graphic>
+            </p:graphicFrame>
+          </mc:Choice>
+          <mc:Fallback xmlns="">
+            <p:pic>
+              <p:nvPicPr>
+                <p:cNvPr id="77" name="Modelo 3D 76" descr="Hemisfério Cinza-Escuro">
+                  <a:extLst>
+                    <a:ext uri="{FF2B5EF4-FFF2-40B4-BE49-F238E27FC236}">
+                      <a16:creationId xmlns:a16="http://schemas.microsoft.com/office/drawing/2014/main" id="{8814C08B-2BAE-475B-B167-0EC1D5CC6ACD}"/>
+                    </a:ext>
+                  </a:extLst>
+                </p:cNvPr>
+                <p:cNvPicPr>
+                  <a:picLocks noGrp="1" noRot="1" noChangeAspect="1" noMove="1" noResize="1" noEditPoints="1" noAdjustHandles="1" noChangeArrowheads="1" noChangeShapeType="1" noCrop="1"/>
+                </p:cNvPicPr>
+                <p:nvPr/>
+              </p:nvPicPr>
+              <p:blipFill>
+                <a:blip r:embed="rId10"/>
+                <a:stretch>
+                  <a:fillRect/>
+                </a:stretch>
+              </p:blipFill>
+              <p:spPr>
+                <a:xfrm rot="5400000">
+                  <a:off x="10482365" y="3837364"/>
+                  <a:ext cx="1178652" cy="802772"/>
+                </a:xfrm>
+                <a:prstGeom prst="rect">
+                  <a:avLst/>
+                </a:prstGeom>
+              </p:spPr>
+            </p:pic>
+          </mc:Fallback>
+        </mc:AlternateContent>
+        <p:sp>
+          <p:nvSpPr>
+            <p:cNvPr id="78" name="CaixaDeTexto 77">
+              <a:extLst>
+                <a:ext uri="{FF2B5EF4-FFF2-40B4-BE49-F238E27FC236}">
+                  <a16:creationId xmlns:a16="http://schemas.microsoft.com/office/drawing/2014/main" id="{28E57BE4-A1F9-45D1-A74C-B60B1E08634E}"/>
+                </a:ext>
+              </a:extLst>
+            </p:cNvPr>
+            <p:cNvSpPr txBox="1"/>
+            <p:nvPr/>
+          </p:nvSpPr>
+          <p:spPr>
+            <a:xfrm>
+              <a:off x="10942889" y="5477834"/>
+              <a:ext cx="780983" cy="553998"/>
+            </a:xfrm>
+            <a:prstGeom prst="rect">
+              <a:avLst/>
+            </a:prstGeom>
+            <a:noFill/>
+          </p:spPr>
+          <p:txBody>
+            <a:bodyPr wrap="none" rtlCol="0">
+              <a:spAutoFit/>
+            </a:bodyPr>
+            <a:lstStyle/>
+            <a:p>
+              <a:r>
+                <a:rPr lang="en-GB" sz="3000" b="1" dirty="0"/>
+                <a:t>D</a:t>
+              </a:r>
+              <a:r>
+                <a:rPr lang="en-GB" sz="3000" b="1" baseline="-25000" dirty="0"/>
+                <a:t>M1</a:t>
+              </a:r>
+            </a:p>
+          </p:txBody>
+        </p:sp>
+      </p:grpSp>
+      <mc:AlternateContent xmlns:mc="http://schemas.openxmlformats.org/markup-compatibility/2006" xmlns:am3d="http://schemas.microsoft.com/office/drawing/2017/model3d">
+        <mc:Choice Requires="am3d">
+          <p:graphicFrame>
+            <p:nvGraphicFramePr>
+              <p:cNvPr id="82" name="Modelo 3D 81" descr="Sinal de Subtração Cinza-Escuro">
+                <a:extLst>
+                  <a:ext uri="{FF2B5EF4-FFF2-40B4-BE49-F238E27FC236}">
+                    <a16:creationId xmlns:a16="http://schemas.microsoft.com/office/drawing/2014/main" id="{17B1B989-5A36-41E9-84F5-8D5AC06F7925}"/>
+                  </a:ext>
+                </a:extLst>
+              </p:cNvPr>
+              <p:cNvGraphicFramePr>
+                <a:graphicFrameLocks noChangeAspect="1"/>
+              </p:cNvGraphicFramePr>
+              <p:nvPr>
+                <p:extLst>
+                  <p:ext uri="{D42A27DB-BD31-4B8C-83A1-F6EECF244321}">
+                    <p14:modId xmlns:p14="http://schemas.microsoft.com/office/powerpoint/2010/main" val="1304654464"/>
+                  </p:ext>
+                </p:extLst>
+              </p:nvPr>
+            </p:nvGraphicFramePr>
+            <p:xfrm rot="10800000">
+              <a:off x="4870450" y="1578860"/>
+              <a:ext cx="911891" cy="1743209"/>
+            </p:xfrm>
+            <a:graphic>
+              <a:graphicData uri="http://schemas.microsoft.com/office/drawing/2017/model3d">
+                <am3d:model3d r:embed="rId2">
+                  <am3d:spPr>
+                    <a:xfrm rot="10800000">
+                      <a:off x="0" y="0"/>
+                      <a:ext cx="911891" cy="1743209"/>
+                    </a:xfrm>
+                    <a:prstGeom prst="rect">
+                      <a:avLst/>
+                    </a:prstGeom>
+                  </am3d:spPr>
+                  <am3d:camera>
+                    <am3d:pos x="0" y="0" z="49021875"/>
+                    <am3d:up dx="0" dy="36000000" dz="0"/>
+                    <am3d:lookAt x="0" y="0" z="0"/>
+                    <am3d:perspective fov="2700000"/>
+                  </am3d:camera>
+                  <am3d:trans>
+                    <am3d:meterPerModelUnit n="4685389" d="1000000"/>
+                    <am3d:preTrans dx="-2441" dy="-23614363" dz="0"/>
+                    <am3d:scale>
+                      <am3d:sx n="1000000" d="1000000"/>
+                      <am3d:sy n="1000000" d="1000000"/>
+                      <am3d:sz n="1000000" d="1000000"/>
+                    </am3d:scale>
+                    <am3d:rot ax="5616986" ay="4619897" az="5622683"/>
+                    <am3d:postTrans dx="0" dy="0" dz="0"/>
+                  </am3d:trans>
+                  <am3d:raster rName="Office3DRenderer" rVer="16.0.8326">
+                    <am3d:blip r:embed="rId3"/>
+                  </am3d:raster>
+                  <am3d:objViewport viewportSz="2651383"/>
+                  <am3d:ambientLight>
+                    <am3d:clr>
+                      <a:scrgbClr r="50000" g="50000" b="50000"/>
+                    </am3d:clr>
+                    <am3d:illuminance n="500000" d="1000000"/>
+                  </am3d:ambientLight>
+                  <am3d:ptLight rad="0">
+                    <am3d:clr>
+                      <a:scrgbClr r="100000" g="75000" b="50000"/>
+                    </am3d:clr>
+                    <am3d:intensity n="9765625" d="1000000"/>
+                    <am3d:pos x="21959998" y="70920001" z="16344003"/>
+                  </am3d:ptLight>
+                  <am3d:ptLight rad="0">
+                    <am3d:clr>
+                      <a:scrgbClr r="40000" g="60000" b="95000"/>
+                    </am3d:clr>
+                    <am3d:intensity n="12250000" d="1000000"/>
+                    <am3d:pos x="-37964106" y="51130435" z="57631972"/>
+                  </am3d:ptLight>
+                  <am3d:ptLight rad="0">
+                    <am3d:clr>
+                      <a:scrgbClr r="86837" g="72700" b="100000"/>
+                    </am3d:clr>
+                    <am3d:intensity n="3125000" d="1000000"/>
+                    <am3d:pos x="-37739122" y="58056624" z="-34769649"/>
+                  </am3d:ptLight>
+                </am3d:model3d>
+              </a:graphicData>
+            </a:graphic>
+          </p:graphicFrame>
+        </mc:Choice>
+        <mc:Fallback xmlns="">
+          <p:pic>
+            <p:nvPicPr>
+              <p:cNvPr id="82" name="Modelo 3D 81" descr="Sinal de Subtração Cinza-Escuro">
+                <a:extLst>
+                  <a:ext uri="{FF2B5EF4-FFF2-40B4-BE49-F238E27FC236}">
+                    <a16:creationId xmlns:a16="http://schemas.microsoft.com/office/drawing/2014/main" id="{17B1B989-5A36-41E9-84F5-8D5AC06F7925}"/>
+                  </a:ext>
+                </a:extLst>
+              </p:cNvPr>
+              <p:cNvPicPr>
+                <a:picLocks noGrp="1" noRot="1" noChangeAspect="1" noMove="1" noResize="1" noEditPoints="1" noAdjustHandles="1" noChangeArrowheads="1" noChangeShapeType="1" noCrop="1"/>
+              </p:cNvPicPr>
+              <p:nvPr/>
+            </p:nvPicPr>
+            <p:blipFill>
+              <a:blip r:embed="rId4"/>
+              <a:stretch>
+                <a:fillRect/>
+              </a:stretch>
+            </p:blipFill>
+            <p:spPr>
+              <a:xfrm rot="10800000">
+                <a:off x="4870450" y="1578860"/>
+                <a:ext cx="911891" cy="1743209"/>
+              </a:xfrm>
+              <a:prstGeom prst="rect">
+                <a:avLst/>
+              </a:prstGeom>
+            </p:spPr>
+          </p:pic>
+        </mc:Fallback>
+      </mc:AlternateContent>
+      <p:cxnSp>
+        <p:nvCxnSpPr>
+          <p:cNvPr id="67" name="Conexão reta 66">
+            <a:extLst>
+              <a:ext uri="{FF2B5EF4-FFF2-40B4-BE49-F238E27FC236}">
+                <a16:creationId xmlns:a16="http://schemas.microsoft.com/office/drawing/2014/main" id="{B819E0FF-81F7-4171-9AFE-1AEEC6159964}"/>
+              </a:ext>
+            </a:extLst>
+          </p:cNvPr>
+          <p:cNvCxnSpPr>
+            <a:cxnSpLocks/>
+          </p:cNvCxnSpPr>
+          <p:nvPr/>
+        </p:nvCxnSpPr>
+        <p:spPr>
+          <a:xfrm flipV="1">
+            <a:off x="6793155" y="2121870"/>
+            <a:ext cx="0" cy="1561130"/>
+          </a:xfrm>
+          <a:prstGeom prst="line">
+            <a:avLst/>
+          </a:prstGeom>
+          <a:ln w="127000" cap="rnd">
+            <a:solidFill>
+              <a:schemeClr val="accent4"/>
+            </a:solidFill>
+            <a:round/>
+          </a:ln>
+        </p:spPr>
+        <p:style>
+          <a:lnRef idx="1">
+            <a:schemeClr val="accent1"/>
+          </a:lnRef>
+          <a:fillRef idx="0">
+            <a:schemeClr val="accent1"/>
+          </a:fillRef>
+          <a:effectRef idx="0">
+            <a:schemeClr val="accent1"/>
+          </a:effectRef>
+          <a:fontRef idx="minor">
+            <a:schemeClr val="tx1"/>
+          </a:fontRef>
+        </p:style>
+      </p:cxnSp>
+      <p:grpSp>
+        <p:nvGrpSpPr>
+          <p:cNvPr id="79" name="Agrupar 78">
+            <a:extLst>
+              <a:ext uri="{FF2B5EF4-FFF2-40B4-BE49-F238E27FC236}">
+                <a16:creationId xmlns:a16="http://schemas.microsoft.com/office/drawing/2014/main" id="{B6F1DAB8-F449-4FEF-A1B7-451CE97764E3}"/>
+              </a:ext>
+            </a:extLst>
+          </p:cNvPr>
+          <p:cNvGrpSpPr/>
+          <p:nvPr/>
+        </p:nvGrpSpPr>
+        <p:grpSpPr>
+          <a:xfrm>
+            <a:off x="10708405" y="1340809"/>
+            <a:ext cx="1015024" cy="1369542"/>
+            <a:chOff x="10498855" y="5477834"/>
+            <a:chExt cx="1015024" cy="1369542"/>
+          </a:xfrm>
+        </p:grpSpPr>
+        <mc:AlternateContent xmlns:mc="http://schemas.openxmlformats.org/markup-compatibility/2006" xmlns:am3d="http://schemas.microsoft.com/office/drawing/2017/model3d">
+          <mc:Choice Requires="am3d">
+            <p:graphicFrame>
+              <p:nvGraphicFramePr>
+                <p:cNvPr id="80" name="Modelo 3D 79" descr="Hemisfério Cinza-Escuro">
+                  <a:extLst>
+                    <a:ext uri="{FF2B5EF4-FFF2-40B4-BE49-F238E27FC236}">
+                      <a16:creationId xmlns:a16="http://schemas.microsoft.com/office/drawing/2014/main" id="{FC13DA74-E81F-494C-9207-78A85F36B252}"/>
+                    </a:ext>
+                  </a:extLst>
+                </p:cNvPr>
+                <p:cNvGraphicFramePr>
+                  <a:graphicFrameLocks noChangeAspect="1"/>
+                </p:cNvGraphicFramePr>
+                <p:nvPr>
+                  <p:extLst>
+                    <p:ext uri="{D42A27DB-BD31-4B8C-83A1-F6EECF244321}">
+                      <p14:modId xmlns:p14="http://schemas.microsoft.com/office/powerpoint/2010/main" val="3220112064"/>
+                    </p:ext>
+                  </p:extLst>
+                </p:nvPr>
+              </p:nvGraphicFramePr>
+              <p:xfrm rot="5400000">
+                <a:off x="10310915" y="5856664"/>
+                <a:ext cx="1178652" cy="802772"/>
+              </p:xfrm>
+              <a:graphic>
+                <a:graphicData uri="http://schemas.microsoft.com/office/drawing/2017/model3d">
+                  <am3d:model3d r:embed="rId8">
+                    <am3d:spPr>
+                      <a:xfrm rot="5400000">
+                        <a:off x="0" y="0"/>
+                        <a:ext cx="1178652" cy="802772"/>
+                      </a:xfrm>
+                      <a:prstGeom prst="rect">
+                        <a:avLst/>
+                      </a:prstGeom>
+                    </am3d:spPr>
+                    <am3d:camera>
+                      <am3d:pos x="0" y="0" z="70522459"/>
+                      <am3d:up dx="0" dy="36000000" dz="0"/>
+                      <am3d:lookAt x="0" y="0" z="0"/>
+                      <am3d:perspective fov="2700000"/>
+                    </am3d:camera>
+                    <am3d:trans>
+                      <am3d:meterPerModelUnit n="6553073" d="1000000"/>
+                      <am3d:preTrans dx="9" dy="-8999683" dz="-344461"/>
+                      <am3d:scale>
+                        <am3d:sx n="1000000" d="1000000"/>
+                        <am3d:sy n="1000000" d="1000000"/>
+                        <am3d:sz n="1000000" d="1000000"/>
+                      </am3d:scale>
+                      <am3d:rot ax="16200000" ay="3600000" az="16200000"/>
+                      <am3d:postTrans dx="0" dy="0" dz="0"/>
+                    </am3d:trans>
+                    <am3d:raster rName="Office3DRenderer" rVer="16.0.8326">
+                      <am3d:blip r:embed="rId10"/>
+                    </am3d:raster>
+                    <am3d:objViewport viewportSz="1615893"/>
+                    <am3d:ambientLight>
+                      <am3d:clr>
+                        <a:scrgbClr r="50000" g="50000" b="50000"/>
+                      </am3d:clr>
+                      <am3d:illuminance n="500000" d="1000000"/>
+                    </am3d:ambientLight>
+                    <am3d:ptLight rad="0">
+                      <am3d:clr>
+                        <a:scrgbClr r="100000" g="75000" b="50000"/>
+                      </am3d:clr>
+                      <am3d:intensity n="9765625" d="1000000"/>
+                      <am3d:pos x="21959998" y="70920001" z="16344003"/>
+                    </am3d:ptLight>
+                    <am3d:ptLight rad="0">
+                      <am3d:clr>
+                        <a:scrgbClr r="40000" g="60000" b="95000"/>
+                      </am3d:clr>
+                      <am3d:intensity n="12250000" d="1000000"/>
+                      <am3d:pos x="-37964106" y="51130435" z="57631972"/>
+                    </am3d:ptLight>
+                    <am3d:ptLight rad="0">
+                      <am3d:clr>
+                        <a:scrgbClr r="86837" g="72700" b="100000"/>
+                      </am3d:clr>
+                      <am3d:intensity n="3125000" d="1000000"/>
+                      <am3d:pos x="-37739122" y="58056624" z="-34769649"/>
+                    </am3d:ptLight>
+                  </am3d:model3d>
+                </a:graphicData>
+              </a:graphic>
+            </p:graphicFrame>
+          </mc:Choice>
+          <mc:Fallback xmlns="">
+            <p:pic>
+              <p:nvPicPr>
+                <p:cNvPr id="80" name="Modelo 3D 79" descr="Hemisfério Cinza-Escuro">
+                  <a:extLst>
+                    <a:ext uri="{FF2B5EF4-FFF2-40B4-BE49-F238E27FC236}">
+                      <a16:creationId xmlns:a16="http://schemas.microsoft.com/office/drawing/2014/main" id="{FC13DA74-E81F-494C-9207-78A85F36B252}"/>
+                    </a:ext>
+                  </a:extLst>
+                </p:cNvPr>
+                <p:cNvPicPr>
+                  <a:picLocks noGrp="1" noRot="1" noChangeAspect="1" noMove="1" noResize="1" noEditPoints="1" noAdjustHandles="1" noChangeArrowheads="1" noChangeShapeType="1" noCrop="1"/>
+                </p:cNvPicPr>
+                <p:nvPr/>
+              </p:nvPicPr>
+              <p:blipFill>
+                <a:blip r:embed="rId10"/>
+                <a:stretch>
+                  <a:fillRect/>
+                </a:stretch>
+              </p:blipFill>
+              <p:spPr>
+                <a:xfrm rot="5400000">
+                  <a:off x="10482365" y="1237039"/>
+                  <a:ext cx="1178652" cy="802772"/>
+                </a:xfrm>
+                <a:prstGeom prst="rect">
+                  <a:avLst/>
+                </a:prstGeom>
+              </p:spPr>
+            </p:pic>
+          </mc:Fallback>
+        </mc:AlternateContent>
+        <p:sp>
+          <p:nvSpPr>
+            <p:cNvPr id="81" name="CaixaDeTexto 80">
+              <a:extLst>
+                <a:ext uri="{FF2B5EF4-FFF2-40B4-BE49-F238E27FC236}">
+                  <a16:creationId xmlns:a16="http://schemas.microsoft.com/office/drawing/2014/main" id="{418552F7-6CF1-464B-8A70-F98C0B9405F6}"/>
+                </a:ext>
+              </a:extLst>
+            </p:cNvPr>
+            <p:cNvSpPr txBox="1"/>
+            <p:nvPr/>
+          </p:nvSpPr>
+          <p:spPr>
+            <a:xfrm>
+              <a:off x="10942889" y="5477834"/>
+              <a:ext cx="570990" cy="553998"/>
+            </a:xfrm>
+            <a:prstGeom prst="rect">
+              <a:avLst/>
+            </a:prstGeom>
+            <a:noFill/>
+          </p:spPr>
+          <p:txBody>
+            <a:bodyPr wrap="none" rtlCol="0">
+              <a:spAutoFit/>
+            </a:bodyPr>
+            <a:lstStyle/>
+            <a:p>
+              <a:r>
+                <a:rPr lang="en-GB" sz="3000" b="1" dirty="0"/>
+                <a:t>D</a:t>
+              </a:r>
+              <a:r>
+                <a:rPr lang="en-GB" sz="3000" b="1" baseline="-25000" dirty="0"/>
+                <a:t>B</a:t>
+              </a:r>
+            </a:p>
+          </p:txBody>
+        </p:sp>
+      </p:grpSp>
       <p:cxnSp>
         <p:nvCxnSpPr>
           <p:cNvPr id="24" name="Conexão reta 23">
@@ -3433,8 +4904,8 @@
         </p:nvCxnSpPr>
         <p:spPr>
           <a:xfrm>
-            <a:off x="2733216" y="2431867"/>
-            <a:ext cx="7406750" cy="36075"/>
+            <a:off x="2685591" y="2085792"/>
+            <a:ext cx="8249109" cy="26553"/>
           </a:xfrm>
           <a:prstGeom prst="line">
             <a:avLst/>
@@ -3456,8 +4927,51 @@
           </a:fontRef>
         </p:style>
       </p:cxnSp>
-      <mc:AlternateContent xmlns:mc="http://schemas.openxmlformats.org/markup-compatibility/2006">
-        <mc:Choice xmlns:am3d="http://schemas.microsoft.com/office/drawing/2017/model3d" Requires="am3d">
+      <p:cxnSp>
+        <p:nvCxnSpPr>
+          <p:cNvPr id="61" name="Conexão reta 60">
+            <a:extLst>
+              <a:ext uri="{FF2B5EF4-FFF2-40B4-BE49-F238E27FC236}">
+                <a16:creationId xmlns:a16="http://schemas.microsoft.com/office/drawing/2014/main" id="{CFFF43EB-8583-4F91-99F2-1F9C400828AF}"/>
+              </a:ext>
+            </a:extLst>
+          </p:cNvPr>
+          <p:cNvCxnSpPr>
+            <a:cxnSpLocks/>
+          </p:cNvCxnSpPr>
+          <p:nvPr/>
+        </p:nvCxnSpPr>
+        <p:spPr>
+          <a:xfrm flipV="1">
+            <a:off x="9944244" y="3750559"/>
+            <a:ext cx="914400" cy="914400"/>
+          </a:xfrm>
+          <a:prstGeom prst="line">
+            <a:avLst/>
+          </a:prstGeom>
+          <a:ln w="127000">
+            <a:solidFill>
+              <a:schemeClr val="accent4"/>
+            </a:solidFill>
+          </a:ln>
+        </p:spPr>
+        <p:style>
+          <a:lnRef idx="1">
+            <a:schemeClr val="accent1"/>
+          </a:lnRef>
+          <a:fillRef idx="0">
+            <a:schemeClr val="accent1"/>
+          </a:fillRef>
+          <a:effectRef idx="0">
+            <a:schemeClr val="accent1"/>
+          </a:effectRef>
+          <a:fontRef idx="minor">
+            <a:schemeClr val="tx1"/>
+          </a:fontRef>
+        </p:style>
+      </p:cxnSp>
+      <mc:AlternateContent xmlns:mc="http://schemas.openxmlformats.org/markup-compatibility/2006" xmlns:am3d="http://schemas.microsoft.com/office/drawing/2017/model3d">
+        <mc:Choice Requires="am3d">
           <p:graphicFrame>
             <p:nvGraphicFramePr>
               <p:cNvPr id="19" name="Modelo 3D 18" descr="Cuboide Cinza-Escuro">
@@ -3473,22 +4987,22 @@
               <p:nvPr>
                 <p:extLst>
                   <p:ext uri="{D42A27DB-BD31-4B8C-83A1-F6EECF244321}">
-                    <p14:modId xmlns:p14="http://schemas.microsoft.com/office/powerpoint/2010/main" val="3778192463"/>
+                    <p14:modId xmlns:p14="http://schemas.microsoft.com/office/powerpoint/2010/main" val="559341025"/>
                   </p:ext>
                 </p:extLst>
               </p:nvPr>
             </p:nvGraphicFramePr>
             <p:xfrm>
-              <a:off x="-1106906" y="1374133"/>
-              <a:ext cx="6598390" cy="1741456"/>
+              <a:off x="-827618" y="1028163"/>
+              <a:ext cx="5593181" cy="1741456"/>
             </p:xfrm>
             <a:graphic>
               <a:graphicData uri="http://schemas.microsoft.com/office/drawing/2017/model3d">
-                <am3d:model3d r:embed="rId2">
+                <am3d:model3d r:embed="rId5">
                   <am3d:spPr>
                     <a:xfrm>
                       <a:off x="0" y="0"/>
-                      <a:ext cx="6598390" cy="1741456"/>
+                      <a:ext cx="5593181" cy="1741456"/>
                     </a:xfrm>
                     <a:prstGeom prst="rect">
                       <a:avLst/>
@@ -3512,9 +5026,5018 @@
                     <am3d:postTrans dx="0" dy="0" dz="0"/>
                   </am3d:trans>
                   <am3d:raster rName="Office3DRenderer" rVer="16.0.8326">
-                    <am3d:blip r:embed="rId3"/>
+                    <am3d:blip r:embed="rId11"/>
                   </am3d:raster>
                   <am3d:objViewport viewportSz="3334080"/>
+                  <am3d:ambientLight>
+                    <am3d:clr>
+                      <a:scrgbClr r="50000" g="50000" b="50000"/>
+                    </am3d:clr>
+                    <am3d:illuminance n="500000" d="1000000"/>
+                  </am3d:ambientLight>
+                  <am3d:ptLight rad="0">
+                    <am3d:clr>
+                      <a:scrgbClr r="100000" g="75000" b="50000"/>
+                    </am3d:clr>
+                    <am3d:intensity n="9765625" d="1000000"/>
+                    <am3d:pos x="21959998" y="70920001" z="16344003"/>
+                  </am3d:ptLight>
+                  <am3d:ptLight rad="0">
+                    <am3d:clr>
+                      <a:scrgbClr r="40000" g="60000" b="95000"/>
+                    </am3d:clr>
+                    <am3d:intensity n="12250000" d="1000000"/>
+                    <am3d:pos x="-37964106" y="51130435" z="57631972"/>
+                  </am3d:ptLight>
+                  <am3d:ptLight rad="0">
+                    <am3d:clr>
+                      <a:scrgbClr r="86837" g="72700" b="100000"/>
+                    </am3d:clr>
+                    <am3d:intensity n="3125000" d="1000000"/>
+                    <am3d:pos x="-37739122" y="58056624" z="-34769649"/>
+                  </am3d:ptLight>
+                </am3d:model3d>
+              </a:graphicData>
+            </a:graphic>
+          </p:graphicFrame>
+        </mc:Choice>
+        <mc:Fallback xmlns="">
+          <p:pic>
+            <p:nvPicPr>
+              <p:cNvPr id="19" name="Modelo 3D 18" descr="Cuboide Cinza-Escuro">
+                <a:extLst>
+                  <a:ext uri="{FF2B5EF4-FFF2-40B4-BE49-F238E27FC236}">
+                    <a16:creationId xmlns:a16="http://schemas.microsoft.com/office/drawing/2014/main" id="{3504EDA7-0DC3-4F5F-BB70-A4114A4748E8}"/>
+                  </a:ext>
+                </a:extLst>
+              </p:cNvPr>
+              <p:cNvPicPr>
+                <a:picLocks noGrp="1" noRot="1" noChangeAspect="1" noMove="1" noResize="1" noEditPoints="1" noAdjustHandles="1" noChangeArrowheads="1" noChangeShapeType="1" noCrop="1"/>
+              </p:cNvPicPr>
+              <p:nvPr/>
+            </p:nvPicPr>
+            <p:blipFill>
+              <a:blip r:embed="rId12"/>
+              <a:stretch>
+                <a:fillRect/>
+              </a:stretch>
+            </p:blipFill>
+            <p:spPr>
+              <a:xfrm>
+                <a:off x="-827618" y="1028163"/>
+                <a:ext cx="5593181" cy="1741456"/>
+              </a:xfrm>
+              <a:prstGeom prst="rect">
+                <a:avLst/>
+              </a:prstGeom>
+            </p:spPr>
+          </p:pic>
+        </mc:Fallback>
+      </mc:AlternateContent>
+      <p:sp>
+        <p:nvSpPr>
+          <p:cNvPr id="83" name="CaixaDeTexto 82">
+            <a:extLst>
+              <a:ext uri="{FF2B5EF4-FFF2-40B4-BE49-F238E27FC236}">
+                <a16:creationId xmlns:a16="http://schemas.microsoft.com/office/drawing/2014/main" id="{8789217A-9335-45E4-83F2-00B96068D3B2}"/>
+              </a:ext>
+            </a:extLst>
+          </p:cNvPr>
+          <p:cNvSpPr txBox="1"/>
+          <p:nvPr/>
+        </p:nvSpPr>
+        <p:spPr>
+          <a:xfrm>
+            <a:off x="4611920" y="2837003"/>
+            <a:ext cx="1323824" cy="707886"/>
+          </a:xfrm>
+          <a:prstGeom prst="rect">
+            <a:avLst/>
+          </a:prstGeom>
+          <a:noFill/>
+        </p:spPr>
+        <p:txBody>
+          <a:bodyPr wrap="none" rtlCol="0">
+            <a:spAutoFit/>
+          </a:bodyPr>
+          <a:lstStyle/>
+          <a:p>
+            <a:pPr algn="ctr"/>
+            <a:r>
+              <a:rPr lang="en-GB" sz="2000" b="1" dirty="0"/>
+              <a:t>Optical</a:t>
+            </a:r>
+          </a:p>
+          <a:p>
+            <a:pPr algn="ctr"/>
+            <a:r>
+              <a:rPr lang="en-GB" sz="2000" b="1" dirty="0"/>
+              <a:t>attenuator</a:t>
+            </a:r>
+          </a:p>
+        </p:txBody>
+      </p:sp>
+    </p:spTree>
+    <p:extLst>
+      <p:ext uri="{BB962C8B-B14F-4D97-AF65-F5344CB8AC3E}">
+        <p14:creationId xmlns:p14="http://schemas.microsoft.com/office/powerpoint/2010/main" val="4279915656"/>
+      </p:ext>
+    </p:extLst>
+  </p:cSld>
+  <p:clrMapOvr>
+    <a:masterClrMapping/>
+  </p:clrMapOvr>
+</p:sld>
+</file>
+
+<file path=ppt/slides/slide2.xml><?xml version="1.0" encoding="utf-8"?>
+<p:sld xmlns:a="http://schemas.openxmlformats.org/drawingml/2006/main" xmlns:r="http://schemas.openxmlformats.org/officeDocument/2006/relationships" xmlns:p="http://schemas.openxmlformats.org/presentationml/2006/main">
+  <p:cSld>
+    <p:spTree>
+      <p:nvGrpSpPr>
+        <p:cNvPr id="1" name=""/>
+        <p:cNvGrpSpPr/>
+        <p:nvPr/>
+      </p:nvGrpSpPr>
+      <p:grpSpPr>
+        <a:xfrm>
+          <a:off x="0" y="0"/>
+          <a:ext cx="0" cy="0"/>
+          <a:chOff x="0" y="0"/>
+          <a:chExt cx="0" cy="0"/>
+        </a:xfrm>
+      </p:grpSpPr>
+      <p:grpSp>
+        <p:nvGrpSpPr>
+          <p:cNvPr id="2" name="Agrupar 1">
+            <a:extLst>
+              <a:ext uri="{FF2B5EF4-FFF2-40B4-BE49-F238E27FC236}">
+                <a16:creationId xmlns:a16="http://schemas.microsoft.com/office/drawing/2014/main" id="{0A36541F-5842-40EB-B585-268C4E7FA2D7}"/>
+              </a:ext>
+            </a:extLst>
+          </p:cNvPr>
+          <p:cNvGrpSpPr/>
+          <p:nvPr/>
+        </p:nvGrpSpPr>
+        <p:grpSpPr>
+          <a:xfrm>
+            <a:off x="49142" y="1286435"/>
+            <a:ext cx="12093715" cy="4285127"/>
+            <a:chOff x="1730691" y="2171978"/>
+            <a:chExt cx="8592073" cy="2990566"/>
+          </a:xfrm>
+        </p:grpSpPr>
+        <p:pic>
+          <p:nvPicPr>
+            <p:cNvPr id="3" name="Gráfico 4" descr="Portátil">
+              <a:extLst>
+                <a:ext uri="{FF2B5EF4-FFF2-40B4-BE49-F238E27FC236}">
+                  <a16:creationId xmlns:a16="http://schemas.microsoft.com/office/drawing/2014/main" id="{5DB86A37-0B5B-46EC-B847-3ABC8859582F}"/>
+                </a:ext>
+              </a:extLst>
+            </p:cNvPr>
+            <p:cNvPicPr>
+              <a:picLocks noChangeAspect="1"/>
+            </p:cNvPicPr>
+            <p:nvPr/>
+          </p:nvPicPr>
+          <p:blipFill>
+            <a:blip r:embed="rId2">
+              <a:extLst>
+                <a:ext uri="{28A0092B-C50C-407E-A947-70E740481C1C}">
+                  <a14:useLocalDpi xmlns:a14="http://schemas.microsoft.com/office/drawing/2010/main" val="0"/>
+                </a:ext>
+                <a:ext uri="{96DAC541-7B7A-43D3-8B79-37D633B846F1}">
+                  <asvg:svgBlip xmlns:asvg="http://schemas.microsoft.com/office/drawing/2016/SVG/main" r:embed="rId3"/>
+                </a:ext>
+              </a:extLst>
+            </a:blip>
+            <a:stretch>
+              <a:fillRect/>
+            </a:stretch>
+          </p:blipFill>
+          <p:spPr>
+            <a:xfrm>
+              <a:off x="1730691" y="2529000"/>
+              <a:ext cx="1800000" cy="1800000"/>
+            </a:xfrm>
+            <a:prstGeom prst="rect">
+              <a:avLst/>
+            </a:prstGeom>
+          </p:spPr>
+        </p:pic>
+        <p:pic>
+          <p:nvPicPr>
+            <p:cNvPr id="4" name="Gráfico 6" descr="Computador">
+              <a:extLst>
+                <a:ext uri="{FF2B5EF4-FFF2-40B4-BE49-F238E27FC236}">
+                  <a16:creationId xmlns:a16="http://schemas.microsoft.com/office/drawing/2014/main" id="{8341499F-2061-4211-978D-0C5E4BAFD1D1}"/>
+                </a:ext>
+              </a:extLst>
+            </p:cNvPr>
+            <p:cNvPicPr>
+              <a:picLocks noChangeAspect="1"/>
+            </p:cNvPicPr>
+            <p:nvPr/>
+          </p:nvPicPr>
+          <p:blipFill>
+            <a:blip r:embed="rId4">
+              <a:extLst>
+                <a:ext uri="{28A0092B-C50C-407E-A947-70E740481C1C}">
+                  <a14:useLocalDpi xmlns:a14="http://schemas.microsoft.com/office/drawing/2010/main" val="0"/>
+                </a:ext>
+                <a:ext uri="{96DAC541-7B7A-43D3-8B79-37D633B846F1}">
+                  <asvg:svgBlip xmlns:asvg="http://schemas.microsoft.com/office/drawing/2016/SVG/main" r:embed="rId5"/>
+                </a:ext>
+              </a:extLst>
+            </a:blip>
+            <a:stretch>
+              <a:fillRect/>
+            </a:stretch>
+          </p:blipFill>
+          <p:spPr>
+            <a:xfrm>
+              <a:off x="8522764" y="2529000"/>
+              <a:ext cx="1800000" cy="1800000"/>
+            </a:xfrm>
+            <a:prstGeom prst="rect">
+              <a:avLst/>
+            </a:prstGeom>
+          </p:spPr>
+        </p:pic>
+        <p:sp>
+          <p:nvSpPr>
+            <p:cNvPr id="5" name="CaixaDeTexto 7">
+              <a:extLst>
+                <a:ext uri="{FF2B5EF4-FFF2-40B4-BE49-F238E27FC236}">
+                  <a16:creationId xmlns:a16="http://schemas.microsoft.com/office/drawing/2014/main" id="{4F86CFD7-350E-415C-9909-620977800070}"/>
+                </a:ext>
+              </a:extLst>
+            </p:cNvPr>
+            <p:cNvSpPr txBox="1"/>
+            <p:nvPr/>
+          </p:nvSpPr>
+          <p:spPr>
+            <a:xfrm>
+              <a:off x="2447428" y="2171978"/>
+              <a:ext cx="1124288" cy="644387"/>
+            </a:xfrm>
+            <a:prstGeom prst="rect">
+              <a:avLst/>
+            </a:prstGeom>
+            <a:noFill/>
+          </p:spPr>
+          <p:txBody>
+            <a:bodyPr wrap="none" rtlCol="0">
+              <a:spAutoFit/>
+            </a:bodyPr>
+            <a:lstStyle>
+              <a:defPPr>
+                <a:defRPr lang="pt-PT"/>
+              </a:defPPr>
+              <a:lvl1pPr marL="0" algn="l" defTabSz="914400" rtl="0" eaLnBrk="1" latinLnBrk="0" hangingPunct="1">
+                <a:defRPr sz="1800" kern="1200">
+                  <a:solidFill>
+                    <a:schemeClr val="tx1"/>
+                  </a:solidFill>
+                  <a:latin typeface="+mn-lt"/>
+                  <a:ea typeface="+mn-ea"/>
+                  <a:cs typeface="+mn-cs"/>
+                </a:defRPr>
+              </a:lvl1pPr>
+              <a:lvl2pPr marL="457200" algn="l" defTabSz="914400" rtl="0" eaLnBrk="1" latinLnBrk="0" hangingPunct="1">
+                <a:defRPr sz="1800" kern="1200">
+                  <a:solidFill>
+                    <a:schemeClr val="tx1"/>
+                  </a:solidFill>
+                  <a:latin typeface="+mn-lt"/>
+                  <a:ea typeface="+mn-ea"/>
+                  <a:cs typeface="+mn-cs"/>
+                </a:defRPr>
+              </a:lvl2pPr>
+              <a:lvl3pPr marL="914400" algn="l" defTabSz="914400" rtl="0" eaLnBrk="1" latinLnBrk="0" hangingPunct="1">
+                <a:defRPr sz="1800" kern="1200">
+                  <a:solidFill>
+                    <a:schemeClr val="tx1"/>
+                  </a:solidFill>
+                  <a:latin typeface="+mn-lt"/>
+                  <a:ea typeface="+mn-ea"/>
+                  <a:cs typeface="+mn-cs"/>
+                </a:defRPr>
+              </a:lvl3pPr>
+              <a:lvl4pPr marL="1371600" algn="l" defTabSz="914400" rtl="0" eaLnBrk="1" latinLnBrk="0" hangingPunct="1">
+                <a:defRPr sz="1800" kern="1200">
+                  <a:solidFill>
+                    <a:schemeClr val="tx1"/>
+                  </a:solidFill>
+                  <a:latin typeface="+mn-lt"/>
+                  <a:ea typeface="+mn-ea"/>
+                  <a:cs typeface="+mn-cs"/>
+                </a:defRPr>
+              </a:lvl4pPr>
+              <a:lvl5pPr marL="1828800" algn="l" defTabSz="914400" rtl="0" eaLnBrk="1" latinLnBrk="0" hangingPunct="1">
+                <a:defRPr sz="1800" kern="1200">
+                  <a:solidFill>
+                    <a:schemeClr val="tx1"/>
+                  </a:solidFill>
+                  <a:latin typeface="+mn-lt"/>
+                  <a:ea typeface="+mn-ea"/>
+                  <a:cs typeface="+mn-cs"/>
+                </a:defRPr>
+              </a:lvl5pPr>
+              <a:lvl6pPr marL="2286000" algn="l" defTabSz="914400" rtl="0" eaLnBrk="1" latinLnBrk="0" hangingPunct="1">
+                <a:defRPr sz="1800" kern="1200">
+                  <a:solidFill>
+                    <a:schemeClr val="tx1"/>
+                  </a:solidFill>
+                  <a:latin typeface="+mn-lt"/>
+                  <a:ea typeface="+mn-ea"/>
+                  <a:cs typeface="+mn-cs"/>
+                </a:defRPr>
+              </a:lvl6pPr>
+              <a:lvl7pPr marL="2743200" algn="l" defTabSz="914400" rtl="0" eaLnBrk="1" latinLnBrk="0" hangingPunct="1">
+                <a:defRPr sz="1800" kern="1200">
+                  <a:solidFill>
+                    <a:schemeClr val="tx1"/>
+                  </a:solidFill>
+                  <a:latin typeface="+mn-lt"/>
+                  <a:ea typeface="+mn-ea"/>
+                  <a:cs typeface="+mn-cs"/>
+                </a:defRPr>
+              </a:lvl7pPr>
+              <a:lvl8pPr marL="3200400" algn="l" defTabSz="914400" rtl="0" eaLnBrk="1" latinLnBrk="0" hangingPunct="1">
+                <a:defRPr sz="1800" kern="1200">
+                  <a:solidFill>
+                    <a:schemeClr val="tx1"/>
+                  </a:solidFill>
+                  <a:latin typeface="+mn-lt"/>
+                  <a:ea typeface="+mn-ea"/>
+                  <a:cs typeface="+mn-cs"/>
+                </a:defRPr>
+              </a:lvl8pPr>
+              <a:lvl9pPr marL="3657600" algn="l" defTabSz="914400" rtl="0" eaLnBrk="1" latinLnBrk="0" hangingPunct="1">
+                <a:defRPr sz="1800" kern="1200">
+                  <a:solidFill>
+                    <a:schemeClr val="tx1"/>
+                  </a:solidFill>
+                  <a:latin typeface="+mn-lt"/>
+                  <a:ea typeface="+mn-ea"/>
+                  <a:cs typeface="+mn-cs"/>
+                </a:defRPr>
+              </a:lvl9pPr>
+            </a:lstStyle>
+            <a:p>
+              <a:r>
+                <a:rPr lang="en-GB" sz="5400" b="1" dirty="0"/>
+                <a:t>Alice</a:t>
+              </a:r>
+            </a:p>
+          </p:txBody>
+        </p:sp>
+        <p:sp>
+          <p:nvSpPr>
+            <p:cNvPr id="6" name="CaixaDeTexto 8">
+              <a:extLst>
+                <a:ext uri="{FF2B5EF4-FFF2-40B4-BE49-F238E27FC236}">
+                  <a16:creationId xmlns:a16="http://schemas.microsoft.com/office/drawing/2014/main" id="{FCAE33E1-D80A-4B4D-AF09-2A54F06A456A}"/>
+                </a:ext>
+              </a:extLst>
+            </p:cNvPr>
+            <p:cNvSpPr txBox="1"/>
+            <p:nvPr/>
+          </p:nvSpPr>
+          <p:spPr>
+            <a:xfrm>
+              <a:off x="9233053" y="2175057"/>
+              <a:ext cx="935236" cy="644387"/>
+            </a:xfrm>
+            <a:prstGeom prst="rect">
+              <a:avLst/>
+            </a:prstGeom>
+            <a:noFill/>
+          </p:spPr>
+          <p:txBody>
+            <a:bodyPr wrap="none" rtlCol="0">
+              <a:spAutoFit/>
+            </a:bodyPr>
+            <a:lstStyle>
+              <a:defPPr>
+                <a:defRPr lang="pt-PT"/>
+              </a:defPPr>
+              <a:lvl1pPr marL="0" algn="l" defTabSz="914400" rtl="0" eaLnBrk="1" latinLnBrk="0" hangingPunct="1">
+                <a:defRPr sz="1800" kern="1200">
+                  <a:solidFill>
+                    <a:schemeClr val="tx1"/>
+                  </a:solidFill>
+                  <a:latin typeface="+mn-lt"/>
+                  <a:ea typeface="+mn-ea"/>
+                  <a:cs typeface="+mn-cs"/>
+                </a:defRPr>
+              </a:lvl1pPr>
+              <a:lvl2pPr marL="457200" algn="l" defTabSz="914400" rtl="0" eaLnBrk="1" latinLnBrk="0" hangingPunct="1">
+                <a:defRPr sz="1800" kern="1200">
+                  <a:solidFill>
+                    <a:schemeClr val="tx1"/>
+                  </a:solidFill>
+                  <a:latin typeface="+mn-lt"/>
+                  <a:ea typeface="+mn-ea"/>
+                  <a:cs typeface="+mn-cs"/>
+                </a:defRPr>
+              </a:lvl2pPr>
+              <a:lvl3pPr marL="914400" algn="l" defTabSz="914400" rtl="0" eaLnBrk="1" latinLnBrk="0" hangingPunct="1">
+                <a:defRPr sz="1800" kern="1200">
+                  <a:solidFill>
+                    <a:schemeClr val="tx1"/>
+                  </a:solidFill>
+                  <a:latin typeface="+mn-lt"/>
+                  <a:ea typeface="+mn-ea"/>
+                  <a:cs typeface="+mn-cs"/>
+                </a:defRPr>
+              </a:lvl3pPr>
+              <a:lvl4pPr marL="1371600" algn="l" defTabSz="914400" rtl="0" eaLnBrk="1" latinLnBrk="0" hangingPunct="1">
+                <a:defRPr sz="1800" kern="1200">
+                  <a:solidFill>
+                    <a:schemeClr val="tx1"/>
+                  </a:solidFill>
+                  <a:latin typeface="+mn-lt"/>
+                  <a:ea typeface="+mn-ea"/>
+                  <a:cs typeface="+mn-cs"/>
+                </a:defRPr>
+              </a:lvl4pPr>
+              <a:lvl5pPr marL="1828800" algn="l" defTabSz="914400" rtl="0" eaLnBrk="1" latinLnBrk="0" hangingPunct="1">
+                <a:defRPr sz="1800" kern="1200">
+                  <a:solidFill>
+                    <a:schemeClr val="tx1"/>
+                  </a:solidFill>
+                  <a:latin typeface="+mn-lt"/>
+                  <a:ea typeface="+mn-ea"/>
+                  <a:cs typeface="+mn-cs"/>
+                </a:defRPr>
+              </a:lvl5pPr>
+              <a:lvl6pPr marL="2286000" algn="l" defTabSz="914400" rtl="0" eaLnBrk="1" latinLnBrk="0" hangingPunct="1">
+                <a:defRPr sz="1800" kern="1200">
+                  <a:solidFill>
+                    <a:schemeClr val="tx1"/>
+                  </a:solidFill>
+                  <a:latin typeface="+mn-lt"/>
+                  <a:ea typeface="+mn-ea"/>
+                  <a:cs typeface="+mn-cs"/>
+                </a:defRPr>
+              </a:lvl6pPr>
+              <a:lvl7pPr marL="2743200" algn="l" defTabSz="914400" rtl="0" eaLnBrk="1" latinLnBrk="0" hangingPunct="1">
+                <a:defRPr sz="1800" kern="1200">
+                  <a:solidFill>
+                    <a:schemeClr val="tx1"/>
+                  </a:solidFill>
+                  <a:latin typeface="+mn-lt"/>
+                  <a:ea typeface="+mn-ea"/>
+                  <a:cs typeface="+mn-cs"/>
+                </a:defRPr>
+              </a:lvl7pPr>
+              <a:lvl8pPr marL="3200400" algn="l" defTabSz="914400" rtl="0" eaLnBrk="1" latinLnBrk="0" hangingPunct="1">
+                <a:defRPr sz="1800" kern="1200">
+                  <a:solidFill>
+                    <a:schemeClr val="tx1"/>
+                  </a:solidFill>
+                  <a:latin typeface="+mn-lt"/>
+                  <a:ea typeface="+mn-ea"/>
+                  <a:cs typeface="+mn-cs"/>
+                </a:defRPr>
+              </a:lvl8pPr>
+              <a:lvl9pPr marL="3657600" algn="l" defTabSz="914400" rtl="0" eaLnBrk="1" latinLnBrk="0" hangingPunct="1">
+                <a:defRPr sz="1800" kern="1200">
+                  <a:solidFill>
+                    <a:schemeClr val="tx1"/>
+                  </a:solidFill>
+                  <a:latin typeface="+mn-lt"/>
+                  <a:ea typeface="+mn-ea"/>
+                  <a:cs typeface="+mn-cs"/>
+                </a:defRPr>
+              </a:lvl9pPr>
+            </a:lstStyle>
+            <a:p>
+              <a:r>
+                <a:rPr lang="en-GB" sz="5400" b="1" dirty="0"/>
+                <a:t>Bob</a:t>
+              </a:r>
+            </a:p>
+          </p:txBody>
+        </p:sp>
+        <p:cxnSp>
+          <p:nvCxnSpPr>
+            <p:cNvPr id="7" name="Conexão reta 6">
+              <a:extLst>
+                <a:ext uri="{FF2B5EF4-FFF2-40B4-BE49-F238E27FC236}">
+                  <a16:creationId xmlns:a16="http://schemas.microsoft.com/office/drawing/2014/main" id="{18ED142B-D66C-4223-A010-C14A7FDC6179}"/>
+                </a:ext>
+              </a:extLst>
+            </p:cNvPr>
+            <p:cNvCxnSpPr>
+              <a:stCxn id="3" idx="3"/>
+            </p:cNvCxnSpPr>
+            <p:nvPr/>
+          </p:nvCxnSpPr>
+          <p:spPr>
+            <a:xfrm>
+              <a:off x="3530691" y="3429000"/>
+              <a:ext cx="4846691" cy="0"/>
+            </a:xfrm>
+            <a:prstGeom prst="line">
+              <a:avLst/>
+            </a:prstGeom>
+            <a:ln w="127000">
+              <a:solidFill>
+                <a:srgbClr val="FFC000"/>
+              </a:solidFill>
+              <a:tailEnd type="stealth"/>
+            </a:ln>
+          </p:spPr>
+          <p:style>
+            <a:lnRef idx="1">
+              <a:schemeClr val="accent1"/>
+            </a:lnRef>
+            <a:fillRef idx="0">
+              <a:schemeClr val="accent1"/>
+            </a:fillRef>
+            <a:effectRef idx="0">
+              <a:schemeClr val="accent1"/>
+            </a:effectRef>
+            <a:fontRef idx="minor">
+              <a:schemeClr val="tx1"/>
+            </a:fontRef>
+          </p:style>
+        </p:cxnSp>
+        <p:sp>
+          <p:nvSpPr>
+            <p:cNvPr id="8" name="Parêntese esquerdo 7">
+              <a:extLst>
+                <a:ext uri="{FF2B5EF4-FFF2-40B4-BE49-F238E27FC236}">
+                  <a16:creationId xmlns:a16="http://schemas.microsoft.com/office/drawing/2014/main" id="{7914864C-69D2-41AC-9524-B52063825E71}"/>
+                </a:ext>
+              </a:extLst>
+            </p:cNvPr>
+            <p:cNvSpPr/>
+            <p:nvPr/>
+          </p:nvSpPr>
+          <p:spPr>
+            <a:xfrm rot="16200000">
+              <a:off x="5486847" y="1416339"/>
+              <a:ext cx="1038217" cy="6454194"/>
+            </a:xfrm>
+            <a:prstGeom prst="leftBracket">
+              <a:avLst/>
+            </a:prstGeom>
+            <a:ln w="127000">
+              <a:solidFill>
+                <a:srgbClr val="FF0000"/>
+              </a:solidFill>
+              <a:headEnd type="stealth"/>
+              <a:tailEnd type="stealth"/>
+            </a:ln>
+          </p:spPr>
+          <p:style>
+            <a:lnRef idx="1">
+              <a:schemeClr val="accent1"/>
+            </a:lnRef>
+            <a:fillRef idx="0">
+              <a:schemeClr val="accent1"/>
+            </a:fillRef>
+            <a:effectRef idx="0">
+              <a:schemeClr val="accent1"/>
+            </a:effectRef>
+            <a:fontRef idx="minor">
+              <a:schemeClr val="tx1"/>
+            </a:fontRef>
+          </p:style>
+          <p:txBody>
+            <a:bodyPr rtlCol="0" anchor="ctr"/>
+            <a:lstStyle>
+              <a:defPPr>
+                <a:defRPr lang="pt-PT"/>
+              </a:defPPr>
+              <a:lvl1pPr marL="0" algn="l" defTabSz="914400" rtl="0" eaLnBrk="1" latinLnBrk="0" hangingPunct="1">
+                <a:defRPr sz="1800" kern="1200">
+                  <a:solidFill>
+                    <a:schemeClr val="tx1"/>
+                  </a:solidFill>
+                  <a:latin typeface="+mn-lt"/>
+                  <a:ea typeface="+mn-ea"/>
+                  <a:cs typeface="+mn-cs"/>
+                </a:defRPr>
+              </a:lvl1pPr>
+              <a:lvl2pPr marL="457200" algn="l" defTabSz="914400" rtl="0" eaLnBrk="1" latinLnBrk="0" hangingPunct="1">
+                <a:defRPr sz="1800" kern="1200">
+                  <a:solidFill>
+                    <a:schemeClr val="tx1"/>
+                  </a:solidFill>
+                  <a:latin typeface="+mn-lt"/>
+                  <a:ea typeface="+mn-ea"/>
+                  <a:cs typeface="+mn-cs"/>
+                </a:defRPr>
+              </a:lvl2pPr>
+              <a:lvl3pPr marL="914400" algn="l" defTabSz="914400" rtl="0" eaLnBrk="1" latinLnBrk="0" hangingPunct="1">
+                <a:defRPr sz="1800" kern="1200">
+                  <a:solidFill>
+                    <a:schemeClr val="tx1"/>
+                  </a:solidFill>
+                  <a:latin typeface="+mn-lt"/>
+                  <a:ea typeface="+mn-ea"/>
+                  <a:cs typeface="+mn-cs"/>
+                </a:defRPr>
+              </a:lvl3pPr>
+              <a:lvl4pPr marL="1371600" algn="l" defTabSz="914400" rtl="0" eaLnBrk="1" latinLnBrk="0" hangingPunct="1">
+                <a:defRPr sz="1800" kern="1200">
+                  <a:solidFill>
+                    <a:schemeClr val="tx1"/>
+                  </a:solidFill>
+                  <a:latin typeface="+mn-lt"/>
+                  <a:ea typeface="+mn-ea"/>
+                  <a:cs typeface="+mn-cs"/>
+                </a:defRPr>
+              </a:lvl4pPr>
+              <a:lvl5pPr marL="1828800" algn="l" defTabSz="914400" rtl="0" eaLnBrk="1" latinLnBrk="0" hangingPunct="1">
+                <a:defRPr sz="1800" kern="1200">
+                  <a:solidFill>
+                    <a:schemeClr val="tx1"/>
+                  </a:solidFill>
+                  <a:latin typeface="+mn-lt"/>
+                  <a:ea typeface="+mn-ea"/>
+                  <a:cs typeface="+mn-cs"/>
+                </a:defRPr>
+              </a:lvl5pPr>
+              <a:lvl6pPr marL="2286000" algn="l" defTabSz="914400" rtl="0" eaLnBrk="1" latinLnBrk="0" hangingPunct="1">
+                <a:defRPr sz="1800" kern="1200">
+                  <a:solidFill>
+                    <a:schemeClr val="tx1"/>
+                  </a:solidFill>
+                  <a:latin typeface="+mn-lt"/>
+                  <a:ea typeface="+mn-ea"/>
+                  <a:cs typeface="+mn-cs"/>
+                </a:defRPr>
+              </a:lvl6pPr>
+              <a:lvl7pPr marL="2743200" algn="l" defTabSz="914400" rtl="0" eaLnBrk="1" latinLnBrk="0" hangingPunct="1">
+                <a:defRPr sz="1800" kern="1200">
+                  <a:solidFill>
+                    <a:schemeClr val="tx1"/>
+                  </a:solidFill>
+                  <a:latin typeface="+mn-lt"/>
+                  <a:ea typeface="+mn-ea"/>
+                  <a:cs typeface="+mn-cs"/>
+                </a:defRPr>
+              </a:lvl7pPr>
+              <a:lvl8pPr marL="3200400" algn="l" defTabSz="914400" rtl="0" eaLnBrk="1" latinLnBrk="0" hangingPunct="1">
+                <a:defRPr sz="1800" kern="1200">
+                  <a:solidFill>
+                    <a:schemeClr val="tx1"/>
+                  </a:solidFill>
+                  <a:latin typeface="+mn-lt"/>
+                  <a:ea typeface="+mn-ea"/>
+                  <a:cs typeface="+mn-cs"/>
+                </a:defRPr>
+              </a:lvl8pPr>
+              <a:lvl9pPr marL="3657600" algn="l" defTabSz="914400" rtl="0" eaLnBrk="1" latinLnBrk="0" hangingPunct="1">
+                <a:defRPr sz="1800" kern="1200">
+                  <a:solidFill>
+                    <a:schemeClr val="tx1"/>
+                  </a:solidFill>
+                  <a:latin typeface="+mn-lt"/>
+                  <a:ea typeface="+mn-ea"/>
+                  <a:cs typeface="+mn-cs"/>
+                </a:defRPr>
+              </a:lvl9pPr>
+            </a:lstStyle>
+            <a:p>
+              <a:pPr algn="ctr"/>
+              <a:endParaRPr lang="en-GB"/>
+            </a:p>
+          </p:txBody>
+        </p:sp>
+        <p:sp>
+          <p:nvSpPr>
+            <p:cNvPr id="9" name="CaixaDeTexto 14">
+              <a:extLst>
+                <a:ext uri="{FF2B5EF4-FFF2-40B4-BE49-F238E27FC236}">
+                  <a16:creationId xmlns:a16="http://schemas.microsoft.com/office/drawing/2014/main" id="{F964401F-CF14-44CC-A60D-720660BD4948}"/>
+                </a:ext>
+              </a:extLst>
+            </p:cNvPr>
+            <p:cNvSpPr txBox="1"/>
+            <p:nvPr/>
+          </p:nvSpPr>
+          <p:spPr>
+            <a:xfrm>
+              <a:off x="4686841" y="2934969"/>
+              <a:ext cx="2883881" cy="494030"/>
+            </a:xfrm>
+            <a:prstGeom prst="rect">
+              <a:avLst/>
+            </a:prstGeom>
+            <a:noFill/>
+          </p:spPr>
+          <p:txBody>
+            <a:bodyPr wrap="none" rtlCol="0">
+              <a:spAutoFit/>
+            </a:bodyPr>
+            <a:lstStyle>
+              <a:defPPr>
+                <a:defRPr lang="pt-PT"/>
+              </a:defPPr>
+              <a:lvl1pPr marL="0" algn="l" defTabSz="914400" rtl="0" eaLnBrk="1" latinLnBrk="0" hangingPunct="1">
+                <a:defRPr sz="1800" kern="1200">
+                  <a:solidFill>
+                    <a:schemeClr val="tx1"/>
+                  </a:solidFill>
+                  <a:latin typeface="+mn-lt"/>
+                  <a:ea typeface="+mn-ea"/>
+                  <a:cs typeface="+mn-cs"/>
+                </a:defRPr>
+              </a:lvl1pPr>
+              <a:lvl2pPr marL="457200" algn="l" defTabSz="914400" rtl="0" eaLnBrk="1" latinLnBrk="0" hangingPunct="1">
+                <a:defRPr sz="1800" kern="1200">
+                  <a:solidFill>
+                    <a:schemeClr val="tx1"/>
+                  </a:solidFill>
+                  <a:latin typeface="+mn-lt"/>
+                  <a:ea typeface="+mn-ea"/>
+                  <a:cs typeface="+mn-cs"/>
+                </a:defRPr>
+              </a:lvl2pPr>
+              <a:lvl3pPr marL="914400" algn="l" defTabSz="914400" rtl="0" eaLnBrk="1" latinLnBrk="0" hangingPunct="1">
+                <a:defRPr sz="1800" kern="1200">
+                  <a:solidFill>
+                    <a:schemeClr val="tx1"/>
+                  </a:solidFill>
+                  <a:latin typeface="+mn-lt"/>
+                  <a:ea typeface="+mn-ea"/>
+                  <a:cs typeface="+mn-cs"/>
+                </a:defRPr>
+              </a:lvl3pPr>
+              <a:lvl4pPr marL="1371600" algn="l" defTabSz="914400" rtl="0" eaLnBrk="1" latinLnBrk="0" hangingPunct="1">
+                <a:defRPr sz="1800" kern="1200">
+                  <a:solidFill>
+                    <a:schemeClr val="tx1"/>
+                  </a:solidFill>
+                  <a:latin typeface="+mn-lt"/>
+                  <a:ea typeface="+mn-ea"/>
+                  <a:cs typeface="+mn-cs"/>
+                </a:defRPr>
+              </a:lvl4pPr>
+              <a:lvl5pPr marL="1828800" algn="l" defTabSz="914400" rtl="0" eaLnBrk="1" latinLnBrk="0" hangingPunct="1">
+                <a:defRPr sz="1800" kern="1200">
+                  <a:solidFill>
+                    <a:schemeClr val="tx1"/>
+                  </a:solidFill>
+                  <a:latin typeface="+mn-lt"/>
+                  <a:ea typeface="+mn-ea"/>
+                  <a:cs typeface="+mn-cs"/>
+                </a:defRPr>
+              </a:lvl5pPr>
+              <a:lvl6pPr marL="2286000" algn="l" defTabSz="914400" rtl="0" eaLnBrk="1" latinLnBrk="0" hangingPunct="1">
+                <a:defRPr sz="1800" kern="1200">
+                  <a:solidFill>
+                    <a:schemeClr val="tx1"/>
+                  </a:solidFill>
+                  <a:latin typeface="+mn-lt"/>
+                  <a:ea typeface="+mn-ea"/>
+                  <a:cs typeface="+mn-cs"/>
+                </a:defRPr>
+              </a:lvl6pPr>
+              <a:lvl7pPr marL="2743200" algn="l" defTabSz="914400" rtl="0" eaLnBrk="1" latinLnBrk="0" hangingPunct="1">
+                <a:defRPr sz="1800" kern="1200">
+                  <a:solidFill>
+                    <a:schemeClr val="tx1"/>
+                  </a:solidFill>
+                  <a:latin typeface="+mn-lt"/>
+                  <a:ea typeface="+mn-ea"/>
+                  <a:cs typeface="+mn-cs"/>
+                </a:defRPr>
+              </a:lvl7pPr>
+              <a:lvl8pPr marL="3200400" algn="l" defTabSz="914400" rtl="0" eaLnBrk="1" latinLnBrk="0" hangingPunct="1">
+                <a:defRPr sz="1800" kern="1200">
+                  <a:solidFill>
+                    <a:schemeClr val="tx1"/>
+                  </a:solidFill>
+                  <a:latin typeface="+mn-lt"/>
+                  <a:ea typeface="+mn-ea"/>
+                  <a:cs typeface="+mn-cs"/>
+                </a:defRPr>
+              </a:lvl8pPr>
+              <a:lvl9pPr marL="3657600" algn="l" defTabSz="914400" rtl="0" eaLnBrk="1" latinLnBrk="0" hangingPunct="1">
+                <a:defRPr sz="1800" kern="1200">
+                  <a:solidFill>
+                    <a:schemeClr val="tx1"/>
+                  </a:solidFill>
+                  <a:latin typeface="+mn-lt"/>
+                  <a:ea typeface="+mn-ea"/>
+                  <a:cs typeface="+mn-cs"/>
+                </a:defRPr>
+              </a:lvl9pPr>
+            </a:lstStyle>
+            <a:p>
+              <a:r>
+                <a:rPr lang="en-GB" sz="4000" b="1" dirty="0"/>
+                <a:t>Quantum Channel</a:t>
+              </a:r>
+            </a:p>
+          </p:txBody>
+        </p:sp>
+        <p:sp>
+          <p:nvSpPr>
+            <p:cNvPr id="10" name="CaixaDeTexto 15">
+              <a:extLst>
+                <a:ext uri="{FF2B5EF4-FFF2-40B4-BE49-F238E27FC236}">
+                  <a16:creationId xmlns:a16="http://schemas.microsoft.com/office/drawing/2014/main" id="{38C80D69-ABBE-489C-816E-1729A0107A93}"/>
+                </a:ext>
+              </a:extLst>
+            </p:cNvPr>
+            <p:cNvSpPr txBox="1"/>
+            <p:nvPr/>
+          </p:nvSpPr>
+          <p:spPr>
+            <a:xfrm>
+              <a:off x="3652546" y="4631096"/>
+              <a:ext cx="4952472" cy="494030"/>
+            </a:xfrm>
+            <a:prstGeom prst="rect">
+              <a:avLst/>
+            </a:prstGeom>
+            <a:noFill/>
+          </p:spPr>
+          <p:txBody>
+            <a:bodyPr wrap="none" rtlCol="0">
+              <a:spAutoFit/>
+            </a:bodyPr>
+            <a:lstStyle>
+              <a:defPPr>
+                <a:defRPr lang="pt-PT"/>
+              </a:defPPr>
+              <a:lvl1pPr marL="0" algn="l" defTabSz="914400" rtl="0" eaLnBrk="1" latinLnBrk="0" hangingPunct="1">
+                <a:defRPr sz="1800" kern="1200">
+                  <a:solidFill>
+                    <a:schemeClr val="tx1"/>
+                  </a:solidFill>
+                  <a:latin typeface="+mn-lt"/>
+                  <a:ea typeface="+mn-ea"/>
+                  <a:cs typeface="+mn-cs"/>
+                </a:defRPr>
+              </a:lvl1pPr>
+              <a:lvl2pPr marL="457200" algn="l" defTabSz="914400" rtl="0" eaLnBrk="1" latinLnBrk="0" hangingPunct="1">
+                <a:defRPr sz="1800" kern="1200">
+                  <a:solidFill>
+                    <a:schemeClr val="tx1"/>
+                  </a:solidFill>
+                  <a:latin typeface="+mn-lt"/>
+                  <a:ea typeface="+mn-ea"/>
+                  <a:cs typeface="+mn-cs"/>
+                </a:defRPr>
+              </a:lvl2pPr>
+              <a:lvl3pPr marL="914400" algn="l" defTabSz="914400" rtl="0" eaLnBrk="1" latinLnBrk="0" hangingPunct="1">
+                <a:defRPr sz="1800" kern="1200">
+                  <a:solidFill>
+                    <a:schemeClr val="tx1"/>
+                  </a:solidFill>
+                  <a:latin typeface="+mn-lt"/>
+                  <a:ea typeface="+mn-ea"/>
+                  <a:cs typeface="+mn-cs"/>
+                </a:defRPr>
+              </a:lvl3pPr>
+              <a:lvl4pPr marL="1371600" algn="l" defTabSz="914400" rtl="0" eaLnBrk="1" latinLnBrk="0" hangingPunct="1">
+                <a:defRPr sz="1800" kern="1200">
+                  <a:solidFill>
+                    <a:schemeClr val="tx1"/>
+                  </a:solidFill>
+                  <a:latin typeface="+mn-lt"/>
+                  <a:ea typeface="+mn-ea"/>
+                  <a:cs typeface="+mn-cs"/>
+                </a:defRPr>
+              </a:lvl4pPr>
+              <a:lvl5pPr marL="1828800" algn="l" defTabSz="914400" rtl="0" eaLnBrk="1" latinLnBrk="0" hangingPunct="1">
+                <a:defRPr sz="1800" kern="1200">
+                  <a:solidFill>
+                    <a:schemeClr val="tx1"/>
+                  </a:solidFill>
+                  <a:latin typeface="+mn-lt"/>
+                  <a:ea typeface="+mn-ea"/>
+                  <a:cs typeface="+mn-cs"/>
+                </a:defRPr>
+              </a:lvl5pPr>
+              <a:lvl6pPr marL="2286000" algn="l" defTabSz="914400" rtl="0" eaLnBrk="1" latinLnBrk="0" hangingPunct="1">
+                <a:defRPr sz="1800" kern="1200">
+                  <a:solidFill>
+                    <a:schemeClr val="tx1"/>
+                  </a:solidFill>
+                  <a:latin typeface="+mn-lt"/>
+                  <a:ea typeface="+mn-ea"/>
+                  <a:cs typeface="+mn-cs"/>
+                </a:defRPr>
+              </a:lvl6pPr>
+              <a:lvl7pPr marL="2743200" algn="l" defTabSz="914400" rtl="0" eaLnBrk="1" latinLnBrk="0" hangingPunct="1">
+                <a:defRPr sz="1800" kern="1200">
+                  <a:solidFill>
+                    <a:schemeClr val="tx1"/>
+                  </a:solidFill>
+                  <a:latin typeface="+mn-lt"/>
+                  <a:ea typeface="+mn-ea"/>
+                  <a:cs typeface="+mn-cs"/>
+                </a:defRPr>
+              </a:lvl7pPr>
+              <a:lvl8pPr marL="3200400" algn="l" defTabSz="914400" rtl="0" eaLnBrk="1" latinLnBrk="0" hangingPunct="1">
+                <a:defRPr sz="1800" kern="1200">
+                  <a:solidFill>
+                    <a:schemeClr val="tx1"/>
+                  </a:solidFill>
+                  <a:latin typeface="+mn-lt"/>
+                  <a:ea typeface="+mn-ea"/>
+                  <a:cs typeface="+mn-cs"/>
+                </a:defRPr>
+              </a:lvl8pPr>
+              <a:lvl9pPr marL="3657600" algn="l" defTabSz="914400" rtl="0" eaLnBrk="1" latinLnBrk="0" hangingPunct="1">
+                <a:defRPr sz="1800" kern="1200">
+                  <a:solidFill>
+                    <a:schemeClr val="tx1"/>
+                  </a:solidFill>
+                  <a:latin typeface="+mn-lt"/>
+                  <a:ea typeface="+mn-ea"/>
+                  <a:cs typeface="+mn-cs"/>
+                </a:defRPr>
+              </a:lvl9pPr>
+            </a:lstStyle>
+            <a:p>
+              <a:r>
+                <a:rPr lang="en-GB" sz="4000" b="1" dirty="0"/>
+                <a:t>Authenticated Classical Channel</a:t>
+              </a:r>
+            </a:p>
+          </p:txBody>
+        </p:sp>
+      </p:grpSp>
+    </p:spTree>
+    <p:extLst>
+      <p:ext uri="{BB962C8B-B14F-4D97-AF65-F5344CB8AC3E}">
+        <p14:creationId xmlns:p14="http://schemas.microsoft.com/office/powerpoint/2010/main" val="1445098344"/>
+      </p:ext>
+    </p:extLst>
+  </p:cSld>
+  <p:clrMapOvr>
+    <a:masterClrMapping/>
+  </p:clrMapOvr>
+</p:sld>
+</file>
+
+<file path=ppt/slides/slide3.xml><?xml version="1.0" encoding="utf-8"?>
+<p:sld xmlns:a="http://schemas.openxmlformats.org/drawingml/2006/main" xmlns:r="http://schemas.openxmlformats.org/officeDocument/2006/relationships" xmlns:p="http://schemas.openxmlformats.org/presentationml/2006/main">
+  <p:cSld>
+    <p:spTree>
+      <p:nvGrpSpPr>
+        <p:cNvPr id="1" name=""/>
+        <p:cNvGrpSpPr/>
+        <p:nvPr/>
+      </p:nvGrpSpPr>
+      <p:grpSpPr>
+        <a:xfrm>
+          <a:off x="0" y="0"/>
+          <a:ext cx="0" cy="0"/>
+          <a:chOff x="0" y="0"/>
+          <a:chExt cx="0" cy="0"/>
+        </a:xfrm>
+      </p:grpSpPr>
+      <p:grpSp>
+        <p:nvGrpSpPr>
+          <p:cNvPr id="3" name="Agrupar 2">
+            <a:extLst>
+              <a:ext uri="{FF2B5EF4-FFF2-40B4-BE49-F238E27FC236}">
+                <a16:creationId xmlns:a16="http://schemas.microsoft.com/office/drawing/2014/main" id="{AC7695F7-D756-4E8D-A083-6A4AC795EC87}"/>
+              </a:ext>
+            </a:extLst>
+          </p:cNvPr>
+          <p:cNvGrpSpPr/>
+          <p:nvPr/>
+        </p:nvGrpSpPr>
+        <p:grpSpPr>
+          <a:xfrm>
+            <a:off x="2095500" y="75531"/>
+            <a:ext cx="7848600" cy="6630069"/>
+            <a:chOff x="3657600" y="1022404"/>
+            <a:chExt cx="5852023" cy="5751697"/>
+          </a:xfrm>
+        </p:grpSpPr>
+        <p:sp>
+          <p:nvSpPr>
+            <p:cNvPr id="9" name="CaixaDeTexto 8">
+              <a:extLst>
+                <a:ext uri="{FF2B5EF4-FFF2-40B4-BE49-F238E27FC236}">
+                  <a16:creationId xmlns:a16="http://schemas.microsoft.com/office/drawing/2014/main" id="{FCAE33E1-D80A-4B4D-AF09-2A54F06A456A}"/>
+                </a:ext>
+              </a:extLst>
+            </p:cNvPr>
+            <p:cNvSpPr txBox="1"/>
+            <p:nvPr/>
+          </p:nvSpPr>
+          <p:spPr>
+            <a:xfrm>
+              <a:off x="3886453" y="1022404"/>
+              <a:ext cx="1828796" cy="801004"/>
+            </a:xfrm>
+            <a:prstGeom prst="rect">
+              <a:avLst/>
+            </a:prstGeom>
+            <a:noFill/>
+          </p:spPr>
+          <p:txBody>
+            <a:bodyPr wrap="square" rtlCol="0">
+              <a:spAutoFit/>
+            </a:bodyPr>
+            <a:lstStyle/>
+            <a:p>
+              <a:r>
+                <a:rPr lang="en-GB" sz="5400" b="1" dirty="0"/>
+                <a:t>Bob</a:t>
+              </a:r>
+            </a:p>
+          </p:txBody>
+        </p:sp>
+        <mc:AlternateContent xmlns:mc="http://schemas.openxmlformats.org/markup-compatibility/2006" xmlns:am3d="http://schemas.microsoft.com/office/drawing/2017/model3d">
+          <mc:Choice Requires="am3d">
+            <p:graphicFrame>
+              <p:nvGraphicFramePr>
+                <p:cNvPr id="35" name="Modelo 3D 34" descr="Cuboide Cinza-Escuro">
+                  <a:extLst>
+                    <a:ext uri="{FF2B5EF4-FFF2-40B4-BE49-F238E27FC236}">
+                      <a16:creationId xmlns:a16="http://schemas.microsoft.com/office/drawing/2014/main" id="{CD476A95-7313-42E0-866F-47084F20620C}"/>
+                    </a:ext>
+                  </a:extLst>
+                </p:cNvPr>
+                <p:cNvGraphicFramePr>
+                  <a:graphicFrameLocks noChangeAspect="1"/>
+                </p:cNvGraphicFramePr>
+                <p:nvPr>
+                  <p:extLst>
+                    <p:ext uri="{D42A27DB-BD31-4B8C-83A1-F6EECF244321}">
+                      <p14:modId xmlns:p14="http://schemas.microsoft.com/office/powerpoint/2010/main" val="439042502"/>
+                    </p:ext>
+                  </p:extLst>
+                </p:nvPr>
+              </p:nvGraphicFramePr>
+              <p:xfrm>
+                <a:off x="6061340" y="4312684"/>
+                <a:ext cx="503965" cy="669954"/>
+              </p:xfrm>
+              <a:graphic>
+                <a:graphicData uri="http://schemas.microsoft.com/office/drawing/2017/model3d">
+                  <am3d:model3d r:embed="rId2">
+                    <am3d:spPr>
+                      <a:xfrm>
+                        <a:off x="0" y="0"/>
+                        <a:ext cx="503965" cy="669954"/>
+                      </a:xfrm>
+                      <a:prstGeom prst="rect">
+                        <a:avLst/>
+                      </a:prstGeom>
+                    </am3d:spPr>
+                    <am3d:camera>
+                      <am3d:pos x="0" y="0" z="57664451"/>
+                      <am3d:up dx="0" dy="36000000" dz="0"/>
+                      <am3d:lookAt x="0" y="0" z="0"/>
+                      <am3d:perspective fov="2700000"/>
+                    </am3d:camera>
+                    <am3d:trans>
+                      <am3d:meterPerModelUnit n="4361393" d="1000000"/>
+                      <am3d:preTrans dx="0" dy="-6493603" dz="0"/>
+                      <am3d:scale>
+                        <am3d:sx n="1000000" d="1000000"/>
+                        <am3d:sy n="1000000" d="1000000"/>
+                        <am3d:sz n="1000000" d="1000000"/>
+                      </am3d:scale>
+                      <am3d:rot ax="-7650021" ay="5" az="7"/>
+                      <am3d:postTrans dx="0" dy="0" dz="0"/>
+                    </am3d:trans>
+                    <am3d:raster rName="Office3DRenderer" rVer="16.0.8326">
+                      <am3d:blip r:embed="rId3"/>
+                    </am3d:raster>
+                    <am3d:objViewport viewportSz="909792"/>
+                    <am3d:ambientLight>
+                      <am3d:clr>
+                        <a:scrgbClr r="50000" g="50000" b="50000"/>
+                      </am3d:clr>
+                      <am3d:illuminance n="500000" d="1000000"/>
+                    </am3d:ambientLight>
+                    <am3d:ptLight rad="0">
+                      <am3d:clr>
+                        <a:scrgbClr r="100000" g="75000" b="50000"/>
+                      </am3d:clr>
+                      <am3d:intensity n="9765625" d="1000000"/>
+                      <am3d:pos x="21959998" y="70920001" z="16344003"/>
+                    </am3d:ptLight>
+                    <am3d:ptLight rad="0">
+                      <am3d:clr>
+                        <a:scrgbClr r="40000" g="60000" b="95000"/>
+                      </am3d:clr>
+                      <am3d:intensity n="12250000" d="1000000"/>
+                      <am3d:pos x="-37964106" y="51130435" z="57631972"/>
+                    </am3d:ptLight>
+                    <am3d:ptLight rad="0">
+                      <am3d:clr>
+                        <a:scrgbClr r="86837" g="72700" b="100000"/>
+                      </am3d:clr>
+                      <am3d:intensity n="3125000" d="1000000"/>
+                      <am3d:pos x="-37739122" y="58056624" z="-34769649"/>
+                    </am3d:ptLight>
+                  </am3d:model3d>
+                </a:graphicData>
+              </a:graphic>
+            </p:graphicFrame>
+          </mc:Choice>
+          <mc:Fallback xmlns="">
+            <p:pic>
+              <p:nvPicPr>
+                <p:cNvPr id="35" name="Modelo 3D 34" descr="Cuboide Cinza-Escuro">
+                  <a:extLst>
+                    <a:ext uri="{FF2B5EF4-FFF2-40B4-BE49-F238E27FC236}">
+                      <a16:creationId xmlns:a16="http://schemas.microsoft.com/office/drawing/2014/main" id="{CD476A95-7313-42E0-866F-47084F20620C}"/>
+                    </a:ext>
+                  </a:extLst>
+                </p:cNvPr>
+                <p:cNvPicPr>
+                  <a:picLocks noGrp="1" noRot="1" noChangeAspect="1" noMove="1" noResize="1" noEditPoints="1" noAdjustHandles="1" noChangeArrowheads="1" noChangeShapeType="1" noCrop="1"/>
+                </p:cNvPicPr>
+                <p:nvPr/>
+              </p:nvPicPr>
+              <p:blipFill>
+                <a:blip r:embed="rId4"/>
+                <a:stretch>
+                  <a:fillRect/>
+                </a:stretch>
+              </p:blipFill>
+              <p:spPr>
+                <a:xfrm>
+                  <a:off x="5319341" y="3868287"/>
+                  <a:ext cx="675906" cy="772266"/>
+                </a:xfrm>
+                <a:prstGeom prst="rect">
+                  <a:avLst/>
+                </a:prstGeom>
+              </p:spPr>
+            </p:pic>
+          </mc:Fallback>
+        </mc:AlternateContent>
+        <p:sp>
+          <p:nvSpPr>
+            <p:cNvPr id="42" name="Retângulo 41">
+              <a:extLst>
+                <a:ext uri="{FF2B5EF4-FFF2-40B4-BE49-F238E27FC236}">
+                  <a16:creationId xmlns:a16="http://schemas.microsoft.com/office/drawing/2014/main" id="{C2F6895E-CB3E-4942-AB4D-A1330623A524}"/>
+                </a:ext>
+              </a:extLst>
+            </p:cNvPr>
+            <p:cNvSpPr/>
+            <p:nvPr/>
+          </p:nvSpPr>
+          <p:spPr>
+            <a:xfrm>
+              <a:off x="3817853" y="1074988"/>
+              <a:ext cx="5691770" cy="5699113"/>
+            </a:xfrm>
+            <a:prstGeom prst="rect">
+              <a:avLst/>
+            </a:prstGeom>
+            <a:noFill/>
+            <a:ln w="9525" cap="flat" cmpd="sng" algn="ctr">
+              <a:solidFill>
+                <a:schemeClr val="dk1"/>
+              </a:solidFill>
+              <a:prstDash val="dashDot"/>
+              <a:round/>
+              <a:headEnd type="none" w="med" len="med"/>
+              <a:tailEnd type="none" w="med" len="med"/>
+            </a:ln>
+          </p:spPr>
+          <p:style>
+            <a:lnRef idx="0">
+              <a:scrgbClr r="0" g="0" b="0"/>
+            </a:lnRef>
+            <a:fillRef idx="0">
+              <a:scrgbClr r="0" g="0" b="0"/>
+            </a:fillRef>
+            <a:effectRef idx="0">
+              <a:scrgbClr r="0" g="0" b="0"/>
+            </a:effectRef>
+            <a:fontRef idx="minor">
+              <a:schemeClr val="dk1"/>
+            </a:fontRef>
+          </p:style>
+          <p:txBody>
+            <a:bodyPr rtlCol="0" anchor="ctr"/>
+            <a:lstStyle/>
+            <a:p>
+              <a:pPr algn="ctr"/>
+              <a:endParaRPr lang="en-GB"/>
+            </a:p>
+          </p:txBody>
+        </p:sp>
+        <p:grpSp>
+          <p:nvGrpSpPr>
+            <p:cNvPr id="71" name="Agrupar 70">
+              <a:extLst>
+                <a:ext uri="{FF2B5EF4-FFF2-40B4-BE49-F238E27FC236}">
+                  <a16:creationId xmlns:a16="http://schemas.microsoft.com/office/drawing/2014/main" id="{780E8B69-3907-4302-872B-50CB368BDD8B}"/>
+                </a:ext>
+              </a:extLst>
+            </p:cNvPr>
+            <p:cNvGrpSpPr/>
+            <p:nvPr/>
+          </p:nvGrpSpPr>
+          <p:grpSpPr>
+            <a:xfrm>
+              <a:off x="8133480" y="5236534"/>
+              <a:ext cx="1225017" cy="1369542"/>
+              <a:chOff x="10498855" y="5477834"/>
+              <a:chExt cx="1225017" cy="1369542"/>
+            </a:xfrm>
+          </p:grpSpPr>
+          <mc:AlternateContent xmlns:mc="http://schemas.openxmlformats.org/markup-compatibility/2006" xmlns:am3d="http://schemas.microsoft.com/office/drawing/2017/model3d">
+            <mc:Choice Requires="am3d">
+              <p:graphicFrame>
+                <p:nvGraphicFramePr>
+                  <p:cNvPr id="27" name="Modelo 3D 26" descr="Hemisfério Cinza-Escuro">
+                    <a:extLst>
+                      <a:ext uri="{FF2B5EF4-FFF2-40B4-BE49-F238E27FC236}">
+                        <a16:creationId xmlns:a16="http://schemas.microsoft.com/office/drawing/2014/main" id="{84E0CCAB-7D61-4B1B-ACAF-C110CFF4DB82}"/>
+                      </a:ext>
+                    </a:extLst>
+                  </p:cNvPr>
+                  <p:cNvGraphicFramePr>
+                    <a:graphicFrameLocks noChangeAspect="1"/>
+                  </p:cNvGraphicFramePr>
+                  <p:nvPr>
+                    <p:extLst/>
+                  </p:nvPr>
+                </p:nvGraphicFramePr>
+                <p:xfrm rot="5400000">
+                  <a:off x="10310915" y="5856664"/>
+                  <a:ext cx="1178652" cy="802772"/>
+                </p:xfrm>
+                <a:graphic>
+                  <a:graphicData uri="http://schemas.microsoft.com/office/drawing/2017/model3d">
+                    <am3d:model3d r:embed="rId5">
+                      <am3d:spPr>
+                        <a:xfrm rot="5400000">
+                          <a:off x="0" y="0"/>
+                          <a:ext cx="1178652" cy="802772"/>
+                        </a:xfrm>
+                        <a:prstGeom prst="rect">
+                          <a:avLst/>
+                        </a:prstGeom>
+                      </am3d:spPr>
+                      <am3d:camera>
+                        <am3d:pos x="0" y="0" z="70522459"/>
+                        <am3d:up dx="0" dy="36000000" dz="0"/>
+                        <am3d:lookAt x="0" y="0" z="0"/>
+                        <am3d:perspective fov="2700000"/>
+                      </am3d:camera>
+                      <am3d:trans>
+                        <am3d:meterPerModelUnit n="6553073" d="1000000"/>
+                        <am3d:preTrans dx="9" dy="-8999683" dz="-344461"/>
+                        <am3d:scale>
+                          <am3d:sx n="1000000" d="1000000"/>
+                          <am3d:sy n="1000000" d="1000000"/>
+                          <am3d:sz n="1000000" d="1000000"/>
+                        </am3d:scale>
+                        <am3d:rot ax="16200000" ay="3600000" az="16200000"/>
+                        <am3d:postTrans dx="0" dy="0" dz="0"/>
+                      </am3d:trans>
+                      <am3d:raster rName="Office3DRenderer" rVer="16.0.8326">
+                        <am3d:blip r:embed="rId6"/>
+                      </am3d:raster>
+                      <am3d:objViewport viewportSz="1854853"/>
+                      <am3d:ambientLight>
+                        <am3d:clr>
+                          <a:scrgbClr r="50000" g="50000" b="50000"/>
+                        </am3d:clr>
+                        <am3d:illuminance n="500000" d="1000000"/>
+                      </am3d:ambientLight>
+                      <am3d:ptLight rad="0">
+                        <am3d:clr>
+                          <a:scrgbClr r="100000" g="75000" b="50000"/>
+                        </am3d:clr>
+                        <am3d:intensity n="9765625" d="1000000"/>
+                        <am3d:pos x="21959998" y="70920001" z="16344003"/>
+                      </am3d:ptLight>
+                      <am3d:ptLight rad="0">
+                        <am3d:clr>
+                          <a:scrgbClr r="40000" g="60000" b="95000"/>
+                        </am3d:clr>
+                        <am3d:intensity n="12250000" d="1000000"/>
+                        <am3d:pos x="-37964106" y="51130435" z="57631972"/>
+                      </am3d:ptLight>
+                      <am3d:ptLight rad="0">
+                        <am3d:clr>
+                          <a:scrgbClr r="86837" g="72700" b="100000"/>
+                        </am3d:clr>
+                        <am3d:intensity n="3125000" d="1000000"/>
+                        <am3d:pos x="-37739122" y="58056624" z="-34769649"/>
+                      </am3d:ptLight>
+                    </am3d:model3d>
+                  </a:graphicData>
+                </a:graphic>
+              </p:graphicFrame>
+            </mc:Choice>
+            <mc:Fallback xmlns="">
+              <p:pic>
+                <p:nvPicPr>
+                  <p:cNvPr id="27" name="Modelo 3D 26" descr="Hemisfério Cinza-Escuro">
+                    <a:extLst>
+                      <a:ext uri="{FF2B5EF4-FFF2-40B4-BE49-F238E27FC236}">
+                        <a16:creationId xmlns:a16="http://schemas.microsoft.com/office/drawing/2014/main" id="{84E0CCAB-7D61-4B1B-ACAF-C110CFF4DB82}"/>
+                      </a:ext>
+                    </a:extLst>
+                  </p:cNvPr>
+                  <p:cNvPicPr>
+                    <a:picLocks noGrp="1" noRot="1" noChangeAspect="1" noMove="1" noResize="1" noEditPoints="1" noAdjustHandles="1" noChangeArrowheads="1" noChangeShapeType="1" noCrop="1"/>
+                  </p:cNvPicPr>
+                  <p:nvPr/>
+                </p:nvPicPr>
+                <p:blipFill>
+                  <a:blip r:embed="rId10"/>
+                  <a:stretch>
+                    <a:fillRect/>
+                  </a:stretch>
+                </p:blipFill>
+                <p:spPr>
+                  <a:xfrm rot="5400000">
+                    <a:off x="10472840" y="5628064"/>
+                    <a:ext cx="1178652" cy="802772"/>
+                  </a:xfrm>
+                  <a:prstGeom prst="rect">
+                    <a:avLst/>
+                  </a:prstGeom>
+                </p:spPr>
+              </p:pic>
+            </mc:Fallback>
+          </mc:AlternateContent>
+          <p:sp>
+            <p:nvSpPr>
+              <p:cNvPr id="47" name="CaixaDeTexto 46">
+                <a:extLst>
+                  <a:ext uri="{FF2B5EF4-FFF2-40B4-BE49-F238E27FC236}">
+                    <a16:creationId xmlns:a16="http://schemas.microsoft.com/office/drawing/2014/main" id="{8973744B-C158-45F6-B7DA-10886371E7AD}"/>
+                  </a:ext>
+                </a:extLst>
+              </p:cNvPr>
+              <p:cNvSpPr txBox="1"/>
+              <p:nvPr/>
+            </p:nvSpPr>
+            <p:spPr>
+              <a:xfrm>
+                <a:off x="10942889" y="5477834"/>
+                <a:ext cx="780983" cy="553998"/>
+              </a:xfrm>
+              <a:prstGeom prst="rect">
+                <a:avLst/>
+              </a:prstGeom>
+              <a:noFill/>
+            </p:spPr>
+            <p:txBody>
+              <a:bodyPr wrap="none" rtlCol="0">
+                <a:spAutoFit/>
+              </a:bodyPr>
+              <a:lstStyle/>
+              <a:p>
+                <a:r>
+                  <a:rPr lang="en-GB" sz="3000" b="1" dirty="0"/>
+                  <a:t>D</a:t>
+                </a:r>
+                <a:r>
+                  <a:rPr lang="en-GB" sz="3000" b="1" baseline="-25000" dirty="0"/>
+                  <a:t>M2</a:t>
+                </a:r>
+              </a:p>
+            </p:txBody>
+          </p:sp>
+        </p:grpSp>
+        <p:sp>
+          <p:nvSpPr>
+            <p:cNvPr id="48" name="CaixaDeTexto 47">
+              <a:extLst>
+                <a:ext uri="{FF2B5EF4-FFF2-40B4-BE49-F238E27FC236}">
+                  <a16:creationId xmlns:a16="http://schemas.microsoft.com/office/drawing/2014/main" id="{A2AB5F69-AF24-421C-A1FA-6D69BC18C10F}"/>
+                </a:ext>
+              </a:extLst>
+            </p:cNvPr>
+            <p:cNvSpPr txBox="1"/>
+            <p:nvPr/>
+          </p:nvSpPr>
+          <p:spPr>
+            <a:xfrm>
+              <a:off x="5715249" y="3792833"/>
+              <a:ext cx="1186543" cy="553998"/>
+            </a:xfrm>
+            <a:prstGeom prst="rect">
+              <a:avLst/>
+            </a:prstGeom>
+            <a:noFill/>
+          </p:spPr>
+          <p:txBody>
+            <a:bodyPr wrap="none" rtlCol="0">
+              <a:spAutoFit/>
+            </a:bodyPr>
+            <a:lstStyle/>
+            <a:p>
+              <a:r>
+                <a:rPr lang="en-GB" sz="3000" b="1" dirty="0"/>
+                <a:t>0.5 </a:t>
+              </a:r>
+              <a:r>
+                <a:rPr lang="en-GB" sz="3000" b="1" dirty="0" err="1"/>
+                <a:t>t</a:t>
+              </a:r>
+              <a:r>
+                <a:rPr lang="en-GB" sz="3000" b="1" baseline="-25000" dirty="0" err="1"/>
+                <a:t>bit</a:t>
+              </a:r>
+              <a:endParaRPr lang="en-GB" sz="3000" b="1" baseline="-25000" dirty="0"/>
+            </a:p>
+          </p:txBody>
+        </p:sp>
+        <p:sp>
+          <p:nvSpPr>
+            <p:cNvPr id="49" name="CaixaDeTexto 48">
+              <a:extLst>
+                <a:ext uri="{FF2B5EF4-FFF2-40B4-BE49-F238E27FC236}">
+                  <a16:creationId xmlns:a16="http://schemas.microsoft.com/office/drawing/2014/main" id="{DF00DC78-493F-4A09-881D-ECC652B928CC}"/>
+                </a:ext>
+              </a:extLst>
+            </p:cNvPr>
+            <p:cNvSpPr txBox="1"/>
+            <p:nvPr/>
+          </p:nvSpPr>
+          <p:spPr>
+            <a:xfrm>
+              <a:off x="4462822" y="1986519"/>
+              <a:ext cx="461986" cy="553998"/>
+            </a:xfrm>
+            <a:prstGeom prst="rect">
+              <a:avLst/>
+            </a:prstGeom>
+            <a:noFill/>
+          </p:spPr>
+          <p:txBody>
+            <a:bodyPr wrap="none" rtlCol="0">
+              <a:spAutoFit/>
+            </a:bodyPr>
+            <a:lstStyle/>
+            <a:p>
+              <a:r>
+                <a:rPr lang="en-GB" sz="3000" b="1" dirty="0" err="1"/>
+                <a:t>t</a:t>
+              </a:r>
+              <a:r>
+                <a:rPr lang="en-GB" sz="3000" b="1" baseline="-25000" dirty="0" err="1"/>
+                <a:t>B</a:t>
+              </a:r>
+              <a:endParaRPr lang="en-GB" sz="3000" b="1" baseline="-25000" dirty="0"/>
+            </a:p>
+          </p:txBody>
+        </p:sp>
+        <p:sp>
+          <p:nvSpPr>
+            <p:cNvPr id="50" name="CaixaDeTexto 49">
+              <a:extLst>
+                <a:ext uri="{FF2B5EF4-FFF2-40B4-BE49-F238E27FC236}">
+                  <a16:creationId xmlns:a16="http://schemas.microsoft.com/office/drawing/2014/main" id="{F1C44298-1642-4EAC-8D47-A952D30FC8D6}"/>
+                </a:ext>
+              </a:extLst>
+            </p:cNvPr>
+            <p:cNvSpPr txBox="1"/>
+            <p:nvPr/>
+          </p:nvSpPr>
+          <p:spPr>
+            <a:xfrm>
+              <a:off x="4306531" y="2916890"/>
+              <a:ext cx="774571" cy="553998"/>
+            </a:xfrm>
+            <a:prstGeom prst="rect">
+              <a:avLst/>
+            </a:prstGeom>
+            <a:noFill/>
+          </p:spPr>
+          <p:txBody>
+            <a:bodyPr wrap="none" rtlCol="0">
+              <a:spAutoFit/>
+            </a:bodyPr>
+            <a:lstStyle/>
+            <a:p>
+              <a:r>
+                <a:rPr lang="en-GB" sz="3000" b="1" dirty="0"/>
+                <a:t>1-t</a:t>
+              </a:r>
+              <a:r>
+                <a:rPr lang="en-GB" sz="3000" b="1" baseline="-25000" dirty="0"/>
+                <a:t>B</a:t>
+              </a:r>
+            </a:p>
+          </p:txBody>
+        </p:sp>
+        <p:sp>
+          <p:nvSpPr>
+            <p:cNvPr id="53" name="Hexágono 52">
+              <a:extLst>
+                <a:ext uri="{FF2B5EF4-FFF2-40B4-BE49-F238E27FC236}">
+                  <a16:creationId xmlns:a16="http://schemas.microsoft.com/office/drawing/2014/main" id="{0EF39FF1-9468-4B15-AE62-D30F361F0818}"/>
+                </a:ext>
+              </a:extLst>
+            </p:cNvPr>
+            <p:cNvSpPr/>
+            <p:nvPr/>
+          </p:nvSpPr>
+          <p:spPr>
+            <a:xfrm>
+              <a:off x="5132630" y="4657022"/>
+              <a:ext cx="2246214" cy="942975"/>
+            </a:xfrm>
+            <a:prstGeom prst="hexagon">
+              <a:avLst/>
+            </a:prstGeom>
+            <a:noFill/>
+            <a:ln w="127000" cap="sq">
+              <a:solidFill>
+                <a:schemeClr val="accent4"/>
+              </a:solidFill>
+              <a:miter lim="800000"/>
+            </a:ln>
+          </p:spPr>
+          <p:style>
+            <a:lnRef idx="2">
+              <a:schemeClr val="accent1">
+                <a:shade val="50000"/>
+              </a:schemeClr>
+            </a:lnRef>
+            <a:fillRef idx="1">
+              <a:schemeClr val="accent1"/>
+            </a:fillRef>
+            <a:effectRef idx="0">
+              <a:schemeClr val="accent1"/>
+            </a:effectRef>
+            <a:fontRef idx="minor">
+              <a:schemeClr val="lt1"/>
+            </a:fontRef>
+          </p:style>
+          <p:txBody>
+            <a:bodyPr rtlCol="0" anchor="ctr"/>
+            <a:lstStyle/>
+            <a:p>
+              <a:pPr algn="ctr"/>
+              <a:endParaRPr lang="en-GB"/>
+            </a:p>
+          </p:txBody>
+        </p:sp>
+        <p:cxnSp>
+          <p:nvCxnSpPr>
+            <p:cNvPr id="57" name="Conexão reta 56">
+              <a:extLst>
+                <a:ext uri="{FF2B5EF4-FFF2-40B4-BE49-F238E27FC236}">
+                  <a16:creationId xmlns:a16="http://schemas.microsoft.com/office/drawing/2014/main" id="{66EA8DB7-A68B-4DEC-8783-55FEF91B7784}"/>
+                </a:ext>
+              </a:extLst>
+            </p:cNvPr>
+            <p:cNvCxnSpPr>
+              <a:stCxn id="53" idx="0"/>
+            </p:cNvCxnSpPr>
+            <p:nvPr/>
+          </p:nvCxnSpPr>
+          <p:spPr>
+            <a:xfrm>
+              <a:off x="7378844" y="5128509"/>
+              <a:ext cx="914400" cy="914400"/>
+            </a:xfrm>
+            <a:prstGeom prst="line">
+              <a:avLst/>
+            </a:prstGeom>
+            <a:ln w="127000">
+              <a:solidFill>
+                <a:schemeClr val="accent4"/>
+              </a:solidFill>
+            </a:ln>
+          </p:spPr>
+          <p:style>
+            <a:lnRef idx="1">
+              <a:schemeClr val="accent1"/>
+            </a:lnRef>
+            <a:fillRef idx="0">
+              <a:schemeClr val="accent1"/>
+            </a:fillRef>
+            <a:effectRef idx="0">
+              <a:schemeClr val="accent1"/>
+            </a:effectRef>
+            <a:fontRef idx="minor">
+              <a:schemeClr val="tx1"/>
+            </a:fontRef>
+          </p:style>
+        </p:cxnSp>
+        <p:cxnSp>
+          <p:nvCxnSpPr>
+            <p:cNvPr id="63" name="Conexão reta 62">
+              <a:extLst>
+                <a:ext uri="{FF2B5EF4-FFF2-40B4-BE49-F238E27FC236}">
+                  <a16:creationId xmlns:a16="http://schemas.microsoft.com/office/drawing/2014/main" id="{9D5B6D5C-B107-4E32-B4F4-B5E76FACD7BE}"/>
+                </a:ext>
+              </a:extLst>
+            </p:cNvPr>
+            <p:cNvCxnSpPr>
+              <a:cxnSpLocks/>
+            </p:cNvCxnSpPr>
+            <p:nvPr/>
+          </p:nvCxnSpPr>
+          <p:spPr>
+            <a:xfrm flipV="1">
+              <a:off x="4218230" y="5147559"/>
+              <a:ext cx="914400" cy="914400"/>
+            </a:xfrm>
+            <a:prstGeom prst="line">
+              <a:avLst/>
+            </a:prstGeom>
+            <a:ln w="127000">
+              <a:solidFill>
+                <a:schemeClr val="accent4"/>
+              </a:solidFill>
+            </a:ln>
+          </p:spPr>
+          <p:style>
+            <a:lnRef idx="1">
+              <a:schemeClr val="accent1"/>
+            </a:lnRef>
+            <a:fillRef idx="0">
+              <a:schemeClr val="accent1"/>
+            </a:fillRef>
+            <a:effectRef idx="0">
+              <a:schemeClr val="accent1"/>
+            </a:effectRef>
+            <a:fontRef idx="minor">
+              <a:schemeClr val="tx1"/>
+            </a:fontRef>
+          </p:style>
+        </p:cxnSp>
+        <p:cxnSp>
+          <p:nvCxnSpPr>
+            <p:cNvPr id="65" name="Conexão reta 64">
+              <a:extLst>
+                <a:ext uri="{FF2B5EF4-FFF2-40B4-BE49-F238E27FC236}">
+                  <a16:creationId xmlns:a16="http://schemas.microsoft.com/office/drawing/2014/main" id="{6884B1D7-F3C4-4BF2-9CCD-C5CC953B59E3}"/>
+                </a:ext>
+              </a:extLst>
+            </p:cNvPr>
+            <p:cNvCxnSpPr>
+              <a:cxnSpLocks/>
+            </p:cNvCxnSpPr>
+            <p:nvPr/>
+          </p:nvCxnSpPr>
+          <p:spPr>
+            <a:xfrm>
+              <a:off x="4227755" y="4223634"/>
+              <a:ext cx="914400" cy="914400"/>
+            </a:xfrm>
+            <a:prstGeom prst="line">
+              <a:avLst/>
+            </a:prstGeom>
+            <a:ln w="127000">
+              <a:solidFill>
+                <a:schemeClr val="accent4"/>
+              </a:solidFill>
+            </a:ln>
+          </p:spPr>
+          <p:style>
+            <a:lnRef idx="1">
+              <a:schemeClr val="accent1"/>
+            </a:lnRef>
+            <a:fillRef idx="0">
+              <a:schemeClr val="accent1"/>
+            </a:fillRef>
+            <a:effectRef idx="0">
+              <a:schemeClr val="accent1"/>
+            </a:effectRef>
+            <a:fontRef idx="minor">
+              <a:schemeClr val="tx1"/>
+            </a:fontRef>
+          </p:style>
+        </p:cxnSp>
+        <p:grpSp>
+          <p:nvGrpSpPr>
+            <p:cNvPr id="76" name="Agrupar 75">
+              <a:extLst>
+                <a:ext uri="{FF2B5EF4-FFF2-40B4-BE49-F238E27FC236}">
+                  <a16:creationId xmlns:a16="http://schemas.microsoft.com/office/drawing/2014/main" id="{34D96E33-B495-437F-A3F3-BD079F952083}"/>
+                </a:ext>
+              </a:extLst>
+            </p:cNvPr>
+            <p:cNvGrpSpPr/>
+            <p:nvPr/>
+          </p:nvGrpSpPr>
+          <p:grpSpPr>
+            <a:xfrm>
+              <a:off x="8143005" y="3445834"/>
+              <a:ext cx="1225017" cy="1369542"/>
+              <a:chOff x="10498855" y="5477834"/>
+              <a:chExt cx="1225017" cy="1369542"/>
+            </a:xfrm>
+          </p:grpSpPr>
+          <mc:AlternateContent xmlns:mc="http://schemas.openxmlformats.org/markup-compatibility/2006" xmlns:am3d="http://schemas.microsoft.com/office/drawing/2017/model3d">
+            <mc:Choice Requires="am3d">
+              <p:graphicFrame>
+                <p:nvGraphicFramePr>
+                  <p:cNvPr id="77" name="Modelo 3D 76" descr="Hemisfério Cinza-Escuro">
+                    <a:extLst>
+                      <a:ext uri="{FF2B5EF4-FFF2-40B4-BE49-F238E27FC236}">
+                        <a16:creationId xmlns:a16="http://schemas.microsoft.com/office/drawing/2014/main" id="{8814C08B-2BAE-475B-B167-0EC1D5CC6ACD}"/>
+                      </a:ext>
+                    </a:extLst>
+                  </p:cNvPr>
+                  <p:cNvGraphicFramePr>
+                    <a:graphicFrameLocks noChangeAspect="1"/>
+                  </p:cNvGraphicFramePr>
+                  <p:nvPr>
+                    <p:extLst/>
+                  </p:nvPr>
+                </p:nvGraphicFramePr>
+                <p:xfrm rot="5400000">
+                  <a:off x="10310915" y="5856664"/>
+                  <a:ext cx="1178652" cy="802772"/>
+                </p:xfrm>
+                <a:graphic>
+                  <a:graphicData uri="http://schemas.microsoft.com/office/drawing/2017/model3d">
+                    <am3d:model3d r:embed="rId5">
+                      <am3d:spPr>
+                        <a:xfrm rot="5400000">
+                          <a:off x="0" y="0"/>
+                          <a:ext cx="1178652" cy="802772"/>
+                        </a:xfrm>
+                        <a:prstGeom prst="rect">
+                          <a:avLst/>
+                        </a:prstGeom>
+                      </am3d:spPr>
+                      <am3d:camera>
+                        <am3d:pos x="0" y="0" z="70522459"/>
+                        <am3d:up dx="0" dy="36000000" dz="0"/>
+                        <am3d:lookAt x="0" y="0" z="0"/>
+                        <am3d:perspective fov="2700000"/>
+                      </am3d:camera>
+                      <am3d:trans>
+                        <am3d:meterPerModelUnit n="6553073" d="1000000"/>
+                        <am3d:preTrans dx="9" dy="-8999683" dz="-344461"/>
+                        <am3d:scale>
+                          <am3d:sx n="1000000" d="1000000"/>
+                          <am3d:sy n="1000000" d="1000000"/>
+                          <am3d:sz n="1000000" d="1000000"/>
+                        </am3d:scale>
+                        <am3d:rot ax="16200000" ay="3600000" az="16200000"/>
+                        <am3d:postTrans dx="0" dy="0" dz="0"/>
+                      </am3d:trans>
+                      <am3d:raster rName="Office3DRenderer" rVer="16.0.8326">
+                        <am3d:blip r:embed="rId6"/>
+                      </am3d:raster>
+                      <am3d:objViewport viewportSz="1854853"/>
+                      <am3d:ambientLight>
+                        <am3d:clr>
+                          <a:scrgbClr r="50000" g="50000" b="50000"/>
+                        </am3d:clr>
+                        <am3d:illuminance n="500000" d="1000000"/>
+                      </am3d:ambientLight>
+                      <am3d:ptLight rad="0">
+                        <am3d:clr>
+                          <a:scrgbClr r="100000" g="75000" b="50000"/>
+                        </am3d:clr>
+                        <am3d:intensity n="9765625" d="1000000"/>
+                        <am3d:pos x="21959998" y="70920001" z="16344003"/>
+                      </am3d:ptLight>
+                      <am3d:ptLight rad="0">
+                        <am3d:clr>
+                          <a:scrgbClr r="40000" g="60000" b="95000"/>
+                        </am3d:clr>
+                        <am3d:intensity n="12250000" d="1000000"/>
+                        <am3d:pos x="-37964106" y="51130435" z="57631972"/>
+                      </am3d:ptLight>
+                      <am3d:ptLight rad="0">
+                        <am3d:clr>
+                          <a:scrgbClr r="86837" g="72700" b="100000"/>
+                        </am3d:clr>
+                        <am3d:intensity n="3125000" d="1000000"/>
+                        <am3d:pos x="-37739122" y="58056624" z="-34769649"/>
+                      </am3d:ptLight>
+                    </am3d:model3d>
+                  </a:graphicData>
+                </a:graphic>
+              </p:graphicFrame>
+            </mc:Choice>
+            <mc:Fallback xmlns="">
+              <p:pic>
+                <p:nvPicPr>
+                  <p:cNvPr id="77" name="Modelo 3D 76" descr="Hemisfério Cinza-Escuro">
+                    <a:extLst>
+                      <a:ext uri="{FF2B5EF4-FFF2-40B4-BE49-F238E27FC236}">
+                        <a16:creationId xmlns:a16="http://schemas.microsoft.com/office/drawing/2014/main" id="{8814C08B-2BAE-475B-B167-0EC1D5CC6ACD}"/>
+                      </a:ext>
+                    </a:extLst>
+                  </p:cNvPr>
+                  <p:cNvPicPr>
+                    <a:picLocks noGrp="1" noRot="1" noChangeAspect="1" noMove="1" noResize="1" noEditPoints="1" noAdjustHandles="1" noChangeArrowheads="1" noChangeShapeType="1" noCrop="1"/>
+                  </p:cNvPicPr>
+                  <p:nvPr/>
+                </p:nvPicPr>
+                <p:blipFill>
+                  <a:blip r:embed="rId10"/>
+                  <a:stretch>
+                    <a:fillRect/>
+                  </a:stretch>
+                </p:blipFill>
+                <p:spPr>
+                  <a:xfrm rot="5400000">
+                    <a:off x="10482365" y="3837364"/>
+                    <a:ext cx="1178652" cy="802772"/>
+                  </a:xfrm>
+                  <a:prstGeom prst="rect">
+                    <a:avLst/>
+                  </a:prstGeom>
+                </p:spPr>
+              </p:pic>
+            </mc:Fallback>
+          </mc:AlternateContent>
+          <p:sp>
+            <p:nvSpPr>
+              <p:cNvPr id="78" name="CaixaDeTexto 77">
+                <a:extLst>
+                  <a:ext uri="{FF2B5EF4-FFF2-40B4-BE49-F238E27FC236}">
+                    <a16:creationId xmlns:a16="http://schemas.microsoft.com/office/drawing/2014/main" id="{28E57BE4-A1F9-45D1-A74C-B60B1E08634E}"/>
+                  </a:ext>
+                </a:extLst>
+              </p:cNvPr>
+              <p:cNvSpPr txBox="1"/>
+              <p:nvPr/>
+            </p:nvSpPr>
+            <p:spPr>
+              <a:xfrm>
+                <a:off x="10942889" y="5477834"/>
+                <a:ext cx="780983" cy="553998"/>
+              </a:xfrm>
+              <a:prstGeom prst="rect">
+                <a:avLst/>
+              </a:prstGeom>
+              <a:noFill/>
+            </p:spPr>
+            <p:txBody>
+              <a:bodyPr wrap="none" rtlCol="0">
+                <a:spAutoFit/>
+              </a:bodyPr>
+              <a:lstStyle/>
+              <a:p>
+                <a:r>
+                  <a:rPr lang="en-GB" sz="3000" b="1" dirty="0"/>
+                  <a:t>D</a:t>
+                </a:r>
+                <a:r>
+                  <a:rPr lang="en-GB" sz="3000" b="1" baseline="-25000" dirty="0"/>
+                  <a:t>M1</a:t>
+                </a:r>
+              </a:p>
+            </p:txBody>
+          </p:sp>
+        </p:grpSp>
+        <p:cxnSp>
+          <p:nvCxnSpPr>
+            <p:cNvPr id="67" name="Conexão reta 66">
+              <a:extLst>
+                <a:ext uri="{FF2B5EF4-FFF2-40B4-BE49-F238E27FC236}">
+                  <a16:creationId xmlns:a16="http://schemas.microsoft.com/office/drawing/2014/main" id="{B819E0FF-81F7-4171-9AFE-1AEEC6159964}"/>
+                </a:ext>
+              </a:extLst>
+            </p:cNvPr>
+            <p:cNvCxnSpPr>
+              <a:cxnSpLocks/>
+            </p:cNvCxnSpPr>
+            <p:nvPr/>
+          </p:nvCxnSpPr>
+          <p:spPr>
+            <a:xfrm flipV="1">
+              <a:off x="4227755" y="2604470"/>
+              <a:ext cx="0" cy="1561130"/>
+            </a:xfrm>
+            <a:prstGeom prst="line">
+              <a:avLst/>
+            </a:prstGeom>
+            <a:ln w="127000" cap="rnd">
+              <a:solidFill>
+                <a:schemeClr val="accent4"/>
+              </a:solidFill>
+              <a:round/>
+            </a:ln>
+          </p:spPr>
+          <p:style>
+            <a:lnRef idx="1">
+              <a:schemeClr val="accent1"/>
+            </a:lnRef>
+            <a:fillRef idx="0">
+              <a:schemeClr val="accent1"/>
+            </a:fillRef>
+            <a:effectRef idx="0">
+              <a:schemeClr val="accent1"/>
+            </a:effectRef>
+            <a:fontRef idx="minor">
+              <a:schemeClr val="tx1"/>
+            </a:fontRef>
+          </p:style>
+        </p:cxnSp>
+        <p:grpSp>
+          <p:nvGrpSpPr>
+            <p:cNvPr id="79" name="Agrupar 78">
+              <a:extLst>
+                <a:ext uri="{FF2B5EF4-FFF2-40B4-BE49-F238E27FC236}">
+                  <a16:creationId xmlns:a16="http://schemas.microsoft.com/office/drawing/2014/main" id="{B6F1DAB8-F449-4FEF-A1B7-451CE97764E3}"/>
+                </a:ext>
+              </a:extLst>
+            </p:cNvPr>
+            <p:cNvGrpSpPr/>
+            <p:nvPr/>
+          </p:nvGrpSpPr>
+          <p:grpSpPr>
+            <a:xfrm>
+              <a:off x="8143005" y="1823409"/>
+              <a:ext cx="1015024" cy="1369542"/>
+              <a:chOff x="10498855" y="5477834"/>
+              <a:chExt cx="1015024" cy="1369542"/>
+            </a:xfrm>
+          </p:grpSpPr>
+          <mc:AlternateContent xmlns:mc="http://schemas.openxmlformats.org/markup-compatibility/2006" xmlns:am3d="http://schemas.microsoft.com/office/drawing/2017/model3d">
+            <mc:Choice Requires="am3d">
+              <p:graphicFrame>
+                <p:nvGraphicFramePr>
+                  <p:cNvPr id="80" name="Modelo 3D 79" descr="Hemisfério Cinza-Escuro">
+                    <a:extLst>
+                      <a:ext uri="{FF2B5EF4-FFF2-40B4-BE49-F238E27FC236}">
+                        <a16:creationId xmlns:a16="http://schemas.microsoft.com/office/drawing/2014/main" id="{FC13DA74-E81F-494C-9207-78A85F36B252}"/>
+                      </a:ext>
+                    </a:extLst>
+                  </p:cNvPr>
+                  <p:cNvGraphicFramePr>
+                    <a:graphicFrameLocks noChangeAspect="1"/>
+                  </p:cNvGraphicFramePr>
+                  <p:nvPr>
+                    <p:extLst/>
+                  </p:nvPr>
+                </p:nvGraphicFramePr>
+                <p:xfrm rot="5400000">
+                  <a:off x="10310915" y="5856664"/>
+                  <a:ext cx="1178652" cy="802772"/>
+                </p:xfrm>
+                <a:graphic>
+                  <a:graphicData uri="http://schemas.microsoft.com/office/drawing/2017/model3d">
+                    <am3d:model3d r:embed="rId5">
+                      <am3d:spPr>
+                        <a:xfrm rot="5400000">
+                          <a:off x="0" y="0"/>
+                          <a:ext cx="1178652" cy="802772"/>
+                        </a:xfrm>
+                        <a:prstGeom prst="rect">
+                          <a:avLst/>
+                        </a:prstGeom>
+                      </am3d:spPr>
+                      <am3d:camera>
+                        <am3d:pos x="0" y="0" z="70522459"/>
+                        <am3d:up dx="0" dy="36000000" dz="0"/>
+                        <am3d:lookAt x="0" y="0" z="0"/>
+                        <am3d:perspective fov="2700000"/>
+                      </am3d:camera>
+                      <am3d:trans>
+                        <am3d:meterPerModelUnit n="6553073" d="1000000"/>
+                        <am3d:preTrans dx="9" dy="-8999683" dz="-344461"/>
+                        <am3d:scale>
+                          <am3d:sx n="1000000" d="1000000"/>
+                          <am3d:sy n="1000000" d="1000000"/>
+                          <am3d:sz n="1000000" d="1000000"/>
+                        </am3d:scale>
+                        <am3d:rot ax="16200000" ay="3600000" az="16200000"/>
+                        <am3d:postTrans dx="0" dy="0" dz="0"/>
+                      </am3d:trans>
+                      <am3d:raster rName="Office3DRenderer" rVer="16.0.8326">
+                        <am3d:blip r:embed="rId6"/>
+                      </am3d:raster>
+                      <am3d:objViewport viewportSz="1854853"/>
+                      <am3d:ambientLight>
+                        <am3d:clr>
+                          <a:scrgbClr r="50000" g="50000" b="50000"/>
+                        </am3d:clr>
+                        <am3d:illuminance n="500000" d="1000000"/>
+                      </am3d:ambientLight>
+                      <am3d:ptLight rad="0">
+                        <am3d:clr>
+                          <a:scrgbClr r="100000" g="75000" b="50000"/>
+                        </am3d:clr>
+                        <am3d:intensity n="9765625" d="1000000"/>
+                        <am3d:pos x="21959998" y="70920001" z="16344003"/>
+                      </am3d:ptLight>
+                      <am3d:ptLight rad="0">
+                        <am3d:clr>
+                          <a:scrgbClr r="40000" g="60000" b="95000"/>
+                        </am3d:clr>
+                        <am3d:intensity n="12250000" d="1000000"/>
+                        <am3d:pos x="-37964106" y="51130435" z="57631972"/>
+                      </am3d:ptLight>
+                      <am3d:ptLight rad="0">
+                        <am3d:clr>
+                          <a:scrgbClr r="86837" g="72700" b="100000"/>
+                        </am3d:clr>
+                        <am3d:intensity n="3125000" d="1000000"/>
+                        <am3d:pos x="-37739122" y="58056624" z="-34769649"/>
+                      </am3d:ptLight>
+                    </am3d:model3d>
+                  </a:graphicData>
+                </a:graphic>
+              </p:graphicFrame>
+            </mc:Choice>
+            <mc:Fallback xmlns="">
+              <p:pic>
+                <p:nvPicPr>
+                  <p:cNvPr id="80" name="Modelo 3D 79" descr="Hemisfério Cinza-Escuro">
+                    <a:extLst>
+                      <a:ext uri="{FF2B5EF4-FFF2-40B4-BE49-F238E27FC236}">
+                        <a16:creationId xmlns:a16="http://schemas.microsoft.com/office/drawing/2014/main" id="{FC13DA74-E81F-494C-9207-78A85F36B252}"/>
+                      </a:ext>
+                    </a:extLst>
+                  </p:cNvPr>
+                  <p:cNvPicPr>
+                    <a:picLocks noGrp="1" noRot="1" noChangeAspect="1" noMove="1" noResize="1" noEditPoints="1" noAdjustHandles="1" noChangeArrowheads="1" noChangeShapeType="1" noCrop="1"/>
+                  </p:cNvPicPr>
+                  <p:nvPr/>
+                </p:nvPicPr>
+                <p:blipFill>
+                  <a:blip r:embed="rId10"/>
+                  <a:stretch>
+                    <a:fillRect/>
+                  </a:stretch>
+                </p:blipFill>
+                <p:spPr>
+                  <a:xfrm rot="5400000">
+                    <a:off x="10482365" y="1237039"/>
+                    <a:ext cx="1178652" cy="802772"/>
+                  </a:xfrm>
+                  <a:prstGeom prst="rect">
+                    <a:avLst/>
+                  </a:prstGeom>
+                </p:spPr>
+              </p:pic>
+            </mc:Fallback>
+          </mc:AlternateContent>
+          <p:sp>
+            <p:nvSpPr>
+              <p:cNvPr id="81" name="CaixaDeTexto 80">
+                <a:extLst>
+                  <a:ext uri="{FF2B5EF4-FFF2-40B4-BE49-F238E27FC236}">
+                    <a16:creationId xmlns:a16="http://schemas.microsoft.com/office/drawing/2014/main" id="{418552F7-6CF1-464B-8A70-F98C0B9405F6}"/>
+                  </a:ext>
+                </a:extLst>
+              </p:cNvPr>
+              <p:cNvSpPr txBox="1"/>
+              <p:nvPr/>
+            </p:nvSpPr>
+            <p:spPr>
+              <a:xfrm>
+                <a:off x="10942889" y="5477834"/>
+                <a:ext cx="570990" cy="553998"/>
+              </a:xfrm>
+              <a:prstGeom prst="rect">
+                <a:avLst/>
+              </a:prstGeom>
+              <a:noFill/>
+            </p:spPr>
+            <p:txBody>
+              <a:bodyPr wrap="none" rtlCol="0">
+                <a:spAutoFit/>
+              </a:bodyPr>
+              <a:lstStyle/>
+              <a:p>
+                <a:r>
+                  <a:rPr lang="en-GB" sz="3000" b="1" dirty="0"/>
+                  <a:t>D</a:t>
+                </a:r>
+                <a:r>
+                  <a:rPr lang="en-GB" sz="3000" b="1" baseline="-25000" dirty="0"/>
+                  <a:t>B</a:t>
+                </a:r>
+              </a:p>
+            </p:txBody>
+          </p:sp>
+        </p:grpSp>
+        <p:cxnSp>
+          <p:nvCxnSpPr>
+            <p:cNvPr id="24" name="Conexão reta 23">
+              <a:extLst>
+                <a:ext uri="{FF2B5EF4-FFF2-40B4-BE49-F238E27FC236}">
+                  <a16:creationId xmlns:a16="http://schemas.microsoft.com/office/drawing/2014/main" id="{DFE6DE75-00C8-4237-A44C-460407874FD3}"/>
+                </a:ext>
+              </a:extLst>
+            </p:cNvPr>
+            <p:cNvCxnSpPr>
+              <a:cxnSpLocks/>
+            </p:cNvCxnSpPr>
+            <p:nvPr/>
+          </p:nvCxnSpPr>
+          <p:spPr>
+            <a:xfrm>
+              <a:off x="3657600" y="2594945"/>
+              <a:ext cx="4711700" cy="0"/>
+            </a:xfrm>
+            <a:prstGeom prst="line">
+              <a:avLst/>
+            </a:prstGeom>
+            <a:ln w="127000"/>
+          </p:spPr>
+          <p:style>
+            <a:lnRef idx="3">
+              <a:schemeClr val="accent4"/>
+            </a:lnRef>
+            <a:fillRef idx="0">
+              <a:schemeClr val="accent4"/>
+            </a:fillRef>
+            <a:effectRef idx="2">
+              <a:schemeClr val="accent4"/>
+            </a:effectRef>
+            <a:fontRef idx="minor">
+              <a:schemeClr val="tx1"/>
+            </a:fontRef>
+          </p:style>
+        </p:cxnSp>
+        <p:cxnSp>
+          <p:nvCxnSpPr>
+            <p:cNvPr id="61" name="Conexão reta 60">
+              <a:extLst>
+                <a:ext uri="{FF2B5EF4-FFF2-40B4-BE49-F238E27FC236}">
+                  <a16:creationId xmlns:a16="http://schemas.microsoft.com/office/drawing/2014/main" id="{CFFF43EB-8583-4F91-99F2-1F9C400828AF}"/>
+                </a:ext>
+              </a:extLst>
+            </p:cNvPr>
+            <p:cNvCxnSpPr>
+              <a:cxnSpLocks/>
+            </p:cNvCxnSpPr>
+            <p:nvPr/>
+          </p:nvCxnSpPr>
+          <p:spPr>
+            <a:xfrm flipV="1">
+              <a:off x="7378844" y="4233159"/>
+              <a:ext cx="914400" cy="914400"/>
+            </a:xfrm>
+            <a:prstGeom prst="line">
+              <a:avLst/>
+            </a:prstGeom>
+            <a:ln w="127000">
+              <a:solidFill>
+                <a:schemeClr val="accent4"/>
+              </a:solidFill>
+            </a:ln>
+          </p:spPr>
+          <p:style>
+            <a:lnRef idx="1">
+              <a:schemeClr val="accent1"/>
+            </a:lnRef>
+            <a:fillRef idx="0">
+              <a:schemeClr val="accent1"/>
+            </a:fillRef>
+            <a:effectRef idx="0">
+              <a:schemeClr val="accent1"/>
+            </a:effectRef>
+            <a:fontRef idx="minor">
+              <a:schemeClr val="tx1"/>
+            </a:fontRef>
+          </p:style>
+        </p:cxnSp>
+      </p:grpSp>
+    </p:spTree>
+    <p:extLst>
+      <p:ext uri="{BB962C8B-B14F-4D97-AF65-F5344CB8AC3E}">
+        <p14:creationId xmlns:p14="http://schemas.microsoft.com/office/powerpoint/2010/main" val="1059864818"/>
+      </p:ext>
+    </p:extLst>
+  </p:cSld>
+  <p:clrMapOvr>
+    <a:masterClrMapping/>
+  </p:clrMapOvr>
+</p:sld>
+</file>
+
+<file path=ppt/slides/slide4.xml><?xml version="1.0" encoding="utf-8"?>
+<p:sld xmlns:a="http://schemas.openxmlformats.org/drawingml/2006/main" xmlns:r="http://schemas.openxmlformats.org/officeDocument/2006/relationships" xmlns:p="http://schemas.openxmlformats.org/presentationml/2006/main">
+  <p:cSld>
+    <p:spTree>
+      <p:nvGrpSpPr>
+        <p:cNvPr id="1" name=""/>
+        <p:cNvGrpSpPr/>
+        <p:nvPr/>
+      </p:nvGrpSpPr>
+      <p:grpSpPr>
+        <a:xfrm>
+          <a:off x="0" y="0"/>
+          <a:ext cx="0" cy="0"/>
+          <a:chOff x="0" y="0"/>
+          <a:chExt cx="0" cy="0"/>
+        </a:xfrm>
+      </p:grpSpPr>
+      <p:grpSp>
+        <p:nvGrpSpPr>
+          <p:cNvPr id="5" name="Agrupar 4">
+            <a:extLst>
+              <a:ext uri="{FF2B5EF4-FFF2-40B4-BE49-F238E27FC236}">
+                <a16:creationId xmlns:a16="http://schemas.microsoft.com/office/drawing/2014/main" id="{784DAD7C-1E07-437A-A869-DBFA5F675809}"/>
+              </a:ext>
+            </a:extLst>
+          </p:cNvPr>
+          <p:cNvGrpSpPr/>
+          <p:nvPr/>
+        </p:nvGrpSpPr>
+        <p:grpSpPr>
+          <a:xfrm>
+            <a:off x="-2090057" y="944528"/>
+            <a:ext cx="14282057" cy="5311129"/>
+            <a:chOff x="-2090057" y="146242"/>
+            <a:chExt cx="14282057" cy="5311129"/>
+          </a:xfrm>
+        </p:grpSpPr>
+        <p:sp>
+          <p:nvSpPr>
+            <p:cNvPr id="8" name="CaixaDeTexto 7">
+              <a:extLst>
+                <a:ext uri="{FF2B5EF4-FFF2-40B4-BE49-F238E27FC236}">
+                  <a16:creationId xmlns:a16="http://schemas.microsoft.com/office/drawing/2014/main" id="{4F86CFD7-350E-415C-9909-620977800070}"/>
+                </a:ext>
+              </a:extLst>
+            </p:cNvPr>
+            <p:cNvSpPr txBox="1"/>
+            <p:nvPr/>
+          </p:nvSpPr>
+          <p:spPr>
+            <a:xfrm>
+              <a:off x="79087" y="146242"/>
+              <a:ext cx="4531258" cy="1015663"/>
+            </a:xfrm>
+            <a:prstGeom prst="rect">
+              <a:avLst/>
+            </a:prstGeom>
+            <a:noFill/>
+          </p:spPr>
+          <p:txBody>
+            <a:bodyPr wrap="square" rtlCol="0">
+              <a:spAutoFit/>
+            </a:bodyPr>
+            <a:lstStyle/>
+            <a:p>
+              <a:r>
+                <a:rPr lang="en-GB" sz="6000" b="1" dirty="0"/>
+                <a:t>Alice</a:t>
+              </a:r>
+              <a:endParaRPr lang="en-GB" sz="4000" b="1" dirty="0"/>
+            </a:p>
+          </p:txBody>
+        </p:sp>
+        <mc:AlternateContent xmlns:mc="http://schemas.openxmlformats.org/markup-compatibility/2006" xmlns:am3d="http://schemas.microsoft.com/office/drawing/2017/model3d">
+          <mc:Choice Requires="am3d">
+            <p:graphicFrame>
+              <p:nvGraphicFramePr>
+                <p:cNvPr id="20" name="Modelo 3D 19" descr="Sinal de Subtração Cinza-Escuro">
+                  <a:extLst>
+                    <a:ext uri="{FF2B5EF4-FFF2-40B4-BE49-F238E27FC236}">
+                      <a16:creationId xmlns:a16="http://schemas.microsoft.com/office/drawing/2014/main" id="{16B436A3-99FA-483A-8656-A05268DC972A}"/>
+                    </a:ext>
+                  </a:extLst>
+                </p:cNvPr>
+                <p:cNvGraphicFramePr>
+                  <a:graphicFrameLocks noChangeAspect="1"/>
+                </p:cNvGraphicFramePr>
+                <p:nvPr>
+                  <p:extLst>
+                    <p:ext uri="{D42A27DB-BD31-4B8C-83A1-F6EECF244321}">
+                      <p14:modId xmlns:p14="http://schemas.microsoft.com/office/powerpoint/2010/main" val="2589812203"/>
+                    </p:ext>
+                  </p:extLst>
+                </p:nvPr>
+              </p:nvGraphicFramePr>
+              <p:xfrm>
+                <a:off x="7798759" y="1002130"/>
+                <a:ext cx="1891840" cy="2348490"/>
+              </p:xfrm>
+              <a:graphic>
+                <a:graphicData uri="http://schemas.microsoft.com/office/drawing/2017/model3d">
+                  <am3d:model3d r:embed="rId2">
+                    <am3d:spPr>
+                      <a:xfrm>
+                        <a:off x="0" y="0"/>
+                        <a:ext cx="1891840" cy="2348490"/>
+                      </a:xfrm>
+                      <a:prstGeom prst="rect">
+                        <a:avLst/>
+                      </a:prstGeom>
+                    </am3d:spPr>
+                    <am3d:camera>
+                      <am3d:pos x="0" y="0" z="49021875"/>
+                      <am3d:up dx="0" dy="36000000" dz="0"/>
+                      <am3d:lookAt x="0" y="0" z="0"/>
+                      <am3d:perspective fov="2700000"/>
+                    </am3d:camera>
+                    <am3d:trans>
+                      <am3d:meterPerModelUnit n="4685389" d="1000000"/>
+                      <am3d:preTrans dx="-2441" dy="-23614363" dz="0"/>
+                      <am3d:scale>
+                        <am3d:sx n="1000000" d="1000000"/>
+                        <am3d:sy n="1000000" d="1000000"/>
+                        <am3d:sz n="1000000" d="1000000"/>
+                      </am3d:scale>
+                      <am3d:rot ax="5616986" ay="4619897" az="5622683"/>
+                      <am3d:postTrans dx="0" dy="0" dz="0"/>
+                    </am3d:trans>
+                    <am3d:raster rName="Office3DRenderer" rVer="16.0.8326">
+                      <am3d:blip r:embed="rId3"/>
+                    </am3d:raster>
+                    <am3d:objViewport viewportSz="3576459"/>
+                    <am3d:ambientLight>
+                      <am3d:clr>
+                        <a:scrgbClr r="50000" g="50000" b="50000"/>
+                      </am3d:clr>
+                      <am3d:illuminance n="500000" d="1000000"/>
+                    </am3d:ambientLight>
+                    <am3d:ptLight rad="0">
+                      <am3d:clr>
+                        <a:scrgbClr r="100000" g="75000" b="50000"/>
+                      </am3d:clr>
+                      <am3d:intensity n="9765625" d="1000000"/>
+                      <am3d:pos x="21959998" y="70920001" z="16344003"/>
+                    </am3d:ptLight>
+                    <am3d:ptLight rad="0">
+                      <am3d:clr>
+                        <a:scrgbClr r="40000" g="60000" b="95000"/>
+                      </am3d:clr>
+                      <am3d:intensity n="12250000" d="1000000"/>
+                      <am3d:pos x="-37964106" y="51130435" z="57631972"/>
+                    </am3d:ptLight>
+                    <am3d:ptLight rad="0">
+                      <am3d:clr>
+                        <a:scrgbClr r="86837" g="72700" b="100000"/>
+                      </am3d:clr>
+                      <am3d:intensity n="3125000" d="1000000"/>
+                      <am3d:pos x="-37739122" y="58056624" z="-34769649"/>
+                    </am3d:ptLight>
+                  </am3d:model3d>
+                </a:graphicData>
+              </a:graphic>
+            </p:graphicFrame>
+          </mc:Choice>
+          <mc:Fallback xmlns="">
+            <p:pic>
+              <p:nvPicPr>
+                <p:cNvPr id="20" name="Modelo 3D 19" descr="Sinal de Subtração Cinza-Escuro">
+                  <a:extLst>
+                    <a:ext uri="{FF2B5EF4-FFF2-40B4-BE49-F238E27FC236}">
+                      <a16:creationId xmlns:a16="http://schemas.microsoft.com/office/drawing/2014/main" id="{16B436A3-99FA-483A-8656-A05268DC972A}"/>
+                    </a:ext>
+                  </a:extLst>
+                </p:cNvPr>
+                <p:cNvPicPr>
+                  <a:picLocks noGrp="1" noRot="1" noChangeAspect="1" noMove="1" noResize="1" noEditPoints="1" noAdjustHandles="1" noChangeArrowheads="1" noChangeShapeType="1" noCrop="1"/>
+                </p:cNvPicPr>
+                <p:nvPr/>
+              </p:nvPicPr>
+              <p:blipFill>
+                <a:blip r:embed="rId4"/>
+                <a:stretch>
+                  <a:fillRect/>
+                </a:stretch>
+              </p:blipFill>
+              <p:spPr>
+                <a:xfrm>
+                  <a:off x="7798759" y="1800416"/>
+                  <a:ext cx="1891840" cy="2348490"/>
+                </a:xfrm>
+                <a:prstGeom prst="rect">
+                  <a:avLst/>
+                </a:prstGeom>
+              </p:spPr>
+            </p:pic>
+          </mc:Fallback>
+        </mc:AlternateContent>
+        <p:sp>
+          <p:nvSpPr>
+            <p:cNvPr id="41" name="Retângulo 40">
+              <a:extLst>
+                <a:ext uri="{FF2B5EF4-FFF2-40B4-BE49-F238E27FC236}">
+                  <a16:creationId xmlns:a16="http://schemas.microsoft.com/office/drawing/2014/main" id="{1044C7DB-10A5-4A4A-8A69-80C92F5516A3}"/>
+                </a:ext>
+              </a:extLst>
+            </p:cNvPr>
+            <p:cNvSpPr/>
+            <p:nvPr/>
+          </p:nvSpPr>
+          <p:spPr>
+            <a:xfrm>
+              <a:off x="151075" y="289586"/>
+              <a:ext cx="11652375" cy="5167785"/>
+            </a:xfrm>
+            <a:prstGeom prst="rect">
+              <a:avLst/>
+            </a:prstGeom>
+            <a:noFill/>
+            <a:ln w="9525" cap="flat" cmpd="sng" algn="ctr">
+              <a:solidFill>
+                <a:schemeClr val="dk1"/>
+              </a:solidFill>
+              <a:prstDash val="dashDot"/>
+              <a:round/>
+              <a:headEnd type="none" w="med" len="med"/>
+              <a:tailEnd type="none" w="med" len="med"/>
+            </a:ln>
+          </p:spPr>
+          <p:style>
+            <a:lnRef idx="0">
+              <a:scrgbClr r="0" g="0" b="0"/>
+            </a:lnRef>
+            <a:fillRef idx="0">
+              <a:scrgbClr r="0" g="0" b="0"/>
+            </a:fillRef>
+            <a:effectRef idx="0">
+              <a:scrgbClr r="0" g="0" b="0"/>
+            </a:effectRef>
+            <a:fontRef idx="minor">
+              <a:schemeClr val="dk1"/>
+            </a:fontRef>
+          </p:style>
+          <p:txBody>
+            <a:bodyPr rtlCol="0" anchor="ctr"/>
+            <a:lstStyle/>
+            <a:p>
+              <a:pPr algn="ctr"/>
+              <a:endParaRPr lang="en-GB"/>
+            </a:p>
+          </p:txBody>
+        </p:sp>
+        <p:sp>
+          <p:nvSpPr>
+            <p:cNvPr id="43" name="CaixaDeTexto 42">
+              <a:extLst>
+                <a:ext uri="{FF2B5EF4-FFF2-40B4-BE49-F238E27FC236}">
+                  <a16:creationId xmlns:a16="http://schemas.microsoft.com/office/drawing/2014/main" id="{A2E492A1-082D-4F9D-B8E2-9ACC85032C33}"/>
+                </a:ext>
+              </a:extLst>
+            </p:cNvPr>
+            <p:cNvSpPr txBox="1"/>
+            <p:nvPr/>
+          </p:nvSpPr>
+          <p:spPr>
+            <a:xfrm>
+              <a:off x="2653955" y="4046949"/>
+              <a:ext cx="1858200" cy="1015663"/>
+            </a:xfrm>
+            <a:prstGeom prst="rect">
+              <a:avLst/>
+            </a:prstGeom>
+            <a:noFill/>
+          </p:spPr>
+          <p:txBody>
+            <a:bodyPr wrap="none" rtlCol="0">
+              <a:spAutoFit/>
+            </a:bodyPr>
+            <a:lstStyle/>
+            <a:p>
+              <a:r>
+                <a:rPr lang="en-GB" sz="6000" b="1" dirty="0"/>
+                <a:t>Laser</a:t>
+              </a:r>
+              <a:endParaRPr lang="en-GB" sz="3000" b="1" dirty="0"/>
+            </a:p>
+          </p:txBody>
+        </p:sp>
+        <p:sp>
+          <p:nvSpPr>
+            <p:cNvPr id="44" name="CaixaDeTexto 43">
+              <a:extLst>
+                <a:ext uri="{FF2B5EF4-FFF2-40B4-BE49-F238E27FC236}">
+                  <a16:creationId xmlns:a16="http://schemas.microsoft.com/office/drawing/2014/main" id="{0EDA8795-CA94-4B3A-85AF-B784E65A4DC7}"/>
+                </a:ext>
+              </a:extLst>
+            </p:cNvPr>
+            <p:cNvSpPr txBox="1"/>
+            <p:nvPr/>
+          </p:nvSpPr>
+          <p:spPr>
+            <a:xfrm>
+              <a:off x="7406788" y="438496"/>
+              <a:ext cx="2582629" cy="1323439"/>
+            </a:xfrm>
+            <a:prstGeom prst="rect">
+              <a:avLst/>
+            </a:prstGeom>
+            <a:noFill/>
+          </p:spPr>
+          <p:txBody>
+            <a:bodyPr wrap="none" rtlCol="0">
+              <a:spAutoFit/>
+            </a:bodyPr>
+            <a:lstStyle/>
+            <a:p>
+              <a:pPr algn="ctr"/>
+              <a:r>
+                <a:rPr lang="en-GB" sz="4000" b="1" dirty="0"/>
+                <a:t>Intensity</a:t>
+              </a:r>
+            </a:p>
+            <a:p>
+              <a:pPr algn="ctr"/>
+              <a:r>
+                <a:rPr lang="en-GB" sz="4000" b="1" dirty="0"/>
+                <a:t> Modulator</a:t>
+              </a:r>
+            </a:p>
+          </p:txBody>
+        </p:sp>
+        <mc:AlternateContent xmlns:mc="http://schemas.openxmlformats.org/markup-compatibility/2006" xmlns:am3d="http://schemas.microsoft.com/office/drawing/2017/model3d">
+          <mc:Choice Requires="am3d">
+            <p:graphicFrame>
+              <p:nvGraphicFramePr>
+                <p:cNvPr id="82" name="Modelo 3D 81" descr="Sinal de Subtração Cinza-Escuro">
+                  <a:extLst>
+                    <a:ext uri="{FF2B5EF4-FFF2-40B4-BE49-F238E27FC236}">
+                      <a16:creationId xmlns:a16="http://schemas.microsoft.com/office/drawing/2014/main" id="{17B1B989-5A36-41E9-84F5-8D5AC06F7925}"/>
+                    </a:ext>
+                  </a:extLst>
+                </p:cNvPr>
+                <p:cNvGraphicFramePr>
+                  <a:graphicFrameLocks noChangeAspect="1"/>
+                </p:cNvGraphicFramePr>
+                <p:nvPr>
+                  <p:extLst>
+                    <p:ext uri="{D42A27DB-BD31-4B8C-83A1-F6EECF244321}">
+                      <p14:modId xmlns:p14="http://schemas.microsoft.com/office/powerpoint/2010/main" val="1460823324"/>
+                    </p:ext>
+                  </p:extLst>
+                </p:nvPr>
+              </p:nvGraphicFramePr>
+              <p:xfrm rot="10800000">
+                <a:off x="9731349" y="1926174"/>
+                <a:ext cx="1891840" cy="2348490"/>
+              </p:xfrm>
+              <a:graphic>
+                <a:graphicData uri="http://schemas.microsoft.com/office/drawing/2017/model3d">
+                  <am3d:model3d r:embed="rId2">
+                    <am3d:spPr>
+                      <a:xfrm rot="10800000">
+                        <a:off x="0" y="0"/>
+                        <a:ext cx="1891840" cy="2348490"/>
+                      </a:xfrm>
+                      <a:prstGeom prst="rect">
+                        <a:avLst/>
+                      </a:prstGeom>
+                    </am3d:spPr>
+                    <am3d:camera>
+                      <am3d:pos x="0" y="0" z="49021875"/>
+                      <am3d:up dx="0" dy="36000000" dz="0"/>
+                      <am3d:lookAt x="0" y="0" z="0"/>
+                      <am3d:perspective fov="2700000"/>
+                    </am3d:camera>
+                    <am3d:trans>
+                      <am3d:meterPerModelUnit n="4685389" d="1000000"/>
+                      <am3d:preTrans dx="-2441" dy="-23614363" dz="0"/>
+                      <am3d:scale>
+                        <am3d:sx n="1000000" d="1000000"/>
+                        <am3d:sy n="1000000" d="1000000"/>
+                        <am3d:sz n="1000000" d="1000000"/>
+                      </am3d:scale>
+                      <am3d:rot ax="5616986" ay="4619897" az="5622683"/>
+                      <am3d:postTrans dx="0" dy="0" dz="0"/>
+                    </am3d:trans>
+                    <am3d:raster rName="Office3DRenderer" rVer="16.0.8326">
+                      <am3d:blip r:embed="rId3"/>
+                    </am3d:raster>
+                    <am3d:objViewport viewportSz="3576459"/>
+                    <am3d:ambientLight>
+                      <am3d:clr>
+                        <a:scrgbClr r="50000" g="50000" b="50000"/>
+                      </am3d:clr>
+                      <am3d:illuminance n="500000" d="1000000"/>
+                    </am3d:ambientLight>
+                    <am3d:ptLight rad="0">
+                      <am3d:clr>
+                        <a:scrgbClr r="100000" g="75000" b="50000"/>
+                      </am3d:clr>
+                      <am3d:intensity n="9765625" d="1000000"/>
+                      <am3d:pos x="21959998" y="70920001" z="16344003"/>
+                    </am3d:ptLight>
+                    <am3d:ptLight rad="0">
+                      <am3d:clr>
+                        <a:scrgbClr r="40000" g="60000" b="95000"/>
+                      </am3d:clr>
+                      <am3d:intensity n="12250000" d="1000000"/>
+                      <am3d:pos x="-37964106" y="51130435" z="57631972"/>
+                    </am3d:ptLight>
+                    <am3d:ptLight rad="0">
+                      <am3d:clr>
+                        <a:scrgbClr r="86837" g="72700" b="100000"/>
+                      </am3d:clr>
+                      <am3d:intensity n="3125000" d="1000000"/>
+                      <am3d:pos x="-37739122" y="58056624" z="-34769649"/>
+                    </am3d:ptLight>
+                  </am3d:model3d>
+                </a:graphicData>
+              </a:graphic>
+            </p:graphicFrame>
+          </mc:Choice>
+          <mc:Fallback xmlns="">
+            <p:pic>
+              <p:nvPicPr>
+                <p:cNvPr id="82" name="Modelo 3D 81" descr="Sinal de Subtração Cinza-Escuro">
+                  <a:extLst>
+                    <a:ext uri="{FF2B5EF4-FFF2-40B4-BE49-F238E27FC236}">
+                      <a16:creationId xmlns:a16="http://schemas.microsoft.com/office/drawing/2014/main" id="{17B1B989-5A36-41E9-84F5-8D5AC06F7925}"/>
+                    </a:ext>
+                  </a:extLst>
+                </p:cNvPr>
+                <p:cNvPicPr>
+                  <a:picLocks noGrp="1" noRot="1" noChangeAspect="1" noMove="1" noResize="1" noEditPoints="1" noAdjustHandles="1" noChangeArrowheads="1" noChangeShapeType="1" noCrop="1"/>
+                </p:cNvPicPr>
+                <p:nvPr/>
+              </p:nvPicPr>
+              <p:blipFill>
+                <a:blip r:embed="rId4"/>
+                <a:stretch>
+                  <a:fillRect/>
+                </a:stretch>
+              </p:blipFill>
+              <p:spPr>
+                <a:xfrm rot="10800000">
+                  <a:off x="9731349" y="2724460"/>
+                  <a:ext cx="1891840" cy="2348490"/>
+                </a:xfrm>
+                <a:prstGeom prst="rect">
+                  <a:avLst/>
+                </a:prstGeom>
+              </p:spPr>
+            </p:pic>
+          </mc:Fallback>
+        </mc:AlternateContent>
+        <p:cxnSp>
+          <p:nvCxnSpPr>
+            <p:cNvPr id="24" name="Conexão reta 23">
+              <a:extLst>
+                <a:ext uri="{FF2B5EF4-FFF2-40B4-BE49-F238E27FC236}">
+                  <a16:creationId xmlns:a16="http://schemas.microsoft.com/office/drawing/2014/main" id="{DFE6DE75-00C8-4237-A44C-460407874FD3}"/>
+                </a:ext>
+              </a:extLst>
+            </p:cNvPr>
+            <p:cNvCxnSpPr>
+              <a:cxnSpLocks/>
+            </p:cNvCxnSpPr>
+            <p:nvPr/>
+          </p:nvCxnSpPr>
+          <p:spPr>
+            <a:xfrm>
+              <a:off x="5198566" y="2774083"/>
+              <a:ext cx="6993434" cy="0"/>
+            </a:xfrm>
+            <a:prstGeom prst="line">
+              <a:avLst/>
+            </a:prstGeom>
+            <a:ln w="127000"/>
+          </p:spPr>
+          <p:style>
+            <a:lnRef idx="3">
+              <a:schemeClr val="accent4"/>
+            </a:lnRef>
+            <a:fillRef idx="0">
+              <a:schemeClr val="accent4"/>
+            </a:fillRef>
+            <a:effectRef idx="2">
+              <a:schemeClr val="accent4"/>
+            </a:effectRef>
+            <a:fontRef idx="minor">
+              <a:schemeClr val="tx1"/>
+            </a:fontRef>
+          </p:style>
+        </p:cxnSp>
+        <mc:AlternateContent xmlns:mc="http://schemas.openxmlformats.org/markup-compatibility/2006" xmlns:am3d="http://schemas.microsoft.com/office/drawing/2017/model3d">
+          <mc:Choice Requires="am3d">
+            <p:graphicFrame>
+              <p:nvGraphicFramePr>
+                <p:cNvPr id="19" name="Modelo 3D 18" descr="Cuboide Cinza-Escuro">
+                  <a:extLst>
+                    <a:ext uri="{FF2B5EF4-FFF2-40B4-BE49-F238E27FC236}">
+                      <a16:creationId xmlns:a16="http://schemas.microsoft.com/office/drawing/2014/main" id="{3504EDA7-0DC3-4F5F-BB70-A4114A4748E8}"/>
+                    </a:ext>
+                  </a:extLst>
+                </p:cNvPr>
+                <p:cNvGraphicFramePr>
+                  <a:graphicFrameLocks noChangeAspect="1"/>
+                </p:cNvGraphicFramePr>
+                <p:nvPr>
+                  <p:extLst>
+                    <p:ext uri="{D42A27DB-BD31-4B8C-83A1-F6EECF244321}">
+                      <p14:modId xmlns:p14="http://schemas.microsoft.com/office/powerpoint/2010/main" val="2842928903"/>
+                    </p:ext>
+                  </p:extLst>
+                </p:nvPr>
+              </p:nvGraphicFramePr>
+              <p:xfrm>
+                <a:off x="-2090057" y="1005062"/>
+                <a:ext cx="11603804" cy="2346128"/>
+              </p:xfrm>
+              <a:graphic>
+                <a:graphicData uri="http://schemas.microsoft.com/office/drawing/2017/model3d">
+                  <am3d:model3d r:embed="rId5">
+                    <am3d:spPr>
+                      <a:xfrm>
+                        <a:off x="0" y="0"/>
+                        <a:ext cx="11603804" cy="2346128"/>
+                      </a:xfrm>
+                      <a:prstGeom prst="rect">
+                        <a:avLst/>
+                      </a:prstGeom>
+                    </am3d:spPr>
+                    <am3d:camera>
+                      <am3d:pos x="0" y="0" z="57664451"/>
+                      <am3d:up dx="0" dy="36000000" dz="0"/>
+                      <am3d:lookAt x="0" y="0" z="0"/>
+                      <am3d:perspective fov="2700000"/>
+                    </am3d:camera>
+                    <am3d:trans>
+                      <am3d:meterPerModelUnit n="4361393" d="1000000"/>
+                      <am3d:preTrans dx="0" dy="-6493603" dz="0"/>
+                      <am3d:scale>
+                        <am3d:sx n="1000000" d="1000000"/>
+                        <am3d:sy n="1000000" d="1000000"/>
+                        <am3d:sz n="1000000" d="1000000"/>
+                      </am3d:scale>
+                      <am3d:rot ax="5400000" ay="18000000" az="16200000"/>
+                      <am3d:postTrans dx="0" dy="0" dz="0"/>
+                    </am3d:trans>
+                    <am3d:raster rName="Office3DRenderer" rVer="16.0.8326">
+                      <am3d:blip r:embed="rId6"/>
+                    </am3d:raster>
+                    <am3d:objViewport viewportSz="4491747"/>
+                    <am3d:ambientLight>
+                      <am3d:clr>
+                        <a:scrgbClr r="50000" g="50000" b="50000"/>
+                      </am3d:clr>
+                      <am3d:illuminance n="500000" d="1000000"/>
+                    </am3d:ambientLight>
+                    <am3d:ptLight rad="0">
+                      <am3d:clr>
+                        <a:scrgbClr r="100000" g="75000" b="50000"/>
+                      </am3d:clr>
+                      <am3d:intensity n="9765625" d="1000000"/>
+                      <am3d:pos x="21959998" y="70920001" z="16344003"/>
+                    </am3d:ptLight>
+                    <am3d:ptLight rad="0">
+                      <am3d:clr>
+                        <a:scrgbClr r="40000" g="60000" b="95000"/>
+                      </am3d:clr>
+                      <am3d:intensity n="12250000" d="1000000"/>
+                      <am3d:pos x="-37964106" y="51130435" z="57631972"/>
+                    </am3d:ptLight>
+                    <am3d:ptLight rad="0">
+                      <am3d:clr>
+                        <a:scrgbClr r="86837" g="72700" b="100000"/>
+                      </am3d:clr>
+                      <am3d:intensity n="3125000" d="1000000"/>
+                      <am3d:pos x="-37739122" y="58056624" z="-34769649"/>
+                    </am3d:ptLight>
+                  </am3d:model3d>
+                </a:graphicData>
+              </a:graphic>
+            </p:graphicFrame>
+          </mc:Choice>
+          <mc:Fallback xmlns="">
+            <p:pic>
+              <p:nvPicPr>
+                <p:cNvPr id="19" name="Modelo 3D 18" descr="Cuboide Cinza-Escuro">
+                  <a:extLst>
+                    <a:ext uri="{FF2B5EF4-FFF2-40B4-BE49-F238E27FC236}">
+                      <a16:creationId xmlns:a16="http://schemas.microsoft.com/office/drawing/2014/main" id="{3504EDA7-0DC3-4F5F-BB70-A4114A4748E8}"/>
+                    </a:ext>
+                  </a:extLst>
+                </p:cNvPr>
+                <p:cNvPicPr>
+                  <a:picLocks noGrp="1" noRot="1" noChangeAspect="1" noMove="1" noResize="1" noEditPoints="1" noAdjustHandles="1" noChangeArrowheads="1" noChangeShapeType="1" noCrop="1"/>
+                </p:cNvPicPr>
+                <p:nvPr/>
+              </p:nvPicPr>
+              <p:blipFill>
+                <a:blip r:embed="rId7"/>
+                <a:stretch>
+                  <a:fillRect/>
+                </a:stretch>
+              </p:blipFill>
+              <p:spPr>
+                <a:xfrm>
+                  <a:off x="-2090057" y="1803348"/>
+                  <a:ext cx="11603804" cy="2346128"/>
+                </a:xfrm>
+                <a:prstGeom prst="rect">
+                  <a:avLst/>
+                </a:prstGeom>
+              </p:spPr>
+            </p:pic>
+          </mc:Fallback>
+        </mc:AlternateContent>
+        <p:sp>
+          <p:nvSpPr>
+            <p:cNvPr id="83" name="CaixaDeTexto 82">
+              <a:extLst>
+                <a:ext uri="{FF2B5EF4-FFF2-40B4-BE49-F238E27FC236}">
+                  <a16:creationId xmlns:a16="http://schemas.microsoft.com/office/drawing/2014/main" id="{8789217A-9335-45E4-83F2-00B96068D3B2}"/>
+                </a:ext>
+              </a:extLst>
+            </p:cNvPr>
+            <p:cNvSpPr txBox="1"/>
+            <p:nvPr/>
+          </p:nvSpPr>
+          <p:spPr>
+            <a:xfrm>
+              <a:off x="9335125" y="4030582"/>
+              <a:ext cx="2466188" cy="1323439"/>
+            </a:xfrm>
+            <a:prstGeom prst="rect">
+              <a:avLst/>
+            </a:prstGeom>
+            <a:noFill/>
+          </p:spPr>
+          <p:txBody>
+            <a:bodyPr wrap="none" rtlCol="0">
+              <a:spAutoFit/>
+            </a:bodyPr>
+            <a:lstStyle/>
+            <a:p>
+              <a:pPr algn="ctr"/>
+              <a:r>
+                <a:rPr lang="en-GB" sz="4000" b="1" dirty="0"/>
+                <a:t>Optical</a:t>
+              </a:r>
+            </a:p>
+            <a:p>
+              <a:pPr algn="ctr"/>
+              <a:r>
+                <a:rPr lang="en-GB" sz="4000" b="1" dirty="0"/>
+                <a:t>attenuator</a:t>
+              </a:r>
+            </a:p>
+          </p:txBody>
+        </p:sp>
+      </p:grpSp>
+    </p:spTree>
+    <p:extLst>
+      <p:ext uri="{BB962C8B-B14F-4D97-AF65-F5344CB8AC3E}">
+        <p14:creationId xmlns:p14="http://schemas.microsoft.com/office/powerpoint/2010/main" val="352402163"/>
+      </p:ext>
+    </p:extLst>
+  </p:cSld>
+  <p:clrMapOvr>
+    <a:masterClrMapping/>
+  </p:clrMapOvr>
+</p:sld>
+</file>
+
+<file path=ppt/slides/slide5.xml><?xml version="1.0" encoding="utf-8"?>
+<p:sld xmlns:a="http://schemas.openxmlformats.org/drawingml/2006/main" xmlns:r="http://schemas.openxmlformats.org/officeDocument/2006/relationships" xmlns:p="http://schemas.openxmlformats.org/presentationml/2006/main">
+  <p:cSld>
+    <p:spTree>
+      <p:nvGrpSpPr>
+        <p:cNvPr id="1" name=""/>
+        <p:cNvGrpSpPr/>
+        <p:nvPr/>
+      </p:nvGrpSpPr>
+      <p:grpSpPr>
+        <a:xfrm>
+          <a:off x="0" y="0"/>
+          <a:ext cx="0" cy="0"/>
+          <a:chOff x="0" y="0"/>
+          <a:chExt cx="0" cy="0"/>
+        </a:xfrm>
+      </p:grpSpPr>
+      <p:pic>
+        <p:nvPicPr>
+          <p:cNvPr id="2" name="Imagem 1">
+            <a:extLst>
+              <a:ext uri="{FF2B5EF4-FFF2-40B4-BE49-F238E27FC236}">
+                <a16:creationId xmlns:a16="http://schemas.microsoft.com/office/drawing/2014/main" id="{61C84890-14B0-41C0-A1B6-B9E59A4013EB}"/>
+              </a:ext>
+            </a:extLst>
+          </p:cNvPr>
+          <p:cNvPicPr>
+            <a:picLocks noChangeAspect="1"/>
+          </p:cNvPicPr>
+          <p:nvPr/>
+        </p:nvPicPr>
+        <p:blipFill>
+          <a:blip r:embed="rId2"/>
+          <a:stretch>
+            <a:fillRect/>
+          </a:stretch>
+        </p:blipFill>
+        <p:spPr>
+          <a:xfrm>
+            <a:off x="-1364474" y="1663252"/>
+            <a:ext cx="14920948" cy="3531497"/>
+          </a:xfrm>
+          <a:prstGeom prst="rect">
+            <a:avLst/>
+          </a:prstGeom>
+        </p:spPr>
+      </p:pic>
+    </p:spTree>
+    <p:extLst>
+      <p:ext uri="{BB962C8B-B14F-4D97-AF65-F5344CB8AC3E}">
+        <p14:creationId xmlns:p14="http://schemas.microsoft.com/office/powerpoint/2010/main" val="4117038832"/>
+      </p:ext>
+    </p:extLst>
+  </p:cSld>
+  <p:clrMapOvr>
+    <a:masterClrMapping/>
+  </p:clrMapOvr>
+</p:sld>
+</file>
+
+<file path=ppt/slides/slide6.xml><?xml version="1.0" encoding="utf-8"?>
+<p:sld xmlns:a="http://schemas.openxmlformats.org/drawingml/2006/main" xmlns:r="http://schemas.openxmlformats.org/officeDocument/2006/relationships" xmlns:p="http://schemas.openxmlformats.org/presentationml/2006/main">
+  <p:cSld>
+    <p:spTree>
+      <p:nvGrpSpPr>
+        <p:cNvPr id="1" name=""/>
+        <p:cNvGrpSpPr/>
+        <p:nvPr/>
+      </p:nvGrpSpPr>
+      <p:grpSpPr>
+        <a:xfrm>
+          <a:off x="0" y="0"/>
+          <a:ext cx="0" cy="0"/>
+          <a:chOff x="0" y="0"/>
+          <a:chExt cx="0" cy="0"/>
+        </a:xfrm>
+      </p:grpSpPr>
+      <p:pic>
+        <p:nvPicPr>
+          <p:cNvPr id="2" name="Imagem 1">
+            <a:extLst>
+              <a:ext uri="{FF2B5EF4-FFF2-40B4-BE49-F238E27FC236}">
+                <a16:creationId xmlns:a16="http://schemas.microsoft.com/office/drawing/2014/main" id="{2C9D64A0-E71D-4259-9675-689E27B0711B}"/>
+              </a:ext>
+            </a:extLst>
+          </p:cNvPr>
+          <p:cNvPicPr>
+            <a:picLocks noChangeAspect="1"/>
+          </p:cNvPicPr>
+          <p:nvPr/>
+        </p:nvPicPr>
+        <p:blipFill>
+          <a:blip r:embed="rId2"/>
+          <a:stretch>
+            <a:fillRect/>
+          </a:stretch>
+        </p:blipFill>
+        <p:spPr>
+          <a:xfrm>
+            <a:off x="-1347208" y="1462059"/>
+            <a:ext cx="14886416" cy="3933883"/>
+          </a:xfrm>
+          <a:prstGeom prst="rect">
+            <a:avLst/>
+          </a:prstGeom>
+        </p:spPr>
+      </p:pic>
+    </p:spTree>
+    <p:extLst>
+      <p:ext uri="{BB962C8B-B14F-4D97-AF65-F5344CB8AC3E}">
+        <p14:creationId xmlns:p14="http://schemas.microsoft.com/office/powerpoint/2010/main" val="2529293038"/>
+      </p:ext>
+    </p:extLst>
+  </p:cSld>
+  <p:clrMapOvr>
+    <a:masterClrMapping/>
+  </p:clrMapOvr>
+</p:sld>
+</file>
+
+<file path=ppt/slides/slide7.xml><?xml version="1.0" encoding="utf-8"?>
+<p:sld xmlns:a="http://schemas.openxmlformats.org/drawingml/2006/main" xmlns:r="http://schemas.openxmlformats.org/officeDocument/2006/relationships" xmlns:p="http://schemas.openxmlformats.org/presentationml/2006/main">
+  <p:cSld>
+    <p:spTree>
+      <p:nvGrpSpPr>
+        <p:cNvPr id="1" name=""/>
+        <p:cNvGrpSpPr/>
+        <p:nvPr/>
+      </p:nvGrpSpPr>
+      <p:grpSpPr>
+        <a:xfrm>
+          <a:off x="0" y="0"/>
+          <a:ext cx="0" cy="0"/>
+          <a:chOff x="0" y="0"/>
+          <a:chExt cx="0" cy="0"/>
+        </a:xfrm>
+      </p:grpSpPr>
+      <p:pic>
+        <p:nvPicPr>
+          <p:cNvPr id="2" name="Imagem 1">
+            <a:extLst>
+              <a:ext uri="{FF2B5EF4-FFF2-40B4-BE49-F238E27FC236}">
+                <a16:creationId xmlns:a16="http://schemas.microsoft.com/office/drawing/2014/main" id="{283E0B62-844B-40EF-ABBF-A1071DC4CF88}"/>
+              </a:ext>
+            </a:extLst>
+          </p:cNvPr>
+          <p:cNvPicPr>
+            <a:picLocks noChangeAspect="1"/>
+          </p:cNvPicPr>
+          <p:nvPr/>
+        </p:nvPicPr>
+        <p:blipFill>
+          <a:blip r:embed="rId2"/>
+          <a:stretch>
+            <a:fillRect/>
+          </a:stretch>
+        </p:blipFill>
+        <p:spPr>
+          <a:xfrm>
+            <a:off x="-1405188" y="1666930"/>
+            <a:ext cx="15002376" cy="3524140"/>
+          </a:xfrm>
+          <a:prstGeom prst="rect">
+            <a:avLst/>
+          </a:prstGeom>
+        </p:spPr>
+      </p:pic>
+    </p:spTree>
+    <p:extLst>
+      <p:ext uri="{BB962C8B-B14F-4D97-AF65-F5344CB8AC3E}">
+        <p14:creationId xmlns:p14="http://schemas.microsoft.com/office/powerpoint/2010/main" val="2004065918"/>
+      </p:ext>
+    </p:extLst>
+  </p:cSld>
+  <p:clrMapOvr>
+    <a:masterClrMapping/>
+  </p:clrMapOvr>
+</p:sld>
+</file>
+
+<file path=ppt/slides/slide8.xml><?xml version="1.0" encoding="utf-8"?>
+<p:sld xmlns:a="http://schemas.openxmlformats.org/drawingml/2006/main" xmlns:r="http://schemas.openxmlformats.org/officeDocument/2006/relationships" xmlns:p="http://schemas.openxmlformats.org/presentationml/2006/main">
+  <p:cSld>
+    <p:spTree>
+      <p:nvGrpSpPr>
+        <p:cNvPr id="1" name=""/>
+        <p:cNvGrpSpPr/>
+        <p:nvPr/>
+      </p:nvGrpSpPr>
+      <p:grpSpPr>
+        <a:xfrm>
+          <a:off x="0" y="0"/>
+          <a:ext cx="0" cy="0"/>
+          <a:chOff x="0" y="0"/>
+          <a:chExt cx="0" cy="0"/>
+        </a:xfrm>
+      </p:grpSpPr>
+      <p:cxnSp>
+        <p:nvCxnSpPr>
+          <p:cNvPr id="28" name="Conexão reta 27">
+            <a:extLst>
+              <a:ext uri="{FF2B5EF4-FFF2-40B4-BE49-F238E27FC236}">
+                <a16:creationId xmlns:a16="http://schemas.microsoft.com/office/drawing/2014/main" id="{66C53DD8-3A29-4327-8ABC-DF7E44349D13}"/>
+              </a:ext>
+            </a:extLst>
+          </p:cNvPr>
+          <p:cNvCxnSpPr>
+            <a:cxnSpLocks/>
+          </p:cNvCxnSpPr>
+          <p:nvPr/>
+        </p:nvCxnSpPr>
+        <p:spPr>
+          <a:xfrm>
+            <a:off x="2685591" y="2085792"/>
+            <a:ext cx="8249109" cy="26553"/>
+          </a:xfrm>
+          <a:prstGeom prst="line">
+            <a:avLst/>
+          </a:prstGeom>
+          <a:ln w="127000"/>
+        </p:spPr>
+        <p:style>
+          <a:lnRef idx="3">
+            <a:schemeClr val="accent4"/>
+          </a:lnRef>
+          <a:fillRef idx="0">
+            <a:schemeClr val="accent4"/>
+          </a:fillRef>
+          <a:effectRef idx="2">
+            <a:schemeClr val="accent4"/>
+          </a:effectRef>
+          <a:fontRef idx="minor">
+            <a:schemeClr val="tx1"/>
+          </a:fontRef>
+        </p:style>
+      </p:cxnSp>
+      <p:grpSp>
+        <p:nvGrpSpPr>
+          <p:cNvPr id="32" name="Agrupar 31">
+            <a:extLst>
+              <a:ext uri="{FF2B5EF4-FFF2-40B4-BE49-F238E27FC236}">
+                <a16:creationId xmlns:a16="http://schemas.microsoft.com/office/drawing/2014/main" id="{1CEA4808-A3EA-4BD9-976E-B50F830F3B0D}"/>
+              </a:ext>
+            </a:extLst>
+          </p:cNvPr>
+          <p:cNvGrpSpPr/>
+          <p:nvPr/>
+        </p:nvGrpSpPr>
+        <p:grpSpPr>
+          <a:xfrm>
+            <a:off x="8047697" y="1026410"/>
+            <a:ext cx="3594472" cy="3797586"/>
+            <a:chOff x="6331619" y="474280"/>
+            <a:chExt cx="5743404" cy="5817221"/>
+          </a:xfrm>
+        </p:grpSpPr>
+        <p:sp>
+          <p:nvSpPr>
+            <p:cNvPr id="3" name="CaixaDeTexto 2">
+              <a:extLst>
+                <a:ext uri="{FF2B5EF4-FFF2-40B4-BE49-F238E27FC236}">
+                  <a16:creationId xmlns:a16="http://schemas.microsoft.com/office/drawing/2014/main" id="{020784CC-67F4-4E31-999A-D7726E059505}"/>
+                </a:ext>
+              </a:extLst>
+            </p:cNvPr>
+            <p:cNvSpPr txBox="1"/>
+            <p:nvPr/>
+          </p:nvSpPr>
+          <p:spPr>
+            <a:xfrm>
+              <a:off x="6331619" y="474280"/>
+              <a:ext cx="1828796" cy="1230891"/>
+            </a:xfrm>
+            <a:prstGeom prst="rect">
+              <a:avLst/>
+            </a:prstGeom>
+            <a:noFill/>
+          </p:spPr>
+          <p:txBody>
+            <a:bodyPr wrap="square" rtlCol="0">
+              <a:spAutoFit/>
+            </a:bodyPr>
+            <a:lstStyle/>
+            <a:p>
+              <a:r>
+                <a:rPr lang="en-GB" sz="4000" b="1" dirty="0"/>
+                <a:t>Bob</a:t>
+              </a:r>
+            </a:p>
+          </p:txBody>
+        </p:sp>
+        <mc:AlternateContent xmlns:mc="http://schemas.openxmlformats.org/markup-compatibility/2006" xmlns:am3d="http://schemas.microsoft.com/office/drawing/2017/model3d">
+          <mc:Choice Requires="am3d">
+            <p:graphicFrame>
+              <p:nvGraphicFramePr>
+                <p:cNvPr id="5" name="Modelo 3D 4" descr="Cuboide Cinza-Escuro">
+                  <a:extLst>
+                    <a:ext uri="{FF2B5EF4-FFF2-40B4-BE49-F238E27FC236}">
+                      <a16:creationId xmlns:a16="http://schemas.microsoft.com/office/drawing/2014/main" id="{13EF3B44-B358-43C6-A4B2-C69178E86B90}"/>
+                    </a:ext>
+                  </a:extLst>
+                </p:cNvPr>
+                <p:cNvGraphicFramePr>
+                  <a:graphicFrameLocks noChangeAspect="1"/>
+                </p:cNvGraphicFramePr>
+                <p:nvPr>
+                  <p:extLst>
+                    <p:ext uri="{D42A27DB-BD31-4B8C-83A1-F6EECF244321}">
+                      <p14:modId xmlns:p14="http://schemas.microsoft.com/office/powerpoint/2010/main" val="1909369041"/>
+                    </p:ext>
+                  </p:extLst>
+                </p:nvPr>
+              </p:nvGraphicFramePr>
+              <p:xfrm>
+                <a:off x="8626740" y="3830084"/>
+                <a:ext cx="503965" cy="669954"/>
+              </p:xfrm>
+              <a:graphic>
+                <a:graphicData uri="http://schemas.microsoft.com/office/drawing/2017/model3d">
+                  <am3d:model3d r:embed="rId2">
+                    <am3d:spPr>
+                      <a:xfrm>
+                        <a:off x="0" y="0"/>
+                        <a:ext cx="503965" cy="669954"/>
+                      </a:xfrm>
+                      <a:prstGeom prst="rect">
+                        <a:avLst/>
+                      </a:prstGeom>
+                    </am3d:spPr>
+                    <am3d:camera>
+                      <am3d:pos x="0" y="0" z="57664451"/>
+                      <am3d:up dx="0" dy="36000000" dz="0"/>
+                      <am3d:lookAt x="0" y="0" z="0"/>
+                      <am3d:perspective fov="2700000"/>
+                    </am3d:camera>
+                    <am3d:trans>
+                      <am3d:meterPerModelUnit n="4361393" d="1000000"/>
+                      <am3d:preTrans dx="0" dy="-6493603" dz="0"/>
+                      <am3d:scale>
+                        <am3d:sx n="1000000" d="1000000"/>
+                        <am3d:sy n="1000000" d="1000000"/>
+                        <am3d:sz n="1000000" d="1000000"/>
+                      </am3d:scale>
+                      <am3d:rot ax="-7650021" ay="5" az="7"/>
+                      <am3d:postTrans dx="0" dy="0" dz="0"/>
+                    </am3d:trans>
+                    <am3d:raster rName="Office3DRenderer" rVer="16.0.8326">
+                      <am3d:blip r:embed="rId3"/>
+                    </am3d:raster>
+                    <am3d:objViewport viewportSz="493953"/>
+                    <am3d:ambientLight>
+                      <am3d:clr>
+                        <a:scrgbClr r="50000" g="50000" b="50000"/>
+                      </am3d:clr>
+                      <am3d:illuminance n="500000" d="1000000"/>
+                    </am3d:ambientLight>
+                    <am3d:ptLight rad="0">
+                      <am3d:clr>
+                        <a:scrgbClr r="100000" g="75000" b="50000"/>
+                      </am3d:clr>
+                      <am3d:intensity n="9765625" d="1000000"/>
+                      <am3d:pos x="21959998" y="70920001" z="16344003"/>
+                    </am3d:ptLight>
+                    <am3d:ptLight rad="0">
+                      <am3d:clr>
+                        <a:scrgbClr r="40000" g="60000" b="95000"/>
+                      </am3d:clr>
+                      <am3d:intensity n="12250000" d="1000000"/>
+                      <am3d:pos x="-37964106" y="51130435" z="57631972"/>
+                    </am3d:ptLight>
+                    <am3d:ptLight rad="0">
+                      <am3d:clr>
+                        <a:scrgbClr r="86837" g="72700" b="100000"/>
+                      </am3d:clr>
+                      <am3d:intensity n="3125000" d="1000000"/>
+                      <am3d:pos x="-37739122" y="58056624" z="-34769649"/>
+                    </am3d:ptLight>
+                  </am3d:model3d>
+                </a:graphicData>
+              </a:graphic>
+            </p:graphicFrame>
+          </mc:Choice>
+          <mc:Fallback xmlns="">
+            <p:pic>
+              <p:nvPicPr>
+                <p:cNvPr id="5" name="Modelo 3D 4" descr="Cuboide Cinza-Escuro">
+                  <a:extLst>
+                    <a:ext uri="{FF2B5EF4-FFF2-40B4-BE49-F238E27FC236}">
+                      <a16:creationId xmlns:a16="http://schemas.microsoft.com/office/drawing/2014/main" id="{13EF3B44-B358-43C6-A4B2-C69178E86B90}"/>
+                    </a:ext>
+                  </a:extLst>
+                </p:cNvPr>
+                <p:cNvPicPr>
+                  <a:picLocks noGrp="1" noRot="1" noChangeAspect="1" noMove="1" noResize="1" noEditPoints="1" noAdjustHandles="1" noChangeArrowheads="1" noChangeShapeType="1" noCrop="1"/>
+                </p:cNvPicPr>
+                <p:nvPr/>
+              </p:nvPicPr>
+              <p:blipFill>
+                <a:blip r:embed="rId4"/>
+                <a:stretch>
+                  <a:fillRect/>
+                </a:stretch>
+              </p:blipFill>
+              <p:spPr>
+                <a:xfrm>
+                  <a:off x="9484084" y="3217139"/>
+                  <a:ext cx="315403" cy="437358"/>
+                </a:xfrm>
+                <a:prstGeom prst="rect">
+                  <a:avLst/>
+                </a:prstGeom>
+              </p:spPr>
+            </p:pic>
+          </mc:Fallback>
+        </mc:AlternateContent>
+        <p:sp>
+          <p:nvSpPr>
+            <p:cNvPr id="7" name="Retângulo 6">
+              <a:extLst>
+                <a:ext uri="{FF2B5EF4-FFF2-40B4-BE49-F238E27FC236}">
+                  <a16:creationId xmlns:a16="http://schemas.microsoft.com/office/drawing/2014/main" id="{55AEB9A6-FDA7-4465-8954-B9431DDAFA69}"/>
+                </a:ext>
+              </a:extLst>
+            </p:cNvPr>
+            <p:cNvSpPr/>
+            <p:nvPr/>
+          </p:nvSpPr>
+          <p:spPr>
+            <a:xfrm>
+              <a:off x="6383253" y="592388"/>
+              <a:ext cx="5691770" cy="5699113"/>
+            </a:xfrm>
+            <a:prstGeom prst="rect">
+              <a:avLst/>
+            </a:prstGeom>
+            <a:noFill/>
+            <a:ln w="9525" cap="flat" cmpd="sng" algn="ctr">
+              <a:solidFill>
+                <a:schemeClr val="dk1"/>
+              </a:solidFill>
+              <a:prstDash val="dashDot"/>
+              <a:round/>
+              <a:headEnd type="none" w="med" len="med"/>
+              <a:tailEnd type="none" w="med" len="med"/>
+            </a:ln>
+          </p:spPr>
+          <p:style>
+            <a:lnRef idx="0">
+              <a:scrgbClr r="0" g="0" b="0"/>
+            </a:lnRef>
+            <a:fillRef idx="0">
+              <a:scrgbClr r="0" g="0" b="0"/>
+            </a:fillRef>
+            <a:effectRef idx="0">
+              <a:scrgbClr r="0" g="0" b="0"/>
+            </a:effectRef>
+            <a:fontRef idx="minor">
+              <a:schemeClr val="dk1"/>
+            </a:fontRef>
+          </p:style>
+          <p:txBody>
+            <a:bodyPr rtlCol="0" anchor="ctr"/>
+            <a:lstStyle/>
+            <a:p>
+              <a:pPr algn="ctr"/>
+              <a:endParaRPr lang="en-GB"/>
+            </a:p>
+          </p:txBody>
+        </p:sp>
+        <p:grpSp>
+          <p:nvGrpSpPr>
+            <p:cNvPr id="10" name="Agrupar 9">
+              <a:extLst>
+                <a:ext uri="{FF2B5EF4-FFF2-40B4-BE49-F238E27FC236}">
+                  <a16:creationId xmlns:a16="http://schemas.microsoft.com/office/drawing/2014/main" id="{091C84A5-2C4C-4686-B0E3-E7A070426A7B}"/>
+                </a:ext>
+              </a:extLst>
+            </p:cNvPr>
+            <p:cNvGrpSpPr/>
+            <p:nvPr/>
+          </p:nvGrpSpPr>
+          <p:grpSpPr>
+            <a:xfrm>
+              <a:off x="10698880" y="4753934"/>
+              <a:ext cx="1225017" cy="1369542"/>
+              <a:chOff x="10498855" y="5477834"/>
+              <a:chExt cx="1225017" cy="1369542"/>
+            </a:xfrm>
+          </p:grpSpPr>
+          <mc:AlternateContent xmlns:mc="http://schemas.openxmlformats.org/markup-compatibility/2006" xmlns:am3d="http://schemas.microsoft.com/office/drawing/2017/model3d">
+            <mc:Choice Requires="am3d">
+              <p:graphicFrame>
+                <p:nvGraphicFramePr>
+                  <p:cNvPr id="11" name="Modelo 3D 10" descr="Hemisfério Cinza-Escuro">
+                    <a:extLst>
+                      <a:ext uri="{FF2B5EF4-FFF2-40B4-BE49-F238E27FC236}">
+                        <a16:creationId xmlns:a16="http://schemas.microsoft.com/office/drawing/2014/main" id="{0A57C88A-1F91-465A-A928-B114E22F0EA1}"/>
+                      </a:ext>
+                    </a:extLst>
+                  </p:cNvPr>
+                  <p:cNvGraphicFramePr>
+                    <a:graphicFrameLocks noChangeAspect="1"/>
+                  </p:cNvGraphicFramePr>
+                  <p:nvPr>
+                    <p:extLst>
+                      <p:ext uri="{D42A27DB-BD31-4B8C-83A1-F6EECF244321}">
+                        <p14:modId xmlns:p14="http://schemas.microsoft.com/office/powerpoint/2010/main" val="2030753254"/>
+                      </p:ext>
+                    </p:extLst>
+                  </p:nvPr>
+                </p:nvGraphicFramePr>
+                <p:xfrm rot="5400000">
+                  <a:off x="10310915" y="5856664"/>
+                  <a:ext cx="1178652" cy="802772"/>
+                </p:xfrm>
+                <a:graphic>
+                  <a:graphicData uri="http://schemas.microsoft.com/office/drawing/2017/model3d">
+                    <am3d:model3d r:embed="rId5">
+                      <am3d:spPr>
+                        <a:xfrm rot="5400000">
+                          <a:off x="0" y="0"/>
+                          <a:ext cx="1178652" cy="802772"/>
+                        </a:xfrm>
+                        <a:prstGeom prst="rect">
+                          <a:avLst/>
+                        </a:prstGeom>
+                      </am3d:spPr>
+                      <am3d:camera>
+                        <am3d:pos x="0" y="0" z="70522459"/>
+                        <am3d:up dx="0" dy="36000000" dz="0"/>
+                        <am3d:lookAt x="0" y="0" z="0"/>
+                        <am3d:perspective fov="2700000"/>
+                      </am3d:camera>
+                      <am3d:trans>
+                        <am3d:meterPerModelUnit n="6553073" d="1000000"/>
+                        <am3d:preTrans dx="9" dy="-8999683" dz="-344461"/>
+                        <am3d:scale>
+                          <am3d:sx n="1000000" d="1000000"/>
+                          <am3d:sy n="1000000" d="1000000"/>
+                          <am3d:sz n="1000000" d="1000000"/>
+                        </am3d:scale>
+                        <am3d:rot ax="16200000" ay="3600000" az="16200000"/>
+                        <am3d:postTrans dx="0" dy="0" dz="0"/>
+                      </am3d:trans>
+                      <am3d:raster rName="Office3DRenderer" rVer="16.0.8326">
+                        <am3d:blip r:embed="rId6"/>
+                      </am3d:raster>
+                      <am3d:objViewport viewportSz="971268"/>
+                      <am3d:ambientLight>
+                        <am3d:clr>
+                          <a:scrgbClr r="50000" g="50000" b="50000"/>
+                        </am3d:clr>
+                        <am3d:illuminance n="500000" d="1000000"/>
+                      </am3d:ambientLight>
+                      <am3d:ptLight rad="0">
+                        <am3d:clr>
+                          <a:scrgbClr r="100000" g="75000" b="50000"/>
+                        </am3d:clr>
+                        <am3d:intensity n="9765625" d="1000000"/>
+                        <am3d:pos x="21959998" y="70920001" z="16344003"/>
+                      </am3d:ptLight>
+                      <am3d:ptLight rad="0">
+                        <am3d:clr>
+                          <a:scrgbClr r="40000" g="60000" b="95000"/>
+                        </am3d:clr>
+                        <am3d:intensity n="12250000" d="1000000"/>
+                        <am3d:pos x="-37964106" y="51130435" z="57631972"/>
+                      </am3d:ptLight>
+                      <am3d:ptLight rad="0">
+                        <am3d:clr>
+                          <a:scrgbClr r="86837" g="72700" b="100000"/>
+                        </am3d:clr>
+                        <am3d:intensity n="3125000" d="1000000"/>
+                        <am3d:pos x="-37739122" y="58056624" z="-34769649"/>
+                      </am3d:ptLight>
+                    </am3d:model3d>
+                  </a:graphicData>
+                </a:graphic>
+              </p:graphicFrame>
+            </mc:Choice>
+            <mc:Fallback xmlns="">
+              <p:pic>
+                <p:nvPicPr>
+                  <p:cNvPr id="27" name="Modelo 3D 26" descr="Hemisfério Cinza-Escuro">
+                    <a:extLst>
+                      <a:ext uri="{FF2B5EF4-FFF2-40B4-BE49-F238E27FC236}">
+                        <a16:creationId xmlns:a16="http://schemas.microsoft.com/office/drawing/2014/main" id="{84E0CCAB-7D61-4B1B-ACAF-C110CFF4DB82}"/>
+                      </a:ext>
+                    </a:extLst>
+                  </p:cNvPr>
+                  <p:cNvPicPr>
+                    <a:picLocks noGrp="1" noRot="1" noChangeAspect="1" noMove="1" noResize="1" noEditPoints="1" noAdjustHandles="1" noChangeArrowheads="1" noChangeShapeType="1" noCrop="1"/>
+                  </p:cNvPicPr>
+                  <p:nvPr/>
+                </p:nvPicPr>
+                <p:blipFill>
+                  <a:blip r:embed="rId10"/>
+                  <a:stretch>
+                    <a:fillRect/>
+                  </a:stretch>
+                </p:blipFill>
+                <p:spPr>
+                  <a:xfrm rot="5400000">
+                    <a:off x="10472840" y="5628064"/>
+                    <a:ext cx="1178652" cy="802772"/>
+                  </a:xfrm>
+                  <a:prstGeom prst="rect">
+                    <a:avLst/>
+                  </a:prstGeom>
+                </p:spPr>
+              </p:pic>
+            </mc:Fallback>
+          </mc:AlternateContent>
+          <p:sp>
+            <p:nvSpPr>
+              <p:cNvPr id="12" name="CaixaDeTexto 11">
+                <a:extLst>
+                  <a:ext uri="{FF2B5EF4-FFF2-40B4-BE49-F238E27FC236}">
+                    <a16:creationId xmlns:a16="http://schemas.microsoft.com/office/drawing/2014/main" id="{16961C8B-404C-4177-A213-326217C2AE3D}"/>
+                  </a:ext>
+                </a:extLst>
+              </p:cNvPr>
+              <p:cNvSpPr txBox="1"/>
+              <p:nvPr/>
+            </p:nvSpPr>
+            <p:spPr>
+              <a:xfrm>
+                <a:off x="10942889" y="5477834"/>
+                <a:ext cx="780983" cy="553998"/>
+              </a:xfrm>
+              <a:prstGeom prst="rect">
+                <a:avLst/>
+              </a:prstGeom>
+              <a:noFill/>
+            </p:spPr>
+            <p:txBody>
+              <a:bodyPr wrap="none" rtlCol="0">
+                <a:spAutoFit/>
+              </a:bodyPr>
+              <a:lstStyle/>
+              <a:p>
+                <a:r>
+                  <a:rPr lang="en-GB" sz="3000" b="1" dirty="0"/>
+                  <a:t>D</a:t>
+                </a:r>
+                <a:r>
+                  <a:rPr lang="en-GB" sz="3000" b="1" baseline="-25000" dirty="0"/>
+                  <a:t>M2</a:t>
+                </a:r>
+              </a:p>
+            </p:txBody>
+          </p:sp>
+        </p:grpSp>
+        <p:sp>
+          <p:nvSpPr>
+            <p:cNvPr id="13" name="CaixaDeTexto 12">
+              <a:extLst>
+                <a:ext uri="{FF2B5EF4-FFF2-40B4-BE49-F238E27FC236}">
+                  <a16:creationId xmlns:a16="http://schemas.microsoft.com/office/drawing/2014/main" id="{55149F32-B5DE-43BD-9071-5CF5285637BD}"/>
+                </a:ext>
+              </a:extLst>
+            </p:cNvPr>
+            <p:cNvSpPr txBox="1"/>
+            <p:nvPr/>
+          </p:nvSpPr>
+          <p:spPr>
+            <a:xfrm>
+              <a:off x="8280649" y="3310233"/>
+              <a:ext cx="1186543" cy="553998"/>
+            </a:xfrm>
+            <a:prstGeom prst="rect">
+              <a:avLst/>
+            </a:prstGeom>
+            <a:noFill/>
+          </p:spPr>
+          <p:txBody>
+            <a:bodyPr wrap="none" rtlCol="0">
+              <a:spAutoFit/>
+            </a:bodyPr>
+            <a:lstStyle/>
+            <a:p>
+              <a:r>
+                <a:rPr lang="en-GB" sz="3000" b="1" dirty="0"/>
+                <a:t>0.5 </a:t>
+              </a:r>
+              <a:r>
+                <a:rPr lang="en-GB" sz="3000" b="1" dirty="0" err="1"/>
+                <a:t>t</a:t>
+              </a:r>
+              <a:r>
+                <a:rPr lang="en-GB" sz="3000" b="1" baseline="-25000" dirty="0" err="1"/>
+                <a:t>bit</a:t>
+              </a:r>
+              <a:endParaRPr lang="en-GB" sz="3000" b="1" baseline="-25000" dirty="0"/>
+            </a:p>
+          </p:txBody>
+        </p:sp>
+        <p:sp>
+          <p:nvSpPr>
+            <p:cNvPr id="14" name="CaixaDeTexto 13">
+              <a:extLst>
+                <a:ext uri="{FF2B5EF4-FFF2-40B4-BE49-F238E27FC236}">
+                  <a16:creationId xmlns:a16="http://schemas.microsoft.com/office/drawing/2014/main" id="{049F07B8-5914-472C-8CDD-3BC807A1BCE8}"/>
+                </a:ext>
+              </a:extLst>
+            </p:cNvPr>
+            <p:cNvSpPr txBox="1"/>
+            <p:nvPr/>
+          </p:nvSpPr>
+          <p:spPr>
+            <a:xfrm>
+              <a:off x="7175885" y="1468601"/>
+              <a:ext cx="461986" cy="553998"/>
+            </a:xfrm>
+            <a:prstGeom prst="rect">
+              <a:avLst/>
+            </a:prstGeom>
+            <a:noFill/>
+          </p:spPr>
+          <p:txBody>
+            <a:bodyPr wrap="none" rtlCol="0">
+              <a:spAutoFit/>
+            </a:bodyPr>
+            <a:lstStyle/>
+            <a:p>
+              <a:r>
+                <a:rPr lang="en-GB" sz="3000" b="1" dirty="0" err="1"/>
+                <a:t>t</a:t>
+              </a:r>
+              <a:r>
+                <a:rPr lang="en-GB" sz="3000" b="1" baseline="-25000" dirty="0" err="1"/>
+                <a:t>B</a:t>
+              </a:r>
+              <a:endParaRPr lang="en-GB" sz="3000" b="1" baseline="-25000" dirty="0"/>
+            </a:p>
+          </p:txBody>
+        </p:sp>
+        <p:sp>
+          <p:nvSpPr>
+            <p:cNvPr id="15" name="CaixaDeTexto 14">
+              <a:extLst>
+                <a:ext uri="{FF2B5EF4-FFF2-40B4-BE49-F238E27FC236}">
+                  <a16:creationId xmlns:a16="http://schemas.microsoft.com/office/drawing/2014/main" id="{DEA64BB1-7D3A-4306-882D-145B8E0A86F9}"/>
+                </a:ext>
+              </a:extLst>
+            </p:cNvPr>
+            <p:cNvSpPr txBox="1"/>
+            <p:nvPr/>
+          </p:nvSpPr>
+          <p:spPr>
+            <a:xfrm>
+              <a:off x="6872977" y="2516066"/>
+              <a:ext cx="774571" cy="553998"/>
+            </a:xfrm>
+            <a:prstGeom prst="rect">
+              <a:avLst/>
+            </a:prstGeom>
+            <a:noFill/>
+          </p:spPr>
+          <p:txBody>
+            <a:bodyPr wrap="none" rtlCol="0">
+              <a:spAutoFit/>
+            </a:bodyPr>
+            <a:lstStyle/>
+            <a:p>
+              <a:r>
+                <a:rPr lang="en-GB" sz="3000" b="1" dirty="0"/>
+                <a:t>1-t</a:t>
+              </a:r>
+              <a:r>
+                <a:rPr lang="en-GB" sz="3000" b="1" baseline="-25000" dirty="0"/>
+                <a:t>B</a:t>
+              </a:r>
+            </a:p>
+          </p:txBody>
+        </p:sp>
+        <p:sp>
+          <p:nvSpPr>
+            <p:cNvPr id="16" name="Hexágono 15">
+              <a:extLst>
+                <a:ext uri="{FF2B5EF4-FFF2-40B4-BE49-F238E27FC236}">
+                  <a16:creationId xmlns:a16="http://schemas.microsoft.com/office/drawing/2014/main" id="{57FB80A9-E582-48C4-B575-7B0B023D1822}"/>
+                </a:ext>
+              </a:extLst>
+            </p:cNvPr>
+            <p:cNvSpPr/>
+            <p:nvPr/>
+          </p:nvSpPr>
+          <p:spPr>
+            <a:xfrm>
+              <a:off x="7698030" y="4174422"/>
+              <a:ext cx="2246214" cy="942975"/>
+            </a:xfrm>
+            <a:prstGeom prst="hexagon">
+              <a:avLst/>
+            </a:prstGeom>
+            <a:noFill/>
+            <a:ln w="127000" cap="sq">
+              <a:solidFill>
+                <a:schemeClr val="accent4"/>
+              </a:solidFill>
+              <a:miter lim="800000"/>
+            </a:ln>
+          </p:spPr>
+          <p:style>
+            <a:lnRef idx="2">
+              <a:schemeClr val="accent1">
+                <a:shade val="50000"/>
+              </a:schemeClr>
+            </a:lnRef>
+            <a:fillRef idx="1">
+              <a:schemeClr val="accent1"/>
+            </a:fillRef>
+            <a:effectRef idx="0">
+              <a:schemeClr val="accent1"/>
+            </a:effectRef>
+            <a:fontRef idx="minor">
+              <a:schemeClr val="lt1"/>
+            </a:fontRef>
+          </p:style>
+          <p:txBody>
+            <a:bodyPr rtlCol="0" anchor="ctr"/>
+            <a:lstStyle/>
+            <a:p>
+              <a:pPr algn="ctr"/>
+              <a:endParaRPr lang="en-GB"/>
+            </a:p>
+          </p:txBody>
+        </p:sp>
+        <p:cxnSp>
+          <p:nvCxnSpPr>
+            <p:cNvPr id="17" name="Conexão reta 16">
+              <a:extLst>
+                <a:ext uri="{FF2B5EF4-FFF2-40B4-BE49-F238E27FC236}">
+                  <a16:creationId xmlns:a16="http://schemas.microsoft.com/office/drawing/2014/main" id="{2D578835-D05B-4DA3-840B-B1ECBD38731C}"/>
+                </a:ext>
+              </a:extLst>
+            </p:cNvPr>
+            <p:cNvCxnSpPr>
+              <a:stCxn id="16" idx="0"/>
+            </p:cNvCxnSpPr>
+            <p:nvPr/>
+          </p:nvCxnSpPr>
+          <p:spPr>
+            <a:xfrm>
+              <a:off x="9944244" y="4645909"/>
+              <a:ext cx="914400" cy="914400"/>
+            </a:xfrm>
+            <a:prstGeom prst="line">
+              <a:avLst/>
+            </a:prstGeom>
+            <a:ln w="127000">
+              <a:solidFill>
+                <a:schemeClr val="accent4"/>
+              </a:solidFill>
+            </a:ln>
+          </p:spPr>
+          <p:style>
+            <a:lnRef idx="1">
+              <a:schemeClr val="accent1"/>
+            </a:lnRef>
+            <a:fillRef idx="0">
+              <a:schemeClr val="accent1"/>
+            </a:fillRef>
+            <a:effectRef idx="0">
+              <a:schemeClr val="accent1"/>
+            </a:effectRef>
+            <a:fontRef idx="minor">
+              <a:schemeClr val="tx1"/>
+            </a:fontRef>
+          </p:style>
+        </p:cxnSp>
+        <p:cxnSp>
+          <p:nvCxnSpPr>
+            <p:cNvPr id="18" name="Conexão reta 17">
+              <a:extLst>
+                <a:ext uri="{FF2B5EF4-FFF2-40B4-BE49-F238E27FC236}">
+                  <a16:creationId xmlns:a16="http://schemas.microsoft.com/office/drawing/2014/main" id="{254539DE-0267-4724-8BA3-345544109B13}"/>
+                </a:ext>
+              </a:extLst>
+            </p:cNvPr>
+            <p:cNvCxnSpPr>
+              <a:cxnSpLocks/>
+            </p:cNvCxnSpPr>
+            <p:nvPr/>
+          </p:nvCxnSpPr>
+          <p:spPr>
+            <a:xfrm flipV="1">
+              <a:off x="6783630" y="4664959"/>
+              <a:ext cx="914400" cy="914400"/>
+            </a:xfrm>
+            <a:prstGeom prst="line">
+              <a:avLst/>
+            </a:prstGeom>
+            <a:ln w="127000">
+              <a:solidFill>
+                <a:schemeClr val="accent4"/>
+              </a:solidFill>
+            </a:ln>
+          </p:spPr>
+          <p:style>
+            <a:lnRef idx="1">
+              <a:schemeClr val="accent1"/>
+            </a:lnRef>
+            <a:fillRef idx="0">
+              <a:schemeClr val="accent1"/>
+            </a:fillRef>
+            <a:effectRef idx="0">
+              <a:schemeClr val="accent1"/>
+            </a:effectRef>
+            <a:fontRef idx="minor">
+              <a:schemeClr val="tx1"/>
+            </a:fontRef>
+          </p:style>
+        </p:cxnSp>
+        <p:cxnSp>
+          <p:nvCxnSpPr>
+            <p:cNvPr id="19" name="Conexão reta 18">
+              <a:extLst>
+                <a:ext uri="{FF2B5EF4-FFF2-40B4-BE49-F238E27FC236}">
+                  <a16:creationId xmlns:a16="http://schemas.microsoft.com/office/drawing/2014/main" id="{EE19D473-9996-4A6A-A441-49C681723876}"/>
+                </a:ext>
+              </a:extLst>
+            </p:cNvPr>
+            <p:cNvCxnSpPr>
+              <a:cxnSpLocks/>
+            </p:cNvCxnSpPr>
+            <p:nvPr/>
+          </p:nvCxnSpPr>
+          <p:spPr>
+            <a:xfrm>
+              <a:off x="6793155" y="3741034"/>
+              <a:ext cx="914400" cy="914400"/>
+            </a:xfrm>
+            <a:prstGeom prst="line">
+              <a:avLst/>
+            </a:prstGeom>
+            <a:ln w="127000">
+              <a:solidFill>
+                <a:schemeClr val="accent4"/>
+              </a:solidFill>
+            </a:ln>
+          </p:spPr>
+          <p:style>
+            <a:lnRef idx="1">
+              <a:schemeClr val="accent1"/>
+            </a:lnRef>
+            <a:fillRef idx="0">
+              <a:schemeClr val="accent1"/>
+            </a:fillRef>
+            <a:effectRef idx="0">
+              <a:schemeClr val="accent1"/>
+            </a:effectRef>
+            <a:fontRef idx="minor">
+              <a:schemeClr val="tx1"/>
+            </a:fontRef>
+          </p:style>
+        </p:cxnSp>
+        <p:grpSp>
+          <p:nvGrpSpPr>
+            <p:cNvPr id="20" name="Agrupar 19">
+              <a:extLst>
+                <a:ext uri="{FF2B5EF4-FFF2-40B4-BE49-F238E27FC236}">
+                  <a16:creationId xmlns:a16="http://schemas.microsoft.com/office/drawing/2014/main" id="{A9E7E8E3-58E0-4D39-923E-A6DAFCC97B61}"/>
+                </a:ext>
+              </a:extLst>
+            </p:cNvPr>
+            <p:cNvGrpSpPr/>
+            <p:nvPr/>
+          </p:nvGrpSpPr>
+          <p:grpSpPr>
+            <a:xfrm>
+              <a:off x="10708405" y="2963234"/>
+              <a:ext cx="1225017" cy="1369542"/>
+              <a:chOff x="10498855" y="5477834"/>
+              <a:chExt cx="1225017" cy="1369542"/>
+            </a:xfrm>
+          </p:grpSpPr>
+          <mc:AlternateContent xmlns:mc="http://schemas.openxmlformats.org/markup-compatibility/2006" xmlns:am3d="http://schemas.microsoft.com/office/drawing/2017/model3d">
+            <mc:Choice Requires="am3d">
+              <p:graphicFrame>
+                <p:nvGraphicFramePr>
+                  <p:cNvPr id="21" name="Modelo 3D 20" descr="Hemisfério Cinza-Escuro">
+                    <a:extLst>
+                      <a:ext uri="{FF2B5EF4-FFF2-40B4-BE49-F238E27FC236}">
+                        <a16:creationId xmlns:a16="http://schemas.microsoft.com/office/drawing/2014/main" id="{819CE141-C186-465D-9167-1473C21BA77B}"/>
+                      </a:ext>
+                    </a:extLst>
+                  </p:cNvPr>
+                  <p:cNvGraphicFramePr>
+                    <a:graphicFrameLocks noChangeAspect="1"/>
+                  </p:cNvGraphicFramePr>
+                  <p:nvPr>
+                    <p:extLst>
+                      <p:ext uri="{D42A27DB-BD31-4B8C-83A1-F6EECF244321}">
+                        <p14:modId xmlns:p14="http://schemas.microsoft.com/office/powerpoint/2010/main" val="1160171193"/>
+                      </p:ext>
+                    </p:extLst>
+                  </p:nvPr>
+                </p:nvGraphicFramePr>
+                <p:xfrm rot="5400000">
+                  <a:off x="10310915" y="5856664"/>
+                  <a:ext cx="1178652" cy="802772"/>
+                </p:xfrm>
+                <a:graphic>
+                  <a:graphicData uri="http://schemas.microsoft.com/office/drawing/2017/model3d">
+                    <am3d:model3d r:embed="rId5">
+                      <am3d:spPr>
+                        <a:xfrm rot="5400000">
+                          <a:off x="0" y="0"/>
+                          <a:ext cx="1178652" cy="802772"/>
+                        </a:xfrm>
+                        <a:prstGeom prst="rect">
+                          <a:avLst/>
+                        </a:prstGeom>
+                      </am3d:spPr>
+                      <am3d:camera>
+                        <am3d:pos x="0" y="0" z="70522459"/>
+                        <am3d:up dx="0" dy="36000000" dz="0"/>
+                        <am3d:lookAt x="0" y="0" z="0"/>
+                        <am3d:perspective fov="2700000"/>
+                      </am3d:camera>
+                      <am3d:trans>
+                        <am3d:meterPerModelUnit n="6553073" d="1000000"/>
+                        <am3d:preTrans dx="9" dy="-8999683" dz="-344461"/>
+                        <am3d:scale>
+                          <am3d:sx n="1000000" d="1000000"/>
+                          <am3d:sy n="1000000" d="1000000"/>
+                          <am3d:sz n="1000000" d="1000000"/>
+                        </am3d:scale>
+                        <am3d:rot ax="16200000" ay="3600000" az="16200000"/>
+                        <am3d:postTrans dx="0" dy="0" dz="0"/>
+                      </am3d:trans>
+                      <am3d:raster rName="Office3DRenderer" rVer="16.0.8326">
+                        <am3d:blip r:embed="rId6"/>
+                      </am3d:raster>
+                      <am3d:objViewport viewportSz="971268"/>
+                      <am3d:ambientLight>
+                        <am3d:clr>
+                          <a:scrgbClr r="50000" g="50000" b="50000"/>
+                        </am3d:clr>
+                        <am3d:illuminance n="500000" d="1000000"/>
+                      </am3d:ambientLight>
+                      <am3d:ptLight rad="0">
+                        <am3d:clr>
+                          <a:scrgbClr r="100000" g="75000" b="50000"/>
+                        </am3d:clr>
+                        <am3d:intensity n="9765625" d="1000000"/>
+                        <am3d:pos x="21959998" y="70920001" z="16344003"/>
+                      </am3d:ptLight>
+                      <am3d:ptLight rad="0">
+                        <am3d:clr>
+                          <a:scrgbClr r="40000" g="60000" b="95000"/>
+                        </am3d:clr>
+                        <am3d:intensity n="12250000" d="1000000"/>
+                        <am3d:pos x="-37964106" y="51130435" z="57631972"/>
+                      </am3d:ptLight>
+                      <am3d:ptLight rad="0">
+                        <am3d:clr>
+                          <a:scrgbClr r="86837" g="72700" b="100000"/>
+                        </am3d:clr>
+                        <am3d:intensity n="3125000" d="1000000"/>
+                        <am3d:pos x="-37739122" y="58056624" z="-34769649"/>
+                      </am3d:ptLight>
+                    </am3d:model3d>
+                  </a:graphicData>
+                </a:graphic>
+              </p:graphicFrame>
+            </mc:Choice>
+            <mc:Fallback xmlns="">
+              <p:pic>
+                <p:nvPicPr>
+                  <p:cNvPr id="77" name="Modelo 3D 76" descr="Hemisfério Cinza-Escuro">
+                    <a:extLst>
+                      <a:ext uri="{FF2B5EF4-FFF2-40B4-BE49-F238E27FC236}">
+                        <a16:creationId xmlns:a16="http://schemas.microsoft.com/office/drawing/2014/main" id="{8814C08B-2BAE-475B-B167-0EC1D5CC6ACD}"/>
+                      </a:ext>
+                    </a:extLst>
+                  </p:cNvPr>
+                  <p:cNvPicPr>
+                    <a:picLocks noGrp="1" noRot="1" noChangeAspect="1" noMove="1" noResize="1" noEditPoints="1" noAdjustHandles="1" noChangeArrowheads="1" noChangeShapeType="1" noCrop="1"/>
+                  </p:cNvPicPr>
+                  <p:nvPr/>
+                </p:nvPicPr>
+                <p:blipFill>
+                  <a:blip r:embed="rId10"/>
+                  <a:stretch>
+                    <a:fillRect/>
+                  </a:stretch>
+                </p:blipFill>
+                <p:spPr>
+                  <a:xfrm rot="5400000">
+                    <a:off x="10482365" y="3837364"/>
+                    <a:ext cx="1178652" cy="802772"/>
+                  </a:xfrm>
+                  <a:prstGeom prst="rect">
+                    <a:avLst/>
+                  </a:prstGeom>
+                </p:spPr>
+              </p:pic>
+            </mc:Fallback>
+          </mc:AlternateContent>
+          <p:sp>
+            <p:nvSpPr>
+              <p:cNvPr id="22" name="CaixaDeTexto 21">
+                <a:extLst>
+                  <a:ext uri="{FF2B5EF4-FFF2-40B4-BE49-F238E27FC236}">
+                    <a16:creationId xmlns:a16="http://schemas.microsoft.com/office/drawing/2014/main" id="{997C8EF7-CA81-405F-A237-A8E398CF6B80}"/>
+                  </a:ext>
+                </a:extLst>
+              </p:cNvPr>
+              <p:cNvSpPr txBox="1"/>
+              <p:nvPr/>
+            </p:nvSpPr>
+            <p:spPr>
+              <a:xfrm>
+                <a:off x="10942889" y="5477834"/>
+                <a:ext cx="780983" cy="553998"/>
+              </a:xfrm>
+              <a:prstGeom prst="rect">
+                <a:avLst/>
+              </a:prstGeom>
+              <a:noFill/>
+            </p:spPr>
+            <p:txBody>
+              <a:bodyPr wrap="none" rtlCol="0">
+                <a:spAutoFit/>
+              </a:bodyPr>
+              <a:lstStyle/>
+              <a:p>
+                <a:r>
+                  <a:rPr lang="en-GB" sz="3000" b="1" dirty="0"/>
+                  <a:t>D</a:t>
+                </a:r>
+                <a:r>
+                  <a:rPr lang="en-GB" sz="3000" b="1" baseline="-25000" dirty="0"/>
+                  <a:t>M1</a:t>
+                </a:r>
+              </a:p>
+            </p:txBody>
+          </p:sp>
+        </p:grpSp>
+        <p:cxnSp>
+          <p:nvCxnSpPr>
+            <p:cNvPr id="24" name="Conexão reta 23">
+              <a:extLst>
+                <a:ext uri="{FF2B5EF4-FFF2-40B4-BE49-F238E27FC236}">
+                  <a16:creationId xmlns:a16="http://schemas.microsoft.com/office/drawing/2014/main" id="{70DED650-4B24-4B18-BC6A-9F6F641BBBA0}"/>
+                </a:ext>
+              </a:extLst>
+            </p:cNvPr>
+            <p:cNvCxnSpPr>
+              <a:cxnSpLocks/>
+            </p:cNvCxnSpPr>
+            <p:nvPr/>
+          </p:nvCxnSpPr>
+          <p:spPr>
+            <a:xfrm flipV="1">
+              <a:off x="6793155" y="2121870"/>
+              <a:ext cx="0" cy="1561130"/>
+            </a:xfrm>
+            <a:prstGeom prst="line">
+              <a:avLst/>
+            </a:prstGeom>
+            <a:ln w="127000" cap="rnd">
+              <a:solidFill>
+                <a:schemeClr val="accent4"/>
+              </a:solidFill>
+              <a:round/>
+            </a:ln>
+          </p:spPr>
+          <p:style>
+            <a:lnRef idx="1">
+              <a:schemeClr val="accent1"/>
+            </a:lnRef>
+            <a:fillRef idx="0">
+              <a:schemeClr val="accent1"/>
+            </a:fillRef>
+            <a:effectRef idx="0">
+              <a:schemeClr val="accent1"/>
+            </a:effectRef>
+            <a:fontRef idx="minor">
+              <a:schemeClr val="tx1"/>
+            </a:fontRef>
+          </p:style>
+        </p:cxnSp>
+        <p:grpSp>
+          <p:nvGrpSpPr>
+            <p:cNvPr id="25" name="Agrupar 24">
+              <a:extLst>
+                <a:ext uri="{FF2B5EF4-FFF2-40B4-BE49-F238E27FC236}">
+                  <a16:creationId xmlns:a16="http://schemas.microsoft.com/office/drawing/2014/main" id="{F98A79BD-E123-420A-B95C-B8AEA46E6249}"/>
+                </a:ext>
+              </a:extLst>
+            </p:cNvPr>
+            <p:cNvGrpSpPr/>
+            <p:nvPr/>
+          </p:nvGrpSpPr>
+          <p:grpSpPr>
+            <a:xfrm>
+              <a:off x="10708405" y="1340809"/>
+              <a:ext cx="1015024" cy="1369542"/>
+              <a:chOff x="10498855" y="5477834"/>
+              <a:chExt cx="1015024" cy="1369542"/>
+            </a:xfrm>
+          </p:grpSpPr>
+          <mc:AlternateContent xmlns:mc="http://schemas.openxmlformats.org/markup-compatibility/2006" xmlns:am3d="http://schemas.microsoft.com/office/drawing/2017/model3d">
+            <mc:Choice Requires="am3d">
+              <p:graphicFrame>
+                <p:nvGraphicFramePr>
+                  <p:cNvPr id="26" name="Modelo 3D 25" descr="Hemisfério Cinza-Escuro">
+                    <a:extLst>
+                      <a:ext uri="{FF2B5EF4-FFF2-40B4-BE49-F238E27FC236}">
+                        <a16:creationId xmlns:a16="http://schemas.microsoft.com/office/drawing/2014/main" id="{DEBCF69D-3B9E-461F-9E75-5922A517FA0E}"/>
+                      </a:ext>
+                    </a:extLst>
+                  </p:cNvPr>
+                  <p:cNvGraphicFramePr>
+                    <a:graphicFrameLocks noChangeAspect="1"/>
+                  </p:cNvGraphicFramePr>
+                  <p:nvPr>
+                    <p:extLst>
+                      <p:ext uri="{D42A27DB-BD31-4B8C-83A1-F6EECF244321}">
+                        <p14:modId xmlns:p14="http://schemas.microsoft.com/office/powerpoint/2010/main" val="775185252"/>
+                      </p:ext>
+                    </p:extLst>
+                  </p:nvPr>
+                </p:nvGraphicFramePr>
+                <p:xfrm rot="5400000">
+                  <a:off x="10310915" y="5856664"/>
+                  <a:ext cx="1178652" cy="802772"/>
+                </p:xfrm>
+                <a:graphic>
+                  <a:graphicData uri="http://schemas.microsoft.com/office/drawing/2017/model3d">
+                    <am3d:model3d r:embed="rId5">
+                      <am3d:spPr>
+                        <a:xfrm rot="5400000">
+                          <a:off x="0" y="0"/>
+                          <a:ext cx="1178652" cy="802772"/>
+                        </a:xfrm>
+                        <a:prstGeom prst="rect">
+                          <a:avLst/>
+                        </a:prstGeom>
+                      </am3d:spPr>
+                      <am3d:camera>
+                        <am3d:pos x="0" y="0" z="70522459"/>
+                        <am3d:up dx="0" dy="36000000" dz="0"/>
+                        <am3d:lookAt x="0" y="0" z="0"/>
+                        <am3d:perspective fov="2700000"/>
+                      </am3d:camera>
+                      <am3d:trans>
+                        <am3d:meterPerModelUnit n="6553073" d="1000000"/>
+                        <am3d:preTrans dx="9" dy="-8999683" dz="-344461"/>
+                        <am3d:scale>
+                          <am3d:sx n="1000000" d="1000000"/>
+                          <am3d:sy n="1000000" d="1000000"/>
+                          <am3d:sz n="1000000" d="1000000"/>
+                        </am3d:scale>
+                        <am3d:rot ax="16200000" ay="3600000" az="16200000"/>
+                        <am3d:postTrans dx="0" dy="0" dz="0"/>
+                      </am3d:trans>
+                      <am3d:raster rName="Office3DRenderer" rVer="16.0.8326">
+                        <am3d:blip r:embed="rId6"/>
+                      </am3d:raster>
+                      <am3d:objViewport viewportSz="971268"/>
+                      <am3d:ambientLight>
+                        <am3d:clr>
+                          <a:scrgbClr r="50000" g="50000" b="50000"/>
+                        </am3d:clr>
+                        <am3d:illuminance n="500000" d="1000000"/>
+                      </am3d:ambientLight>
+                      <am3d:ptLight rad="0">
+                        <am3d:clr>
+                          <a:scrgbClr r="100000" g="75000" b="50000"/>
+                        </am3d:clr>
+                        <am3d:intensity n="9765625" d="1000000"/>
+                        <am3d:pos x="21959998" y="70920001" z="16344003"/>
+                      </am3d:ptLight>
+                      <am3d:ptLight rad="0">
+                        <am3d:clr>
+                          <a:scrgbClr r="40000" g="60000" b="95000"/>
+                        </am3d:clr>
+                        <am3d:intensity n="12250000" d="1000000"/>
+                        <am3d:pos x="-37964106" y="51130435" z="57631972"/>
+                      </am3d:ptLight>
+                      <am3d:ptLight rad="0">
+                        <am3d:clr>
+                          <a:scrgbClr r="86837" g="72700" b="100000"/>
+                        </am3d:clr>
+                        <am3d:intensity n="3125000" d="1000000"/>
+                        <am3d:pos x="-37739122" y="58056624" z="-34769649"/>
+                      </am3d:ptLight>
+                    </am3d:model3d>
+                  </a:graphicData>
+                </a:graphic>
+              </p:graphicFrame>
+            </mc:Choice>
+            <mc:Fallback xmlns="">
+              <p:pic>
+                <p:nvPicPr>
+                  <p:cNvPr id="80" name="Modelo 3D 79" descr="Hemisfério Cinza-Escuro">
+                    <a:extLst>
+                      <a:ext uri="{FF2B5EF4-FFF2-40B4-BE49-F238E27FC236}">
+                        <a16:creationId xmlns:a16="http://schemas.microsoft.com/office/drawing/2014/main" id="{FC13DA74-E81F-494C-9207-78A85F36B252}"/>
+                      </a:ext>
+                    </a:extLst>
+                  </p:cNvPr>
+                  <p:cNvPicPr>
+                    <a:picLocks noGrp="1" noRot="1" noChangeAspect="1" noMove="1" noResize="1" noEditPoints="1" noAdjustHandles="1" noChangeArrowheads="1" noChangeShapeType="1" noCrop="1"/>
+                  </p:cNvPicPr>
+                  <p:nvPr/>
+                </p:nvPicPr>
+                <p:blipFill>
+                  <a:blip r:embed="rId10"/>
+                  <a:stretch>
+                    <a:fillRect/>
+                  </a:stretch>
+                </p:blipFill>
+                <p:spPr>
+                  <a:xfrm rot="5400000">
+                    <a:off x="10482365" y="1237039"/>
+                    <a:ext cx="1178652" cy="802772"/>
+                  </a:xfrm>
+                  <a:prstGeom prst="rect">
+                    <a:avLst/>
+                  </a:prstGeom>
+                </p:spPr>
+              </p:pic>
+            </mc:Fallback>
+          </mc:AlternateContent>
+          <p:sp>
+            <p:nvSpPr>
+              <p:cNvPr id="27" name="CaixaDeTexto 26">
+                <a:extLst>
+                  <a:ext uri="{FF2B5EF4-FFF2-40B4-BE49-F238E27FC236}">
+                    <a16:creationId xmlns:a16="http://schemas.microsoft.com/office/drawing/2014/main" id="{8933B322-088C-4913-AE2B-C749FB69D08A}"/>
+                  </a:ext>
+                </a:extLst>
+              </p:cNvPr>
+              <p:cNvSpPr txBox="1"/>
+              <p:nvPr/>
+            </p:nvSpPr>
+            <p:spPr>
+              <a:xfrm>
+                <a:off x="10942889" y="5477834"/>
+                <a:ext cx="570990" cy="553998"/>
+              </a:xfrm>
+              <a:prstGeom prst="rect">
+                <a:avLst/>
+              </a:prstGeom>
+              <a:noFill/>
+            </p:spPr>
+            <p:txBody>
+              <a:bodyPr wrap="none" rtlCol="0">
+                <a:spAutoFit/>
+              </a:bodyPr>
+              <a:lstStyle/>
+              <a:p>
+                <a:r>
+                  <a:rPr lang="en-GB" sz="3000" b="1" dirty="0"/>
+                  <a:t>D</a:t>
+                </a:r>
+                <a:r>
+                  <a:rPr lang="en-GB" sz="3000" b="1" baseline="-25000" dirty="0"/>
+                  <a:t>B</a:t>
+                </a:r>
+              </a:p>
+            </p:txBody>
+          </p:sp>
+        </p:grpSp>
+        <p:cxnSp>
+          <p:nvCxnSpPr>
+            <p:cNvPr id="29" name="Conexão reta 28">
+              <a:extLst>
+                <a:ext uri="{FF2B5EF4-FFF2-40B4-BE49-F238E27FC236}">
+                  <a16:creationId xmlns:a16="http://schemas.microsoft.com/office/drawing/2014/main" id="{5B66DEF7-95B4-4F66-BCD4-16B1A7869040}"/>
+                </a:ext>
+              </a:extLst>
+            </p:cNvPr>
+            <p:cNvCxnSpPr>
+              <a:cxnSpLocks/>
+            </p:cNvCxnSpPr>
+            <p:nvPr/>
+          </p:nvCxnSpPr>
+          <p:spPr>
+            <a:xfrm flipV="1">
+              <a:off x="9944244" y="3750559"/>
+              <a:ext cx="914400" cy="914400"/>
+            </a:xfrm>
+            <a:prstGeom prst="line">
+              <a:avLst/>
+            </a:prstGeom>
+            <a:ln w="127000">
+              <a:solidFill>
+                <a:schemeClr val="accent4"/>
+              </a:solidFill>
+            </a:ln>
+          </p:spPr>
+          <p:style>
+            <a:lnRef idx="1">
+              <a:schemeClr val="accent1"/>
+            </a:lnRef>
+            <a:fillRef idx="0">
+              <a:schemeClr val="accent1"/>
+            </a:fillRef>
+            <a:effectRef idx="0">
+              <a:schemeClr val="accent1"/>
+            </a:effectRef>
+            <a:fontRef idx="minor">
+              <a:schemeClr val="tx1"/>
+            </a:fontRef>
+          </p:style>
+        </p:cxnSp>
+      </p:grpSp>
+      <p:sp>
+        <p:nvSpPr>
+          <p:cNvPr id="2" name="CaixaDeTexto 1">
+            <a:extLst>
+              <a:ext uri="{FF2B5EF4-FFF2-40B4-BE49-F238E27FC236}">
+                <a16:creationId xmlns:a16="http://schemas.microsoft.com/office/drawing/2014/main" id="{FC6B8AFE-3456-446F-9D18-82B4E543C27C}"/>
+              </a:ext>
+            </a:extLst>
+          </p:cNvPr>
+          <p:cNvSpPr txBox="1"/>
+          <p:nvPr/>
+        </p:nvSpPr>
+        <p:spPr>
+          <a:xfrm>
+            <a:off x="201996" y="552963"/>
+            <a:ext cx="1851102" cy="1043212"/>
+          </a:xfrm>
+          <a:prstGeom prst="rect">
+            <a:avLst/>
+          </a:prstGeom>
+          <a:noFill/>
+        </p:spPr>
+        <p:txBody>
+          <a:bodyPr wrap="square" rtlCol="0">
+            <a:spAutoFit/>
+          </a:bodyPr>
+          <a:lstStyle/>
+          <a:p>
+            <a:r>
+              <a:rPr lang="en-GB" sz="4000" b="1" dirty="0"/>
+              <a:t>Alice</a:t>
+            </a:r>
+          </a:p>
+        </p:txBody>
+      </p:sp>
+      <mc:AlternateContent xmlns:mc="http://schemas.openxmlformats.org/markup-compatibility/2006" xmlns:am3d="http://schemas.microsoft.com/office/drawing/2017/model3d">
+        <mc:Choice Requires="am3d">
+          <p:graphicFrame>
+            <p:nvGraphicFramePr>
+              <p:cNvPr id="4" name="Modelo 3D 3" descr="Sinal de Subtração Cinza-Escuro">
+                <a:extLst>
+                  <a:ext uri="{FF2B5EF4-FFF2-40B4-BE49-F238E27FC236}">
+                    <a16:creationId xmlns:a16="http://schemas.microsoft.com/office/drawing/2014/main" id="{17394390-C777-4ED1-9AB8-59C582B506AC}"/>
+                  </a:ext>
+                </a:extLst>
+              </p:cNvPr>
+              <p:cNvGraphicFramePr>
+                <a:graphicFrameLocks noChangeAspect="1"/>
+              </p:cNvGraphicFramePr>
+              <p:nvPr>
+                <p:extLst>
+                  <p:ext uri="{D42A27DB-BD31-4B8C-83A1-F6EECF244321}">
+                    <p14:modId xmlns:p14="http://schemas.microsoft.com/office/powerpoint/2010/main" val="3955178773"/>
+                  </p:ext>
+                </p:extLst>
+              </p:nvPr>
+            </p:nvGraphicFramePr>
+            <p:xfrm>
+              <a:off x="3355625" y="986643"/>
+              <a:ext cx="772852" cy="1477415"/>
+            </p:xfrm>
+            <a:graphic>
+              <a:graphicData uri="http://schemas.microsoft.com/office/drawing/2017/model3d">
+                <am3d:model3d r:embed="rId11">
+                  <am3d:spPr>
+                    <a:xfrm>
+                      <a:off x="0" y="0"/>
+                      <a:ext cx="772852" cy="1477415"/>
+                    </a:xfrm>
+                    <a:prstGeom prst="rect">
+                      <a:avLst/>
+                    </a:prstGeom>
+                  </am3d:spPr>
+                  <am3d:camera>
+                    <am3d:pos x="0" y="0" z="49021875"/>
+                    <am3d:up dx="0" dy="36000000" dz="0"/>
+                    <am3d:lookAt x="0" y="0" z="0"/>
+                    <am3d:perspective fov="2700000"/>
+                  </am3d:camera>
+                  <am3d:trans>
+                    <am3d:meterPerModelUnit n="4685389" d="1000000"/>
+                    <am3d:preTrans dx="-2441" dy="-23614363" dz="0"/>
+                    <am3d:scale>
+                      <am3d:sx n="1000000" d="1000000"/>
+                      <am3d:sy n="1000000" d="1000000"/>
+                      <am3d:sz n="1000000" d="1000000"/>
+                    </am3d:scale>
+                    <am3d:rot ax="5616986" ay="4619897" az="5622683"/>
+                    <am3d:postTrans dx="0" dy="0" dz="0"/>
+                  </am3d:trans>
+                  <am3d:raster rName="Office3DRenderer" rVer="16.0.8326">
+                    <am3d:blip r:embed="rId12"/>
+                  </am3d:raster>
+                  <am3d:objViewport viewportSz="2247116"/>
+                  <am3d:ambientLight>
+                    <am3d:clr>
+                      <a:scrgbClr r="50000" g="50000" b="50000"/>
+                    </am3d:clr>
+                    <am3d:illuminance n="500000" d="1000000"/>
+                  </am3d:ambientLight>
+                  <am3d:ptLight rad="0">
+                    <am3d:clr>
+                      <a:scrgbClr r="100000" g="75000" b="50000"/>
+                    </am3d:clr>
+                    <am3d:intensity n="9765625" d="1000000"/>
+                    <am3d:pos x="21959998" y="70920001" z="16344003"/>
+                  </am3d:ptLight>
+                  <am3d:ptLight rad="0">
+                    <am3d:clr>
+                      <a:scrgbClr r="40000" g="60000" b="95000"/>
+                    </am3d:clr>
+                    <am3d:intensity n="12250000" d="1000000"/>
+                    <am3d:pos x="-37964106" y="51130435" z="57631972"/>
+                  </am3d:ptLight>
+                  <am3d:ptLight rad="0">
+                    <am3d:clr>
+                      <a:scrgbClr r="86837" g="72700" b="100000"/>
+                    </am3d:clr>
+                    <am3d:intensity n="3125000" d="1000000"/>
+                    <am3d:pos x="-37739122" y="58056624" z="-34769649"/>
+                  </am3d:ptLight>
+                </am3d:model3d>
+              </a:graphicData>
+            </a:graphic>
+          </p:graphicFrame>
+        </mc:Choice>
+        <mc:Fallback xmlns="">
+          <p:pic>
+            <p:nvPicPr>
+              <p:cNvPr id="4" name="Modelo 3D 3" descr="Sinal de Subtração Cinza-Escuro">
+                <a:extLst>
+                  <a:ext uri="{FF2B5EF4-FFF2-40B4-BE49-F238E27FC236}">
+                    <a16:creationId xmlns:a16="http://schemas.microsoft.com/office/drawing/2014/main" id="{17394390-C777-4ED1-9AB8-59C582B506AC}"/>
+                  </a:ext>
+                </a:extLst>
+              </p:cNvPr>
+              <p:cNvPicPr>
+                <a:picLocks noGrp="1" noRot="1" noChangeAspect="1" noMove="1" noResize="1" noEditPoints="1" noAdjustHandles="1" noChangeArrowheads="1" noChangeShapeType="1" noCrop="1"/>
+              </p:cNvPicPr>
+              <p:nvPr/>
+            </p:nvPicPr>
+            <p:blipFill>
+              <a:blip r:embed="rId13"/>
+              <a:stretch>
+                <a:fillRect/>
+              </a:stretch>
+            </p:blipFill>
+            <p:spPr>
+              <a:xfrm>
+                <a:off x="3355625" y="986643"/>
+                <a:ext cx="772852" cy="1477415"/>
+              </a:xfrm>
+              <a:prstGeom prst="rect">
+                <a:avLst/>
+              </a:prstGeom>
+            </p:spPr>
+          </p:pic>
+        </mc:Fallback>
+      </mc:AlternateContent>
+      <p:sp>
+        <p:nvSpPr>
+          <p:cNvPr id="6" name="Retângulo 5">
+            <a:extLst>
+              <a:ext uri="{FF2B5EF4-FFF2-40B4-BE49-F238E27FC236}">
+                <a16:creationId xmlns:a16="http://schemas.microsoft.com/office/drawing/2014/main" id="{288296D0-1ADD-480A-B257-BD191BBBC133}"/>
+              </a:ext>
+            </a:extLst>
+          </p:cNvPr>
+          <p:cNvSpPr/>
+          <p:nvPr/>
+        </p:nvSpPr>
+        <p:spPr>
+          <a:xfrm>
+            <a:off x="231405" y="625596"/>
+            <a:ext cx="4760210" cy="2495524"/>
+          </a:xfrm>
+          <a:prstGeom prst="rect">
+            <a:avLst/>
+          </a:prstGeom>
+          <a:noFill/>
+          <a:ln w="9525" cap="flat" cmpd="sng" algn="ctr">
+            <a:solidFill>
+              <a:schemeClr val="dk1"/>
+            </a:solidFill>
+            <a:prstDash val="dashDot"/>
+            <a:round/>
+            <a:headEnd type="none" w="med" len="med"/>
+            <a:tailEnd type="none" w="med" len="med"/>
+          </a:ln>
+        </p:spPr>
+        <p:style>
+          <a:lnRef idx="0">
+            <a:scrgbClr r="0" g="0" b="0"/>
+          </a:lnRef>
+          <a:fillRef idx="0">
+            <a:scrgbClr r="0" g="0" b="0"/>
+          </a:fillRef>
+          <a:effectRef idx="0">
+            <a:scrgbClr r="0" g="0" b="0"/>
+          </a:effectRef>
+          <a:fontRef idx="minor">
+            <a:schemeClr val="dk1"/>
+          </a:fontRef>
+        </p:style>
+        <p:txBody>
+          <a:bodyPr rtlCol="0" anchor="ctr"/>
+          <a:lstStyle/>
+          <a:p>
+            <a:pPr algn="ctr"/>
+            <a:endParaRPr lang="en-GB"/>
+          </a:p>
+        </p:txBody>
+      </p:sp>
+      <p:sp>
+        <p:nvSpPr>
+          <p:cNvPr id="8" name="CaixaDeTexto 7">
+            <a:extLst>
+              <a:ext uri="{FF2B5EF4-FFF2-40B4-BE49-F238E27FC236}">
+                <a16:creationId xmlns:a16="http://schemas.microsoft.com/office/drawing/2014/main" id="{F8EB388F-02D6-454A-9776-8343503E7A32}"/>
+              </a:ext>
+            </a:extLst>
+          </p:cNvPr>
+          <p:cNvSpPr txBox="1"/>
+          <p:nvPr/>
+        </p:nvSpPr>
+        <p:spPr>
+          <a:xfrm>
+            <a:off x="1253877" y="2529461"/>
+            <a:ext cx="864334" cy="469528"/>
+          </a:xfrm>
+          <a:prstGeom prst="rect">
+            <a:avLst/>
+          </a:prstGeom>
+          <a:noFill/>
+        </p:spPr>
+        <p:txBody>
+          <a:bodyPr wrap="none" rtlCol="0">
+            <a:spAutoFit/>
+          </a:bodyPr>
+          <a:lstStyle/>
+          <a:p>
+            <a:r>
+              <a:rPr lang="en-GB" sz="3000" b="1" dirty="0"/>
+              <a:t>Laser</a:t>
+            </a:r>
+          </a:p>
+        </p:txBody>
+      </p:sp>
+      <p:sp>
+        <p:nvSpPr>
+          <p:cNvPr id="9" name="CaixaDeTexto 8">
+            <a:extLst>
+              <a:ext uri="{FF2B5EF4-FFF2-40B4-BE49-F238E27FC236}">
+                <a16:creationId xmlns:a16="http://schemas.microsoft.com/office/drawing/2014/main" id="{DEF70D08-4BAC-4F0A-903A-77D8C5D95E32}"/>
+              </a:ext>
+            </a:extLst>
+          </p:cNvPr>
+          <p:cNvSpPr txBox="1"/>
+          <p:nvPr/>
+        </p:nvSpPr>
+        <p:spPr>
+          <a:xfrm>
+            <a:off x="3137362" y="774593"/>
+            <a:ext cx="1171319" cy="599952"/>
+          </a:xfrm>
+          <a:prstGeom prst="rect">
+            <a:avLst/>
+          </a:prstGeom>
+          <a:noFill/>
+        </p:spPr>
+        <p:txBody>
+          <a:bodyPr wrap="none" rtlCol="0">
+            <a:spAutoFit/>
+          </a:bodyPr>
+          <a:lstStyle/>
+          <a:p>
+            <a:pPr algn="ctr"/>
+            <a:r>
+              <a:rPr lang="en-GB" sz="2000" b="1" dirty="0"/>
+              <a:t>Intensity</a:t>
+            </a:r>
+          </a:p>
+          <a:p>
+            <a:pPr algn="ctr"/>
+            <a:r>
+              <a:rPr lang="en-GB" sz="2000" b="1" dirty="0"/>
+              <a:t> Modulator</a:t>
+            </a:r>
+          </a:p>
+        </p:txBody>
+      </p:sp>
+      <mc:AlternateContent xmlns:mc="http://schemas.openxmlformats.org/markup-compatibility/2006" xmlns:am3d="http://schemas.microsoft.com/office/drawing/2017/model3d">
+        <mc:Choice Requires="am3d">
+          <p:graphicFrame>
+            <p:nvGraphicFramePr>
+              <p:cNvPr id="23" name="Modelo 3D 22" descr="Sinal de Subtração Cinza-Escuro">
+                <a:extLst>
+                  <a:ext uri="{FF2B5EF4-FFF2-40B4-BE49-F238E27FC236}">
+                    <a16:creationId xmlns:a16="http://schemas.microsoft.com/office/drawing/2014/main" id="{A86083B7-9870-411E-8ED4-E46E7DEB8FFB}"/>
+                  </a:ext>
+                </a:extLst>
+              </p:cNvPr>
+              <p:cNvGraphicFramePr>
+                <a:graphicFrameLocks noChangeAspect="1"/>
+              </p:cNvGraphicFramePr>
+              <p:nvPr>
+                <p:extLst>
+                  <p:ext uri="{D42A27DB-BD31-4B8C-83A1-F6EECF244321}">
+                    <p14:modId xmlns:p14="http://schemas.microsoft.com/office/powerpoint/2010/main" val="2452248977"/>
+                  </p:ext>
+                </p:extLst>
+              </p:nvPr>
+            </p:nvGraphicFramePr>
+            <p:xfrm rot="10800000">
+              <a:off x="4145123" y="1454859"/>
+              <a:ext cx="772852" cy="1477415"/>
+            </p:xfrm>
+            <a:graphic>
+              <a:graphicData uri="http://schemas.microsoft.com/office/drawing/2017/model3d">
+                <am3d:model3d r:embed="rId11">
+                  <am3d:spPr>
+                    <a:xfrm rot="10800000">
+                      <a:off x="0" y="0"/>
+                      <a:ext cx="772852" cy="1477415"/>
+                    </a:xfrm>
+                    <a:prstGeom prst="rect">
+                      <a:avLst/>
+                    </a:prstGeom>
+                  </am3d:spPr>
+                  <am3d:camera>
+                    <am3d:pos x="0" y="0" z="49021875"/>
+                    <am3d:up dx="0" dy="36000000" dz="0"/>
+                    <am3d:lookAt x="0" y="0" z="0"/>
+                    <am3d:perspective fov="2700000"/>
+                  </am3d:camera>
+                  <am3d:trans>
+                    <am3d:meterPerModelUnit n="4685389" d="1000000"/>
+                    <am3d:preTrans dx="-2441" dy="-23614363" dz="0"/>
+                    <am3d:scale>
+                      <am3d:sx n="1000000" d="1000000"/>
+                      <am3d:sy n="1000000" d="1000000"/>
+                      <am3d:sz n="1000000" d="1000000"/>
+                    </am3d:scale>
+                    <am3d:rot ax="5616986" ay="4619897" az="5622683"/>
+                    <am3d:postTrans dx="0" dy="0" dz="0"/>
+                  </am3d:trans>
+                  <am3d:raster rName="Office3DRenderer" rVer="16.0.8326">
+                    <am3d:blip r:embed="rId12"/>
+                  </am3d:raster>
+                  <am3d:objViewport viewportSz="2247116"/>
+                  <am3d:ambientLight>
+                    <am3d:clr>
+                      <a:scrgbClr r="50000" g="50000" b="50000"/>
+                    </am3d:clr>
+                    <am3d:illuminance n="500000" d="1000000"/>
+                  </am3d:ambientLight>
+                  <am3d:ptLight rad="0">
+                    <am3d:clr>
+                      <a:scrgbClr r="100000" g="75000" b="50000"/>
+                    </am3d:clr>
+                    <am3d:intensity n="9765625" d="1000000"/>
+                    <am3d:pos x="21959998" y="70920001" z="16344003"/>
+                  </am3d:ptLight>
+                  <am3d:ptLight rad="0">
+                    <am3d:clr>
+                      <a:scrgbClr r="40000" g="60000" b="95000"/>
+                    </am3d:clr>
+                    <am3d:intensity n="12250000" d="1000000"/>
+                    <am3d:pos x="-37964106" y="51130435" z="57631972"/>
+                  </am3d:ptLight>
+                  <am3d:ptLight rad="0">
+                    <am3d:clr>
+                      <a:scrgbClr r="86837" g="72700" b="100000"/>
+                    </am3d:clr>
+                    <am3d:intensity n="3125000" d="1000000"/>
+                    <am3d:pos x="-37739122" y="58056624" z="-34769649"/>
+                  </am3d:ptLight>
+                </am3d:model3d>
+              </a:graphicData>
+            </a:graphic>
+          </p:graphicFrame>
+        </mc:Choice>
+        <mc:Fallback xmlns="">
+          <p:pic>
+            <p:nvPicPr>
+              <p:cNvPr id="23" name="Modelo 3D 22" descr="Sinal de Subtração Cinza-Escuro">
+                <a:extLst>
+                  <a:ext uri="{FF2B5EF4-FFF2-40B4-BE49-F238E27FC236}">
+                    <a16:creationId xmlns:a16="http://schemas.microsoft.com/office/drawing/2014/main" id="{A86083B7-9870-411E-8ED4-E46E7DEB8FFB}"/>
+                  </a:ext>
+                </a:extLst>
+              </p:cNvPr>
+              <p:cNvPicPr>
+                <a:picLocks noGrp="1" noRot="1" noChangeAspect="1" noMove="1" noResize="1" noEditPoints="1" noAdjustHandles="1" noChangeArrowheads="1" noChangeShapeType="1" noCrop="1"/>
+              </p:cNvPicPr>
+              <p:nvPr/>
+            </p:nvPicPr>
+            <p:blipFill>
+              <a:blip r:embed="rId13"/>
+              <a:stretch>
+                <a:fillRect/>
+              </a:stretch>
+            </p:blipFill>
+            <p:spPr>
+              <a:xfrm rot="10800000">
+                <a:off x="4145123" y="1454859"/>
+                <a:ext cx="772852" cy="1477415"/>
+              </a:xfrm>
+              <a:prstGeom prst="rect">
+                <a:avLst/>
+              </a:prstGeom>
+            </p:spPr>
+          </p:pic>
+        </mc:Fallback>
+      </mc:AlternateContent>
+      <p:sp>
+        <p:nvSpPr>
+          <p:cNvPr id="30" name="CaixaDeTexto 29">
+            <a:extLst>
+              <a:ext uri="{FF2B5EF4-FFF2-40B4-BE49-F238E27FC236}">
+                <a16:creationId xmlns:a16="http://schemas.microsoft.com/office/drawing/2014/main" id="{D48968D9-AD54-4224-B7C7-C8C136D013FD}"/>
+              </a:ext>
+            </a:extLst>
+          </p:cNvPr>
+          <p:cNvSpPr txBox="1"/>
+          <p:nvPr/>
+        </p:nvSpPr>
+        <p:spPr>
+          <a:xfrm>
+            <a:off x="3851199" y="2521168"/>
+            <a:ext cx="1121976" cy="599952"/>
+          </a:xfrm>
+          <a:prstGeom prst="rect">
+            <a:avLst/>
+          </a:prstGeom>
+          <a:noFill/>
+        </p:spPr>
+        <p:txBody>
+          <a:bodyPr wrap="none" rtlCol="0">
+            <a:spAutoFit/>
+          </a:bodyPr>
+          <a:lstStyle/>
+          <a:p>
+            <a:pPr algn="ctr"/>
+            <a:r>
+              <a:rPr lang="en-GB" sz="2000" b="1" dirty="0"/>
+              <a:t>Optical</a:t>
+            </a:r>
+          </a:p>
+          <a:p>
+            <a:pPr algn="ctr"/>
+            <a:r>
+              <a:rPr lang="en-GB" sz="2000" b="1" dirty="0"/>
+              <a:t>attenuator</a:t>
+            </a:r>
+          </a:p>
+        </p:txBody>
+      </p:sp>
+      <mc:AlternateContent xmlns:mc="http://schemas.openxmlformats.org/markup-compatibility/2006" xmlns:am3d="http://schemas.microsoft.com/office/drawing/2017/model3d">
+        <mc:Choice Requires="am3d">
+          <p:graphicFrame>
+            <p:nvGraphicFramePr>
+              <p:cNvPr id="31" name="Modelo 3D 30" descr="Cuboide Cinza-Escuro">
+                <a:extLst>
+                  <a:ext uri="{FF2B5EF4-FFF2-40B4-BE49-F238E27FC236}">
+                    <a16:creationId xmlns:a16="http://schemas.microsoft.com/office/drawing/2014/main" id="{2E87438E-8104-4531-A250-4AF38326EE6B}"/>
+                  </a:ext>
+                </a:extLst>
+              </p:cNvPr>
+              <p:cNvGraphicFramePr>
+                <a:graphicFrameLocks noChangeAspect="1"/>
+              </p:cNvGraphicFramePr>
+              <p:nvPr>
+                <p:extLst>
+                  <p:ext uri="{D42A27DB-BD31-4B8C-83A1-F6EECF244321}">
+                    <p14:modId xmlns:p14="http://schemas.microsoft.com/office/powerpoint/2010/main" val="526895868"/>
+                  </p:ext>
+                </p:extLst>
+              </p:nvPr>
+            </p:nvGraphicFramePr>
+            <p:xfrm>
+              <a:off x="-684139" y="988129"/>
+              <a:ext cx="4740368" cy="1475930"/>
+            </p:xfrm>
+            <a:graphic>
+              <a:graphicData uri="http://schemas.microsoft.com/office/drawing/2017/model3d">
+                <am3d:model3d r:embed="rId2">
+                  <am3d:spPr>
+                    <a:xfrm>
+                      <a:off x="0" y="0"/>
+                      <a:ext cx="4740368" cy="1475930"/>
+                    </a:xfrm>
+                    <a:prstGeom prst="rect">
+                      <a:avLst/>
+                    </a:prstGeom>
+                  </am3d:spPr>
+                  <am3d:camera>
+                    <am3d:pos x="0" y="0" z="57664451"/>
+                    <am3d:up dx="0" dy="36000000" dz="0"/>
+                    <am3d:lookAt x="0" y="0" z="0"/>
+                    <am3d:perspective fov="2700000"/>
+                  </am3d:camera>
+                  <am3d:trans>
+                    <am3d:meterPerModelUnit n="4361393" d="1000000"/>
+                    <am3d:preTrans dx="0" dy="-6493603" dz="0"/>
+                    <am3d:scale>
+                      <am3d:sx n="1000000" d="1000000"/>
+                      <am3d:sy n="1000000" d="1000000"/>
+                      <am3d:sz n="1000000" d="1000000"/>
+                    </am3d:scale>
+                    <am3d:rot ax="5400000" ay="18000000" az="16200000"/>
+                    <am3d:postTrans dx="0" dy="0" dz="0"/>
+                  </am3d:trans>
+                  <am3d:raster rName="Office3DRenderer" rVer="16.0.8326">
+                    <am3d:blip r:embed="rId14"/>
+                  </am3d:raster>
+                  <am3d:objViewport viewportSz="2825721"/>
+                  <am3d:ambientLight>
+                    <am3d:clr>
+                      <a:scrgbClr r="50000" g="50000" b="50000"/>
+                    </am3d:clr>
+                    <am3d:illuminance n="500000" d="1000000"/>
+                  </am3d:ambientLight>
+                  <am3d:ptLight rad="0">
+                    <am3d:clr>
+                      <a:scrgbClr r="100000" g="75000" b="50000"/>
+                    </am3d:clr>
+                    <am3d:intensity n="9765625" d="1000000"/>
+                    <am3d:pos x="21959998" y="70920001" z="16344003"/>
+                  </am3d:ptLight>
+                  <am3d:ptLight rad="0">
+                    <am3d:clr>
+                      <a:scrgbClr r="40000" g="60000" b="95000"/>
+                    </am3d:clr>
+                    <am3d:intensity n="12250000" d="1000000"/>
+                    <am3d:pos x="-37964106" y="51130435" z="57631972"/>
+                  </am3d:ptLight>
+                  <am3d:ptLight rad="0">
+                    <am3d:clr>
+                      <a:scrgbClr r="86837" g="72700" b="100000"/>
+                    </am3d:clr>
+                    <am3d:intensity n="3125000" d="1000000"/>
+                    <am3d:pos x="-37739122" y="58056624" z="-34769649"/>
+                  </am3d:ptLight>
+                </am3d:model3d>
+              </a:graphicData>
+            </a:graphic>
+          </p:graphicFrame>
+        </mc:Choice>
+        <mc:Fallback xmlns="">
+          <p:pic>
+            <p:nvPicPr>
+              <p:cNvPr id="31" name="Modelo 3D 30" descr="Cuboide Cinza-Escuro">
+                <a:extLst>
+                  <a:ext uri="{FF2B5EF4-FFF2-40B4-BE49-F238E27FC236}">
+                    <a16:creationId xmlns:a16="http://schemas.microsoft.com/office/drawing/2014/main" id="{2E87438E-8104-4531-A250-4AF38326EE6B}"/>
+                  </a:ext>
+                </a:extLst>
+              </p:cNvPr>
+              <p:cNvPicPr>
+                <a:picLocks noGrp="1" noRot="1" noChangeAspect="1" noMove="1" noResize="1" noEditPoints="1" noAdjustHandles="1" noChangeArrowheads="1" noChangeShapeType="1" noCrop="1"/>
+              </p:cNvPicPr>
+              <p:nvPr/>
+            </p:nvPicPr>
+            <p:blipFill>
+              <a:blip r:embed="rId15"/>
+              <a:stretch>
+                <a:fillRect/>
+              </a:stretch>
+            </p:blipFill>
+            <p:spPr>
+              <a:xfrm>
+                <a:off x="-684139" y="988129"/>
+                <a:ext cx="4740368" cy="1475930"/>
+              </a:xfrm>
+              <a:prstGeom prst="rect">
+                <a:avLst/>
+              </a:prstGeom>
+            </p:spPr>
+          </p:pic>
+        </mc:Fallback>
+      </mc:AlternateContent>
+      <p:sp>
+        <p:nvSpPr>
+          <p:cNvPr id="34" name="Retângulo 33">
+            <a:extLst>
+              <a:ext uri="{FF2B5EF4-FFF2-40B4-BE49-F238E27FC236}">
+                <a16:creationId xmlns:a16="http://schemas.microsoft.com/office/drawing/2014/main" id="{C7B427C1-AA3E-4D7F-82BD-08217BE44898}"/>
+              </a:ext>
+            </a:extLst>
+          </p:cNvPr>
+          <p:cNvSpPr/>
+          <p:nvPr/>
+        </p:nvSpPr>
+        <p:spPr>
+          <a:xfrm>
+            <a:off x="5087070" y="627823"/>
+            <a:ext cx="2838984" cy="2495524"/>
+          </a:xfrm>
+          <a:prstGeom prst="rect">
+            <a:avLst/>
+          </a:prstGeom>
+          <a:noFill/>
+          <a:ln w="9525" cap="flat" cmpd="sng" algn="ctr">
+            <a:solidFill>
+              <a:schemeClr val="dk1"/>
+            </a:solidFill>
+            <a:prstDash val="dashDot"/>
+            <a:round/>
+            <a:headEnd type="none" w="med" len="med"/>
+            <a:tailEnd type="none" w="med" len="med"/>
+          </a:ln>
+        </p:spPr>
+        <p:style>
+          <a:lnRef idx="0">
+            <a:scrgbClr r="0" g="0" b="0"/>
+          </a:lnRef>
+          <a:fillRef idx="0">
+            <a:scrgbClr r="0" g="0" b="0"/>
+          </a:fillRef>
+          <a:effectRef idx="0">
+            <a:scrgbClr r="0" g="0" b="0"/>
+          </a:effectRef>
+          <a:fontRef idx="minor">
+            <a:schemeClr val="dk1"/>
+          </a:fontRef>
+        </p:style>
+        <p:txBody>
+          <a:bodyPr rtlCol="0" anchor="ctr"/>
+          <a:lstStyle/>
+          <a:p>
+            <a:pPr algn="ctr"/>
+            <a:endParaRPr lang="en-GB"/>
+          </a:p>
+        </p:txBody>
+      </p:sp>
+      <p:sp>
+        <p:nvSpPr>
+          <p:cNvPr id="35" name="CaixaDeTexto 34">
+            <a:extLst>
+              <a:ext uri="{FF2B5EF4-FFF2-40B4-BE49-F238E27FC236}">
+                <a16:creationId xmlns:a16="http://schemas.microsoft.com/office/drawing/2014/main" id="{B1359ED9-726E-4E71-97A9-AB853C8A7F93}"/>
+              </a:ext>
+            </a:extLst>
+          </p:cNvPr>
+          <p:cNvSpPr txBox="1"/>
+          <p:nvPr/>
+        </p:nvSpPr>
+        <p:spPr>
+          <a:xfrm>
+            <a:off x="5042766" y="547424"/>
+            <a:ext cx="1851102" cy="707886"/>
+          </a:xfrm>
+          <a:prstGeom prst="rect">
+            <a:avLst/>
+          </a:prstGeom>
+          <a:noFill/>
+        </p:spPr>
+        <p:txBody>
+          <a:bodyPr wrap="square" rtlCol="0">
+            <a:spAutoFit/>
+          </a:bodyPr>
+          <a:lstStyle/>
+          <a:p>
+            <a:r>
+              <a:rPr lang="en-GB" sz="4000" b="1" dirty="0"/>
+              <a:t>Eve</a:t>
+            </a:r>
+          </a:p>
+        </p:txBody>
+      </p:sp>
+      <mc:AlternateContent xmlns:mc="http://schemas.openxmlformats.org/markup-compatibility/2006">
+        <mc:Choice xmlns:am3d="http://schemas.microsoft.com/office/drawing/2017/model3d" Requires="am3d">
+          <p:graphicFrame>
+            <p:nvGraphicFramePr>
+              <p:cNvPr id="37" name="Modelo 3D 36" descr="Cubo Cinza-Claro">
+                <a:extLst>
+                  <a:ext uri="{FF2B5EF4-FFF2-40B4-BE49-F238E27FC236}">
+                    <a16:creationId xmlns:a16="http://schemas.microsoft.com/office/drawing/2014/main" id="{05DFF492-3DE8-4800-9138-F5FBE51B0DF9}"/>
+                  </a:ext>
+                </a:extLst>
+              </p:cNvPr>
+              <p:cNvGraphicFramePr>
+                <a:graphicFrameLocks noChangeAspect="1"/>
+              </p:cNvGraphicFramePr>
+              <p:nvPr>
+                <p:extLst>
+                  <p:ext uri="{D42A27DB-BD31-4B8C-83A1-F6EECF244321}">
+                    <p14:modId xmlns:p14="http://schemas.microsoft.com/office/powerpoint/2010/main" val="3349098979"/>
+                  </p:ext>
+                </p:extLst>
+              </p:nvPr>
+            </p:nvGraphicFramePr>
+            <p:xfrm>
+              <a:off x="5785190" y="1230452"/>
+              <a:ext cx="1455707" cy="1510524"/>
+            </p:xfrm>
+            <a:graphic>
+              <a:graphicData uri="http://schemas.microsoft.com/office/drawing/2017/model3d">
+                <am3d:model3d r:embed="rId16">
+                  <am3d:spPr>
+                    <a:xfrm>
+                      <a:off x="0" y="0"/>
+                      <a:ext cx="1455707" cy="1510524"/>
+                    </a:xfrm>
+                    <a:prstGeom prst="rect">
+                      <a:avLst/>
+                    </a:prstGeom>
+                  </am3d:spPr>
+                  <am3d:camera>
+                    <am3d:pos x="0" y="0" z="81469193"/>
+                    <am3d:up dx="0" dy="36000000" dz="0"/>
+                    <am3d:lookAt x="0" y="0" z="0"/>
+                    <am3d:perspective fov="2700000"/>
+                  </am3d:camera>
+                  <am3d:trans>
+                    <am3d:meterPerModelUnit n="7140529" d="1000000"/>
+                    <am3d:preTrans dx="0" dy="-17999995" dz="5866"/>
+                    <am3d:scale>
+                      <am3d:sx n="1000000" d="1000000"/>
+                      <am3d:sy n="1000000" d="1000000"/>
+                      <am3d:sz n="1000000" d="1000000"/>
+                    </am3d:scale>
+                    <am3d:rot ax="5400000" ay="3600000" az="5400000"/>
+                    <am3d:postTrans dx="0" dy="0" dz="0"/>
+                  </am3d:trans>
+                  <am3d:attrSrcUrl r:id="rId17"/>
+                  <am3d:raster rName="Office3DRenderer" rVer="16.0.8326">
+                    <am3d:blip r:embed="rId18"/>
+                  </am3d:raster>
+                  <am3d:objViewport viewportSz="1905421"/>
                   <am3d:ambientLight>
                     <am3d:clr>
                       <a:scrgbClr r="50000" g="50000" b="50000"/>
@@ -3550,10 +10073,10 @@
         <mc:Fallback>
           <p:pic>
             <p:nvPicPr>
-              <p:cNvPr id="19" name="Modelo 3D 18" descr="Cuboide Cinza-Escuro">
+              <p:cNvPr id="37" name="Modelo 3D 36" descr="Cubo Cinza-Claro">
                 <a:extLst>
                   <a:ext uri="{FF2B5EF4-FFF2-40B4-BE49-F238E27FC236}">
-                    <a16:creationId xmlns:a16="http://schemas.microsoft.com/office/drawing/2014/main" id="{3504EDA7-0DC3-4F5F-BB70-A4114A4748E8}"/>
+                    <a16:creationId xmlns:a16="http://schemas.microsoft.com/office/drawing/2014/main" id="{05DFF492-3DE8-4800-9138-F5FBE51B0DF9}"/>
                   </a:ext>
                 </a:extLst>
               </p:cNvPr>
@@ -3563,15 +10086,15 @@
               <p:nvPr/>
             </p:nvPicPr>
             <p:blipFill>
-              <a:blip r:embed="rId3"/>
+              <a:blip r:embed="rId18"/>
               <a:stretch>
                 <a:fillRect/>
               </a:stretch>
             </p:blipFill>
             <p:spPr>
               <a:xfrm>
-                <a:off x="-1106906" y="1374133"/>
-                <a:ext cx="6598390" cy="1741456"/>
+                <a:off x="5785190" y="1230452"/>
+                <a:ext cx="1455707" cy="1510524"/>
               </a:xfrm>
               <a:prstGeom prst="rect">
                 <a:avLst/>
@@ -3580,1269 +10103,10 @@
           </p:pic>
         </mc:Fallback>
       </mc:AlternateContent>
-      <mc:AlternateContent xmlns:mc="http://schemas.openxmlformats.org/markup-compatibility/2006">
-        <mc:Choice xmlns:am3d="http://schemas.microsoft.com/office/drawing/2017/model3d" Requires="am3d">
-          <p:graphicFrame>
-            <p:nvGraphicFramePr>
-              <p:cNvPr id="20" name="Modelo 3D 19" descr="Sinal de Subtração Cinza-Escuro">
-                <a:extLst>
-                  <a:ext uri="{FF2B5EF4-FFF2-40B4-BE49-F238E27FC236}">
-                    <a16:creationId xmlns:a16="http://schemas.microsoft.com/office/drawing/2014/main" id="{16B436A3-99FA-483A-8656-A05268DC972A}"/>
-                  </a:ext>
-                </a:extLst>
-              </p:cNvPr>
-              <p:cNvGraphicFramePr>
-                <a:graphicFrameLocks noChangeAspect="1"/>
-              </p:cNvGraphicFramePr>
-              <p:nvPr>
-                <p:extLst>
-                  <p:ext uri="{D42A27DB-BD31-4B8C-83A1-F6EECF244321}">
-                    <p14:modId xmlns:p14="http://schemas.microsoft.com/office/powerpoint/2010/main" val="3821748270"/>
-                  </p:ext>
-                </p:extLst>
-              </p:nvPr>
-            </p:nvGraphicFramePr>
-            <p:xfrm>
-              <a:off x="4205617" y="1372485"/>
-              <a:ext cx="911891" cy="1743209"/>
-            </p:xfrm>
-            <a:graphic>
-              <a:graphicData uri="http://schemas.microsoft.com/office/drawing/2017/model3d">
-                <am3d:model3d r:embed="rId4">
-                  <am3d:spPr>
-                    <a:xfrm>
-                      <a:off x="0" y="0"/>
-                      <a:ext cx="911891" cy="1743209"/>
-                    </a:xfrm>
-                    <a:prstGeom prst="rect">
-                      <a:avLst/>
-                    </a:prstGeom>
-                  </am3d:spPr>
-                  <am3d:camera>
-                    <am3d:pos x="0" y="0" z="49021875"/>
-                    <am3d:up dx="0" dy="36000000" dz="0"/>
-                    <am3d:lookAt x="0" y="0" z="0"/>
-                    <am3d:perspective fov="2700000"/>
-                  </am3d:camera>
-                  <am3d:trans>
-                    <am3d:meterPerModelUnit n="4685389" d="1000000"/>
-                    <am3d:preTrans dx="-2441" dy="-23614363" dz="0"/>
-                    <am3d:scale>
-                      <am3d:sx n="1000000" d="1000000"/>
-                      <am3d:sy n="1000000" d="1000000"/>
-                      <am3d:sz n="1000000" d="1000000"/>
-                    </am3d:scale>
-                    <am3d:rot ax="5616986" ay="4619897" az="5622683"/>
-                    <am3d:postTrans dx="0" dy="0" dz="0"/>
-                  </am3d:trans>
-                  <am3d:raster rName="Office3DRenderer" rVer="16.0.8326">
-                    <am3d:blip r:embed="rId5"/>
-                  </am3d:raster>
-                  <am3d:objViewport viewportSz="2651383"/>
-                  <am3d:ambientLight>
-                    <am3d:clr>
-                      <a:scrgbClr r="50000" g="50000" b="50000"/>
-                    </am3d:clr>
-                    <am3d:illuminance n="500000" d="1000000"/>
-                  </am3d:ambientLight>
-                  <am3d:ptLight rad="0">
-                    <am3d:clr>
-                      <a:scrgbClr r="100000" g="75000" b="50000"/>
-                    </am3d:clr>
-                    <am3d:intensity n="9765625" d="1000000"/>
-                    <am3d:pos x="21959998" y="70920001" z="16344003"/>
-                  </am3d:ptLight>
-                  <am3d:ptLight rad="0">
-                    <am3d:clr>
-                      <a:scrgbClr r="40000" g="60000" b="95000"/>
-                    </am3d:clr>
-                    <am3d:intensity n="12250000" d="1000000"/>
-                    <am3d:pos x="-37964106" y="51130435" z="57631972"/>
-                  </am3d:ptLight>
-                  <am3d:ptLight rad="0">
-                    <am3d:clr>
-                      <a:scrgbClr r="86837" g="72700" b="100000"/>
-                    </am3d:clr>
-                    <am3d:intensity n="3125000" d="1000000"/>
-                    <am3d:pos x="-37739122" y="58056624" z="-34769649"/>
-                  </am3d:ptLight>
-                </am3d:model3d>
-              </a:graphicData>
-            </a:graphic>
-          </p:graphicFrame>
-        </mc:Choice>
-        <mc:Fallback>
-          <p:pic>
-            <p:nvPicPr>
-              <p:cNvPr id="20" name="Modelo 3D 19" descr="Sinal de Subtração Cinza-Escuro">
-                <a:extLst>
-                  <a:ext uri="{FF2B5EF4-FFF2-40B4-BE49-F238E27FC236}">
-                    <a16:creationId xmlns:a16="http://schemas.microsoft.com/office/drawing/2014/main" id="{16B436A3-99FA-483A-8656-A05268DC972A}"/>
-                  </a:ext>
-                </a:extLst>
-              </p:cNvPr>
-              <p:cNvPicPr>
-                <a:picLocks noGrp="1" noRot="1" noChangeAspect="1" noMove="1" noResize="1" noEditPoints="1" noAdjustHandles="1" noChangeArrowheads="1" noChangeShapeType="1" noCrop="1"/>
-              </p:cNvPicPr>
-              <p:nvPr/>
-            </p:nvPicPr>
-            <p:blipFill>
-              <a:blip r:embed="rId5"/>
-              <a:stretch>
-                <a:fillRect/>
-              </a:stretch>
-            </p:blipFill>
-            <p:spPr>
-              <a:xfrm>
-                <a:off x="4205617" y="1372485"/>
-                <a:ext cx="911891" cy="1743209"/>
-              </a:xfrm>
-              <a:prstGeom prst="rect">
-                <a:avLst/>
-              </a:prstGeom>
-            </p:spPr>
-          </p:pic>
-        </mc:Fallback>
-      </mc:AlternateContent>
-      <mc:AlternateContent xmlns:mc="http://schemas.openxmlformats.org/markup-compatibility/2006">
-        <mc:Choice xmlns:am3d="http://schemas.microsoft.com/office/drawing/2017/model3d" Requires="am3d">
-          <p:graphicFrame>
-            <p:nvGraphicFramePr>
-              <p:cNvPr id="23" name="Modelo 3D 22" descr="Hemisfério Cinza-Escuro">
-                <a:extLst>
-                  <a:ext uri="{FF2B5EF4-FFF2-40B4-BE49-F238E27FC236}">
-                    <a16:creationId xmlns:a16="http://schemas.microsoft.com/office/drawing/2014/main" id="{8A70D3C0-953F-47D9-B45A-F47E5B54D562}"/>
-                  </a:ext>
-                </a:extLst>
-              </p:cNvPr>
-              <p:cNvGraphicFramePr>
-                <a:graphicFrameLocks noChangeAspect="1"/>
-              </p:cNvGraphicFramePr>
-              <p:nvPr>
-                <p:extLst>
-                  <p:ext uri="{D42A27DB-BD31-4B8C-83A1-F6EECF244321}">
-                    <p14:modId xmlns:p14="http://schemas.microsoft.com/office/powerpoint/2010/main" val="528476052"/>
-                  </p:ext>
-                </p:extLst>
-              </p:nvPr>
-            </p:nvGraphicFramePr>
-            <p:xfrm rot="5400000">
-              <a:off x="9293681" y="1958004"/>
-              <a:ext cx="2100446" cy="1121559"/>
-            </p:xfrm>
-            <a:graphic>
-              <a:graphicData uri="http://schemas.microsoft.com/office/drawing/2017/model3d">
-                <am3d:model3d r:embed="rId6">
-                  <am3d:spPr>
-                    <a:xfrm rot="5400000">
-                      <a:off x="0" y="0"/>
-                      <a:ext cx="2100446" cy="1121559"/>
-                    </a:xfrm>
-                    <a:prstGeom prst="rect">
-                      <a:avLst/>
-                    </a:prstGeom>
-                  </am3d:spPr>
-                  <am3d:camera>
-                    <am3d:pos x="0" y="0" z="70522459"/>
-                    <am3d:up dx="0" dy="36000000" dz="0"/>
-                    <am3d:lookAt x="0" y="0" z="0"/>
-                    <am3d:perspective fov="2700000"/>
-                  </am3d:camera>
-                  <am3d:trans>
-                    <am3d:meterPerModelUnit n="6553073" d="1000000"/>
-                    <am3d:preTrans dx="9" dy="-8999683" dz="-344461"/>
-                    <am3d:scale>
-                      <am3d:sx n="1000000" d="1000000"/>
-                      <am3d:sy n="1000000" d="1000000"/>
-                      <am3d:sz n="1000000" d="1000000"/>
-                    </am3d:scale>
-                    <am3d:rot ax="-7273096" ay="2602264" az="-7885772"/>
-                    <am3d:postTrans dx="0" dy="0" dz="0"/>
-                  </am3d:trans>
-                  <am3d:raster rName="Office3DRenderer" rVer="16.0.8326">
-                    <am3d:blip r:embed="rId7"/>
-                  </am3d:raster>
-                  <am3d:objViewport viewportSz="1862006"/>
-                  <am3d:ambientLight>
-                    <am3d:clr>
-                      <a:scrgbClr r="50000" g="50000" b="50000"/>
-                    </am3d:clr>
-                    <am3d:illuminance n="500000" d="1000000"/>
-                  </am3d:ambientLight>
-                  <am3d:ptLight rad="0">
-                    <am3d:clr>
-                      <a:scrgbClr r="100000" g="75000" b="50000"/>
-                    </am3d:clr>
-                    <am3d:intensity n="9765625" d="1000000"/>
-                    <am3d:pos x="21959998" y="70920001" z="16344003"/>
-                  </am3d:ptLight>
-                  <am3d:ptLight rad="0">
-                    <am3d:clr>
-                      <a:scrgbClr r="40000" g="60000" b="95000"/>
-                    </am3d:clr>
-                    <am3d:intensity n="12250000" d="1000000"/>
-                    <am3d:pos x="-37964106" y="51130435" z="57631972"/>
-                  </am3d:ptLight>
-                  <am3d:ptLight rad="0">
-                    <am3d:clr>
-                      <a:scrgbClr r="86837" g="72700" b="100000"/>
-                    </am3d:clr>
-                    <am3d:intensity n="3125000" d="1000000"/>
-                    <am3d:pos x="-37739122" y="58056624" z="-34769649"/>
-                  </am3d:ptLight>
-                </am3d:model3d>
-              </a:graphicData>
-            </a:graphic>
-          </p:graphicFrame>
-        </mc:Choice>
-        <mc:Fallback>
-          <p:pic>
-            <p:nvPicPr>
-              <p:cNvPr id="23" name="Modelo 3D 22" descr="Hemisfério Cinza-Escuro">
-                <a:extLst>
-                  <a:ext uri="{FF2B5EF4-FFF2-40B4-BE49-F238E27FC236}">
-                    <a16:creationId xmlns:a16="http://schemas.microsoft.com/office/drawing/2014/main" id="{8A70D3C0-953F-47D9-B45A-F47E5B54D562}"/>
-                  </a:ext>
-                </a:extLst>
-              </p:cNvPr>
-              <p:cNvPicPr>
-                <a:picLocks noGrp="1" noRot="1" noChangeAspect="1" noMove="1" noResize="1" noEditPoints="1" noAdjustHandles="1" noChangeArrowheads="1" noChangeShapeType="1" noCrop="1"/>
-              </p:cNvPicPr>
-              <p:nvPr/>
-            </p:nvPicPr>
-            <p:blipFill>
-              <a:blip r:embed="rId7"/>
-              <a:stretch>
-                <a:fillRect/>
-              </a:stretch>
-            </p:blipFill>
-            <p:spPr>
-              <a:xfrm rot="5400000">
-                <a:off x="9293681" y="1958004"/>
-                <a:ext cx="2100446" cy="1121559"/>
-              </a:xfrm>
-              <a:prstGeom prst="rect">
-                <a:avLst/>
-              </a:prstGeom>
-            </p:spPr>
-          </p:pic>
-        </mc:Fallback>
-      </mc:AlternateContent>
-      <mc:AlternateContent xmlns:mc="http://schemas.openxmlformats.org/markup-compatibility/2006">
-        <mc:Choice xmlns:am3d="http://schemas.microsoft.com/office/drawing/2017/model3d" Requires="am3d">
-          <p:graphicFrame>
-            <p:nvGraphicFramePr>
-              <p:cNvPr id="27" name="Modelo 3D 26" descr="Hemisfério Cinza-Escuro">
-                <a:extLst>
-                  <a:ext uri="{FF2B5EF4-FFF2-40B4-BE49-F238E27FC236}">
-                    <a16:creationId xmlns:a16="http://schemas.microsoft.com/office/drawing/2014/main" id="{84E0CCAB-7D61-4B1B-ACAF-C110CFF4DB82}"/>
-                  </a:ext>
-                </a:extLst>
-              </p:cNvPr>
-              <p:cNvGraphicFramePr>
-                <a:graphicFrameLocks noChangeAspect="1"/>
-              </p:cNvGraphicFramePr>
-              <p:nvPr>
-                <p:extLst>
-                  <p:ext uri="{D42A27DB-BD31-4B8C-83A1-F6EECF244321}">
-                    <p14:modId xmlns:p14="http://schemas.microsoft.com/office/powerpoint/2010/main" val="1555889348"/>
-                  </p:ext>
-                </p:extLst>
-              </p:nvPr>
-            </p:nvGraphicFramePr>
-            <p:xfrm rot="5400000">
-              <a:off x="10612801" y="5407137"/>
-              <a:ext cx="2075634" cy="826092"/>
-            </p:xfrm>
-            <a:graphic>
-              <a:graphicData uri="http://schemas.microsoft.com/office/drawing/2017/model3d">
-                <am3d:model3d r:embed="rId6">
-                  <am3d:spPr>
-                    <a:xfrm rot="5400000">
-                      <a:off x="0" y="0"/>
-                      <a:ext cx="2075634" cy="826092"/>
-                    </a:xfrm>
-                    <a:prstGeom prst="rect">
-                      <a:avLst/>
-                    </a:prstGeom>
-                  </am3d:spPr>
-                  <am3d:camera>
-                    <am3d:pos x="0" y="0" z="70522459"/>
-                    <am3d:up dx="0" dy="36000000" dz="0"/>
-                    <am3d:lookAt x="0" y="0" z="0"/>
-                    <am3d:perspective fov="2700000"/>
-                  </am3d:camera>
-                  <am3d:trans>
-                    <am3d:meterPerModelUnit n="6553073" d="1000000"/>
-                    <am3d:preTrans dx="9" dy="-8999683" dz="-344461"/>
-                    <am3d:scale>
-                      <am3d:sx n="1000000" d="1000000"/>
-                      <am3d:sy n="1000000" d="1000000"/>
-                      <am3d:sz n="1000000" d="1000000"/>
-                    </am3d:scale>
-                    <am3d:rot ax="20400000"/>
-                    <am3d:postTrans dx="0" dy="0" dz="0"/>
-                  </am3d:trans>
-                  <am3d:raster rName="Office3DRenderer" rVer="16.0.8326">
-                    <am3d:blip r:embed="rId8"/>
-                  </am3d:raster>
-                  <am3d:objViewport viewportSz="1975750"/>
-                  <am3d:ambientLight>
-                    <am3d:clr>
-                      <a:scrgbClr r="50000" g="50000" b="50000"/>
-                    </am3d:clr>
-                    <am3d:illuminance n="500000" d="1000000"/>
-                  </am3d:ambientLight>
-                  <am3d:ptLight rad="0">
-                    <am3d:clr>
-                      <a:scrgbClr r="100000" g="75000" b="50000"/>
-                    </am3d:clr>
-                    <am3d:intensity n="9765625" d="1000000"/>
-                    <am3d:pos x="21959998" y="70920001" z="16344003"/>
-                  </am3d:ptLight>
-                  <am3d:ptLight rad="0">
-                    <am3d:clr>
-                      <a:scrgbClr r="40000" g="60000" b="95000"/>
-                    </am3d:clr>
-                    <am3d:intensity n="12250000" d="1000000"/>
-                    <am3d:pos x="-37964106" y="51130435" z="57631972"/>
-                  </am3d:ptLight>
-                  <am3d:ptLight rad="0">
-                    <am3d:clr>
-                      <a:scrgbClr r="86837" g="72700" b="100000"/>
-                    </am3d:clr>
-                    <am3d:intensity n="3125000" d="1000000"/>
-                    <am3d:pos x="-37739122" y="58056624" z="-34769649"/>
-                  </am3d:ptLight>
-                </am3d:model3d>
-              </a:graphicData>
-            </a:graphic>
-          </p:graphicFrame>
-        </mc:Choice>
-        <mc:Fallback>
-          <p:pic>
-            <p:nvPicPr>
-              <p:cNvPr id="27" name="Modelo 3D 26" descr="Hemisfério Cinza-Escuro">
-                <a:extLst>
-                  <a:ext uri="{FF2B5EF4-FFF2-40B4-BE49-F238E27FC236}">
-                    <a16:creationId xmlns:a16="http://schemas.microsoft.com/office/drawing/2014/main" id="{84E0CCAB-7D61-4B1B-ACAF-C110CFF4DB82}"/>
-                  </a:ext>
-                </a:extLst>
-              </p:cNvPr>
-              <p:cNvPicPr>
-                <a:picLocks noGrp="1" noRot="1" noChangeAspect="1" noMove="1" noResize="1" noEditPoints="1" noAdjustHandles="1" noChangeArrowheads="1" noChangeShapeType="1" noCrop="1"/>
-              </p:cNvPicPr>
-              <p:nvPr/>
-            </p:nvPicPr>
-            <p:blipFill>
-              <a:blip r:embed="rId8"/>
-              <a:stretch>
-                <a:fillRect/>
-              </a:stretch>
-            </p:blipFill>
-            <p:spPr>
-              <a:xfrm rot="5400000">
-                <a:off x="10612801" y="5407137"/>
-                <a:ext cx="2075634" cy="826092"/>
-              </a:xfrm>
-              <a:prstGeom prst="rect">
-                <a:avLst/>
-              </a:prstGeom>
-            </p:spPr>
-          </p:pic>
-        </mc:Fallback>
-      </mc:AlternateContent>
-      <mc:AlternateContent xmlns:mc="http://schemas.openxmlformats.org/markup-compatibility/2006">
-        <mc:Choice xmlns:am3d="http://schemas.microsoft.com/office/drawing/2017/model3d" Requires="am3d">
-          <p:graphicFrame>
-            <p:nvGraphicFramePr>
-              <p:cNvPr id="28" name="Modelo 3D 27" descr="Hemisfério Cinza-Escuro">
-                <a:extLst>
-                  <a:ext uri="{FF2B5EF4-FFF2-40B4-BE49-F238E27FC236}">
-                    <a16:creationId xmlns:a16="http://schemas.microsoft.com/office/drawing/2014/main" id="{948CADB0-4D79-48E4-9D4B-466FB905F590}"/>
-                  </a:ext>
-                </a:extLst>
-              </p:cNvPr>
-              <p:cNvGraphicFramePr>
-                <a:graphicFrameLocks noChangeAspect="1"/>
-              </p:cNvGraphicFramePr>
-              <p:nvPr>
-                <p:extLst>
-                  <p:ext uri="{D42A27DB-BD31-4B8C-83A1-F6EECF244321}">
-                    <p14:modId xmlns:p14="http://schemas.microsoft.com/office/powerpoint/2010/main" val="3387340600"/>
-                  </p:ext>
-                </p:extLst>
-              </p:nvPr>
-            </p:nvGraphicFramePr>
-            <p:xfrm rot="5400000">
-              <a:off x="10633685" y="3251880"/>
-              <a:ext cx="2075634" cy="826092"/>
-            </p:xfrm>
-            <a:graphic>
-              <a:graphicData uri="http://schemas.microsoft.com/office/drawing/2017/model3d">
-                <am3d:model3d r:embed="rId6">
-                  <am3d:spPr>
-                    <a:xfrm rot="5400000">
-                      <a:off x="0" y="0"/>
-                      <a:ext cx="2075634" cy="826092"/>
-                    </a:xfrm>
-                    <a:prstGeom prst="rect">
-                      <a:avLst/>
-                    </a:prstGeom>
-                  </am3d:spPr>
-                  <am3d:camera>
-                    <am3d:pos x="0" y="0" z="70522459"/>
-                    <am3d:up dx="0" dy="36000000" dz="0"/>
-                    <am3d:lookAt x="0" y="0" z="0"/>
-                    <am3d:perspective fov="2700000"/>
-                  </am3d:camera>
-                  <am3d:trans>
-                    <am3d:meterPerModelUnit n="6553073" d="1000000"/>
-                    <am3d:preTrans dx="9" dy="-8999683" dz="-344461"/>
-                    <am3d:scale>
-                      <am3d:sx n="1000000" d="1000000"/>
-                      <am3d:sy n="1000000" d="1000000"/>
-                      <am3d:sz n="1000000" d="1000000"/>
-                    </am3d:scale>
-                    <am3d:rot ax="20400000"/>
-                    <am3d:postTrans dx="0" dy="0" dz="0"/>
-                  </am3d:trans>
-                  <am3d:raster rName="Office3DRenderer" rVer="16.0.8326">
-                    <am3d:blip r:embed="rId8"/>
-                  </am3d:raster>
-                  <am3d:objViewport viewportSz="1975750"/>
-                  <am3d:ambientLight>
-                    <am3d:clr>
-                      <a:scrgbClr r="50000" g="50000" b="50000"/>
-                    </am3d:clr>
-                    <am3d:illuminance n="500000" d="1000000"/>
-                  </am3d:ambientLight>
-                  <am3d:ptLight rad="0">
-                    <am3d:clr>
-                      <a:scrgbClr r="100000" g="75000" b="50000"/>
-                    </am3d:clr>
-                    <am3d:intensity n="9765625" d="1000000"/>
-                    <am3d:pos x="21959998" y="70920001" z="16344003"/>
-                  </am3d:ptLight>
-                  <am3d:ptLight rad="0">
-                    <am3d:clr>
-                      <a:scrgbClr r="40000" g="60000" b="95000"/>
-                    </am3d:clr>
-                    <am3d:intensity n="12250000" d="1000000"/>
-                    <am3d:pos x="-37964106" y="51130435" z="57631972"/>
-                  </am3d:ptLight>
-                  <am3d:ptLight rad="0">
-                    <am3d:clr>
-                      <a:scrgbClr r="86837" g="72700" b="100000"/>
-                    </am3d:clr>
-                    <am3d:intensity n="3125000" d="1000000"/>
-                    <am3d:pos x="-37739122" y="58056624" z="-34769649"/>
-                  </am3d:ptLight>
-                </am3d:model3d>
-              </a:graphicData>
-            </a:graphic>
-          </p:graphicFrame>
-        </mc:Choice>
-        <mc:Fallback>
-          <p:pic>
-            <p:nvPicPr>
-              <p:cNvPr id="28" name="Modelo 3D 27" descr="Hemisfério Cinza-Escuro">
-                <a:extLst>
-                  <a:ext uri="{FF2B5EF4-FFF2-40B4-BE49-F238E27FC236}">
-                    <a16:creationId xmlns:a16="http://schemas.microsoft.com/office/drawing/2014/main" id="{948CADB0-4D79-48E4-9D4B-466FB905F590}"/>
-                  </a:ext>
-                </a:extLst>
-              </p:cNvPr>
-              <p:cNvPicPr>
-                <a:picLocks noGrp="1" noRot="1" noChangeAspect="1" noMove="1" noResize="1" noEditPoints="1" noAdjustHandles="1" noChangeArrowheads="1" noChangeShapeType="1" noCrop="1"/>
-              </p:cNvPicPr>
-              <p:nvPr/>
-            </p:nvPicPr>
-            <p:blipFill>
-              <a:blip r:embed="rId8"/>
-              <a:stretch>
-                <a:fillRect/>
-              </a:stretch>
-            </p:blipFill>
-            <p:spPr>
-              <a:xfrm rot="5400000">
-                <a:off x="10633685" y="3251880"/>
-                <a:ext cx="2075634" cy="826092"/>
-              </a:xfrm>
-              <a:prstGeom prst="rect">
-                <a:avLst/>
-              </a:prstGeom>
-            </p:spPr>
-          </p:pic>
-        </mc:Fallback>
-      </mc:AlternateContent>
-      <p:sp>
-        <p:nvSpPr>
-          <p:cNvPr id="30" name="Forma livre: Forma 29">
-            <a:extLst>
-              <a:ext uri="{FF2B5EF4-FFF2-40B4-BE49-F238E27FC236}">
-                <a16:creationId xmlns:a16="http://schemas.microsoft.com/office/drawing/2014/main" id="{5B72DE2B-E236-4B14-8FD3-DE7E9957C32F}"/>
-              </a:ext>
-            </a:extLst>
-          </p:cNvPr>
-          <p:cNvSpPr/>
-          <p:nvPr/>
-        </p:nvSpPr>
-        <p:spPr>
-          <a:xfrm>
-            <a:off x="6621346" y="2459705"/>
-            <a:ext cx="4767556" cy="3423755"/>
-          </a:xfrm>
-          <a:custGeom>
-            <a:avLst/>
-            <a:gdLst>
-              <a:gd name="connsiteX0" fmla="*/ 0 w 8620125"/>
-              <a:gd name="connsiteY0" fmla="*/ 1164691 h 4031716"/>
-              <a:gd name="connsiteX1" fmla="*/ 619125 w 8620125"/>
-              <a:gd name="connsiteY1" fmla="*/ 88366 h 4031716"/>
-              <a:gd name="connsiteX2" fmla="*/ 2609850 w 8620125"/>
-              <a:gd name="connsiteY2" fmla="*/ 3212566 h 4031716"/>
-              <a:gd name="connsiteX3" fmla="*/ 8620125 w 8620125"/>
-              <a:gd name="connsiteY3" fmla="*/ 4031716 h 4031716"/>
-            </a:gdLst>
-            <a:ahLst/>
-            <a:cxnLst>
-              <a:cxn ang="0">
-                <a:pos x="connsiteX0" y="connsiteY0"/>
-              </a:cxn>
-              <a:cxn ang="0">
-                <a:pos x="connsiteX1" y="connsiteY1"/>
-              </a:cxn>
-              <a:cxn ang="0">
-                <a:pos x="connsiteX2" y="connsiteY2"/>
-              </a:cxn>
-              <a:cxn ang="0">
-                <a:pos x="connsiteX3" y="connsiteY3"/>
-              </a:cxn>
-            </a:cxnLst>
-            <a:rect l="l" t="t" r="r" b="b"/>
-            <a:pathLst>
-              <a:path w="8620125" h="4031716">
-                <a:moveTo>
-                  <a:pt x="0" y="1164691"/>
-                </a:moveTo>
-                <a:cubicBezTo>
-                  <a:pt x="92075" y="455872"/>
-                  <a:pt x="184150" y="-252947"/>
-                  <a:pt x="619125" y="88366"/>
-                </a:cubicBezTo>
-                <a:cubicBezTo>
-                  <a:pt x="1054100" y="429678"/>
-                  <a:pt x="1276350" y="2555341"/>
-                  <a:pt x="2609850" y="3212566"/>
-                </a:cubicBezTo>
-                <a:cubicBezTo>
-                  <a:pt x="3943350" y="3869791"/>
-                  <a:pt x="7469188" y="3893604"/>
-                  <a:pt x="8620125" y="4031716"/>
-                </a:cubicBezTo>
-              </a:path>
-            </a:pathLst>
-          </a:custGeom>
-          <a:ln w="127000"/>
-        </p:spPr>
-        <p:style>
-          <a:lnRef idx="1">
-            <a:schemeClr val="accent4"/>
-          </a:lnRef>
-          <a:fillRef idx="0">
-            <a:schemeClr val="accent4"/>
-          </a:fillRef>
-          <a:effectRef idx="0">
-            <a:schemeClr val="accent4"/>
-          </a:effectRef>
-          <a:fontRef idx="minor">
-            <a:schemeClr val="tx1"/>
-          </a:fontRef>
-        </p:style>
-        <p:txBody>
-          <a:bodyPr rtlCol="0" anchor="ctr"/>
-          <a:lstStyle/>
-          <a:p>
-            <a:pPr algn="ctr"/>
-            <a:endParaRPr lang="en-GB"/>
-          </a:p>
-        </p:txBody>
-      </p:sp>
-      <p:sp>
-        <p:nvSpPr>
-          <p:cNvPr id="31" name="Forma livre: Forma 30">
-            <a:extLst>
-              <a:ext uri="{FF2B5EF4-FFF2-40B4-BE49-F238E27FC236}">
-                <a16:creationId xmlns:a16="http://schemas.microsoft.com/office/drawing/2014/main" id="{7E21EA44-544A-46DB-98FC-767DC6B9D342}"/>
-              </a:ext>
-            </a:extLst>
-          </p:cNvPr>
-          <p:cNvSpPr/>
-          <p:nvPr/>
-        </p:nvSpPr>
-        <p:spPr>
-          <a:xfrm>
-            <a:off x="7288281" y="3331722"/>
-            <a:ext cx="4100620" cy="1933550"/>
-          </a:xfrm>
-          <a:custGeom>
-            <a:avLst/>
-            <a:gdLst>
-              <a:gd name="connsiteX0" fmla="*/ 630675 w 7555350"/>
-              <a:gd name="connsiteY0" fmla="*/ 0 h 2762267"/>
-              <a:gd name="connsiteX1" fmla="*/ 68700 w 7555350"/>
-              <a:gd name="connsiteY1" fmla="*/ 666750 h 2762267"/>
-              <a:gd name="connsiteX2" fmla="*/ 2021325 w 7555350"/>
-              <a:gd name="connsiteY2" fmla="*/ 704850 h 2762267"/>
-              <a:gd name="connsiteX3" fmla="*/ 1830825 w 7555350"/>
-              <a:gd name="connsiteY3" fmla="*/ 2743200 h 2762267"/>
-              <a:gd name="connsiteX4" fmla="*/ 5936100 w 7555350"/>
-              <a:gd name="connsiteY4" fmla="*/ 1666875 h 2762267"/>
-              <a:gd name="connsiteX5" fmla="*/ 7555350 w 7555350"/>
-              <a:gd name="connsiteY5" fmla="*/ 685800 h 2762267"/>
-            </a:gdLst>
-            <a:ahLst/>
-            <a:cxnLst>
-              <a:cxn ang="0">
-                <a:pos x="connsiteX0" y="connsiteY0"/>
-              </a:cxn>
-              <a:cxn ang="0">
-                <a:pos x="connsiteX1" y="connsiteY1"/>
-              </a:cxn>
-              <a:cxn ang="0">
-                <a:pos x="connsiteX2" y="connsiteY2"/>
-              </a:cxn>
-              <a:cxn ang="0">
-                <a:pos x="connsiteX3" y="connsiteY3"/>
-              </a:cxn>
-              <a:cxn ang="0">
-                <a:pos x="connsiteX4" y="connsiteY4"/>
-              </a:cxn>
-              <a:cxn ang="0">
-                <a:pos x="connsiteX5" y="connsiteY5"/>
-              </a:cxn>
-            </a:cxnLst>
-            <a:rect l="l" t="t" r="r" b="b"/>
-            <a:pathLst>
-              <a:path w="7555350" h="2762267">
-                <a:moveTo>
-                  <a:pt x="630675" y="0"/>
-                </a:moveTo>
-                <a:cubicBezTo>
-                  <a:pt x="233800" y="274637"/>
-                  <a:pt x="-163075" y="549275"/>
-                  <a:pt x="68700" y="666750"/>
-                </a:cubicBezTo>
-                <a:cubicBezTo>
-                  <a:pt x="300475" y="784225"/>
-                  <a:pt x="1727637" y="358775"/>
-                  <a:pt x="2021325" y="704850"/>
-                </a:cubicBezTo>
-                <a:cubicBezTo>
-                  <a:pt x="2315013" y="1050925"/>
-                  <a:pt x="1178363" y="2582863"/>
-                  <a:pt x="1830825" y="2743200"/>
-                </a:cubicBezTo>
-                <a:cubicBezTo>
-                  <a:pt x="2483287" y="2903537"/>
-                  <a:pt x="4982013" y="2009775"/>
-                  <a:pt x="5936100" y="1666875"/>
-                </a:cubicBezTo>
-                <a:cubicBezTo>
-                  <a:pt x="6890187" y="1323975"/>
-                  <a:pt x="7222768" y="1004887"/>
-                  <a:pt x="7555350" y="685800"/>
-                </a:cubicBezTo>
-              </a:path>
-            </a:pathLst>
-          </a:custGeom>
-          <a:noFill/>
-          <a:ln w="127000">
-            <a:solidFill>
-              <a:srgbClr val="FFC000"/>
-            </a:solidFill>
-          </a:ln>
-        </p:spPr>
-        <p:style>
-          <a:lnRef idx="2">
-            <a:schemeClr val="accent1">
-              <a:shade val="50000"/>
-            </a:schemeClr>
-          </a:lnRef>
-          <a:fillRef idx="1">
-            <a:schemeClr val="accent1"/>
-          </a:fillRef>
-          <a:effectRef idx="0">
-            <a:schemeClr val="accent1"/>
-          </a:effectRef>
-          <a:fontRef idx="minor">
-            <a:schemeClr val="lt1"/>
-          </a:fontRef>
-        </p:style>
-        <p:txBody>
-          <a:bodyPr rtlCol="0" anchor="ctr"/>
-          <a:lstStyle/>
-          <a:p>
-            <a:pPr algn="ctr"/>
-            <a:endParaRPr lang="en-GB"/>
-          </a:p>
-        </p:txBody>
-      </p:sp>
-      <mc:AlternateContent xmlns:mc="http://schemas.openxmlformats.org/markup-compatibility/2006">
-        <mc:Choice xmlns:am3d="http://schemas.microsoft.com/office/drawing/2017/model3d" Requires="am3d">
-          <p:graphicFrame>
-            <p:nvGraphicFramePr>
-              <p:cNvPr id="35" name="Modelo 3D 34" descr="Cuboide Cinza-Escuro">
-                <a:extLst>
-                  <a:ext uri="{FF2B5EF4-FFF2-40B4-BE49-F238E27FC236}">
-                    <a16:creationId xmlns:a16="http://schemas.microsoft.com/office/drawing/2014/main" id="{CD476A95-7313-42E0-866F-47084F20620C}"/>
-                  </a:ext>
-                </a:extLst>
-              </p:cNvPr>
-              <p:cNvGraphicFramePr>
-                <a:graphicFrameLocks noChangeAspect="1"/>
-              </p:cNvGraphicFramePr>
-              <p:nvPr>
-                <p:extLst>
-                  <p:ext uri="{D42A27DB-BD31-4B8C-83A1-F6EECF244321}">
-                    <p14:modId xmlns:p14="http://schemas.microsoft.com/office/powerpoint/2010/main" val="3181277222"/>
-                  </p:ext>
-                </p:extLst>
-              </p:nvPr>
-            </p:nvGraphicFramePr>
-            <p:xfrm rot="20459994">
-              <a:off x="8007989" y="3453306"/>
-              <a:ext cx="731822" cy="680565"/>
-            </p:xfrm>
-            <a:graphic>
-              <a:graphicData uri="http://schemas.microsoft.com/office/drawing/2017/model3d">
-                <am3d:model3d r:embed="rId2">
-                  <am3d:spPr>
-                    <a:xfrm rot="20459994">
-                      <a:off x="0" y="0"/>
-                      <a:ext cx="731822" cy="680565"/>
-                    </a:xfrm>
-                    <a:prstGeom prst="rect">
-                      <a:avLst/>
-                    </a:prstGeom>
-                  </am3d:spPr>
-                  <am3d:camera>
-                    <am3d:pos x="0" y="0" z="57664451"/>
-                    <am3d:up dx="0" dy="36000000" dz="0"/>
-                    <am3d:lookAt x="0" y="0" z="0"/>
-                    <am3d:perspective fov="2700000"/>
-                  </am3d:camera>
-                  <am3d:trans>
-                    <am3d:meterPerModelUnit n="4361393" d="1000000"/>
-                    <am3d:preTrans dx="0" dy="-6493603" dz="0"/>
-                    <am3d:scale>
-                      <am3d:sx n="1000000" d="1000000"/>
-                      <am3d:sy n="1000000" d="1000000"/>
-                      <am3d:sz n="1000000" d="1000000"/>
-                    </am3d:scale>
-                    <am3d:rot ax="1365312" ay="-3692226" az="-1214454"/>
-                    <am3d:postTrans dx="0" dy="0" dz="0"/>
-                  </am3d:trans>
-                  <am3d:raster rName="Office3DRenderer" rVer="16.0.8326">
-                    <am3d:blip r:embed="rId9"/>
-                  </am3d:raster>
-                  <am3d:objViewport viewportSz="789261"/>
-                  <am3d:ambientLight>
-                    <am3d:clr>
-                      <a:scrgbClr r="50000" g="50000" b="50000"/>
-                    </am3d:clr>
-                    <am3d:illuminance n="500000" d="1000000"/>
-                  </am3d:ambientLight>
-                  <am3d:ptLight rad="0">
-                    <am3d:clr>
-                      <a:scrgbClr r="100000" g="75000" b="50000"/>
-                    </am3d:clr>
-                    <am3d:intensity n="9765625" d="1000000"/>
-                    <am3d:pos x="21959998" y="70920001" z="16344003"/>
-                  </am3d:ptLight>
-                  <am3d:ptLight rad="0">
-                    <am3d:clr>
-                      <a:scrgbClr r="40000" g="60000" b="95000"/>
-                    </am3d:clr>
-                    <am3d:intensity n="12250000" d="1000000"/>
-                    <am3d:pos x="-37964106" y="51130435" z="57631972"/>
-                  </am3d:ptLight>
-                  <am3d:ptLight rad="0">
-                    <am3d:clr>
-                      <a:scrgbClr r="86837" g="72700" b="100000"/>
-                    </am3d:clr>
-                    <am3d:intensity n="3125000" d="1000000"/>
-                    <am3d:pos x="-37739122" y="58056624" z="-34769649"/>
-                  </am3d:ptLight>
-                </am3d:model3d>
-              </a:graphicData>
-            </a:graphic>
-          </p:graphicFrame>
-        </mc:Choice>
-        <mc:Fallback>
-          <p:pic>
-            <p:nvPicPr>
-              <p:cNvPr id="35" name="Modelo 3D 34" descr="Cuboide Cinza-Escuro">
-                <a:extLst>
-                  <a:ext uri="{FF2B5EF4-FFF2-40B4-BE49-F238E27FC236}">
-                    <a16:creationId xmlns:a16="http://schemas.microsoft.com/office/drawing/2014/main" id="{CD476A95-7313-42E0-866F-47084F20620C}"/>
-                  </a:ext>
-                </a:extLst>
-              </p:cNvPr>
-              <p:cNvPicPr>
-                <a:picLocks noGrp="1" noRot="1" noChangeAspect="1" noMove="1" noResize="1" noEditPoints="1" noAdjustHandles="1" noChangeArrowheads="1" noChangeShapeType="1" noCrop="1"/>
-              </p:cNvPicPr>
-              <p:nvPr/>
-            </p:nvPicPr>
-            <p:blipFill>
-              <a:blip r:embed="rId9"/>
-              <a:stretch>
-                <a:fillRect/>
-              </a:stretch>
-            </p:blipFill>
-            <p:spPr>
-              <a:xfrm rot="20459994">
-                <a:off x="8007989" y="3453306"/>
-                <a:ext cx="731822" cy="680565"/>
-              </a:xfrm>
-              <a:prstGeom prst="rect">
-                <a:avLst/>
-              </a:prstGeom>
-            </p:spPr>
-          </p:pic>
-        </mc:Fallback>
-      </mc:AlternateContent>
-      <p:sp>
-        <p:nvSpPr>
-          <p:cNvPr id="41" name="Retângulo 40">
-            <a:extLst>
-              <a:ext uri="{FF2B5EF4-FFF2-40B4-BE49-F238E27FC236}">
-                <a16:creationId xmlns:a16="http://schemas.microsoft.com/office/drawing/2014/main" id="{1044C7DB-10A5-4A4A-8A69-80C92F5516A3}"/>
-              </a:ext>
-            </a:extLst>
-          </p:cNvPr>
-          <p:cNvSpPr/>
-          <p:nvPr/>
-        </p:nvSpPr>
-        <p:spPr>
-          <a:xfrm>
-            <a:off x="368968" y="946484"/>
-            <a:ext cx="5349048" cy="3835882"/>
-          </a:xfrm>
-          <a:prstGeom prst="rect">
-            <a:avLst/>
-          </a:prstGeom>
-          <a:noFill/>
-          <a:ln w="9525" cap="flat" cmpd="sng" algn="ctr">
-            <a:solidFill>
-              <a:schemeClr val="dk1"/>
-            </a:solidFill>
-            <a:prstDash val="dashDot"/>
-            <a:round/>
-            <a:headEnd type="none" w="med" len="med"/>
-            <a:tailEnd type="none" w="med" len="med"/>
-          </a:ln>
-        </p:spPr>
-        <p:style>
-          <a:lnRef idx="0">
-            <a:scrgbClr r="0" g="0" b="0"/>
-          </a:lnRef>
-          <a:fillRef idx="0">
-            <a:scrgbClr r="0" g="0" b="0"/>
-          </a:fillRef>
-          <a:effectRef idx="0">
-            <a:scrgbClr r="0" g="0" b="0"/>
-          </a:effectRef>
-          <a:fontRef idx="minor">
-            <a:schemeClr val="dk1"/>
-          </a:fontRef>
-        </p:style>
-        <p:txBody>
-          <a:bodyPr rtlCol="0" anchor="ctr"/>
-          <a:lstStyle/>
-          <a:p>
-            <a:pPr algn="ctr"/>
-            <a:endParaRPr lang="en-GB"/>
-          </a:p>
-        </p:txBody>
-      </p:sp>
-      <p:sp>
-        <p:nvSpPr>
-          <p:cNvPr id="42" name="Retângulo 41">
-            <a:extLst>
-              <a:ext uri="{FF2B5EF4-FFF2-40B4-BE49-F238E27FC236}">
-                <a16:creationId xmlns:a16="http://schemas.microsoft.com/office/drawing/2014/main" id="{C2F6895E-CB3E-4942-AB4D-A1330623A524}"/>
-              </a:ext>
-            </a:extLst>
-          </p:cNvPr>
-          <p:cNvSpPr/>
-          <p:nvPr/>
-        </p:nvSpPr>
-        <p:spPr>
-          <a:xfrm>
-            <a:off x="6392778" y="938464"/>
-            <a:ext cx="5691770" cy="5702968"/>
-          </a:xfrm>
-          <a:prstGeom prst="rect">
-            <a:avLst/>
-          </a:prstGeom>
-          <a:noFill/>
-          <a:ln w="9525" cap="flat" cmpd="sng" algn="ctr">
-            <a:solidFill>
-              <a:schemeClr val="dk1"/>
-            </a:solidFill>
-            <a:prstDash val="dashDot"/>
-            <a:round/>
-            <a:headEnd type="none" w="med" len="med"/>
-            <a:tailEnd type="none" w="med" len="med"/>
-          </a:ln>
-        </p:spPr>
-        <p:style>
-          <a:lnRef idx="0">
-            <a:scrgbClr r="0" g="0" b="0"/>
-          </a:lnRef>
-          <a:fillRef idx="0">
-            <a:scrgbClr r="0" g="0" b="0"/>
-          </a:fillRef>
-          <a:effectRef idx="0">
-            <a:scrgbClr r="0" g="0" b="0"/>
-          </a:effectRef>
-          <a:fontRef idx="minor">
-            <a:schemeClr val="dk1"/>
-          </a:fontRef>
-        </p:style>
-        <p:txBody>
-          <a:bodyPr rtlCol="0" anchor="ctr"/>
-          <a:lstStyle/>
-          <a:p>
-            <a:pPr algn="ctr"/>
-            <a:endParaRPr lang="en-GB"/>
-          </a:p>
-        </p:txBody>
-      </p:sp>
-      <p:sp>
-        <p:nvSpPr>
-          <p:cNvPr id="43" name="CaixaDeTexto 42">
-            <a:extLst>
-              <a:ext uri="{FF2B5EF4-FFF2-40B4-BE49-F238E27FC236}">
-                <a16:creationId xmlns:a16="http://schemas.microsoft.com/office/drawing/2014/main" id="{A2E492A1-082D-4F9D-B8E2-9ACC85032C33}"/>
-              </a:ext>
-            </a:extLst>
-          </p:cNvPr>
-          <p:cNvSpPr txBox="1"/>
-          <p:nvPr/>
-        </p:nvSpPr>
-        <p:spPr>
-          <a:xfrm>
-            <a:off x="1682373" y="3188414"/>
-            <a:ext cx="1019831" cy="553998"/>
-          </a:xfrm>
-          <a:prstGeom prst="rect">
-            <a:avLst/>
-          </a:prstGeom>
-          <a:noFill/>
-        </p:spPr>
-        <p:txBody>
-          <a:bodyPr wrap="none" rtlCol="0">
-            <a:spAutoFit/>
-          </a:bodyPr>
-          <a:lstStyle/>
-          <a:p>
-            <a:r>
-              <a:rPr lang="en-GB" sz="3000" b="1" dirty="0"/>
-              <a:t>Laser</a:t>
-            </a:r>
-          </a:p>
-        </p:txBody>
-      </p:sp>
-      <p:sp>
-        <p:nvSpPr>
-          <p:cNvPr id="44" name="CaixaDeTexto 43">
-            <a:extLst>
-              <a:ext uri="{FF2B5EF4-FFF2-40B4-BE49-F238E27FC236}">
-                <a16:creationId xmlns:a16="http://schemas.microsoft.com/office/drawing/2014/main" id="{0EDA8795-CA94-4B3A-85AF-B784E65A4DC7}"/>
-              </a:ext>
-            </a:extLst>
-          </p:cNvPr>
-          <p:cNvSpPr txBox="1"/>
-          <p:nvPr/>
-        </p:nvSpPr>
-        <p:spPr>
-          <a:xfrm>
-            <a:off x="3744082" y="3132944"/>
-            <a:ext cx="1892569" cy="1015663"/>
-          </a:xfrm>
-          <a:prstGeom prst="rect">
-            <a:avLst/>
-          </a:prstGeom>
-          <a:noFill/>
-        </p:spPr>
-        <p:txBody>
-          <a:bodyPr wrap="none" rtlCol="0">
-            <a:spAutoFit/>
-          </a:bodyPr>
-          <a:lstStyle/>
-          <a:p>
-            <a:pPr algn="ctr"/>
-            <a:r>
-              <a:rPr lang="en-GB" sz="3000" b="1" dirty="0"/>
-              <a:t>Variable</a:t>
-            </a:r>
-          </a:p>
-          <a:p>
-            <a:pPr algn="ctr"/>
-            <a:r>
-              <a:rPr lang="en-GB" sz="3000" b="1" dirty="0"/>
-              <a:t>attenuator</a:t>
-            </a:r>
-          </a:p>
-        </p:txBody>
-      </p:sp>
-      <p:sp>
-        <p:nvSpPr>
-          <p:cNvPr id="45" name="CaixaDeTexto 44">
-            <a:extLst>
-              <a:ext uri="{FF2B5EF4-FFF2-40B4-BE49-F238E27FC236}">
-                <a16:creationId xmlns:a16="http://schemas.microsoft.com/office/drawing/2014/main" id="{41B2B460-2F07-4FEC-8260-4751DECA1761}"/>
-              </a:ext>
-            </a:extLst>
-          </p:cNvPr>
-          <p:cNvSpPr txBox="1"/>
-          <p:nvPr/>
-        </p:nvSpPr>
-        <p:spPr>
-          <a:xfrm>
-            <a:off x="10657930" y="1415764"/>
-            <a:ext cx="570990" cy="553998"/>
-          </a:xfrm>
-          <a:prstGeom prst="rect">
-            <a:avLst/>
-          </a:prstGeom>
-          <a:noFill/>
-        </p:spPr>
-        <p:txBody>
-          <a:bodyPr wrap="none" rtlCol="0">
-            <a:spAutoFit/>
-          </a:bodyPr>
-          <a:lstStyle/>
-          <a:p>
-            <a:r>
-              <a:rPr lang="en-GB" sz="3000" b="1" dirty="0"/>
-              <a:t>D</a:t>
-            </a:r>
-            <a:r>
-              <a:rPr lang="en-GB" sz="3000" b="1" baseline="-25000" dirty="0"/>
-              <a:t>B</a:t>
-            </a:r>
-          </a:p>
-        </p:txBody>
-      </p:sp>
-      <p:sp>
-        <p:nvSpPr>
-          <p:cNvPr id="46" name="CaixaDeTexto 45">
-            <a:extLst>
-              <a:ext uri="{FF2B5EF4-FFF2-40B4-BE49-F238E27FC236}">
-                <a16:creationId xmlns:a16="http://schemas.microsoft.com/office/drawing/2014/main" id="{A5C0B0EF-0064-4901-A045-486687A3A031}"/>
-              </a:ext>
-            </a:extLst>
-          </p:cNvPr>
-          <p:cNvSpPr txBox="1"/>
-          <p:nvPr/>
-        </p:nvSpPr>
-        <p:spPr>
-          <a:xfrm>
-            <a:off x="11279739" y="2433854"/>
-            <a:ext cx="780983" cy="553998"/>
-          </a:xfrm>
-          <a:prstGeom prst="rect">
-            <a:avLst/>
-          </a:prstGeom>
-          <a:noFill/>
-        </p:spPr>
-        <p:txBody>
-          <a:bodyPr wrap="none" rtlCol="0">
-            <a:spAutoFit/>
-          </a:bodyPr>
-          <a:lstStyle/>
-          <a:p>
-            <a:r>
-              <a:rPr lang="en-GB" sz="3000" b="1" dirty="0"/>
-              <a:t>D</a:t>
-            </a:r>
-            <a:r>
-              <a:rPr lang="en-GB" sz="3000" b="1" baseline="-25000" dirty="0"/>
-              <a:t>M1</a:t>
-            </a:r>
-          </a:p>
-        </p:txBody>
-      </p:sp>
-      <p:sp>
-        <p:nvSpPr>
-          <p:cNvPr id="47" name="CaixaDeTexto 46">
-            <a:extLst>
-              <a:ext uri="{FF2B5EF4-FFF2-40B4-BE49-F238E27FC236}">
-                <a16:creationId xmlns:a16="http://schemas.microsoft.com/office/drawing/2014/main" id="{8973744B-C158-45F6-B7DA-10886371E7AD}"/>
-              </a:ext>
-            </a:extLst>
-          </p:cNvPr>
-          <p:cNvSpPr txBox="1"/>
-          <p:nvPr/>
-        </p:nvSpPr>
-        <p:spPr>
-          <a:xfrm>
-            <a:off x="11287761" y="4751941"/>
-            <a:ext cx="780983" cy="553998"/>
-          </a:xfrm>
-          <a:prstGeom prst="rect">
-            <a:avLst/>
-          </a:prstGeom>
-          <a:noFill/>
-        </p:spPr>
-        <p:txBody>
-          <a:bodyPr wrap="none" rtlCol="0">
-            <a:spAutoFit/>
-          </a:bodyPr>
-          <a:lstStyle/>
-          <a:p>
-            <a:r>
-              <a:rPr lang="en-GB" sz="3000" b="1" dirty="0"/>
-              <a:t>D</a:t>
-            </a:r>
-            <a:r>
-              <a:rPr lang="en-GB" sz="3000" b="1" baseline="-25000" dirty="0"/>
-              <a:t>M2</a:t>
-            </a:r>
-          </a:p>
-        </p:txBody>
-      </p:sp>
-      <p:sp>
-        <p:nvSpPr>
-          <p:cNvPr id="48" name="CaixaDeTexto 47">
-            <a:extLst>
-              <a:ext uri="{FF2B5EF4-FFF2-40B4-BE49-F238E27FC236}">
-                <a16:creationId xmlns:a16="http://schemas.microsoft.com/office/drawing/2014/main" id="{A2AB5F69-AF24-421C-A1FA-6D69BC18C10F}"/>
-              </a:ext>
-            </a:extLst>
-          </p:cNvPr>
-          <p:cNvSpPr txBox="1"/>
-          <p:nvPr/>
-        </p:nvSpPr>
-        <p:spPr>
-          <a:xfrm>
-            <a:off x="8670748" y="3188414"/>
-            <a:ext cx="1186543" cy="553998"/>
-          </a:xfrm>
-          <a:prstGeom prst="rect">
-            <a:avLst/>
-          </a:prstGeom>
-          <a:noFill/>
-        </p:spPr>
-        <p:txBody>
-          <a:bodyPr wrap="none" rtlCol="0">
-            <a:spAutoFit/>
-          </a:bodyPr>
-          <a:lstStyle/>
-          <a:p>
-            <a:r>
-              <a:rPr lang="en-GB" sz="3000" b="1" dirty="0"/>
-              <a:t>0.5 </a:t>
-            </a:r>
-            <a:r>
-              <a:rPr lang="en-GB" sz="3000" b="1" dirty="0" err="1"/>
-              <a:t>t</a:t>
-            </a:r>
-            <a:r>
-              <a:rPr lang="en-GB" sz="3000" b="1" baseline="-25000" dirty="0" err="1"/>
-              <a:t>bit</a:t>
-            </a:r>
-            <a:endParaRPr lang="en-GB" sz="3000" b="1" baseline="-25000" dirty="0"/>
-          </a:p>
-        </p:txBody>
-      </p:sp>
-      <p:sp>
-        <p:nvSpPr>
-          <p:cNvPr id="49" name="CaixaDeTexto 48">
-            <a:extLst>
-              <a:ext uri="{FF2B5EF4-FFF2-40B4-BE49-F238E27FC236}">
-                <a16:creationId xmlns:a16="http://schemas.microsoft.com/office/drawing/2014/main" id="{DF00DC78-493F-4A09-881D-ECC652B928CC}"/>
-              </a:ext>
-            </a:extLst>
-          </p:cNvPr>
-          <p:cNvSpPr txBox="1"/>
-          <p:nvPr/>
-        </p:nvSpPr>
-        <p:spPr>
-          <a:xfrm>
-            <a:off x="7020565" y="1719990"/>
-            <a:ext cx="461986" cy="553998"/>
-          </a:xfrm>
-          <a:prstGeom prst="rect">
-            <a:avLst/>
-          </a:prstGeom>
-          <a:noFill/>
-        </p:spPr>
-        <p:txBody>
-          <a:bodyPr wrap="none" rtlCol="0">
-            <a:spAutoFit/>
-          </a:bodyPr>
-          <a:lstStyle/>
-          <a:p>
-            <a:r>
-              <a:rPr lang="en-GB" sz="3000" b="1" dirty="0" err="1"/>
-              <a:t>t</a:t>
-            </a:r>
-            <a:r>
-              <a:rPr lang="en-GB" sz="3000" b="1" baseline="-25000" dirty="0" err="1"/>
-              <a:t>B</a:t>
-            </a:r>
-            <a:endParaRPr lang="en-GB" sz="3000" b="1" baseline="-25000" dirty="0"/>
-          </a:p>
-        </p:txBody>
-      </p:sp>
-      <p:sp>
-        <p:nvSpPr>
-          <p:cNvPr id="50" name="CaixaDeTexto 49">
-            <a:extLst>
-              <a:ext uri="{FF2B5EF4-FFF2-40B4-BE49-F238E27FC236}">
-                <a16:creationId xmlns:a16="http://schemas.microsoft.com/office/drawing/2014/main" id="{F1C44298-1642-4EAC-8D47-A952D30FC8D6}"/>
-              </a:ext>
-            </a:extLst>
-          </p:cNvPr>
-          <p:cNvSpPr txBox="1"/>
-          <p:nvPr/>
-        </p:nvSpPr>
-        <p:spPr>
-          <a:xfrm>
-            <a:off x="7119181" y="2592007"/>
-            <a:ext cx="774571" cy="553998"/>
-          </a:xfrm>
-          <a:prstGeom prst="rect">
-            <a:avLst/>
-          </a:prstGeom>
-          <a:noFill/>
-        </p:spPr>
-        <p:txBody>
-          <a:bodyPr wrap="none" rtlCol="0">
-            <a:spAutoFit/>
-          </a:bodyPr>
-          <a:lstStyle/>
-          <a:p>
-            <a:r>
-              <a:rPr lang="en-GB" sz="3000" b="1" dirty="0"/>
-              <a:t>1-t</a:t>
-            </a:r>
-            <a:r>
-              <a:rPr lang="en-GB" sz="3000" b="1" baseline="-25000" dirty="0"/>
-              <a:t>B</a:t>
-            </a:r>
-          </a:p>
-        </p:txBody>
-      </p:sp>
     </p:spTree>
     <p:extLst>
       <p:ext uri="{BB962C8B-B14F-4D97-AF65-F5344CB8AC3E}">
-        <p14:creationId xmlns:p14="http://schemas.microsoft.com/office/powerpoint/2010/main" val="4279915656"/>
+        <p14:creationId xmlns:p14="http://schemas.microsoft.com/office/powerpoint/2010/main" val="1703294545"/>
       </p:ext>
     </p:extLst>
   </p:cSld>

--- a/doc/tex/sdf/tq_76558_cow_protocol/figures_raw/Full2.pptx
+++ b/doc/tex/sdf/tq_76558_cow_protocol/figures_raw/Full2.pptx
@@ -268,7 +268,7 @@
           <a:p>
             <a:fld id="{B8F5C3C8-5F51-4191-BFCC-D40874AC55AA}" type="datetimeFigureOut">
               <a:rPr lang="en-GB" smtClean="0"/>
-              <a:t>29/10/2018</a:t>
+              <a:t>30/10/2018</a:t>
             </a:fld>
             <a:endParaRPr lang="en-GB"/>
           </a:p>
@@ -468,7 +468,7 @@
           <a:p>
             <a:fld id="{B8F5C3C8-5F51-4191-BFCC-D40874AC55AA}" type="datetimeFigureOut">
               <a:rPr lang="en-GB" smtClean="0"/>
-              <a:t>29/10/2018</a:t>
+              <a:t>30/10/2018</a:t>
             </a:fld>
             <a:endParaRPr lang="en-GB"/>
           </a:p>
@@ -678,7 +678,7 @@
           <a:p>
             <a:fld id="{B8F5C3C8-5F51-4191-BFCC-D40874AC55AA}" type="datetimeFigureOut">
               <a:rPr lang="en-GB" smtClean="0"/>
-              <a:t>29/10/2018</a:t>
+              <a:t>30/10/2018</a:t>
             </a:fld>
             <a:endParaRPr lang="en-GB"/>
           </a:p>
@@ -878,7 +878,7 @@
           <a:p>
             <a:fld id="{B8F5C3C8-5F51-4191-BFCC-D40874AC55AA}" type="datetimeFigureOut">
               <a:rPr lang="en-GB" smtClean="0"/>
-              <a:t>29/10/2018</a:t>
+              <a:t>30/10/2018</a:t>
             </a:fld>
             <a:endParaRPr lang="en-GB"/>
           </a:p>
@@ -1154,7 +1154,7 @@
           <a:p>
             <a:fld id="{B8F5C3C8-5F51-4191-BFCC-D40874AC55AA}" type="datetimeFigureOut">
               <a:rPr lang="en-GB" smtClean="0"/>
-              <a:t>29/10/2018</a:t>
+              <a:t>30/10/2018</a:t>
             </a:fld>
             <a:endParaRPr lang="en-GB"/>
           </a:p>
@@ -1422,7 +1422,7 @@
           <a:p>
             <a:fld id="{B8F5C3C8-5F51-4191-BFCC-D40874AC55AA}" type="datetimeFigureOut">
               <a:rPr lang="en-GB" smtClean="0"/>
-              <a:t>29/10/2018</a:t>
+              <a:t>30/10/2018</a:t>
             </a:fld>
             <a:endParaRPr lang="en-GB"/>
           </a:p>
@@ -1837,7 +1837,7 @@
           <a:p>
             <a:fld id="{B8F5C3C8-5F51-4191-BFCC-D40874AC55AA}" type="datetimeFigureOut">
               <a:rPr lang="en-GB" smtClean="0"/>
-              <a:t>29/10/2018</a:t>
+              <a:t>30/10/2018</a:t>
             </a:fld>
             <a:endParaRPr lang="en-GB"/>
           </a:p>
@@ -1979,7 +1979,7 @@
           <a:p>
             <a:fld id="{B8F5C3C8-5F51-4191-BFCC-D40874AC55AA}" type="datetimeFigureOut">
               <a:rPr lang="en-GB" smtClean="0"/>
-              <a:t>29/10/2018</a:t>
+              <a:t>30/10/2018</a:t>
             </a:fld>
             <a:endParaRPr lang="en-GB"/>
           </a:p>
@@ -2092,7 +2092,7 @@
           <a:p>
             <a:fld id="{B8F5C3C8-5F51-4191-BFCC-D40874AC55AA}" type="datetimeFigureOut">
               <a:rPr lang="en-GB" smtClean="0"/>
-              <a:t>29/10/2018</a:t>
+              <a:t>30/10/2018</a:t>
             </a:fld>
             <a:endParaRPr lang="en-GB"/>
           </a:p>
@@ -2405,7 +2405,7 @@
           <a:p>
             <a:fld id="{B8F5C3C8-5F51-4191-BFCC-D40874AC55AA}" type="datetimeFigureOut">
               <a:rPr lang="en-GB" smtClean="0"/>
-              <a:t>29/10/2018</a:t>
+              <a:t>30/10/2018</a:t>
             </a:fld>
             <a:endParaRPr lang="en-GB"/>
           </a:p>
@@ -2694,7 +2694,7 @@
           <a:p>
             <a:fld id="{B8F5C3C8-5F51-4191-BFCC-D40874AC55AA}" type="datetimeFigureOut">
               <a:rPr lang="en-GB" smtClean="0"/>
-              <a:t>29/10/2018</a:t>
+              <a:t>30/10/2018</a:t>
             </a:fld>
             <a:endParaRPr lang="en-GB"/>
           </a:p>
@@ -2942,7 +2942,7 @@
           <a:p>
             <a:fld id="{B8F5C3C8-5F51-4191-BFCC-D40874AC55AA}" type="datetimeFigureOut">
               <a:rPr lang="en-GB" smtClean="0"/>
-              <a:t>29/10/2018</a:t>
+              <a:t>30/10/2018</a:t>
             </a:fld>
             <a:endParaRPr lang="en-GB"/>
           </a:p>
@@ -4428,7 +4428,7 @@
                       <am3d:postTrans dx="0" dy="0" dz="0"/>
                     </am3d:trans>
                     <am3d:raster rName="Office3DRenderer" rVer="16.0.8326">
-                      <am3d:blip r:embed="rId9"/>
+                      <am3d:blip r:embed="rId10"/>
                     </am3d:raster>
                     <am3d:objViewport viewportSz="1615893"/>
                     <am3d:ambientLight>
@@ -4592,7 +4592,7 @@
                     <am3d:postTrans dx="0" dy="0" dz="0"/>
                   </am3d:trans>
                   <am3d:raster rName="Office3DRenderer" rVer="16.0.8326">
-                    <am3d:blip r:embed="rId3"/>
+                    <am3d:blip r:embed="rId4"/>
                   </am3d:raster>
                   <am3d:objViewport viewportSz="2651383"/>
                   <am3d:ambientLight>
@@ -7605,7 +7605,7 @@
                       <am3d:postTrans dx="0" dy="0" dz="0"/>
                     </am3d:trans>
                     <am3d:raster rName="Office3DRenderer" rVer="16.0.8326">
-                      <am3d:blip r:embed="rId3"/>
+                      <am3d:blip r:embed="rId4"/>
                     </am3d:raster>
                     <am3d:objViewport viewportSz="3576459"/>
                     <am3d:ambientLight>
@@ -8105,14 +8105,29 @@
           <p:nvPr/>
         </p:nvCxnSpPr>
         <p:spPr>
-          <a:xfrm>
-            <a:off x="2685591" y="2085792"/>
-            <a:ext cx="8249109" cy="26553"/>
+          <a:xfrm flipV="1">
+            <a:off x="2685591" y="2084573"/>
+            <a:ext cx="4053278" cy="1219"/>
           </a:xfrm>
           <a:prstGeom prst="line">
             <a:avLst/>
           </a:prstGeom>
-          <a:ln w="127000"/>
+          <a:ln w="127000">
+            <a:gradFill flip="none" rotWithShape="1">
+              <a:gsLst>
+                <a:gs pos="10000">
+                  <a:schemeClr val="accent1"/>
+                </a:gs>
+                <a:gs pos="37000">
+                  <a:schemeClr val="accent4"/>
+                </a:gs>
+              </a:gsLst>
+              <a:path path="circle">
+                <a:fillToRect l="100000" t="100000"/>
+              </a:path>
+              <a:tileRect r="-100000" b="-100000"/>
+            </a:gradFill>
+          </a:ln>
         </p:spPr>
         <p:style>
           <a:lnRef idx="3">
@@ -8143,7 +8158,7 @@
         </p:nvGrpSpPr>
         <p:grpSpPr>
           <a:xfrm>
-            <a:off x="8047697" y="1026410"/>
+            <a:off x="8039949" y="1843101"/>
             <a:ext cx="3594472" cy="3797586"/>
             <a:chOff x="6331619" y="474280"/>
             <a:chExt cx="5743404" cy="5817221"/>
@@ -8216,7 +8231,7 @@
                     <am3d:spPr>
                       <a:xfrm>
                         <a:off x="0" y="0"/>
-                        <a:ext cx="503965" cy="669954"/>
+                        <a:ext cx="315403" cy="437358"/>
                       </a:xfrm>
                       <a:prstGeom prst="rect">
                         <a:avLst/>
@@ -8414,7 +8429,7 @@
                       <am3d:spPr>
                         <a:xfrm rot="5400000">
                           <a:off x="0" y="0"/>
-                          <a:ext cx="1178652" cy="802772"/>
+                          <a:ext cx="769446" cy="502410"/>
                         </a:xfrm>
                         <a:prstGeom prst="rect">
                           <a:avLst/>
@@ -8440,7 +8455,7 @@
                       <am3d:raster rName="Office3DRenderer" rVer="16.0.8326">
                         <am3d:blip r:embed="rId6"/>
                       </am3d:raster>
-                      <am3d:objViewport viewportSz="971268"/>
+                      <am3d:objViewport viewportSz="968013"/>
                       <am3d:ambientLight>
                         <am3d:clr>
                           <a:scrgbClr r="50000" g="50000" b="50000"/>
@@ -8604,7 +8619,7 @@
           </p:nvSpPr>
           <p:spPr>
             <a:xfrm>
-              <a:off x="7175885" y="1468601"/>
+              <a:off x="7156602" y="1230244"/>
               <a:ext cx="461986" cy="553998"/>
             </a:xfrm>
             <a:prstGeom prst="rect">
@@ -8744,7 +8759,7 @@
             <a:prstGeom prst="line">
               <a:avLst/>
             </a:prstGeom>
-            <a:ln w="127000">
+            <a:ln w="127000" cap="rnd">
               <a:solidFill>
                 <a:schemeClr val="accent4"/>
               </a:solidFill>
@@ -8903,7 +8918,7 @@
                       <am3d:spPr>
                         <a:xfrm rot="5400000">
                           <a:off x="0" y="0"/>
-                          <a:ext cx="1178652" cy="802772"/>
+                          <a:ext cx="769446" cy="502410"/>
                         </a:xfrm>
                         <a:prstGeom prst="rect">
                           <a:avLst/>
@@ -8929,7 +8944,7 @@
                       <am3d:raster rName="Office3DRenderer" rVer="16.0.8326">
                         <am3d:blip r:embed="rId6"/>
                       </am3d:raster>
-                      <am3d:objViewport viewportSz="971268"/>
+                      <am3d:objViewport viewportSz="968013"/>
                       <am3d:ambientLight>
                         <am3d:clr>
                           <a:scrgbClr r="50000" g="50000" b="50000"/>
@@ -9131,7 +9146,7 @@
                       <am3d:spPr>
                         <a:xfrm rot="5400000">
                           <a:off x="0" y="0"/>
-                          <a:ext cx="1178652" cy="802772"/>
+                          <a:ext cx="769446" cy="502410"/>
                         </a:xfrm>
                         <a:prstGeom prst="rect">
                           <a:avLst/>
@@ -9157,7 +9172,7 @@
                       <am3d:raster rName="Office3DRenderer" rVer="16.0.8326">
                         <am3d:blip r:embed="rId6"/>
                       </am3d:raster>
-                      <am3d:objViewport viewportSz="971268"/>
+                      <am3d:objViewport viewportSz="968013"/>
                       <am3d:ambientLight>
                         <am3d:clr>
                           <a:scrgbClr r="50000" g="50000" b="50000"/>
@@ -9285,7 +9300,7 @@
             <a:prstGeom prst="line">
               <a:avLst/>
             </a:prstGeom>
-            <a:ln w="127000">
+            <a:ln w="127000" cap="rnd">
               <a:solidFill>
                 <a:schemeClr val="accent4"/>
               </a:solidFill>
@@ -9654,7 +9669,7 @@
                     <am3d:postTrans dx="0" dy="0" dz="0"/>
                   </am3d:trans>
                   <am3d:raster rName="Office3DRenderer" rVer="16.0.8326">
-                    <am3d:blip r:embed="rId12"/>
+                    <am3d:blip r:embed="rId13"/>
                   </am3d:raster>
                   <am3d:objViewport viewportSz="2247116"/>
                   <am3d:ambientLight>
@@ -9904,7 +9919,7 @@
         <p:spPr>
           <a:xfrm>
             <a:off x="5087070" y="627823"/>
-            <a:ext cx="2838984" cy="2495524"/>
+            <a:ext cx="2838984" cy="3468759"/>
           </a:xfrm>
           <a:prstGeom prst="rect">
             <a:avLst/>
@@ -9978,6 +9993,60 @@
           </a:p>
         </p:txBody>
       </p:sp>
+      <p:cxnSp>
+        <p:nvCxnSpPr>
+          <p:cNvPr id="38" name="Conexão reta 37">
+            <a:extLst>
+              <a:ext uri="{FF2B5EF4-FFF2-40B4-BE49-F238E27FC236}">
+                <a16:creationId xmlns:a16="http://schemas.microsoft.com/office/drawing/2014/main" id="{0979CA32-DE39-4028-B2EF-5B4B8E4ED9EB}"/>
+              </a:ext>
+            </a:extLst>
+          </p:cNvPr>
+          <p:cNvCxnSpPr>
+            <a:cxnSpLocks/>
+          </p:cNvCxnSpPr>
+          <p:nvPr/>
+        </p:nvCxnSpPr>
+        <p:spPr>
+          <a:xfrm flipV="1">
+            <a:off x="7423508" y="2884130"/>
+            <a:ext cx="3514615" cy="16636"/>
+          </a:xfrm>
+          <a:prstGeom prst="line">
+            <a:avLst/>
+          </a:prstGeom>
+          <a:ln w="127000" cap="rnd">
+            <a:gradFill flip="none" rotWithShape="1">
+              <a:gsLst>
+                <a:gs pos="72000">
+                  <a:schemeClr val="accent1"/>
+                </a:gs>
+                <a:gs pos="25000">
+                  <a:schemeClr val="accent4"/>
+                </a:gs>
+              </a:gsLst>
+              <a:path path="circle">
+                <a:fillToRect l="100000" t="100000"/>
+              </a:path>
+              <a:tileRect r="-100000" b="-100000"/>
+            </a:gradFill>
+          </a:ln>
+        </p:spPr>
+        <p:style>
+          <a:lnRef idx="3">
+            <a:schemeClr val="accent4"/>
+          </a:lnRef>
+          <a:fillRef idx="0">
+            <a:schemeClr val="accent4"/>
+          </a:fillRef>
+          <a:effectRef idx="2">
+            <a:schemeClr val="accent4"/>
+          </a:effectRef>
+          <a:fontRef idx="minor">
+            <a:schemeClr val="tx1"/>
+          </a:fontRef>
+        </p:style>
+      </p:cxnSp>
       <mc:AlternateContent xmlns:mc="http://schemas.openxmlformats.org/markup-compatibility/2006">
         <mc:Choice xmlns:am3d="http://schemas.microsoft.com/office/drawing/2017/model3d" Requires="am3d">
           <p:graphicFrame>
@@ -9995,14 +10064,14 @@
               <p:nvPr>
                 <p:extLst>
                   <p:ext uri="{D42A27DB-BD31-4B8C-83A1-F6EECF244321}">
-                    <p14:modId xmlns:p14="http://schemas.microsoft.com/office/powerpoint/2010/main" val="3349098979"/>
+                    <p14:modId xmlns:p14="http://schemas.microsoft.com/office/powerpoint/2010/main" val="3541558110"/>
                   </p:ext>
                 </p:extLst>
               </p:nvPr>
             </p:nvGraphicFramePr>
             <p:xfrm>
-              <a:off x="5785190" y="1230452"/>
-              <a:ext cx="1455707" cy="1510524"/>
+              <a:off x="6897275" y="2392237"/>
+              <a:ext cx="755335" cy="783778"/>
             </p:xfrm>
             <a:graphic>
               <a:graphicData uri="http://schemas.microsoft.com/office/drawing/2017/model3d">
@@ -10010,7 +10079,7 @@
                   <am3d:spPr>
                     <a:xfrm>
                       <a:off x="0" y="0"/>
-                      <a:ext cx="1455707" cy="1510524"/>
+                      <a:ext cx="755335" cy="783778"/>
                     </a:xfrm>
                     <a:prstGeom prst="rect">
                       <a:avLst/>
@@ -10037,7 +10106,7 @@
                   <am3d:raster rName="Office3DRenderer" rVer="16.0.8326">
                     <am3d:blip r:embed="rId18"/>
                   </am3d:raster>
-                  <am3d:objViewport viewportSz="1905421"/>
+                  <am3d:objViewport viewportSz="988681"/>
                   <am3d:ambientLight>
                     <am3d:clr>
                       <a:scrgbClr r="50000" g="50000" b="50000"/>
@@ -10093,8 +10162,8 @@
             </p:blipFill>
             <p:spPr>
               <a:xfrm>
-                <a:off x="5785190" y="1230452"/>
-                <a:ext cx="1455707" cy="1510524"/>
+                <a:off x="6897275" y="2392237"/>
+                <a:ext cx="755335" cy="783778"/>
               </a:xfrm>
               <a:prstGeom prst="rect">
                 <a:avLst/>
@@ -10103,6 +10172,540 @@
           </p:pic>
         </mc:Fallback>
       </mc:AlternateContent>
+      <p:grpSp>
+        <p:nvGrpSpPr>
+          <p:cNvPr id="44" name="Agrupar 43">
+            <a:extLst>
+              <a:ext uri="{FF2B5EF4-FFF2-40B4-BE49-F238E27FC236}">
+                <a16:creationId xmlns:a16="http://schemas.microsoft.com/office/drawing/2014/main" id="{B5EA5C74-1731-4DDF-BD65-1A6EC73B96BA}"/>
+              </a:ext>
+            </a:extLst>
+          </p:cNvPr>
+          <p:cNvGrpSpPr/>
+          <p:nvPr/>
+        </p:nvGrpSpPr>
+        <p:grpSpPr>
+          <a:xfrm rot="5400000">
+            <a:off x="5293957" y="2964297"/>
+            <a:ext cx="976368" cy="1108906"/>
+            <a:chOff x="5495416" y="3633754"/>
+            <a:chExt cx="976368" cy="1108906"/>
+          </a:xfrm>
+        </p:grpSpPr>
+        <mc:AlternateContent xmlns:mc="http://schemas.openxmlformats.org/markup-compatibility/2006">
+          <mc:Choice xmlns:am3d="http://schemas.microsoft.com/office/drawing/2017/model3d" Requires="am3d">
+            <p:graphicFrame>
+              <p:nvGraphicFramePr>
+                <p:cNvPr id="39" name="Modelo 3D 38" descr="Hemisfério Cinza-Claro">
+                  <a:extLst>
+                    <a:ext uri="{FF2B5EF4-FFF2-40B4-BE49-F238E27FC236}">
+                      <a16:creationId xmlns:a16="http://schemas.microsoft.com/office/drawing/2014/main" id="{4EE6D1D1-05AA-4F8E-AA59-22E56048D0F6}"/>
+                    </a:ext>
+                  </a:extLst>
+                </p:cNvPr>
+                <p:cNvGraphicFramePr>
+                  <a:graphicFrameLocks noChangeAspect="1"/>
+                </p:cNvGraphicFramePr>
+                <p:nvPr>
+                  <p:extLst>
+                    <p:ext uri="{D42A27DB-BD31-4B8C-83A1-F6EECF244321}">
+                      <p14:modId xmlns:p14="http://schemas.microsoft.com/office/powerpoint/2010/main" val="3118725398"/>
+                    </p:ext>
+                  </p:extLst>
+                </p:nvPr>
+              </p:nvGraphicFramePr>
+              <p:xfrm rot="5400000">
+                <a:off x="5767180" y="4038056"/>
+                <a:ext cx="895038" cy="514170"/>
+              </p:xfrm>
+              <a:graphic>
+                <a:graphicData uri="http://schemas.microsoft.com/office/drawing/2017/model3d">
+                  <am3d:model3d r:embed="rId19">
+                    <am3d:spPr>
+                      <a:xfrm rot="10800000">
+                        <a:off x="0" y="0"/>
+                        <a:ext cx="895038" cy="514170"/>
+                      </a:xfrm>
+                      <a:prstGeom prst="rect">
+                        <a:avLst/>
+                      </a:prstGeom>
+                    </am3d:spPr>
+                    <am3d:camera>
+                      <am3d:pos x="0" y="0" z="70522459"/>
+                      <am3d:up dx="0" dy="36000000" dz="0"/>
+                      <am3d:lookAt x="0" y="0" z="0"/>
+                      <am3d:perspective fov="2700000"/>
+                    </am3d:camera>
+                    <am3d:trans>
+                      <am3d:meterPerModelUnit n="6553073" d="1000000"/>
+                      <am3d:preTrans dx="9" dy="-8999683" dz="-344461"/>
+                      <am3d:scale>
+                        <am3d:sx n="1000000" d="1000000"/>
+                        <am3d:sy n="1000000" d="1000000"/>
+                        <am3d:sz n="1000000" d="1000000"/>
+                      </am3d:scale>
+                      <am3d:rot ax="-1200001"/>
+                      <am3d:postTrans dx="0" dy="0" dz="0"/>
+                    </am3d:trans>
+                    <am3d:attrSrcUrl r:id="rId20"/>
+                    <am3d:raster rName="Office3DRenderer" rVer="16.0.8326">
+                      <am3d:blip r:embed="rId21"/>
+                    </am3d:raster>
+                    <am3d:objViewport viewportSz="1218773"/>
+                    <am3d:ambientLight>
+                      <am3d:clr>
+                        <a:scrgbClr r="50000" g="50000" b="50000"/>
+                      </am3d:clr>
+                      <am3d:illuminance n="500000" d="1000000"/>
+                    </am3d:ambientLight>
+                    <am3d:ptLight rad="0">
+                      <am3d:clr>
+                        <a:scrgbClr r="100000" g="75000" b="50000"/>
+                      </am3d:clr>
+                      <am3d:intensity n="9765625" d="1000000"/>
+                      <am3d:pos x="21959998" y="70920001" z="16344003"/>
+                    </am3d:ptLight>
+                    <am3d:ptLight rad="0">
+                      <am3d:clr>
+                        <a:scrgbClr r="40000" g="60000" b="95000"/>
+                      </am3d:clr>
+                      <am3d:intensity n="12250000" d="1000000"/>
+                      <am3d:pos x="-37964106" y="51130435" z="57631972"/>
+                    </am3d:ptLight>
+                    <am3d:ptLight rad="0">
+                      <am3d:clr>
+                        <a:scrgbClr r="86837" g="72700" b="100000"/>
+                      </am3d:clr>
+                      <am3d:intensity n="3125000" d="1000000"/>
+                      <am3d:pos x="-37739122" y="58056624" z="-34769649"/>
+                    </am3d:ptLight>
+                  </am3d:model3d>
+                </a:graphicData>
+              </a:graphic>
+            </p:graphicFrame>
+          </mc:Choice>
+          <mc:Fallback>
+            <p:pic>
+              <p:nvPicPr>
+                <p:cNvPr id="39" name="Modelo 3D 38" descr="Hemisfério Cinza-Claro">
+                  <a:extLst>
+                    <a:ext uri="{FF2B5EF4-FFF2-40B4-BE49-F238E27FC236}">
+                      <a16:creationId xmlns:a16="http://schemas.microsoft.com/office/drawing/2014/main" id="{4EE6D1D1-05AA-4F8E-AA59-22E56048D0F6}"/>
+                    </a:ext>
+                  </a:extLst>
+                </p:cNvPr>
+                <p:cNvPicPr>
+                  <a:picLocks noGrp="1" noRot="1" noChangeAspect="1" noMove="1" noResize="1" noEditPoints="1" noAdjustHandles="1" noChangeArrowheads="1" noChangeShapeType="1" noCrop="1"/>
+                </p:cNvPicPr>
+                <p:nvPr/>
+              </p:nvPicPr>
+              <p:blipFill>
+                <a:blip r:embed="rId21"/>
+                <a:stretch>
+                  <a:fillRect/>
+                </a:stretch>
+              </p:blipFill>
+              <p:spPr>
+                <a:xfrm rot="10800000">
+                  <a:off x="5227688" y="3492764"/>
+                  <a:ext cx="895038" cy="514170"/>
+                </a:xfrm>
+                <a:prstGeom prst="rect">
+                  <a:avLst/>
+                </a:prstGeom>
+              </p:spPr>
+            </p:pic>
+          </mc:Fallback>
+        </mc:AlternateContent>
+        <p:sp>
+          <p:nvSpPr>
+            <p:cNvPr id="40" name="CaixaDeTexto 39">
+              <a:extLst>
+                <a:ext uri="{FF2B5EF4-FFF2-40B4-BE49-F238E27FC236}">
+                  <a16:creationId xmlns:a16="http://schemas.microsoft.com/office/drawing/2014/main" id="{3625E605-022F-4E64-8D55-0692091764C3}"/>
+                </a:ext>
+              </a:extLst>
+            </p:cNvPr>
+            <p:cNvSpPr txBox="1"/>
+            <p:nvPr/>
+          </p:nvSpPr>
+          <p:spPr>
+            <a:xfrm rot="16200000">
+              <a:off x="5431616" y="3697554"/>
+              <a:ext cx="681597" cy="553998"/>
+            </a:xfrm>
+            <a:prstGeom prst="rect">
+              <a:avLst/>
+            </a:prstGeom>
+            <a:noFill/>
+          </p:spPr>
+          <p:txBody>
+            <a:bodyPr wrap="none" rtlCol="0">
+              <a:spAutoFit/>
+            </a:bodyPr>
+            <a:lstStyle/>
+            <a:p>
+              <a:r>
+                <a:rPr lang="en-GB" sz="3000" b="1" dirty="0"/>
+                <a:t>D</a:t>
+              </a:r>
+              <a:r>
+                <a:rPr lang="en-GB" sz="3000" b="1" baseline="-25000" dirty="0"/>
+                <a:t>E1</a:t>
+              </a:r>
+            </a:p>
+          </p:txBody>
+        </p:sp>
+      </p:grpSp>
+      <p:cxnSp>
+        <p:nvCxnSpPr>
+          <p:cNvPr id="43" name="Conexão reta 42">
+            <a:extLst>
+              <a:ext uri="{FF2B5EF4-FFF2-40B4-BE49-F238E27FC236}">
+                <a16:creationId xmlns:a16="http://schemas.microsoft.com/office/drawing/2014/main" id="{44866C23-0BC0-462A-B18E-6D94A66FE046}"/>
+              </a:ext>
+            </a:extLst>
+          </p:cNvPr>
+          <p:cNvCxnSpPr>
+            <a:cxnSpLocks/>
+          </p:cNvCxnSpPr>
+          <p:nvPr/>
+        </p:nvCxnSpPr>
+        <p:spPr>
+          <a:xfrm>
+            <a:off x="5647310" y="2085737"/>
+            <a:ext cx="14339" cy="1493410"/>
+          </a:xfrm>
+          <a:prstGeom prst="line">
+            <a:avLst/>
+          </a:prstGeom>
+          <a:ln w="127000" cap="rnd">
+            <a:solidFill>
+              <a:schemeClr val="accent4"/>
+            </a:solidFill>
+            <a:round/>
+          </a:ln>
+        </p:spPr>
+        <p:style>
+          <a:lnRef idx="1">
+            <a:schemeClr val="accent1"/>
+          </a:lnRef>
+          <a:fillRef idx="0">
+            <a:schemeClr val="accent1"/>
+          </a:fillRef>
+          <a:effectRef idx="0">
+            <a:schemeClr val="accent1"/>
+          </a:effectRef>
+          <a:fontRef idx="minor">
+            <a:schemeClr val="tx1"/>
+          </a:fontRef>
+        </p:style>
+      </p:cxnSp>
+      <p:cxnSp>
+        <p:nvCxnSpPr>
+          <p:cNvPr id="53" name="Conexão reta 52">
+            <a:extLst>
+              <a:ext uri="{FF2B5EF4-FFF2-40B4-BE49-F238E27FC236}">
+                <a16:creationId xmlns:a16="http://schemas.microsoft.com/office/drawing/2014/main" id="{7C62B862-D743-47EF-B776-3F5771242692}"/>
+              </a:ext>
+            </a:extLst>
+          </p:cNvPr>
+          <p:cNvCxnSpPr/>
+          <p:nvPr/>
+        </p:nvCxnSpPr>
+        <p:spPr>
+          <a:xfrm>
+            <a:off x="5520422" y="1876371"/>
+            <a:ext cx="355600" cy="416404"/>
+          </a:xfrm>
+          <a:prstGeom prst="line">
+            <a:avLst/>
+          </a:prstGeom>
+          <a:ln w="63500">
+            <a:solidFill>
+              <a:schemeClr val="tx1"/>
+            </a:solidFill>
+          </a:ln>
+        </p:spPr>
+        <p:style>
+          <a:lnRef idx="1">
+            <a:schemeClr val="accent1"/>
+          </a:lnRef>
+          <a:fillRef idx="0">
+            <a:schemeClr val="accent1"/>
+          </a:fillRef>
+          <a:effectRef idx="0">
+            <a:schemeClr val="accent1"/>
+          </a:effectRef>
+          <a:fontRef idx="minor">
+            <a:schemeClr val="tx1"/>
+          </a:fontRef>
+        </p:style>
+      </p:cxnSp>
+      <p:sp>
+        <p:nvSpPr>
+          <p:cNvPr id="55" name="CaixaDeTexto 54">
+            <a:extLst>
+              <a:ext uri="{FF2B5EF4-FFF2-40B4-BE49-F238E27FC236}">
+                <a16:creationId xmlns:a16="http://schemas.microsoft.com/office/drawing/2014/main" id="{63414DD4-09D4-4742-927D-1B1BCC5BB9D9}"/>
+              </a:ext>
+            </a:extLst>
+          </p:cNvPr>
+          <p:cNvSpPr txBox="1"/>
+          <p:nvPr/>
+        </p:nvSpPr>
+        <p:spPr>
+          <a:xfrm>
+            <a:off x="5597787" y="1498306"/>
+            <a:ext cx="442750" cy="553998"/>
+          </a:xfrm>
+          <a:prstGeom prst="rect">
+            <a:avLst/>
+          </a:prstGeom>
+          <a:noFill/>
+        </p:spPr>
+        <p:txBody>
+          <a:bodyPr wrap="none" rtlCol="0">
+            <a:spAutoFit/>
+          </a:bodyPr>
+          <a:lstStyle/>
+          <a:p>
+            <a:r>
+              <a:rPr lang="en-GB" sz="3000" b="1" dirty="0" err="1"/>
+              <a:t>t</a:t>
+            </a:r>
+            <a:r>
+              <a:rPr lang="en-GB" sz="3000" b="1" baseline="-25000" dirty="0" err="1"/>
+              <a:t>E</a:t>
+            </a:r>
+            <a:endParaRPr lang="en-GB" sz="3000" b="1" baseline="-25000" dirty="0"/>
+          </a:p>
+        </p:txBody>
+      </p:sp>
+      <p:sp>
+        <p:nvSpPr>
+          <p:cNvPr id="56" name="CaixaDeTexto 55">
+            <a:extLst>
+              <a:ext uri="{FF2B5EF4-FFF2-40B4-BE49-F238E27FC236}">
+                <a16:creationId xmlns:a16="http://schemas.microsoft.com/office/drawing/2014/main" id="{21C253AF-A4CA-41CF-B694-64FECFA8EC5F}"/>
+              </a:ext>
+            </a:extLst>
+          </p:cNvPr>
+          <p:cNvSpPr txBox="1"/>
+          <p:nvPr/>
+        </p:nvSpPr>
+        <p:spPr>
+          <a:xfrm>
+            <a:off x="5154109" y="2312618"/>
+            <a:ext cx="755335" cy="553998"/>
+          </a:xfrm>
+          <a:prstGeom prst="rect">
+            <a:avLst/>
+          </a:prstGeom>
+          <a:noFill/>
+        </p:spPr>
+        <p:txBody>
+          <a:bodyPr wrap="none" rtlCol="0">
+            <a:spAutoFit/>
+          </a:bodyPr>
+          <a:lstStyle/>
+          <a:p>
+            <a:r>
+              <a:rPr lang="en-GB" sz="3000" b="1" dirty="0"/>
+              <a:t>1-t</a:t>
+            </a:r>
+            <a:r>
+              <a:rPr lang="en-GB" sz="3000" b="1" baseline="-25000" dirty="0"/>
+              <a:t>E</a:t>
+            </a:r>
+          </a:p>
+        </p:txBody>
+      </p:sp>
+      <p:grpSp>
+        <p:nvGrpSpPr>
+          <p:cNvPr id="60" name="Agrupar 59">
+            <a:extLst>
+              <a:ext uri="{FF2B5EF4-FFF2-40B4-BE49-F238E27FC236}">
+                <a16:creationId xmlns:a16="http://schemas.microsoft.com/office/drawing/2014/main" id="{95F85D47-9E2E-4EB0-AA94-BBD927BEB694}"/>
+              </a:ext>
+            </a:extLst>
+          </p:cNvPr>
+          <p:cNvGrpSpPr/>
+          <p:nvPr/>
+        </p:nvGrpSpPr>
+        <p:grpSpPr>
+          <a:xfrm rot="5400000">
+            <a:off x="6340397" y="1515277"/>
+            <a:ext cx="1166803" cy="918471"/>
+            <a:chOff x="5495416" y="3633755"/>
+            <a:chExt cx="1166803" cy="918471"/>
+          </a:xfrm>
+        </p:grpSpPr>
+        <mc:AlternateContent xmlns:mc="http://schemas.openxmlformats.org/markup-compatibility/2006">
+          <mc:Choice xmlns:am3d="http://schemas.microsoft.com/office/drawing/2017/model3d" Requires="am3d">
+            <p:graphicFrame>
+              <p:nvGraphicFramePr>
+                <p:cNvPr id="61" name="Modelo 3D 60" descr="Hemisfério Cinza-Claro">
+                  <a:extLst>
+                    <a:ext uri="{FF2B5EF4-FFF2-40B4-BE49-F238E27FC236}">
+                      <a16:creationId xmlns:a16="http://schemas.microsoft.com/office/drawing/2014/main" id="{F36B2CB1-54D5-4B5D-9B81-483804447B55}"/>
+                    </a:ext>
+                  </a:extLst>
+                </p:cNvPr>
+                <p:cNvGraphicFramePr>
+                  <a:graphicFrameLocks noChangeAspect="1"/>
+                </p:cNvGraphicFramePr>
+                <p:nvPr>
+                  <p:extLst>
+                    <p:ext uri="{D42A27DB-BD31-4B8C-83A1-F6EECF244321}">
+                      <p14:modId xmlns:p14="http://schemas.microsoft.com/office/powerpoint/2010/main" val="342545861"/>
+                    </p:ext>
+                  </p:extLst>
+                </p:nvPr>
+              </p:nvGraphicFramePr>
+              <p:xfrm>
+                <a:off x="5767181" y="4038056"/>
+                <a:ext cx="895038" cy="514170"/>
+              </p:xfrm>
+              <a:graphic>
+                <a:graphicData uri="http://schemas.microsoft.com/office/drawing/2017/model3d">
+                  <am3d:model3d r:embed="rId19">
+                    <am3d:spPr>
+                      <a:xfrm rot="5400000">
+                        <a:off x="0" y="0"/>
+                        <a:ext cx="895038" cy="514170"/>
+                      </a:xfrm>
+                      <a:prstGeom prst="rect">
+                        <a:avLst/>
+                      </a:prstGeom>
+                    </am3d:spPr>
+                    <am3d:camera>
+                      <am3d:pos x="0" y="0" z="70522459"/>
+                      <am3d:up dx="0" dy="36000000" dz="0"/>
+                      <am3d:lookAt x="0" y="0" z="0"/>
+                      <am3d:perspective fov="2700000"/>
+                    </am3d:camera>
+                    <am3d:trans>
+                      <am3d:meterPerModelUnit n="6553073" d="1000000"/>
+                      <am3d:preTrans dx="9" dy="-8999683" dz="-344461"/>
+                      <am3d:scale>
+                        <am3d:sx n="1000000" d="1000000"/>
+                        <am3d:sy n="1000000" d="1000000"/>
+                        <am3d:sz n="1000000" d="1000000"/>
+                      </am3d:scale>
+                      <am3d:rot ax="-1200001"/>
+                      <am3d:postTrans dx="0" dy="0" dz="0"/>
+                    </am3d:trans>
+                    <am3d:attrSrcUrl r:id="rId20"/>
+                    <am3d:raster rName="Office3DRenderer" rVer="16.0.8326">
+                      <am3d:blip r:embed="rId21"/>
+                    </am3d:raster>
+                    <am3d:objViewport viewportSz="1218773"/>
+                    <am3d:ambientLight>
+                      <am3d:clr>
+                        <a:scrgbClr r="50000" g="50000" b="50000"/>
+                      </am3d:clr>
+                      <am3d:illuminance n="500000" d="1000000"/>
+                    </am3d:ambientLight>
+                    <am3d:ptLight rad="0">
+                      <am3d:clr>
+                        <a:scrgbClr r="100000" g="75000" b="50000"/>
+                      </am3d:clr>
+                      <am3d:intensity n="9765625" d="1000000"/>
+                      <am3d:pos x="21959998" y="70920001" z="16344003"/>
+                    </am3d:ptLight>
+                    <am3d:ptLight rad="0">
+                      <am3d:clr>
+                        <a:scrgbClr r="40000" g="60000" b="95000"/>
+                      </am3d:clr>
+                      <am3d:intensity n="12250000" d="1000000"/>
+                      <am3d:pos x="-37964106" y="51130435" z="57631972"/>
+                    </am3d:ptLight>
+                    <am3d:ptLight rad="0">
+                      <am3d:clr>
+                        <a:scrgbClr r="86837" g="72700" b="100000"/>
+                      </am3d:clr>
+                      <am3d:intensity n="3125000" d="1000000"/>
+                      <am3d:pos x="-37739122" y="58056624" z="-34769649"/>
+                    </am3d:ptLight>
+                  </am3d:model3d>
+                </a:graphicData>
+              </a:graphic>
+            </p:graphicFrame>
+          </mc:Choice>
+          <mc:Fallback>
+            <p:pic>
+              <p:nvPicPr>
+                <p:cNvPr id="61" name="Modelo 3D 60" descr="Hemisfério Cinza-Claro">
+                  <a:extLst>
+                    <a:ext uri="{FF2B5EF4-FFF2-40B4-BE49-F238E27FC236}">
+                      <a16:creationId xmlns:a16="http://schemas.microsoft.com/office/drawing/2014/main" id="{F36B2CB1-54D5-4B5D-9B81-483804447B55}"/>
+                    </a:ext>
+                  </a:extLst>
+                </p:cNvPr>
+                <p:cNvPicPr>
+                  <a:picLocks noGrp="1" noRot="1" noChangeAspect="1" noMove="1" noResize="1" noEditPoints="1" noAdjustHandles="1" noChangeArrowheads="1" noChangeShapeType="1" noCrop="1"/>
+                </p:cNvPicPr>
+                <p:nvPr/>
+              </p:nvPicPr>
+              <p:blipFill>
+                <a:blip r:embed="rId21"/>
+                <a:stretch>
+                  <a:fillRect/>
+                </a:stretch>
+              </p:blipFill>
+              <p:spPr>
+                <a:xfrm rot="5400000">
+                  <a:off x="6274129" y="1853310"/>
+                  <a:ext cx="895038" cy="514170"/>
+                </a:xfrm>
+                <a:prstGeom prst="rect">
+                  <a:avLst/>
+                </a:prstGeom>
+              </p:spPr>
+            </p:pic>
+          </mc:Fallback>
+        </mc:AlternateContent>
+        <p:sp>
+          <p:nvSpPr>
+            <p:cNvPr id="62" name="CaixaDeTexto 61">
+              <a:extLst>
+                <a:ext uri="{FF2B5EF4-FFF2-40B4-BE49-F238E27FC236}">
+                  <a16:creationId xmlns:a16="http://schemas.microsoft.com/office/drawing/2014/main" id="{4309A621-94AD-42F7-A3E2-2CA1D29F11CF}"/>
+                </a:ext>
+              </a:extLst>
+            </p:cNvPr>
+            <p:cNvSpPr txBox="1"/>
+            <p:nvPr/>
+          </p:nvSpPr>
+          <p:spPr>
+            <a:xfrm rot="16200000">
+              <a:off x="5431616" y="3697555"/>
+              <a:ext cx="681597" cy="553998"/>
+            </a:xfrm>
+            <a:prstGeom prst="rect">
+              <a:avLst/>
+            </a:prstGeom>
+            <a:noFill/>
+          </p:spPr>
+          <p:txBody>
+            <a:bodyPr wrap="none" rtlCol="0">
+              <a:spAutoFit/>
+            </a:bodyPr>
+            <a:lstStyle/>
+            <a:p>
+              <a:r>
+                <a:rPr lang="en-GB" sz="3000" b="1" dirty="0"/>
+                <a:t>D</a:t>
+              </a:r>
+              <a:r>
+                <a:rPr lang="en-GB" sz="3000" b="1" baseline="-25000" dirty="0"/>
+                <a:t>E2</a:t>
+              </a:r>
+            </a:p>
+          </p:txBody>
+        </p:sp>
+      </p:grpSp>
     </p:spTree>
     <p:extLst>
       <p:ext uri="{BB962C8B-B14F-4D97-AF65-F5344CB8AC3E}">

--- a/doc/tex/sdf/tq_76558_cow_protocol/figures_raw/Full2.pptx
+++ b/doc/tex/sdf/tq_76558_cow_protocol/figures_raw/Full2.pptx
@@ -8,11 +8,12 @@
     <p:sldId id="256" r:id="rId2"/>
     <p:sldId id="262" r:id="rId3"/>
     <p:sldId id="258" r:id="rId4"/>
-    <p:sldId id="257" r:id="rId5"/>
-    <p:sldId id="259" r:id="rId6"/>
-    <p:sldId id="260" r:id="rId7"/>
-    <p:sldId id="261" r:id="rId8"/>
+    <p:sldId id="265" r:id="rId5"/>
+    <p:sldId id="257" r:id="rId6"/>
+    <p:sldId id="261" r:id="rId7"/>
+    <p:sldId id="266" r:id="rId8"/>
     <p:sldId id="263" r:id="rId9"/>
+    <p:sldId id="264" r:id="rId10"/>
   </p:sldIdLst>
   <p:sldSz cx="12192000" cy="6858000"/>
   <p:notesSz cx="6858000" cy="9144000"/>
@@ -268,7 +269,7 @@
           <a:p>
             <a:fld id="{B8F5C3C8-5F51-4191-BFCC-D40874AC55AA}" type="datetimeFigureOut">
               <a:rPr lang="en-GB" smtClean="0"/>
-              <a:t>30/10/2018</a:t>
+              <a:t>09/11/2018</a:t>
             </a:fld>
             <a:endParaRPr lang="en-GB"/>
           </a:p>
@@ -468,7 +469,7 @@
           <a:p>
             <a:fld id="{B8F5C3C8-5F51-4191-BFCC-D40874AC55AA}" type="datetimeFigureOut">
               <a:rPr lang="en-GB" smtClean="0"/>
-              <a:t>30/10/2018</a:t>
+              <a:t>09/11/2018</a:t>
             </a:fld>
             <a:endParaRPr lang="en-GB"/>
           </a:p>
@@ -678,7 +679,7 @@
           <a:p>
             <a:fld id="{B8F5C3C8-5F51-4191-BFCC-D40874AC55AA}" type="datetimeFigureOut">
               <a:rPr lang="en-GB" smtClean="0"/>
-              <a:t>30/10/2018</a:t>
+              <a:t>09/11/2018</a:t>
             </a:fld>
             <a:endParaRPr lang="en-GB"/>
           </a:p>
@@ -878,7 +879,7 @@
           <a:p>
             <a:fld id="{B8F5C3C8-5F51-4191-BFCC-D40874AC55AA}" type="datetimeFigureOut">
               <a:rPr lang="en-GB" smtClean="0"/>
-              <a:t>30/10/2018</a:t>
+              <a:t>09/11/2018</a:t>
             </a:fld>
             <a:endParaRPr lang="en-GB"/>
           </a:p>
@@ -1154,7 +1155,7 @@
           <a:p>
             <a:fld id="{B8F5C3C8-5F51-4191-BFCC-D40874AC55AA}" type="datetimeFigureOut">
               <a:rPr lang="en-GB" smtClean="0"/>
-              <a:t>30/10/2018</a:t>
+              <a:t>09/11/2018</a:t>
             </a:fld>
             <a:endParaRPr lang="en-GB"/>
           </a:p>
@@ -1422,7 +1423,7 @@
           <a:p>
             <a:fld id="{B8F5C3C8-5F51-4191-BFCC-D40874AC55AA}" type="datetimeFigureOut">
               <a:rPr lang="en-GB" smtClean="0"/>
-              <a:t>30/10/2018</a:t>
+              <a:t>09/11/2018</a:t>
             </a:fld>
             <a:endParaRPr lang="en-GB"/>
           </a:p>
@@ -1837,7 +1838,7 @@
           <a:p>
             <a:fld id="{B8F5C3C8-5F51-4191-BFCC-D40874AC55AA}" type="datetimeFigureOut">
               <a:rPr lang="en-GB" smtClean="0"/>
-              <a:t>30/10/2018</a:t>
+              <a:t>09/11/2018</a:t>
             </a:fld>
             <a:endParaRPr lang="en-GB"/>
           </a:p>
@@ -1979,7 +1980,7 @@
           <a:p>
             <a:fld id="{B8F5C3C8-5F51-4191-BFCC-D40874AC55AA}" type="datetimeFigureOut">
               <a:rPr lang="en-GB" smtClean="0"/>
-              <a:t>30/10/2018</a:t>
+              <a:t>09/11/2018</a:t>
             </a:fld>
             <a:endParaRPr lang="en-GB"/>
           </a:p>
@@ -2092,7 +2093,7 @@
           <a:p>
             <a:fld id="{B8F5C3C8-5F51-4191-BFCC-D40874AC55AA}" type="datetimeFigureOut">
               <a:rPr lang="en-GB" smtClean="0"/>
-              <a:t>30/10/2018</a:t>
+              <a:t>09/11/2018</a:t>
             </a:fld>
             <a:endParaRPr lang="en-GB"/>
           </a:p>
@@ -2405,7 +2406,7 @@
           <a:p>
             <a:fld id="{B8F5C3C8-5F51-4191-BFCC-D40874AC55AA}" type="datetimeFigureOut">
               <a:rPr lang="en-GB" smtClean="0"/>
-              <a:t>30/10/2018</a:t>
+              <a:t>09/11/2018</a:t>
             </a:fld>
             <a:endParaRPr lang="en-GB"/>
           </a:p>
@@ -2694,7 +2695,7 @@
           <a:p>
             <a:fld id="{B8F5C3C8-5F51-4191-BFCC-D40874AC55AA}" type="datetimeFigureOut">
               <a:rPr lang="en-GB" smtClean="0"/>
-              <a:t>30/10/2018</a:t>
+              <a:t>09/11/2018</a:t>
             </a:fld>
             <a:endParaRPr lang="en-GB"/>
           </a:p>
@@ -2942,7 +2943,7 @@
           <a:p>
             <a:fld id="{B8F5C3C8-5F51-4191-BFCC-D40874AC55AA}" type="datetimeFigureOut">
               <a:rPr lang="en-GB" smtClean="0"/>
-              <a:t>30/10/2018</a:t>
+              <a:t>09/11/2018</a:t>
             </a:fld>
             <a:endParaRPr lang="en-GB"/>
           </a:p>
@@ -6015,8 +6016,8 @@
         </p:nvGrpSpPr>
         <p:grpSpPr>
           <a:xfrm>
-            <a:off x="2095500" y="75531"/>
-            <a:ext cx="7848600" cy="6630069"/>
+            <a:off x="3130550" y="113966"/>
+            <a:ext cx="5930900" cy="6630069"/>
             <a:chOff x="3657600" y="1022404"/>
             <a:chExt cx="5852023" cy="5751697"/>
           </a:xfrm>
@@ -6114,7 +6115,7 @@
                     <am3d:raster rName="Office3DRenderer" rVer="16.0.8326">
                       <am3d:blip r:embed="rId3"/>
                     </am3d:raster>
-                    <am3d:objViewport viewportSz="909792"/>
+                    <am3d:objViewport viewportSz="799899"/>
                     <am3d:ambientLight>
                       <am3d:clr>
                         <a:scrgbClr r="50000" g="50000" b="50000"/>
@@ -6308,7 +6309,7 @@
                       <am3d:raster rName="Office3DRenderer" rVer="16.0.8326">
                         <am3d:blip r:embed="rId6"/>
                       </am3d:raster>
-                      <am3d:objViewport viewportSz="1854853"/>
+                      <am3d:objViewport viewportSz="1637673"/>
                       <am3d:ambientLight>
                         <am3d:clr>
                           <a:scrgbClr r="50000" g="50000" b="50000"/>
@@ -6793,7 +6794,7 @@
                       <am3d:raster rName="Office3DRenderer" rVer="16.0.8326">
                         <am3d:blip r:embed="rId6"/>
                       </am3d:raster>
-                      <am3d:objViewport viewportSz="1854853"/>
+                      <am3d:objViewport viewportSz="1637673"/>
                       <am3d:ambientLight>
                         <am3d:clr>
                           <a:scrgbClr r="50000" g="50000" b="50000"/>
@@ -7017,7 +7018,7 @@
                       <am3d:raster rName="Office3DRenderer" rVer="16.0.8326">
                         <am3d:blip r:embed="rId6"/>
                       </am3d:raster>
-                      <am3d:objViewport viewportSz="1854853"/>
+                      <am3d:objViewport viewportSz="1637673"/>
                       <am3d:ambientLight>
                         <am3d:clr>
                           <a:scrgbClr r="50000" g="50000" b="50000"/>
@@ -7220,6 +7221,66 @@
 </file>
 
 <file path=ppt/slides/slide4.xml><?xml version="1.0" encoding="utf-8"?>
+<p:sld xmlns:a="http://schemas.openxmlformats.org/drawingml/2006/main" xmlns:r="http://schemas.openxmlformats.org/officeDocument/2006/relationships" xmlns:p="http://schemas.openxmlformats.org/presentationml/2006/main">
+  <p:cSld>
+    <p:spTree>
+      <p:nvGrpSpPr>
+        <p:cNvPr id="1" name=""/>
+        <p:cNvGrpSpPr/>
+        <p:nvPr/>
+      </p:nvGrpSpPr>
+      <p:grpSpPr>
+        <a:xfrm>
+          <a:off x="0" y="0"/>
+          <a:ext cx="0" cy="0"/>
+          <a:chOff x="0" y="0"/>
+          <a:chExt cx="0" cy="0"/>
+        </a:xfrm>
+      </p:grpSpPr>
+      <p:pic>
+        <p:nvPicPr>
+          <p:cNvPr id="2" name="Imagem 1">
+            <a:extLst>
+              <a:ext uri="{FF2B5EF4-FFF2-40B4-BE49-F238E27FC236}">
+                <a16:creationId xmlns:a16="http://schemas.microsoft.com/office/drawing/2014/main" id="{2A823950-02F6-4F6D-9A58-E0C19DFB6223}"/>
+              </a:ext>
+            </a:extLst>
+          </p:cNvPr>
+          <p:cNvPicPr>
+            <a:picLocks noChangeAspect="1"/>
+          </p:cNvPicPr>
+          <p:nvPr/>
+        </p:nvPicPr>
+        <p:blipFill>
+          <a:blip r:embed="rId2"/>
+          <a:stretch>
+            <a:fillRect/>
+          </a:stretch>
+        </p:blipFill>
+        <p:spPr>
+          <a:xfrm>
+            <a:off x="2818296" y="0"/>
+            <a:ext cx="6555408" cy="6858000"/>
+          </a:xfrm>
+          <a:prstGeom prst="rect">
+            <a:avLst/>
+          </a:prstGeom>
+        </p:spPr>
+      </p:pic>
+    </p:spTree>
+    <p:extLst>
+      <p:ext uri="{BB962C8B-B14F-4D97-AF65-F5344CB8AC3E}">
+        <p14:creationId xmlns:p14="http://schemas.microsoft.com/office/powerpoint/2010/main" val="1264789361"/>
+      </p:ext>
+    </p:extLst>
+  </p:cSld>
+  <p:clrMapOvr>
+    <a:masterClrMapping/>
+  </p:clrMapOvr>
+</p:sld>
+</file>
+
+<file path=ppt/slides/slide5.xml><?xml version="1.0" encoding="utf-8"?>
 <p:sld xmlns:a="http://schemas.openxmlformats.org/drawingml/2006/main" xmlns:r="http://schemas.openxmlformats.org/officeDocument/2006/relationships" xmlns:p="http://schemas.openxmlformats.org/presentationml/2006/main">
   <p:cSld>
     <p:spTree>
@@ -7893,66 +7954,6 @@
 </p:sld>
 </file>
 
-<file path=ppt/slides/slide5.xml><?xml version="1.0" encoding="utf-8"?>
-<p:sld xmlns:a="http://schemas.openxmlformats.org/drawingml/2006/main" xmlns:r="http://schemas.openxmlformats.org/officeDocument/2006/relationships" xmlns:p="http://schemas.openxmlformats.org/presentationml/2006/main">
-  <p:cSld>
-    <p:spTree>
-      <p:nvGrpSpPr>
-        <p:cNvPr id="1" name=""/>
-        <p:cNvGrpSpPr/>
-        <p:nvPr/>
-      </p:nvGrpSpPr>
-      <p:grpSpPr>
-        <a:xfrm>
-          <a:off x="0" y="0"/>
-          <a:ext cx="0" cy="0"/>
-          <a:chOff x="0" y="0"/>
-          <a:chExt cx="0" cy="0"/>
-        </a:xfrm>
-      </p:grpSpPr>
-      <p:pic>
-        <p:nvPicPr>
-          <p:cNvPr id="2" name="Imagem 1">
-            <a:extLst>
-              <a:ext uri="{FF2B5EF4-FFF2-40B4-BE49-F238E27FC236}">
-                <a16:creationId xmlns:a16="http://schemas.microsoft.com/office/drawing/2014/main" id="{61C84890-14B0-41C0-A1B6-B9E59A4013EB}"/>
-              </a:ext>
-            </a:extLst>
-          </p:cNvPr>
-          <p:cNvPicPr>
-            <a:picLocks noChangeAspect="1"/>
-          </p:cNvPicPr>
-          <p:nvPr/>
-        </p:nvPicPr>
-        <p:blipFill>
-          <a:blip r:embed="rId2"/>
-          <a:stretch>
-            <a:fillRect/>
-          </a:stretch>
-        </p:blipFill>
-        <p:spPr>
-          <a:xfrm>
-            <a:off x="-1364474" y="1663252"/>
-            <a:ext cx="14920948" cy="3531497"/>
-          </a:xfrm>
-          <a:prstGeom prst="rect">
-            <a:avLst/>
-          </a:prstGeom>
-        </p:spPr>
-      </p:pic>
-    </p:spTree>
-    <p:extLst>
-      <p:ext uri="{BB962C8B-B14F-4D97-AF65-F5344CB8AC3E}">
-        <p14:creationId xmlns:p14="http://schemas.microsoft.com/office/powerpoint/2010/main" val="4117038832"/>
-      </p:ext>
-    </p:extLst>
-  </p:cSld>
-  <p:clrMapOvr>
-    <a:masterClrMapping/>
-  </p:clrMapOvr>
-</p:sld>
-</file>
-
 <file path=ppt/slides/slide6.xml><?xml version="1.0" encoding="utf-8"?>
 <p:sld xmlns:a="http://schemas.openxmlformats.org/drawingml/2006/main" xmlns:r="http://schemas.openxmlformats.org/officeDocument/2006/relationships" xmlns:p="http://schemas.openxmlformats.org/presentationml/2006/main">
   <p:cSld>
@@ -7972,10 +7973,10 @@
       </p:grpSpPr>
       <p:pic>
         <p:nvPicPr>
-          <p:cNvPr id="2" name="Imagem 1">
+          <p:cNvPr id="3" name="Imagem 2">
             <a:extLst>
               <a:ext uri="{FF2B5EF4-FFF2-40B4-BE49-F238E27FC236}">
-                <a16:creationId xmlns:a16="http://schemas.microsoft.com/office/drawing/2014/main" id="{2C9D64A0-E71D-4259-9675-689E27B0711B}"/>
+                <a16:creationId xmlns:a16="http://schemas.microsoft.com/office/drawing/2014/main" id="{5DB5B8DF-EE8B-452A-A3CB-5C886C5AC525}"/>
               </a:ext>
             </a:extLst>
           </p:cNvPr>
@@ -7992,8 +7993,8 @@
         </p:blipFill>
         <p:spPr>
           <a:xfrm>
-            <a:off x="-1347208" y="1462059"/>
-            <a:ext cx="14886416" cy="3933883"/>
+            <a:off x="-1238250" y="1618137"/>
+            <a:ext cx="14668500" cy="3445710"/>
           </a:xfrm>
           <a:prstGeom prst="rect">
             <a:avLst/>
@@ -8003,7 +8004,7 @@
     </p:spTree>
     <p:extLst>
       <p:ext uri="{BB962C8B-B14F-4D97-AF65-F5344CB8AC3E}">
-        <p14:creationId xmlns:p14="http://schemas.microsoft.com/office/powerpoint/2010/main" val="2529293038"/>
+        <p14:creationId xmlns:p14="http://schemas.microsoft.com/office/powerpoint/2010/main" val="2004065918"/>
       </p:ext>
     </p:extLst>
   </p:cSld>
@@ -8035,7 +8036,7 @@
           <p:cNvPr id="2" name="Imagem 1">
             <a:extLst>
               <a:ext uri="{FF2B5EF4-FFF2-40B4-BE49-F238E27FC236}">
-                <a16:creationId xmlns:a16="http://schemas.microsoft.com/office/drawing/2014/main" id="{283E0B62-844B-40EF-ABBF-A1071DC4CF88}"/>
+                <a16:creationId xmlns:a16="http://schemas.microsoft.com/office/drawing/2014/main" id="{428762CD-2C30-496C-A700-B558BDDA3079}"/>
               </a:ext>
             </a:extLst>
           </p:cNvPr>
@@ -8052,8 +8053,8 @@
         </p:blipFill>
         <p:spPr>
           <a:xfrm>
-            <a:off x="-1405188" y="1666930"/>
-            <a:ext cx="15002376" cy="3524140"/>
+            <a:off x="3789251" y="-407914"/>
+            <a:ext cx="4613498" cy="8136000"/>
           </a:xfrm>
           <a:prstGeom prst="rect">
             <a:avLst/>
@@ -8063,7 +8064,7 @@
     </p:spTree>
     <p:extLst>
       <p:ext uri="{BB962C8B-B14F-4D97-AF65-F5344CB8AC3E}">
-        <p14:creationId xmlns:p14="http://schemas.microsoft.com/office/powerpoint/2010/main" val="2004065918"/>
+        <p14:creationId xmlns:p14="http://schemas.microsoft.com/office/powerpoint/2010/main" val="2908411378"/>
       </p:ext>
     </p:extLst>
   </p:cSld>
@@ -8231,7 +8232,7 @@
                     <am3d:spPr>
                       <a:xfrm>
                         <a:off x="0" y="0"/>
-                        <a:ext cx="315403" cy="437358"/>
+                        <a:ext cx="503965" cy="669954"/>
                       </a:xfrm>
                       <a:prstGeom prst="rect">
                         <a:avLst/>
@@ -8429,7 +8430,7 @@
                       <am3d:spPr>
                         <a:xfrm rot="5400000">
                           <a:off x="0" y="0"/>
-                          <a:ext cx="769446" cy="502410"/>
+                          <a:ext cx="1178652" cy="802772"/>
                         </a:xfrm>
                         <a:prstGeom prst="rect">
                           <a:avLst/>
@@ -8918,7 +8919,7 @@
                       <am3d:spPr>
                         <a:xfrm rot="5400000">
                           <a:off x="0" y="0"/>
-                          <a:ext cx="769446" cy="502410"/>
+                          <a:ext cx="1178652" cy="802772"/>
                         </a:xfrm>
                         <a:prstGeom prst="rect">
                           <a:avLst/>
@@ -9146,7 +9147,7 @@
                       <am3d:spPr>
                         <a:xfrm rot="5400000">
                           <a:off x="0" y="0"/>
-                          <a:ext cx="769446" cy="502410"/>
+                          <a:ext cx="1178652" cy="802772"/>
                         </a:xfrm>
                         <a:prstGeom prst="rect">
                           <a:avLst/>
@@ -10047,8 +10048,8 @@
           </a:fontRef>
         </p:style>
       </p:cxnSp>
-      <mc:AlternateContent xmlns:mc="http://schemas.openxmlformats.org/markup-compatibility/2006">
-        <mc:Choice xmlns:am3d="http://schemas.microsoft.com/office/drawing/2017/model3d" Requires="am3d">
+      <mc:AlternateContent xmlns:mc="http://schemas.openxmlformats.org/markup-compatibility/2006" xmlns:am3d="http://schemas.microsoft.com/office/drawing/2017/model3d">
+        <mc:Choice Requires="am3d">
           <p:graphicFrame>
             <p:nvGraphicFramePr>
               <p:cNvPr id="37" name="Modelo 3D 36" descr="Cubo Cinza-Claro">
@@ -10139,7 +10140,7 @@
             </a:graphic>
           </p:graphicFrame>
         </mc:Choice>
-        <mc:Fallback>
+        <mc:Fallback xmlns="">
           <p:pic>
             <p:nvPicPr>
               <p:cNvPr id="37" name="Modelo 3D 36" descr="Cubo Cinza-Claro">
@@ -10155,7 +10156,7 @@
               <p:nvPr/>
             </p:nvPicPr>
             <p:blipFill>
-              <a:blip r:embed="rId18"/>
+              <a:blip r:embed="rId19"/>
               <a:stretch>
                 <a:fillRect/>
               </a:stretch>
@@ -10192,8 +10193,8 @@
             <a:chExt cx="976368" cy="1108906"/>
           </a:xfrm>
         </p:grpSpPr>
-        <mc:AlternateContent xmlns:mc="http://schemas.openxmlformats.org/markup-compatibility/2006">
-          <mc:Choice xmlns:am3d="http://schemas.microsoft.com/office/drawing/2017/model3d" Requires="am3d">
+        <mc:AlternateContent xmlns:mc="http://schemas.openxmlformats.org/markup-compatibility/2006" xmlns:am3d="http://schemas.microsoft.com/office/drawing/2017/model3d">
+          <mc:Choice Requires="am3d">
             <p:graphicFrame>
               <p:nvGraphicFramePr>
                 <p:cNvPr id="39" name="Modelo 3D 38" descr="Hemisfério Cinza-Claro">
@@ -10220,7 +10221,7 @@
               </p:xfrm>
               <a:graphic>
                 <a:graphicData uri="http://schemas.microsoft.com/office/drawing/2017/model3d">
-                  <am3d:model3d r:embed="rId19">
+                  <am3d:model3d r:embed="rId20">
                     <am3d:spPr>
                       <a:xfrm rot="10800000">
                         <a:off x="0" y="0"/>
@@ -10247,9 +10248,9 @@
                       <am3d:rot ax="-1200001"/>
                       <am3d:postTrans dx="0" dy="0" dz="0"/>
                     </am3d:trans>
-                    <am3d:attrSrcUrl r:id="rId20"/>
+                    <am3d:attrSrcUrl r:id="rId21"/>
                     <am3d:raster rName="Office3DRenderer" rVer="16.0.8326">
-                      <am3d:blip r:embed="rId21"/>
+                      <am3d:blip r:embed="rId22"/>
                     </am3d:raster>
                     <am3d:objViewport viewportSz="1218773"/>
                     <am3d:ambientLight>
@@ -10284,7 +10285,7 @@
               </a:graphic>
             </p:graphicFrame>
           </mc:Choice>
-          <mc:Fallback>
+          <mc:Fallback xmlns="">
             <p:pic>
               <p:nvPicPr>
                 <p:cNvPr id="39" name="Modelo 3D 38" descr="Hemisfério Cinza-Claro">
@@ -10300,7 +10301,7 @@
                 <p:nvPr/>
               </p:nvPicPr>
               <p:blipFill>
-                <a:blip r:embed="rId21"/>
+                <a:blip r:embed="rId23"/>
                 <a:stretch>
                   <a:fillRect/>
                 </a:stretch>
@@ -10541,8 +10542,8 @@
             <a:chExt cx="1166803" cy="918471"/>
           </a:xfrm>
         </p:grpSpPr>
-        <mc:AlternateContent xmlns:mc="http://schemas.openxmlformats.org/markup-compatibility/2006">
-          <mc:Choice xmlns:am3d="http://schemas.microsoft.com/office/drawing/2017/model3d" Requires="am3d">
+        <mc:AlternateContent xmlns:mc="http://schemas.openxmlformats.org/markup-compatibility/2006" xmlns:am3d="http://schemas.microsoft.com/office/drawing/2017/model3d">
+          <mc:Choice Requires="am3d">
             <p:graphicFrame>
               <p:nvGraphicFramePr>
                 <p:cNvPr id="61" name="Modelo 3D 60" descr="Hemisfério Cinza-Claro">
@@ -10569,7 +10570,7 @@
               </p:xfrm>
               <a:graphic>
                 <a:graphicData uri="http://schemas.microsoft.com/office/drawing/2017/model3d">
-                  <am3d:model3d r:embed="rId19">
+                  <am3d:model3d r:embed="rId20">
                     <am3d:spPr>
                       <a:xfrm rot="5400000">
                         <a:off x="0" y="0"/>
@@ -10596,9 +10597,9 @@
                       <am3d:rot ax="-1200001"/>
                       <am3d:postTrans dx="0" dy="0" dz="0"/>
                     </am3d:trans>
-                    <am3d:attrSrcUrl r:id="rId20"/>
+                    <am3d:attrSrcUrl r:id="rId21"/>
                     <am3d:raster rName="Office3DRenderer" rVer="16.0.8326">
-                      <am3d:blip r:embed="rId21"/>
+                      <am3d:blip r:embed="rId23"/>
                     </am3d:raster>
                     <am3d:objViewport viewportSz="1218773"/>
                     <am3d:ambientLight>
@@ -10633,7 +10634,7 @@
               </a:graphic>
             </p:graphicFrame>
           </mc:Choice>
-          <mc:Fallback>
+          <mc:Fallback xmlns="">
             <p:pic>
               <p:nvPicPr>
                 <p:cNvPr id="61" name="Modelo 3D 60" descr="Hemisfério Cinza-Claro">
@@ -10649,7 +10650,7 @@
                 <p:nvPr/>
               </p:nvPicPr>
               <p:blipFill>
-                <a:blip r:embed="rId21"/>
+                <a:blip r:embed="rId23"/>
                 <a:stretch>
                   <a:fillRect/>
                 </a:stretch>
@@ -10710,6 +10711,66 @@
     <p:extLst>
       <p:ext uri="{BB962C8B-B14F-4D97-AF65-F5344CB8AC3E}">
         <p14:creationId xmlns:p14="http://schemas.microsoft.com/office/powerpoint/2010/main" val="1703294545"/>
+      </p:ext>
+    </p:extLst>
+  </p:cSld>
+  <p:clrMapOvr>
+    <a:masterClrMapping/>
+  </p:clrMapOvr>
+</p:sld>
+</file>
+
+<file path=ppt/slides/slide9.xml><?xml version="1.0" encoding="utf-8"?>
+<p:sld xmlns:a="http://schemas.openxmlformats.org/drawingml/2006/main" xmlns:r="http://schemas.openxmlformats.org/officeDocument/2006/relationships" xmlns:p="http://schemas.openxmlformats.org/presentationml/2006/main">
+  <p:cSld>
+    <p:spTree>
+      <p:nvGrpSpPr>
+        <p:cNvPr id="1" name=""/>
+        <p:cNvGrpSpPr/>
+        <p:nvPr/>
+      </p:nvGrpSpPr>
+      <p:grpSpPr>
+        <a:xfrm>
+          <a:off x="0" y="0"/>
+          <a:ext cx="0" cy="0"/>
+          <a:chOff x="0" y="0"/>
+          <a:chExt cx="0" cy="0"/>
+        </a:xfrm>
+      </p:grpSpPr>
+      <p:pic>
+        <p:nvPicPr>
+          <p:cNvPr id="5" name="Imagem 4">
+            <a:extLst>
+              <a:ext uri="{FF2B5EF4-FFF2-40B4-BE49-F238E27FC236}">
+                <a16:creationId xmlns:a16="http://schemas.microsoft.com/office/drawing/2014/main" id="{0771AF17-4C9F-4230-8F9A-1CE42ECB9DA8}"/>
+              </a:ext>
+            </a:extLst>
+          </p:cNvPr>
+          <p:cNvPicPr>
+            <a:picLocks noChangeAspect="1"/>
+          </p:cNvPicPr>
+          <p:nvPr/>
+        </p:nvPicPr>
+        <p:blipFill>
+          <a:blip r:embed="rId2"/>
+          <a:stretch>
+            <a:fillRect/>
+          </a:stretch>
+        </p:blipFill>
+        <p:spPr>
+          <a:xfrm>
+            <a:off x="-722700" y="-107750"/>
+            <a:ext cx="13637401" cy="7073501"/>
+          </a:xfrm>
+          <a:prstGeom prst="rect">
+            <a:avLst/>
+          </a:prstGeom>
+        </p:spPr>
+      </p:pic>
+    </p:spTree>
+    <p:extLst>
+      <p:ext uri="{BB962C8B-B14F-4D97-AF65-F5344CB8AC3E}">
+        <p14:creationId xmlns:p14="http://schemas.microsoft.com/office/powerpoint/2010/main" val="1924633687"/>
       </p:ext>
     </p:extLst>
   </p:cSld>

--- a/doc/tex/sdf/tq_76558_cow_protocol/figures_raw/Full2.pptx
+++ b/doc/tex/sdf/tq_76558_cow_protocol/figures_raw/Full2.pptx
@@ -8045,16 +8045,44 @@
           </p:cNvPicPr>
           <p:nvPr/>
         </p:nvPicPr>
-        <p:blipFill>
+        <p:blipFill rotWithShape="1">
           <a:blip r:embed="rId2"/>
-          <a:stretch>
-            <a:fillRect/>
-          </a:stretch>
+          <a:srcRect b="40196"/>
+          <a:stretch/>
         </p:blipFill>
         <p:spPr>
           <a:xfrm>
             <a:off x="3789251" y="-407914"/>
-            <a:ext cx="4613498" cy="8136000"/>
+            <a:ext cx="4613498" cy="4865614"/>
+          </a:xfrm>
+          <a:prstGeom prst="rect">
+            <a:avLst/>
+          </a:prstGeom>
+        </p:spPr>
+      </p:pic>
+      <p:pic>
+        <p:nvPicPr>
+          <p:cNvPr id="3" name="Imagem 2">
+            <a:extLst>
+              <a:ext uri="{FF2B5EF4-FFF2-40B4-BE49-F238E27FC236}">
+                <a16:creationId xmlns:a16="http://schemas.microsoft.com/office/drawing/2014/main" id="{296EBE1C-F117-419E-BBE0-CD531A432B2E}"/>
+              </a:ext>
+            </a:extLst>
+          </p:cNvPr>
+          <p:cNvPicPr>
+            <a:picLocks noChangeAspect="1"/>
+          </p:cNvPicPr>
+          <p:nvPr/>
+        </p:nvPicPr>
+        <p:blipFill rotWithShape="1">
+          <a:blip r:embed="rId2"/>
+          <a:srcRect t="64667"/>
+          <a:stretch/>
+        </p:blipFill>
+        <p:spPr>
+          <a:xfrm>
+            <a:off x="3789251" y="4853354"/>
+            <a:ext cx="4613498" cy="2874732"/>
           </a:xfrm>
           <a:prstGeom prst="rect">
             <a:avLst/>

--- a/doc/tex/sdf/tq_76558_cow_protocol/figures_raw/Full2.pptx
+++ b/doc/tex/sdf/tq_76558_cow_protocol/figures_raw/Full2.pptx
@@ -269,7 +269,7 @@
           <a:p>
             <a:fld id="{B8F5C3C8-5F51-4191-BFCC-D40874AC55AA}" type="datetimeFigureOut">
               <a:rPr lang="en-GB" smtClean="0"/>
-              <a:t>09/11/2018</a:t>
+              <a:t>19/11/2018</a:t>
             </a:fld>
             <a:endParaRPr lang="en-GB"/>
           </a:p>
@@ -469,7 +469,7 @@
           <a:p>
             <a:fld id="{B8F5C3C8-5F51-4191-BFCC-D40874AC55AA}" type="datetimeFigureOut">
               <a:rPr lang="en-GB" smtClean="0"/>
-              <a:t>09/11/2018</a:t>
+              <a:t>19/11/2018</a:t>
             </a:fld>
             <a:endParaRPr lang="en-GB"/>
           </a:p>
@@ -679,7 +679,7 @@
           <a:p>
             <a:fld id="{B8F5C3C8-5F51-4191-BFCC-D40874AC55AA}" type="datetimeFigureOut">
               <a:rPr lang="en-GB" smtClean="0"/>
-              <a:t>09/11/2018</a:t>
+              <a:t>19/11/2018</a:t>
             </a:fld>
             <a:endParaRPr lang="en-GB"/>
           </a:p>
@@ -879,7 +879,7 @@
           <a:p>
             <a:fld id="{B8F5C3C8-5F51-4191-BFCC-D40874AC55AA}" type="datetimeFigureOut">
               <a:rPr lang="en-GB" smtClean="0"/>
-              <a:t>09/11/2018</a:t>
+              <a:t>19/11/2018</a:t>
             </a:fld>
             <a:endParaRPr lang="en-GB"/>
           </a:p>
@@ -1155,7 +1155,7 @@
           <a:p>
             <a:fld id="{B8F5C3C8-5F51-4191-BFCC-D40874AC55AA}" type="datetimeFigureOut">
               <a:rPr lang="en-GB" smtClean="0"/>
-              <a:t>09/11/2018</a:t>
+              <a:t>19/11/2018</a:t>
             </a:fld>
             <a:endParaRPr lang="en-GB"/>
           </a:p>
@@ -1423,7 +1423,7 @@
           <a:p>
             <a:fld id="{B8F5C3C8-5F51-4191-BFCC-D40874AC55AA}" type="datetimeFigureOut">
               <a:rPr lang="en-GB" smtClean="0"/>
-              <a:t>09/11/2018</a:t>
+              <a:t>19/11/2018</a:t>
             </a:fld>
             <a:endParaRPr lang="en-GB"/>
           </a:p>
@@ -1838,7 +1838,7 @@
           <a:p>
             <a:fld id="{B8F5C3C8-5F51-4191-BFCC-D40874AC55AA}" type="datetimeFigureOut">
               <a:rPr lang="en-GB" smtClean="0"/>
-              <a:t>09/11/2018</a:t>
+              <a:t>19/11/2018</a:t>
             </a:fld>
             <a:endParaRPr lang="en-GB"/>
           </a:p>
@@ -1980,7 +1980,7 @@
           <a:p>
             <a:fld id="{B8F5C3C8-5F51-4191-BFCC-D40874AC55AA}" type="datetimeFigureOut">
               <a:rPr lang="en-GB" smtClean="0"/>
-              <a:t>09/11/2018</a:t>
+              <a:t>19/11/2018</a:t>
             </a:fld>
             <a:endParaRPr lang="en-GB"/>
           </a:p>
@@ -2093,7 +2093,7 @@
           <a:p>
             <a:fld id="{B8F5C3C8-5F51-4191-BFCC-D40874AC55AA}" type="datetimeFigureOut">
               <a:rPr lang="en-GB" smtClean="0"/>
-              <a:t>09/11/2018</a:t>
+              <a:t>19/11/2018</a:t>
             </a:fld>
             <a:endParaRPr lang="en-GB"/>
           </a:p>
@@ -2406,7 +2406,7 @@
           <a:p>
             <a:fld id="{B8F5C3C8-5F51-4191-BFCC-D40874AC55AA}" type="datetimeFigureOut">
               <a:rPr lang="en-GB" smtClean="0"/>
-              <a:t>09/11/2018</a:t>
+              <a:t>19/11/2018</a:t>
             </a:fld>
             <a:endParaRPr lang="en-GB"/>
           </a:p>
@@ -2695,7 +2695,7 @@
           <a:p>
             <a:fld id="{B8F5C3C8-5F51-4191-BFCC-D40874AC55AA}" type="datetimeFigureOut">
               <a:rPr lang="en-GB" smtClean="0"/>
-              <a:t>09/11/2018</a:t>
+              <a:t>19/11/2018</a:t>
             </a:fld>
             <a:endParaRPr lang="en-GB"/>
           </a:p>
@@ -2943,7 +2943,7 @@
           <a:p>
             <a:fld id="{B8F5C3C8-5F51-4191-BFCC-D40874AC55AA}" type="datetimeFigureOut">
               <a:rPr lang="en-GB" smtClean="0"/>
-              <a:t>09/11/2018</a:t>
+              <a:t>19/11/2018</a:t>
             </a:fld>
             <a:endParaRPr lang="en-GB"/>
           </a:p>
@@ -7666,7 +7666,7 @@
                       <am3d:postTrans dx="0" dy="0" dz="0"/>
                     </am3d:trans>
                     <am3d:raster rName="Office3DRenderer" rVer="16.0.8326">
-                      <am3d:blip r:embed="rId4"/>
+                      <am3d:blip r:embed="rId3"/>
                     </am3d:raster>
                     <am3d:objViewport viewportSz="3576459"/>
                     <am3d:ambientLight>
@@ -9698,7 +9698,7 @@
                     <am3d:postTrans dx="0" dy="0" dz="0"/>
                   </am3d:trans>
                   <am3d:raster rName="Office3DRenderer" rVer="16.0.8326">
-                    <am3d:blip r:embed="rId13"/>
+                    <am3d:blip r:embed="rId12"/>
                   </am3d:raster>
                   <am3d:objViewport viewportSz="2247116"/>
                   <am3d:ambientLight>
@@ -10767,10 +10767,10 @@
       </p:grpSpPr>
       <p:pic>
         <p:nvPicPr>
-          <p:cNvPr id="5" name="Imagem 4">
+          <p:cNvPr id="4" name="Imagem 3">
             <a:extLst>
               <a:ext uri="{FF2B5EF4-FFF2-40B4-BE49-F238E27FC236}">
-                <a16:creationId xmlns:a16="http://schemas.microsoft.com/office/drawing/2014/main" id="{0771AF17-4C9F-4230-8F9A-1CE42ECB9DA8}"/>
+                <a16:creationId xmlns:a16="http://schemas.microsoft.com/office/drawing/2014/main" id="{45C1DCD2-216E-40F6-B9D6-64180D38A53D}"/>
               </a:ext>
             </a:extLst>
           </p:cNvPr>
@@ -10787,8 +10787,8 @@
         </p:blipFill>
         <p:spPr>
           <a:xfrm>
-            <a:off x="-722700" y="-107750"/>
-            <a:ext cx="13637401" cy="7073501"/>
+            <a:off x="140604" y="-180975"/>
+            <a:ext cx="11910793" cy="7460010"/>
           </a:xfrm>
           <a:prstGeom prst="rect">
             <a:avLst/>

--- a/doc/tex/sdf/tq_76558_cow_protocol/figures_raw/Full2.pptx
+++ b/doc/tex/sdf/tq_76558_cow_protocol/figures_raw/Full2.pptx
@@ -14,6 +14,8 @@
     <p:sldId id="266" r:id="rId8"/>
     <p:sldId id="263" r:id="rId9"/>
     <p:sldId id="264" r:id="rId10"/>
+    <p:sldId id="267" r:id="rId11"/>
+    <p:sldId id="268" r:id="rId12"/>
   </p:sldIdLst>
   <p:sldSz cx="12192000" cy="6858000"/>
   <p:notesSz cx="6858000" cy="9144000"/>
@@ -269,7 +271,7 @@
           <a:p>
             <a:fld id="{B8F5C3C8-5F51-4191-BFCC-D40874AC55AA}" type="datetimeFigureOut">
               <a:rPr lang="en-GB" smtClean="0"/>
-              <a:t>19/11/2018</a:t>
+              <a:t>10/12/2018</a:t>
             </a:fld>
             <a:endParaRPr lang="en-GB"/>
           </a:p>
@@ -469,7 +471,7 @@
           <a:p>
             <a:fld id="{B8F5C3C8-5F51-4191-BFCC-D40874AC55AA}" type="datetimeFigureOut">
               <a:rPr lang="en-GB" smtClean="0"/>
-              <a:t>19/11/2018</a:t>
+              <a:t>10/12/2018</a:t>
             </a:fld>
             <a:endParaRPr lang="en-GB"/>
           </a:p>
@@ -679,7 +681,7 @@
           <a:p>
             <a:fld id="{B8F5C3C8-5F51-4191-BFCC-D40874AC55AA}" type="datetimeFigureOut">
               <a:rPr lang="en-GB" smtClean="0"/>
-              <a:t>19/11/2018</a:t>
+              <a:t>10/12/2018</a:t>
             </a:fld>
             <a:endParaRPr lang="en-GB"/>
           </a:p>
@@ -879,7 +881,7 @@
           <a:p>
             <a:fld id="{B8F5C3C8-5F51-4191-BFCC-D40874AC55AA}" type="datetimeFigureOut">
               <a:rPr lang="en-GB" smtClean="0"/>
-              <a:t>19/11/2018</a:t>
+              <a:t>10/12/2018</a:t>
             </a:fld>
             <a:endParaRPr lang="en-GB"/>
           </a:p>
@@ -1155,7 +1157,7 @@
           <a:p>
             <a:fld id="{B8F5C3C8-5F51-4191-BFCC-D40874AC55AA}" type="datetimeFigureOut">
               <a:rPr lang="en-GB" smtClean="0"/>
-              <a:t>19/11/2018</a:t>
+              <a:t>10/12/2018</a:t>
             </a:fld>
             <a:endParaRPr lang="en-GB"/>
           </a:p>
@@ -1423,7 +1425,7 @@
           <a:p>
             <a:fld id="{B8F5C3C8-5F51-4191-BFCC-D40874AC55AA}" type="datetimeFigureOut">
               <a:rPr lang="en-GB" smtClean="0"/>
-              <a:t>19/11/2018</a:t>
+              <a:t>10/12/2018</a:t>
             </a:fld>
             <a:endParaRPr lang="en-GB"/>
           </a:p>
@@ -1838,7 +1840,7 @@
           <a:p>
             <a:fld id="{B8F5C3C8-5F51-4191-BFCC-D40874AC55AA}" type="datetimeFigureOut">
               <a:rPr lang="en-GB" smtClean="0"/>
-              <a:t>19/11/2018</a:t>
+              <a:t>10/12/2018</a:t>
             </a:fld>
             <a:endParaRPr lang="en-GB"/>
           </a:p>
@@ -1980,7 +1982,7 @@
           <a:p>
             <a:fld id="{B8F5C3C8-5F51-4191-BFCC-D40874AC55AA}" type="datetimeFigureOut">
               <a:rPr lang="en-GB" smtClean="0"/>
-              <a:t>19/11/2018</a:t>
+              <a:t>10/12/2018</a:t>
             </a:fld>
             <a:endParaRPr lang="en-GB"/>
           </a:p>
@@ -2093,7 +2095,7 @@
           <a:p>
             <a:fld id="{B8F5C3C8-5F51-4191-BFCC-D40874AC55AA}" type="datetimeFigureOut">
               <a:rPr lang="en-GB" smtClean="0"/>
-              <a:t>19/11/2018</a:t>
+              <a:t>10/12/2018</a:t>
             </a:fld>
             <a:endParaRPr lang="en-GB"/>
           </a:p>
@@ -2406,7 +2408,7 @@
           <a:p>
             <a:fld id="{B8F5C3C8-5F51-4191-BFCC-D40874AC55AA}" type="datetimeFigureOut">
               <a:rPr lang="en-GB" smtClean="0"/>
-              <a:t>19/11/2018</a:t>
+              <a:t>10/12/2018</a:t>
             </a:fld>
             <a:endParaRPr lang="en-GB"/>
           </a:p>
@@ -2695,7 +2697,7 @@
           <a:p>
             <a:fld id="{B8F5C3C8-5F51-4191-BFCC-D40874AC55AA}" type="datetimeFigureOut">
               <a:rPr lang="en-GB" smtClean="0"/>
-              <a:t>19/11/2018</a:t>
+              <a:t>10/12/2018</a:t>
             </a:fld>
             <a:endParaRPr lang="en-GB"/>
           </a:p>
@@ -2943,7 +2945,7 @@
           <a:p>
             <a:fld id="{B8F5C3C8-5F51-4191-BFCC-D40874AC55AA}" type="datetimeFigureOut">
               <a:rPr lang="en-GB" smtClean="0"/>
-              <a:t>19/11/2018</a:t>
+              <a:t>10/12/2018</a:t>
             </a:fld>
             <a:endParaRPr lang="en-GB"/>
           </a:p>
@@ -5142,6 +5144,1945 @@
     <p:extLst>
       <p:ext uri="{BB962C8B-B14F-4D97-AF65-F5344CB8AC3E}">
         <p14:creationId xmlns:p14="http://schemas.microsoft.com/office/powerpoint/2010/main" val="4279915656"/>
+      </p:ext>
+    </p:extLst>
+  </p:cSld>
+  <p:clrMapOvr>
+    <a:masterClrMapping/>
+  </p:clrMapOvr>
+</p:sld>
+</file>
+
+<file path=ppt/slides/slide10.xml><?xml version="1.0" encoding="utf-8"?>
+<p:sld xmlns:a="http://schemas.openxmlformats.org/drawingml/2006/main" xmlns:r="http://schemas.openxmlformats.org/officeDocument/2006/relationships" xmlns:p="http://schemas.openxmlformats.org/presentationml/2006/main">
+  <p:cSld>
+    <p:spTree>
+      <p:nvGrpSpPr>
+        <p:cNvPr id="1" name=""/>
+        <p:cNvGrpSpPr/>
+        <p:nvPr/>
+      </p:nvGrpSpPr>
+      <p:grpSpPr>
+        <a:xfrm>
+          <a:off x="0" y="0"/>
+          <a:ext cx="0" cy="0"/>
+          <a:chOff x="0" y="0"/>
+          <a:chExt cx="0" cy="0"/>
+        </a:xfrm>
+      </p:grpSpPr>
+      <p:graphicFrame>
+        <p:nvGraphicFramePr>
+          <p:cNvPr id="3" name="Tabela 2">
+            <a:extLst>
+              <a:ext uri="{FF2B5EF4-FFF2-40B4-BE49-F238E27FC236}">
+                <a16:creationId xmlns:a16="http://schemas.microsoft.com/office/drawing/2014/main" id="{3C5ED46F-9993-4B93-929D-14549DD1ED45}"/>
+              </a:ext>
+            </a:extLst>
+          </p:cNvPr>
+          <p:cNvGraphicFramePr>
+            <a:graphicFrameLocks noGrp="1"/>
+          </p:cNvGraphicFramePr>
+          <p:nvPr>
+            <p:extLst>
+              <p:ext uri="{D42A27DB-BD31-4B8C-83A1-F6EECF244321}">
+                <p14:modId xmlns:p14="http://schemas.microsoft.com/office/powerpoint/2010/main" val="176937665"/>
+              </p:ext>
+            </p:extLst>
+          </p:nvPr>
+        </p:nvGraphicFramePr>
+        <p:xfrm>
+          <a:off x="1" y="2074025"/>
+          <a:ext cx="12192000" cy="2139450"/>
+        </p:xfrm>
+        <a:graphic>
+          <a:graphicData uri="http://schemas.openxmlformats.org/drawingml/2006/table">
+            <a:tbl>
+              <a:tblPr firstRow="1" firstCol="1" bandRow="1">
+                <a:tableStyleId>{5C22544A-7EE6-4342-B048-85BDC9FD1C3A}</a:tableStyleId>
+              </a:tblPr>
+              <a:tblGrid>
+                <a:gridCol w="1212058">
+                  <a:extLst>
+                    <a:ext uri="{9D8B030D-6E8A-4147-A177-3AD203B41FA5}">
+                      <a16:colId xmlns:a16="http://schemas.microsoft.com/office/drawing/2014/main" val="208226359"/>
+                    </a:ext>
+                  </a:extLst>
+                </a:gridCol>
+                <a:gridCol w="1297805">
+                  <a:extLst>
+                    <a:ext uri="{9D8B030D-6E8A-4147-A177-3AD203B41FA5}">
+                      <a16:colId xmlns:a16="http://schemas.microsoft.com/office/drawing/2014/main" val="350067861"/>
+                    </a:ext>
+                  </a:extLst>
+                </a:gridCol>
+                <a:gridCol w="1233885">
+                  <a:extLst>
+                    <a:ext uri="{9D8B030D-6E8A-4147-A177-3AD203B41FA5}">
+                      <a16:colId xmlns:a16="http://schemas.microsoft.com/office/drawing/2014/main" val="543350652"/>
+                    </a:ext>
+                  </a:extLst>
+                </a:gridCol>
+                <a:gridCol w="901806">
+                  <a:extLst>
+                    <a:ext uri="{9D8B030D-6E8A-4147-A177-3AD203B41FA5}">
+                      <a16:colId xmlns:a16="http://schemas.microsoft.com/office/drawing/2014/main" val="3101476649"/>
+                    </a:ext>
+                  </a:extLst>
+                </a:gridCol>
+                <a:gridCol w="1297805">
+                  <a:extLst>
+                    <a:ext uri="{9D8B030D-6E8A-4147-A177-3AD203B41FA5}">
+                      <a16:colId xmlns:a16="http://schemas.microsoft.com/office/drawing/2014/main" val="2545959450"/>
+                    </a:ext>
+                  </a:extLst>
+                </a:gridCol>
+                <a:gridCol w="1233885">
+                  <a:extLst>
+                    <a:ext uri="{9D8B030D-6E8A-4147-A177-3AD203B41FA5}">
+                      <a16:colId xmlns:a16="http://schemas.microsoft.com/office/drawing/2014/main" val="1832356598"/>
+                    </a:ext>
+                  </a:extLst>
+                </a:gridCol>
+                <a:gridCol w="898688">
+                  <a:extLst>
+                    <a:ext uri="{9D8B030D-6E8A-4147-A177-3AD203B41FA5}">
+                      <a16:colId xmlns:a16="http://schemas.microsoft.com/office/drawing/2014/main" val="2431293828"/>
+                    </a:ext>
+                  </a:extLst>
+                </a:gridCol>
+                <a:gridCol w="1187112">
+                  <a:extLst>
+                    <a:ext uri="{9D8B030D-6E8A-4147-A177-3AD203B41FA5}">
+                      <a16:colId xmlns:a16="http://schemas.microsoft.com/office/drawing/2014/main" val="3577953251"/>
+                    </a:ext>
+                  </a:extLst>
+                </a:gridCol>
+                <a:gridCol w="1287533">
+                  <a:extLst>
+                    <a:ext uri="{9D8B030D-6E8A-4147-A177-3AD203B41FA5}">
+                      <a16:colId xmlns:a16="http://schemas.microsoft.com/office/drawing/2014/main" val="3562281758"/>
+                    </a:ext>
+                  </a:extLst>
+                </a:gridCol>
+                <a:gridCol w="1641423">
+                  <a:extLst>
+                    <a:ext uri="{9D8B030D-6E8A-4147-A177-3AD203B41FA5}">
+                      <a16:colId xmlns:a16="http://schemas.microsoft.com/office/drawing/2014/main" val="2391989253"/>
+                    </a:ext>
+                  </a:extLst>
+                </a:gridCol>
+              </a:tblGrid>
+              <a:tr h="0">
+                <a:tc>
+                  <a:txBody>
+                    <a:bodyPr/>
+                    <a:lstStyle/>
+                    <a:p>
+                      <a:pPr algn="ctr"/>
+                      <a:endParaRPr lang="en-GB" sz="2000" dirty="0">
+                        <a:latin typeface="CMU Serif" panose="02000603000000000000" pitchFamily="2" charset="0"/>
+                        <a:ea typeface="CMU Serif" panose="02000603000000000000" pitchFamily="2" charset="0"/>
+                        <a:cs typeface="CMU Serif" panose="02000603000000000000" pitchFamily="2" charset="0"/>
+                      </a:endParaRPr>
+                    </a:p>
+                  </a:txBody>
+                  <a:tcPr marL="135282" marR="135282" marT="67641" marB="67641" anchor="ctr">
+                    <a:lnL w="12700" cmpd="sng">
+                      <a:noFill/>
+                    </a:lnL>
+                    <a:lnR w="12700" cmpd="sng">
+                      <a:noFill/>
+                    </a:lnR>
+                    <a:lnT w="12700" cmpd="sng">
+                      <a:noFill/>
+                    </a:lnT>
+                    <a:lnB w="38100" cmpd="sng">
+                      <a:noFill/>
+                    </a:lnB>
+                    <a:lnTlToBr w="12700" cmpd="sng">
+                      <a:noFill/>
+                      <a:prstDash val="solid"/>
+                    </a:lnTlToBr>
+                    <a:lnBlToTr w="12700" cmpd="sng">
+                      <a:noFill/>
+                      <a:prstDash val="solid"/>
+                    </a:lnBlToTr>
+                    <a:noFill/>
+                  </a:tcPr>
+                </a:tc>
+                <a:tc gridSpan="3">
+                  <a:txBody>
+                    <a:bodyPr/>
+                    <a:lstStyle/>
+                    <a:p>
+                      <a:pPr algn="ctr"/>
+                      <a:r>
+                        <a:rPr lang="en-GB" sz="2000" dirty="0">
+                          <a:ln>
+                            <a:noFill/>
+                          </a:ln>
+                          <a:solidFill>
+                            <a:schemeClr val="bg1"/>
+                          </a:solidFill>
+                          <a:latin typeface="CMU Serif" panose="02000603000000000000" pitchFamily="2" charset="0"/>
+                          <a:ea typeface="CMU Serif" panose="02000603000000000000" pitchFamily="2" charset="0"/>
+                          <a:cs typeface="CMU Serif" panose="02000603000000000000" pitchFamily="2" charset="0"/>
+                        </a:rPr>
+                        <a:t>Eve Efficiency=0.1</a:t>
+                      </a:r>
+                    </a:p>
+                  </a:txBody>
+                  <a:tcPr marL="135282" marR="135282" marT="67641" marB="67641" anchor="ctr">
+                    <a:lnL w="12700" cmpd="sng">
+                      <a:noFill/>
+                    </a:lnL>
+                    <a:solidFill>
+                      <a:srgbClr val="005288"/>
+                    </a:solidFill>
+                  </a:tcPr>
+                </a:tc>
+                <a:tc hMerge="1">
+                  <a:txBody>
+                    <a:bodyPr/>
+                    <a:lstStyle/>
+                    <a:p>
+                      <a:endParaRPr lang="en-GB"/>
+                    </a:p>
+                  </a:txBody>
+                  <a:tcPr/>
+                </a:tc>
+                <a:tc hMerge="1">
+                  <a:txBody>
+                    <a:bodyPr/>
+                    <a:lstStyle/>
+                    <a:p>
+                      <a:endParaRPr lang="en-GB" sz="2600" dirty="0"/>
+                    </a:p>
+                  </a:txBody>
+                  <a:tcPr marL="135282" marR="135282" marT="67641" marB="67641"/>
+                </a:tc>
+                <a:tc gridSpan="3">
+                  <a:txBody>
+                    <a:bodyPr/>
+                    <a:lstStyle/>
+                    <a:p>
+                      <a:pPr marL="0" marR="0" lvl="0" indent="0" algn="ctr" defTabSz="914400" rtl="0" eaLnBrk="1" fontAlgn="auto" latinLnBrk="0" hangingPunct="1">
+                        <a:lnSpc>
+                          <a:spcPct val="100000"/>
+                        </a:lnSpc>
+                        <a:spcBef>
+                          <a:spcPts val="0"/>
+                        </a:spcBef>
+                        <a:spcAft>
+                          <a:spcPts val="0"/>
+                        </a:spcAft>
+                        <a:buClrTx/>
+                        <a:buSzTx/>
+                        <a:buFontTx/>
+                        <a:buNone/>
+                        <a:tabLst/>
+                        <a:defRPr/>
+                      </a:pPr>
+                      <a:r>
+                        <a:rPr lang="en-GB" sz="2000" dirty="0">
+                          <a:ln>
+                            <a:noFill/>
+                          </a:ln>
+                          <a:solidFill>
+                            <a:schemeClr val="bg1"/>
+                          </a:solidFill>
+                          <a:latin typeface="CMU Serif" panose="02000603000000000000" pitchFamily="2" charset="0"/>
+                          <a:ea typeface="CMU Serif" panose="02000603000000000000" pitchFamily="2" charset="0"/>
+                          <a:cs typeface="CMU Serif" panose="02000603000000000000" pitchFamily="2" charset="0"/>
+                        </a:rPr>
+                        <a:t>Eve Efficiency=0.1</a:t>
+                      </a:r>
+                    </a:p>
+                  </a:txBody>
+                  <a:tcPr marL="135282" marR="135282" marT="67641" marB="67641" anchor="ctr">
+                    <a:solidFill>
+                      <a:srgbClr val="005288"/>
+                    </a:solidFill>
+                  </a:tcPr>
+                </a:tc>
+                <a:tc hMerge="1">
+                  <a:txBody>
+                    <a:bodyPr/>
+                    <a:lstStyle/>
+                    <a:p>
+                      <a:endParaRPr lang="en-GB"/>
+                    </a:p>
+                  </a:txBody>
+                  <a:tcPr/>
+                </a:tc>
+                <a:tc hMerge="1">
+                  <a:txBody>
+                    <a:bodyPr/>
+                    <a:lstStyle/>
+                    <a:p>
+                      <a:endParaRPr lang="en-GB" sz="2600" dirty="0"/>
+                    </a:p>
+                  </a:txBody>
+                  <a:tcPr marL="135282" marR="135282" marT="67641" marB="67641"/>
+                </a:tc>
+                <a:tc gridSpan="3">
+                  <a:txBody>
+                    <a:bodyPr/>
+                    <a:lstStyle/>
+                    <a:p>
+                      <a:pPr marL="0" marR="0" lvl="0" indent="0" algn="ctr" defTabSz="914400" rtl="0" eaLnBrk="1" fontAlgn="auto" latinLnBrk="0" hangingPunct="1">
+                        <a:lnSpc>
+                          <a:spcPct val="100000"/>
+                        </a:lnSpc>
+                        <a:spcBef>
+                          <a:spcPts val="0"/>
+                        </a:spcBef>
+                        <a:spcAft>
+                          <a:spcPts val="0"/>
+                        </a:spcAft>
+                        <a:buClrTx/>
+                        <a:buSzTx/>
+                        <a:buFontTx/>
+                        <a:buNone/>
+                        <a:tabLst/>
+                        <a:defRPr/>
+                      </a:pPr>
+                      <a:r>
+                        <a:rPr lang="en-GB" sz="2000" dirty="0">
+                          <a:ln>
+                            <a:noFill/>
+                          </a:ln>
+                          <a:solidFill>
+                            <a:schemeClr val="bg1"/>
+                          </a:solidFill>
+                          <a:latin typeface="CMU Serif" panose="02000603000000000000" pitchFamily="2" charset="0"/>
+                          <a:ea typeface="CMU Serif" panose="02000603000000000000" pitchFamily="2" charset="0"/>
+                          <a:cs typeface="CMU Serif" panose="02000603000000000000" pitchFamily="2" charset="0"/>
+                        </a:rPr>
+                        <a:t>Eve Efficiency=1</a:t>
+                      </a:r>
+                    </a:p>
+                  </a:txBody>
+                  <a:tcPr marL="135282" marR="135282" marT="67641" marB="67641" anchor="ctr">
+                    <a:solidFill>
+                      <a:srgbClr val="005288"/>
+                    </a:solidFill>
+                  </a:tcPr>
+                </a:tc>
+                <a:tc hMerge="1">
+                  <a:txBody>
+                    <a:bodyPr/>
+                    <a:lstStyle/>
+                    <a:p>
+                      <a:endParaRPr lang="en-GB"/>
+                    </a:p>
+                  </a:txBody>
+                  <a:tcPr/>
+                </a:tc>
+                <a:tc hMerge="1">
+                  <a:txBody>
+                    <a:bodyPr/>
+                    <a:lstStyle/>
+                    <a:p>
+                      <a:endParaRPr lang="en-GB" sz="2600" dirty="0"/>
+                    </a:p>
+                  </a:txBody>
+                  <a:tcPr marL="135282" marR="135282" marT="67641" marB="67641"/>
+                </a:tc>
+                <a:extLst>
+                  <a:ext uri="{0D108BD9-81ED-4DB2-BD59-A6C34878D82A}">
+                    <a16:rowId xmlns:a16="http://schemas.microsoft.com/office/drawing/2014/main" val="2267320007"/>
+                  </a:ext>
+                </a:extLst>
+              </a:tr>
+              <a:tr h="0">
+                <a:tc>
+                  <a:txBody>
+                    <a:bodyPr/>
+                    <a:lstStyle/>
+                    <a:p>
+                      <a:pPr algn="ctr"/>
+                      <a:endParaRPr lang="en-GB" sz="2000" dirty="0">
+                        <a:latin typeface="CMU Serif" panose="02000603000000000000" pitchFamily="2" charset="0"/>
+                        <a:ea typeface="CMU Serif" panose="02000603000000000000" pitchFamily="2" charset="0"/>
+                        <a:cs typeface="CMU Serif" panose="02000603000000000000" pitchFamily="2" charset="0"/>
+                      </a:endParaRPr>
+                    </a:p>
+                  </a:txBody>
+                  <a:tcPr marL="135282" marR="135282" marT="67641" marB="67641" anchor="ctr">
+                    <a:lnL w="12700" cmpd="sng">
+                      <a:noFill/>
+                    </a:lnL>
+                    <a:lnR w="12700" cmpd="sng">
+                      <a:noFill/>
+                    </a:lnR>
+                    <a:lnT w="38100" cmpd="sng">
+                      <a:noFill/>
+                    </a:lnT>
+                    <a:lnB w="12700" cmpd="sng">
+                      <a:noFill/>
+                    </a:lnB>
+                    <a:lnTlToBr w="12700" cmpd="sng">
+                      <a:noFill/>
+                      <a:prstDash val="solid"/>
+                    </a:lnTlToBr>
+                    <a:lnBlToTr w="12700" cmpd="sng">
+                      <a:noFill/>
+                      <a:prstDash val="solid"/>
+                    </a:lnBlToTr>
+                    <a:noFill/>
+                  </a:tcPr>
+                </a:tc>
+                <a:tc>
+                  <a:txBody>
+                    <a:bodyPr/>
+                    <a:lstStyle/>
+                    <a:p>
+                      <a:pPr algn="ctr"/>
+                      <a:r>
+                        <a:rPr lang="en-GB" sz="2000" dirty="0">
+                          <a:ln>
+                            <a:noFill/>
+                          </a:ln>
+                          <a:solidFill>
+                            <a:schemeClr val="bg1"/>
+                          </a:solidFill>
+                          <a:latin typeface="CMU Serif" panose="02000603000000000000" pitchFamily="2" charset="0"/>
+                          <a:ea typeface="CMU Serif" panose="02000603000000000000" pitchFamily="2" charset="0"/>
+                          <a:cs typeface="CMU Serif" panose="02000603000000000000" pitchFamily="2" charset="0"/>
+                        </a:rPr>
+                        <a:t>Min</a:t>
+                      </a:r>
+                    </a:p>
+                  </a:txBody>
+                  <a:tcPr marL="135282" marR="135282" marT="67641" marB="67641" anchor="ctr">
+                    <a:lnL w="12700" cmpd="sng">
+                      <a:noFill/>
+                    </a:lnL>
+                    <a:solidFill>
+                      <a:srgbClr val="005288"/>
+                    </a:solidFill>
+                  </a:tcPr>
+                </a:tc>
+                <a:tc>
+                  <a:txBody>
+                    <a:bodyPr/>
+                    <a:lstStyle/>
+                    <a:p>
+                      <a:pPr algn="ctr"/>
+                      <a:r>
+                        <a:rPr lang="en-GB" sz="2000" dirty="0">
+                          <a:ln>
+                            <a:noFill/>
+                          </a:ln>
+                          <a:solidFill>
+                            <a:schemeClr val="bg1"/>
+                          </a:solidFill>
+                          <a:latin typeface="CMU Serif" panose="02000603000000000000" pitchFamily="2" charset="0"/>
+                          <a:ea typeface="CMU Serif" panose="02000603000000000000" pitchFamily="2" charset="0"/>
+                          <a:cs typeface="CMU Serif" panose="02000603000000000000" pitchFamily="2" charset="0"/>
+                        </a:rPr>
+                        <a:t>Average</a:t>
+                      </a:r>
+                    </a:p>
+                  </a:txBody>
+                  <a:tcPr marL="135282" marR="135282" marT="67641" marB="67641" anchor="ctr">
+                    <a:solidFill>
+                      <a:srgbClr val="005288"/>
+                    </a:solidFill>
+                  </a:tcPr>
+                </a:tc>
+                <a:tc>
+                  <a:txBody>
+                    <a:bodyPr/>
+                    <a:lstStyle/>
+                    <a:p>
+                      <a:pPr algn="ctr"/>
+                      <a:r>
+                        <a:rPr lang="en-GB" sz="2000" dirty="0">
+                          <a:ln>
+                            <a:noFill/>
+                          </a:ln>
+                          <a:solidFill>
+                            <a:schemeClr val="bg1"/>
+                          </a:solidFill>
+                          <a:latin typeface="CMU Serif" panose="02000603000000000000" pitchFamily="2" charset="0"/>
+                          <a:ea typeface="CMU Serif" panose="02000603000000000000" pitchFamily="2" charset="0"/>
+                          <a:cs typeface="CMU Serif" panose="02000603000000000000" pitchFamily="2" charset="0"/>
+                        </a:rPr>
+                        <a:t>Max</a:t>
+                      </a:r>
+                    </a:p>
+                  </a:txBody>
+                  <a:tcPr marL="135282" marR="135282" marT="67641" marB="67641" anchor="ctr">
+                    <a:solidFill>
+                      <a:srgbClr val="005288"/>
+                    </a:solidFill>
+                  </a:tcPr>
+                </a:tc>
+                <a:tc>
+                  <a:txBody>
+                    <a:bodyPr/>
+                    <a:lstStyle/>
+                    <a:p>
+                      <a:pPr algn="ctr"/>
+                      <a:r>
+                        <a:rPr lang="en-GB" sz="2000" dirty="0">
+                          <a:ln>
+                            <a:noFill/>
+                          </a:ln>
+                          <a:solidFill>
+                            <a:schemeClr val="bg1"/>
+                          </a:solidFill>
+                          <a:latin typeface="CMU Serif" panose="02000603000000000000" pitchFamily="2" charset="0"/>
+                          <a:ea typeface="CMU Serif" panose="02000603000000000000" pitchFamily="2" charset="0"/>
+                          <a:cs typeface="CMU Serif" panose="02000603000000000000" pitchFamily="2" charset="0"/>
+                        </a:rPr>
+                        <a:t>Min</a:t>
+                      </a:r>
+                    </a:p>
+                  </a:txBody>
+                  <a:tcPr marL="135282" marR="135282" marT="67641" marB="67641" anchor="ctr">
+                    <a:solidFill>
+                      <a:srgbClr val="005288"/>
+                    </a:solidFill>
+                  </a:tcPr>
+                </a:tc>
+                <a:tc>
+                  <a:txBody>
+                    <a:bodyPr/>
+                    <a:lstStyle/>
+                    <a:p>
+                      <a:pPr algn="ctr"/>
+                      <a:r>
+                        <a:rPr lang="en-GB" sz="2000" dirty="0">
+                          <a:ln>
+                            <a:noFill/>
+                          </a:ln>
+                          <a:solidFill>
+                            <a:schemeClr val="bg1"/>
+                          </a:solidFill>
+                          <a:latin typeface="CMU Serif" panose="02000603000000000000" pitchFamily="2" charset="0"/>
+                          <a:ea typeface="CMU Serif" panose="02000603000000000000" pitchFamily="2" charset="0"/>
+                          <a:cs typeface="CMU Serif" panose="02000603000000000000" pitchFamily="2" charset="0"/>
+                        </a:rPr>
+                        <a:t>Average</a:t>
+                      </a:r>
+                    </a:p>
+                  </a:txBody>
+                  <a:tcPr marL="135282" marR="135282" marT="67641" marB="67641" anchor="ctr">
+                    <a:solidFill>
+                      <a:srgbClr val="005288"/>
+                    </a:solidFill>
+                  </a:tcPr>
+                </a:tc>
+                <a:tc>
+                  <a:txBody>
+                    <a:bodyPr/>
+                    <a:lstStyle/>
+                    <a:p>
+                      <a:pPr algn="ctr"/>
+                      <a:r>
+                        <a:rPr lang="en-GB" sz="2000" dirty="0">
+                          <a:ln>
+                            <a:noFill/>
+                          </a:ln>
+                          <a:solidFill>
+                            <a:schemeClr val="bg1"/>
+                          </a:solidFill>
+                          <a:latin typeface="CMU Serif" panose="02000603000000000000" pitchFamily="2" charset="0"/>
+                          <a:ea typeface="CMU Serif" panose="02000603000000000000" pitchFamily="2" charset="0"/>
+                          <a:cs typeface="CMU Serif" panose="02000603000000000000" pitchFamily="2" charset="0"/>
+                        </a:rPr>
+                        <a:t>Max</a:t>
+                      </a:r>
+                    </a:p>
+                  </a:txBody>
+                  <a:tcPr marL="135282" marR="135282" marT="67641" marB="67641" anchor="ctr">
+                    <a:solidFill>
+                      <a:srgbClr val="005288"/>
+                    </a:solidFill>
+                  </a:tcPr>
+                </a:tc>
+                <a:tc>
+                  <a:txBody>
+                    <a:bodyPr/>
+                    <a:lstStyle/>
+                    <a:p>
+                      <a:pPr algn="ctr"/>
+                      <a:r>
+                        <a:rPr lang="en-GB" sz="2000" dirty="0">
+                          <a:ln>
+                            <a:noFill/>
+                          </a:ln>
+                          <a:solidFill>
+                            <a:schemeClr val="bg1"/>
+                          </a:solidFill>
+                          <a:latin typeface="CMU Serif" panose="02000603000000000000" pitchFamily="2" charset="0"/>
+                          <a:ea typeface="CMU Serif" panose="02000603000000000000" pitchFamily="2" charset="0"/>
+                          <a:cs typeface="CMU Serif" panose="02000603000000000000" pitchFamily="2" charset="0"/>
+                        </a:rPr>
+                        <a:t>Min</a:t>
+                      </a:r>
+                    </a:p>
+                  </a:txBody>
+                  <a:tcPr marL="135282" marR="135282" marT="67641" marB="67641" anchor="ctr">
+                    <a:solidFill>
+                      <a:srgbClr val="005288"/>
+                    </a:solidFill>
+                  </a:tcPr>
+                </a:tc>
+                <a:tc>
+                  <a:txBody>
+                    <a:bodyPr/>
+                    <a:lstStyle/>
+                    <a:p>
+                      <a:pPr algn="ctr"/>
+                      <a:r>
+                        <a:rPr lang="en-GB" sz="2000" dirty="0">
+                          <a:ln>
+                            <a:noFill/>
+                          </a:ln>
+                          <a:solidFill>
+                            <a:schemeClr val="bg1"/>
+                          </a:solidFill>
+                          <a:latin typeface="CMU Serif" panose="02000603000000000000" pitchFamily="2" charset="0"/>
+                          <a:ea typeface="CMU Serif" panose="02000603000000000000" pitchFamily="2" charset="0"/>
+                          <a:cs typeface="CMU Serif" panose="02000603000000000000" pitchFamily="2" charset="0"/>
+                        </a:rPr>
+                        <a:t>Average</a:t>
+                      </a:r>
+                    </a:p>
+                  </a:txBody>
+                  <a:tcPr marL="135282" marR="135282" marT="67641" marB="67641" anchor="ctr">
+                    <a:solidFill>
+                      <a:srgbClr val="005288"/>
+                    </a:solidFill>
+                  </a:tcPr>
+                </a:tc>
+                <a:tc>
+                  <a:txBody>
+                    <a:bodyPr/>
+                    <a:lstStyle/>
+                    <a:p>
+                      <a:pPr algn="ctr"/>
+                      <a:r>
+                        <a:rPr lang="en-GB" sz="2000" dirty="0">
+                          <a:ln>
+                            <a:noFill/>
+                          </a:ln>
+                          <a:solidFill>
+                            <a:schemeClr val="bg1"/>
+                          </a:solidFill>
+                          <a:latin typeface="CMU Serif" panose="02000603000000000000" pitchFamily="2" charset="0"/>
+                          <a:ea typeface="CMU Serif" panose="02000603000000000000" pitchFamily="2" charset="0"/>
+                          <a:cs typeface="CMU Serif" panose="02000603000000000000" pitchFamily="2" charset="0"/>
+                        </a:rPr>
+                        <a:t>Max</a:t>
+                      </a:r>
+                    </a:p>
+                  </a:txBody>
+                  <a:tcPr marL="135282" marR="135282" marT="67641" marB="67641" anchor="ctr">
+                    <a:solidFill>
+                      <a:srgbClr val="005288"/>
+                    </a:solidFill>
+                  </a:tcPr>
+                </a:tc>
+                <a:extLst>
+                  <a:ext uri="{0D108BD9-81ED-4DB2-BD59-A6C34878D82A}">
+                    <a16:rowId xmlns:a16="http://schemas.microsoft.com/office/drawing/2014/main" val="1477107565"/>
+                  </a:ext>
+                </a:extLst>
+              </a:tr>
+              <a:tr h="0">
+                <a:tc>
+                  <a:txBody>
+                    <a:bodyPr/>
+                    <a:lstStyle/>
+                    <a:p>
+                      <a:pPr algn="ctr"/>
+                      <a:r>
+                        <a:rPr lang="en-GB" sz="2000" dirty="0">
+                          <a:solidFill>
+                            <a:schemeClr val="bg1"/>
+                          </a:solidFill>
+                          <a:latin typeface="CMU Serif" panose="02000603000000000000" pitchFamily="2" charset="0"/>
+                          <a:ea typeface="CMU Serif" panose="02000603000000000000" pitchFamily="2" charset="0"/>
+                          <a:cs typeface="CMU Serif" panose="02000603000000000000" pitchFamily="2" charset="0"/>
+                        </a:rPr>
+                        <a:t>QBER</a:t>
+                      </a:r>
+                    </a:p>
+                  </a:txBody>
+                  <a:tcPr marL="135282" marR="135282" marT="67641" marB="67641" anchor="ctr">
+                    <a:lnT w="12700" cmpd="sng">
+                      <a:noFill/>
+                    </a:lnT>
+                    <a:solidFill>
+                      <a:srgbClr val="005288"/>
+                    </a:solidFill>
+                  </a:tcPr>
+                </a:tc>
+                <a:tc>
+                  <a:txBody>
+                    <a:bodyPr/>
+                    <a:lstStyle/>
+                    <a:p>
+                      <a:pPr algn="ctr"/>
+                      <a:r>
+                        <a:rPr lang="en-GB" sz="1800" dirty="0">
+                          <a:latin typeface="CMU Serif" panose="02000603000000000000" pitchFamily="2" charset="0"/>
+                          <a:ea typeface="CMU Serif" panose="02000603000000000000" pitchFamily="2" charset="0"/>
+                          <a:cs typeface="CMU Serif" panose="02000603000000000000" pitchFamily="2" charset="0"/>
+                        </a:rPr>
+                        <a:t>0.0020583</a:t>
+                      </a:r>
+                    </a:p>
+                  </a:txBody>
+                  <a:tcPr marL="135282" marR="135282" marT="67641" marB="67641" anchor="ctr">
+                    <a:solidFill>
+                      <a:srgbClr val="EBEFF7"/>
+                    </a:solidFill>
+                  </a:tcPr>
+                </a:tc>
+                <a:tc>
+                  <a:txBody>
+                    <a:bodyPr/>
+                    <a:lstStyle/>
+                    <a:p>
+                      <a:pPr algn="ctr"/>
+                      <a:r>
+                        <a:rPr lang="en-GB" sz="1800" dirty="0">
+                          <a:latin typeface="CMU Serif" panose="02000603000000000000" pitchFamily="2" charset="0"/>
+                          <a:ea typeface="CMU Serif" panose="02000603000000000000" pitchFamily="2" charset="0"/>
+                          <a:cs typeface="CMU Serif" panose="02000603000000000000" pitchFamily="2" charset="0"/>
+                        </a:rPr>
+                        <a:t>0.73014</a:t>
+                      </a:r>
+                    </a:p>
+                  </a:txBody>
+                  <a:tcPr marL="135282" marR="135282" marT="67641" marB="67641" anchor="ctr">
+                    <a:solidFill>
+                      <a:srgbClr val="EBEFF7"/>
+                    </a:solidFill>
+                  </a:tcPr>
+                </a:tc>
+                <a:tc>
+                  <a:txBody>
+                    <a:bodyPr/>
+                    <a:lstStyle/>
+                    <a:p>
+                      <a:pPr algn="ctr"/>
+                      <a:r>
+                        <a:rPr lang="en-GB" sz="1800" dirty="0">
+                          <a:latin typeface="CMU Serif" panose="02000603000000000000" pitchFamily="2" charset="0"/>
+                          <a:ea typeface="CMU Serif" panose="02000603000000000000" pitchFamily="2" charset="0"/>
+                          <a:cs typeface="CMU Serif" panose="02000603000000000000" pitchFamily="2" charset="0"/>
+                        </a:rPr>
+                        <a:t>1</a:t>
+                      </a:r>
+                    </a:p>
+                  </a:txBody>
+                  <a:tcPr marL="135282" marR="135282" marT="67641" marB="67641" anchor="ctr">
+                    <a:solidFill>
+                      <a:srgbClr val="EBEFF7"/>
+                    </a:solidFill>
+                  </a:tcPr>
+                </a:tc>
+                <a:tc>
+                  <a:txBody>
+                    <a:bodyPr/>
+                    <a:lstStyle/>
+                    <a:p>
+                      <a:pPr algn="ctr"/>
+                      <a:r>
+                        <a:rPr lang="en-GB" sz="1800" dirty="0">
+                          <a:latin typeface="CMU Serif" panose="02000603000000000000" pitchFamily="2" charset="0"/>
+                          <a:ea typeface="CMU Serif" panose="02000603000000000000" pitchFamily="2" charset="0"/>
+                          <a:cs typeface="CMU Serif" panose="02000603000000000000" pitchFamily="2" charset="0"/>
+                        </a:rPr>
+                        <a:t>0.0016881</a:t>
+                      </a:r>
+                    </a:p>
+                  </a:txBody>
+                  <a:tcPr marL="135282" marR="135282" marT="67641" marB="67641" anchor="ctr">
+                    <a:solidFill>
+                      <a:srgbClr val="EBEFF7"/>
+                    </a:solidFill>
+                  </a:tcPr>
+                </a:tc>
+                <a:tc>
+                  <a:txBody>
+                    <a:bodyPr/>
+                    <a:lstStyle/>
+                    <a:p>
+                      <a:pPr algn="ctr"/>
+                      <a:r>
+                        <a:rPr lang="en-GB" sz="1800" dirty="0">
+                          <a:latin typeface="CMU Serif" panose="02000603000000000000" pitchFamily="2" charset="0"/>
+                          <a:ea typeface="CMU Serif" panose="02000603000000000000" pitchFamily="2" charset="0"/>
+                          <a:cs typeface="CMU Serif" panose="02000603000000000000" pitchFamily="2" charset="0"/>
+                        </a:rPr>
+                        <a:t>0.22776</a:t>
+                      </a:r>
+                    </a:p>
+                  </a:txBody>
+                  <a:tcPr marL="135282" marR="135282" marT="67641" marB="67641" anchor="ctr">
+                    <a:solidFill>
+                      <a:srgbClr val="EBEFF7"/>
+                    </a:solidFill>
+                  </a:tcPr>
+                </a:tc>
+                <a:tc>
+                  <a:txBody>
+                    <a:bodyPr/>
+                    <a:lstStyle/>
+                    <a:p>
+                      <a:pPr algn="ctr"/>
+                      <a:r>
+                        <a:rPr lang="en-GB" sz="1800" dirty="0">
+                          <a:latin typeface="CMU Serif" panose="02000603000000000000" pitchFamily="2" charset="0"/>
+                          <a:ea typeface="CMU Serif" panose="02000603000000000000" pitchFamily="2" charset="0"/>
+                          <a:cs typeface="CMU Serif" panose="02000603000000000000" pitchFamily="2" charset="0"/>
+                        </a:rPr>
+                        <a:t>1</a:t>
+                      </a:r>
+                    </a:p>
+                  </a:txBody>
+                  <a:tcPr marL="135282" marR="135282" marT="67641" marB="67641" anchor="ctr">
+                    <a:solidFill>
+                      <a:srgbClr val="EBEFF7"/>
+                    </a:solidFill>
+                  </a:tcPr>
+                </a:tc>
+                <a:tc>
+                  <a:txBody>
+                    <a:bodyPr/>
+                    <a:lstStyle/>
+                    <a:p>
+                      <a:pPr algn="ctr"/>
+                      <a:r>
+                        <a:rPr lang="en-GB" sz="1800" dirty="0">
+                          <a:latin typeface="CMU Serif" panose="02000603000000000000" pitchFamily="2" charset="0"/>
+                          <a:ea typeface="CMU Serif" panose="02000603000000000000" pitchFamily="2" charset="0"/>
+                          <a:cs typeface="CMU Serif" panose="02000603000000000000" pitchFamily="2" charset="0"/>
+                        </a:rPr>
+                        <a:t>0.001729</a:t>
+                      </a:r>
+                    </a:p>
+                  </a:txBody>
+                  <a:tcPr marL="135282" marR="135282" marT="67641" marB="67641" anchor="ctr">
+                    <a:solidFill>
+                      <a:srgbClr val="EBEFF7"/>
+                    </a:solidFill>
+                  </a:tcPr>
+                </a:tc>
+                <a:tc>
+                  <a:txBody>
+                    <a:bodyPr/>
+                    <a:lstStyle/>
+                    <a:p>
+                      <a:pPr algn="ctr"/>
+                      <a:r>
+                        <a:rPr lang="en-GB" sz="1800" dirty="0">
+                          <a:latin typeface="CMU Serif" panose="02000603000000000000" pitchFamily="2" charset="0"/>
+                          <a:ea typeface="CMU Serif" panose="02000603000000000000" pitchFamily="2" charset="0"/>
+                          <a:cs typeface="CMU Serif" panose="02000603000000000000" pitchFamily="2" charset="0"/>
+                        </a:rPr>
+                        <a:t>0.0023946</a:t>
+                      </a:r>
+                    </a:p>
+                  </a:txBody>
+                  <a:tcPr marL="135282" marR="135282" marT="67641" marB="67641" anchor="ctr">
+                    <a:solidFill>
+                      <a:srgbClr val="EBEFF7"/>
+                    </a:solidFill>
+                  </a:tcPr>
+                </a:tc>
+                <a:tc>
+                  <a:txBody>
+                    <a:bodyPr/>
+                    <a:lstStyle/>
+                    <a:p>
+                      <a:pPr algn="ctr"/>
+                      <a:r>
+                        <a:rPr lang="en-GB" sz="1800" dirty="0">
+                          <a:latin typeface="CMU Serif" panose="02000603000000000000" pitchFamily="2" charset="0"/>
+                          <a:ea typeface="CMU Serif" panose="02000603000000000000" pitchFamily="2" charset="0"/>
+                          <a:cs typeface="CMU Serif" panose="02000603000000000000" pitchFamily="2" charset="0"/>
+                        </a:rPr>
+                        <a:t>0.00032631</a:t>
+                      </a:r>
+                    </a:p>
+                  </a:txBody>
+                  <a:tcPr marL="135282" marR="135282" marT="67641" marB="67641" anchor="ctr">
+                    <a:solidFill>
+                      <a:srgbClr val="EBEFF7"/>
+                    </a:solidFill>
+                  </a:tcPr>
+                </a:tc>
+                <a:extLst>
+                  <a:ext uri="{0D108BD9-81ED-4DB2-BD59-A6C34878D82A}">
+                    <a16:rowId xmlns:a16="http://schemas.microsoft.com/office/drawing/2014/main" val="2233094877"/>
+                  </a:ext>
+                </a:extLst>
+              </a:tr>
+              <a:tr h="0">
+                <a:tc>
+                  <a:txBody>
+                    <a:bodyPr/>
+                    <a:lstStyle/>
+                    <a:p>
+                      <a:pPr algn="ctr"/>
+                      <a:r>
+                        <a:rPr lang="en-GB" sz="1800" dirty="0">
+                          <a:solidFill>
+                            <a:schemeClr val="bg1"/>
+                          </a:solidFill>
+                          <a:latin typeface="CMU Serif" panose="02000603000000000000" pitchFamily="2" charset="0"/>
+                          <a:ea typeface="CMU Serif" panose="02000603000000000000" pitchFamily="2" charset="0"/>
+                          <a:cs typeface="CMU Serif" panose="02000603000000000000" pitchFamily="2" charset="0"/>
+                        </a:rPr>
+                        <a:t>B</a:t>
+                      </a:r>
+                      <a:r>
+                        <a:rPr lang="en-GB" sz="1800" baseline="-25000" dirty="0">
+                          <a:solidFill>
+                            <a:schemeClr val="bg1"/>
+                          </a:solidFill>
+                          <a:latin typeface="CMU Serif" panose="02000603000000000000" pitchFamily="2" charset="0"/>
+                          <a:ea typeface="CMU Serif" panose="02000603000000000000" pitchFamily="2" charset="0"/>
+                          <a:cs typeface="CMU Serif" panose="02000603000000000000" pitchFamily="2" charset="0"/>
+                        </a:rPr>
+                        <a:t>M1</a:t>
+                      </a:r>
+                      <a:r>
+                        <a:rPr lang="en-GB" sz="1800" dirty="0">
+                          <a:solidFill>
+                            <a:schemeClr val="bg1"/>
+                          </a:solidFill>
+                          <a:latin typeface="CMU Serif" panose="02000603000000000000" pitchFamily="2" charset="0"/>
+                          <a:ea typeface="CMU Serif" panose="02000603000000000000" pitchFamily="2" charset="0"/>
+                          <a:cs typeface="CMU Serif" panose="02000603000000000000" pitchFamily="2" charset="0"/>
+                        </a:rPr>
+                        <a:t>+B</a:t>
+                      </a:r>
+                      <a:r>
+                        <a:rPr lang="en-GB" sz="1800" baseline="-25000" dirty="0">
+                          <a:solidFill>
+                            <a:schemeClr val="bg1"/>
+                          </a:solidFill>
+                          <a:latin typeface="CMU Serif" panose="02000603000000000000" pitchFamily="2" charset="0"/>
+                          <a:ea typeface="CMU Serif" panose="02000603000000000000" pitchFamily="2" charset="0"/>
+                          <a:cs typeface="CMU Serif" panose="02000603000000000000" pitchFamily="2" charset="0"/>
+                        </a:rPr>
+                        <a:t>M2</a:t>
+                      </a:r>
+                    </a:p>
+                  </a:txBody>
+                  <a:tcPr marL="135282" marR="135282" marT="67641" marB="67641" anchor="ctr">
+                    <a:solidFill>
+                      <a:srgbClr val="005288"/>
+                    </a:solidFill>
+                  </a:tcPr>
+                </a:tc>
+                <a:tc>
+                  <a:txBody>
+                    <a:bodyPr/>
+                    <a:lstStyle/>
+                    <a:p>
+                      <a:pPr algn="ctr"/>
+                      <a:r>
+                        <a:rPr lang="en-GB" sz="1800" dirty="0">
+                          <a:latin typeface="CMU Serif" panose="02000603000000000000" pitchFamily="2" charset="0"/>
+                          <a:ea typeface="CMU Serif" panose="02000603000000000000" pitchFamily="2" charset="0"/>
+                          <a:cs typeface="CMU Serif" panose="02000603000000000000" pitchFamily="2" charset="0"/>
+                        </a:rPr>
+                        <a:t>0</a:t>
+                      </a:r>
+                    </a:p>
+                  </a:txBody>
+                  <a:tcPr marL="135282" marR="135282" marT="67641" marB="67641" anchor="ctr">
+                    <a:solidFill>
+                      <a:srgbClr val="ADC1DE"/>
+                    </a:solidFill>
+                  </a:tcPr>
+                </a:tc>
+                <a:tc>
+                  <a:txBody>
+                    <a:bodyPr/>
+                    <a:lstStyle/>
+                    <a:p>
+                      <a:pPr algn="ctr"/>
+                      <a:r>
+                        <a:rPr lang="en-GB" sz="1800" dirty="0">
+                          <a:latin typeface="CMU Serif" panose="02000603000000000000" pitchFamily="2" charset="0"/>
+                          <a:ea typeface="CMU Serif" panose="02000603000000000000" pitchFamily="2" charset="0"/>
+                          <a:cs typeface="CMU Serif" panose="02000603000000000000" pitchFamily="2" charset="0"/>
+                        </a:rPr>
+                        <a:t>1106</a:t>
+                      </a:r>
+                    </a:p>
+                  </a:txBody>
+                  <a:tcPr marL="135282" marR="135282" marT="67641" marB="67641" anchor="ctr">
+                    <a:solidFill>
+                      <a:srgbClr val="ADC1DE"/>
+                    </a:solidFill>
+                  </a:tcPr>
+                </a:tc>
+                <a:tc>
+                  <a:txBody>
+                    <a:bodyPr/>
+                    <a:lstStyle/>
+                    <a:p>
+                      <a:pPr algn="ctr"/>
+                      <a:r>
+                        <a:rPr lang="en-GB" sz="1800" dirty="0">
+                          <a:latin typeface="CMU Serif" panose="02000603000000000000" pitchFamily="2" charset="0"/>
+                          <a:ea typeface="CMU Serif" panose="02000603000000000000" pitchFamily="2" charset="0"/>
+                          <a:cs typeface="CMU Serif" panose="02000603000000000000" pitchFamily="2" charset="0"/>
+                        </a:rPr>
+                        <a:t>9261</a:t>
+                      </a:r>
+                    </a:p>
+                  </a:txBody>
+                  <a:tcPr marL="135282" marR="135282" marT="67641" marB="67641" anchor="ctr">
+                    <a:solidFill>
+                      <a:srgbClr val="ADC1DE"/>
+                    </a:solidFill>
+                  </a:tcPr>
+                </a:tc>
+                <a:tc>
+                  <a:txBody>
+                    <a:bodyPr/>
+                    <a:lstStyle/>
+                    <a:p>
+                      <a:pPr algn="ctr"/>
+                      <a:r>
+                        <a:rPr lang="en-GB" sz="1800" dirty="0">
+                          <a:latin typeface="CMU Serif" panose="02000603000000000000" pitchFamily="2" charset="0"/>
+                          <a:ea typeface="CMU Serif" panose="02000603000000000000" pitchFamily="2" charset="0"/>
+                          <a:cs typeface="CMU Serif" panose="02000603000000000000" pitchFamily="2" charset="0"/>
+                        </a:rPr>
+                        <a:t>0</a:t>
+                      </a:r>
+                    </a:p>
+                  </a:txBody>
+                  <a:tcPr marL="135282" marR="135282" marT="67641" marB="67641" anchor="ctr">
+                    <a:solidFill>
+                      <a:srgbClr val="ADC1DE"/>
+                    </a:solidFill>
+                  </a:tcPr>
+                </a:tc>
+                <a:tc>
+                  <a:txBody>
+                    <a:bodyPr/>
+                    <a:lstStyle/>
+                    <a:p>
+                      <a:pPr algn="ctr"/>
+                      <a:r>
+                        <a:rPr lang="en-GB" sz="1800" dirty="0">
+                          <a:latin typeface="CMU Serif" panose="02000603000000000000" pitchFamily="2" charset="0"/>
+                          <a:ea typeface="CMU Serif" panose="02000603000000000000" pitchFamily="2" charset="0"/>
+                          <a:cs typeface="CMU Serif" panose="02000603000000000000" pitchFamily="2" charset="0"/>
+                        </a:rPr>
+                        <a:t>4602</a:t>
+                      </a:r>
+                    </a:p>
+                  </a:txBody>
+                  <a:tcPr marL="135282" marR="135282" marT="67641" marB="67641" anchor="ctr">
+                    <a:solidFill>
+                      <a:srgbClr val="ADC1DE"/>
+                    </a:solidFill>
+                  </a:tcPr>
+                </a:tc>
+                <a:tc>
+                  <a:txBody>
+                    <a:bodyPr/>
+                    <a:lstStyle/>
+                    <a:p>
+                      <a:pPr algn="ctr"/>
+                      <a:r>
+                        <a:rPr lang="en-GB" sz="1800" dirty="0">
+                          <a:latin typeface="CMU Serif" panose="02000603000000000000" pitchFamily="2" charset="0"/>
+                          <a:ea typeface="CMU Serif" panose="02000603000000000000" pitchFamily="2" charset="0"/>
+                          <a:cs typeface="CMU Serif" panose="02000603000000000000" pitchFamily="2" charset="0"/>
+                        </a:rPr>
+                        <a:t>9383</a:t>
+                      </a:r>
+                    </a:p>
+                  </a:txBody>
+                  <a:tcPr marL="135282" marR="135282" marT="67641" marB="67641" anchor="ctr">
+                    <a:solidFill>
+                      <a:srgbClr val="ADC1DE"/>
+                    </a:solidFill>
+                  </a:tcPr>
+                </a:tc>
+                <a:tc>
+                  <a:txBody>
+                    <a:bodyPr/>
+                    <a:lstStyle/>
+                    <a:p>
+                      <a:pPr algn="ctr"/>
+                      <a:r>
+                        <a:rPr lang="en-GB" sz="1800" dirty="0">
+                          <a:latin typeface="CMU Serif" panose="02000603000000000000" pitchFamily="2" charset="0"/>
+                          <a:ea typeface="CMU Serif" panose="02000603000000000000" pitchFamily="2" charset="0"/>
+                          <a:cs typeface="CMU Serif" panose="02000603000000000000" pitchFamily="2" charset="0"/>
+                        </a:rPr>
+                        <a:t>8889</a:t>
+                      </a:r>
+                    </a:p>
+                  </a:txBody>
+                  <a:tcPr marL="135282" marR="135282" marT="67641" marB="67641" anchor="ctr">
+                    <a:solidFill>
+                      <a:srgbClr val="ADC1DE"/>
+                    </a:solidFill>
+                  </a:tcPr>
+                </a:tc>
+                <a:tc>
+                  <a:txBody>
+                    <a:bodyPr/>
+                    <a:lstStyle/>
+                    <a:p>
+                      <a:pPr algn="ctr"/>
+                      <a:r>
+                        <a:rPr lang="en-GB" sz="1800" dirty="0">
+                          <a:latin typeface="CMU Serif" panose="02000603000000000000" pitchFamily="2" charset="0"/>
+                          <a:ea typeface="CMU Serif" panose="02000603000000000000" pitchFamily="2" charset="0"/>
+                          <a:cs typeface="CMU Serif" panose="02000603000000000000" pitchFamily="2" charset="0"/>
+                        </a:rPr>
+                        <a:t>9173</a:t>
+                      </a:r>
+                    </a:p>
+                  </a:txBody>
+                  <a:tcPr marL="135282" marR="135282" marT="67641" marB="67641" anchor="ctr">
+                    <a:solidFill>
+                      <a:srgbClr val="ADC1DE"/>
+                    </a:solidFill>
+                  </a:tcPr>
+                </a:tc>
+                <a:tc>
+                  <a:txBody>
+                    <a:bodyPr/>
+                    <a:lstStyle/>
+                    <a:p>
+                      <a:pPr algn="ctr"/>
+                      <a:r>
+                        <a:rPr lang="en-GB" sz="1800" dirty="0">
+                          <a:latin typeface="CMU Serif" panose="02000603000000000000" pitchFamily="2" charset="0"/>
+                          <a:ea typeface="CMU Serif" panose="02000603000000000000" pitchFamily="2" charset="0"/>
+                          <a:cs typeface="CMU Serif" panose="02000603000000000000" pitchFamily="2" charset="0"/>
+                        </a:rPr>
+                        <a:t>9404</a:t>
+                      </a:r>
+                    </a:p>
+                  </a:txBody>
+                  <a:tcPr marL="135282" marR="135282" marT="67641" marB="67641" anchor="ctr">
+                    <a:solidFill>
+                      <a:srgbClr val="ADC1DE"/>
+                    </a:solidFill>
+                  </a:tcPr>
+                </a:tc>
+                <a:extLst>
+                  <a:ext uri="{0D108BD9-81ED-4DB2-BD59-A6C34878D82A}">
+                    <a16:rowId xmlns:a16="http://schemas.microsoft.com/office/drawing/2014/main" val="2568063892"/>
+                  </a:ext>
+                </a:extLst>
+              </a:tr>
+              <a:tr h="0">
+                <a:tc>
+                  <a:txBody>
+                    <a:bodyPr/>
+                    <a:lstStyle/>
+                    <a:p>
+                      <a:pPr algn="ctr"/>
+                      <a:r>
+                        <a:rPr lang="en-GB" sz="1400" dirty="0">
+                          <a:solidFill>
+                            <a:schemeClr val="bg1"/>
+                          </a:solidFill>
+                          <a:latin typeface="CMU Serif" panose="02000603000000000000" pitchFamily="2" charset="0"/>
+                          <a:ea typeface="CMU Serif" panose="02000603000000000000" pitchFamily="2" charset="0"/>
+                          <a:cs typeface="CMU Serif" panose="02000603000000000000" pitchFamily="2" charset="0"/>
+                        </a:rPr>
+                        <a:t>Key Length</a:t>
+                      </a:r>
+                    </a:p>
+                  </a:txBody>
+                  <a:tcPr marL="135282" marR="135282" marT="67641" marB="67641" anchor="ctr">
+                    <a:solidFill>
+                      <a:srgbClr val="005288"/>
+                    </a:solidFill>
+                  </a:tcPr>
+                </a:tc>
+                <a:tc>
+                  <a:txBody>
+                    <a:bodyPr/>
+                    <a:lstStyle/>
+                    <a:p>
+                      <a:pPr algn="ctr"/>
+                      <a:r>
+                        <a:rPr lang="en-GB" sz="1800" dirty="0">
+                          <a:latin typeface="CMU Serif" panose="02000603000000000000" pitchFamily="2" charset="0"/>
+                          <a:ea typeface="CMU Serif" panose="02000603000000000000" pitchFamily="2" charset="0"/>
+                          <a:cs typeface="CMU Serif" panose="02000603000000000000" pitchFamily="2" charset="0"/>
+                        </a:rPr>
+                        <a:t>85</a:t>
+                      </a:r>
+                    </a:p>
+                  </a:txBody>
+                  <a:tcPr marL="135282" marR="135282" marT="67641" marB="67641" anchor="ctr">
+                    <a:solidFill>
+                      <a:srgbClr val="EBEFF7"/>
+                    </a:solidFill>
+                  </a:tcPr>
+                </a:tc>
+                <a:tc>
+                  <a:txBody>
+                    <a:bodyPr/>
+                    <a:lstStyle/>
+                    <a:p>
+                      <a:pPr algn="ctr"/>
+                      <a:r>
+                        <a:rPr lang="en-GB" sz="1800" dirty="0">
+                          <a:latin typeface="CMU Serif" panose="02000603000000000000" pitchFamily="2" charset="0"/>
+                          <a:ea typeface="CMU Serif" panose="02000603000000000000" pitchFamily="2" charset="0"/>
+                          <a:cs typeface="CMU Serif" panose="02000603000000000000" pitchFamily="2" charset="0"/>
+                        </a:rPr>
+                        <a:t>4968</a:t>
+                      </a:r>
+                    </a:p>
+                  </a:txBody>
+                  <a:tcPr marL="135282" marR="135282" marT="67641" marB="67641" anchor="ctr">
+                    <a:solidFill>
+                      <a:srgbClr val="EBEFF7"/>
+                    </a:solidFill>
+                  </a:tcPr>
+                </a:tc>
+                <a:tc>
+                  <a:txBody>
+                    <a:bodyPr/>
+                    <a:lstStyle/>
+                    <a:p>
+                      <a:pPr algn="ctr"/>
+                      <a:r>
+                        <a:rPr lang="en-GB" sz="1800" dirty="0">
+                          <a:latin typeface="CMU Serif" panose="02000603000000000000" pitchFamily="2" charset="0"/>
+                          <a:ea typeface="CMU Serif" panose="02000603000000000000" pitchFamily="2" charset="0"/>
+                          <a:cs typeface="CMU Serif" panose="02000603000000000000" pitchFamily="2" charset="0"/>
+                        </a:rPr>
+                        <a:t>40642</a:t>
+                      </a:r>
+                    </a:p>
+                  </a:txBody>
+                  <a:tcPr marL="135282" marR="135282" marT="67641" marB="67641" anchor="ctr">
+                    <a:solidFill>
+                      <a:srgbClr val="EBEFF7"/>
+                    </a:solidFill>
+                  </a:tcPr>
+                </a:tc>
+                <a:tc>
+                  <a:txBody>
+                    <a:bodyPr/>
+                    <a:lstStyle/>
+                    <a:p>
+                      <a:pPr algn="ctr"/>
+                      <a:r>
+                        <a:rPr lang="en-GB" sz="1800" dirty="0">
+                          <a:latin typeface="CMU Serif" panose="02000603000000000000" pitchFamily="2" charset="0"/>
+                          <a:ea typeface="CMU Serif" panose="02000603000000000000" pitchFamily="2" charset="0"/>
+                          <a:cs typeface="CMU Serif" panose="02000603000000000000" pitchFamily="2" charset="0"/>
+                        </a:rPr>
+                        <a:t>91</a:t>
+                      </a:r>
+                    </a:p>
+                  </a:txBody>
+                  <a:tcPr marL="135282" marR="135282" marT="67641" marB="67641" anchor="ctr">
+                    <a:solidFill>
+                      <a:srgbClr val="EBEFF7"/>
+                    </a:solidFill>
+                  </a:tcPr>
+                </a:tc>
+                <a:tc>
+                  <a:txBody>
+                    <a:bodyPr/>
+                    <a:lstStyle/>
+                    <a:p>
+                      <a:pPr algn="ctr"/>
+                      <a:r>
+                        <a:rPr lang="en-GB" sz="1800" dirty="0">
+                          <a:latin typeface="CMU Serif" panose="02000603000000000000" pitchFamily="2" charset="0"/>
+                          <a:ea typeface="CMU Serif" panose="02000603000000000000" pitchFamily="2" charset="0"/>
+                          <a:cs typeface="CMU Serif" panose="02000603000000000000" pitchFamily="2" charset="0"/>
+                        </a:rPr>
+                        <a:t>20361</a:t>
+                      </a:r>
+                    </a:p>
+                  </a:txBody>
+                  <a:tcPr marL="135282" marR="135282" marT="67641" marB="67641" anchor="ctr">
+                    <a:solidFill>
+                      <a:srgbClr val="EBEFF7"/>
+                    </a:solidFill>
+                  </a:tcPr>
+                </a:tc>
+                <a:tc>
+                  <a:txBody>
+                    <a:bodyPr/>
+                    <a:lstStyle/>
+                    <a:p>
+                      <a:pPr algn="ctr"/>
+                      <a:r>
+                        <a:rPr lang="en-GB" sz="1800" dirty="0">
+                          <a:latin typeface="CMU Serif" panose="02000603000000000000" pitchFamily="2" charset="0"/>
+                          <a:ea typeface="CMU Serif" panose="02000603000000000000" pitchFamily="2" charset="0"/>
+                          <a:cs typeface="CMU Serif" panose="02000603000000000000" pitchFamily="2" charset="0"/>
+                        </a:rPr>
+                        <a:t>40883</a:t>
+                      </a:r>
+                    </a:p>
+                  </a:txBody>
+                  <a:tcPr marL="135282" marR="135282" marT="67641" marB="67641" anchor="ctr">
+                    <a:solidFill>
+                      <a:srgbClr val="EBEFF7"/>
+                    </a:solidFill>
+                  </a:tcPr>
+                </a:tc>
+                <a:tc>
+                  <a:txBody>
+                    <a:bodyPr/>
+                    <a:lstStyle/>
+                    <a:p>
+                      <a:pPr algn="ctr"/>
+                      <a:r>
+                        <a:rPr lang="en-GB" sz="1800" dirty="0">
+                          <a:latin typeface="CMU Serif" panose="02000603000000000000" pitchFamily="2" charset="0"/>
+                          <a:ea typeface="CMU Serif" panose="02000603000000000000" pitchFamily="2" charset="0"/>
+                          <a:cs typeface="CMU Serif" panose="02000603000000000000" pitchFamily="2" charset="0"/>
+                        </a:rPr>
+                        <a:t>40034</a:t>
+                      </a:r>
+                    </a:p>
+                  </a:txBody>
+                  <a:tcPr marL="135282" marR="135282" marT="67641" marB="67641" anchor="ctr">
+                    <a:solidFill>
+                      <a:srgbClr val="EBEFF7"/>
+                    </a:solidFill>
+                  </a:tcPr>
+                </a:tc>
+                <a:tc>
+                  <a:txBody>
+                    <a:bodyPr/>
+                    <a:lstStyle/>
+                    <a:p>
+                      <a:pPr algn="ctr"/>
+                      <a:r>
+                        <a:rPr lang="en-GB" sz="1800" dirty="0">
+                          <a:latin typeface="CMU Serif" panose="02000603000000000000" pitchFamily="2" charset="0"/>
+                          <a:ea typeface="CMU Serif" panose="02000603000000000000" pitchFamily="2" charset="0"/>
+                          <a:cs typeface="CMU Serif" panose="02000603000000000000" pitchFamily="2" charset="0"/>
+                        </a:rPr>
+                        <a:t>40438</a:t>
+                      </a:r>
+                    </a:p>
+                  </a:txBody>
+                  <a:tcPr marL="135282" marR="135282" marT="67641" marB="67641" anchor="ctr">
+                    <a:solidFill>
+                      <a:srgbClr val="EBEFF7"/>
+                    </a:solidFill>
+                  </a:tcPr>
+                </a:tc>
+                <a:tc>
+                  <a:txBody>
+                    <a:bodyPr/>
+                    <a:lstStyle/>
+                    <a:p>
+                      <a:pPr algn="ctr"/>
+                      <a:r>
+                        <a:rPr lang="en-GB" sz="1800" dirty="0">
+                          <a:latin typeface="CMU Serif" panose="02000603000000000000" pitchFamily="2" charset="0"/>
+                          <a:ea typeface="CMU Serif" panose="02000603000000000000" pitchFamily="2" charset="0"/>
+                          <a:cs typeface="CMU Serif" panose="02000603000000000000" pitchFamily="2" charset="0"/>
+                        </a:rPr>
+                        <a:t>40748</a:t>
+                      </a:r>
+                    </a:p>
+                  </a:txBody>
+                  <a:tcPr marL="135282" marR="135282" marT="67641" marB="67641" anchor="ctr">
+                    <a:solidFill>
+                      <a:srgbClr val="EBEFF7"/>
+                    </a:solidFill>
+                  </a:tcPr>
+                </a:tc>
+                <a:extLst>
+                  <a:ext uri="{0D108BD9-81ED-4DB2-BD59-A6C34878D82A}">
+                    <a16:rowId xmlns:a16="http://schemas.microsoft.com/office/drawing/2014/main" val="1823222545"/>
+                  </a:ext>
+                </a:extLst>
+              </a:tr>
+            </a:tbl>
+          </a:graphicData>
+        </a:graphic>
+      </p:graphicFrame>
+    </p:spTree>
+    <p:extLst>
+      <p:ext uri="{BB962C8B-B14F-4D97-AF65-F5344CB8AC3E}">
+        <p14:creationId xmlns:p14="http://schemas.microsoft.com/office/powerpoint/2010/main" val="2780516815"/>
+      </p:ext>
+    </p:extLst>
+  </p:cSld>
+  <p:clrMapOvr>
+    <a:masterClrMapping/>
+  </p:clrMapOvr>
+</p:sld>
+</file>
+
+<file path=ppt/slides/slide11.xml><?xml version="1.0" encoding="utf-8"?>
+<p:sld xmlns:a="http://schemas.openxmlformats.org/drawingml/2006/main" xmlns:r="http://schemas.openxmlformats.org/officeDocument/2006/relationships" xmlns:p="http://schemas.openxmlformats.org/presentationml/2006/main">
+  <p:cSld>
+    <p:spTree>
+      <p:nvGrpSpPr>
+        <p:cNvPr id="1" name=""/>
+        <p:cNvGrpSpPr/>
+        <p:nvPr/>
+      </p:nvGrpSpPr>
+      <p:grpSpPr>
+        <a:xfrm>
+          <a:off x="0" y="0"/>
+          <a:ext cx="0" cy="0"/>
+          <a:chOff x="0" y="0"/>
+          <a:chExt cx="0" cy="0"/>
+        </a:xfrm>
+      </p:grpSpPr>
+      <p:graphicFrame>
+        <p:nvGraphicFramePr>
+          <p:cNvPr id="3" name="Tabela 2">
+            <a:extLst>
+              <a:ext uri="{FF2B5EF4-FFF2-40B4-BE49-F238E27FC236}">
+                <a16:creationId xmlns:a16="http://schemas.microsoft.com/office/drawing/2014/main" id="{3C5ED46F-9993-4B93-929D-14549DD1ED45}"/>
+              </a:ext>
+            </a:extLst>
+          </p:cNvPr>
+          <p:cNvGraphicFramePr>
+            <a:graphicFrameLocks noGrp="1"/>
+          </p:cNvGraphicFramePr>
+          <p:nvPr>
+            <p:extLst>
+              <p:ext uri="{D42A27DB-BD31-4B8C-83A1-F6EECF244321}">
+                <p14:modId xmlns:p14="http://schemas.microsoft.com/office/powerpoint/2010/main" val="3644734851"/>
+              </p:ext>
+            </p:extLst>
+          </p:nvPr>
+        </p:nvGraphicFramePr>
+        <p:xfrm>
+          <a:off x="48000" y="1622096"/>
+          <a:ext cx="12096000" cy="3613808"/>
+        </p:xfrm>
+        <a:graphic>
+          <a:graphicData uri="http://schemas.openxmlformats.org/drawingml/2006/table">
+            <a:tbl>
+              <a:tblPr firstRow="1" firstCol="1" bandRow="1">
+                <a:tableStyleId>{5C22544A-7EE6-4342-B048-85BDC9FD1C3A}</a:tableStyleId>
+              </a:tblPr>
+              <a:tblGrid>
+                <a:gridCol w="3024000">
+                  <a:extLst>
+                    <a:ext uri="{9D8B030D-6E8A-4147-A177-3AD203B41FA5}">
+                      <a16:colId xmlns:a16="http://schemas.microsoft.com/office/drawing/2014/main" val="208226359"/>
+                    </a:ext>
+                  </a:extLst>
+                </a:gridCol>
+                <a:gridCol w="3024000">
+                  <a:extLst>
+                    <a:ext uri="{9D8B030D-6E8A-4147-A177-3AD203B41FA5}">
+                      <a16:colId xmlns:a16="http://schemas.microsoft.com/office/drawing/2014/main" val="350067861"/>
+                    </a:ext>
+                  </a:extLst>
+                </a:gridCol>
+                <a:gridCol w="3024000">
+                  <a:extLst>
+                    <a:ext uri="{9D8B030D-6E8A-4147-A177-3AD203B41FA5}">
+                      <a16:colId xmlns:a16="http://schemas.microsoft.com/office/drawing/2014/main" val="543350652"/>
+                    </a:ext>
+                  </a:extLst>
+                </a:gridCol>
+                <a:gridCol w="3024000">
+                  <a:extLst>
+                    <a:ext uri="{9D8B030D-6E8A-4147-A177-3AD203B41FA5}">
+                      <a16:colId xmlns:a16="http://schemas.microsoft.com/office/drawing/2014/main" val="3101476649"/>
+                    </a:ext>
+                  </a:extLst>
+                </a:gridCol>
+              </a:tblGrid>
+              <a:tr h="864000">
+                <a:tc>
+                  <a:txBody>
+                    <a:bodyPr/>
+                    <a:lstStyle/>
+                    <a:p>
+                      <a:pPr algn="ctr"/>
+                      <a:endParaRPr lang="en-GB" sz="3600" dirty="0">
+                        <a:latin typeface="CMU Serif" panose="02000603000000000000" pitchFamily="2" charset="0"/>
+                        <a:ea typeface="CMU Serif" panose="02000603000000000000" pitchFamily="2" charset="0"/>
+                        <a:cs typeface="CMU Serif" panose="02000603000000000000" pitchFamily="2" charset="0"/>
+                      </a:endParaRPr>
+                    </a:p>
+                  </a:txBody>
+                  <a:tcPr marL="354813" marR="354813" marT="177406" marB="177406" anchor="ctr">
+                    <a:lnL w="12700" cmpd="sng">
+                      <a:noFill/>
+                    </a:lnL>
+                    <a:lnR w="12700" cmpd="sng">
+                      <a:noFill/>
+                    </a:lnR>
+                    <a:lnT w="38100" cmpd="sng">
+                      <a:noFill/>
+                    </a:lnT>
+                    <a:lnB w="12700" cmpd="sng">
+                      <a:noFill/>
+                    </a:lnB>
+                    <a:lnTlToBr w="12700" cmpd="sng">
+                      <a:noFill/>
+                      <a:prstDash val="solid"/>
+                    </a:lnTlToBr>
+                    <a:lnBlToTr w="12700" cmpd="sng">
+                      <a:noFill/>
+                      <a:prstDash val="solid"/>
+                    </a:lnBlToTr>
+                    <a:noFill/>
+                  </a:tcPr>
+                </a:tc>
+                <a:tc>
+                  <a:txBody>
+                    <a:bodyPr/>
+                    <a:lstStyle/>
+                    <a:p>
+                      <a:pPr algn="ctr"/>
+                      <a:r>
+                        <a:rPr lang="en-GB" sz="3600" dirty="0">
+                          <a:ln>
+                            <a:noFill/>
+                          </a:ln>
+                          <a:solidFill>
+                            <a:schemeClr val="bg1"/>
+                          </a:solidFill>
+                          <a:latin typeface="CMU Serif" panose="02000603000000000000" pitchFamily="2" charset="0"/>
+                          <a:ea typeface="CMU Serif" panose="02000603000000000000" pitchFamily="2" charset="0"/>
+                          <a:cs typeface="CMU Serif" panose="02000603000000000000" pitchFamily="2" charset="0"/>
+                        </a:rPr>
+                        <a:t>Min</a:t>
+                      </a:r>
+                    </a:p>
+                  </a:txBody>
+                  <a:tcPr marL="354813" marR="354813" marT="177406" marB="177406" anchor="ctr">
+                    <a:lnL w="12700" cmpd="sng">
+                      <a:noFill/>
+                    </a:lnL>
+                    <a:solidFill>
+                      <a:srgbClr val="005288"/>
+                    </a:solidFill>
+                  </a:tcPr>
+                </a:tc>
+                <a:tc>
+                  <a:txBody>
+                    <a:bodyPr/>
+                    <a:lstStyle/>
+                    <a:p>
+                      <a:pPr algn="ctr"/>
+                      <a:r>
+                        <a:rPr lang="en-GB" sz="3600" dirty="0">
+                          <a:ln>
+                            <a:noFill/>
+                          </a:ln>
+                          <a:solidFill>
+                            <a:schemeClr val="bg1"/>
+                          </a:solidFill>
+                          <a:latin typeface="CMU Serif" panose="02000603000000000000" pitchFamily="2" charset="0"/>
+                          <a:ea typeface="CMU Serif" panose="02000603000000000000" pitchFamily="2" charset="0"/>
+                          <a:cs typeface="CMU Serif" panose="02000603000000000000" pitchFamily="2" charset="0"/>
+                        </a:rPr>
+                        <a:t>Average</a:t>
+                      </a:r>
+                    </a:p>
+                  </a:txBody>
+                  <a:tcPr marL="354813" marR="354813" marT="177406" marB="177406" anchor="ctr">
+                    <a:solidFill>
+                      <a:srgbClr val="005288"/>
+                    </a:solidFill>
+                  </a:tcPr>
+                </a:tc>
+                <a:tc>
+                  <a:txBody>
+                    <a:bodyPr/>
+                    <a:lstStyle/>
+                    <a:p>
+                      <a:pPr algn="ctr"/>
+                      <a:r>
+                        <a:rPr lang="en-GB" sz="3600" dirty="0">
+                          <a:ln>
+                            <a:noFill/>
+                          </a:ln>
+                          <a:solidFill>
+                            <a:schemeClr val="bg1"/>
+                          </a:solidFill>
+                          <a:latin typeface="CMU Serif" panose="02000603000000000000" pitchFamily="2" charset="0"/>
+                          <a:ea typeface="CMU Serif" panose="02000603000000000000" pitchFamily="2" charset="0"/>
+                          <a:cs typeface="CMU Serif" panose="02000603000000000000" pitchFamily="2" charset="0"/>
+                        </a:rPr>
+                        <a:t>Max</a:t>
+                      </a:r>
+                    </a:p>
+                  </a:txBody>
+                  <a:tcPr marL="354813" marR="354813" marT="177406" marB="177406" anchor="ctr">
+                    <a:solidFill>
+                      <a:srgbClr val="005288"/>
+                    </a:solidFill>
+                  </a:tcPr>
+                </a:tc>
+                <a:extLst>
+                  <a:ext uri="{0D108BD9-81ED-4DB2-BD59-A6C34878D82A}">
+                    <a16:rowId xmlns:a16="http://schemas.microsoft.com/office/drawing/2014/main" val="1477107565"/>
+                  </a:ext>
+                </a:extLst>
+              </a:tr>
+              <a:tr h="864000">
+                <a:tc>
+                  <a:txBody>
+                    <a:bodyPr/>
+                    <a:lstStyle/>
+                    <a:p>
+                      <a:pPr algn="ctr"/>
+                      <a:r>
+                        <a:rPr lang="en-GB" sz="3600" dirty="0">
+                          <a:solidFill>
+                            <a:schemeClr val="bg1"/>
+                          </a:solidFill>
+                          <a:latin typeface="CMU Serif" panose="02000603000000000000" pitchFamily="2" charset="0"/>
+                          <a:ea typeface="CMU Serif" panose="02000603000000000000" pitchFamily="2" charset="0"/>
+                          <a:cs typeface="CMU Serif" panose="02000603000000000000" pitchFamily="2" charset="0"/>
+                        </a:rPr>
+                        <a:t>QBER</a:t>
+                      </a:r>
+                    </a:p>
+                  </a:txBody>
+                  <a:tcPr marL="354813" marR="354813" marT="177406" marB="177406" anchor="ctr">
+                    <a:lnT w="12700" cmpd="sng">
+                      <a:noFill/>
+                    </a:lnT>
+                    <a:solidFill>
+                      <a:srgbClr val="005288"/>
+                    </a:solidFill>
+                  </a:tcPr>
+                </a:tc>
+                <a:tc>
+                  <a:txBody>
+                    <a:bodyPr/>
+                    <a:lstStyle/>
+                    <a:p>
+                      <a:pPr algn="ctr"/>
+                      <a:r>
+                        <a:rPr lang="en-GB" sz="3600" dirty="0">
+                          <a:latin typeface="CMU Serif" panose="02000603000000000000" pitchFamily="2" charset="0"/>
+                          <a:ea typeface="CMU Serif" panose="02000603000000000000" pitchFamily="2" charset="0"/>
+                          <a:cs typeface="CMU Serif" panose="02000603000000000000" pitchFamily="2" charset="0"/>
+                        </a:rPr>
+                        <a:t>0.00013664</a:t>
+                      </a:r>
+                    </a:p>
+                  </a:txBody>
+                  <a:tcPr marL="354813" marR="354813" marT="177406" marB="177406" anchor="ctr">
+                    <a:solidFill>
+                      <a:srgbClr val="EBEFF7"/>
+                    </a:solidFill>
+                  </a:tcPr>
+                </a:tc>
+                <a:tc>
+                  <a:txBody>
+                    <a:bodyPr/>
+                    <a:lstStyle/>
+                    <a:p>
+                      <a:pPr algn="ctr"/>
+                      <a:r>
+                        <a:rPr lang="en-GB" sz="3600" dirty="0">
+                          <a:latin typeface="CMU Serif" panose="02000603000000000000" pitchFamily="2" charset="0"/>
+                          <a:ea typeface="CMU Serif" panose="02000603000000000000" pitchFamily="2" charset="0"/>
+                          <a:cs typeface="CMU Serif" panose="02000603000000000000" pitchFamily="2" charset="0"/>
+                        </a:rPr>
+                        <a:t>0.73014</a:t>
+                      </a:r>
+                    </a:p>
+                  </a:txBody>
+                  <a:tcPr marL="354813" marR="354813" marT="177406" marB="177406" anchor="ctr">
+                    <a:solidFill>
+                      <a:srgbClr val="EBEFF7"/>
+                    </a:solidFill>
+                  </a:tcPr>
+                </a:tc>
+                <a:tc>
+                  <a:txBody>
+                    <a:bodyPr/>
+                    <a:lstStyle/>
+                    <a:p>
+                      <a:pPr algn="ctr"/>
+                      <a:r>
+                        <a:rPr lang="en-GB" sz="3600" dirty="0">
+                          <a:latin typeface="CMU Serif" panose="02000603000000000000" pitchFamily="2" charset="0"/>
+                          <a:ea typeface="CMU Serif" panose="02000603000000000000" pitchFamily="2" charset="0"/>
+                          <a:cs typeface="CMU Serif" panose="02000603000000000000" pitchFamily="2" charset="0"/>
+                        </a:rPr>
+                        <a:t>1</a:t>
+                      </a:r>
+                    </a:p>
+                  </a:txBody>
+                  <a:tcPr marL="354813" marR="354813" marT="177406" marB="177406" anchor="ctr">
+                    <a:solidFill>
+                      <a:srgbClr val="EBEFF7"/>
+                    </a:solidFill>
+                  </a:tcPr>
+                </a:tc>
+                <a:extLst>
+                  <a:ext uri="{0D108BD9-81ED-4DB2-BD59-A6C34878D82A}">
+                    <a16:rowId xmlns:a16="http://schemas.microsoft.com/office/drawing/2014/main" val="2233094877"/>
+                  </a:ext>
+                </a:extLst>
+              </a:tr>
+              <a:tr h="864000">
+                <a:tc>
+                  <a:txBody>
+                    <a:bodyPr/>
+                    <a:lstStyle/>
+                    <a:p>
+                      <a:pPr algn="ctr"/>
+                      <a:r>
+                        <a:rPr lang="en-GB" sz="3600" dirty="0">
+                          <a:solidFill>
+                            <a:schemeClr val="bg1"/>
+                          </a:solidFill>
+                          <a:latin typeface="CMU Serif" panose="02000603000000000000" pitchFamily="2" charset="0"/>
+                          <a:ea typeface="CMU Serif" panose="02000603000000000000" pitchFamily="2" charset="0"/>
+                          <a:cs typeface="CMU Serif" panose="02000603000000000000" pitchFamily="2" charset="0"/>
+                        </a:rPr>
+                        <a:t>B</a:t>
+                      </a:r>
+                      <a:r>
+                        <a:rPr lang="en-GB" sz="3600" baseline="-25000" dirty="0">
+                          <a:solidFill>
+                            <a:schemeClr val="bg1"/>
+                          </a:solidFill>
+                          <a:latin typeface="CMU Serif" panose="02000603000000000000" pitchFamily="2" charset="0"/>
+                          <a:ea typeface="CMU Serif" panose="02000603000000000000" pitchFamily="2" charset="0"/>
+                          <a:cs typeface="CMU Serif" panose="02000603000000000000" pitchFamily="2" charset="0"/>
+                        </a:rPr>
+                        <a:t>M1</a:t>
+                      </a:r>
+                      <a:r>
+                        <a:rPr lang="en-GB" sz="3600" dirty="0">
+                          <a:solidFill>
+                            <a:schemeClr val="bg1"/>
+                          </a:solidFill>
+                          <a:latin typeface="CMU Serif" panose="02000603000000000000" pitchFamily="2" charset="0"/>
+                          <a:ea typeface="CMU Serif" panose="02000603000000000000" pitchFamily="2" charset="0"/>
+                          <a:cs typeface="CMU Serif" panose="02000603000000000000" pitchFamily="2" charset="0"/>
+                        </a:rPr>
+                        <a:t>+B</a:t>
+                      </a:r>
+                      <a:r>
+                        <a:rPr lang="en-GB" sz="3600" baseline="-25000" dirty="0">
+                          <a:solidFill>
+                            <a:schemeClr val="bg1"/>
+                          </a:solidFill>
+                          <a:latin typeface="CMU Serif" panose="02000603000000000000" pitchFamily="2" charset="0"/>
+                          <a:ea typeface="CMU Serif" panose="02000603000000000000" pitchFamily="2" charset="0"/>
+                          <a:cs typeface="CMU Serif" panose="02000603000000000000" pitchFamily="2" charset="0"/>
+                        </a:rPr>
+                        <a:t>M2</a:t>
+                      </a:r>
+                    </a:p>
+                  </a:txBody>
+                  <a:tcPr marL="354813" marR="354813" marT="177406" marB="177406" anchor="ctr">
+                    <a:solidFill>
+                      <a:srgbClr val="005288"/>
+                    </a:solidFill>
+                  </a:tcPr>
+                </a:tc>
+                <a:tc>
+                  <a:txBody>
+                    <a:bodyPr/>
+                    <a:lstStyle/>
+                    <a:p>
+                      <a:pPr algn="ctr"/>
+                      <a:r>
+                        <a:rPr lang="en-GB" sz="3600" dirty="0">
+                          <a:latin typeface="CMU Serif" panose="02000603000000000000" pitchFamily="2" charset="0"/>
+                          <a:ea typeface="CMU Serif" panose="02000603000000000000" pitchFamily="2" charset="0"/>
+                          <a:cs typeface="CMU Serif" panose="02000603000000000000" pitchFamily="2" charset="0"/>
+                        </a:rPr>
+                        <a:t>96289</a:t>
+                      </a:r>
+                    </a:p>
+                  </a:txBody>
+                  <a:tcPr marL="354813" marR="354813" marT="177406" marB="177406" anchor="ctr">
+                    <a:solidFill>
+                      <a:srgbClr val="ADC1DE"/>
+                    </a:solidFill>
+                  </a:tcPr>
+                </a:tc>
+                <a:tc>
+                  <a:txBody>
+                    <a:bodyPr/>
+                    <a:lstStyle/>
+                    <a:p>
+                      <a:pPr algn="ctr"/>
+                      <a:r>
+                        <a:rPr lang="en-GB" sz="3600" dirty="0">
+                          <a:latin typeface="CMU Serif" panose="02000603000000000000" pitchFamily="2" charset="0"/>
+                          <a:ea typeface="CMU Serif" panose="02000603000000000000" pitchFamily="2" charset="0"/>
+                          <a:cs typeface="CMU Serif" panose="02000603000000000000" pitchFamily="2" charset="0"/>
+                        </a:rPr>
+                        <a:t>1106</a:t>
+                      </a:r>
+                    </a:p>
+                  </a:txBody>
+                  <a:tcPr marL="354813" marR="354813" marT="177406" marB="177406" anchor="ctr">
+                    <a:solidFill>
+                      <a:srgbClr val="ADC1DE"/>
+                    </a:solidFill>
+                  </a:tcPr>
+                </a:tc>
+                <a:tc>
+                  <a:txBody>
+                    <a:bodyPr/>
+                    <a:lstStyle/>
+                    <a:p>
+                      <a:pPr algn="ctr"/>
+                      <a:r>
+                        <a:rPr lang="en-GB" sz="3600" dirty="0">
+                          <a:latin typeface="CMU Serif" panose="02000603000000000000" pitchFamily="2" charset="0"/>
+                          <a:ea typeface="CMU Serif" panose="02000603000000000000" pitchFamily="2" charset="0"/>
+                          <a:cs typeface="CMU Serif" panose="02000603000000000000" pitchFamily="2" charset="0"/>
+                        </a:rPr>
+                        <a:t>9261</a:t>
+                      </a:r>
+                    </a:p>
+                  </a:txBody>
+                  <a:tcPr marL="354813" marR="354813" marT="177406" marB="177406" anchor="ctr">
+                    <a:solidFill>
+                      <a:srgbClr val="ADC1DE"/>
+                    </a:solidFill>
+                  </a:tcPr>
+                </a:tc>
+                <a:extLst>
+                  <a:ext uri="{0D108BD9-81ED-4DB2-BD59-A6C34878D82A}">
+                    <a16:rowId xmlns:a16="http://schemas.microsoft.com/office/drawing/2014/main" val="2568063892"/>
+                  </a:ext>
+                </a:extLst>
+              </a:tr>
+              <a:tr h="864000">
+                <a:tc>
+                  <a:txBody>
+                    <a:bodyPr/>
+                    <a:lstStyle/>
+                    <a:p>
+                      <a:pPr algn="ctr"/>
+                      <a:r>
+                        <a:rPr lang="en-GB" sz="3600" dirty="0">
+                          <a:solidFill>
+                            <a:schemeClr val="bg1"/>
+                          </a:solidFill>
+                          <a:latin typeface="CMU Serif" panose="02000603000000000000" pitchFamily="2" charset="0"/>
+                          <a:ea typeface="CMU Serif" panose="02000603000000000000" pitchFamily="2" charset="0"/>
+                          <a:cs typeface="CMU Serif" panose="02000603000000000000" pitchFamily="2" charset="0"/>
+                        </a:rPr>
+                        <a:t>Key Length</a:t>
+                      </a:r>
+                    </a:p>
+                  </a:txBody>
+                  <a:tcPr marL="354813" marR="354813" marT="177406" marB="177406" anchor="ctr">
+                    <a:solidFill>
+                      <a:srgbClr val="005288"/>
+                    </a:solidFill>
+                  </a:tcPr>
+                </a:tc>
+                <a:tc>
+                  <a:txBody>
+                    <a:bodyPr/>
+                    <a:lstStyle/>
+                    <a:p>
+                      <a:pPr algn="ctr"/>
+                      <a:r>
+                        <a:rPr lang="en-GB" sz="3600" dirty="0">
+                          <a:latin typeface="CMU Serif" panose="02000603000000000000" pitchFamily="2" charset="0"/>
+                          <a:ea typeface="CMU Serif" panose="02000603000000000000" pitchFamily="2" charset="0"/>
+                          <a:cs typeface="CMU Serif" panose="02000603000000000000" pitchFamily="2" charset="0"/>
+                        </a:rPr>
+                        <a:t>864089</a:t>
+                      </a:r>
+                    </a:p>
+                  </a:txBody>
+                  <a:tcPr marL="354813" marR="354813" marT="177406" marB="177406" anchor="ctr">
+                    <a:solidFill>
+                      <a:srgbClr val="EBEFF7"/>
+                    </a:solidFill>
+                  </a:tcPr>
+                </a:tc>
+                <a:tc>
+                  <a:txBody>
+                    <a:bodyPr/>
+                    <a:lstStyle/>
+                    <a:p>
+                      <a:pPr algn="ctr"/>
+                      <a:r>
+                        <a:rPr lang="en-GB" sz="3600" dirty="0">
+                          <a:latin typeface="CMU Serif" panose="02000603000000000000" pitchFamily="2" charset="0"/>
+                          <a:ea typeface="CMU Serif" panose="02000603000000000000" pitchFamily="2" charset="0"/>
+                          <a:cs typeface="CMU Serif" panose="02000603000000000000" pitchFamily="2" charset="0"/>
+                        </a:rPr>
+                        <a:t>4968</a:t>
+                      </a:r>
+                    </a:p>
+                  </a:txBody>
+                  <a:tcPr marL="354813" marR="354813" marT="177406" marB="177406" anchor="ctr">
+                    <a:solidFill>
+                      <a:srgbClr val="EBEFF7"/>
+                    </a:solidFill>
+                  </a:tcPr>
+                </a:tc>
+                <a:tc>
+                  <a:txBody>
+                    <a:bodyPr/>
+                    <a:lstStyle/>
+                    <a:p>
+                      <a:pPr algn="ctr"/>
+                      <a:r>
+                        <a:rPr lang="en-GB" sz="3600" dirty="0">
+                          <a:latin typeface="CMU Serif" panose="02000603000000000000" pitchFamily="2" charset="0"/>
+                          <a:ea typeface="CMU Serif" panose="02000603000000000000" pitchFamily="2" charset="0"/>
+                          <a:cs typeface="CMU Serif" panose="02000603000000000000" pitchFamily="2" charset="0"/>
+                        </a:rPr>
+                        <a:t>40642</a:t>
+                      </a:r>
+                    </a:p>
+                  </a:txBody>
+                  <a:tcPr marL="354813" marR="354813" marT="177406" marB="177406" anchor="ctr">
+                    <a:solidFill>
+                      <a:srgbClr val="EBEFF7"/>
+                    </a:solidFill>
+                  </a:tcPr>
+                </a:tc>
+                <a:extLst>
+                  <a:ext uri="{0D108BD9-81ED-4DB2-BD59-A6C34878D82A}">
+                    <a16:rowId xmlns:a16="http://schemas.microsoft.com/office/drawing/2014/main" val="1823222545"/>
+                  </a:ext>
+                </a:extLst>
+              </a:tr>
+            </a:tbl>
+          </a:graphicData>
+        </a:graphic>
+      </p:graphicFrame>
+    </p:spTree>
+    <p:extLst>
+      <p:ext uri="{BB962C8B-B14F-4D97-AF65-F5344CB8AC3E}">
+        <p14:creationId xmlns:p14="http://schemas.microsoft.com/office/powerpoint/2010/main" val="1634232208"/>
       </p:ext>
     </p:extLst>
   </p:cSld>
@@ -8119,66 +10060,12 @@
           <a:chExt cx="0" cy="0"/>
         </a:xfrm>
       </p:grpSpPr>
-      <p:cxnSp>
-        <p:nvCxnSpPr>
-          <p:cNvPr id="28" name="Conexão reta 27">
+      <p:grpSp>
+        <p:nvGrpSpPr>
+          <p:cNvPr id="84" name="Agrupar 83">
             <a:extLst>
               <a:ext uri="{FF2B5EF4-FFF2-40B4-BE49-F238E27FC236}">
-                <a16:creationId xmlns:a16="http://schemas.microsoft.com/office/drawing/2014/main" id="{66C53DD8-3A29-4327-8ABC-DF7E44349D13}"/>
-              </a:ext>
-            </a:extLst>
-          </p:cNvPr>
-          <p:cNvCxnSpPr>
-            <a:cxnSpLocks/>
-          </p:cNvCxnSpPr>
-          <p:nvPr/>
-        </p:nvCxnSpPr>
-        <p:spPr>
-          <a:xfrm flipV="1">
-            <a:off x="2685591" y="2084573"/>
-            <a:ext cx="4053278" cy="1219"/>
-          </a:xfrm>
-          <a:prstGeom prst="line">
-            <a:avLst/>
-          </a:prstGeom>
-          <a:ln w="127000">
-            <a:gradFill flip="none" rotWithShape="1">
-              <a:gsLst>
-                <a:gs pos="10000">
-                  <a:schemeClr val="accent1"/>
-                </a:gs>
-                <a:gs pos="37000">
-                  <a:schemeClr val="accent4"/>
-                </a:gs>
-              </a:gsLst>
-              <a:path path="circle">
-                <a:fillToRect l="100000" t="100000"/>
-              </a:path>
-              <a:tileRect r="-100000" b="-100000"/>
-            </a:gradFill>
-          </a:ln>
-        </p:spPr>
-        <p:style>
-          <a:lnRef idx="3">
-            <a:schemeClr val="accent4"/>
-          </a:lnRef>
-          <a:fillRef idx="0">
-            <a:schemeClr val="accent4"/>
-          </a:fillRef>
-          <a:effectRef idx="2">
-            <a:schemeClr val="accent4"/>
-          </a:effectRef>
-          <a:fontRef idx="minor">
-            <a:schemeClr val="tx1"/>
-          </a:fontRef>
-        </p:style>
-      </p:cxnSp>
-      <p:grpSp>
-        <p:nvGrpSpPr>
-          <p:cNvPr id="32" name="Agrupar 31">
-            <a:extLst>
-              <a:ext uri="{FF2B5EF4-FFF2-40B4-BE49-F238E27FC236}">
-                <a16:creationId xmlns:a16="http://schemas.microsoft.com/office/drawing/2014/main" id="{1CEA4808-A3EA-4BD9-976E-B50F830F3B0D}"/>
+                <a16:creationId xmlns:a16="http://schemas.microsoft.com/office/drawing/2014/main" id="{69892120-3EA3-4AE6-960D-FF63D44083C7}"/>
               </a:ext>
             </a:extLst>
           </p:cNvPr>
@@ -8187,177 +10074,2088 @@
         </p:nvGrpSpPr>
         <p:grpSpPr>
           <a:xfrm>
-            <a:off x="8039949" y="1843101"/>
-            <a:ext cx="3594472" cy="3797586"/>
-            <a:chOff x="6331619" y="474280"/>
-            <a:chExt cx="5743404" cy="5817221"/>
+            <a:off x="164410" y="146376"/>
+            <a:ext cx="11863181" cy="6565249"/>
+            <a:chOff x="677936" y="104076"/>
+            <a:chExt cx="11863181" cy="6565249"/>
           </a:xfrm>
         </p:grpSpPr>
-        <p:sp>
-          <p:nvSpPr>
-            <p:cNvPr id="3" name="CaixaDeTexto 2">
+        <p:cxnSp>
+          <p:nvCxnSpPr>
+            <p:cNvPr id="83" name="Conexão reta 82">
               <a:extLst>
                 <a:ext uri="{FF2B5EF4-FFF2-40B4-BE49-F238E27FC236}">
-                  <a16:creationId xmlns:a16="http://schemas.microsoft.com/office/drawing/2014/main" id="{020784CC-67F4-4E31-999A-D7726E059505}"/>
+                  <a16:creationId xmlns:a16="http://schemas.microsoft.com/office/drawing/2014/main" id="{EB2D9E39-647B-47DB-A22C-C762A04B9A0F}"/>
                 </a:ext>
               </a:extLst>
             </p:cNvPr>
-            <p:cNvSpPr txBox="1"/>
+            <p:cNvCxnSpPr>
+              <a:cxnSpLocks/>
+            </p:cNvCxnSpPr>
             <p:nvPr/>
-          </p:nvSpPr>
+          </p:nvCxnSpPr>
           <p:spPr>
-            <a:xfrm>
-              <a:off x="6331619" y="474280"/>
-              <a:ext cx="1828796" cy="1230891"/>
+            <a:xfrm flipV="1">
+              <a:off x="8160327" y="1527145"/>
+              <a:ext cx="0" cy="2271940"/>
             </a:xfrm>
-            <a:prstGeom prst="rect">
+            <a:prstGeom prst="line">
               <a:avLst/>
             </a:prstGeom>
-            <a:noFill/>
+            <a:ln w="127000" cap="rnd">
+              <a:solidFill>
+                <a:srgbClr val="FF0000"/>
+              </a:solidFill>
+              <a:round/>
+            </a:ln>
           </p:spPr>
-          <p:txBody>
-            <a:bodyPr wrap="square" rtlCol="0">
-              <a:spAutoFit/>
-            </a:bodyPr>
-            <a:lstStyle/>
-            <a:p>
-              <a:r>
-                <a:rPr lang="en-GB" sz="4000" b="1" dirty="0"/>
-                <a:t>Bob</a:t>
-              </a:r>
-            </a:p>
-          </p:txBody>
-        </p:sp>
-        <mc:AlternateContent xmlns:mc="http://schemas.openxmlformats.org/markup-compatibility/2006" xmlns:am3d="http://schemas.microsoft.com/office/drawing/2017/model3d">
-          <mc:Choice Requires="am3d">
-            <p:graphicFrame>
-              <p:nvGraphicFramePr>
-                <p:cNvPr id="5" name="Modelo 3D 4" descr="Cuboide Cinza-Escuro">
+          <p:style>
+            <a:lnRef idx="1">
+              <a:schemeClr val="accent4"/>
+            </a:lnRef>
+            <a:fillRef idx="0">
+              <a:schemeClr val="accent4"/>
+            </a:fillRef>
+            <a:effectRef idx="0">
+              <a:schemeClr val="accent4"/>
+            </a:effectRef>
+            <a:fontRef idx="minor">
+              <a:schemeClr val="tx1"/>
+            </a:fontRef>
+          </p:style>
+        </p:cxnSp>
+        <p:grpSp>
+          <p:nvGrpSpPr>
+            <p:cNvPr id="60" name="Agrupar 59">
+              <a:extLst>
+                <a:ext uri="{FF2B5EF4-FFF2-40B4-BE49-F238E27FC236}">
+                  <a16:creationId xmlns:a16="http://schemas.microsoft.com/office/drawing/2014/main" id="{95F85D47-9E2E-4EB0-AA94-BBD927BEB694}"/>
+                </a:ext>
+              </a:extLst>
+            </p:cNvPr>
+            <p:cNvGrpSpPr/>
+            <p:nvPr/>
+          </p:nvGrpSpPr>
+          <p:grpSpPr>
+            <a:xfrm rot="5400000">
+              <a:off x="7767388" y="951350"/>
+              <a:ext cx="1162745" cy="803486"/>
+              <a:chOff x="5499481" y="3628361"/>
+              <a:chExt cx="1162745" cy="803486"/>
+            </a:xfrm>
+          </p:grpSpPr>
+          <mc:AlternateContent xmlns:mc="http://schemas.openxmlformats.org/markup-compatibility/2006" xmlns:am3d="http://schemas.microsoft.com/office/drawing/2017/model3d">
+            <mc:Choice Requires="am3d">
+              <p:graphicFrame>
+                <p:nvGraphicFramePr>
+                  <p:cNvPr id="61" name="Modelo 3D 60" descr="Hemisfério Cinza-Claro">
+                    <a:extLst>
+                      <a:ext uri="{FF2B5EF4-FFF2-40B4-BE49-F238E27FC236}">
+                        <a16:creationId xmlns:a16="http://schemas.microsoft.com/office/drawing/2014/main" id="{F36B2CB1-54D5-4B5D-9B81-483804447B55}"/>
+                      </a:ext>
+                    </a:extLst>
+                  </p:cNvPr>
+                  <p:cNvGraphicFramePr>
+                    <a:graphicFrameLocks noChangeAspect="1"/>
+                  </p:cNvGraphicFramePr>
+                  <p:nvPr>
+                    <p:extLst>
+                      <p:ext uri="{D42A27DB-BD31-4B8C-83A1-F6EECF244321}">
+                        <p14:modId xmlns:p14="http://schemas.microsoft.com/office/powerpoint/2010/main" val="2826242418"/>
+                      </p:ext>
+                    </p:extLst>
+                  </p:nvPr>
+                </p:nvGraphicFramePr>
+                <p:xfrm>
+                  <a:off x="5767188" y="3917677"/>
+                  <a:ext cx="895038" cy="514170"/>
+                </p:xfrm>
+                <a:graphic>
+                  <a:graphicData uri="http://schemas.microsoft.com/office/drawing/2017/model3d">
+                    <am3d:model3d r:embed="rId2">
+                      <am3d:spPr>
+                        <a:xfrm rot="5400000">
+                          <a:off x="0" y="0"/>
+                          <a:ext cx="895038" cy="514170"/>
+                        </a:xfrm>
+                        <a:prstGeom prst="rect">
+                          <a:avLst/>
+                        </a:prstGeom>
+                      </am3d:spPr>
+                      <am3d:camera>
+                        <am3d:pos x="0" y="0" z="70522459"/>
+                        <am3d:up dx="0" dy="36000000" dz="0"/>
+                        <am3d:lookAt x="0" y="0" z="0"/>
+                        <am3d:perspective fov="2700000"/>
+                      </am3d:camera>
+                      <am3d:trans>
+                        <am3d:meterPerModelUnit n="6553073" d="1000000"/>
+                        <am3d:preTrans dx="9" dy="-8999683" dz="-344461"/>
+                        <am3d:scale>
+                          <am3d:sx n="1000000" d="1000000"/>
+                          <am3d:sy n="1000000" d="1000000"/>
+                          <am3d:sz n="1000000" d="1000000"/>
+                        </am3d:scale>
+                        <am3d:rot ax="-1200001"/>
+                        <am3d:postTrans dx="0" dy="0" dz="0"/>
+                      </am3d:trans>
+                      <am3d:attrSrcUrl r:id="rId3"/>
+                      <am3d:raster rName="Office3DRenderer" rVer="16.0.8326">
+                        <am3d:blip r:embed="rId4"/>
+                      </am3d:raster>
+                      <am3d:objViewport viewportSz="1218773"/>
+                      <am3d:ambientLight>
+                        <am3d:clr>
+                          <a:scrgbClr r="50000" g="50000" b="50000"/>
+                        </am3d:clr>
+                        <am3d:illuminance n="500000" d="1000000"/>
+                      </am3d:ambientLight>
+                      <am3d:ptLight rad="0">
+                        <am3d:clr>
+                          <a:scrgbClr r="100000" g="75000" b="50000"/>
+                        </am3d:clr>
+                        <am3d:intensity n="9765625" d="1000000"/>
+                        <am3d:pos x="21959998" y="70920001" z="16344003"/>
+                      </am3d:ptLight>
+                      <am3d:ptLight rad="0">
+                        <am3d:clr>
+                          <a:scrgbClr r="40000" g="60000" b="95000"/>
+                        </am3d:clr>
+                        <am3d:intensity n="12250000" d="1000000"/>
+                        <am3d:pos x="-37964106" y="51130435" z="57631972"/>
+                      </am3d:ptLight>
+                      <am3d:ptLight rad="0">
+                        <am3d:clr>
+                          <a:scrgbClr r="86837" g="72700" b="100000"/>
+                        </am3d:clr>
+                        <am3d:intensity n="3125000" d="1000000"/>
+                        <am3d:pos x="-37739122" y="58056624" z="-34769649"/>
+                      </am3d:ptLight>
+                    </am3d:model3d>
+                  </a:graphicData>
+                </a:graphic>
+              </p:graphicFrame>
+            </mc:Choice>
+            <mc:Fallback xmlns="">
+              <p:pic>
+                <p:nvPicPr>
+                  <p:cNvPr id="61" name="Modelo 3D 60" descr="Hemisfério Cinza-Claro">
+                    <a:extLst>
+                      <a:ext uri="{FF2B5EF4-FFF2-40B4-BE49-F238E27FC236}">
+                        <a16:creationId xmlns:a16="http://schemas.microsoft.com/office/drawing/2014/main" id="{F36B2CB1-54D5-4B5D-9B81-483804447B55}"/>
+                      </a:ext>
+                    </a:extLst>
+                  </p:cNvPr>
+                  <p:cNvPicPr>
+                    <a:picLocks noGrp="1" noRot="1" noChangeAspect="1" noMove="1" noResize="1" noEditPoints="1" noAdjustHandles="1" noChangeArrowheads="1" noChangeShapeType="1" noCrop="1"/>
+                  </p:cNvPicPr>
+                  <p:nvPr/>
+                </p:nvPicPr>
+                <p:blipFill>
+                  <a:blip r:embed="rId5"/>
+                  <a:stretch>
+                    <a:fillRect/>
+                  </a:stretch>
+                </p:blipFill>
+                <p:spPr>
+                  <a:xfrm rot="5400000">
+                    <a:off x="7243057" y="1272161"/>
+                    <a:ext cx="895038" cy="514170"/>
+                  </a:xfrm>
+                  <a:prstGeom prst="rect">
+                    <a:avLst/>
+                  </a:prstGeom>
+                </p:spPr>
+              </p:pic>
+            </mc:Fallback>
+          </mc:AlternateContent>
+          <p:sp>
+            <p:nvSpPr>
+              <p:cNvPr id="62" name="CaixaDeTexto 61">
+                <a:extLst>
+                  <a:ext uri="{FF2B5EF4-FFF2-40B4-BE49-F238E27FC236}">
+                    <a16:creationId xmlns:a16="http://schemas.microsoft.com/office/drawing/2014/main" id="{4309A621-94AD-42F7-A3E2-2CA1D29F11CF}"/>
+                  </a:ext>
+                </a:extLst>
+              </p:cNvPr>
+              <p:cNvSpPr txBox="1"/>
+              <p:nvPr/>
+            </p:nvSpPr>
+            <p:spPr>
+              <a:xfrm rot="16200000">
+                <a:off x="5500603" y="3627239"/>
+                <a:ext cx="551754" cy="553998"/>
+              </a:xfrm>
+              <a:prstGeom prst="rect">
+                <a:avLst/>
+              </a:prstGeom>
+              <a:noFill/>
+            </p:spPr>
+            <p:txBody>
+              <a:bodyPr wrap="none" rtlCol="0">
+                <a:spAutoFit/>
+              </a:bodyPr>
+              <a:lstStyle/>
+              <a:p>
+                <a:r>
+                  <a:rPr lang="en-GB" sz="3000" b="1" dirty="0"/>
+                  <a:t>D</a:t>
+                </a:r>
+                <a:r>
+                  <a:rPr lang="en-GB" sz="3000" b="1" baseline="-25000" dirty="0"/>
+                  <a:t>E</a:t>
+                </a:r>
+              </a:p>
+            </p:txBody>
+          </p:sp>
+        </p:grpSp>
+        <p:grpSp>
+          <p:nvGrpSpPr>
+            <p:cNvPr id="32" name="Agrupar 31">
+              <a:extLst>
+                <a:ext uri="{FF2B5EF4-FFF2-40B4-BE49-F238E27FC236}">
+                  <a16:creationId xmlns:a16="http://schemas.microsoft.com/office/drawing/2014/main" id="{1CEA4808-A3EA-4BD9-976E-B50F830F3B0D}"/>
+                </a:ext>
+              </a:extLst>
+            </p:cNvPr>
+            <p:cNvGrpSpPr/>
+            <p:nvPr/>
+          </p:nvGrpSpPr>
+          <p:grpSpPr>
+            <a:xfrm flipH="1">
+              <a:off x="1513461" y="2871739"/>
+              <a:ext cx="4094742" cy="3797586"/>
+              <a:chOff x="5671120" y="474280"/>
+              <a:chExt cx="6542759" cy="5817221"/>
+            </a:xfrm>
+          </p:grpSpPr>
+          <p:sp>
+            <p:nvSpPr>
+              <p:cNvPr id="3" name="CaixaDeTexto 2">
+                <a:extLst>
+                  <a:ext uri="{FF2B5EF4-FFF2-40B4-BE49-F238E27FC236}">
+                    <a16:creationId xmlns:a16="http://schemas.microsoft.com/office/drawing/2014/main" id="{020784CC-67F4-4E31-999A-D7726E059505}"/>
+                  </a:ext>
+                </a:extLst>
+              </p:cNvPr>
+              <p:cNvSpPr txBox="1"/>
+              <p:nvPr/>
+            </p:nvSpPr>
+            <p:spPr>
+              <a:xfrm>
+                <a:off x="10263217" y="474280"/>
+                <a:ext cx="1828796" cy="1230891"/>
+              </a:xfrm>
+              <a:prstGeom prst="rect">
+                <a:avLst/>
+              </a:prstGeom>
+              <a:noFill/>
+            </p:spPr>
+            <p:txBody>
+              <a:bodyPr wrap="square" rtlCol="0">
+                <a:spAutoFit/>
+              </a:bodyPr>
+              <a:lstStyle/>
+              <a:p>
+                <a:r>
+                  <a:rPr lang="en-GB" sz="4000" b="1" dirty="0"/>
+                  <a:t>Bob</a:t>
+                </a:r>
+              </a:p>
+            </p:txBody>
+          </p:sp>
+          <mc:AlternateContent xmlns:mc="http://schemas.openxmlformats.org/markup-compatibility/2006" xmlns:am3d="http://schemas.microsoft.com/office/drawing/2017/model3d">
+            <mc:Choice Requires="am3d">
+              <p:graphicFrame>
+                <p:nvGraphicFramePr>
+                  <p:cNvPr id="5" name="Modelo 3D 4" descr="Cuboide Cinza-Escuro">
+                    <a:extLst>
+                      <a:ext uri="{FF2B5EF4-FFF2-40B4-BE49-F238E27FC236}">
+                        <a16:creationId xmlns:a16="http://schemas.microsoft.com/office/drawing/2014/main" id="{13EF3B44-B358-43C6-A4B2-C69178E86B90}"/>
+                      </a:ext>
+                    </a:extLst>
+                  </p:cNvPr>
+                  <p:cNvGraphicFramePr>
+                    <a:graphicFrameLocks noChangeAspect="1"/>
+                  </p:cNvGraphicFramePr>
+                  <p:nvPr>
+                    <p:extLst>
+                      <p:ext uri="{D42A27DB-BD31-4B8C-83A1-F6EECF244321}">
+                        <p14:modId xmlns:p14="http://schemas.microsoft.com/office/powerpoint/2010/main" val="1909369041"/>
+                      </p:ext>
+                    </p:extLst>
+                  </p:nvPr>
+                </p:nvGraphicFramePr>
+                <p:xfrm>
+                  <a:off x="8626740" y="3830084"/>
+                  <a:ext cx="503965" cy="669954"/>
+                </p:xfrm>
+                <a:graphic>
+                  <a:graphicData uri="http://schemas.microsoft.com/office/drawing/2017/model3d">
+                    <am3d:model3d r:embed="rId6">
+                      <am3d:spPr>
+                        <a:xfrm flipH="1">
+                          <a:off x="0" y="0"/>
+                          <a:ext cx="503965" cy="669954"/>
+                        </a:xfrm>
+                        <a:prstGeom prst="rect">
+                          <a:avLst/>
+                        </a:prstGeom>
+                      </am3d:spPr>
+                      <am3d:camera>
+                        <am3d:pos x="0" y="0" z="57664451"/>
+                        <am3d:up dx="0" dy="36000000" dz="0"/>
+                        <am3d:lookAt x="0" y="0" z="0"/>
+                        <am3d:perspective fov="2700000"/>
+                      </am3d:camera>
+                      <am3d:trans>
+                        <am3d:meterPerModelUnit n="4361393" d="1000000"/>
+                        <am3d:preTrans dx="0" dy="-6493603" dz="0"/>
+                        <am3d:scale>
+                          <am3d:sx n="1000000" d="1000000"/>
+                          <am3d:sy n="1000000" d="1000000"/>
+                          <am3d:sz n="1000000" d="1000000"/>
+                        </am3d:scale>
+                        <am3d:rot ax="-7650021" ay="5" az="7"/>
+                        <am3d:postTrans dx="0" dy="0" dz="0"/>
+                      </am3d:trans>
+                      <am3d:raster rName="Office3DRenderer" rVer="16.0.8326">
+                        <am3d:blip r:embed="rId7"/>
+                      </am3d:raster>
+                      <am3d:objViewport viewportSz="493953"/>
+                      <am3d:ambientLight>
+                        <am3d:clr>
+                          <a:scrgbClr r="50000" g="50000" b="50000"/>
+                        </am3d:clr>
+                        <am3d:illuminance n="500000" d="1000000"/>
+                      </am3d:ambientLight>
+                      <am3d:ptLight rad="0">
+                        <am3d:clr>
+                          <a:scrgbClr r="100000" g="75000" b="50000"/>
+                        </am3d:clr>
+                        <am3d:intensity n="9765625" d="1000000"/>
+                        <am3d:pos x="21959998" y="70920001" z="16344003"/>
+                      </am3d:ptLight>
+                      <am3d:ptLight rad="0">
+                        <am3d:clr>
+                          <a:scrgbClr r="40000" g="60000" b="95000"/>
+                        </am3d:clr>
+                        <am3d:intensity n="12250000" d="1000000"/>
+                        <am3d:pos x="-37964106" y="51130435" z="57631972"/>
+                      </am3d:ptLight>
+                      <am3d:ptLight rad="0">
+                        <am3d:clr>
+                          <a:scrgbClr r="86837" g="72700" b="100000"/>
+                        </am3d:clr>
+                        <am3d:intensity n="3125000" d="1000000"/>
+                        <am3d:pos x="-37739122" y="58056624" z="-34769649"/>
+                      </am3d:ptLight>
+                    </am3d:model3d>
+                  </a:graphicData>
+                </a:graphic>
+              </p:graphicFrame>
+            </mc:Choice>
+            <mc:Fallback xmlns="">
+              <p:pic>
+                <p:nvPicPr>
+                  <p:cNvPr id="5" name="Modelo 3D 4" descr="Cuboide Cinza-Escuro">
+                    <a:extLst>
+                      <a:ext uri="{FF2B5EF4-FFF2-40B4-BE49-F238E27FC236}">
+                        <a16:creationId xmlns:a16="http://schemas.microsoft.com/office/drawing/2014/main" id="{13EF3B44-B358-43C6-A4B2-C69178E86B90}"/>
+                      </a:ext>
+                    </a:extLst>
+                  </p:cNvPr>
+                  <p:cNvPicPr>
+                    <a:picLocks noGrp="1" noRot="1" noChangeAspect="1" noMove="1" noResize="1" noEditPoints="1" noAdjustHandles="1" noChangeArrowheads="1" noChangeShapeType="1" noCrop="1"/>
+                  </p:cNvPicPr>
+                  <p:nvPr/>
+                </p:nvPicPr>
+                <p:blipFill>
+                  <a:blip r:embed="rId8"/>
+                  <a:stretch>
+                    <a:fillRect/>
+                  </a:stretch>
+                </p:blipFill>
+                <p:spPr>
+                  <a:xfrm>
+                    <a:off x="9484084" y="3217139"/>
+                    <a:ext cx="315403" cy="437358"/>
+                  </a:xfrm>
+                  <a:prstGeom prst="rect">
+                    <a:avLst/>
+                  </a:prstGeom>
+                </p:spPr>
+              </p:pic>
+            </mc:Fallback>
+          </mc:AlternateContent>
+          <p:sp>
+            <p:nvSpPr>
+              <p:cNvPr id="7" name="Retângulo 6">
+                <a:extLst>
+                  <a:ext uri="{FF2B5EF4-FFF2-40B4-BE49-F238E27FC236}">
+                    <a16:creationId xmlns:a16="http://schemas.microsoft.com/office/drawing/2014/main" id="{55AEB9A6-FDA7-4465-8954-B9431DDAFA69}"/>
+                  </a:ext>
+                </a:extLst>
+              </p:cNvPr>
+              <p:cNvSpPr/>
+              <p:nvPr/>
+            </p:nvSpPr>
+            <p:spPr>
+              <a:xfrm>
+                <a:off x="5671120" y="592388"/>
+                <a:ext cx="6403904" cy="5699113"/>
+              </a:xfrm>
+              <a:prstGeom prst="rect">
+                <a:avLst/>
+              </a:prstGeom>
+              <a:noFill/>
+              <a:ln w="9525" cap="flat" cmpd="sng" algn="ctr">
+                <a:solidFill>
+                  <a:schemeClr val="dk1"/>
+                </a:solidFill>
+                <a:prstDash val="dashDot"/>
+                <a:round/>
+                <a:headEnd type="none" w="med" len="med"/>
+                <a:tailEnd type="none" w="med" len="med"/>
+              </a:ln>
+            </p:spPr>
+            <p:style>
+              <a:lnRef idx="0">
+                <a:scrgbClr r="0" g="0" b="0"/>
+              </a:lnRef>
+              <a:fillRef idx="0">
+                <a:scrgbClr r="0" g="0" b="0"/>
+              </a:fillRef>
+              <a:effectRef idx="0">
+                <a:scrgbClr r="0" g="0" b="0"/>
+              </a:effectRef>
+              <a:fontRef idx="minor">
+                <a:schemeClr val="dk1"/>
+              </a:fontRef>
+            </p:style>
+            <p:txBody>
+              <a:bodyPr rtlCol="0" anchor="ctr"/>
+              <a:lstStyle/>
+              <a:p>
+                <a:pPr algn="ctr"/>
+                <a:endParaRPr lang="en-GB"/>
+              </a:p>
+            </p:txBody>
+          </p:sp>
+          <p:grpSp>
+            <p:nvGrpSpPr>
+              <p:cNvPr id="10" name="Agrupar 9">
+                <a:extLst>
+                  <a:ext uri="{FF2B5EF4-FFF2-40B4-BE49-F238E27FC236}">
+                    <a16:creationId xmlns:a16="http://schemas.microsoft.com/office/drawing/2014/main" id="{091C84A5-2C4C-4686-B0E3-E7A070426A7B}"/>
+                  </a:ext>
+                </a:extLst>
+              </p:cNvPr>
+              <p:cNvGrpSpPr/>
+              <p:nvPr/>
+            </p:nvGrpSpPr>
+            <p:grpSpPr>
+              <a:xfrm>
+                <a:off x="10698880" y="4368910"/>
+                <a:ext cx="1422230" cy="1754566"/>
+                <a:chOff x="10498855" y="5092810"/>
+                <a:chExt cx="1422230" cy="1754566"/>
+              </a:xfrm>
+            </p:grpSpPr>
+            <mc:AlternateContent xmlns:mc="http://schemas.openxmlformats.org/markup-compatibility/2006" xmlns:am3d="http://schemas.microsoft.com/office/drawing/2017/model3d">
+              <mc:Choice Requires="am3d">
+                <p:graphicFrame>
+                  <p:nvGraphicFramePr>
+                    <p:cNvPr id="11" name="Modelo 3D 10" descr="Hemisfério Cinza-Escuro">
+                      <a:extLst>
+                        <a:ext uri="{FF2B5EF4-FFF2-40B4-BE49-F238E27FC236}">
+                          <a16:creationId xmlns:a16="http://schemas.microsoft.com/office/drawing/2014/main" id="{0A57C88A-1F91-465A-A928-B114E22F0EA1}"/>
+                        </a:ext>
+                      </a:extLst>
+                    </p:cNvPr>
+                    <p:cNvGraphicFramePr>
+                      <a:graphicFrameLocks noChangeAspect="1"/>
+                    </p:cNvGraphicFramePr>
+                    <p:nvPr>
+                      <p:extLst>
+                        <p:ext uri="{D42A27DB-BD31-4B8C-83A1-F6EECF244321}">
+                          <p14:modId xmlns:p14="http://schemas.microsoft.com/office/powerpoint/2010/main" val="2030753254"/>
+                        </p:ext>
+                      </p:extLst>
+                    </p:nvPr>
+                  </p:nvGraphicFramePr>
+                  <p:xfrm rot="5400000">
+                    <a:off x="10310915" y="5856664"/>
+                    <a:ext cx="1178652" cy="802772"/>
+                  </p:xfrm>
+                  <a:graphic>
+                    <a:graphicData uri="http://schemas.microsoft.com/office/drawing/2017/model3d">
+                      <am3d:model3d r:embed="rId9">
+                        <am3d:spPr>
+                          <a:xfrm rot="16200000" flipH="1">
+                            <a:off x="0" y="0"/>
+                            <a:ext cx="1178652" cy="802772"/>
+                          </a:xfrm>
+                          <a:prstGeom prst="rect">
+                            <a:avLst/>
+                          </a:prstGeom>
+                        </am3d:spPr>
+                        <am3d:camera>
+                          <am3d:pos x="0" y="0" z="70522459"/>
+                          <am3d:up dx="0" dy="36000000" dz="0"/>
+                          <am3d:lookAt x="0" y="0" z="0"/>
+                          <am3d:perspective fov="2700000"/>
+                        </am3d:camera>
+                        <am3d:trans>
+                          <am3d:meterPerModelUnit n="6553073" d="1000000"/>
+                          <am3d:preTrans dx="9" dy="-8999683" dz="-344461"/>
+                          <am3d:scale>
+                            <am3d:sx n="1000000" d="1000000"/>
+                            <am3d:sy n="1000000" d="1000000"/>
+                            <am3d:sz n="1000000" d="1000000"/>
+                          </am3d:scale>
+                          <am3d:rot ax="16200000" ay="3600000" az="16200000"/>
+                          <am3d:postTrans dx="0" dy="0" dz="0"/>
+                        </am3d:trans>
+                        <am3d:raster rName="Office3DRenderer" rVer="16.0.8326">
+                          <am3d:blip r:embed="rId10"/>
+                        </am3d:raster>
+                        <am3d:objViewport viewportSz="968011"/>
+                        <am3d:ambientLight>
+                          <am3d:clr>
+                            <a:scrgbClr r="50000" g="50000" b="50000"/>
+                          </am3d:clr>
+                          <am3d:illuminance n="500000" d="1000000"/>
+                        </am3d:ambientLight>
+                        <am3d:ptLight rad="0">
+                          <am3d:clr>
+                            <a:scrgbClr r="100000" g="75000" b="50000"/>
+                          </am3d:clr>
+                          <am3d:intensity n="9765625" d="1000000"/>
+                          <am3d:pos x="21959998" y="70920001" z="16344003"/>
+                        </am3d:ptLight>
+                        <am3d:ptLight rad="0">
+                          <am3d:clr>
+                            <a:scrgbClr r="40000" g="60000" b="95000"/>
+                          </am3d:clr>
+                          <am3d:intensity n="12250000" d="1000000"/>
+                          <am3d:pos x="-37964106" y="51130435" z="57631972"/>
+                        </am3d:ptLight>
+                        <am3d:ptLight rad="0">
+                          <am3d:clr>
+                            <a:scrgbClr r="86837" g="72700" b="100000"/>
+                          </am3d:clr>
+                          <am3d:intensity n="3125000" d="1000000"/>
+                          <am3d:pos x="-37739122" y="58056624" z="-34769649"/>
+                        </am3d:ptLight>
+                      </am3d:model3d>
+                    </a:graphicData>
+                  </a:graphic>
+                </p:graphicFrame>
+              </mc:Choice>
+              <mc:Fallback xmlns="">
+                <p:pic>
+                  <p:nvPicPr>
+                    <p:cNvPr id="27" name="Modelo 3D 26" descr="Hemisfério Cinza-Escuro">
+                      <a:extLst>
+                        <a:ext uri="{FF2B5EF4-FFF2-40B4-BE49-F238E27FC236}">
+                          <a16:creationId xmlns:a16="http://schemas.microsoft.com/office/drawing/2014/main" id="{84E0CCAB-7D61-4B1B-ACAF-C110CFF4DB82}"/>
+                        </a:ext>
+                      </a:extLst>
+                    </p:cNvPr>
+                    <p:cNvPicPr>
+                      <a:picLocks noGrp="1" noRot="1" noChangeAspect="1" noMove="1" noResize="1" noEditPoints="1" noAdjustHandles="1" noChangeArrowheads="1" noChangeShapeType="1" noCrop="1"/>
+                    </p:cNvPicPr>
+                    <p:nvPr/>
+                  </p:nvPicPr>
+                  <p:blipFill>
+                    <a:blip r:embed="rId11"/>
+                    <a:stretch>
+                      <a:fillRect/>
+                    </a:stretch>
+                  </p:blipFill>
+                  <p:spPr>
+                    <a:xfrm rot="5400000">
+                      <a:off x="10472840" y="5628064"/>
+                      <a:ext cx="1178652" cy="802772"/>
+                    </a:xfrm>
+                    <a:prstGeom prst="rect">
+                      <a:avLst/>
+                    </a:prstGeom>
+                  </p:spPr>
+                </p:pic>
+              </mc:Fallback>
+            </mc:AlternateContent>
+            <p:sp>
+              <p:nvSpPr>
+                <p:cNvPr id="12" name="CaixaDeTexto 11">
                   <a:extLst>
                     <a:ext uri="{FF2B5EF4-FFF2-40B4-BE49-F238E27FC236}">
-                      <a16:creationId xmlns:a16="http://schemas.microsoft.com/office/drawing/2014/main" id="{13EF3B44-B358-43C6-A4B2-C69178E86B90}"/>
+                      <a16:creationId xmlns:a16="http://schemas.microsoft.com/office/drawing/2014/main" id="{16961C8B-404C-4177-A213-326217C2AE3D}"/>
                     </a:ext>
                   </a:extLst>
                 </p:cNvPr>
-                <p:cNvGraphicFramePr>
-                  <a:graphicFrameLocks noChangeAspect="1"/>
-                </p:cNvGraphicFramePr>
-                <p:nvPr>
-                  <p:extLst>
-                    <p:ext uri="{D42A27DB-BD31-4B8C-83A1-F6EECF244321}">
-                      <p14:modId xmlns:p14="http://schemas.microsoft.com/office/powerpoint/2010/main" val="1909369041"/>
-                    </p:ext>
-                  </p:extLst>
-                </p:nvPr>
-              </p:nvGraphicFramePr>
-              <p:xfrm>
-                <a:off x="8626740" y="3830084"/>
-                <a:ext cx="503965" cy="669954"/>
-              </p:xfrm>
-              <a:graphic>
-                <a:graphicData uri="http://schemas.microsoft.com/office/drawing/2017/model3d">
-                  <am3d:model3d r:embed="rId2">
-                    <am3d:spPr>
-                      <a:xfrm>
-                        <a:off x="0" y="0"/>
-                        <a:ext cx="503965" cy="669954"/>
-                      </a:xfrm>
-                      <a:prstGeom prst="rect">
-                        <a:avLst/>
-                      </a:prstGeom>
-                    </am3d:spPr>
-                    <am3d:camera>
-                      <am3d:pos x="0" y="0" z="57664451"/>
-                      <am3d:up dx="0" dy="36000000" dz="0"/>
-                      <am3d:lookAt x="0" y="0" z="0"/>
-                      <am3d:perspective fov="2700000"/>
-                    </am3d:camera>
-                    <am3d:trans>
-                      <am3d:meterPerModelUnit n="4361393" d="1000000"/>
-                      <am3d:preTrans dx="0" dy="-6493603" dz="0"/>
-                      <am3d:scale>
-                        <am3d:sx n="1000000" d="1000000"/>
-                        <am3d:sy n="1000000" d="1000000"/>
-                        <am3d:sz n="1000000" d="1000000"/>
-                      </am3d:scale>
-                      <am3d:rot ax="-7650021" ay="5" az="7"/>
-                      <am3d:postTrans dx="0" dy="0" dz="0"/>
-                    </am3d:trans>
-                    <am3d:raster rName="Office3DRenderer" rVer="16.0.8326">
-                      <am3d:blip r:embed="rId3"/>
-                    </am3d:raster>
-                    <am3d:objViewport viewportSz="493953"/>
-                    <am3d:ambientLight>
-                      <am3d:clr>
-                        <a:scrgbClr r="50000" g="50000" b="50000"/>
-                      </am3d:clr>
-                      <am3d:illuminance n="500000" d="1000000"/>
-                    </am3d:ambientLight>
-                    <am3d:ptLight rad="0">
-                      <am3d:clr>
-                        <a:scrgbClr r="100000" g="75000" b="50000"/>
-                      </am3d:clr>
-                      <am3d:intensity n="9765625" d="1000000"/>
-                      <am3d:pos x="21959998" y="70920001" z="16344003"/>
-                    </am3d:ptLight>
-                    <am3d:ptLight rad="0">
-                      <am3d:clr>
-                        <a:scrgbClr r="40000" g="60000" b="95000"/>
-                      </am3d:clr>
-                      <am3d:intensity n="12250000" d="1000000"/>
-                      <am3d:pos x="-37964106" y="51130435" z="57631972"/>
-                    </am3d:ptLight>
-                    <am3d:ptLight rad="0">
-                      <am3d:clr>
-                        <a:scrgbClr r="86837" g="72700" b="100000"/>
-                      </am3d:clr>
-                      <am3d:intensity n="3125000" d="1000000"/>
-                      <am3d:pos x="-37739122" y="58056624" z="-34769649"/>
-                    </am3d:ptLight>
-                  </am3d:model3d>
-                </a:graphicData>
-              </a:graphic>
-            </p:graphicFrame>
-          </mc:Choice>
-          <mc:Fallback xmlns="">
-            <p:pic>
-              <p:nvPicPr>
-                <p:cNvPr id="5" name="Modelo 3D 4" descr="Cuboide Cinza-Escuro">
-                  <a:extLst>
-                    <a:ext uri="{FF2B5EF4-FFF2-40B4-BE49-F238E27FC236}">
-                      <a16:creationId xmlns:a16="http://schemas.microsoft.com/office/drawing/2014/main" id="{13EF3B44-B358-43C6-A4B2-C69178E86B90}"/>
-                    </a:ext>
-                  </a:extLst>
-                </p:cNvPr>
-                <p:cNvPicPr>
-                  <a:picLocks noGrp="1" noRot="1" noChangeAspect="1" noMove="1" noResize="1" noEditPoints="1" noAdjustHandles="1" noChangeArrowheads="1" noChangeShapeType="1" noCrop="1"/>
-                </p:cNvPicPr>
+                <p:cNvSpPr txBox="1"/>
                 <p:nvPr/>
-              </p:nvPicPr>
-              <p:blipFill>
-                <a:blip r:embed="rId4"/>
-                <a:stretch>
-                  <a:fillRect/>
-                </a:stretch>
-              </p:blipFill>
+              </p:nvSpPr>
               <p:spPr>
                 <a:xfrm>
-                  <a:off x="9484084" y="3217139"/>
-                  <a:ext cx="315403" cy="437358"/>
+                  <a:off x="11140102" y="5092810"/>
+                  <a:ext cx="780983" cy="553998"/>
                 </a:xfrm>
                 <a:prstGeom prst="rect">
                   <a:avLst/>
                 </a:prstGeom>
+                <a:noFill/>
               </p:spPr>
-            </p:pic>
-          </mc:Fallback>
-        </mc:AlternateContent>
+              <p:txBody>
+                <a:bodyPr wrap="none" rtlCol="0">
+                  <a:spAutoFit/>
+                </a:bodyPr>
+                <a:lstStyle/>
+                <a:p>
+                  <a:r>
+                    <a:rPr lang="en-GB" sz="3000" b="1" dirty="0"/>
+                    <a:t>D</a:t>
+                  </a:r>
+                  <a:r>
+                    <a:rPr lang="en-GB" sz="3000" b="1" baseline="-25000" dirty="0"/>
+                    <a:t>M2</a:t>
+                  </a:r>
+                </a:p>
+              </p:txBody>
+            </p:sp>
+          </p:grpSp>
+          <p:sp>
+            <p:nvSpPr>
+              <p:cNvPr id="13" name="CaixaDeTexto 12">
+                <a:extLst>
+                  <a:ext uri="{FF2B5EF4-FFF2-40B4-BE49-F238E27FC236}">
+                    <a16:creationId xmlns:a16="http://schemas.microsoft.com/office/drawing/2014/main" id="{55149F32-B5DE-43BD-9071-5CF5285637BD}"/>
+                  </a:ext>
+                </a:extLst>
+              </p:cNvPr>
+              <p:cNvSpPr txBox="1"/>
+              <p:nvPr/>
+            </p:nvSpPr>
+            <p:spPr>
+              <a:xfrm>
+                <a:off x="8280649" y="3310233"/>
+                <a:ext cx="1186543" cy="553998"/>
+              </a:xfrm>
+              <a:prstGeom prst="rect">
+                <a:avLst/>
+              </a:prstGeom>
+              <a:noFill/>
+            </p:spPr>
+            <p:txBody>
+              <a:bodyPr wrap="none" rtlCol="0">
+                <a:spAutoFit/>
+              </a:bodyPr>
+              <a:lstStyle/>
+              <a:p>
+                <a:r>
+                  <a:rPr lang="en-GB" sz="3000" b="1" dirty="0"/>
+                  <a:t>0.5 </a:t>
+                </a:r>
+                <a:r>
+                  <a:rPr lang="en-GB" sz="3000" b="1" dirty="0" err="1"/>
+                  <a:t>t</a:t>
+                </a:r>
+                <a:r>
+                  <a:rPr lang="en-GB" sz="3000" b="1" baseline="-25000" dirty="0" err="1"/>
+                  <a:t>bit</a:t>
+                </a:r>
+                <a:endParaRPr lang="en-GB" sz="3000" b="1" baseline="-25000" dirty="0"/>
+              </a:p>
+            </p:txBody>
+          </p:sp>
+          <p:sp>
+            <p:nvSpPr>
+              <p:cNvPr id="14" name="CaixaDeTexto 13">
+                <a:extLst>
+                  <a:ext uri="{FF2B5EF4-FFF2-40B4-BE49-F238E27FC236}">
+                    <a16:creationId xmlns:a16="http://schemas.microsoft.com/office/drawing/2014/main" id="{049F07B8-5914-472C-8CDD-3BC807A1BCE8}"/>
+                  </a:ext>
+                </a:extLst>
+              </p:cNvPr>
+              <p:cNvSpPr txBox="1"/>
+              <p:nvPr/>
+            </p:nvSpPr>
+            <p:spPr>
+              <a:xfrm>
+                <a:off x="7156602" y="1230244"/>
+                <a:ext cx="461986" cy="553998"/>
+              </a:xfrm>
+              <a:prstGeom prst="rect">
+                <a:avLst/>
+              </a:prstGeom>
+              <a:noFill/>
+            </p:spPr>
+            <p:txBody>
+              <a:bodyPr wrap="none" rtlCol="0">
+                <a:spAutoFit/>
+              </a:bodyPr>
+              <a:lstStyle/>
+              <a:p>
+                <a:r>
+                  <a:rPr lang="en-GB" sz="3000" b="1" dirty="0" err="1"/>
+                  <a:t>t</a:t>
+                </a:r>
+                <a:r>
+                  <a:rPr lang="en-GB" sz="3000" b="1" baseline="-25000" dirty="0" err="1"/>
+                  <a:t>B</a:t>
+                </a:r>
+                <a:endParaRPr lang="en-GB" sz="3000" b="1" baseline="-25000" dirty="0"/>
+              </a:p>
+            </p:txBody>
+          </p:sp>
+          <p:sp>
+            <p:nvSpPr>
+              <p:cNvPr id="15" name="CaixaDeTexto 14">
+                <a:extLst>
+                  <a:ext uri="{FF2B5EF4-FFF2-40B4-BE49-F238E27FC236}">
+                    <a16:creationId xmlns:a16="http://schemas.microsoft.com/office/drawing/2014/main" id="{DEA64BB1-7D3A-4306-882D-145B8E0A86F9}"/>
+                  </a:ext>
+                </a:extLst>
+              </p:cNvPr>
+              <p:cNvSpPr txBox="1"/>
+              <p:nvPr/>
+            </p:nvSpPr>
+            <p:spPr>
+              <a:xfrm>
+                <a:off x="6062747" y="2375994"/>
+                <a:ext cx="774571" cy="553998"/>
+              </a:xfrm>
+              <a:prstGeom prst="rect">
+                <a:avLst/>
+              </a:prstGeom>
+              <a:noFill/>
+            </p:spPr>
+            <p:txBody>
+              <a:bodyPr wrap="none" rtlCol="0">
+                <a:spAutoFit/>
+              </a:bodyPr>
+              <a:lstStyle/>
+              <a:p>
+                <a:r>
+                  <a:rPr lang="en-GB" sz="3000" b="1" dirty="0"/>
+                  <a:t>1-t</a:t>
+                </a:r>
+                <a:r>
+                  <a:rPr lang="en-GB" sz="3000" b="1" baseline="-25000" dirty="0"/>
+                  <a:t>B</a:t>
+                </a:r>
+              </a:p>
+            </p:txBody>
+          </p:sp>
+          <p:sp>
+            <p:nvSpPr>
+              <p:cNvPr id="16" name="Hexágono 15">
+                <a:extLst>
+                  <a:ext uri="{FF2B5EF4-FFF2-40B4-BE49-F238E27FC236}">
+                    <a16:creationId xmlns:a16="http://schemas.microsoft.com/office/drawing/2014/main" id="{57FB80A9-E582-48C4-B575-7B0B023D1822}"/>
+                  </a:ext>
+                </a:extLst>
+              </p:cNvPr>
+              <p:cNvSpPr/>
+              <p:nvPr/>
+            </p:nvSpPr>
+            <p:spPr>
+              <a:xfrm>
+                <a:off x="7698030" y="4174422"/>
+                <a:ext cx="2246214" cy="942975"/>
+              </a:xfrm>
+              <a:prstGeom prst="hexagon">
+                <a:avLst/>
+              </a:prstGeom>
+              <a:noFill/>
+              <a:ln w="127000" cap="sq">
+                <a:solidFill>
+                  <a:schemeClr val="accent4"/>
+                </a:solidFill>
+                <a:miter lim="800000"/>
+              </a:ln>
+            </p:spPr>
+            <p:style>
+              <a:lnRef idx="2">
+                <a:schemeClr val="accent1">
+                  <a:shade val="50000"/>
+                </a:schemeClr>
+              </a:lnRef>
+              <a:fillRef idx="1">
+                <a:schemeClr val="accent1"/>
+              </a:fillRef>
+              <a:effectRef idx="0">
+                <a:schemeClr val="accent1"/>
+              </a:effectRef>
+              <a:fontRef idx="minor">
+                <a:schemeClr val="lt1"/>
+              </a:fontRef>
+            </p:style>
+            <p:txBody>
+              <a:bodyPr rtlCol="0" anchor="ctr"/>
+              <a:lstStyle/>
+              <a:p>
+                <a:pPr algn="ctr"/>
+                <a:endParaRPr lang="en-GB"/>
+              </a:p>
+            </p:txBody>
+          </p:sp>
+          <p:cxnSp>
+            <p:nvCxnSpPr>
+              <p:cNvPr id="17" name="Conexão reta 16">
+                <a:extLst>
+                  <a:ext uri="{FF2B5EF4-FFF2-40B4-BE49-F238E27FC236}">
+                    <a16:creationId xmlns:a16="http://schemas.microsoft.com/office/drawing/2014/main" id="{2D578835-D05B-4DA3-840B-B1ECBD38731C}"/>
+                  </a:ext>
+                </a:extLst>
+              </p:cNvPr>
+              <p:cNvCxnSpPr>
+                <a:stCxn id="16" idx="0"/>
+              </p:cNvCxnSpPr>
+              <p:nvPr/>
+            </p:nvCxnSpPr>
+            <p:spPr>
+              <a:xfrm>
+                <a:off x="9944244" y="4645909"/>
+                <a:ext cx="914400" cy="914400"/>
+              </a:xfrm>
+              <a:prstGeom prst="line">
+                <a:avLst/>
+              </a:prstGeom>
+              <a:ln w="127000" cap="rnd">
+                <a:solidFill>
+                  <a:schemeClr val="accent4"/>
+                </a:solidFill>
+              </a:ln>
+            </p:spPr>
+            <p:style>
+              <a:lnRef idx="1">
+                <a:schemeClr val="accent1"/>
+              </a:lnRef>
+              <a:fillRef idx="0">
+                <a:schemeClr val="accent1"/>
+              </a:fillRef>
+              <a:effectRef idx="0">
+                <a:schemeClr val="accent1"/>
+              </a:effectRef>
+              <a:fontRef idx="minor">
+                <a:schemeClr val="tx1"/>
+              </a:fontRef>
+            </p:style>
+          </p:cxnSp>
+          <p:cxnSp>
+            <p:nvCxnSpPr>
+              <p:cNvPr id="18" name="Conexão reta 17">
+                <a:extLst>
+                  <a:ext uri="{FF2B5EF4-FFF2-40B4-BE49-F238E27FC236}">
+                    <a16:creationId xmlns:a16="http://schemas.microsoft.com/office/drawing/2014/main" id="{254539DE-0267-4724-8BA3-345544109B13}"/>
+                  </a:ext>
+                </a:extLst>
+              </p:cNvPr>
+              <p:cNvCxnSpPr>
+                <a:cxnSpLocks/>
+              </p:cNvCxnSpPr>
+              <p:nvPr/>
+            </p:nvCxnSpPr>
+            <p:spPr>
+              <a:xfrm flipV="1">
+                <a:off x="6783630" y="4664959"/>
+                <a:ext cx="914400" cy="914400"/>
+              </a:xfrm>
+              <a:prstGeom prst="line">
+                <a:avLst/>
+              </a:prstGeom>
+              <a:ln w="127000">
+                <a:solidFill>
+                  <a:schemeClr val="accent4"/>
+                </a:solidFill>
+              </a:ln>
+            </p:spPr>
+            <p:style>
+              <a:lnRef idx="1">
+                <a:schemeClr val="accent1"/>
+              </a:lnRef>
+              <a:fillRef idx="0">
+                <a:schemeClr val="accent1"/>
+              </a:fillRef>
+              <a:effectRef idx="0">
+                <a:schemeClr val="accent1"/>
+              </a:effectRef>
+              <a:fontRef idx="minor">
+                <a:schemeClr val="tx1"/>
+              </a:fontRef>
+            </p:style>
+          </p:cxnSp>
+          <p:cxnSp>
+            <p:nvCxnSpPr>
+              <p:cNvPr id="19" name="Conexão reta 18">
+                <a:extLst>
+                  <a:ext uri="{FF2B5EF4-FFF2-40B4-BE49-F238E27FC236}">
+                    <a16:creationId xmlns:a16="http://schemas.microsoft.com/office/drawing/2014/main" id="{EE19D473-9996-4A6A-A441-49C681723876}"/>
+                  </a:ext>
+                </a:extLst>
+              </p:cNvPr>
+              <p:cNvCxnSpPr>
+                <a:cxnSpLocks/>
+              </p:cNvCxnSpPr>
+              <p:nvPr/>
+            </p:nvCxnSpPr>
+            <p:spPr>
+              <a:xfrm>
+                <a:off x="6793155" y="3741034"/>
+                <a:ext cx="914400" cy="914400"/>
+              </a:xfrm>
+              <a:prstGeom prst="line">
+                <a:avLst/>
+              </a:prstGeom>
+              <a:ln w="127000">
+                <a:solidFill>
+                  <a:schemeClr val="accent4"/>
+                </a:solidFill>
+              </a:ln>
+            </p:spPr>
+            <p:style>
+              <a:lnRef idx="1">
+                <a:schemeClr val="accent1"/>
+              </a:lnRef>
+              <a:fillRef idx="0">
+                <a:schemeClr val="accent1"/>
+              </a:fillRef>
+              <a:effectRef idx="0">
+                <a:schemeClr val="accent1"/>
+              </a:effectRef>
+              <a:fontRef idx="minor">
+                <a:schemeClr val="tx1"/>
+              </a:fontRef>
+            </p:style>
+          </p:cxnSp>
+          <p:grpSp>
+            <p:nvGrpSpPr>
+              <p:cNvPr id="20" name="Agrupar 19">
+                <a:extLst>
+                  <a:ext uri="{FF2B5EF4-FFF2-40B4-BE49-F238E27FC236}">
+                    <a16:creationId xmlns:a16="http://schemas.microsoft.com/office/drawing/2014/main" id="{A9E7E8E3-58E0-4D39-923E-A6DAFCC97B61}"/>
+                  </a:ext>
+                </a:extLst>
+              </p:cNvPr>
+              <p:cNvGrpSpPr/>
+              <p:nvPr/>
+            </p:nvGrpSpPr>
+            <p:grpSpPr>
+              <a:xfrm>
+                <a:off x="10708405" y="2568690"/>
+                <a:ext cx="1505474" cy="1764086"/>
+                <a:chOff x="10498855" y="5083290"/>
+                <a:chExt cx="1505474" cy="1764086"/>
+              </a:xfrm>
+            </p:grpSpPr>
+            <mc:AlternateContent xmlns:mc="http://schemas.openxmlformats.org/markup-compatibility/2006" xmlns:am3d="http://schemas.microsoft.com/office/drawing/2017/model3d">
+              <mc:Choice Requires="am3d">
+                <p:graphicFrame>
+                  <p:nvGraphicFramePr>
+                    <p:cNvPr id="21" name="Modelo 3D 20" descr="Hemisfério Cinza-Escuro">
+                      <a:extLst>
+                        <a:ext uri="{FF2B5EF4-FFF2-40B4-BE49-F238E27FC236}">
+                          <a16:creationId xmlns:a16="http://schemas.microsoft.com/office/drawing/2014/main" id="{819CE141-C186-465D-9167-1473C21BA77B}"/>
+                        </a:ext>
+                      </a:extLst>
+                    </p:cNvPr>
+                    <p:cNvGraphicFramePr>
+                      <a:graphicFrameLocks noChangeAspect="1"/>
+                    </p:cNvGraphicFramePr>
+                    <p:nvPr>
+                      <p:extLst>
+                        <p:ext uri="{D42A27DB-BD31-4B8C-83A1-F6EECF244321}">
+                          <p14:modId xmlns:p14="http://schemas.microsoft.com/office/powerpoint/2010/main" val="1160171193"/>
+                        </p:ext>
+                      </p:extLst>
+                    </p:nvPr>
+                  </p:nvGraphicFramePr>
+                  <p:xfrm rot="5400000">
+                    <a:off x="10310915" y="5856664"/>
+                    <a:ext cx="1178652" cy="802772"/>
+                  </p:xfrm>
+                  <a:graphic>
+                    <a:graphicData uri="http://schemas.microsoft.com/office/drawing/2017/model3d">
+                      <am3d:model3d r:embed="rId9">
+                        <am3d:spPr>
+                          <a:xfrm rot="16200000" flipH="1">
+                            <a:off x="0" y="0"/>
+                            <a:ext cx="1178652" cy="802772"/>
+                          </a:xfrm>
+                          <a:prstGeom prst="rect">
+                            <a:avLst/>
+                          </a:prstGeom>
+                        </am3d:spPr>
+                        <am3d:camera>
+                          <am3d:pos x="0" y="0" z="70522459"/>
+                          <am3d:up dx="0" dy="36000000" dz="0"/>
+                          <am3d:lookAt x="0" y="0" z="0"/>
+                          <am3d:perspective fov="2700000"/>
+                        </am3d:camera>
+                        <am3d:trans>
+                          <am3d:meterPerModelUnit n="6553073" d="1000000"/>
+                          <am3d:preTrans dx="9" dy="-8999683" dz="-344461"/>
+                          <am3d:scale>
+                            <am3d:sx n="1000000" d="1000000"/>
+                            <am3d:sy n="1000000" d="1000000"/>
+                            <am3d:sz n="1000000" d="1000000"/>
+                          </am3d:scale>
+                          <am3d:rot ax="16200000" ay="3600000" az="16200000"/>
+                          <am3d:postTrans dx="0" dy="0" dz="0"/>
+                        </am3d:trans>
+                        <am3d:raster rName="Office3DRenderer" rVer="16.0.8326">
+                          <am3d:blip r:embed="rId10"/>
+                        </am3d:raster>
+                        <am3d:objViewport viewportSz="968011"/>
+                        <am3d:ambientLight>
+                          <am3d:clr>
+                            <a:scrgbClr r="50000" g="50000" b="50000"/>
+                          </am3d:clr>
+                          <am3d:illuminance n="500000" d="1000000"/>
+                        </am3d:ambientLight>
+                        <am3d:ptLight rad="0">
+                          <am3d:clr>
+                            <a:scrgbClr r="100000" g="75000" b="50000"/>
+                          </am3d:clr>
+                          <am3d:intensity n="9765625" d="1000000"/>
+                          <am3d:pos x="21959998" y="70920001" z="16344003"/>
+                        </am3d:ptLight>
+                        <am3d:ptLight rad="0">
+                          <am3d:clr>
+                            <a:scrgbClr r="40000" g="60000" b="95000"/>
+                          </am3d:clr>
+                          <am3d:intensity n="12250000" d="1000000"/>
+                          <am3d:pos x="-37964106" y="51130435" z="57631972"/>
+                        </am3d:ptLight>
+                        <am3d:ptLight rad="0">
+                          <am3d:clr>
+                            <a:scrgbClr r="86837" g="72700" b="100000"/>
+                          </am3d:clr>
+                          <am3d:intensity n="3125000" d="1000000"/>
+                          <am3d:pos x="-37739122" y="58056624" z="-34769649"/>
+                        </am3d:ptLight>
+                      </am3d:model3d>
+                    </a:graphicData>
+                  </a:graphic>
+                </p:graphicFrame>
+              </mc:Choice>
+              <mc:Fallback xmlns="">
+                <p:pic>
+                  <p:nvPicPr>
+                    <p:cNvPr id="77" name="Modelo 3D 76" descr="Hemisfério Cinza-Escuro">
+                      <a:extLst>
+                        <a:ext uri="{FF2B5EF4-FFF2-40B4-BE49-F238E27FC236}">
+                          <a16:creationId xmlns:a16="http://schemas.microsoft.com/office/drawing/2014/main" id="{8814C08B-2BAE-475B-B167-0EC1D5CC6ACD}"/>
+                        </a:ext>
+                      </a:extLst>
+                    </p:cNvPr>
+                    <p:cNvPicPr>
+                      <a:picLocks noGrp="1" noRot="1" noChangeAspect="1" noMove="1" noResize="1" noEditPoints="1" noAdjustHandles="1" noChangeArrowheads="1" noChangeShapeType="1" noCrop="1"/>
+                    </p:cNvPicPr>
+                    <p:nvPr/>
+                  </p:nvPicPr>
+                  <p:blipFill>
+                    <a:blip r:embed="rId11"/>
+                    <a:stretch>
+                      <a:fillRect/>
+                    </a:stretch>
+                  </p:blipFill>
+                  <p:spPr>
+                    <a:xfrm rot="5400000">
+                      <a:off x="10482365" y="3837364"/>
+                      <a:ext cx="1178652" cy="802772"/>
+                    </a:xfrm>
+                    <a:prstGeom prst="rect">
+                      <a:avLst/>
+                    </a:prstGeom>
+                  </p:spPr>
+                </p:pic>
+              </mc:Fallback>
+            </mc:AlternateContent>
+            <p:sp>
+              <p:nvSpPr>
+                <p:cNvPr id="22" name="CaixaDeTexto 21">
+                  <a:extLst>
+                    <a:ext uri="{FF2B5EF4-FFF2-40B4-BE49-F238E27FC236}">
+                      <a16:creationId xmlns:a16="http://schemas.microsoft.com/office/drawing/2014/main" id="{997C8EF7-CA81-405F-A237-A8E398CF6B80}"/>
+                    </a:ext>
+                  </a:extLst>
+                </p:cNvPr>
+                <p:cNvSpPr txBox="1"/>
+                <p:nvPr/>
+              </p:nvSpPr>
+              <p:spPr>
+                <a:xfrm>
+                  <a:off x="11223346" y="5083290"/>
+                  <a:ext cx="780983" cy="553998"/>
+                </a:xfrm>
+                <a:prstGeom prst="rect">
+                  <a:avLst/>
+                </a:prstGeom>
+                <a:noFill/>
+              </p:spPr>
+              <p:txBody>
+                <a:bodyPr wrap="none" rtlCol="0">
+                  <a:spAutoFit/>
+                </a:bodyPr>
+                <a:lstStyle/>
+                <a:p>
+                  <a:r>
+                    <a:rPr lang="en-GB" sz="3000" b="1" dirty="0"/>
+                    <a:t>D</a:t>
+                  </a:r>
+                  <a:r>
+                    <a:rPr lang="en-GB" sz="3000" b="1" baseline="-25000" dirty="0"/>
+                    <a:t>M1</a:t>
+                  </a:r>
+                </a:p>
+              </p:txBody>
+            </p:sp>
+          </p:grpSp>
+          <p:cxnSp>
+            <p:nvCxnSpPr>
+              <p:cNvPr id="24" name="Conexão reta 23">
+                <a:extLst>
+                  <a:ext uri="{FF2B5EF4-FFF2-40B4-BE49-F238E27FC236}">
+                    <a16:creationId xmlns:a16="http://schemas.microsoft.com/office/drawing/2014/main" id="{70DED650-4B24-4B18-BC6A-9F6F641BBBA0}"/>
+                  </a:ext>
+                </a:extLst>
+              </p:cNvPr>
+              <p:cNvCxnSpPr>
+                <a:cxnSpLocks/>
+              </p:cNvCxnSpPr>
+              <p:nvPr/>
+            </p:nvCxnSpPr>
+            <p:spPr>
+              <a:xfrm flipV="1">
+                <a:off x="6793155" y="2121870"/>
+                <a:ext cx="0" cy="1561130"/>
+              </a:xfrm>
+              <a:prstGeom prst="line">
+                <a:avLst/>
+              </a:prstGeom>
+              <a:ln w="127000" cap="rnd">
+                <a:solidFill>
+                  <a:schemeClr val="accent4"/>
+                </a:solidFill>
+                <a:round/>
+              </a:ln>
+            </p:spPr>
+            <p:style>
+              <a:lnRef idx="1">
+                <a:schemeClr val="accent1"/>
+              </a:lnRef>
+              <a:fillRef idx="0">
+                <a:schemeClr val="accent1"/>
+              </a:fillRef>
+              <a:effectRef idx="0">
+                <a:schemeClr val="accent1"/>
+              </a:effectRef>
+              <a:fontRef idx="minor">
+                <a:schemeClr val="tx1"/>
+              </a:fontRef>
+            </p:style>
+          </p:cxnSp>
+          <p:grpSp>
+            <p:nvGrpSpPr>
+              <p:cNvPr id="25" name="Agrupar 24">
+                <a:extLst>
+                  <a:ext uri="{FF2B5EF4-FFF2-40B4-BE49-F238E27FC236}">
+                    <a16:creationId xmlns:a16="http://schemas.microsoft.com/office/drawing/2014/main" id="{F98A79BD-E123-420A-B95C-B8AEA46E6249}"/>
+                  </a:ext>
+                </a:extLst>
+              </p:cNvPr>
+              <p:cNvGrpSpPr/>
+              <p:nvPr/>
+            </p:nvGrpSpPr>
+            <p:grpSpPr>
+              <a:xfrm>
+                <a:off x="10708405" y="1439130"/>
+                <a:ext cx="1464755" cy="1271221"/>
+                <a:chOff x="10498855" y="5576155"/>
+                <a:chExt cx="1464755" cy="1271221"/>
+              </a:xfrm>
+            </p:grpSpPr>
+            <mc:AlternateContent xmlns:mc="http://schemas.openxmlformats.org/markup-compatibility/2006" xmlns:am3d="http://schemas.microsoft.com/office/drawing/2017/model3d">
+              <mc:Choice Requires="am3d">
+                <p:graphicFrame>
+                  <p:nvGraphicFramePr>
+                    <p:cNvPr id="26" name="Modelo 3D 25" descr="Hemisfério Cinza-Escuro">
+                      <a:extLst>
+                        <a:ext uri="{FF2B5EF4-FFF2-40B4-BE49-F238E27FC236}">
+                          <a16:creationId xmlns:a16="http://schemas.microsoft.com/office/drawing/2014/main" id="{DEBCF69D-3B9E-461F-9E75-5922A517FA0E}"/>
+                        </a:ext>
+                      </a:extLst>
+                    </p:cNvPr>
+                    <p:cNvGraphicFramePr>
+                      <a:graphicFrameLocks noChangeAspect="1"/>
+                    </p:cNvGraphicFramePr>
+                    <p:nvPr>
+                      <p:extLst>
+                        <p:ext uri="{D42A27DB-BD31-4B8C-83A1-F6EECF244321}">
+                          <p14:modId xmlns:p14="http://schemas.microsoft.com/office/powerpoint/2010/main" val="775185252"/>
+                        </p:ext>
+                      </p:extLst>
+                    </p:nvPr>
+                  </p:nvGraphicFramePr>
+                  <p:xfrm rot="5400000">
+                    <a:off x="10310915" y="5856664"/>
+                    <a:ext cx="1178652" cy="802772"/>
+                  </p:xfrm>
+                  <a:graphic>
+                    <a:graphicData uri="http://schemas.microsoft.com/office/drawing/2017/model3d">
+                      <am3d:model3d r:embed="rId9">
+                        <am3d:spPr>
+                          <a:xfrm rot="16200000" flipH="1">
+                            <a:off x="0" y="0"/>
+                            <a:ext cx="1178652" cy="802772"/>
+                          </a:xfrm>
+                          <a:prstGeom prst="rect">
+                            <a:avLst/>
+                          </a:prstGeom>
+                        </am3d:spPr>
+                        <am3d:camera>
+                          <am3d:pos x="0" y="0" z="70522459"/>
+                          <am3d:up dx="0" dy="36000000" dz="0"/>
+                          <am3d:lookAt x="0" y="0" z="0"/>
+                          <am3d:perspective fov="2700000"/>
+                        </am3d:camera>
+                        <am3d:trans>
+                          <am3d:meterPerModelUnit n="6553073" d="1000000"/>
+                          <am3d:preTrans dx="9" dy="-8999683" dz="-344461"/>
+                          <am3d:scale>
+                            <am3d:sx n="1000000" d="1000000"/>
+                            <am3d:sy n="1000000" d="1000000"/>
+                            <am3d:sz n="1000000" d="1000000"/>
+                          </am3d:scale>
+                          <am3d:rot ax="16200000" ay="3600000" az="16200000"/>
+                          <am3d:postTrans dx="0" dy="0" dz="0"/>
+                        </am3d:trans>
+                        <am3d:raster rName="Office3DRenderer" rVer="16.0.8326">
+                          <am3d:blip r:embed="rId10"/>
+                        </am3d:raster>
+                        <am3d:objViewport viewportSz="968011"/>
+                        <am3d:ambientLight>
+                          <am3d:clr>
+                            <a:scrgbClr r="50000" g="50000" b="50000"/>
+                          </am3d:clr>
+                          <am3d:illuminance n="500000" d="1000000"/>
+                        </am3d:ambientLight>
+                        <am3d:ptLight rad="0">
+                          <am3d:clr>
+                            <a:scrgbClr r="100000" g="75000" b="50000"/>
+                          </am3d:clr>
+                          <am3d:intensity n="9765625" d="1000000"/>
+                          <am3d:pos x="21959998" y="70920001" z="16344003"/>
+                        </am3d:ptLight>
+                        <am3d:ptLight rad="0">
+                          <am3d:clr>
+                            <a:scrgbClr r="40000" g="60000" b="95000"/>
+                          </am3d:clr>
+                          <am3d:intensity n="12250000" d="1000000"/>
+                          <am3d:pos x="-37964106" y="51130435" z="57631972"/>
+                        </am3d:ptLight>
+                        <am3d:ptLight rad="0">
+                          <am3d:clr>
+                            <a:scrgbClr r="86837" g="72700" b="100000"/>
+                          </am3d:clr>
+                          <am3d:intensity n="3125000" d="1000000"/>
+                          <am3d:pos x="-37739122" y="58056624" z="-34769649"/>
+                        </am3d:ptLight>
+                      </am3d:model3d>
+                    </a:graphicData>
+                  </a:graphic>
+                </p:graphicFrame>
+              </mc:Choice>
+              <mc:Fallback xmlns="">
+                <p:pic>
+                  <p:nvPicPr>
+                    <p:cNvPr id="80" name="Modelo 3D 79" descr="Hemisfério Cinza-Escuro">
+                      <a:extLst>
+                        <a:ext uri="{FF2B5EF4-FFF2-40B4-BE49-F238E27FC236}">
+                          <a16:creationId xmlns:a16="http://schemas.microsoft.com/office/drawing/2014/main" id="{FC13DA74-E81F-494C-9207-78A85F36B252}"/>
+                        </a:ext>
+                      </a:extLst>
+                    </p:cNvPr>
+                    <p:cNvPicPr>
+                      <a:picLocks noGrp="1" noRot="1" noChangeAspect="1" noMove="1" noResize="1" noEditPoints="1" noAdjustHandles="1" noChangeArrowheads="1" noChangeShapeType="1" noCrop="1"/>
+                    </p:cNvPicPr>
+                    <p:nvPr/>
+                  </p:nvPicPr>
+                  <p:blipFill>
+                    <a:blip r:embed="rId11"/>
+                    <a:stretch>
+                      <a:fillRect/>
+                    </a:stretch>
+                  </p:blipFill>
+                  <p:spPr>
+                    <a:xfrm rot="5400000">
+                      <a:off x="10482365" y="1237039"/>
+                      <a:ext cx="1178652" cy="802772"/>
+                    </a:xfrm>
+                    <a:prstGeom prst="rect">
+                      <a:avLst/>
+                    </a:prstGeom>
+                  </p:spPr>
+                </p:pic>
+              </mc:Fallback>
+            </mc:AlternateContent>
+            <p:sp>
+              <p:nvSpPr>
+                <p:cNvPr id="27" name="CaixaDeTexto 26">
+                  <a:extLst>
+                    <a:ext uri="{FF2B5EF4-FFF2-40B4-BE49-F238E27FC236}">
+                      <a16:creationId xmlns:a16="http://schemas.microsoft.com/office/drawing/2014/main" id="{8933B322-088C-4913-AE2B-C749FB69D08A}"/>
+                    </a:ext>
+                  </a:extLst>
+                </p:cNvPr>
+                <p:cNvSpPr txBox="1"/>
+                <p:nvPr/>
+              </p:nvSpPr>
+              <p:spPr>
+                <a:xfrm>
+                  <a:off x="11392620" y="5576155"/>
+                  <a:ext cx="570990" cy="553998"/>
+                </a:xfrm>
+                <a:prstGeom prst="rect">
+                  <a:avLst/>
+                </a:prstGeom>
+                <a:noFill/>
+              </p:spPr>
+              <p:txBody>
+                <a:bodyPr wrap="none" rtlCol="0">
+                  <a:spAutoFit/>
+                </a:bodyPr>
+                <a:lstStyle/>
+                <a:p>
+                  <a:r>
+                    <a:rPr lang="en-GB" sz="3000" b="1" dirty="0"/>
+                    <a:t>D</a:t>
+                  </a:r>
+                  <a:r>
+                    <a:rPr lang="en-GB" sz="3000" b="1" baseline="-25000" dirty="0"/>
+                    <a:t>B</a:t>
+                  </a:r>
+                </a:p>
+              </p:txBody>
+            </p:sp>
+          </p:grpSp>
+          <p:cxnSp>
+            <p:nvCxnSpPr>
+              <p:cNvPr id="29" name="Conexão reta 28">
+                <a:extLst>
+                  <a:ext uri="{FF2B5EF4-FFF2-40B4-BE49-F238E27FC236}">
+                    <a16:creationId xmlns:a16="http://schemas.microsoft.com/office/drawing/2014/main" id="{5B66DEF7-95B4-4F66-BCD4-16B1A7869040}"/>
+                  </a:ext>
+                </a:extLst>
+              </p:cNvPr>
+              <p:cNvCxnSpPr>
+                <a:cxnSpLocks/>
+              </p:cNvCxnSpPr>
+              <p:nvPr/>
+            </p:nvCxnSpPr>
+            <p:spPr>
+              <a:xfrm flipV="1">
+                <a:off x="9944244" y="3750559"/>
+                <a:ext cx="914400" cy="914400"/>
+              </a:xfrm>
+              <a:prstGeom prst="line">
+                <a:avLst/>
+              </a:prstGeom>
+              <a:ln w="127000" cap="rnd">
+                <a:solidFill>
+                  <a:schemeClr val="accent4"/>
+                </a:solidFill>
+              </a:ln>
+            </p:spPr>
+            <p:style>
+              <a:lnRef idx="1">
+                <a:schemeClr val="accent1"/>
+              </a:lnRef>
+              <a:fillRef idx="0">
+                <a:schemeClr val="accent1"/>
+              </a:fillRef>
+              <a:effectRef idx="0">
+                <a:schemeClr val="accent1"/>
+              </a:effectRef>
+              <a:fontRef idx="minor">
+                <a:schemeClr val="tx1"/>
+              </a:fontRef>
+            </p:style>
+          </p:cxnSp>
+        </p:grpSp>
+        <p:cxnSp>
+          <p:nvCxnSpPr>
+            <p:cNvPr id="42" name="Conexão reta 41">
+              <a:extLst>
+                <a:ext uri="{FF2B5EF4-FFF2-40B4-BE49-F238E27FC236}">
+                  <a16:creationId xmlns:a16="http://schemas.microsoft.com/office/drawing/2014/main" id="{BEE36418-412B-4D5B-9F6B-4CFCF914380C}"/>
+                </a:ext>
+              </a:extLst>
+            </p:cNvPr>
+            <p:cNvCxnSpPr/>
+            <p:nvPr/>
+          </p:nvCxnSpPr>
+          <p:spPr>
+            <a:xfrm>
+              <a:off x="3124373" y="1471353"/>
+              <a:ext cx="4871258" cy="0"/>
+            </a:xfrm>
+            <a:prstGeom prst="line">
+              <a:avLst/>
+            </a:prstGeom>
+            <a:ln w="127000" cap="rnd">
+              <a:round/>
+            </a:ln>
+          </p:spPr>
+          <p:style>
+            <a:lnRef idx="1">
+              <a:schemeClr val="accent4"/>
+            </a:lnRef>
+            <a:fillRef idx="0">
+              <a:schemeClr val="accent4"/>
+            </a:fillRef>
+            <a:effectRef idx="0">
+              <a:schemeClr val="accent4"/>
+            </a:effectRef>
+            <a:fontRef idx="minor">
+              <a:schemeClr val="tx1"/>
+            </a:fontRef>
+          </p:style>
+        </p:cxnSp>
+        <p:grpSp>
+          <p:nvGrpSpPr>
+            <p:cNvPr id="36" name="Agrupar 35">
+              <a:extLst>
+                <a:ext uri="{FF2B5EF4-FFF2-40B4-BE49-F238E27FC236}">
+                  <a16:creationId xmlns:a16="http://schemas.microsoft.com/office/drawing/2014/main" id="{28139029-AFE9-4307-B18C-ACC14A0ADDFB}"/>
+                </a:ext>
+              </a:extLst>
+            </p:cNvPr>
+            <p:cNvGrpSpPr/>
+            <p:nvPr/>
+          </p:nvGrpSpPr>
+          <p:grpSpPr>
+            <a:xfrm>
+              <a:off x="677936" y="104076"/>
+              <a:ext cx="5675754" cy="2568157"/>
+              <a:chOff x="-684139" y="552963"/>
+              <a:chExt cx="5675754" cy="2568157"/>
+            </a:xfrm>
+          </p:grpSpPr>
+          <p:grpSp>
+            <p:nvGrpSpPr>
+              <p:cNvPr id="33" name="Agrupar 32">
+                <a:extLst>
+                  <a:ext uri="{FF2B5EF4-FFF2-40B4-BE49-F238E27FC236}">
+                    <a16:creationId xmlns:a16="http://schemas.microsoft.com/office/drawing/2014/main" id="{DBD0C3C7-29ED-49F2-967F-369CBA083FCB}"/>
+                  </a:ext>
+                </a:extLst>
+              </p:cNvPr>
+              <p:cNvGrpSpPr/>
+              <p:nvPr/>
+            </p:nvGrpSpPr>
+            <p:grpSpPr>
+              <a:xfrm>
+                <a:off x="201996" y="552963"/>
+                <a:ext cx="4789619" cy="2568157"/>
+                <a:chOff x="201996" y="552963"/>
+                <a:chExt cx="4789619" cy="2568157"/>
+              </a:xfrm>
+            </p:grpSpPr>
+            <p:sp>
+              <p:nvSpPr>
+                <p:cNvPr id="2" name="CaixaDeTexto 1">
+                  <a:extLst>
+                    <a:ext uri="{FF2B5EF4-FFF2-40B4-BE49-F238E27FC236}">
+                      <a16:creationId xmlns:a16="http://schemas.microsoft.com/office/drawing/2014/main" id="{FC6B8AFE-3456-446F-9D18-82B4E543C27C}"/>
+                    </a:ext>
+                  </a:extLst>
+                </p:cNvPr>
+                <p:cNvSpPr txBox="1"/>
+                <p:nvPr/>
+              </p:nvSpPr>
+              <p:spPr>
+                <a:xfrm>
+                  <a:off x="201996" y="552963"/>
+                  <a:ext cx="1851102" cy="1043212"/>
+                </a:xfrm>
+                <a:prstGeom prst="rect">
+                  <a:avLst/>
+                </a:prstGeom>
+                <a:noFill/>
+              </p:spPr>
+              <p:txBody>
+                <a:bodyPr wrap="square" rtlCol="0">
+                  <a:spAutoFit/>
+                </a:bodyPr>
+                <a:lstStyle/>
+                <a:p>
+                  <a:r>
+                    <a:rPr lang="en-GB" sz="4000" b="1" dirty="0"/>
+                    <a:t>Alice</a:t>
+                  </a:r>
+                </a:p>
+              </p:txBody>
+            </p:sp>
+            <mc:AlternateContent xmlns:mc="http://schemas.openxmlformats.org/markup-compatibility/2006" xmlns:am3d="http://schemas.microsoft.com/office/drawing/2017/model3d">
+              <mc:Choice Requires="am3d">
+                <p:graphicFrame>
+                  <p:nvGraphicFramePr>
+                    <p:cNvPr id="4" name="Modelo 3D 3" descr="Sinal de Subtração Cinza-Escuro">
+                      <a:extLst>
+                        <a:ext uri="{FF2B5EF4-FFF2-40B4-BE49-F238E27FC236}">
+                          <a16:creationId xmlns:a16="http://schemas.microsoft.com/office/drawing/2014/main" id="{17394390-C777-4ED1-9AB8-59C582B506AC}"/>
+                        </a:ext>
+                      </a:extLst>
+                    </p:cNvPr>
+                    <p:cNvGraphicFramePr>
+                      <a:graphicFrameLocks noChangeAspect="1"/>
+                    </p:cNvGraphicFramePr>
+                    <p:nvPr>
+                      <p:extLst>
+                        <p:ext uri="{D42A27DB-BD31-4B8C-83A1-F6EECF244321}">
+                          <p14:modId xmlns:p14="http://schemas.microsoft.com/office/powerpoint/2010/main" val="3842615578"/>
+                        </p:ext>
+                      </p:extLst>
+                    </p:nvPr>
+                  </p:nvGraphicFramePr>
+                  <p:xfrm>
+                    <a:off x="3355625" y="986643"/>
+                    <a:ext cx="772852" cy="1477415"/>
+                  </p:xfrm>
+                  <a:graphic>
+                    <a:graphicData uri="http://schemas.microsoft.com/office/drawing/2017/model3d">
+                      <am3d:model3d r:embed="rId12">
+                        <am3d:spPr>
+                          <a:xfrm>
+                            <a:off x="0" y="0"/>
+                            <a:ext cx="772852" cy="1477415"/>
+                          </a:xfrm>
+                          <a:prstGeom prst="rect">
+                            <a:avLst/>
+                          </a:prstGeom>
+                        </am3d:spPr>
+                        <am3d:camera>
+                          <am3d:pos x="0" y="0" z="49021875"/>
+                          <am3d:up dx="0" dy="36000000" dz="0"/>
+                          <am3d:lookAt x="0" y="0" z="0"/>
+                          <am3d:perspective fov="2700000"/>
+                        </am3d:camera>
+                        <am3d:trans>
+                          <am3d:meterPerModelUnit n="4685389" d="1000000"/>
+                          <am3d:preTrans dx="-2441" dy="-23614363" dz="0"/>
+                          <am3d:scale>
+                            <am3d:sx n="1000000" d="1000000"/>
+                            <am3d:sy n="1000000" d="1000000"/>
+                            <am3d:sz n="1000000" d="1000000"/>
+                          </am3d:scale>
+                          <am3d:rot ax="5616986" ay="4619897" az="5622683"/>
+                          <am3d:postTrans dx="0" dy="0" dz="0"/>
+                        </am3d:trans>
+                        <am3d:raster rName="Office3DRenderer" rVer="16.0.8326">
+                          <am3d:blip r:embed="rId13"/>
+                        </am3d:raster>
+                        <am3d:objViewport viewportSz="2247116"/>
+                        <am3d:ambientLight>
+                          <am3d:clr>
+                            <a:scrgbClr r="50000" g="50000" b="50000"/>
+                          </am3d:clr>
+                          <am3d:illuminance n="500000" d="1000000"/>
+                        </am3d:ambientLight>
+                        <am3d:ptLight rad="0">
+                          <am3d:clr>
+                            <a:scrgbClr r="100000" g="75000" b="50000"/>
+                          </am3d:clr>
+                          <am3d:intensity n="9765625" d="1000000"/>
+                          <am3d:pos x="21959998" y="70920001" z="16344003"/>
+                        </am3d:ptLight>
+                        <am3d:ptLight rad="0">
+                          <am3d:clr>
+                            <a:scrgbClr r="40000" g="60000" b="95000"/>
+                          </am3d:clr>
+                          <am3d:intensity n="12250000" d="1000000"/>
+                          <am3d:pos x="-37964106" y="51130435" z="57631972"/>
+                        </am3d:ptLight>
+                        <am3d:ptLight rad="0">
+                          <am3d:clr>
+                            <a:scrgbClr r="86837" g="72700" b="100000"/>
+                          </am3d:clr>
+                          <am3d:intensity n="3125000" d="1000000"/>
+                          <am3d:pos x="-37739122" y="58056624" z="-34769649"/>
+                        </am3d:ptLight>
+                      </am3d:model3d>
+                    </a:graphicData>
+                  </a:graphic>
+                </p:graphicFrame>
+              </mc:Choice>
+              <mc:Fallback xmlns="">
+                <p:pic>
+                  <p:nvPicPr>
+                    <p:cNvPr id="4" name="Modelo 3D 3" descr="Sinal de Subtração Cinza-Escuro">
+                      <a:extLst>
+                        <a:ext uri="{FF2B5EF4-FFF2-40B4-BE49-F238E27FC236}">
+                          <a16:creationId xmlns:a16="http://schemas.microsoft.com/office/drawing/2014/main" id="{17394390-C777-4ED1-9AB8-59C582B506AC}"/>
+                        </a:ext>
+                      </a:extLst>
+                    </p:cNvPr>
+                    <p:cNvPicPr>
+                      <a:picLocks noGrp="1" noRot="1" noChangeAspect="1" noMove="1" noResize="1" noEditPoints="1" noAdjustHandles="1" noChangeArrowheads="1" noChangeShapeType="1" noCrop="1"/>
+                    </p:cNvPicPr>
+                    <p:nvPr/>
+                  </p:nvPicPr>
+                  <p:blipFill>
+                    <a:blip r:embed="rId14"/>
+                    <a:stretch>
+                      <a:fillRect/>
+                    </a:stretch>
+                  </p:blipFill>
+                  <p:spPr>
+                    <a:xfrm>
+                      <a:off x="4204174" y="580056"/>
+                      <a:ext cx="772852" cy="1477415"/>
+                    </a:xfrm>
+                    <a:prstGeom prst="rect">
+                      <a:avLst/>
+                    </a:prstGeom>
+                  </p:spPr>
+                </p:pic>
+              </mc:Fallback>
+            </mc:AlternateContent>
+            <p:sp>
+              <p:nvSpPr>
+                <p:cNvPr id="6" name="Retângulo 5">
+                  <a:extLst>
+                    <a:ext uri="{FF2B5EF4-FFF2-40B4-BE49-F238E27FC236}">
+                      <a16:creationId xmlns:a16="http://schemas.microsoft.com/office/drawing/2014/main" id="{288296D0-1ADD-480A-B257-BD191BBBC133}"/>
+                    </a:ext>
+                  </a:extLst>
+                </p:cNvPr>
+                <p:cNvSpPr/>
+                <p:nvPr/>
+              </p:nvSpPr>
+              <p:spPr>
+                <a:xfrm>
+                  <a:off x="231405" y="625596"/>
+                  <a:ext cx="4760210" cy="2495524"/>
+                </a:xfrm>
+                <a:prstGeom prst="rect">
+                  <a:avLst/>
+                </a:prstGeom>
+                <a:noFill/>
+                <a:ln w="9525" cap="flat" cmpd="sng" algn="ctr">
+                  <a:solidFill>
+                    <a:schemeClr val="dk1"/>
+                  </a:solidFill>
+                  <a:prstDash val="dashDot"/>
+                  <a:round/>
+                  <a:headEnd type="none" w="med" len="med"/>
+                  <a:tailEnd type="none" w="med" len="med"/>
+                </a:ln>
+              </p:spPr>
+              <p:style>
+                <a:lnRef idx="0">
+                  <a:scrgbClr r="0" g="0" b="0"/>
+                </a:lnRef>
+                <a:fillRef idx="0">
+                  <a:scrgbClr r="0" g="0" b="0"/>
+                </a:fillRef>
+                <a:effectRef idx="0">
+                  <a:scrgbClr r="0" g="0" b="0"/>
+                </a:effectRef>
+                <a:fontRef idx="minor">
+                  <a:schemeClr val="dk1"/>
+                </a:fontRef>
+              </p:style>
+              <p:txBody>
+                <a:bodyPr rtlCol="0" anchor="ctr"/>
+                <a:lstStyle/>
+                <a:p>
+                  <a:pPr algn="ctr"/>
+                  <a:endParaRPr lang="en-GB"/>
+                </a:p>
+              </p:txBody>
+            </p:sp>
+            <p:sp>
+              <p:nvSpPr>
+                <p:cNvPr id="8" name="CaixaDeTexto 7">
+                  <a:extLst>
+                    <a:ext uri="{FF2B5EF4-FFF2-40B4-BE49-F238E27FC236}">
+                      <a16:creationId xmlns:a16="http://schemas.microsoft.com/office/drawing/2014/main" id="{F8EB388F-02D6-454A-9776-8343503E7A32}"/>
+                    </a:ext>
+                  </a:extLst>
+                </p:cNvPr>
+                <p:cNvSpPr txBox="1"/>
+                <p:nvPr/>
+              </p:nvSpPr>
+              <p:spPr>
+                <a:xfrm>
+                  <a:off x="1253877" y="2529461"/>
+                  <a:ext cx="864334" cy="469528"/>
+                </a:xfrm>
+                <a:prstGeom prst="rect">
+                  <a:avLst/>
+                </a:prstGeom>
+                <a:noFill/>
+              </p:spPr>
+              <p:txBody>
+                <a:bodyPr wrap="none" rtlCol="0">
+                  <a:spAutoFit/>
+                </a:bodyPr>
+                <a:lstStyle/>
+                <a:p>
+                  <a:r>
+                    <a:rPr lang="en-GB" sz="3000" b="1" dirty="0"/>
+                    <a:t>Laser</a:t>
+                  </a:r>
+                </a:p>
+              </p:txBody>
+            </p:sp>
+            <p:sp>
+              <p:nvSpPr>
+                <p:cNvPr id="9" name="CaixaDeTexto 8">
+                  <a:extLst>
+                    <a:ext uri="{FF2B5EF4-FFF2-40B4-BE49-F238E27FC236}">
+                      <a16:creationId xmlns:a16="http://schemas.microsoft.com/office/drawing/2014/main" id="{DEF70D08-4BAC-4F0A-903A-77D8C5D95E32}"/>
+                    </a:ext>
+                  </a:extLst>
+                </p:cNvPr>
+                <p:cNvSpPr txBox="1"/>
+                <p:nvPr/>
+              </p:nvSpPr>
+              <p:spPr>
+                <a:xfrm>
+                  <a:off x="3137362" y="774593"/>
+                  <a:ext cx="1171319" cy="599952"/>
+                </a:xfrm>
+                <a:prstGeom prst="rect">
+                  <a:avLst/>
+                </a:prstGeom>
+                <a:noFill/>
+              </p:spPr>
+              <p:txBody>
+                <a:bodyPr wrap="none" rtlCol="0">
+                  <a:spAutoFit/>
+                </a:bodyPr>
+                <a:lstStyle/>
+                <a:p>
+                  <a:pPr algn="ctr"/>
+                  <a:r>
+                    <a:rPr lang="en-GB" sz="2000" b="1" dirty="0"/>
+                    <a:t>Intensity</a:t>
+                  </a:r>
+                </a:p>
+                <a:p>
+                  <a:pPr algn="ctr"/>
+                  <a:r>
+                    <a:rPr lang="en-GB" sz="2000" b="1" dirty="0"/>
+                    <a:t> Modulator</a:t>
+                  </a:r>
+                </a:p>
+              </p:txBody>
+            </p:sp>
+            <mc:AlternateContent xmlns:mc="http://schemas.openxmlformats.org/markup-compatibility/2006" xmlns:am3d="http://schemas.microsoft.com/office/drawing/2017/model3d">
+              <mc:Choice Requires="am3d">
+                <p:graphicFrame>
+                  <p:nvGraphicFramePr>
+                    <p:cNvPr id="23" name="Modelo 3D 22" descr="Sinal de Subtração Cinza-Escuro">
+                      <a:extLst>
+                        <a:ext uri="{FF2B5EF4-FFF2-40B4-BE49-F238E27FC236}">
+                          <a16:creationId xmlns:a16="http://schemas.microsoft.com/office/drawing/2014/main" id="{A86083B7-9870-411E-8ED4-E46E7DEB8FFB}"/>
+                        </a:ext>
+                      </a:extLst>
+                    </p:cNvPr>
+                    <p:cNvGraphicFramePr>
+                      <a:graphicFrameLocks noChangeAspect="1"/>
+                    </p:cNvGraphicFramePr>
+                    <p:nvPr>
+                      <p:extLst>
+                        <p:ext uri="{D42A27DB-BD31-4B8C-83A1-F6EECF244321}">
+                          <p14:modId xmlns:p14="http://schemas.microsoft.com/office/powerpoint/2010/main" val="197044300"/>
+                        </p:ext>
+                      </p:extLst>
+                    </p:nvPr>
+                  </p:nvGraphicFramePr>
+                  <p:xfrm rot="10800000">
+                    <a:off x="4145123" y="1454859"/>
+                    <a:ext cx="772852" cy="1477415"/>
+                  </p:xfrm>
+                  <a:graphic>
+                    <a:graphicData uri="http://schemas.microsoft.com/office/drawing/2017/model3d">
+                      <am3d:model3d r:embed="rId12">
+                        <am3d:spPr>
+                          <a:xfrm rot="10800000">
+                            <a:off x="0" y="0"/>
+                            <a:ext cx="772852" cy="1477415"/>
+                          </a:xfrm>
+                          <a:prstGeom prst="rect">
+                            <a:avLst/>
+                          </a:prstGeom>
+                        </am3d:spPr>
+                        <am3d:camera>
+                          <am3d:pos x="0" y="0" z="49021875"/>
+                          <am3d:up dx="0" dy="36000000" dz="0"/>
+                          <am3d:lookAt x="0" y="0" z="0"/>
+                          <am3d:perspective fov="2700000"/>
+                        </am3d:camera>
+                        <am3d:trans>
+                          <am3d:meterPerModelUnit n="4685389" d="1000000"/>
+                          <am3d:preTrans dx="-2441" dy="-23614363" dz="0"/>
+                          <am3d:scale>
+                            <am3d:sx n="1000000" d="1000000"/>
+                            <am3d:sy n="1000000" d="1000000"/>
+                            <am3d:sz n="1000000" d="1000000"/>
+                          </am3d:scale>
+                          <am3d:rot ax="5616986" ay="4619897" az="5622683"/>
+                          <am3d:postTrans dx="0" dy="0" dz="0"/>
+                        </am3d:trans>
+                        <am3d:raster rName="Office3DRenderer" rVer="16.0.8326">
+                          <am3d:blip r:embed="rId14"/>
+                        </am3d:raster>
+                        <am3d:objViewport viewportSz="2247116"/>
+                        <am3d:ambientLight>
+                          <am3d:clr>
+                            <a:scrgbClr r="50000" g="50000" b="50000"/>
+                          </am3d:clr>
+                          <am3d:illuminance n="500000" d="1000000"/>
+                        </am3d:ambientLight>
+                        <am3d:ptLight rad="0">
+                          <am3d:clr>
+                            <a:scrgbClr r="100000" g="75000" b="50000"/>
+                          </am3d:clr>
+                          <am3d:intensity n="9765625" d="1000000"/>
+                          <am3d:pos x="21959998" y="70920001" z="16344003"/>
+                        </am3d:ptLight>
+                        <am3d:ptLight rad="0">
+                          <am3d:clr>
+                            <a:scrgbClr r="40000" g="60000" b="95000"/>
+                          </am3d:clr>
+                          <am3d:intensity n="12250000" d="1000000"/>
+                          <am3d:pos x="-37964106" y="51130435" z="57631972"/>
+                        </am3d:ptLight>
+                        <am3d:ptLight rad="0">
+                          <am3d:clr>
+                            <a:scrgbClr r="86837" g="72700" b="100000"/>
+                          </am3d:clr>
+                          <am3d:intensity n="3125000" d="1000000"/>
+                          <am3d:pos x="-37739122" y="58056624" z="-34769649"/>
+                        </am3d:ptLight>
+                      </am3d:model3d>
+                    </a:graphicData>
+                  </a:graphic>
+                </p:graphicFrame>
+              </mc:Choice>
+              <mc:Fallback xmlns="">
+                <p:pic>
+                  <p:nvPicPr>
+                    <p:cNvPr id="23" name="Modelo 3D 22" descr="Sinal de Subtração Cinza-Escuro">
+                      <a:extLst>
+                        <a:ext uri="{FF2B5EF4-FFF2-40B4-BE49-F238E27FC236}">
+                          <a16:creationId xmlns:a16="http://schemas.microsoft.com/office/drawing/2014/main" id="{A86083B7-9870-411E-8ED4-E46E7DEB8FFB}"/>
+                        </a:ext>
+                      </a:extLst>
+                    </p:cNvPr>
+                    <p:cNvPicPr>
+                      <a:picLocks noGrp="1" noRot="1" noChangeAspect="1" noMove="1" noResize="1" noEditPoints="1" noAdjustHandles="1" noChangeArrowheads="1" noChangeShapeType="1" noCrop="1"/>
+                    </p:cNvPicPr>
+                    <p:nvPr/>
+                  </p:nvPicPr>
+                  <p:blipFill>
+                    <a:blip r:embed="rId14"/>
+                    <a:stretch>
+                      <a:fillRect/>
+                    </a:stretch>
+                  </p:blipFill>
+                  <p:spPr>
+                    <a:xfrm rot="10800000">
+                      <a:off x="4993672" y="1048272"/>
+                      <a:ext cx="772852" cy="1477415"/>
+                    </a:xfrm>
+                    <a:prstGeom prst="rect">
+                      <a:avLst/>
+                    </a:prstGeom>
+                  </p:spPr>
+                </p:pic>
+              </mc:Fallback>
+            </mc:AlternateContent>
+            <p:sp>
+              <p:nvSpPr>
+                <p:cNvPr id="30" name="CaixaDeTexto 29">
+                  <a:extLst>
+                    <a:ext uri="{FF2B5EF4-FFF2-40B4-BE49-F238E27FC236}">
+                      <a16:creationId xmlns:a16="http://schemas.microsoft.com/office/drawing/2014/main" id="{D48968D9-AD54-4224-B7C7-C8C136D013FD}"/>
+                    </a:ext>
+                  </a:extLst>
+                </p:cNvPr>
+                <p:cNvSpPr txBox="1"/>
+                <p:nvPr/>
+              </p:nvSpPr>
+              <p:spPr>
+                <a:xfrm>
+                  <a:off x="3851199" y="2521168"/>
+                  <a:ext cx="1121976" cy="599952"/>
+                </a:xfrm>
+                <a:prstGeom prst="rect">
+                  <a:avLst/>
+                </a:prstGeom>
+                <a:noFill/>
+              </p:spPr>
+              <p:txBody>
+                <a:bodyPr wrap="none" rtlCol="0">
+                  <a:spAutoFit/>
+                </a:bodyPr>
+                <a:lstStyle/>
+                <a:p>
+                  <a:pPr algn="ctr"/>
+                  <a:r>
+                    <a:rPr lang="en-GB" sz="2000" b="1" dirty="0"/>
+                    <a:t>Optical</a:t>
+                  </a:r>
+                </a:p>
+                <a:p>
+                  <a:pPr algn="ctr"/>
+                  <a:r>
+                    <a:rPr lang="en-GB" sz="2000" b="1" dirty="0"/>
+                    <a:t>attenuator</a:t>
+                  </a:r>
+                </a:p>
+              </p:txBody>
+            </p:sp>
+          </p:grpSp>
+          <mc:AlternateContent xmlns:mc="http://schemas.openxmlformats.org/markup-compatibility/2006" xmlns:am3d="http://schemas.microsoft.com/office/drawing/2017/model3d">
+            <mc:Choice Requires="am3d">
+              <p:graphicFrame>
+                <p:nvGraphicFramePr>
+                  <p:cNvPr id="31" name="Modelo 3D 30" descr="Cuboide Cinza-Escuro">
+                    <a:extLst>
+                      <a:ext uri="{FF2B5EF4-FFF2-40B4-BE49-F238E27FC236}">
+                        <a16:creationId xmlns:a16="http://schemas.microsoft.com/office/drawing/2014/main" id="{2E87438E-8104-4531-A250-4AF38326EE6B}"/>
+                      </a:ext>
+                    </a:extLst>
+                  </p:cNvPr>
+                  <p:cNvGraphicFramePr>
+                    <a:graphicFrameLocks noChangeAspect="1"/>
+                  </p:cNvGraphicFramePr>
+                  <p:nvPr>
+                    <p:extLst>
+                      <p:ext uri="{D42A27DB-BD31-4B8C-83A1-F6EECF244321}">
+                        <p14:modId xmlns:p14="http://schemas.microsoft.com/office/powerpoint/2010/main" val="3077403447"/>
+                      </p:ext>
+                    </p:extLst>
+                  </p:nvPr>
+                </p:nvGraphicFramePr>
+                <p:xfrm>
+                  <a:off x="-684139" y="988129"/>
+                  <a:ext cx="4740368" cy="1475930"/>
+                </p:xfrm>
+                <a:graphic>
+                  <a:graphicData uri="http://schemas.microsoft.com/office/drawing/2017/model3d">
+                    <am3d:model3d r:embed="rId6">
+                      <am3d:spPr>
+                        <a:xfrm>
+                          <a:off x="0" y="0"/>
+                          <a:ext cx="4740368" cy="1475930"/>
+                        </a:xfrm>
+                        <a:prstGeom prst="rect">
+                          <a:avLst/>
+                        </a:prstGeom>
+                      </am3d:spPr>
+                      <am3d:camera>
+                        <am3d:pos x="0" y="0" z="57664451"/>
+                        <am3d:up dx="0" dy="36000000" dz="0"/>
+                        <am3d:lookAt x="0" y="0" z="0"/>
+                        <am3d:perspective fov="2700000"/>
+                      </am3d:camera>
+                      <am3d:trans>
+                        <am3d:meterPerModelUnit n="4361393" d="1000000"/>
+                        <am3d:preTrans dx="0" dy="-6493603" dz="0"/>
+                        <am3d:scale>
+                          <am3d:sx n="1000000" d="1000000"/>
+                          <am3d:sy n="1000000" d="1000000"/>
+                          <am3d:sz n="1000000" d="1000000"/>
+                        </am3d:scale>
+                        <am3d:rot ax="5400000" ay="18000000" az="16200000"/>
+                        <am3d:postTrans dx="0" dy="0" dz="0"/>
+                      </am3d:trans>
+                      <am3d:raster rName="Office3DRenderer" rVer="16.0.8326">
+                        <am3d:blip r:embed="rId15"/>
+                      </am3d:raster>
+                      <am3d:objViewport viewportSz="2825721"/>
+                      <am3d:ambientLight>
+                        <am3d:clr>
+                          <a:scrgbClr r="50000" g="50000" b="50000"/>
+                        </am3d:clr>
+                        <am3d:illuminance n="500000" d="1000000"/>
+                      </am3d:ambientLight>
+                      <am3d:ptLight rad="0">
+                        <am3d:clr>
+                          <a:scrgbClr r="100000" g="75000" b="50000"/>
+                        </am3d:clr>
+                        <am3d:intensity n="9765625" d="1000000"/>
+                        <am3d:pos x="21959998" y="70920001" z="16344003"/>
+                      </am3d:ptLight>
+                      <am3d:ptLight rad="0">
+                        <am3d:clr>
+                          <a:scrgbClr r="40000" g="60000" b="95000"/>
+                        </am3d:clr>
+                        <am3d:intensity n="12250000" d="1000000"/>
+                        <am3d:pos x="-37964106" y="51130435" z="57631972"/>
+                      </am3d:ptLight>
+                      <am3d:ptLight rad="0">
+                        <am3d:clr>
+                          <a:scrgbClr r="86837" g="72700" b="100000"/>
+                        </am3d:clr>
+                        <am3d:intensity n="3125000" d="1000000"/>
+                        <am3d:pos x="-37739122" y="58056624" z="-34769649"/>
+                      </am3d:ptLight>
+                    </am3d:model3d>
+                  </a:graphicData>
+                </a:graphic>
+              </p:graphicFrame>
+            </mc:Choice>
+            <mc:Fallback xmlns="">
+              <p:pic>
+                <p:nvPicPr>
+                  <p:cNvPr id="31" name="Modelo 3D 30" descr="Cuboide Cinza-Escuro">
+                    <a:extLst>
+                      <a:ext uri="{FF2B5EF4-FFF2-40B4-BE49-F238E27FC236}">
+                        <a16:creationId xmlns:a16="http://schemas.microsoft.com/office/drawing/2014/main" id="{2E87438E-8104-4531-A250-4AF38326EE6B}"/>
+                      </a:ext>
+                    </a:extLst>
+                  </p:cNvPr>
+                  <p:cNvPicPr>
+                    <a:picLocks noGrp="1" noRot="1" noChangeAspect="1" noMove="1" noResize="1" noEditPoints="1" noAdjustHandles="1" noChangeArrowheads="1" noChangeShapeType="1" noCrop="1"/>
+                  </p:cNvPicPr>
+                  <p:nvPr/>
+                </p:nvPicPr>
+                <p:blipFill>
+                  <a:blip r:embed="rId16"/>
+                  <a:stretch>
+                    <a:fillRect/>
+                  </a:stretch>
+                </p:blipFill>
+                <p:spPr>
+                  <a:xfrm>
+                    <a:off x="164410" y="581542"/>
+                    <a:ext cx="4740368" cy="1475930"/>
+                  </a:xfrm>
+                  <a:prstGeom prst="rect">
+                    <a:avLst/>
+                  </a:prstGeom>
+                </p:spPr>
+              </p:pic>
+            </mc:Fallback>
+          </mc:AlternateContent>
+        </p:grpSp>
         <p:sp>
           <p:nvSpPr>
-            <p:cNvPr id="7" name="Retângulo 6">
+            <p:cNvPr id="34" name="Retângulo 33">
               <a:extLst>
                 <a:ext uri="{FF2B5EF4-FFF2-40B4-BE49-F238E27FC236}">
-                  <a16:creationId xmlns:a16="http://schemas.microsoft.com/office/drawing/2014/main" id="{55AEB9A6-FDA7-4465-8954-B9431DDAFA69}"/>
+                  <a16:creationId xmlns:a16="http://schemas.microsoft.com/office/drawing/2014/main" id="{C7B427C1-AA3E-4D7F-82BD-08217BE44898}"/>
                 </a:ext>
               </a:extLst>
             </p:cNvPr>
@@ -8366,8 +12164,8 @@
           </p:nvSpPr>
           <p:spPr>
             <a:xfrm>
-              <a:off x="6383253" y="592388"/>
-              <a:ext cx="5691770" cy="5699113"/>
+              <a:off x="6449144" y="627823"/>
+              <a:ext cx="5342633" cy="5556846"/>
             </a:xfrm>
             <a:prstGeom prst="rect">
               <a:avLst/>
@@ -8406,12 +12204,88 @@
             </a:p>
           </p:txBody>
         </p:sp>
+        <p:cxnSp>
+          <p:nvCxnSpPr>
+            <p:cNvPr id="82" name="Conexão reta 81">
+              <a:extLst>
+                <a:ext uri="{FF2B5EF4-FFF2-40B4-BE49-F238E27FC236}">
+                  <a16:creationId xmlns:a16="http://schemas.microsoft.com/office/drawing/2014/main" id="{CF42CE7C-082A-4DE8-AAF0-59B75936FCF7}"/>
+                </a:ext>
+              </a:extLst>
+            </p:cNvPr>
+            <p:cNvCxnSpPr>
+              <a:cxnSpLocks/>
+            </p:cNvCxnSpPr>
+            <p:nvPr/>
+          </p:nvCxnSpPr>
+          <p:spPr>
+            <a:xfrm>
+              <a:off x="2243224" y="3926376"/>
+              <a:ext cx="7099069" cy="0"/>
+            </a:xfrm>
+            <a:prstGeom prst="line">
+              <a:avLst/>
+            </a:prstGeom>
+            <a:ln w="127000" cap="rnd">
+              <a:round/>
+            </a:ln>
+          </p:spPr>
+          <p:style>
+            <a:lnRef idx="1">
+              <a:schemeClr val="accent4"/>
+            </a:lnRef>
+            <a:fillRef idx="0">
+              <a:schemeClr val="accent4"/>
+            </a:fillRef>
+            <a:effectRef idx="0">
+              <a:schemeClr val="accent4"/>
+            </a:effectRef>
+            <a:fontRef idx="minor">
+              <a:schemeClr val="tx1"/>
+            </a:fontRef>
+          </p:style>
+        </p:cxnSp>
+        <p:sp>
+          <p:nvSpPr>
+            <p:cNvPr id="35" name="CaixaDeTexto 34">
+              <a:extLst>
+                <a:ext uri="{FF2B5EF4-FFF2-40B4-BE49-F238E27FC236}">
+                  <a16:creationId xmlns:a16="http://schemas.microsoft.com/office/drawing/2014/main" id="{B1359ED9-726E-4E71-97A9-AB853C8A7F93}"/>
+                </a:ext>
+              </a:extLst>
+            </p:cNvPr>
+            <p:cNvSpPr txBox="1"/>
+            <p:nvPr/>
+          </p:nvSpPr>
+          <p:spPr>
+            <a:xfrm>
+              <a:off x="6404841" y="547424"/>
+              <a:ext cx="1851102" cy="707886"/>
+            </a:xfrm>
+            <a:prstGeom prst="rect">
+              <a:avLst/>
+            </a:prstGeom>
+            <a:noFill/>
+          </p:spPr>
+          <p:txBody>
+            <a:bodyPr wrap="square" rtlCol="0">
+              <a:spAutoFit/>
+            </a:bodyPr>
+            <a:lstStyle/>
+            <a:p>
+              <a:r>
+                <a:rPr lang="en-GB" sz="4000" b="1" dirty="0"/>
+                <a:t>Eve</a:t>
+              </a:r>
+            </a:p>
+          </p:txBody>
+        </p:sp>
         <p:grpSp>
           <p:nvGrpSpPr>
-            <p:cNvPr id="10" name="Agrupar 9">
+            <p:cNvPr id="72" name="Agrupar 71">
               <a:extLst>
                 <a:ext uri="{FF2B5EF4-FFF2-40B4-BE49-F238E27FC236}">
-                  <a16:creationId xmlns:a16="http://schemas.microsoft.com/office/drawing/2014/main" id="{091C84A5-2C4C-4686-B0E3-E7A070426A7B}"/>
+                  <a16:creationId xmlns:a16="http://schemas.microsoft.com/office/drawing/2014/main" id="{B526E8B8-2896-4CF9-91CC-E2B9D34DBC67}"/>
                 </a:ext>
               </a:extLst>
             </p:cNvPr>
@@ -8419,21 +12293,411 @@
             <p:nvPr/>
           </p:nvGrpSpPr>
           <p:grpSpPr>
-            <a:xfrm>
-              <a:off x="10698880" y="4753934"/>
-              <a:ext cx="1225017" cy="1369542"/>
-              <a:chOff x="10498855" y="5477834"/>
-              <a:chExt cx="1225017" cy="1369542"/>
+            <a:xfrm flipH="1">
+              <a:off x="6883803" y="2905418"/>
+              <a:ext cx="5657314" cy="2346527"/>
+              <a:chOff x="-684139" y="774593"/>
+              <a:chExt cx="5657314" cy="2346527"/>
             </a:xfrm>
           </p:grpSpPr>
+          <p:grpSp>
+            <p:nvGrpSpPr>
+              <p:cNvPr id="73" name="Agrupar 72">
+                <a:extLst>
+                  <a:ext uri="{FF2B5EF4-FFF2-40B4-BE49-F238E27FC236}">
+                    <a16:creationId xmlns:a16="http://schemas.microsoft.com/office/drawing/2014/main" id="{E67319EE-795F-4B49-9822-8645BB28A74B}"/>
+                  </a:ext>
+                </a:extLst>
+              </p:cNvPr>
+              <p:cNvGrpSpPr/>
+              <p:nvPr/>
+            </p:nvGrpSpPr>
+            <p:grpSpPr>
+              <a:xfrm>
+                <a:off x="1253877" y="774593"/>
+                <a:ext cx="3719298" cy="2346527"/>
+                <a:chOff x="1253877" y="774593"/>
+                <a:chExt cx="3719298" cy="2346527"/>
+              </a:xfrm>
+            </p:grpSpPr>
+            <mc:AlternateContent xmlns:mc="http://schemas.openxmlformats.org/markup-compatibility/2006" xmlns:am3d="http://schemas.microsoft.com/office/drawing/2017/model3d">
+              <mc:Choice Requires="am3d">
+                <p:graphicFrame>
+                  <p:nvGraphicFramePr>
+                    <p:cNvPr id="76" name="Modelo 3D 75" descr="Sinal de Subtração Cinza-Escuro">
+                      <a:extLst>
+                        <a:ext uri="{FF2B5EF4-FFF2-40B4-BE49-F238E27FC236}">
+                          <a16:creationId xmlns:a16="http://schemas.microsoft.com/office/drawing/2014/main" id="{F4F1AE32-0C18-4B6B-AB0B-9D5F2641C378}"/>
+                        </a:ext>
+                      </a:extLst>
+                    </p:cNvPr>
+                    <p:cNvGraphicFramePr>
+                      <a:graphicFrameLocks noChangeAspect="1"/>
+                    </p:cNvGraphicFramePr>
+                    <p:nvPr>
+                      <p:extLst>
+                        <p:ext uri="{D42A27DB-BD31-4B8C-83A1-F6EECF244321}">
+                          <p14:modId xmlns:p14="http://schemas.microsoft.com/office/powerpoint/2010/main" val="2497711760"/>
+                        </p:ext>
+                      </p:extLst>
+                    </p:nvPr>
+                  </p:nvGraphicFramePr>
+                  <p:xfrm>
+                    <a:off x="3355625" y="986643"/>
+                    <a:ext cx="772852" cy="1477415"/>
+                  </p:xfrm>
+                  <a:graphic>
+                    <a:graphicData uri="http://schemas.microsoft.com/office/drawing/2017/model3d">
+                      <am3d:model3d r:embed="rId12">
+                        <am3d:spPr>
+                          <a:xfrm flipH="1">
+                            <a:off x="0" y="0"/>
+                            <a:ext cx="772852" cy="1477415"/>
+                          </a:xfrm>
+                          <a:prstGeom prst="rect">
+                            <a:avLst/>
+                          </a:prstGeom>
+                        </am3d:spPr>
+                        <am3d:camera>
+                          <am3d:pos x="0" y="0" z="49021875"/>
+                          <am3d:up dx="0" dy="36000000" dz="0"/>
+                          <am3d:lookAt x="0" y="0" z="0"/>
+                          <am3d:perspective fov="2700000"/>
+                        </am3d:camera>
+                        <am3d:trans>
+                          <am3d:meterPerModelUnit n="4685389" d="1000000"/>
+                          <am3d:preTrans dx="-2441" dy="-23614363" dz="0"/>
+                          <am3d:scale>
+                            <am3d:sx n="1000000" d="1000000"/>
+                            <am3d:sy n="1000000" d="1000000"/>
+                            <am3d:sz n="1000000" d="1000000"/>
+                          </am3d:scale>
+                          <am3d:rot ax="5616986" ay="4619897" az="5622683"/>
+                          <am3d:postTrans dx="0" dy="0" dz="0"/>
+                        </am3d:trans>
+                        <am3d:raster rName="Office3DRenderer" rVer="16.0.8326">
+                          <am3d:blip r:embed="rId14"/>
+                        </am3d:raster>
+                        <am3d:objViewport viewportSz="2247116"/>
+                        <am3d:ambientLight>
+                          <am3d:clr>
+                            <a:scrgbClr r="50000" g="50000" b="50000"/>
+                          </am3d:clr>
+                          <am3d:illuminance n="500000" d="1000000"/>
+                        </am3d:ambientLight>
+                        <am3d:ptLight rad="0">
+                          <am3d:clr>
+                            <a:scrgbClr r="100000" g="75000" b="50000"/>
+                          </am3d:clr>
+                          <am3d:intensity n="9765625" d="1000000"/>
+                          <am3d:pos x="21959998" y="70920001" z="16344003"/>
+                        </am3d:ptLight>
+                        <am3d:ptLight rad="0">
+                          <am3d:clr>
+                            <a:scrgbClr r="40000" g="60000" b="95000"/>
+                          </am3d:clr>
+                          <am3d:intensity n="12250000" d="1000000"/>
+                          <am3d:pos x="-37964106" y="51130435" z="57631972"/>
+                        </am3d:ptLight>
+                        <am3d:ptLight rad="0">
+                          <am3d:clr>
+                            <a:scrgbClr r="86837" g="72700" b="100000"/>
+                          </am3d:clr>
+                          <am3d:intensity n="3125000" d="1000000"/>
+                          <am3d:pos x="-37739122" y="58056624" z="-34769649"/>
+                        </am3d:ptLight>
+                      </am3d:model3d>
+                    </a:graphicData>
+                  </a:graphic>
+                </p:graphicFrame>
+              </mc:Choice>
+              <mc:Fallback xmlns="">
+                <p:pic>
+                  <p:nvPicPr>
+                    <p:cNvPr id="76" name="Modelo 3D 75" descr="Sinal de Subtração Cinza-Escuro">
+                      <a:extLst>
+                        <a:ext uri="{FF2B5EF4-FFF2-40B4-BE49-F238E27FC236}">
+                          <a16:creationId xmlns:a16="http://schemas.microsoft.com/office/drawing/2014/main" id="{F4F1AE32-0C18-4B6B-AB0B-9D5F2641C378}"/>
+                        </a:ext>
+                      </a:extLst>
+                    </p:cNvPr>
+                    <p:cNvPicPr>
+                      <a:picLocks noGrp="1" noRot="1" noChangeAspect="1" noMove="1" noResize="1" noEditPoints="1" noAdjustHandles="1" noChangeArrowheads="1" noChangeShapeType="1" noCrop="1"/>
+                    </p:cNvPicPr>
+                    <p:nvPr/>
+                  </p:nvPicPr>
+                  <p:blipFill>
+                    <a:blip r:embed="rId14"/>
+                    <a:stretch>
+                      <a:fillRect/>
+                    </a:stretch>
+                  </p:blipFill>
+                  <p:spPr>
+                    <a:xfrm flipH="1">
+                      <a:off x="7214975" y="3159768"/>
+                      <a:ext cx="772852" cy="1477415"/>
+                    </a:xfrm>
+                    <a:prstGeom prst="rect">
+                      <a:avLst/>
+                    </a:prstGeom>
+                  </p:spPr>
+                </p:pic>
+              </mc:Fallback>
+            </mc:AlternateContent>
+            <p:sp>
+              <p:nvSpPr>
+                <p:cNvPr id="78" name="CaixaDeTexto 77">
+                  <a:extLst>
+                    <a:ext uri="{FF2B5EF4-FFF2-40B4-BE49-F238E27FC236}">
+                      <a16:creationId xmlns:a16="http://schemas.microsoft.com/office/drawing/2014/main" id="{95D24D92-6335-41EF-88A3-816951C46A92}"/>
+                    </a:ext>
+                  </a:extLst>
+                </p:cNvPr>
+                <p:cNvSpPr txBox="1"/>
+                <p:nvPr/>
+              </p:nvSpPr>
+              <p:spPr>
+                <a:xfrm>
+                  <a:off x="1253877" y="2529461"/>
+                  <a:ext cx="864334" cy="469528"/>
+                </a:xfrm>
+                <a:prstGeom prst="rect">
+                  <a:avLst/>
+                </a:prstGeom>
+                <a:noFill/>
+              </p:spPr>
+              <p:txBody>
+                <a:bodyPr wrap="none" rtlCol="0">
+                  <a:spAutoFit/>
+                </a:bodyPr>
+                <a:lstStyle/>
+                <a:p>
+                  <a:r>
+                    <a:rPr lang="en-GB" sz="3000" b="1" dirty="0"/>
+                    <a:t>Laser</a:t>
+                  </a:r>
+                </a:p>
+              </p:txBody>
+            </p:sp>
+            <p:sp>
+              <p:nvSpPr>
+                <p:cNvPr id="79" name="CaixaDeTexto 78">
+                  <a:extLst>
+                    <a:ext uri="{FF2B5EF4-FFF2-40B4-BE49-F238E27FC236}">
+                      <a16:creationId xmlns:a16="http://schemas.microsoft.com/office/drawing/2014/main" id="{5FA61B26-3C57-41D9-9F42-C41ED92E6A4A}"/>
+                    </a:ext>
+                  </a:extLst>
+                </p:cNvPr>
+                <p:cNvSpPr txBox="1"/>
+                <p:nvPr/>
+              </p:nvSpPr>
+              <p:spPr>
+                <a:xfrm>
+                  <a:off x="3137362" y="774593"/>
+                  <a:ext cx="1171319" cy="599952"/>
+                </a:xfrm>
+                <a:prstGeom prst="rect">
+                  <a:avLst/>
+                </a:prstGeom>
+                <a:noFill/>
+              </p:spPr>
+              <p:txBody>
+                <a:bodyPr wrap="none" rtlCol="0">
+                  <a:spAutoFit/>
+                </a:bodyPr>
+                <a:lstStyle/>
+                <a:p>
+                  <a:pPr algn="ctr"/>
+                  <a:r>
+                    <a:rPr lang="en-GB" sz="2000" b="1" dirty="0"/>
+                    <a:t>Intensity</a:t>
+                  </a:r>
+                </a:p>
+                <a:p>
+                  <a:pPr algn="ctr"/>
+                  <a:r>
+                    <a:rPr lang="en-GB" sz="2000" b="1" dirty="0"/>
+                    <a:t> Modulator</a:t>
+                  </a:r>
+                </a:p>
+              </p:txBody>
+            </p:sp>
+            <mc:AlternateContent xmlns:mc="http://schemas.openxmlformats.org/markup-compatibility/2006" xmlns:am3d="http://schemas.microsoft.com/office/drawing/2017/model3d">
+              <mc:Choice Requires="am3d">
+                <p:graphicFrame>
+                  <p:nvGraphicFramePr>
+                    <p:cNvPr id="80" name="Modelo 3D 79" descr="Sinal de Subtração Cinza-Escuro">
+                      <a:extLst>
+                        <a:ext uri="{FF2B5EF4-FFF2-40B4-BE49-F238E27FC236}">
+                          <a16:creationId xmlns:a16="http://schemas.microsoft.com/office/drawing/2014/main" id="{401E0797-895F-463C-AB87-68C988EACAA2}"/>
+                        </a:ext>
+                      </a:extLst>
+                    </p:cNvPr>
+                    <p:cNvGraphicFramePr>
+                      <a:graphicFrameLocks noChangeAspect="1"/>
+                    </p:cNvGraphicFramePr>
+                    <p:nvPr>
+                      <p:extLst>
+                        <p:ext uri="{D42A27DB-BD31-4B8C-83A1-F6EECF244321}">
+                          <p14:modId xmlns:p14="http://schemas.microsoft.com/office/powerpoint/2010/main" val="2955457610"/>
+                        </p:ext>
+                      </p:extLst>
+                    </p:nvPr>
+                  </p:nvGraphicFramePr>
+                  <p:xfrm rot="10800000">
+                    <a:off x="4145123" y="1454859"/>
+                    <a:ext cx="772852" cy="1477415"/>
+                  </p:xfrm>
+                  <a:graphic>
+                    <a:graphicData uri="http://schemas.microsoft.com/office/drawing/2017/model3d">
+                      <am3d:model3d r:embed="rId12">
+                        <am3d:spPr>
+                          <a:xfrm rot="10800000" flipH="1">
+                            <a:off x="0" y="0"/>
+                            <a:ext cx="772852" cy="1477415"/>
+                          </a:xfrm>
+                          <a:prstGeom prst="rect">
+                            <a:avLst/>
+                          </a:prstGeom>
+                        </am3d:spPr>
+                        <am3d:camera>
+                          <am3d:pos x="0" y="0" z="49021875"/>
+                          <am3d:up dx="0" dy="36000000" dz="0"/>
+                          <am3d:lookAt x="0" y="0" z="0"/>
+                          <am3d:perspective fov="2700000"/>
+                        </am3d:camera>
+                        <am3d:trans>
+                          <am3d:meterPerModelUnit n="4685389" d="1000000"/>
+                          <am3d:preTrans dx="-2441" dy="-23614363" dz="0"/>
+                          <am3d:scale>
+                            <am3d:sx n="1000000" d="1000000"/>
+                            <am3d:sy n="1000000" d="1000000"/>
+                            <am3d:sz n="1000000" d="1000000"/>
+                          </am3d:scale>
+                          <am3d:rot ax="5616986" ay="4619897" az="5622683"/>
+                          <am3d:postTrans dx="0" dy="0" dz="0"/>
+                        </am3d:trans>
+                        <am3d:raster rName="Office3DRenderer" rVer="16.0.8326">
+                          <am3d:blip r:embed="rId13"/>
+                        </am3d:raster>
+                        <am3d:objViewport viewportSz="2247116"/>
+                        <am3d:ambientLight>
+                          <am3d:clr>
+                            <a:scrgbClr r="50000" g="50000" b="50000"/>
+                          </am3d:clr>
+                          <am3d:illuminance n="500000" d="1000000"/>
+                        </am3d:ambientLight>
+                        <am3d:ptLight rad="0">
+                          <am3d:clr>
+                            <a:scrgbClr r="100000" g="75000" b="50000"/>
+                          </am3d:clr>
+                          <am3d:intensity n="9765625" d="1000000"/>
+                          <am3d:pos x="21959998" y="70920001" z="16344003"/>
+                        </am3d:ptLight>
+                        <am3d:ptLight rad="0">
+                          <am3d:clr>
+                            <a:scrgbClr r="40000" g="60000" b="95000"/>
+                          </am3d:clr>
+                          <am3d:intensity n="12250000" d="1000000"/>
+                          <am3d:pos x="-37964106" y="51130435" z="57631972"/>
+                        </am3d:ptLight>
+                        <am3d:ptLight rad="0">
+                          <am3d:clr>
+                            <a:scrgbClr r="86837" g="72700" b="100000"/>
+                          </am3d:clr>
+                          <am3d:intensity n="3125000" d="1000000"/>
+                          <am3d:pos x="-37739122" y="58056624" z="-34769649"/>
+                        </am3d:ptLight>
+                      </am3d:model3d>
+                    </a:graphicData>
+                  </a:graphic>
+                </p:graphicFrame>
+              </mc:Choice>
+              <mc:Fallback xmlns="">
+                <p:pic>
+                  <p:nvPicPr>
+                    <p:cNvPr id="80" name="Modelo 3D 79" descr="Sinal de Subtração Cinza-Escuro">
+                      <a:extLst>
+                        <a:ext uri="{FF2B5EF4-FFF2-40B4-BE49-F238E27FC236}">
+                          <a16:creationId xmlns:a16="http://schemas.microsoft.com/office/drawing/2014/main" id="{401E0797-895F-463C-AB87-68C988EACAA2}"/>
+                        </a:ext>
+                      </a:extLst>
+                    </p:cNvPr>
+                    <p:cNvPicPr>
+                      <a:picLocks noGrp="1" noRot="1" noChangeAspect="1" noMove="1" noResize="1" noEditPoints="1" noAdjustHandles="1" noChangeArrowheads="1" noChangeShapeType="1" noCrop="1"/>
+                    </p:cNvPicPr>
+                    <p:nvPr/>
+                  </p:nvPicPr>
+                  <p:blipFill>
+                    <a:blip r:embed="rId14"/>
+                    <a:stretch>
+                      <a:fillRect/>
+                    </a:stretch>
+                  </p:blipFill>
+                  <p:spPr>
+                    <a:xfrm rot="10800000" flipH="1">
+                      <a:off x="6425477" y="3627984"/>
+                      <a:ext cx="772852" cy="1477415"/>
+                    </a:xfrm>
+                    <a:prstGeom prst="rect">
+                      <a:avLst/>
+                    </a:prstGeom>
+                  </p:spPr>
+                </p:pic>
+              </mc:Fallback>
+            </mc:AlternateContent>
+            <p:sp>
+              <p:nvSpPr>
+                <p:cNvPr id="81" name="CaixaDeTexto 80">
+                  <a:extLst>
+                    <a:ext uri="{FF2B5EF4-FFF2-40B4-BE49-F238E27FC236}">
+                      <a16:creationId xmlns:a16="http://schemas.microsoft.com/office/drawing/2014/main" id="{CAF65951-94E6-4734-9CAB-327CAF70980D}"/>
+                    </a:ext>
+                  </a:extLst>
+                </p:cNvPr>
+                <p:cNvSpPr txBox="1"/>
+                <p:nvPr/>
+              </p:nvSpPr>
+              <p:spPr>
+                <a:xfrm>
+                  <a:off x="3851199" y="2521168"/>
+                  <a:ext cx="1121976" cy="599952"/>
+                </a:xfrm>
+                <a:prstGeom prst="rect">
+                  <a:avLst/>
+                </a:prstGeom>
+                <a:noFill/>
+              </p:spPr>
+              <p:txBody>
+                <a:bodyPr wrap="none" rtlCol="0">
+                  <a:spAutoFit/>
+                </a:bodyPr>
+                <a:lstStyle/>
+                <a:p>
+                  <a:pPr algn="ctr"/>
+                  <a:r>
+                    <a:rPr lang="en-GB" sz="2000" b="1" dirty="0"/>
+                    <a:t>Optical</a:t>
+                  </a:r>
+                </a:p>
+                <a:p>
+                  <a:pPr algn="ctr"/>
+                  <a:r>
+                    <a:rPr lang="en-GB" sz="2000" b="1" dirty="0"/>
+                    <a:t>attenuator</a:t>
+                  </a:r>
+                </a:p>
+              </p:txBody>
+            </p:sp>
+          </p:grpSp>
           <mc:AlternateContent xmlns:mc="http://schemas.openxmlformats.org/markup-compatibility/2006" xmlns:am3d="http://schemas.microsoft.com/office/drawing/2017/model3d">
             <mc:Choice Requires="am3d">
               <p:graphicFrame>
                 <p:nvGraphicFramePr>
-                  <p:cNvPr id="11" name="Modelo 3D 10" descr="Hemisfério Cinza-Escuro">
+                  <p:cNvPr id="74" name="Modelo 3D 73" descr="Cuboide Cinza-Escuro">
                     <a:extLst>
                       <a:ext uri="{FF2B5EF4-FFF2-40B4-BE49-F238E27FC236}">
-                        <a16:creationId xmlns:a16="http://schemas.microsoft.com/office/drawing/2014/main" id="{0A57C88A-1F91-465A-A928-B114E22F0EA1}"/>
+                        <a16:creationId xmlns:a16="http://schemas.microsoft.com/office/drawing/2014/main" id="{2861374F-8FB5-4C1D-8313-35F013CE17F2}"/>
                       </a:ext>
                     </a:extLst>
                   </p:cNvPr>
@@ -8443,48 +12707,48 @@
                   <p:nvPr>
                     <p:extLst>
                       <p:ext uri="{D42A27DB-BD31-4B8C-83A1-F6EECF244321}">
-                        <p14:modId xmlns:p14="http://schemas.microsoft.com/office/powerpoint/2010/main" val="2030753254"/>
+                        <p14:modId xmlns:p14="http://schemas.microsoft.com/office/powerpoint/2010/main" val="326523781"/>
                       </p:ext>
                     </p:extLst>
                   </p:nvPr>
                 </p:nvGraphicFramePr>
-                <p:xfrm rot="5400000">
-                  <a:off x="10310915" y="5856664"/>
-                  <a:ext cx="1178652" cy="802772"/>
+                <p:xfrm>
+                  <a:off x="-684139" y="988129"/>
+                  <a:ext cx="4740368" cy="1475930"/>
                 </p:xfrm>
                 <a:graphic>
                   <a:graphicData uri="http://schemas.microsoft.com/office/drawing/2017/model3d">
-                    <am3d:model3d r:embed="rId5">
+                    <am3d:model3d r:embed="rId6">
                       <am3d:spPr>
-                        <a:xfrm rot="5400000">
+                        <a:xfrm flipH="1">
                           <a:off x="0" y="0"/>
-                          <a:ext cx="1178652" cy="802772"/>
+                          <a:ext cx="4740368" cy="1475930"/>
                         </a:xfrm>
                         <a:prstGeom prst="rect">
                           <a:avLst/>
                         </a:prstGeom>
                       </am3d:spPr>
                       <am3d:camera>
-                        <am3d:pos x="0" y="0" z="70522459"/>
+                        <am3d:pos x="0" y="0" z="57664451"/>
                         <am3d:up dx="0" dy="36000000" dz="0"/>
                         <am3d:lookAt x="0" y="0" z="0"/>
                         <am3d:perspective fov="2700000"/>
                       </am3d:camera>
                       <am3d:trans>
-                        <am3d:meterPerModelUnit n="6553073" d="1000000"/>
-                        <am3d:preTrans dx="9" dy="-8999683" dz="-344461"/>
+                        <am3d:meterPerModelUnit n="4361393" d="1000000"/>
+                        <am3d:preTrans dx="0" dy="-6493603" dz="0"/>
                         <am3d:scale>
                           <am3d:sx n="1000000" d="1000000"/>
                           <am3d:sy n="1000000" d="1000000"/>
                           <am3d:sz n="1000000" d="1000000"/>
                         </am3d:scale>
-                        <am3d:rot ax="16200000" ay="3600000" az="16200000"/>
+                        <am3d:rot ax="5400000" ay="18000000" az="16200000"/>
                         <am3d:postTrans dx="0" dy="0" dz="0"/>
                       </am3d:trans>
                       <am3d:raster rName="Office3DRenderer" rVer="16.0.8326">
-                        <am3d:blip r:embed="rId6"/>
+                        <am3d:blip r:embed="rId16"/>
                       </am3d:raster>
-                      <am3d:objViewport viewportSz="968013"/>
+                      <am3d:objViewport viewportSz="2825721"/>
                       <am3d:ambientLight>
                         <am3d:clr>
                           <a:scrgbClr r="50000" g="50000" b="50000"/>
@@ -8520,10 +12784,10 @@
             <mc:Fallback xmlns="">
               <p:pic>
                 <p:nvPicPr>
-                  <p:cNvPr id="27" name="Modelo 3D 26" descr="Hemisfério Cinza-Escuro">
+                  <p:cNvPr id="74" name="Modelo 3D 73" descr="Cuboide Cinza-Escuro">
                     <a:extLst>
                       <a:ext uri="{FF2B5EF4-FFF2-40B4-BE49-F238E27FC236}">
-                        <a16:creationId xmlns:a16="http://schemas.microsoft.com/office/drawing/2014/main" id="{84E0CCAB-7D61-4B1B-ACAF-C110CFF4DB82}"/>
+                        <a16:creationId xmlns:a16="http://schemas.microsoft.com/office/drawing/2014/main" id="{2861374F-8FB5-4C1D-8313-35F013CE17F2}"/>
                       </a:ext>
                     </a:extLst>
                   </p:cNvPr>
@@ -8533,15 +12797,15 @@
                   <p:nvPr/>
                 </p:nvPicPr>
                 <p:blipFill>
-                  <a:blip r:embed="rId10"/>
+                  <a:blip r:embed="rId16"/>
                   <a:stretch>
                     <a:fillRect/>
                   </a:stretch>
                 </p:blipFill>
                 <p:spPr>
-                  <a:xfrm rot="5400000">
-                    <a:off x="10472840" y="5628064"/>
-                    <a:ext cx="1178652" cy="802772"/>
+                  <a:xfrm flipH="1">
+                    <a:off x="7287223" y="3161254"/>
+                    <a:ext cx="4740368" cy="1475930"/>
                   </a:xfrm>
                   <a:prstGeom prst="rect">
                     <a:avLst/>
@@ -8550,2190 +12814,7 @@
               </p:pic>
             </mc:Fallback>
           </mc:AlternateContent>
-          <p:sp>
-            <p:nvSpPr>
-              <p:cNvPr id="12" name="CaixaDeTexto 11">
-                <a:extLst>
-                  <a:ext uri="{FF2B5EF4-FFF2-40B4-BE49-F238E27FC236}">
-                    <a16:creationId xmlns:a16="http://schemas.microsoft.com/office/drawing/2014/main" id="{16961C8B-404C-4177-A213-326217C2AE3D}"/>
-                  </a:ext>
-                </a:extLst>
-              </p:cNvPr>
-              <p:cNvSpPr txBox="1"/>
-              <p:nvPr/>
-            </p:nvSpPr>
-            <p:spPr>
-              <a:xfrm>
-                <a:off x="10942889" y="5477834"/>
-                <a:ext cx="780983" cy="553998"/>
-              </a:xfrm>
-              <a:prstGeom prst="rect">
-                <a:avLst/>
-              </a:prstGeom>
-              <a:noFill/>
-            </p:spPr>
-            <p:txBody>
-              <a:bodyPr wrap="none" rtlCol="0">
-                <a:spAutoFit/>
-              </a:bodyPr>
-              <a:lstStyle/>
-              <a:p>
-                <a:r>
-                  <a:rPr lang="en-GB" sz="3000" b="1" dirty="0"/>
-                  <a:t>D</a:t>
-                </a:r>
-                <a:r>
-                  <a:rPr lang="en-GB" sz="3000" b="1" baseline="-25000" dirty="0"/>
-                  <a:t>M2</a:t>
-                </a:r>
-              </a:p>
-            </p:txBody>
-          </p:sp>
         </p:grpSp>
-        <p:sp>
-          <p:nvSpPr>
-            <p:cNvPr id="13" name="CaixaDeTexto 12">
-              <a:extLst>
-                <a:ext uri="{FF2B5EF4-FFF2-40B4-BE49-F238E27FC236}">
-                  <a16:creationId xmlns:a16="http://schemas.microsoft.com/office/drawing/2014/main" id="{55149F32-B5DE-43BD-9071-5CF5285637BD}"/>
-                </a:ext>
-              </a:extLst>
-            </p:cNvPr>
-            <p:cNvSpPr txBox="1"/>
-            <p:nvPr/>
-          </p:nvSpPr>
-          <p:spPr>
-            <a:xfrm>
-              <a:off x="8280649" y="3310233"/>
-              <a:ext cx="1186543" cy="553998"/>
-            </a:xfrm>
-            <a:prstGeom prst="rect">
-              <a:avLst/>
-            </a:prstGeom>
-            <a:noFill/>
-          </p:spPr>
-          <p:txBody>
-            <a:bodyPr wrap="none" rtlCol="0">
-              <a:spAutoFit/>
-            </a:bodyPr>
-            <a:lstStyle/>
-            <a:p>
-              <a:r>
-                <a:rPr lang="en-GB" sz="3000" b="1" dirty="0"/>
-                <a:t>0.5 </a:t>
-              </a:r>
-              <a:r>
-                <a:rPr lang="en-GB" sz="3000" b="1" dirty="0" err="1"/>
-                <a:t>t</a:t>
-              </a:r>
-              <a:r>
-                <a:rPr lang="en-GB" sz="3000" b="1" baseline="-25000" dirty="0" err="1"/>
-                <a:t>bit</a:t>
-              </a:r>
-              <a:endParaRPr lang="en-GB" sz="3000" b="1" baseline="-25000" dirty="0"/>
-            </a:p>
-          </p:txBody>
-        </p:sp>
-        <p:sp>
-          <p:nvSpPr>
-            <p:cNvPr id="14" name="CaixaDeTexto 13">
-              <a:extLst>
-                <a:ext uri="{FF2B5EF4-FFF2-40B4-BE49-F238E27FC236}">
-                  <a16:creationId xmlns:a16="http://schemas.microsoft.com/office/drawing/2014/main" id="{049F07B8-5914-472C-8CDD-3BC807A1BCE8}"/>
-                </a:ext>
-              </a:extLst>
-            </p:cNvPr>
-            <p:cNvSpPr txBox="1"/>
-            <p:nvPr/>
-          </p:nvSpPr>
-          <p:spPr>
-            <a:xfrm>
-              <a:off x="7156602" y="1230244"/>
-              <a:ext cx="461986" cy="553998"/>
-            </a:xfrm>
-            <a:prstGeom prst="rect">
-              <a:avLst/>
-            </a:prstGeom>
-            <a:noFill/>
-          </p:spPr>
-          <p:txBody>
-            <a:bodyPr wrap="none" rtlCol="0">
-              <a:spAutoFit/>
-            </a:bodyPr>
-            <a:lstStyle/>
-            <a:p>
-              <a:r>
-                <a:rPr lang="en-GB" sz="3000" b="1" dirty="0" err="1"/>
-                <a:t>t</a:t>
-              </a:r>
-              <a:r>
-                <a:rPr lang="en-GB" sz="3000" b="1" baseline="-25000" dirty="0" err="1"/>
-                <a:t>B</a:t>
-              </a:r>
-              <a:endParaRPr lang="en-GB" sz="3000" b="1" baseline="-25000" dirty="0"/>
-            </a:p>
-          </p:txBody>
-        </p:sp>
-        <p:sp>
-          <p:nvSpPr>
-            <p:cNvPr id="15" name="CaixaDeTexto 14">
-              <a:extLst>
-                <a:ext uri="{FF2B5EF4-FFF2-40B4-BE49-F238E27FC236}">
-                  <a16:creationId xmlns:a16="http://schemas.microsoft.com/office/drawing/2014/main" id="{DEA64BB1-7D3A-4306-882D-145B8E0A86F9}"/>
-                </a:ext>
-              </a:extLst>
-            </p:cNvPr>
-            <p:cNvSpPr txBox="1"/>
-            <p:nvPr/>
-          </p:nvSpPr>
-          <p:spPr>
-            <a:xfrm>
-              <a:off x="6872977" y="2516066"/>
-              <a:ext cx="774571" cy="553998"/>
-            </a:xfrm>
-            <a:prstGeom prst="rect">
-              <a:avLst/>
-            </a:prstGeom>
-            <a:noFill/>
-          </p:spPr>
-          <p:txBody>
-            <a:bodyPr wrap="none" rtlCol="0">
-              <a:spAutoFit/>
-            </a:bodyPr>
-            <a:lstStyle/>
-            <a:p>
-              <a:r>
-                <a:rPr lang="en-GB" sz="3000" b="1" dirty="0"/>
-                <a:t>1-t</a:t>
-              </a:r>
-              <a:r>
-                <a:rPr lang="en-GB" sz="3000" b="1" baseline="-25000" dirty="0"/>
-                <a:t>B</a:t>
-              </a:r>
-            </a:p>
-          </p:txBody>
-        </p:sp>
-        <p:sp>
-          <p:nvSpPr>
-            <p:cNvPr id="16" name="Hexágono 15">
-              <a:extLst>
-                <a:ext uri="{FF2B5EF4-FFF2-40B4-BE49-F238E27FC236}">
-                  <a16:creationId xmlns:a16="http://schemas.microsoft.com/office/drawing/2014/main" id="{57FB80A9-E582-48C4-B575-7B0B023D1822}"/>
-                </a:ext>
-              </a:extLst>
-            </p:cNvPr>
-            <p:cNvSpPr/>
-            <p:nvPr/>
-          </p:nvSpPr>
-          <p:spPr>
-            <a:xfrm>
-              <a:off x="7698030" y="4174422"/>
-              <a:ext cx="2246214" cy="942975"/>
-            </a:xfrm>
-            <a:prstGeom prst="hexagon">
-              <a:avLst/>
-            </a:prstGeom>
-            <a:noFill/>
-            <a:ln w="127000" cap="sq">
-              <a:solidFill>
-                <a:schemeClr val="accent4"/>
-              </a:solidFill>
-              <a:miter lim="800000"/>
-            </a:ln>
-          </p:spPr>
-          <p:style>
-            <a:lnRef idx="2">
-              <a:schemeClr val="accent1">
-                <a:shade val="50000"/>
-              </a:schemeClr>
-            </a:lnRef>
-            <a:fillRef idx="1">
-              <a:schemeClr val="accent1"/>
-            </a:fillRef>
-            <a:effectRef idx="0">
-              <a:schemeClr val="accent1"/>
-            </a:effectRef>
-            <a:fontRef idx="minor">
-              <a:schemeClr val="lt1"/>
-            </a:fontRef>
-          </p:style>
-          <p:txBody>
-            <a:bodyPr rtlCol="0" anchor="ctr"/>
-            <a:lstStyle/>
-            <a:p>
-              <a:pPr algn="ctr"/>
-              <a:endParaRPr lang="en-GB"/>
-            </a:p>
-          </p:txBody>
-        </p:sp>
-        <p:cxnSp>
-          <p:nvCxnSpPr>
-            <p:cNvPr id="17" name="Conexão reta 16">
-              <a:extLst>
-                <a:ext uri="{FF2B5EF4-FFF2-40B4-BE49-F238E27FC236}">
-                  <a16:creationId xmlns:a16="http://schemas.microsoft.com/office/drawing/2014/main" id="{2D578835-D05B-4DA3-840B-B1ECBD38731C}"/>
-                </a:ext>
-              </a:extLst>
-            </p:cNvPr>
-            <p:cNvCxnSpPr>
-              <a:stCxn id="16" idx="0"/>
-            </p:cNvCxnSpPr>
-            <p:nvPr/>
-          </p:nvCxnSpPr>
-          <p:spPr>
-            <a:xfrm>
-              <a:off x="9944244" y="4645909"/>
-              <a:ext cx="914400" cy="914400"/>
-            </a:xfrm>
-            <a:prstGeom prst="line">
-              <a:avLst/>
-            </a:prstGeom>
-            <a:ln w="127000" cap="rnd">
-              <a:solidFill>
-                <a:schemeClr val="accent4"/>
-              </a:solidFill>
-            </a:ln>
-          </p:spPr>
-          <p:style>
-            <a:lnRef idx="1">
-              <a:schemeClr val="accent1"/>
-            </a:lnRef>
-            <a:fillRef idx="0">
-              <a:schemeClr val="accent1"/>
-            </a:fillRef>
-            <a:effectRef idx="0">
-              <a:schemeClr val="accent1"/>
-            </a:effectRef>
-            <a:fontRef idx="minor">
-              <a:schemeClr val="tx1"/>
-            </a:fontRef>
-          </p:style>
-        </p:cxnSp>
-        <p:cxnSp>
-          <p:nvCxnSpPr>
-            <p:cNvPr id="18" name="Conexão reta 17">
-              <a:extLst>
-                <a:ext uri="{FF2B5EF4-FFF2-40B4-BE49-F238E27FC236}">
-                  <a16:creationId xmlns:a16="http://schemas.microsoft.com/office/drawing/2014/main" id="{254539DE-0267-4724-8BA3-345544109B13}"/>
-                </a:ext>
-              </a:extLst>
-            </p:cNvPr>
-            <p:cNvCxnSpPr>
-              <a:cxnSpLocks/>
-            </p:cNvCxnSpPr>
-            <p:nvPr/>
-          </p:nvCxnSpPr>
-          <p:spPr>
-            <a:xfrm flipV="1">
-              <a:off x="6783630" y="4664959"/>
-              <a:ext cx="914400" cy="914400"/>
-            </a:xfrm>
-            <a:prstGeom prst="line">
-              <a:avLst/>
-            </a:prstGeom>
-            <a:ln w="127000">
-              <a:solidFill>
-                <a:schemeClr val="accent4"/>
-              </a:solidFill>
-            </a:ln>
-          </p:spPr>
-          <p:style>
-            <a:lnRef idx="1">
-              <a:schemeClr val="accent1"/>
-            </a:lnRef>
-            <a:fillRef idx="0">
-              <a:schemeClr val="accent1"/>
-            </a:fillRef>
-            <a:effectRef idx="0">
-              <a:schemeClr val="accent1"/>
-            </a:effectRef>
-            <a:fontRef idx="minor">
-              <a:schemeClr val="tx1"/>
-            </a:fontRef>
-          </p:style>
-        </p:cxnSp>
-        <p:cxnSp>
-          <p:nvCxnSpPr>
-            <p:cNvPr id="19" name="Conexão reta 18">
-              <a:extLst>
-                <a:ext uri="{FF2B5EF4-FFF2-40B4-BE49-F238E27FC236}">
-                  <a16:creationId xmlns:a16="http://schemas.microsoft.com/office/drawing/2014/main" id="{EE19D473-9996-4A6A-A441-49C681723876}"/>
-                </a:ext>
-              </a:extLst>
-            </p:cNvPr>
-            <p:cNvCxnSpPr>
-              <a:cxnSpLocks/>
-            </p:cNvCxnSpPr>
-            <p:nvPr/>
-          </p:nvCxnSpPr>
-          <p:spPr>
-            <a:xfrm>
-              <a:off x="6793155" y="3741034"/>
-              <a:ext cx="914400" cy="914400"/>
-            </a:xfrm>
-            <a:prstGeom prst="line">
-              <a:avLst/>
-            </a:prstGeom>
-            <a:ln w="127000">
-              <a:solidFill>
-                <a:schemeClr val="accent4"/>
-              </a:solidFill>
-            </a:ln>
-          </p:spPr>
-          <p:style>
-            <a:lnRef idx="1">
-              <a:schemeClr val="accent1"/>
-            </a:lnRef>
-            <a:fillRef idx="0">
-              <a:schemeClr val="accent1"/>
-            </a:fillRef>
-            <a:effectRef idx="0">
-              <a:schemeClr val="accent1"/>
-            </a:effectRef>
-            <a:fontRef idx="minor">
-              <a:schemeClr val="tx1"/>
-            </a:fontRef>
-          </p:style>
-        </p:cxnSp>
-        <p:grpSp>
-          <p:nvGrpSpPr>
-            <p:cNvPr id="20" name="Agrupar 19">
-              <a:extLst>
-                <a:ext uri="{FF2B5EF4-FFF2-40B4-BE49-F238E27FC236}">
-                  <a16:creationId xmlns:a16="http://schemas.microsoft.com/office/drawing/2014/main" id="{A9E7E8E3-58E0-4D39-923E-A6DAFCC97B61}"/>
-                </a:ext>
-              </a:extLst>
-            </p:cNvPr>
-            <p:cNvGrpSpPr/>
-            <p:nvPr/>
-          </p:nvGrpSpPr>
-          <p:grpSpPr>
-            <a:xfrm>
-              <a:off x="10708405" y="2963234"/>
-              <a:ext cx="1225017" cy="1369542"/>
-              <a:chOff x="10498855" y="5477834"/>
-              <a:chExt cx="1225017" cy="1369542"/>
-            </a:xfrm>
-          </p:grpSpPr>
-          <mc:AlternateContent xmlns:mc="http://schemas.openxmlformats.org/markup-compatibility/2006" xmlns:am3d="http://schemas.microsoft.com/office/drawing/2017/model3d">
-            <mc:Choice Requires="am3d">
-              <p:graphicFrame>
-                <p:nvGraphicFramePr>
-                  <p:cNvPr id="21" name="Modelo 3D 20" descr="Hemisfério Cinza-Escuro">
-                    <a:extLst>
-                      <a:ext uri="{FF2B5EF4-FFF2-40B4-BE49-F238E27FC236}">
-                        <a16:creationId xmlns:a16="http://schemas.microsoft.com/office/drawing/2014/main" id="{819CE141-C186-465D-9167-1473C21BA77B}"/>
-                      </a:ext>
-                    </a:extLst>
-                  </p:cNvPr>
-                  <p:cNvGraphicFramePr>
-                    <a:graphicFrameLocks noChangeAspect="1"/>
-                  </p:cNvGraphicFramePr>
-                  <p:nvPr>
-                    <p:extLst>
-                      <p:ext uri="{D42A27DB-BD31-4B8C-83A1-F6EECF244321}">
-                        <p14:modId xmlns:p14="http://schemas.microsoft.com/office/powerpoint/2010/main" val="1160171193"/>
-                      </p:ext>
-                    </p:extLst>
-                  </p:nvPr>
-                </p:nvGraphicFramePr>
-                <p:xfrm rot="5400000">
-                  <a:off x="10310915" y="5856664"/>
-                  <a:ext cx="1178652" cy="802772"/>
-                </p:xfrm>
-                <a:graphic>
-                  <a:graphicData uri="http://schemas.microsoft.com/office/drawing/2017/model3d">
-                    <am3d:model3d r:embed="rId5">
-                      <am3d:spPr>
-                        <a:xfrm rot="5400000">
-                          <a:off x="0" y="0"/>
-                          <a:ext cx="1178652" cy="802772"/>
-                        </a:xfrm>
-                        <a:prstGeom prst="rect">
-                          <a:avLst/>
-                        </a:prstGeom>
-                      </am3d:spPr>
-                      <am3d:camera>
-                        <am3d:pos x="0" y="0" z="70522459"/>
-                        <am3d:up dx="0" dy="36000000" dz="0"/>
-                        <am3d:lookAt x="0" y="0" z="0"/>
-                        <am3d:perspective fov="2700000"/>
-                      </am3d:camera>
-                      <am3d:trans>
-                        <am3d:meterPerModelUnit n="6553073" d="1000000"/>
-                        <am3d:preTrans dx="9" dy="-8999683" dz="-344461"/>
-                        <am3d:scale>
-                          <am3d:sx n="1000000" d="1000000"/>
-                          <am3d:sy n="1000000" d="1000000"/>
-                          <am3d:sz n="1000000" d="1000000"/>
-                        </am3d:scale>
-                        <am3d:rot ax="16200000" ay="3600000" az="16200000"/>
-                        <am3d:postTrans dx="0" dy="0" dz="0"/>
-                      </am3d:trans>
-                      <am3d:raster rName="Office3DRenderer" rVer="16.0.8326">
-                        <am3d:blip r:embed="rId6"/>
-                      </am3d:raster>
-                      <am3d:objViewport viewportSz="968013"/>
-                      <am3d:ambientLight>
-                        <am3d:clr>
-                          <a:scrgbClr r="50000" g="50000" b="50000"/>
-                        </am3d:clr>
-                        <am3d:illuminance n="500000" d="1000000"/>
-                      </am3d:ambientLight>
-                      <am3d:ptLight rad="0">
-                        <am3d:clr>
-                          <a:scrgbClr r="100000" g="75000" b="50000"/>
-                        </am3d:clr>
-                        <am3d:intensity n="9765625" d="1000000"/>
-                        <am3d:pos x="21959998" y="70920001" z="16344003"/>
-                      </am3d:ptLight>
-                      <am3d:ptLight rad="0">
-                        <am3d:clr>
-                          <a:scrgbClr r="40000" g="60000" b="95000"/>
-                        </am3d:clr>
-                        <am3d:intensity n="12250000" d="1000000"/>
-                        <am3d:pos x="-37964106" y="51130435" z="57631972"/>
-                      </am3d:ptLight>
-                      <am3d:ptLight rad="0">
-                        <am3d:clr>
-                          <a:scrgbClr r="86837" g="72700" b="100000"/>
-                        </am3d:clr>
-                        <am3d:intensity n="3125000" d="1000000"/>
-                        <am3d:pos x="-37739122" y="58056624" z="-34769649"/>
-                      </am3d:ptLight>
-                    </am3d:model3d>
-                  </a:graphicData>
-                </a:graphic>
-              </p:graphicFrame>
-            </mc:Choice>
-            <mc:Fallback xmlns="">
-              <p:pic>
-                <p:nvPicPr>
-                  <p:cNvPr id="77" name="Modelo 3D 76" descr="Hemisfério Cinza-Escuro">
-                    <a:extLst>
-                      <a:ext uri="{FF2B5EF4-FFF2-40B4-BE49-F238E27FC236}">
-                        <a16:creationId xmlns:a16="http://schemas.microsoft.com/office/drawing/2014/main" id="{8814C08B-2BAE-475B-B167-0EC1D5CC6ACD}"/>
-                      </a:ext>
-                    </a:extLst>
-                  </p:cNvPr>
-                  <p:cNvPicPr>
-                    <a:picLocks noGrp="1" noRot="1" noChangeAspect="1" noMove="1" noResize="1" noEditPoints="1" noAdjustHandles="1" noChangeArrowheads="1" noChangeShapeType="1" noCrop="1"/>
-                  </p:cNvPicPr>
-                  <p:nvPr/>
-                </p:nvPicPr>
-                <p:blipFill>
-                  <a:blip r:embed="rId10"/>
-                  <a:stretch>
-                    <a:fillRect/>
-                  </a:stretch>
-                </p:blipFill>
-                <p:spPr>
-                  <a:xfrm rot="5400000">
-                    <a:off x="10482365" y="3837364"/>
-                    <a:ext cx="1178652" cy="802772"/>
-                  </a:xfrm>
-                  <a:prstGeom prst="rect">
-                    <a:avLst/>
-                  </a:prstGeom>
-                </p:spPr>
-              </p:pic>
-            </mc:Fallback>
-          </mc:AlternateContent>
-          <p:sp>
-            <p:nvSpPr>
-              <p:cNvPr id="22" name="CaixaDeTexto 21">
-                <a:extLst>
-                  <a:ext uri="{FF2B5EF4-FFF2-40B4-BE49-F238E27FC236}">
-                    <a16:creationId xmlns:a16="http://schemas.microsoft.com/office/drawing/2014/main" id="{997C8EF7-CA81-405F-A237-A8E398CF6B80}"/>
-                  </a:ext>
-                </a:extLst>
-              </p:cNvPr>
-              <p:cNvSpPr txBox="1"/>
-              <p:nvPr/>
-            </p:nvSpPr>
-            <p:spPr>
-              <a:xfrm>
-                <a:off x="10942889" y="5477834"/>
-                <a:ext cx="780983" cy="553998"/>
-              </a:xfrm>
-              <a:prstGeom prst="rect">
-                <a:avLst/>
-              </a:prstGeom>
-              <a:noFill/>
-            </p:spPr>
-            <p:txBody>
-              <a:bodyPr wrap="none" rtlCol="0">
-                <a:spAutoFit/>
-              </a:bodyPr>
-              <a:lstStyle/>
-              <a:p>
-                <a:r>
-                  <a:rPr lang="en-GB" sz="3000" b="1" dirty="0"/>
-                  <a:t>D</a:t>
-                </a:r>
-                <a:r>
-                  <a:rPr lang="en-GB" sz="3000" b="1" baseline="-25000" dirty="0"/>
-                  <a:t>M1</a:t>
-                </a:r>
-              </a:p>
-            </p:txBody>
-          </p:sp>
-        </p:grpSp>
-        <p:cxnSp>
-          <p:nvCxnSpPr>
-            <p:cNvPr id="24" name="Conexão reta 23">
-              <a:extLst>
-                <a:ext uri="{FF2B5EF4-FFF2-40B4-BE49-F238E27FC236}">
-                  <a16:creationId xmlns:a16="http://schemas.microsoft.com/office/drawing/2014/main" id="{70DED650-4B24-4B18-BC6A-9F6F641BBBA0}"/>
-                </a:ext>
-              </a:extLst>
-            </p:cNvPr>
-            <p:cNvCxnSpPr>
-              <a:cxnSpLocks/>
-            </p:cNvCxnSpPr>
-            <p:nvPr/>
-          </p:nvCxnSpPr>
-          <p:spPr>
-            <a:xfrm flipV="1">
-              <a:off x="6793155" y="2121870"/>
-              <a:ext cx="0" cy="1561130"/>
-            </a:xfrm>
-            <a:prstGeom prst="line">
-              <a:avLst/>
-            </a:prstGeom>
-            <a:ln w="127000" cap="rnd">
-              <a:solidFill>
-                <a:schemeClr val="accent4"/>
-              </a:solidFill>
-              <a:round/>
-            </a:ln>
-          </p:spPr>
-          <p:style>
-            <a:lnRef idx="1">
-              <a:schemeClr val="accent1"/>
-            </a:lnRef>
-            <a:fillRef idx="0">
-              <a:schemeClr val="accent1"/>
-            </a:fillRef>
-            <a:effectRef idx="0">
-              <a:schemeClr val="accent1"/>
-            </a:effectRef>
-            <a:fontRef idx="minor">
-              <a:schemeClr val="tx1"/>
-            </a:fontRef>
-          </p:style>
-        </p:cxnSp>
-        <p:grpSp>
-          <p:nvGrpSpPr>
-            <p:cNvPr id="25" name="Agrupar 24">
-              <a:extLst>
-                <a:ext uri="{FF2B5EF4-FFF2-40B4-BE49-F238E27FC236}">
-                  <a16:creationId xmlns:a16="http://schemas.microsoft.com/office/drawing/2014/main" id="{F98A79BD-E123-420A-B95C-B8AEA46E6249}"/>
-                </a:ext>
-              </a:extLst>
-            </p:cNvPr>
-            <p:cNvGrpSpPr/>
-            <p:nvPr/>
-          </p:nvGrpSpPr>
-          <p:grpSpPr>
-            <a:xfrm>
-              <a:off x="10708405" y="1340809"/>
-              <a:ext cx="1015024" cy="1369542"/>
-              <a:chOff x="10498855" y="5477834"/>
-              <a:chExt cx="1015024" cy="1369542"/>
-            </a:xfrm>
-          </p:grpSpPr>
-          <mc:AlternateContent xmlns:mc="http://schemas.openxmlformats.org/markup-compatibility/2006" xmlns:am3d="http://schemas.microsoft.com/office/drawing/2017/model3d">
-            <mc:Choice Requires="am3d">
-              <p:graphicFrame>
-                <p:nvGraphicFramePr>
-                  <p:cNvPr id="26" name="Modelo 3D 25" descr="Hemisfério Cinza-Escuro">
-                    <a:extLst>
-                      <a:ext uri="{FF2B5EF4-FFF2-40B4-BE49-F238E27FC236}">
-                        <a16:creationId xmlns:a16="http://schemas.microsoft.com/office/drawing/2014/main" id="{DEBCF69D-3B9E-461F-9E75-5922A517FA0E}"/>
-                      </a:ext>
-                    </a:extLst>
-                  </p:cNvPr>
-                  <p:cNvGraphicFramePr>
-                    <a:graphicFrameLocks noChangeAspect="1"/>
-                  </p:cNvGraphicFramePr>
-                  <p:nvPr>
-                    <p:extLst>
-                      <p:ext uri="{D42A27DB-BD31-4B8C-83A1-F6EECF244321}">
-                        <p14:modId xmlns:p14="http://schemas.microsoft.com/office/powerpoint/2010/main" val="775185252"/>
-                      </p:ext>
-                    </p:extLst>
-                  </p:nvPr>
-                </p:nvGraphicFramePr>
-                <p:xfrm rot="5400000">
-                  <a:off x="10310915" y="5856664"/>
-                  <a:ext cx="1178652" cy="802772"/>
-                </p:xfrm>
-                <a:graphic>
-                  <a:graphicData uri="http://schemas.microsoft.com/office/drawing/2017/model3d">
-                    <am3d:model3d r:embed="rId5">
-                      <am3d:spPr>
-                        <a:xfrm rot="5400000">
-                          <a:off x="0" y="0"/>
-                          <a:ext cx="1178652" cy="802772"/>
-                        </a:xfrm>
-                        <a:prstGeom prst="rect">
-                          <a:avLst/>
-                        </a:prstGeom>
-                      </am3d:spPr>
-                      <am3d:camera>
-                        <am3d:pos x="0" y="0" z="70522459"/>
-                        <am3d:up dx="0" dy="36000000" dz="0"/>
-                        <am3d:lookAt x="0" y="0" z="0"/>
-                        <am3d:perspective fov="2700000"/>
-                      </am3d:camera>
-                      <am3d:trans>
-                        <am3d:meterPerModelUnit n="6553073" d="1000000"/>
-                        <am3d:preTrans dx="9" dy="-8999683" dz="-344461"/>
-                        <am3d:scale>
-                          <am3d:sx n="1000000" d="1000000"/>
-                          <am3d:sy n="1000000" d="1000000"/>
-                          <am3d:sz n="1000000" d="1000000"/>
-                        </am3d:scale>
-                        <am3d:rot ax="16200000" ay="3600000" az="16200000"/>
-                        <am3d:postTrans dx="0" dy="0" dz="0"/>
-                      </am3d:trans>
-                      <am3d:raster rName="Office3DRenderer" rVer="16.0.8326">
-                        <am3d:blip r:embed="rId6"/>
-                      </am3d:raster>
-                      <am3d:objViewport viewportSz="968013"/>
-                      <am3d:ambientLight>
-                        <am3d:clr>
-                          <a:scrgbClr r="50000" g="50000" b="50000"/>
-                        </am3d:clr>
-                        <am3d:illuminance n="500000" d="1000000"/>
-                      </am3d:ambientLight>
-                      <am3d:ptLight rad="0">
-                        <am3d:clr>
-                          <a:scrgbClr r="100000" g="75000" b="50000"/>
-                        </am3d:clr>
-                        <am3d:intensity n="9765625" d="1000000"/>
-                        <am3d:pos x="21959998" y="70920001" z="16344003"/>
-                      </am3d:ptLight>
-                      <am3d:ptLight rad="0">
-                        <am3d:clr>
-                          <a:scrgbClr r="40000" g="60000" b="95000"/>
-                        </am3d:clr>
-                        <am3d:intensity n="12250000" d="1000000"/>
-                        <am3d:pos x="-37964106" y="51130435" z="57631972"/>
-                      </am3d:ptLight>
-                      <am3d:ptLight rad="0">
-                        <am3d:clr>
-                          <a:scrgbClr r="86837" g="72700" b="100000"/>
-                        </am3d:clr>
-                        <am3d:intensity n="3125000" d="1000000"/>
-                        <am3d:pos x="-37739122" y="58056624" z="-34769649"/>
-                      </am3d:ptLight>
-                    </am3d:model3d>
-                  </a:graphicData>
-                </a:graphic>
-              </p:graphicFrame>
-            </mc:Choice>
-            <mc:Fallback xmlns="">
-              <p:pic>
-                <p:nvPicPr>
-                  <p:cNvPr id="80" name="Modelo 3D 79" descr="Hemisfério Cinza-Escuro">
-                    <a:extLst>
-                      <a:ext uri="{FF2B5EF4-FFF2-40B4-BE49-F238E27FC236}">
-                        <a16:creationId xmlns:a16="http://schemas.microsoft.com/office/drawing/2014/main" id="{FC13DA74-E81F-494C-9207-78A85F36B252}"/>
-                      </a:ext>
-                    </a:extLst>
-                  </p:cNvPr>
-                  <p:cNvPicPr>
-                    <a:picLocks noGrp="1" noRot="1" noChangeAspect="1" noMove="1" noResize="1" noEditPoints="1" noAdjustHandles="1" noChangeArrowheads="1" noChangeShapeType="1" noCrop="1"/>
-                  </p:cNvPicPr>
-                  <p:nvPr/>
-                </p:nvPicPr>
-                <p:blipFill>
-                  <a:blip r:embed="rId10"/>
-                  <a:stretch>
-                    <a:fillRect/>
-                  </a:stretch>
-                </p:blipFill>
-                <p:spPr>
-                  <a:xfrm rot="5400000">
-                    <a:off x="10482365" y="1237039"/>
-                    <a:ext cx="1178652" cy="802772"/>
-                  </a:xfrm>
-                  <a:prstGeom prst="rect">
-                    <a:avLst/>
-                  </a:prstGeom>
-                </p:spPr>
-              </p:pic>
-            </mc:Fallback>
-          </mc:AlternateContent>
-          <p:sp>
-            <p:nvSpPr>
-              <p:cNvPr id="27" name="CaixaDeTexto 26">
-                <a:extLst>
-                  <a:ext uri="{FF2B5EF4-FFF2-40B4-BE49-F238E27FC236}">
-                    <a16:creationId xmlns:a16="http://schemas.microsoft.com/office/drawing/2014/main" id="{8933B322-088C-4913-AE2B-C749FB69D08A}"/>
-                  </a:ext>
-                </a:extLst>
-              </p:cNvPr>
-              <p:cNvSpPr txBox="1"/>
-              <p:nvPr/>
-            </p:nvSpPr>
-            <p:spPr>
-              <a:xfrm>
-                <a:off x="10942889" y="5477834"/>
-                <a:ext cx="570990" cy="553998"/>
-              </a:xfrm>
-              <a:prstGeom prst="rect">
-                <a:avLst/>
-              </a:prstGeom>
-              <a:noFill/>
-            </p:spPr>
-            <p:txBody>
-              <a:bodyPr wrap="none" rtlCol="0">
-                <a:spAutoFit/>
-              </a:bodyPr>
-              <a:lstStyle/>
-              <a:p>
-                <a:r>
-                  <a:rPr lang="en-GB" sz="3000" b="1" dirty="0"/>
-                  <a:t>D</a:t>
-                </a:r>
-                <a:r>
-                  <a:rPr lang="en-GB" sz="3000" b="1" baseline="-25000" dirty="0"/>
-                  <a:t>B</a:t>
-                </a:r>
-              </a:p>
-            </p:txBody>
-          </p:sp>
-        </p:grpSp>
-        <p:cxnSp>
-          <p:nvCxnSpPr>
-            <p:cNvPr id="29" name="Conexão reta 28">
-              <a:extLst>
-                <a:ext uri="{FF2B5EF4-FFF2-40B4-BE49-F238E27FC236}">
-                  <a16:creationId xmlns:a16="http://schemas.microsoft.com/office/drawing/2014/main" id="{5B66DEF7-95B4-4F66-BCD4-16B1A7869040}"/>
-                </a:ext>
-              </a:extLst>
-            </p:cNvPr>
-            <p:cNvCxnSpPr>
-              <a:cxnSpLocks/>
-            </p:cNvCxnSpPr>
-            <p:nvPr/>
-          </p:nvCxnSpPr>
-          <p:spPr>
-            <a:xfrm flipV="1">
-              <a:off x="9944244" y="3750559"/>
-              <a:ext cx="914400" cy="914400"/>
-            </a:xfrm>
-            <a:prstGeom prst="line">
-              <a:avLst/>
-            </a:prstGeom>
-            <a:ln w="127000" cap="rnd">
-              <a:solidFill>
-                <a:schemeClr val="accent4"/>
-              </a:solidFill>
-            </a:ln>
-          </p:spPr>
-          <p:style>
-            <a:lnRef idx="1">
-              <a:schemeClr val="accent1"/>
-            </a:lnRef>
-            <a:fillRef idx="0">
-              <a:schemeClr val="accent1"/>
-            </a:fillRef>
-            <a:effectRef idx="0">
-              <a:schemeClr val="accent1"/>
-            </a:effectRef>
-            <a:fontRef idx="minor">
-              <a:schemeClr val="tx1"/>
-            </a:fontRef>
-          </p:style>
-        </p:cxnSp>
-      </p:grpSp>
-      <p:sp>
-        <p:nvSpPr>
-          <p:cNvPr id="2" name="CaixaDeTexto 1">
-            <a:extLst>
-              <a:ext uri="{FF2B5EF4-FFF2-40B4-BE49-F238E27FC236}">
-                <a16:creationId xmlns:a16="http://schemas.microsoft.com/office/drawing/2014/main" id="{FC6B8AFE-3456-446F-9D18-82B4E543C27C}"/>
-              </a:ext>
-            </a:extLst>
-          </p:cNvPr>
-          <p:cNvSpPr txBox="1"/>
-          <p:nvPr/>
-        </p:nvSpPr>
-        <p:spPr>
-          <a:xfrm>
-            <a:off x="201996" y="552963"/>
-            <a:ext cx="1851102" cy="1043212"/>
-          </a:xfrm>
-          <a:prstGeom prst="rect">
-            <a:avLst/>
-          </a:prstGeom>
-          <a:noFill/>
-        </p:spPr>
-        <p:txBody>
-          <a:bodyPr wrap="square" rtlCol="0">
-            <a:spAutoFit/>
-          </a:bodyPr>
-          <a:lstStyle/>
-          <a:p>
-            <a:r>
-              <a:rPr lang="en-GB" sz="4000" b="1" dirty="0"/>
-              <a:t>Alice</a:t>
-            </a:r>
-          </a:p>
-        </p:txBody>
-      </p:sp>
-      <mc:AlternateContent xmlns:mc="http://schemas.openxmlformats.org/markup-compatibility/2006" xmlns:am3d="http://schemas.microsoft.com/office/drawing/2017/model3d">
-        <mc:Choice Requires="am3d">
-          <p:graphicFrame>
-            <p:nvGraphicFramePr>
-              <p:cNvPr id="4" name="Modelo 3D 3" descr="Sinal de Subtração Cinza-Escuro">
-                <a:extLst>
-                  <a:ext uri="{FF2B5EF4-FFF2-40B4-BE49-F238E27FC236}">
-                    <a16:creationId xmlns:a16="http://schemas.microsoft.com/office/drawing/2014/main" id="{17394390-C777-4ED1-9AB8-59C582B506AC}"/>
-                  </a:ext>
-                </a:extLst>
-              </p:cNvPr>
-              <p:cNvGraphicFramePr>
-                <a:graphicFrameLocks noChangeAspect="1"/>
-              </p:cNvGraphicFramePr>
-              <p:nvPr>
-                <p:extLst>
-                  <p:ext uri="{D42A27DB-BD31-4B8C-83A1-F6EECF244321}">
-                    <p14:modId xmlns:p14="http://schemas.microsoft.com/office/powerpoint/2010/main" val="3955178773"/>
-                  </p:ext>
-                </p:extLst>
-              </p:nvPr>
-            </p:nvGraphicFramePr>
-            <p:xfrm>
-              <a:off x="3355625" y="986643"/>
-              <a:ext cx="772852" cy="1477415"/>
-            </p:xfrm>
-            <a:graphic>
-              <a:graphicData uri="http://schemas.microsoft.com/office/drawing/2017/model3d">
-                <am3d:model3d r:embed="rId11">
-                  <am3d:spPr>
-                    <a:xfrm>
-                      <a:off x="0" y="0"/>
-                      <a:ext cx="772852" cy="1477415"/>
-                    </a:xfrm>
-                    <a:prstGeom prst="rect">
-                      <a:avLst/>
-                    </a:prstGeom>
-                  </am3d:spPr>
-                  <am3d:camera>
-                    <am3d:pos x="0" y="0" z="49021875"/>
-                    <am3d:up dx="0" dy="36000000" dz="0"/>
-                    <am3d:lookAt x="0" y="0" z="0"/>
-                    <am3d:perspective fov="2700000"/>
-                  </am3d:camera>
-                  <am3d:trans>
-                    <am3d:meterPerModelUnit n="4685389" d="1000000"/>
-                    <am3d:preTrans dx="-2441" dy="-23614363" dz="0"/>
-                    <am3d:scale>
-                      <am3d:sx n="1000000" d="1000000"/>
-                      <am3d:sy n="1000000" d="1000000"/>
-                      <am3d:sz n="1000000" d="1000000"/>
-                    </am3d:scale>
-                    <am3d:rot ax="5616986" ay="4619897" az="5622683"/>
-                    <am3d:postTrans dx="0" dy="0" dz="0"/>
-                  </am3d:trans>
-                  <am3d:raster rName="Office3DRenderer" rVer="16.0.8326">
-                    <am3d:blip r:embed="rId12"/>
-                  </am3d:raster>
-                  <am3d:objViewport viewportSz="2247116"/>
-                  <am3d:ambientLight>
-                    <am3d:clr>
-                      <a:scrgbClr r="50000" g="50000" b="50000"/>
-                    </am3d:clr>
-                    <am3d:illuminance n="500000" d="1000000"/>
-                  </am3d:ambientLight>
-                  <am3d:ptLight rad="0">
-                    <am3d:clr>
-                      <a:scrgbClr r="100000" g="75000" b="50000"/>
-                    </am3d:clr>
-                    <am3d:intensity n="9765625" d="1000000"/>
-                    <am3d:pos x="21959998" y="70920001" z="16344003"/>
-                  </am3d:ptLight>
-                  <am3d:ptLight rad="0">
-                    <am3d:clr>
-                      <a:scrgbClr r="40000" g="60000" b="95000"/>
-                    </am3d:clr>
-                    <am3d:intensity n="12250000" d="1000000"/>
-                    <am3d:pos x="-37964106" y="51130435" z="57631972"/>
-                  </am3d:ptLight>
-                  <am3d:ptLight rad="0">
-                    <am3d:clr>
-                      <a:scrgbClr r="86837" g="72700" b="100000"/>
-                    </am3d:clr>
-                    <am3d:intensity n="3125000" d="1000000"/>
-                    <am3d:pos x="-37739122" y="58056624" z="-34769649"/>
-                  </am3d:ptLight>
-                </am3d:model3d>
-              </a:graphicData>
-            </a:graphic>
-          </p:graphicFrame>
-        </mc:Choice>
-        <mc:Fallback xmlns="">
-          <p:pic>
-            <p:nvPicPr>
-              <p:cNvPr id="4" name="Modelo 3D 3" descr="Sinal de Subtração Cinza-Escuro">
-                <a:extLst>
-                  <a:ext uri="{FF2B5EF4-FFF2-40B4-BE49-F238E27FC236}">
-                    <a16:creationId xmlns:a16="http://schemas.microsoft.com/office/drawing/2014/main" id="{17394390-C777-4ED1-9AB8-59C582B506AC}"/>
-                  </a:ext>
-                </a:extLst>
-              </p:cNvPr>
-              <p:cNvPicPr>
-                <a:picLocks noGrp="1" noRot="1" noChangeAspect="1" noMove="1" noResize="1" noEditPoints="1" noAdjustHandles="1" noChangeArrowheads="1" noChangeShapeType="1" noCrop="1"/>
-              </p:cNvPicPr>
-              <p:nvPr/>
-            </p:nvPicPr>
-            <p:blipFill>
-              <a:blip r:embed="rId13"/>
-              <a:stretch>
-                <a:fillRect/>
-              </a:stretch>
-            </p:blipFill>
-            <p:spPr>
-              <a:xfrm>
-                <a:off x="3355625" y="986643"/>
-                <a:ext cx="772852" cy="1477415"/>
-              </a:xfrm>
-              <a:prstGeom prst="rect">
-                <a:avLst/>
-              </a:prstGeom>
-            </p:spPr>
-          </p:pic>
-        </mc:Fallback>
-      </mc:AlternateContent>
-      <p:sp>
-        <p:nvSpPr>
-          <p:cNvPr id="6" name="Retângulo 5">
-            <a:extLst>
-              <a:ext uri="{FF2B5EF4-FFF2-40B4-BE49-F238E27FC236}">
-                <a16:creationId xmlns:a16="http://schemas.microsoft.com/office/drawing/2014/main" id="{288296D0-1ADD-480A-B257-BD191BBBC133}"/>
-              </a:ext>
-            </a:extLst>
-          </p:cNvPr>
-          <p:cNvSpPr/>
-          <p:nvPr/>
-        </p:nvSpPr>
-        <p:spPr>
-          <a:xfrm>
-            <a:off x="231405" y="625596"/>
-            <a:ext cx="4760210" cy="2495524"/>
-          </a:xfrm>
-          <a:prstGeom prst="rect">
-            <a:avLst/>
-          </a:prstGeom>
-          <a:noFill/>
-          <a:ln w="9525" cap="flat" cmpd="sng" algn="ctr">
-            <a:solidFill>
-              <a:schemeClr val="dk1"/>
-            </a:solidFill>
-            <a:prstDash val="dashDot"/>
-            <a:round/>
-            <a:headEnd type="none" w="med" len="med"/>
-            <a:tailEnd type="none" w="med" len="med"/>
-          </a:ln>
-        </p:spPr>
-        <p:style>
-          <a:lnRef idx="0">
-            <a:scrgbClr r="0" g="0" b="0"/>
-          </a:lnRef>
-          <a:fillRef idx="0">
-            <a:scrgbClr r="0" g="0" b="0"/>
-          </a:fillRef>
-          <a:effectRef idx="0">
-            <a:scrgbClr r="0" g="0" b="0"/>
-          </a:effectRef>
-          <a:fontRef idx="minor">
-            <a:schemeClr val="dk1"/>
-          </a:fontRef>
-        </p:style>
-        <p:txBody>
-          <a:bodyPr rtlCol="0" anchor="ctr"/>
-          <a:lstStyle/>
-          <a:p>
-            <a:pPr algn="ctr"/>
-            <a:endParaRPr lang="en-GB"/>
-          </a:p>
-        </p:txBody>
-      </p:sp>
-      <p:sp>
-        <p:nvSpPr>
-          <p:cNvPr id="8" name="CaixaDeTexto 7">
-            <a:extLst>
-              <a:ext uri="{FF2B5EF4-FFF2-40B4-BE49-F238E27FC236}">
-                <a16:creationId xmlns:a16="http://schemas.microsoft.com/office/drawing/2014/main" id="{F8EB388F-02D6-454A-9776-8343503E7A32}"/>
-              </a:ext>
-            </a:extLst>
-          </p:cNvPr>
-          <p:cNvSpPr txBox="1"/>
-          <p:nvPr/>
-        </p:nvSpPr>
-        <p:spPr>
-          <a:xfrm>
-            <a:off x="1253877" y="2529461"/>
-            <a:ext cx="864334" cy="469528"/>
-          </a:xfrm>
-          <a:prstGeom prst="rect">
-            <a:avLst/>
-          </a:prstGeom>
-          <a:noFill/>
-        </p:spPr>
-        <p:txBody>
-          <a:bodyPr wrap="none" rtlCol="0">
-            <a:spAutoFit/>
-          </a:bodyPr>
-          <a:lstStyle/>
-          <a:p>
-            <a:r>
-              <a:rPr lang="en-GB" sz="3000" b="1" dirty="0"/>
-              <a:t>Laser</a:t>
-            </a:r>
-          </a:p>
-        </p:txBody>
-      </p:sp>
-      <p:sp>
-        <p:nvSpPr>
-          <p:cNvPr id="9" name="CaixaDeTexto 8">
-            <a:extLst>
-              <a:ext uri="{FF2B5EF4-FFF2-40B4-BE49-F238E27FC236}">
-                <a16:creationId xmlns:a16="http://schemas.microsoft.com/office/drawing/2014/main" id="{DEF70D08-4BAC-4F0A-903A-77D8C5D95E32}"/>
-              </a:ext>
-            </a:extLst>
-          </p:cNvPr>
-          <p:cNvSpPr txBox="1"/>
-          <p:nvPr/>
-        </p:nvSpPr>
-        <p:spPr>
-          <a:xfrm>
-            <a:off x="3137362" y="774593"/>
-            <a:ext cx="1171319" cy="599952"/>
-          </a:xfrm>
-          <a:prstGeom prst="rect">
-            <a:avLst/>
-          </a:prstGeom>
-          <a:noFill/>
-        </p:spPr>
-        <p:txBody>
-          <a:bodyPr wrap="none" rtlCol="0">
-            <a:spAutoFit/>
-          </a:bodyPr>
-          <a:lstStyle/>
-          <a:p>
-            <a:pPr algn="ctr"/>
-            <a:r>
-              <a:rPr lang="en-GB" sz="2000" b="1" dirty="0"/>
-              <a:t>Intensity</a:t>
-            </a:r>
-          </a:p>
-          <a:p>
-            <a:pPr algn="ctr"/>
-            <a:r>
-              <a:rPr lang="en-GB" sz="2000" b="1" dirty="0"/>
-              <a:t> Modulator</a:t>
-            </a:r>
-          </a:p>
-        </p:txBody>
-      </p:sp>
-      <mc:AlternateContent xmlns:mc="http://schemas.openxmlformats.org/markup-compatibility/2006" xmlns:am3d="http://schemas.microsoft.com/office/drawing/2017/model3d">
-        <mc:Choice Requires="am3d">
-          <p:graphicFrame>
-            <p:nvGraphicFramePr>
-              <p:cNvPr id="23" name="Modelo 3D 22" descr="Sinal de Subtração Cinza-Escuro">
-                <a:extLst>
-                  <a:ext uri="{FF2B5EF4-FFF2-40B4-BE49-F238E27FC236}">
-                    <a16:creationId xmlns:a16="http://schemas.microsoft.com/office/drawing/2014/main" id="{A86083B7-9870-411E-8ED4-E46E7DEB8FFB}"/>
-                  </a:ext>
-                </a:extLst>
-              </p:cNvPr>
-              <p:cNvGraphicFramePr>
-                <a:graphicFrameLocks noChangeAspect="1"/>
-              </p:cNvGraphicFramePr>
-              <p:nvPr>
-                <p:extLst>
-                  <p:ext uri="{D42A27DB-BD31-4B8C-83A1-F6EECF244321}">
-                    <p14:modId xmlns:p14="http://schemas.microsoft.com/office/powerpoint/2010/main" val="2452248977"/>
-                  </p:ext>
-                </p:extLst>
-              </p:nvPr>
-            </p:nvGraphicFramePr>
-            <p:xfrm rot="10800000">
-              <a:off x="4145123" y="1454859"/>
-              <a:ext cx="772852" cy="1477415"/>
-            </p:xfrm>
-            <a:graphic>
-              <a:graphicData uri="http://schemas.microsoft.com/office/drawing/2017/model3d">
-                <am3d:model3d r:embed="rId11">
-                  <am3d:spPr>
-                    <a:xfrm rot="10800000">
-                      <a:off x="0" y="0"/>
-                      <a:ext cx="772852" cy="1477415"/>
-                    </a:xfrm>
-                    <a:prstGeom prst="rect">
-                      <a:avLst/>
-                    </a:prstGeom>
-                  </am3d:spPr>
-                  <am3d:camera>
-                    <am3d:pos x="0" y="0" z="49021875"/>
-                    <am3d:up dx="0" dy="36000000" dz="0"/>
-                    <am3d:lookAt x="0" y="0" z="0"/>
-                    <am3d:perspective fov="2700000"/>
-                  </am3d:camera>
-                  <am3d:trans>
-                    <am3d:meterPerModelUnit n="4685389" d="1000000"/>
-                    <am3d:preTrans dx="-2441" dy="-23614363" dz="0"/>
-                    <am3d:scale>
-                      <am3d:sx n="1000000" d="1000000"/>
-                      <am3d:sy n="1000000" d="1000000"/>
-                      <am3d:sz n="1000000" d="1000000"/>
-                    </am3d:scale>
-                    <am3d:rot ax="5616986" ay="4619897" az="5622683"/>
-                    <am3d:postTrans dx="0" dy="0" dz="0"/>
-                  </am3d:trans>
-                  <am3d:raster rName="Office3DRenderer" rVer="16.0.8326">
-                    <am3d:blip r:embed="rId12"/>
-                  </am3d:raster>
-                  <am3d:objViewport viewportSz="2247116"/>
-                  <am3d:ambientLight>
-                    <am3d:clr>
-                      <a:scrgbClr r="50000" g="50000" b="50000"/>
-                    </am3d:clr>
-                    <am3d:illuminance n="500000" d="1000000"/>
-                  </am3d:ambientLight>
-                  <am3d:ptLight rad="0">
-                    <am3d:clr>
-                      <a:scrgbClr r="100000" g="75000" b="50000"/>
-                    </am3d:clr>
-                    <am3d:intensity n="9765625" d="1000000"/>
-                    <am3d:pos x="21959998" y="70920001" z="16344003"/>
-                  </am3d:ptLight>
-                  <am3d:ptLight rad="0">
-                    <am3d:clr>
-                      <a:scrgbClr r="40000" g="60000" b="95000"/>
-                    </am3d:clr>
-                    <am3d:intensity n="12250000" d="1000000"/>
-                    <am3d:pos x="-37964106" y="51130435" z="57631972"/>
-                  </am3d:ptLight>
-                  <am3d:ptLight rad="0">
-                    <am3d:clr>
-                      <a:scrgbClr r="86837" g="72700" b="100000"/>
-                    </am3d:clr>
-                    <am3d:intensity n="3125000" d="1000000"/>
-                    <am3d:pos x="-37739122" y="58056624" z="-34769649"/>
-                  </am3d:ptLight>
-                </am3d:model3d>
-              </a:graphicData>
-            </a:graphic>
-          </p:graphicFrame>
-        </mc:Choice>
-        <mc:Fallback xmlns="">
-          <p:pic>
-            <p:nvPicPr>
-              <p:cNvPr id="23" name="Modelo 3D 22" descr="Sinal de Subtração Cinza-Escuro">
-                <a:extLst>
-                  <a:ext uri="{FF2B5EF4-FFF2-40B4-BE49-F238E27FC236}">
-                    <a16:creationId xmlns:a16="http://schemas.microsoft.com/office/drawing/2014/main" id="{A86083B7-9870-411E-8ED4-E46E7DEB8FFB}"/>
-                  </a:ext>
-                </a:extLst>
-              </p:cNvPr>
-              <p:cNvPicPr>
-                <a:picLocks noGrp="1" noRot="1" noChangeAspect="1" noMove="1" noResize="1" noEditPoints="1" noAdjustHandles="1" noChangeArrowheads="1" noChangeShapeType="1" noCrop="1"/>
-              </p:cNvPicPr>
-              <p:nvPr/>
-            </p:nvPicPr>
-            <p:blipFill>
-              <a:blip r:embed="rId13"/>
-              <a:stretch>
-                <a:fillRect/>
-              </a:stretch>
-            </p:blipFill>
-            <p:spPr>
-              <a:xfrm rot="10800000">
-                <a:off x="4145123" y="1454859"/>
-                <a:ext cx="772852" cy="1477415"/>
-              </a:xfrm>
-              <a:prstGeom prst="rect">
-                <a:avLst/>
-              </a:prstGeom>
-            </p:spPr>
-          </p:pic>
-        </mc:Fallback>
-      </mc:AlternateContent>
-      <p:sp>
-        <p:nvSpPr>
-          <p:cNvPr id="30" name="CaixaDeTexto 29">
-            <a:extLst>
-              <a:ext uri="{FF2B5EF4-FFF2-40B4-BE49-F238E27FC236}">
-                <a16:creationId xmlns:a16="http://schemas.microsoft.com/office/drawing/2014/main" id="{D48968D9-AD54-4224-B7C7-C8C136D013FD}"/>
-              </a:ext>
-            </a:extLst>
-          </p:cNvPr>
-          <p:cNvSpPr txBox="1"/>
-          <p:nvPr/>
-        </p:nvSpPr>
-        <p:spPr>
-          <a:xfrm>
-            <a:off x="3851199" y="2521168"/>
-            <a:ext cx="1121976" cy="599952"/>
-          </a:xfrm>
-          <a:prstGeom prst="rect">
-            <a:avLst/>
-          </a:prstGeom>
-          <a:noFill/>
-        </p:spPr>
-        <p:txBody>
-          <a:bodyPr wrap="none" rtlCol="0">
-            <a:spAutoFit/>
-          </a:bodyPr>
-          <a:lstStyle/>
-          <a:p>
-            <a:pPr algn="ctr"/>
-            <a:r>
-              <a:rPr lang="en-GB" sz="2000" b="1" dirty="0"/>
-              <a:t>Optical</a:t>
-            </a:r>
-          </a:p>
-          <a:p>
-            <a:pPr algn="ctr"/>
-            <a:r>
-              <a:rPr lang="en-GB" sz="2000" b="1" dirty="0"/>
-              <a:t>attenuator</a:t>
-            </a:r>
-          </a:p>
-        </p:txBody>
-      </p:sp>
-      <mc:AlternateContent xmlns:mc="http://schemas.openxmlformats.org/markup-compatibility/2006" xmlns:am3d="http://schemas.microsoft.com/office/drawing/2017/model3d">
-        <mc:Choice Requires="am3d">
-          <p:graphicFrame>
-            <p:nvGraphicFramePr>
-              <p:cNvPr id="31" name="Modelo 3D 30" descr="Cuboide Cinza-Escuro">
-                <a:extLst>
-                  <a:ext uri="{FF2B5EF4-FFF2-40B4-BE49-F238E27FC236}">
-                    <a16:creationId xmlns:a16="http://schemas.microsoft.com/office/drawing/2014/main" id="{2E87438E-8104-4531-A250-4AF38326EE6B}"/>
-                  </a:ext>
-                </a:extLst>
-              </p:cNvPr>
-              <p:cNvGraphicFramePr>
-                <a:graphicFrameLocks noChangeAspect="1"/>
-              </p:cNvGraphicFramePr>
-              <p:nvPr>
-                <p:extLst>
-                  <p:ext uri="{D42A27DB-BD31-4B8C-83A1-F6EECF244321}">
-                    <p14:modId xmlns:p14="http://schemas.microsoft.com/office/powerpoint/2010/main" val="526895868"/>
-                  </p:ext>
-                </p:extLst>
-              </p:nvPr>
-            </p:nvGraphicFramePr>
-            <p:xfrm>
-              <a:off x="-684139" y="988129"/>
-              <a:ext cx="4740368" cy="1475930"/>
-            </p:xfrm>
-            <a:graphic>
-              <a:graphicData uri="http://schemas.microsoft.com/office/drawing/2017/model3d">
-                <am3d:model3d r:embed="rId2">
-                  <am3d:spPr>
-                    <a:xfrm>
-                      <a:off x="0" y="0"/>
-                      <a:ext cx="4740368" cy="1475930"/>
-                    </a:xfrm>
-                    <a:prstGeom prst="rect">
-                      <a:avLst/>
-                    </a:prstGeom>
-                  </am3d:spPr>
-                  <am3d:camera>
-                    <am3d:pos x="0" y="0" z="57664451"/>
-                    <am3d:up dx="0" dy="36000000" dz="0"/>
-                    <am3d:lookAt x="0" y="0" z="0"/>
-                    <am3d:perspective fov="2700000"/>
-                  </am3d:camera>
-                  <am3d:trans>
-                    <am3d:meterPerModelUnit n="4361393" d="1000000"/>
-                    <am3d:preTrans dx="0" dy="-6493603" dz="0"/>
-                    <am3d:scale>
-                      <am3d:sx n="1000000" d="1000000"/>
-                      <am3d:sy n="1000000" d="1000000"/>
-                      <am3d:sz n="1000000" d="1000000"/>
-                    </am3d:scale>
-                    <am3d:rot ax="5400000" ay="18000000" az="16200000"/>
-                    <am3d:postTrans dx="0" dy="0" dz="0"/>
-                  </am3d:trans>
-                  <am3d:raster rName="Office3DRenderer" rVer="16.0.8326">
-                    <am3d:blip r:embed="rId14"/>
-                  </am3d:raster>
-                  <am3d:objViewport viewportSz="2825721"/>
-                  <am3d:ambientLight>
-                    <am3d:clr>
-                      <a:scrgbClr r="50000" g="50000" b="50000"/>
-                    </am3d:clr>
-                    <am3d:illuminance n="500000" d="1000000"/>
-                  </am3d:ambientLight>
-                  <am3d:ptLight rad="0">
-                    <am3d:clr>
-                      <a:scrgbClr r="100000" g="75000" b="50000"/>
-                    </am3d:clr>
-                    <am3d:intensity n="9765625" d="1000000"/>
-                    <am3d:pos x="21959998" y="70920001" z="16344003"/>
-                  </am3d:ptLight>
-                  <am3d:ptLight rad="0">
-                    <am3d:clr>
-                      <a:scrgbClr r="40000" g="60000" b="95000"/>
-                    </am3d:clr>
-                    <am3d:intensity n="12250000" d="1000000"/>
-                    <am3d:pos x="-37964106" y="51130435" z="57631972"/>
-                  </am3d:ptLight>
-                  <am3d:ptLight rad="0">
-                    <am3d:clr>
-                      <a:scrgbClr r="86837" g="72700" b="100000"/>
-                    </am3d:clr>
-                    <am3d:intensity n="3125000" d="1000000"/>
-                    <am3d:pos x="-37739122" y="58056624" z="-34769649"/>
-                  </am3d:ptLight>
-                </am3d:model3d>
-              </a:graphicData>
-            </a:graphic>
-          </p:graphicFrame>
-        </mc:Choice>
-        <mc:Fallback xmlns="">
-          <p:pic>
-            <p:nvPicPr>
-              <p:cNvPr id="31" name="Modelo 3D 30" descr="Cuboide Cinza-Escuro">
-                <a:extLst>
-                  <a:ext uri="{FF2B5EF4-FFF2-40B4-BE49-F238E27FC236}">
-                    <a16:creationId xmlns:a16="http://schemas.microsoft.com/office/drawing/2014/main" id="{2E87438E-8104-4531-A250-4AF38326EE6B}"/>
-                  </a:ext>
-                </a:extLst>
-              </p:cNvPr>
-              <p:cNvPicPr>
-                <a:picLocks noGrp="1" noRot="1" noChangeAspect="1" noMove="1" noResize="1" noEditPoints="1" noAdjustHandles="1" noChangeArrowheads="1" noChangeShapeType="1" noCrop="1"/>
-              </p:cNvPicPr>
-              <p:nvPr/>
-            </p:nvPicPr>
-            <p:blipFill>
-              <a:blip r:embed="rId15"/>
-              <a:stretch>
-                <a:fillRect/>
-              </a:stretch>
-            </p:blipFill>
-            <p:spPr>
-              <a:xfrm>
-                <a:off x="-684139" y="988129"/>
-                <a:ext cx="4740368" cy="1475930"/>
-              </a:xfrm>
-              <a:prstGeom prst="rect">
-                <a:avLst/>
-              </a:prstGeom>
-            </p:spPr>
-          </p:pic>
-        </mc:Fallback>
-      </mc:AlternateContent>
-      <p:sp>
-        <p:nvSpPr>
-          <p:cNvPr id="34" name="Retângulo 33">
-            <a:extLst>
-              <a:ext uri="{FF2B5EF4-FFF2-40B4-BE49-F238E27FC236}">
-                <a16:creationId xmlns:a16="http://schemas.microsoft.com/office/drawing/2014/main" id="{C7B427C1-AA3E-4D7F-82BD-08217BE44898}"/>
-              </a:ext>
-            </a:extLst>
-          </p:cNvPr>
-          <p:cNvSpPr/>
-          <p:nvPr/>
-        </p:nvSpPr>
-        <p:spPr>
-          <a:xfrm>
-            <a:off x="5087070" y="627823"/>
-            <a:ext cx="2838984" cy="3468759"/>
-          </a:xfrm>
-          <a:prstGeom prst="rect">
-            <a:avLst/>
-          </a:prstGeom>
-          <a:noFill/>
-          <a:ln w="9525" cap="flat" cmpd="sng" algn="ctr">
-            <a:solidFill>
-              <a:schemeClr val="dk1"/>
-            </a:solidFill>
-            <a:prstDash val="dashDot"/>
-            <a:round/>
-            <a:headEnd type="none" w="med" len="med"/>
-            <a:tailEnd type="none" w="med" len="med"/>
-          </a:ln>
-        </p:spPr>
-        <p:style>
-          <a:lnRef idx="0">
-            <a:scrgbClr r="0" g="0" b="0"/>
-          </a:lnRef>
-          <a:fillRef idx="0">
-            <a:scrgbClr r="0" g="0" b="0"/>
-          </a:fillRef>
-          <a:effectRef idx="0">
-            <a:scrgbClr r="0" g="0" b="0"/>
-          </a:effectRef>
-          <a:fontRef idx="minor">
-            <a:schemeClr val="dk1"/>
-          </a:fontRef>
-        </p:style>
-        <p:txBody>
-          <a:bodyPr rtlCol="0" anchor="ctr"/>
-          <a:lstStyle/>
-          <a:p>
-            <a:pPr algn="ctr"/>
-            <a:endParaRPr lang="en-GB"/>
-          </a:p>
-        </p:txBody>
-      </p:sp>
-      <p:sp>
-        <p:nvSpPr>
-          <p:cNvPr id="35" name="CaixaDeTexto 34">
-            <a:extLst>
-              <a:ext uri="{FF2B5EF4-FFF2-40B4-BE49-F238E27FC236}">
-                <a16:creationId xmlns:a16="http://schemas.microsoft.com/office/drawing/2014/main" id="{B1359ED9-726E-4E71-97A9-AB853C8A7F93}"/>
-              </a:ext>
-            </a:extLst>
-          </p:cNvPr>
-          <p:cNvSpPr txBox="1"/>
-          <p:nvPr/>
-        </p:nvSpPr>
-        <p:spPr>
-          <a:xfrm>
-            <a:off x="5042766" y="547424"/>
-            <a:ext cx="1851102" cy="707886"/>
-          </a:xfrm>
-          <a:prstGeom prst="rect">
-            <a:avLst/>
-          </a:prstGeom>
-          <a:noFill/>
-        </p:spPr>
-        <p:txBody>
-          <a:bodyPr wrap="square" rtlCol="0">
-            <a:spAutoFit/>
-          </a:bodyPr>
-          <a:lstStyle/>
-          <a:p>
-            <a:r>
-              <a:rPr lang="en-GB" sz="4000" b="1" dirty="0"/>
-              <a:t>Eve</a:t>
-            </a:r>
-          </a:p>
-        </p:txBody>
-      </p:sp>
-      <p:cxnSp>
-        <p:nvCxnSpPr>
-          <p:cNvPr id="38" name="Conexão reta 37">
-            <a:extLst>
-              <a:ext uri="{FF2B5EF4-FFF2-40B4-BE49-F238E27FC236}">
-                <a16:creationId xmlns:a16="http://schemas.microsoft.com/office/drawing/2014/main" id="{0979CA32-DE39-4028-B2EF-5B4B8E4ED9EB}"/>
-              </a:ext>
-            </a:extLst>
-          </p:cNvPr>
-          <p:cNvCxnSpPr>
-            <a:cxnSpLocks/>
-          </p:cNvCxnSpPr>
-          <p:nvPr/>
-        </p:nvCxnSpPr>
-        <p:spPr>
-          <a:xfrm flipV="1">
-            <a:off x="7423508" y="2884130"/>
-            <a:ext cx="3514615" cy="16636"/>
-          </a:xfrm>
-          <a:prstGeom prst="line">
-            <a:avLst/>
-          </a:prstGeom>
-          <a:ln w="127000" cap="rnd">
-            <a:gradFill flip="none" rotWithShape="1">
-              <a:gsLst>
-                <a:gs pos="72000">
-                  <a:schemeClr val="accent1"/>
-                </a:gs>
-                <a:gs pos="25000">
-                  <a:schemeClr val="accent4"/>
-                </a:gs>
-              </a:gsLst>
-              <a:path path="circle">
-                <a:fillToRect l="100000" t="100000"/>
-              </a:path>
-              <a:tileRect r="-100000" b="-100000"/>
-            </a:gradFill>
-          </a:ln>
-        </p:spPr>
-        <p:style>
-          <a:lnRef idx="3">
-            <a:schemeClr val="accent4"/>
-          </a:lnRef>
-          <a:fillRef idx="0">
-            <a:schemeClr val="accent4"/>
-          </a:fillRef>
-          <a:effectRef idx="2">
-            <a:schemeClr val="accent4"/>
-          </a:effectRef>
-          <a:fontRef idx="minor">
-            <a:schemeClr val="tx1"/>
-          </a:fontRef>
-        </p:style>
-      </p:cxnSp>
-      <mc:AlternateContent xmlns:mc="http://schemas.openxmlformats.org/markup-compatibility/2006" xmlns:am3d="http://schemas.microsoft.com/office/drawing/2017/model3d">
-        <mc:Choice Requires="am3d">
-          <p:graphicFrame>
-            <p:nvGraphicFramePr>
-              <p:cNvPr id="37" name="Modelo 3D 36" descr="Cubo Cinza-Claro">
-                <a:extLst>
-                  <a:ext uri="{FF2B5EF4-FFF2-40B4-BE49-F238E27FC236}">
-                    <a16:creationId xmlns:a16="http://schemas.microsoft.com/office/drawing/2014/main" id="{05DFF492-3DE8-4800-9138-F5FBE51B0DF9}"/>
-                  </a:ext>
-                </a:extLst>
-              </p:cNvPr>
-              <p:cNvGraphicFramePr>
-                <a:graphicFrameLocks noChangeAspect="1"/>
-              </p:cNvGraphicFramePr>
-              <p:nvPr>
-                <p:extLst>
-                  <p:ext uri="{D42A27DB-BD31-4B8C-83A1-F6EECF244321}">
-                    <p14:modId xmlns:p14="http://schemas.microsoft.com/office/powerpoint/2010/main" val="3541558110"/>
-                  </p:ext>
-                </p:extLst>
-              </p:nvPr>
-            </p:nvGraphicFramePr>
-            <p:xfrm>
-              <a:off x="6897275" y="2392237"/>
-              <a:ext cx="755335" cy="783778"/>
-            </p:xfrm>
-            <a:graphic>
-              <a:graphicData uri="http://schemas.microsoft.com/office/drawing/2017/model3d">
-                <am3d:model3d r:embed="rId16">
-                  <am3d:spPr>
-                    <a:xfrm>
-                      <a:off x="0" y="0"/>
-                      <a:ext cx="755335" cy="783778"/>
-                    </a:xfrm>
-                    <a:prstGeom prst="rect">
-                      <a:avLst/>
-                    </a:prstGeom>
-                  </am3d:spPr>
-                  <am3d:camera>
-                    <am3d:pos x="0" y="0" z="81469193"/>
-                    <am3d:up dx="0" dy="36000000" dz="0"/>
-                    <am3d:lookAt x="0" y="0" z="0"/>
-                    <am3d:perspective fov="2700000"/>
-                  </am3d:camera>
-                  <am3d:trans>
-                    <am3d:meterPerModelUnit n="7140529" d="1000000"/>
-                    <am3d:preTrans dx="0" dy="-17999995" dz="5866"/>
-                    <am3d:scale>
-                      <am3d:sx n="1000000" d="1000000"/>
-                      <am3d:sy n="1000000" d="1000000"/>
-                      <am3d:sz n="1000000" d="1000000"/>
-                    </am3d:scale>
-                    <am3d:rot ax="5400000" ay="3600000" az="5400000"/>
-                    <am3d:postTrans dx="0" dy="0" dz="0"/>
-                  </am3d:trans>
-                  <am3d:attrSrcUrl r:id="rId17"/>
-                  <am3d:raster rName="Office3DRenderer" rVer="16.0.8326">
-                    <am3d:blip r:embed="rId18"/>
-                  </am3d:raster>
-                  <am3d:objViewport viewportSz="988681"/>
-                  <am3d:ambientLight>
-                    <am3d:clr>
-                      <a:scrgbClr r="50000" g="50000" b="50000"/>
-                    </am3d:clr>
-                    <am3d:illuminance n="500000" d="1000000"/>
-                  </am3d:ambientLight>
-                  <am3d:ptLight rad="0">
-                    <am3d:clr>
-                      <a:scrgbClr r="100000" g="75000" b="50000"/>
-                    </am3d:clr>
-                    <am3d:intensity n="9765625" d="1000000"/>
-                    <am3d:pos x="21959998" y="70920001" z="16344003"/>
-                  </am3d:ptLight>
-                  <am3d:ptLight rad="0">
-                    <am3d:clr>
-                      <a:scrgbClr r="40000" g="60000" b="95000"/>
-                    </am3d:clr>
-                    <am3d:intensity n="12250000" d="1000000"/>
-                    <am3d:pos x="-37964106" y="51130435" z="57631972"/>
-                  </am3d:ptLight>
-                  <am3d:ptLight rad="0">
-                    <am3d:clr>
-                      <a:scrgbClr r="86837" g="72700" b="100000"/>
-                    </am3d:clr>
-                    <am3d:intensity n="3125000" d="1000000"/>
-                    <am3d:pos x="-37739122" y="58056624" z="-34769649"/>
-                  </am3d:ptLight>
-                </am3d:model3d>
-              </a:graphicData>
-            </a:graphic>
-          </p:graphicFrame>
-        </mc:Choice>
-        <mc:Fallback xmlns="">
-          <p:pic>
-            <p:nvPicPr>
-              <p:cNvPr id="37" name="Modelo 3D 36" descr="Cubo Cinza-Claro">
-                <a:extLst>
-                  <a:ext uri="{FF2B5EF4-FFF2-40B4-BE49-F238E27FC236}">
-                    <a16:creationId xmlns:a16="http://schemas.microsoft.com/office/drawing/2014/main" id="{05DFF492-3DE8-4800-9138-F5FBE51B0DF9}"/>
-                  </a:ext>
-                </a:extLst>
-              </p:cNvPr>
-              <p:cNvPicPr>
-                <a:picLocks noGrp="1" noRot="1" noChangeAspect="1" noMove="1" noResize="1" noEditPoints="1" noAdjustHandles="1" noChangeArrowheads="1" noChangeShapeType="1" noCrop="1"/>
-              </p:cNvPicPr>
-              <p:nvPr/>
-            </p:nvPicPr>
-            <p:blipFill>
-              <a:blip r:embed="rId19"/>
-              <a:stretch>
-                <a:fillRect/>
-              </a:stretch>
-            </p:blipFill>
-            <p:spPr>
-              <a:xfrm>
-                <a:off x="6897275" y="2392237"/>
-                <a:ext cx="755335" cy="783778"/>
-              </a:xfrm>
-              <a:prstGeom prst="rect">
-                <a:avLst/>
-              </a:prstGeom>
-            </p:spPr>
-          </p:pic>
-        </mc:Fallback>
-      </mc:AlternateContent>
-      <p:grpSp>
-        <p:nvGrpSpPr>
-          <p:cNvPr id="44" name="Agrupar 43">
-            <a:extLst>
-              <a:ext uri="{FF2B5EF4-FFF2-40B4-BE49-F238E27FC236}">
-                <a16:creationId xmlns:a16="http://schemas.microsoft.com/office/drawing/2014/main" id="{B5EA5C74-1731-4DDF-BD65-1A6EC73B96BA}"/>
-              </a:ext>
-            </a:extLst>
-          </p:cNvPr>
-          <p:cNvGrpSpPr/>
-          <p:nvPr/>
-        </p:nvGrpSpPr>
-        <p:grpSpPr>
-          <a:xfrm rot="5400000">
-            <a:off x="5293957" y="2964297"/>
-            <a:ext cx="976368" cy="1108906"/>
-            <a:chOff x="5495416" y="3633754"/>
-            <a:chExt cx="976368" cy="1108906"/>
-          </a:xfrm>
-        </p:grpSpPr>
-        <mc:AlternateContent xmlns:mc="http://schemas.openxmlformats.org/markup-compatibility/2006" xmlns:am3d="http://schemas.microsoft.com/office/drawing/2017/model3d">
-          <mc:Choice Requires="am3d">
-            <p:graphicFrame>
-              <p:nvGraphicFramePr>
-                <p:cNvPr id="39" name="Modelo 3D 38" descr="Hemisfério Cinza-Claro">
-                  <a:extLst>
-                    <a:ext uri="{FF2B5EF4-FFF2-40B4-BE49-F238E27FC236}">
-                      <a16:creationId xmlns:a16="http://schemas.microsoft.com/office/drawing/2014/main" id="{4EE6D1D1-05AA-4F8E-AA59-22E56048D0F6}"/>
-                    </a:ext>
-                  </a:extLst>
-                </p:cNvPr>
-                <p:cNvGraphicFramePr>
-                  <a:graphicFrameLocks noChangeAspect="1"/>
-                </p:cNvGraphicFramePr>
-                <p:nvPr>
-                  <p:extLst>
-                    <p:ext uri="{D42A27DB-BD31-4B8C-83A1-F6EECF244321}">
-                      <p14:modId xmlns:p14="http://schemas.microsoft.com/office/powerpoint/2010/main" val="3118725398"/>
-                    </p:ext>
-                  </p:extLst>
-                </p:nvPr>
-              </p:nvGraphicFramePr>
-              <p:xfrm rot="5400000">
-                <a:off x="5767180" y="4038056"/>
-                <a:ext cx="895038" cy="514170"/>
-              </p:xfrm>
-              <a:graphic>
-                <a:graphicData uri="http://schemas.microsoft.com/office/drawing/2017/model3d">
-                  <am3d:model3d r:embed="rId20">
-                    <am3d:spPr>
-                      <a:xfrm rot="10800000">
-                        <a:off x="0" y="0"/>
-                        <a:ext cx="895038" cy="514170"/>
-                      </a:xfrm>
-                      <a:prstGeom prst="rect">
-                        <a:avLst/>
-                      </a:prstGeom>
-                    </am3d:spPr>
-                    <am3d:camera>
-                      <am3d:pos x="0" y="0" z="70522459"/>
-                      <am3d:up dx="0" dy="36000000" dz="0"/>
-                      <am3d:lookAt x="0" y="0" z="0"/>
-                      <am3d:perspective fov="2700000"/>
-                    </am3d:camera>
-                    <am3d:trans>
-                      <am3d:meterPerModelUnit n="6553073" d="1000000"/>
-                      <am3d:preTrans dx="9" dy="-8999683" dz="-344461"/>
-                      <am3d:scale>
-                        <am3d:sx n="1000000" d="1000000"/>
-                        <am3d:sy n="1000000" d="1000000"/>
-                        <am3d:sz n="1000000" d="1000000"/>
-                      </am3d:scale>
-                      <am3d:rot ax="-1200001"/>
-                      <am3d:postTrans dx="0" dy="0" dz="0"/>
-                    </am3d:trans>
-                    <am3d:attrSrcUrl r:id="rId21"/>
-                    <am3d:raster rName="Office3DRenderer" rVer="16.0.8326">
-                      <am3d:blip r:embed="rId22"/>
-                    </am3d:raster>
-                    <am3d:objViewport viewportSz="1218773"/>
-                    <am3d:ambientLight>
-                      <am3d:clr>
-                        <a:scrgbClr r="50000" g="50000" b="50000"/>
-                      </am3d:clr>
-                      <am3d:illuminance n="500000" d="1000000"/>
-                    </am3d:ambientLight>
-                    <am3d:ptLight rad="0">
-                      <am3d:clr>
-                        <a:scrgbClr r="100000" g="75000" b="50000"/>
-                      </am3d:clr>
-                      <am3d:intensity n="9765625" d="1000000"/>
-                      <am3d:pos x="21959998" y="70920001" z="16344003"/>
-                    </am3d:ptLight>
-                    <am3d:ptLight rad="0">
-                      <am3d:clr>
-                        <a:scrgbClr r="40000" g="60000" b="95000"/>
-                      </am3d:clr>
-                      <am3d:intensity n="12250000" d="1000000"/>
-                      <am3d:pos x="-37964106" y="51130435" z="57631972"/>
-                    </am3d:ptLight>
-                    <am3d:ptLight rad="0">
-                      <am3d:clr>
-                        <a:scrgbClr r="86837" g="72700" b="100000"/>
-                      </am3d:clr>
-                      <am3d:intensity n="3125000" d="1000000"/>
-                      <am3d:pos x="-37739122" y="58056624" z="-34769649"/>
-                    </am3d:ptLight>
-                  </am3d:model3d>
-                </a:graphicData>
-              </a:graphic>
-            </p:graphicFrame>
-          </mc:Choice>
-          <mc:Fallback xmlns="">
-            <p:pic>
-              <p:nvPicPr>
-                <p:cNvPr id="39" name="Modelo 3D 38" descr="Hemisfério Cinza-Claro">
-                  <a:extLst>
-                    <a:ext uri="{FF2B5EF4-FFF2-40B4-BE49-F238E27FC236}">
-                      <a16:creationId xmlns:a16="http://schemas.microsoft.com/office/drawing/2014/main" id="{4EE6D1D1-05AA-4F8E-AA59-22E56048D0F6}"/>
-                    </a:ext>
-                  </a:extLst>
-                </p:cNvPr>
-                <p:cNvPicPr>
-                  <a:picLocks noGrp="1" noRot="1" noChangeAspect="1" noMove="1" noResize="1" noEditPoints="1" noAdjustHandles="1" noChangeArrowheads="1" noChangeShapeType="1" noCrop="1"/>
-                </p:cNvPicPr>
-                <p:nvPr/>
-              </p:nvPicPr>
-              <p:blipFill>
-                <a:blip r:embed="rId23"/>
-                <a:stretch>
-                  <a:fillRect/>
-                </a:stretch>
-              </p:blipFill>
-              <p:spPr>
-                <a:xfrm rot="10800000">
-                  <a:off x="5227688" y="3492764"/>
-                  <a:ext cx="895038" cy="514170"/>
-                </a:xfrm>
-                <a:prstGeom prst="rect">
-                  <a:avLst/>
-                </a:prstGeom>
-              </p:spPr>
-            </p:pic>
-          </mc:Fallback>
-        </mc:AlternateContent>
-        <p:sp>
-          <p:nvSpPr>
-            <p:cNvPr id="40" name="CaixaDeTexto 39">
-              <a:extLst>
-                <a:ext uri="{FF2B5EF4-FFF2-40B4-BE49-F238E27FC236}">
-                  <a16:creationId xmlns:a16="http://schemas.microsoft.com/office/drawing/2014/main" id="{3625E605-022F-4E64-8D55-0692091764C3}"/>
-                </a:ext>
-              </a:extLst>
-            </p:cNvPr>
-            <p:cNvSpPr txBox="1"/>
-            <p:nvPr/>
-          </p:nvSpPr>
-          <p:spPr>
-            <a:xfrm rot="16200000">
-              <a:off x="5431616" y="3697554"/>
-              <a:ext cx="681597" cy="553998"/>
-            </a:xfrm>
-            <a:prstGeom prst="rect">
-              <a:avLst/>
-            </a:prstGeom>
-            <a:noFill/>
-          </p:spPr>
-          <p:txBody>
-            <a:bodyPr wrap="none" rtlCol="0">
-              <a:spAutoFit/>
-            </a:bodyPr>
-            <a:lstStyle/>
-            <a:p>
-              <a:r>
-                <a:rPr lang="en-GB" sz="3000" b="1" dirty="0"/>
-                <a:t>D</a:t>
-              </a:r>
-              <a:r>
-                <a:rPr lang="en-GB" sz="3000" b="1" baseline="-25000" dirty="0"/>
-                <a:t>E1</a:t>
-              </a:r>
-            </a:p>
-          </p:txBody>
-        </p:sp>
-      </p:grpSp>
-      <p:cxnSp>
-        <p:nvCxnSpPr>
-          <p:cNvPr id="43" name="Conexão reta 42">
-            <a:extLst>
-              <a:ext uri="{FF2B5EF4-FFF2-40B4-BE49-F238E27FC236}">
-                <a16:creationId xmlns:a16="http://schemas.microsoft.com/office/drawing/2014/main" id="{44866C23-0BC0-462A-B18E-6D94A66FE046}"/>
-              </a:ext>
-            </a:extLst>
-          </p:cNvPr>
-          <p:cNvCxnSpPr>
-            <a:cxnSpLocks/>
-          </p:cNvCxnSpPr>
-          <p:nvPr/>
-        </p:nvCxnSpPr>
-        <p:spPr>
-          <a:xfrm>
-            <a:off x="5647310" y="2085737"/>
-            <a:ext cx="14339" cy="1493410"/>
-          </a:xfrm>
-          <a:prstGeom prst="line">
-            <a:avLst/>
-          </a:prstGeom>
-          <a:ln w="127000" cap="rnd">
-            <a:solidFill>
-              <a:schemeClr val="accent4"/>
-            </a:solidFill>
-            <a:round/>
-          </a:ln>
-        </p:spPr>
-        <p:style>
-          <a:lnRef idx="1">
-            <a:schemeClr val="accent1"/>
-          </a:lnRef>
-          <a:fillRef idx="0">
-            <a:schemeClr val="accent1"/>
-          </a:fillRef>
-          <a:effectRef idx="0">
-            <a:schemeClr val="accent1"/>
-          </a:effectRef>
-          <a:fontRef idx="minor">
-            <a:schemeClr val="tx1"/>
-          </a:fontRef>
-        </p:style>
-      </p:cxnSp>
-      <p:cxnSp>
-        <p:nvCxnSpPr>
-          <p:cNvPr id="53" name="Conexão reta 52">
-            <a:extLst>
-              <a:ext uri="{FF2B5EF4-FFF2-40B4-BE49-F238E27FC236}">
-                <a16:creationId xmlns:a16="http://schemas.microsoft.com/office/drawing/2014/main" id="{7C62B862-D743-47EF-B776-3F5771242692}"/>
-              </a:ext>
-            </a:extLst>
-          </p:cNvPr>
-          <p:cNvCxnSpPr/>
-          <p:nvPr/>
-        </p:nvCxnSpPr>
-        <p:spPr>
-          <a:xfrm>
-            <a:off x="5520422" y="1876371"/>
-            <a:ext cx="355600" cy="416404"/>
-          </a:xfrm>
-          <a:prstGeom prst="line">
-            <a:avLst/>
-          </a:prstGeom>
-          <a:ln w="63500">
-            <a:solidFill>
-              <a:schemeClr val="tx1"/>
-            </a:solidFill>
-          </a:ln>
-        </p:spPr>
-        <p:style>
-          <a:lnRef idx="1">
-            <a:schemeClr val="accent1"/>
-          </a:lnRef>
-          <a:fillRef idx="0">
-            <a:schemeClr val="accent1"/>
-          </a:fillRef>
-          <a:effectRef idx="0">
-            <a:schemeClr val="accent1"/>
-          </a:effectRef>
-          <a:fontRef idx="minor">
-            <a:schemeClr val="tx1"/>
-          </a:fontRef>
-        </p:style>
-      </p:cxnSp>
-      <p:sp>
-        <p:nvSpPr>
-          <p:cNvPr id="55" name="CaixaDeTexto 54">
-            <a:extLst>
-              <a:ext uri="{FF2B5EF4-FFF2-40B4-BE49-F238E27FC236}">
-                <a16:creationId xmlns:a16="http://schemas.microsoft.com/office/drawing/2014/main" id="{63414DD4-09D4-4742-927D-1B1BCC5BB9D9}"/>
-              </a:ext>
-            </a:extLst>
-          </p:cNvPr>
-          <p:cNvSpPr txBox="1"/>
-          <p:nvPr/>
-        </p:nvSpPr>
-        <p:spPr>
-          <a:xfrm>
-            <a:off x="5597787" y="1498306"/>
-            <a:ext cx="442750" cy="553998"/>
-          </a:xfrm>
-          <a:prstGeom prst="rect">
-            <a:avLst/>
-          </a:prstGeom>
-          <a:noFill/>
-        </p:spPr>
-        <p:txBody>
-          <a:bodyPr wrap="none" rtlCol="0">
-            <a:spAutoFit/>
-          </a:bodyPr>
-          <a:lstStyle/>
-          <a:p>
-            <a:r>
-              <a:rPr lang="en-GB" sz="3000" b="1" dirty="0" err="1"/>
-              <a:t>t</a:t>
-            </a:r>
-            <a:r>
-              <a:rPr lang="en-GB" sz="3000" b="1" baseline="-25000" dirty="0" err="1"/>
-              <a:t>E</a:t>
-            </a:r>
-            <a:endParaRPr lang="en-GB" sz="3000" b="1" baseline="-25000" dirty="0"/>
-          </a:p>
-        </p:txBody>
-      </p:sp>
-      <p:sp>
-        <p:nvSpPr>
-          <p:cNvPr id="56" name="CaixaDeTexto 55">
-            <a:extLst>
-              <a:ext uri="{FF2B5EF4-FFF2-40B4-BE49-F238E27FC236}">
-                <a16:creationId xmlns:a16="http://schemas.microsoft.com/office/drawing/2014/main" id="{21C253AF-A4CA-41CF-B694-64FECFA8EC5F}"/>
-              </a:ext>
-            </a:extLst>
-          </p:cNvPr>
-          <p:cNvSpPr txBox="1"/>
-          <p:nvPr/>
-        </p:nvSpPr>
-        <p:spPr>
-          <a:xfrm>
-            <a:off x="5154109" y="2312618"/>
-            <a:ext cx="755335" cy="553998"/>
-          </a:xfrm>
-          <a:prstGeom prst="rect">
-            <a:avLst/>
-          </a:prstGeom>
-          <a:noFill/>
-        </p:spPr>
-        <p:txBody>
-          <a:bodyPr wrap="none" rtlCol="0">
-            <a:spAutoFit/>
-          </a:bodyPr>
-          <a:lstStyle/>
-          <a:p>
-            <a:r>
-              <a:rPr lang="en-GB" sz="3000" b="1" dirty="0"/>
-              <a:t>1-t</a:t>
-            </a:r>
-            <a:r>
-              <a:rPr lang="en-GB" sz="3000" b="1" baseline="-25000" dirty="0"/>
-              <a:t>E</a:t>
-            </a:r>
-          </a:p>
-        </p:txBody>
-      </p:sp>
-      <p:grpSp>
-        <p:nvGrpSpPr>
-          <p:cNvPr id="60" name="Agrupar 59">
-            <a:extLst>
-              <a:ext uri="{FF2B5EF4-FFF2-40B4-BE49-F238E27FC236}">
-                <a16:creationId xmlns:a16="http://schemas.microsoft.com/office/drawing/2014/main" id="{95F85D47-9E2E-4EB0-AA94-BBD927BEB694}"/>
-              </a:ext>
-            </a:extLst>
-          </p:cNvPr>
-          <p:cNvGrpSpPr/>
-          <p:nvPr/>
-        </p:nvGrpSpPr>
-        <p:grpSpPr>
-          <a:xfrm rot="5400000">
-            <a:off x="6340397" y="1515277"/>
-            <a:ext cx="1166803" cy="918471"/>
-            <a:chOff x="5495416" y="3633755"/>
-            <a:chExt cx="1166803" cy="918471"/>
-          </a:xfrm>
-        </p:grpSpPr>
-        <mc:AlternateContent xmlns:mc="http://schemas.openxmlformats.org/markup-compatibility/2006" xmlns:am3d="http://schemas.microsoft.com/office/drawing/2017/model3d">
-          <mc:Choice Requires="am3d">
-            <p:graphicFrame>
-              <p:nvGraphicFramePr>
-                <p:cNvPr id="61" name="Modelo 3D 60" descr="Hemisfério Cinza-Claro">
-                  <a:extLst>
-                    <a:ext uri="{FF2B5EF4-FFF2-40B4-BE49-F238E27FC236}">
-                      <a16:creationId xmlns:a16="http://schemas.microsoft.com/office/drawing/2014/main" id="{F36B2CB1-54D5-4B5D-9B81-483804447B55}"/>
-                    </a:ext>
-                  </a:extLst>
-                </p:cNvPr>
-                <p:cNvGraphicFramePr>
-                  <a:graphicFrameLocks noChangeAspect="1"/>
-                </p:cNvGraphicFramePr>
-                <p:nvPr>
-                  <p:extLst>
-                    <p:ext uri="{D42A27DB-BD31-4B8C-83A1-F6EECF244321}">
-                      <p14:modId xmlns:p14="http://schemas.microsoft.com/office/powerpoint/2010/main" val="342545861"/>
-                    </p:ext>
-                  </p:extLst>
-                </p:nvPr>
-              </p:nvGraphicFramePr>
-              <p:xfrm>
-                <a:off x="5767181" y="4038056"/>
-                <a:ext cx="895038" cy="514170"/>
-              </p:xfrm>
-              <a:graphic>
-                <a:graphicData uri="http://schemas.microsoft.com/office/drawing/2017/model3d">
-                  <am3d:model3d r:embed="rId20">
-                    <am3d:spPr>
-                      <a:xfrm rot="5400000">
-                        <a:off x="0" y="0"/>
-                        <a:ext cx="895038" cy="514170"/>
-                      </a:xfrm>
-                      <a:prstGeom prst="rect">
-                        <a:avLst/>
-                      </a:prstGeom>
-                    </am3d:spPr>
-                    <am3d:camera>
-                      <am3d:pos x="0" y="0" z="70522459"/>
-                      <am3d:up dx="0" dy="36000000" dz="0"/>
-                      <am3d:lookAt x="0" y="0" z="0"/>
-                      <am3d:perspective fov="2700000"/>
-                    </am3d:camera>
-                    <am3d:trans>
-                      <am3d:meterPerModelUnit n="6553073" d="1000000"/>
-                      <am3d:preTrans dx="9" dy="-8999683" dz="-344461"/>
-                      <am3d:scale>
-                        <am3d:sx n="1000000" d="1000000"/>
-                        <am3d:sy n="1000000" d="1000000"/>
-                        <am3d:sz n="1000000" d="1000000"/>
-                      </am3d:scale>
-                      <am3d:rot ax="-1200001"/>
-                      <am3d:postTrans dx="0" dy="0" dz="0"/>
-                    </am3d:trans>
-                    <am3d:attrSrcUrl r:id="rId21"/>
-                    <am3d:raster rName="Office3DRenderer" rVer="16.0.8326">
-                      <am3d:blip r:embed="rId23"/>
-                    </am3d:raster>
-                    <am3d:objViewport viewportSz="1218773"/>
-                    <am3d:ambientLight>
-                      <am3d:clr>
-                        <a:scrgbClr r="50000" g="50000" b="50000"/>
-                      </am3d:clr>
-                      <am3d:illuminance n="500000" d="1000000"/>
-                    </am3d:ambientLight>
-                    <am3d:ptLight rad="0">
-                      <am3d:clr>
-                        <a:scrgbClr r="100000" g="75000" b="50000"/>
-                      </am3d:clr>
-                      <am3d:intensity n="9765625" d="1000000"/>
-                      <am3d:pos x="21959998" y="70920001" z="16344003"/>
-                    </am3d:ptLight>
-                    <am3d:ptLight rad="0">
-                      <am3d:clr>
-                        <a:scrgbClr r="40000" g="60000" b="95000"/>
-                      </am3d:clr>
-                      <am3d:intensity n="12250000" d="1000000"/>
-                      <am3d:pos x="-37964106" y="51130435" z="57631972"/>
-                    </am3d:ptLight>
-                    <am3d:ptLight rad="0">
-                      <am3d:clr>
-                        <a:scrgbClr r="86837" g="72700" b="100000"/>
-                      </am3d:clr>
-                      <am3d:intensity n="3125000" d="1000000"/>
-                      <am3d:pos x="-37739122" y="58056624" z="-34769649"/>
-                    </am3d:ptLight>
-                  </am3d:model3d>
-                </a:graphicData>
-              </a:graphic>
-            </p:graphicFrame>
-          </mc:Choice>
-          <mc:Fallback xmlns="">
-            <p:pic>
-              <p:nvPicPr>
-                <p:cNvPr id="61" name="Modelo 3D 60" descr="Hemisfério Cinza-Claro">
-                  <a:extLst>
-                    <a:ext uri="{FF2B5EF4-FFF2-40B4-BE49-F238E27FC236}">
-                      <a16:creationId xmlns:a16="http://schemas.microsoft.com/office/drawing/2014/main" id="{F36B2CB1-54D5-4B5D-9B81-483804447B55}"/>
-                    </a:ext>
-                  </a:extLst>
-                </p:cNvPr>
-                <p:cNvPicPr>
-                  <a:picLocks noGrp="1" noRot="1" noChangeAspect="1" noMove="1" noResize="1" noEditPoints="1" noAdjustHandles="1" noChangeArrowheads="1" noChangeShapeType="1" noCrop="1"/>
-                </p:cNvPicPr>
-                <p:nvPr/>
-              </p:nvPicPr>
-              <p:blipFill>
-                <a:blip r:embed="rId23"/>
-                <a:stretch>
-                  <a:fillRect/>
-                </a:stretch>
-              </p:blipFill>
-              <p:spPr>
-                <a:xfrm rot="5400000">
-                  <a:off x="6274129" y="1853310"/>
-                  <a:ext cx="895038" cy="514170"/>
-                </a:xfrm>
-                <a:prstGeom prst="rect">
-                  <a:avLst/>
-                </a:prstGeom>
-              </p:spPr>
-            </p:pic>
-          </mc:Fallback>
-        </mc:AlternateContent>
-        <p:sp>
-          <p:nvSpPr>
-            <p:cNvPr id="62" name="CaixaDeTexto 61">
-              <a:extLst>
-                <a:ext uri="{FF2B5EF4-FFF2-40B4-BE49-F238E27FC236}">
-                  <a16:creationId xmlns:a16="http://schemas.microsoft.com/office/drawing/2014/main" id="{4309A621-94AD-42F7-A3E2-2CA1D29F11CF}"/>
-                </a:ext>
-              </a:extLst>
-            </p:cNvPr>
-            <p:cNvSpPr txBox="1"/>
-            <p:nvPr/>
-          </p:nvSpPr>
-          <p:spPr>
-            <a:xfrm rot="16200000">
-              <a:off x="5431616" y="3697555"/>
-              <a:ext cx="681597" cy="553998"/>
-            </a:xfrm>
-            <a:prstGeom prst="rect">
-              <a:avLst/>
-            </a:prstGeom>
-            <a:noFill/>
-          </p:spPr>
-          <p:txBody>
-            <a:bodyPr wrap="none" rtlCol="0">
-              <a:spAutoFit/>
-            </a:bodyPr>
-            <a:lstStyle/>
-            <a:p>
-              <a:r>
-                <a:rPr lang="en-GB" sz="3000" b="1" dirty="0"/>
-                <a:t>D</a:t>
-              </a:r>
-              <a:r>
-                <a:rPr lang="en-GB" sz="3000" b="1" baseline="-25000" dirty="0"/>
-                <a:t>E2</a:t>
-              </a:r>
-            </a:p>
-          </p:txBody>
-        </p:sp>
       </p:grpSp>
     </p:spTree>
     <p:extLst>

--- a/doc/tex/sdf/tq_76558_cow_protocol/figures_raw/Full2.pptx
+++ b/doc/tex/sdf/tq_76558_cow_protocol/figures_raw/Full2.pptx
@@ -271,7 +271,7 @@
           <a:p>
             <a:fld id="{B8F5C3C8-5F51-4191-BFCC-D40874AC55AA}" type="datetimeFigureOut">
               <a:rPr lang="en-GB" smtClean="0"/>
-              <a:t>10/12/2018</a:t>
+              <a:t>15/01/2019</a:t>
             </a:fld>
             <a:endParaRPr lang="en-GB"/>
           </a:p>
@@ -471,7 +471,7 @@
           <a:p>
             <a:fld id="{B8F5C3C8-5F51-4191-BFCC-D40874AC55AA}" type="datetimeFigureOut">
               <a:rPr lang="en-GB" smtClean="0"/>
-              <a:t>10/12/2018</a:t>
+              <a:t>15/01/2019</a:t>
             </a:fld>
             <a:endParaRPr lang="en-GB"/>
           </a:p>
@@ -681,7 +681,7 @@
           <a:p>
             <a:fld id="{B8F5C3C8-5F51-4191-BFCC-D40874AC55AA}" type="datetimeFigureOut">
               <a:rPr lang="en-GB" smtClean="0"/>
-              <a:t>10/12/2018</a:t>
+              <a:t>15/01/2019</a:t>
             </a:fld>
             <a:endParaRPr lang="en-GB"/>
           </a:p>
@@ -881,7 +881,7 @@
           <a:p>
             <a:fld id="{B8F5C3C8-5F51-4191-BFCC-D40874AC55AA}" type="datetimeFigureOut">
               <a:rPr lang="en-GB" smtClean="0"/>
-              <a:t>10/12/2018</a:t>
+              <a:t>15/01/2019</a:t>
             </a:fld>
             <a:endParaRPr lang="en-GB"/>
           </a:p>
@@ -1157,7 +1157,7 @@
           <a:p>
             <a:fld id="{B8F5C3C8-5F51-4191-BFCC-D40874AC55AA}" type="datetimeFigureOut">
               <a:rPr lang="en-GB" smtClean="0"/>
-              <a:t>10/12/2018</a:t>
+              <a:t>15/01/2019</a:t>
             </a:fld>
             <a:endParaRPr lang="en-GB"/>
           </a:p>
@@ -1425,7 +1425,7 @@
           <a:p>
             <a:fld id="{B8F5C3C8-5F51-4191-BFCC-D40874AC55AA}" type="datetimeFigureOut">
               <a:rPr lang="en-GB" smtClean="0"/>
-              <a:t>10/12/2018</a:t>
+              <a:t>15/01/2019</a:t>
             </a:fld>
             <a:endParaRPr lang="en-GB"/>
           </a:p>
@@ -1840,7 +1840,7 @@
           <a:p>
             <a:fld id="{B8F5C3C8-5F51-4191-BFCC-D40874AC55AA}" type="datetimeFigureOut">
               <a:rPr lang="en-GB" smtClean="0"/>
-              <a:t>10/12/2018</a:t>
+              <a:t>15/01/2019</a:t>
             </a:fld>
             <a:endParaRPr lang="en-GB"/>
           </a:p>
@@ -1982,7 +1982,7 @@
           <a:p>
             <a:fld id="{B8F5C3C8-5F51-4191-BFCC-D40874AC55AA}" type="datetimeFigureOut">
               <a:rPr lang="en-GB" smtClean="0"/>
-              <a:t>10/12/2018</a:t>
+              <a:t>15/01/2019</a:t>
             </a:fld>
             <a:endParaRPr lang="en-GB"/>
           </a:p>
@@ -2095,7 +2095,7 @@
           <a:p>
             <a:fld id="{B8F5C3C8-5F51-4191-BFCC-D40874AC55AA}" type="datetimeFigureOut">
               <a:rPr lang="en-GB" smtClean="0"/>
-              <a:t>10/12/2018</a:t>
+              <a:t>15/01/2019</a:t>
             </a:fld>
             <a:endParaRPr lang="en-GB"/>
           </a:p>
@@ -2408,7 +2408,7 @@
           <a:p>
             <a:fld id="{B8F5C3C8-5F51-4191-BFCC-D40874AC55AA}" type="datetimeFigureOut">
               <a:rPr lang="en-GB" smtClean="0"/>
-              <a:t>10/12/2018</a:t>
+              <a:t>15/01/2019</a:t>
             </a:fld>
             <a:endParaRPr lang="en-GB"/>
           </a:p>
@@ -2697,7 +2697,7 @@
           <a:p>
             <a:fld id="{B8F5C3C8-5F51-4191-BFCC-D40874AC55AA}" type="datetimeFigureOut">
               <a:rPr lang="en-GB" smtClean="0"/>
-              <a:t>10/12/2018</a:t>
+              <a:t>15/01/2019</a:t>
             </a:fld>
             <a:endParaRPr lang="en-GB"/>
           </a:p>
@@ -2945,7 +2945,7 @@
           <a:p>
             <a:fld id="{B8F5C3C8-5F51-4191-BFCC-D40874AC55AA}" type="datetimeFigureOut">
               <a:rPr lang="en-GB" smtClean="0"/>
-              <a:t>10/12/2018</a:t>
+              <a:t>15/01/2019</a:t>
             </a:fld>
             <a:endParaRPr lang="en-GB"/>
           </a:p>
@@ -3362,516 +3362,12 @@
           <a:chExt cx="0" cy="0"/>
         </a:xfrm>
       </p:grpSpPr>
-      <p:sp>
-        <p:nvSpPr>
-          <p:cNvPr id="8" name="CaixaDeTexto 7">
+      <p:grpSp>
+        <p:nvGrpSpPr>
+          <p:cNvPr id="2" name="Agrupar 1">
             <a:extLst>
               <a:ext uri="{FF2B5EF4-FFF2-40B4-BE49-F238E27FC236}">
-                <a16:creationId xmlns:a16="http://schemas.microsoft.com/office/drawing/2014/main" id="{4F86CFD7-350E-415C-9909-620977800070}"/>
-              </a:ext>
-            </a:extLst>
-          </p:cNvPr>
-          <p:cNvSpPr txBox="1"/>
-          <p:nvPr/>
-        </p:nvSpPr>
-        <p:spPr>
-          <a:xfrm>
-            <a:off x="217937" y="514709"/>
-            <a:ext cx="2184124" cy="1230891"/>
-          </a:xfrm>
-          <a:prstGeom prst="rect">
-            <a:avLst/>
-          </a:prstGeom>
-          <a:noFill/>
-        </p:spPr>
-        <p:txBody>
-          <a:bodyPr wrap="square" rtlCol="0">
-            <a:spAutoFit/>
-          </a:bodyPr>
-          <a:lstStyle/>
-          <a:p>
-            <a:r>
-              <a:rPr lang="en-GB" sz="4000" b="1" dirty="0"/>
-              <a:t>Alice</a:t>
-            </a:r>
-          </a:p>
-        </p:txBody>
-      </p:sp>
-      <p:sp>
-        <p:nvSpPr>
-          <p:cNvPr id="9" name="CaixaDeTexto 8">
-            <a:extLst>
-              <a:ext uri="{FF2B5EF4-FFF2-40B4-BE49-F238E27FC236}">
-                <a16:creationId xmlns:a16="http://schemas.microsoft.com/office/drawing/2014/main" id="{FCAE33E1-D80A-4B4D-AF09-2A54F06A456A}"/>
-              </a:ext>
-            </a:extLst>
-          </p:cNvPr>
-          <p:cNvSpPr txBox="1"/>
-          <p:nvPr/>
-        </p:nvSpPr>
-        <p:spPr>
-          <a:xfrm>
-            <a:off x="6331619" y="474280"/>
-            <a:ext cx="1828796" cy="1230891"/>
-          </a:xfrm>
-          <a:prstGeom prst="rect">
-            <a:avLst/>
-          </a:prstGeom>
-          <a:noFill/>
-        </p:spPr>
-        <p:txBody>
-          <a:bodyPr wrap="square" rtlCol="0">
-            <a:spAutoFit/>
-          </a:bodyPr>
-          <a:lstStyle/>
-          <a:p>
-            <a:r>
-              <a:rPr lang="en-GB" sz="4000" b="1" dirty="0"/>
-              <a:t>Bob</a:t>
-            </a:r>
-          </a:p>
-        </p:txBody>
-      </p:sp>
-      <mc:AlternateContent xmlns:mc="http://schemas.openxmlformats.org/markup-compatibility/2006" xmlns:am3d="http://schemas.microsoft.com/office/drawing/2017/model3d">
-        <mc:Choice Requires="am3d">
-          <p:graphicFrame>
-            <p:nvGraphicFramePr>
-              <p:cNvPr id="20" name="Modelo 3D 19" descr="Sinal de Subtração Cinza-Escuro">
-                <a:extLst>
-                  <a:ext uri="{FF2B5EF4-FFF2-40B4-BE49-F238E27FC236}">
-                    <a16:creationId xmlns:a16="http://schemas.microsoft.com/office/drawing/2014/main" id="{16B436A3-99FA-483A-8656-A05268DC972A}"/>
-                  </a:ext>
-                </a:extLst>
-              </p:cNvPr>
-              <p:cNvGraphicFramePr>
-                <a:graphicFrameLocks noChangeAspect="1"/>
-              </p:cNvGraphicFramePr>
-              <p:nvPr>
-                <p:extLst>
-                  <p:ext uri="{D42A27DB-BD31-4B8C-83A1-F6EECF244321}">
-                    <p14:modId xmlns:p14="http://schemas.microsoft.com/office/powerpoint/2010/main" val="1443767051"/>
-                  </p:ext>
-                </p:extLst>
-              </p:nvPr>
-            </p:nvGraphicFramePr>
-            <p:xfrm>
-              <a:off x="3938917" y="1026410"/>
-              <a:ext cx="911891" cy="1743209"/>
-            </p:xfrm>
-            <a:graphic>
-              <a:graphicData uri="http://schemas.microsoft.com/office/drawing/2017/model3d">
-                <am3d:model3d r:embed="rId2">
-                  <am3d:spPr>
-                    <a:xfrm>
-                      <a:off x="0" y="0"/>
-                      <a:ext cx="911891" cy="1743209"/>
-                    </a:xfrm>
-                    <a:prstGeom prst="rect">
-                      <a:avLst/>
-                    </a:prstGeom>
-                  </am3d:spPr>
-                  <am3d:camera>
-                    <am3d:pos x="0" y="0" z="49021875"/>
-                    <am3d:up dx="0" dy="36000000" dz="0"/>
-                    <am3d:lookAt x="0" y="0" z="0"/>
-                    <am3d:perspective fov="2700000"/>
-                  </am3d:camera>
-                  <am3d:trans>
-                    <am3d:meterPerModelUnit n="4685389" d="1000000"/>
-                    <am3d:preTrans dx="-2441" dy="-23614363" dz="0"/>
-                    <am3d:scale>
-                      <am3d:sx n="1000000" d="1000000"/>
-                      <am3d:sy n="1000000" d="1000000"/>
-                      <am3d:sz n="1000000" d="1000000"/>
-                    </am3d:scale>
-                    <am3d:rot ax="5616986" ay="4619897" az="5622683"/>
-                    <am3d:postTrans dx="0" dy="0" dz="0"/>
-                  </am3d:trans>
-                  <am3d:raster rName="Office3DRenderer" rVer="16.0.8326">
-                    <am3d:blip r:embed="rId3"/>
-                  </am3d:raster>
-                  <am3d:objViewport viewportSz="2651383"/>
-                  <am3d:ambientLight>
-                    <am3d:clr>
-                      <a:scrgbClr r="50000" g="50000" b="50000"/>
-                    </am3d:clr>
-                    <am3d:illuminance n="500000" d="1000000"/>
-                  </am3d:ambientLight>
-                  <am3d:ptLight rad="0">
-                    <am3d:clr>
-                      <a:scrgbClr r="100000" g="75000" b="50000"/>
-                    </am3d:clr>
-                    <am3d:intensity n="9765625" d="1000000"/>
-                    <am3d:pos x="21959998" y="70920001" z="16344003"/>
-                  </am3d:ptLight>
-                  <am3d:ptLight rad="0">
-                    <am3d:clr>
-                      <a:scrgbClr r="40000" g="60000" b="95000"/>
-                    </am3d:clr>
-                    <am3d:intensity n="12250000" d="1000000"/>
-                    <am3d:pos x="-37964106" y="51130435" z="57631972"/>
-                  </am3d:ptLight>
-                  <am3d:ptLight rad="0">
-                    <am3d:clr>
-                      <a:scrgbClr r="86837" g="72700" b="100000"/>
-                    </am3d:clr>
-                    <am3d:intensity n="3125000" d="1000000"/>
-                    <am3d:pos x="-37739122" y="58056624" z="-34769649"/>
-                  </am3d:ptLight>
-                </am3d:model3d>
-              </a:graphicData>
-            </a:graphic>
-          </p:graphicFrame>
-        </mc:Choice>
-        <mc:Fallback xmlns="">
-          <p:pic>
-            <p:nvPicPr>
-              <p:cNvPr id="20" name="Modelo 3D 19" descr="Sinal de Subtração Cinza-Escuro">
-                <a:extLst>
-                  <a:ext uri="{FF2B5EF4-FFF2-40B4-BE49-F238E27FC236}">
-                    <a16:creationId xmlns:a16="http://schemas.microsoft.com/office/drawing/2014/main" id="{16B436A3-99FA-483A-8656-A05268DC972A}"/>
-                  </a:ext>
-                </a:extLst>
-              </p:cNvPr>
-              <p:cNvPicPr>
-                <a:picLocks noGrp="1" noRot="1" noChangeAspect="1" noMove="1" noResize="1" noEditPoints="1" noAdjustHandles="1" noChangeArrowheads="1" noChangeShapeType="1" noCrop="1"/>
-              </p:cNvPicPr>
-              <p:nvPr/>
-            </p:nvPicPr>
-            <p:blipFill>
-              <a:blip r:embed="rId4"/>
-              <a:stretch>
-                <a:fillRect/>
-              </a:stretch>
-            </p:blipFill>
-            <p:spPr>
-              <a:xfrm>
-                <a:off x="3938917" y="1026410"/>
-                <a:ext cx="911891" cy="1743209"/>
-              </a:xfrm>
-              <a:prstGeom prst="rect">
-                <a:avLst/>
-              </a:prstGeom>
-            </p:spPr>
-          </p:pic>
-        </mc:Fallback>
-      </mc:AlternateContent>
-      <mc:AlternateContent xmlns:mc="http://schemas.openxmlformats.org/markup-compatibility/2006" xmlns:am3d="http://schemas.microsoft.com/office/drawing/2017/model3d">
-        <mc:Choice Requires="am3d">
-          <p:graphicFrame>
-            <p:nvGraphicFramePr>
-              <p:cNvPr id="35" name="Modelo 3D 34" descr="Cuboide Cinza-Escuro">
-                <a:extLst>
-                  <a:ext uri="{FF2B5EF4-FFF2-40B4-BE49-F238E27FC236}">
-                    <a16:creationId xmlns:a16="http://schemas.microsoft.com/office/drawing/2014/main" id="{CD476A95-7313-42E0-866F-47084F20620C}"/>
-                  </a:ext>
-                </a:extLst>
-              </p:cNvPr>
-              <p:cNvGraphicFramePr>
-                <a:graphicFrameLocks noChangeAspect="1"/>
-              </p:cNvGraphicFramePr>
-              <p:nvPr>
-                <p:extLst>
-                  <p:ext uri="{D42A27DB-BD31-4B8C-83A1-F6EECF244321}">
-                    <p14:modId xmlns:p14="http://schemas.microsoft.com/office/powerpoint/2010/main" val="3484849518"/>
-                  </p:ext>
-                </p:extLst>
-              </p:nvPr>
-            </p:nvGraphicFramePr>
-            <p:xfrm>
-              <a:off x="8626740" y="3830084"/>
-              <a:ext cx="503965" cy="669954"/>
-            </p:xfrm>
-            <a:graphic>
-              <a:graphicData uri="http://schemas.microsoft.com/office/drawing/2017/model3d">
-                <am3d:model3d r:embed="rId5">
-                  <am3d:spPr>
-                    <a:xfrm>
-                      <a:off x="0" y="0"/>
-                      <a:ext cx="503965" cy="669954"/>
-                    </a:xfrm>
-                    <a:prstGeom prst="rect">
-                      <a:avLst/>
-                    </a:prstGeom>
-                  </am3d:spPr>
-                  <am3d:camera>
-                    <am3d:pos x="0" y="0" z="57664451"/>
-                    <am3d:up dx="0" dy="36000000" dz="0"/>
-                    <am3d:lookAt x="0" y="0" z="0"/>
-                    <am3d:perspective fov="2700000"/>
-                  </am3d:camera>
-                  <am3d:trans>
-                    <am3d:meterPerModelUnit n="4361393" d="1000000"/>
-                    <am3d:preTrans dx="0" dy="-6493603" dz="0"/>
-                    <am3d:scale>
-                      <am3d:sx n="1000000" d="1000000"/>
-                      <am3d:sy n="1000000" d="1000000"/>
-                      <am3d:sz n="1000000" d="1000000"/>
-                    </am3d:scale>
-                    <am3d:rot ax="-7650021" ay="5" az="7"/>
-                    <am3d:postTrans dx="0" dy="0" dz="0"/>
-                  </am3d:trans>
-                  <am3d:raster rName="Office3DRenderer" rVer="16.0.8326">
-                    <am3d:blip r:embed="rId6"/>
-                  </am3d:raster>
-                  <am3d:objViewport viewportSz="789260"/>
-                  <am3d:ambientLight>
-                    <am3d:clr>
-                      <a:scrgbClr r="50000" g="50000" b="50000"/>
-                    </am3d:clr>
-                    <am3d:illuminance n="500000" d="1000000"/>
-                  </am3d:ambientLight>
-                  <am3d:ptLight rad="0">
-                    <am3d:clr>
-                      <a:scrgbClr r="100000" g="75000" b="50000"/>
-                    </am3d:clr>
-                    <am3d:intensity n="9765625" d="1000000"/>
-                    <am3d:pos x="21959998" y="70920001" z="16344003"/>
-                  </am3d:ptLight>
-                  <am3d:ptLight rad="0">
-                    <am3d:clr>
-                      <a:scrgbClr r="40000" g="60000" b="95000"/>
-                    </am3d:clr>
-                    <am3d:intensity n="12250000" d="1000000"/>
-                    <am3d:pos x="-37964106" y="51130435" z="57631972"/>
-                  </am3d:ptLight>
-                  <am3d:ptLight rad="0">
-                    <am3d:clr>
-                      <a:scrgbClr r="86837" g="72700" b="100000"/>
-                    </am3d:clr>
-                    <am3d:intensity n="3125000" d="1000000"/>
-                    <am3d:pos x="-37739122" y="58056624" z="-34769649"/>
-                  </am3d:ptLight>
-                </am3d:model3d>
-              </a:graphicData>
-            </a:graphic>
-          </p:graphicFrame>
-        </mc:Choice>
-        <mc:Fallback xmlns="">
-          <p:pic>
-            <p:nvPicPr>
-              <p:cNvPr id="35" name="Modelo 3D 34" descr="Cuboide Cinza-Escuro">
-                <a:extLst>
-                  <a:ext uri="{FF2B5EF4-FFF2-40B4-BE49-F238E27FC236}">
-                    <a16:creationId xmlns:a16="http://schemas.microsoft.com/office/drawing/2014/main" id="{CD476A95-7313-42E0-866F-47084F20620C}"/>
-                  </a:ext>
-                </a:extLst>
-              </p:cNvPr>
-              <p:cNvPicPr>
-                <a:picLocks noGrp="1" noRot="1" noChangeAspect="1" noMove="1" noResize="1" noEditPoints="1" noAdjustHandles="1" noChangeArrowheads="1" noChangeShapeType="1" noCrop="1"/>
-              </p:cNvPicPr>
-              <p:nvPr/>
-            </p:nvPicPr>
-            <p:blipFill>
-              <a:blip r:embed="rId7"/>
-              <a:stretch>
-                <a:fillRect/>
-              </a:stretch>
-            </p:blipFill>
-            <p:spPr>
-              <a:xfrm>
-                <a:off x="8626740" y="3830084"/>
-                <a:ext cx="503965" cy="669954"/>
-              </a:xfrm>
-              <a:prstGeom prst="rect">
-                <a:avLst/>
-              </a:prstGeom>
-            </p:spPr>
-          </p:pic>
-        </mc:Fallback>
-      </mc:AlternateContent>
-      <p:sp>
-        <p:nvSpPr>
-          <p:cNvPr id="41" name="Retângulo 40">
-            <a:extLst>
-              <a:ext uri="{FF2B5EF4-FFF2-40B4-BE49-F238E27FC236}">
-                <a16:creationId xmlns:a16="http://schemas.microsoft.com/office/drawing/2014/main" id="{1044C7DB-10A5-4A4A-8A69-80C92F5516A3}"/>
-              </a:ext>
-            </a:extLst>
-          </p:cNvPr>
-          <p:cNvSpPr/>
-          <p:nvPr/>
-        </p:nvSpPr>
-        <p:spPr>
-          <a:xfrm>
-            <a:off x="252636" y="600409"/>
-            <a:ext cx="5616593" cy="2944480"/>
-          </a:xfrm>
-          <a:prstGeom prst="rect">
-            <a:avLst/>
-          </a:prstGeom>
-          <a:noFill/>
-          <a:ln w="9525" cap="flat" cmpd="sng" algn="ctr">
-            <a:solidFill>
-              <a:schemeClr val="dk1"/>
-            </a:solidFill>
-            <a:prstDash val="dashDot"/>
-            <a:round/>
-            <a:headEnd type="none" w="med" len="med"/>
-            <a:tailEnd type="none" w="med" len="med"/>
-          </a:ln>
-        </p:spPr>
-        <p:style>
-          <a:lnRef idx="0">
-            <a:scrgbClr r="0" g="0" b="0"/>
-          </a:lnRef>
-          <a:fillRef idx="0">
-            <a:scrgbClr r="0" g="0" b="0"/>
-          </a:fillRef>
-          <a:effectRef idx="0">
-            <a:scrgbClr r="0" g="0" b="0"/>
-          </a:effectRef>
-          <a:fontRef idx="minor">
-            <a:schemeClr val="dk1"/>
-          </a:fontRef>
-        </p:style>
-        <p:txBody>
-          <a:bodyPr rtlCol="0" anchor="ctr"/>
-          <a:lstStyle/>
-          <a:p>
-            <a:pPr algn="ctr"/>
-            <a:endParaRPr lang="en-GB"/>
-          </a:p>
-        </p:txBody>
-      </p:sp>
-      <p:sp>
-        <p:nvSpPr>
-          <p:cNvPr id="42" name="Retângulo 41">
-            <a:extLst>
-              <a:ext uri="{FF2B5EF4-FFF2-40B4-BE49-F238E27FC236}">
-                <a16:creationId xmlns:a16="http://schemas.microsoft.com/office/drawing/2014/main" id="{C2F6895E-CB3E-4942-AB4D-A1330623A524}"/>
-              </a:ext>
-            </a:extLst>
-          </p:cNvPr>
-          <p:cNvSpPr/>
-          <p:nvPr/>
-        </p:nvSpPr>
-        <p:spPr>
-          <a:xfrm>
-            <a:off x="6383253" y="592388"/>
-            <a:ext cx="5691770" cy="5699113"/>
-          </a:xfrm>
-          <a:prstGeom prst="rect">
-            <a:avLst/>
-          </a:prstGeom>
-          <a:noFill/>
-          <a:ln w="9525" cap="flat" cmpd="sng" algn="ctr">
-            <a:solidFill>
-              <a:schemeClr val="dk1"/>
-            </a:solidFill>
-            <a:prstDash val="dashDot"/>
-            <a:round/>
-            <a:headEnd type="none" w="med" len="med"/>
-            <a:tailEnd type="none" w="med" len="med"/>
-          </a:ln>
-        </p:spPr>
-        <p:style>
-          <a:lnRef idx="0">
-            <a:scrgbClr r="0" g="0" b="0"/>
-          </a:lnRef>
-          <a:fillRef idx="0">
-            <a:scrgbClr r="0" g="0" b="0"/>
-          </a:fillRef>
-          <a:effectRef idx="0">
-            <a:scrgbClr r="0" g="0" b="0"/>
-          </a:effectRef>
-          <a:fontRef idx="minor">
-            <a:schemeClr val="dk1"/>
-          </a:fontRef>
-        </p:style>
-        <p:txBody>
-          <a:bodyPr rtlCol="0" anchor="ctr"/>
-          <a:lstStyle/>
-          <a:p>
-            <a:pPr algn="ctr"/>
-            <a:endParaRPr lang="en-GB"/>
-          </a:p>
-        </p:txBody>
-      </p:sp>
-      <p:sp>
-        <p:nvSpPr>
-          <p:cNvPr id="43" name="CaixaDeTexto 42">
-            <a:extLst>
-              <a:ext uri="{FF2B5EF4-FFF2-40B4-BE49-F238E27FC236}">
-                <a16:creationId xmlns:a16="http://schemas.microsoft.com/office/drawing/2014/main" id="{A2E492A1-082D-4F9D-B8E2-9ACC85032C33}"/>
-              </a:ext>
-            </a:extLst>
-          </p:cNvPr>
-          <p:cNvSpPr txBox="1"/>
-          <p:nvPr/>
-        </p:nvSpPr>
-        <p:spPr>
-          <a:xfrm>
-            <a:off x="1459056" y="2846788"/>
-            <a:ext cx="1019831" cy="553998"/>
-          </a:xfrm>
-          <a:prstGeom prst="rect">
-            <a:avLst/>
-          </a:prstGeom>
-          <a:noFill/>
-        </p:spPr>
-        <p:txBody>
-          <a:bodyPr wrap="none" rtlCol="0">
-            <a:spAutoFit/>
-          </a:bodyPr>
-          <a:lstStyle/>
-          <a:p>
-            <a:r>
-              <a:rPr lang="en-GB" sz="3000" b="1" dirty="0"/>
-              <a:t>Laser</a:t>
-            </a:r>
-          </a:p>
-        </p:txBody>
-      </p:sp>
-      <p:sp>
-        <p:nvSpPr>
-          <p:cNvPr id="44" name="CaixaDeTexto 43">
-            <a:extLst>
-              <a:ext uri="{FF2B5EF4-FFF2-40B4-BE49-F238E27FC236}">
-                <a16:creationId xmlns:a16="http://schemas.microsoft.com/office/drawing/2014/main" id="{0EDA8795-CA94-4B3A-85AF-B784E65A4DC7}"/>
-              </a:ext>
-            </a:extLst>
-          </p:cNvPr>
-          <p:cNvSpPr txBox="1"/>
-          <p:nvPr/>
-        </p:nvSpPr>
-        <p:spPr>
-          <a:xfrm>
-            <a:off x="3681388" y="776211"/>
-            <a:ext cx="1382045" cy="707886"/>
-          </a:xfrm>
-          <a:prstGeom prst="rect">
-            <a:avLst/>
-          </a:prstGeom>
-          <a:noFill/>
-        </p:spPr>
-        <p:txBody>
-          <a:bodyPr wrap="none" rtlCol="0">
-            <a:spAutoFit/>
-          </a:bodyPr>
-          <a:lstStyle/>
-          <a:p>
-            <a:pPr algn="ctr"/>
-            <a:r>
-              <a:rPr lang="en-GB" sz="2000" b="1" dirty="0"/>
-              <a:t>Intensity</a:t>
-            </a:r>
-          </a:p>
-          <a:p>
-            <a:pPr algn="ctr"/>
-            <a:r>
-              <a:rPr lang="en-GB" sz="2000" b="1" dirty="0"/>
-              <a:t> Modulator</a:t>
-            </a:r>
-          </a:p>
-        </p:txBody>
-      </p:sp>
-      <p:grpSp>
-        <p:nvGrpSpPr>
-          <p:cNvPr id="71" name="Agrupar 70">
-            <a:extLst>
-              <a:ext uri="{FF2B5EF4-FFF2-40B4-BE49-F238E27FC236}">
-                <a16:creationId xmlns:a16="http://schemas.microsoft.com/office/drawing/2014/main" id="{780E8B69-3907-4302-872B-50CB368BDD8B}"/>
+                <a16:creationId xmlns:a16="http://schemas.microsoft.com/office/drawing/2014/main" id="{D4EC0523-6F27-46B9-A2C3-F29AC772CD66}"/>
               </a:ext>
             </a:extLst>
           </p:cNvPr>
@@ -3880,20 +3376,90 @@
         </p:nvGrpSpPr>
         <p:grpSpPr>
           <a:xfrm>
-            <a:off x="10698880" y="4753934"/>
-            <a:ext cx="1225017" cy="1369542"/>
-            <a:chOff x="10498855" y="5477834"/>
-            <a:chExt cx="1225017" cy="1369542"/>
+            <a:off x="-952500" y="0"/>
+            <a:ext cx="13027523" cy="6769100"/>
+            <a:chOff x="-827618" y="474280"/>
+            <a:chExt cx="12902641" cy="5817221"/>
           </a:xfrm>
         </p:grpSpPr>
-        <mc:AlternateContent xmlns:mc="http://schemas.openxmlformats.org/markup-compatibility/2006" xmlns:am3d="http://schemas.microsoft.com/office/drawing/2017/model3d">
-          <mc:Choice Requires="am3d">
+        <p:sp>
+          <p:nvSpPr>
+            <p:cNvPr id="8" name="CaixaDeTexto 7">
+              <a:extLst>
+                <a:ext uri="{FF2B5EF4-FFF2-40B4-BE49-F238E27FC236}">
+                  <a16:creationId xmlns:a16="http://schemas.microsoft.com/office/drawing/2014/main" id="{4F86CFD7-350E-415C-9909-620977800070}"/>
+                </a:ext>
+              </a:extLst>
+            </p:cNvPr>
+            <p:cNvSpPr txBox="1"/>
+            <p:nvPr/>
+          </p:nvSpPr>
+          <p:spPr>
+            <a:xfrm>
+              <a:off x="217937" y="514709"/>
+              <a:ext cx="2184124" cy="1230891"/>
+            </a:xfrm>
+            <a:prstGeom prst="rect">
+              <a:avLst/>
+            </a:prstGeom>
+            <a:noFill/>
+          </p:spPr>
+          <p:txBody>
+            <a:bodyPr wrap="square" rtlCol="0">
+              <a:spAutoFit/>
+            </a:bodyPr>
+            <a:lstStyle/>
+            <a:p>
+              <a:r>
+                <a:rPr lang="en-GB" sz="4000" b="1" dirty="0"/>
+                <a:t>Alice</a:t>
+              </a:r>
+            </a:p>
+          </p:txBody>
+        </p:sp>
+        <p:sp>
+          <p:nvSpPr>
+            <p:cNvPr id="9" name="CaixaDeTexto 8">
+              <a:extLst>
+                <a:ext uri="{FF2B5EF4-FFF2-40B4-BE49-F238E27FC236}">
+                  <a16:creationId xmlns:a16="http://schemas.microsoft.com/office/drawing/2014/main" id="{FCAE33E1-D80A-4B4D-AF09-2A54F06A456A}"/>
+                </a:ext>
+              </a:extLst>
+            </p:cNvPr>
+            <p:cNvSpPr txBox="1"/>
+            <p:nvPr/>
+          </p:nvSpPr>
+          <p:spPr>
+            <a:xfrm>
+              <a:off x="6331619" y="474280"/>
+              <a:ext cx="1828796" cy="1230891"/>
+            </a:xfrm>
+            <a:prstGeom prst="rect">
+              <a:avLst/>
+            </a:prstGeom>
+            <a:noFill/>
+          </p:spPr>
+          <p:txBody>
+            <a:bodyPr wrap="square" rtlCol="0">
+              <a:spAutoFit/>
+            </a:bodyPr>
+            <a:lstStyle/>
+            <a:p>
+              <a:r>
+                <a:rPr lang="en-GB" sz="4000" b="1" dirty="0"/>
+                <a:t>Bob</a:t>
+              </a:r>
+            </a:p>
+          </p:txBody>
+        </p:sp>
+        <mc:AlternateContent xmlns:mc="http://schemas.openxmlformats.org/markup-compatibility/2006">
+          <mc:Choice xmlns:am3d="http://schemas.microsoft.com/office/drawing/2017/model3d" Requires="am3d">
             <p:graphicFrame>
               <p:nvGraphicFramePr>
-                <p:cNvPr id="27" name="Modelo 3D 26" descr="Hemisfério Cinza-Escuro">
+                <p:cNvPr id="20" name="Modelo 3D 19" descr="Sinal de Subtração Cinza-Escuro">
                   <a:extLst>
                     <a:ext uri="{FF2B5EF4-FFF2-40B4-BE49-F238E27FC236}">
-                      <a16:creationId xmlns:a16="http://schemas.microsoft.com/office/drawing/2014/main" id="{84E0CCAB-7D61-4B1B-ACAF-C110CFF4DB82}"/>
+                      <a16:creationId xmlns:a16="http://schemas.microsoft.com/office/drawing/2014/main" id="{16B436A3-99FA-483A-8656-A05268DC972A}"/>
                     </a:ext>
                   </a:extLst>
                 </p:cNvPr>
@@ -3903,48 +3469,48 @@
                 <p:nvPr>
                   <p:extLst>
                     <p:ext uri="{D42A27DB-BD31-4B8C-83A1-F6EECF244321}">
-                      <p14:modId xmlns:p14="http://schemas.microsoft.com/office/powerpoint/2010/main" val="48384046"/>
+                      <p14:modId xmlns:p14="http://schemas.microsoft.com/office/powerpoint/2010/main" val="2302651261"/>
                     </p:ext>
                   </p:extLst>
                 </p:nvPr>
               </p:nvGraphicFramePr>
-              <p:xfrm rot="5400000">
-                <a:off x="10310915" y="5856664"/>
-                <a:ext cx="1178652" cy="802772"/>
+              <p:xfrm>
+                <a:off x="3938917" y="1026410"/>
+                <a:ext cx="911891" cy="1743209"/>
               </p:xfrm>
               <a:graphic>
                 <a:graphicData uri="http://schemas.microsoft.com/office/drawing/2017/model3d">
-                  <am3d:model3d r:embed="rId8">
+                  <am3d:model3d r:embed="rId2">
                     <am3d:spPr>
-                      <a:xfrm rot="5400000">
+                      <a:xfrm>
                         <a:off x="0" y="0"/>
-                        <a:ext cx="1178652" cy="802772"/>
+                        <a:ext cx="920717" cy="2028452"/>
                       </a:xfrm>
                       <a:prstGeom prst="rect">
                         <a:avLst/>
                       </a:prstGeom>
                     </am3d:spPr>
                     <am3d:camera>
-                      <am3d:pos x="0" y="0" z="70522459"/>
+                      <am3d:pos x="0" y="0" z="49021875"/>
                       <am3d:up dx="0" dy="36000000" dz="0"/>
                       <am3d:lookAt x="0" y="0" z="0"/>
                       <am3d:perspective fov="2700000"/>
                     </am3d:camera>
                     <am3d:trans>
-                      <am3d:meterPerModelUnit n="6553073" d="1000000"/>
-                      <am3d:preTrans dx="9" dy="-8999683" dz="-344461"/>
+                      <am3d:meterPerModelUnit n="4685389" d="1000000"/>
+                      <am3d:preTrans dx="-2441" dy="-23614363" dz="0"/>
                       <am3d:scale>
                         <am3d:sx n="1000000" d="1000000"/>
                         <am3d:sy n="1000000" d="1000000"/>
                         <am3d:sz n="1000000" d="1000000"/>
                       </am3d:scale>
-                      <am3d:rot ax="16200000" ay="3600000" az="16200000"/>
+                      <am3d:rot ax="5616986" ay="4619897" az="5622683"/>
                       <am3d:postTrans dx="0" dy="0" dz="0"/>
                     </am3d:trans>
                     <am3d:raster rName="Office3DRenderer" rVer="16.0.8326">
-                      <am3d:blip r:embed="rId9"/>
+                      <am3d:blip r:embed="rId3"/>
                     </am3d:raster>
-                    <am3d:objViewport viewportSz="1615893"/>
+                    <am3d:objViewport viewportSz="3085231"/>
                     <am3d:ambientLight>
                       <am3d:clr>
                         <a:scrgbClr r="50000" g="50000" b="50000"/>
@@ -3977,13 +3543,13 @@
               </a:graphic>
             </p:graphicFrame>
           </mc:Choice>
-          <mc:Fallback xmlns="">
+          <mc:Fallback>
             <p:pic>
               <p:nvPicPr>
-                <p:cNvPr id="27" name="Modelo 3D 26" descr="Hemisfério Cinza-Escuro">
+                <p:cNvPr id="20" name="Modelo 3D 19" descr="Sinal de Subtração Cinza-Escuro">
                   <a:extLst>
                     <a:ext uri="{FF2B5EF4-FFF2-40B4-BE49-F238E27FC236}">
-                      <a16:creationId xmlns:a16="http://schemas.microsoft.com/office/drawing/2014/main" id="{84E0CCAB-7D61-4B1B-ACAF-C110CFF4DB82}"/>
+                      <a16:creationId xmlns:a16="http://schemas.microsoft.com/office/drawing/2014/main" id="{16B436A3-99FA-483A-8656-A05268DC972A}"/>
                     </a:ext>
                   </a:extLst>
                 </p:cNvPr>
@@ -3993,15 +3559,15 @@
                 <p:nvPr/>
               </p:nvPicPr>
               <p:blipFill>
-                <a:blip r:embed="rId10"/>
+                <a:blip r:embed="rId3"/>
                 <a:stretch>
                   <a:fillRect/>
                 </a:stretch>
               </p:blipFill>
               <p:spPr>
-                <a:xfrm rot="5400000">
-                  <a:off x="10472840" y="5628064"/>
-                  <a:ext cx="1178652" cy="802772"/>
+                <a:xfrm>
+                  <a:off x="3860169" y="642476"/>
+                  <a:ext cx="920717" cy="2028452"/>
                 </a:xfrm>
                 <a:prstGeom prst="rect">
                   <a:avLst/>
@@ -4010,379 +3576,14 @@
             </p:pic>
           </mc:Fallback>
         </mc:AlternateContent>
-        <p:sp>
-          <p:nvSpPr>
-            <p:cNvPr id="47" name="CaixaDeTexto 46">
-              <a:extLst>
-                <a:ext uri="{FF2B5EF4-FFF2-40B4-BE49-F238E27FC236}">
-                  <a16:creationId xmlns:a16="http://schemas.microsoft.com/office/drawing/2014/main" id="{8973744B-C158-45F6-B7DA-10886371E7AD}"/>
-                </a:ext>
-              </a:extLst>
-            </p:cNvPr>
-            <p:cNvSpPr txBox="1"/>
-            <p:nvPr/>
-          </p:nvSpPr>
-          <p:spPr>
-            <a:xfrm>
-              <a:off x="10942889" y="5477834"/>
-              <a:ext cx="780983" cy="553998"/>
-            </a:xfrm>
-            <a:prstGeom prst="rect">
-              <a:avLst/>
-            </a:prstGeom>
-            <a:noFill/>
-          </p:spPr>
-          <p:txBody>
-            <a:bodyPr wrap="none" rtlCol="0">
-              <a:spAutoFit/>
-            </a:bodyPr>
-            <a:lstStyle/>
-            <a:p>
-              <a:r>
-                <a:rPr lang="en-GB" sz="3000" b="1" dirty="0"/>
-                <a:t>D</a:t>
-              </a:r>
-              <a:r>
-                <a:rPr lang="en-GB" sz="3000" b="1" baseline="-25000" dirty="0"/>
-                <a:t>M2</a:t>
-              </a:r>
-            </a:p>
-          </p:txBody>
-        </p:sp>
-      </p:grpSp>
-      <p:sp>
-        <p:nvSpPr>
-          <p:cNvPr id="48" name="CaixaDeTexto 47">
-            <a:extLst>
-              <a:ext uri="{FF2B5EF4-FFF2-40B4-BE49-F238E27FC236}">
-                <a16:creationId xmlns:a16="http://schemas.microsoft.com/office/drawing/2014/main" id="{A2AB5F69-AF24-421C-A1FA-6D69BC18C10F}"/>
-              </a:ext>
-            </a:extLst>
-          </p:cNvPr>
-          <p:cNvSpPr txBox="1"/>
-          <p:nvPr/>
-        </p:nvSpPr>
-        <p:spPr>
-          <a:xfrm>
-            <a:off x="8280649" y="3310233"/>
-            <a:ext cx="1186543" cy="553998"/>
-          </a:xfrm>
-          <a:prstGeom prst="rect">
-            <a:avLst/>
-          </a:prstGeom>
-          <a:noFill/>
-        </p:spPr>
-        <p:txBody>
-          <a:bodyPr wrap="none" rtlCol="0">
-            <a:spAutoFit/>
-          </a:bodyPr>
-          <a:lstStyle/>
-          <a:p>
-            <a:r>
-              <a:rPr lang="en-GB" sz="3000" b="1" dirty="0"/>
-              <a:t>0.5 </a:t>
-            </a:r>
-            <a:r>
-              <a:rPr lang="en-GB" sz="3000" b="1" dirty="0" err="1"/>
-              <a:t>t</a:t>
-            </a:r>
-            <a:r>
-              <a:rPr lang="en-GB" sz="3000" b="1" baseline="-25000" dirty="0" err="1"/>
-              <a:t>bit</a:t>
-            </a:r>
-            <a:endParaRPr lang="en-GB" sz="3000" b="1" baseline="-25000" dirty="0"/>
-          </a:p>
-        </p:txBody>
-      </p:sp>
-      <p:sp>
-        <p:nvSpPr>
-          <p:cNvPr id="49" name="CaixaDeTexto 48">
-            <a:extLst>
-              <a:ext uri="{FF2B5EF4-FFF2-40B4-BE49-F238E27FC236}">
-                <a16:creationId xmlns:a16="http://schemas.microsoft.com/office/drawing/2014/main" id="{DF00DC78-493F-4A09-881D-ECC652B928CC}"/>
-              </a:ext>
-            </a:extLst>
-          </p:cNvPr>
-          <p:cNvSpPr txBox="1"/>
-          <p:nvPr/>
-        </p:nvSpPr>
-        <p:spPr>
-          <a:xfrm>
-            <a:off x="7175885" y="1468601"/>
-            <a:ext cx="461986" cy="553998"/>
-          </a:xfrm>
-          <a:prstGeom prst="rect">
-            <a:avLst/>
-          </a:prstGeom>
-          <a:noFill/>
-        </p:spPr>
-        <p:txBody>
-          <a:bodyPr wrap="none" rtlCol="0">
-            <a:spAutoFit/>
-          </a:bodyPr>
-          <a:lstStyle/>
-          <a:p>
-            <a:r>
-              <a:rPr lang="en-GB" sz="3000" b="1" dirty="0" err="1"/>
-              <a:t>t</a:t>
-            </a:r>
-            <a:r>
-              <a:rPr lang="en-GB" sz="3000" b="1" baseline="-25000" dirty="0" err="1"/>
-              <a:t>B</a:t>
-            </a:r>
-            <a:endParaRPr lang="en-GB" sz="3000" b="1" baseline="-25000" dirty="0"/>
-          </a:p>
-        </p:txBody>
-      </p:sp>
-      <p:sp>
-        <p:nvSpPr>
-          <p:cNvPr id="50" name="CaixaDeTexto 49">
-            <a:extLst>
-              <a:ext uri="{FF2B5EF4-FFF2-40B4-BE49-F238E27FC236}">
-                <a16:creationId xmlns:a16="http://schemas.microsoft.com/office/drawing/2014/main" id="{F1C44298-1642-4EAC-8D47-A952D30FC8D6}"/>
-              </a:ext>
-            </a:extLst>
-          </p:cNvPr>
-          <p:cNvSpPr txBox="1"/>
-          <p:nvPr/>
-        </p:nvSpPr>
-        <p:spPr>
-          <a:xfrm>
-            <a:off x="6872977" y="2516066"/>
-            <a:ext cx="774571" cy="553998"/>
-          </a:xfrm>
-          <a:prstGeom prst="rect">
-            <a:avLst/>
-          </a:prstGeom>
-          <a:noFill/>
-        </p:spPr>
-        <p:txBody>
-          <a:bodyPr wrap="none" rtlCol="0">
-            <a:spAutoFit/>
-          </a:bodyPr>
-          <a:lstStyle/>
-          <a:p>
-            <a:r>
-              <a:rPr lang="en-GB" sz="3000" b="1" dirty="0"/>
-              <a:t>1-t</a:t>
-            </a:r>
-            <a:r>
-              <a:rPr lang="en-GB" sz="3000" b="1" baseline="-25000" dirty="0"/>
-              <a:t>B</a:t>
-            </a:r>
-          </a:p>
-        </p:txBody>
-      </p:sp>
-      <p:sp>
-        <p:nvSpPr>
-          <p:cNvPr id="53" name="Hexágono 52">
-            <a:extLst>
-              <a:ext uri="{FF2B5EF4-FFF2-40B4-BE49-F238E27FC236}">
-                <a16:creationId xmlns:a16="http://schemas.microsoft.com/office/drawing/2014/main" id="{0EF39FF1-9468-4B15-AE62-D30F361F0818}"/>
-              </a:ext>
-            </a:extLst>
-          </p:cNvPr>
-          <p:cNvSpPr/>
-          <p:nvPr/>
-        </p:nvSpPr>
-        <p:spPr>
-          <a:xfrm>
-            <a:off x="7698030" y="4174422"/>
-            <a:ext cx="2246214" cy="942975"/>
-          </a:xfrm>
-          <a:prstGeom prst="hexagon">
-            <a:avLst/>
-          </a:prstGeom>
-          <a:noFill/>
-          <a:ln w="127000" cap="sq">
-            <a:solidFill>
-              <a:schemeClr val="accent4"/>
-            </a:solidFill>
-            <a:miter lim="800000"/>
-          </a:ln>
-        </p:spPr>
-        <p:style>
-          <a:lnRef idx="2">
-            <a:schemeClr val="accent1">
-              <a:shade val="50000"/>
-            </a:schemeClr>
-          </a:lnRef>
-          <a:fillRef idx="1">
-            <a:schemeClr val="accent1"/>
-          </a:fillRef>
-          <a:effectRef idx="0">
-            <a:schemeClr val="accent1"/>
-          </a:effectRef>
-          <a:fontRef idx="minor">
-            <a:schemeClr val="lt1"/>
-          </a:fontRef>
-        </p:style>
-        <p:txBody>
-          <a:bodyPr rtlCol="0" anchor="ctr"/>
-          <a:lstStyle/>
-          <a:p>
-            <a:pPr algn="ctr"/>
-            <a:endParaRPr lang="en-GB"/>
-          </a:p>
-        </p:txBody>
-      </p:sp>
-      <p:cxnSp>
-        <p:nvCxnSpPr>
-          <p:cNvPr id="57" name="Conexão reta 56">
-            <a:extLst>
-              <a:ext uri="{FF2B5EF4-FFF2-40B4-BE49-F238E27FC236}">
-                <a16:creationId xmlns:a16="http://schemas.microsoft.com/office/drawing/2014/main" id="{66EA8DB7-A68B-4DEC-8783-55FEF91B7784}"/>
-              </a:ext>
-            </a:extLst>
-          </p:cNvPr>
-          <p:cNvCxnSpPr>
-            <a:stCxn id="53" idx="0"/>
-          </p:cNvCxnSpPr>
-          <p:nvPr/>
-        </p:nvCxnSpPr>
-        <p:spPr>
-          <a:xfrm>
-            <a:off x="9944244" y="4645909"/>
-            <a:ext cx="914400" cy="914400"/>
-          </a:xfrm>
-          <a:prstGeom prst="line">
-            <a:avLst/>
-          </a:prstGeom>
-          <a:ln w="127000">
-            <a:solidFill>
-              <a:schemeClr val="accent4"/>
-            </a:solidFill>
-          </a:ln>
-        </p:spPr>
-        <p:style>
-          <a:lnRef idx="1">
-            <a:schemeClr val="accent1"/>
-          </a:lnRef>
-          <a:fillRef idx="0">
-            <a:schemeClr val="accent1"/>
-          </a:fillRef>
-          <a:effectRef idx="0">
-            <a:schemeClr val="accent1"/>
-          </a:effectRef>
-          <a:fontRef idx="minor">
-            <a:schemeClr val="tx1"/>
-          </a:fontRef>
-        </p:style>
-      </p:cxnSp>
-      <p:cxnSp>
-        <p:nvCxnSpPr>
-          <p:cNvPr id="63" name="Conexão reta 62">
-            <a:extLst>
-              <a:ext uri="{FF2B5EF4-FFF2-40B4-BE49-F238E27FC236}">
-                <a16:creationId xmlns:a16="http://schemas.microsoft.com/office/drawing/2014/main" id="{9D5B6D5C-B107-4E32-B4F4-B5E76FACD7BE}"/>
-              </a:ext>
-            </a:extLst>
-          </p:cNvPr>
-          <p:cNvCxnSpPr>
-            <a:cxnSpLocks/>
-          </p:cNvCxnSpPr>
-          <p:nvPr/>
-        </p:nvCxnSpPr>
-        <p:spPr>
-          <a:xfrm flipV="1">
-            <a:off x="6783630" y="4664959"/>
-            <a:ext cx="914400" cy="914400"/>
-          </a:xfrm>
-          <a:prstGeom prst="line">
-            <a:avLst/>
-          </a:prstGeom>
-          <a:ln w="127000">
-            <a:solidFill>
-              <a:schemeClr val="accent4"/>
-            </a:solidFill>
-          </a:ln>
-        </p:spPr>
-        <p:style>
-          <a:lnRef idx="1">
-            <a:schemeClr val="accent1"/>
-          </a:lnRef>
-          <a:fillRef idx="0">
-            <a:schemeClr val="accent1"/>
-          </a:fillRef>
-          <a:effectRef idx="0">
-            <a:schemeClr val="accent1"/>
-          </a:effectRef>
-          <a:fontRef idx="minor">
-            <a:schemeClr val="tx1"/>
-          </a:fontRef>
-        </p:style>
-      </p:cxnSp>
-      <p:cxnSp>
-        <p:nvCxnSpPr>
-          <p:cNvPr id="65" name="Conexão reta 64">
-            <a:extLst>
-              <a:ext uri="{FF2B5EF4-FFF2-40B4-BE49-F238E27FC236}">
-                <a16:creationId xmlns:a16="http://schemas.microsoft.com/office/drawing/2014/main" id="{6884B1D7-F3C4-4BF2-9CCD-C5CC953B59E3}"/>
-              </a:ext>
-            </a:extLst>
-          </p:cNvPr>
-          <p:cNvCxnSpPr>
-            <a:cxnSpLocks/>
-          </p:cNvCxnSpPr>
-          <p:nvPr/>
-        </p:nvCxnSpPr>
-        <p:spPr>
-          <a:xfrm>
-            <a:off x="6793155" y="3741034"/>
-            <a:ext cx="914400" cy="914400"/>
-          </a:xfrm>
-          <a:prstGeom prst="line">
-            <a:avLst/>
-          </a:prstGeom>
-          <a:ln w="127000">
-            <a:solidFill>
-              <a:schemeClr val="accent4"/>
-            </a:solidFill>
-          </a:ln>
-        </p:spPr>
-        <p:style>
-          <a:lnRef idx="1">
-            <a:schemeClr val="accent1"/>
-          </a:lnRef>
-          <a:fillRef idx="0">
-            <a:schemeClr val="accent1"/>
-          </a:fillRef>
-          <a:effectRef idx="0">
-            <a:schemeClr val="accent1"/>
-          </a:effectRef>
-          <a:fontRef idx="minor">
-            <a:schemeClr val="tx1"/>
-          </a:fontRef>
-        </p:style>
-      </p:cxnSp>
-      <p:grpSp>
-        <p:nvGrpSpPr>
-          <p:cNvPr id="76" name="Agrupar 75">
-            <a:extLst>
-              <a:ext uri="{FF2B5EF4-FFF2-40B4-BE49-F238E27FC236}">
-                <a16:creationId xmlns:a16="http://schemas.microsoft.com/office/drawing/2014/main" id="{34D96E33-B495-437F-A3F3-BD079F952083}"/>
-              </a:ext>
-            </a:extLst>
-          </p:cNvPr>
-          <p:cNvGrpSpPr/>
-          <p:nvPr/>
-        </p:nvGrpSpPr>
-        <p:grpSpPr>
-          <a:xfrm>
-            <a:off x="10708405" y="2963234"/>
-            <a:ext cx="1225017" cy="1369542"/>
-            <a:chOff x="10498855" y="5477834"/>
-            <a:chExt cx="1225017" cy="1369542"/>
-          </a:xfrm>
-        </p:grpSpPr>
-        <mc:AlternateContent xmlns:mc="http://schemas.openxmlformats.org/markup-compatibility/2006" xmlns:am3d="http://schemas.microsoft.com/office/drawing/2017/model3d">
-          <mc:Choice Requires="am3d">
+        <mc:AlternateContent xmlns:mc="http://schemas.openxmlformats.org/markup-compatibility/2006">
+          <mc:Choice xmlns:am3d="http://schemas.microsoft.com/office/drawing/2017/model3d" Requires="am3d">
             <p:graphicFrame>
               <p:nvGraphicFramePr>
-                <p:cNvPr id="77" name="Modelo 3D 76" descr="Hemisfério Cinza-Escuro">
+                <p:cNvPr id="35" name="Modelo 3D 34" descr="Cuboide Cinza-Escuro">
                   <a:extLst>
                     <a:ext uri="{FF2B5EF4-FFF2-40B4-BE49-F238E27FC236}">
-                      <a16:creationId xmlns:a16="http://schemas.microsoft.com/office/drawing/2014/main" id="{8814C08B-2BAE-475B-B167-0EC1D5CC6ACD}"/>
+                      <a16:creationId xmlns:a16="http://schemas.microsoft.com/office/drawing/2014/main" id="{CD476A95-7313-42E0-866F-47084F20620C}"/>
                     </a:ext>
                   </a:extLst>
                 </p:cNvPr>
@@ -4392,48 +3593,48 @@
                 <p:nvPr>
                   <p:extLst>
                     <p:ext uri="{D42A27DB-BD31-4B8C-83A1-F6EECF244321}">
-                      <p14:modId xmlns:p14="http://schemas.microsoft.com/office/powerpoint/2010/main" val="3220112064"/>
+                      <p14:modId xmlns:p14="http://schemas.microsoft.com/office/powerpoint/2010/main" val="2554398608"/>
                     </p:ext>
                   </p:extLst>
                 </p:nvPr>
               </p:nvGraphicFramePr>
-              <p:xfrm rot="5400000">
-                <a:off x="10310915" y="5856664"/>
-                <a:ext cx="1178652" cy="802772"/>
+              <p:xfrm>
+                <a:off x="8626740" y="3830084"/>
+                <a:ext cx="503965" cy="669954"/>
               </p:xfrm>
               <a:graphic>
                 <a:graphicData uri="http://schemas.microsoft.com/office/drawing/2017/model3d">
-                  <am3d:model3d r:embed="rId8">
+                  <am3d:model3d r:embed="rId4">
                     <am3d:spPr>
-                      <a:xfrm rot="5400000">
+                      <a:xfrm>
                         <a:off x="0" y="0"/>
-                        <a:ext cx="1178652" cy="802772"/>
+                        <a:ext cx="508843" cy="779579"/>
                       </a:xfrm>
                       <a:prstGeom prst="rect">
                         <a:avLst/>
                       </a:prstGeom>
                     </am3d:spPr>
                     <am3d:camera>
-                      <am3d:pos x="0" y="0" z="70522459"/>
+                      <am3d:pos x="0" y="0" z="57664451"/>
                       <am3d:up dx="0" dy="36000000" dz="0"/>
                       <am3d:lookAt x="0" y="0" z="0"/>
                       <am3d:perspective fov="2700000"/>
                     </am3d:camera>
                     <am3d:trans>
-                      <am3d:meterPerModelUnit n="6553073" d="1000000"/>
-                      <am3d:preTrans dx="9" dy="-8999683" dz="-344461"/>
+                      <am3d:meterPerModelUnit n="4361393" d="1000000"/>
+                      <am3d:preTrans dx="0" dy="-6493603" dz="0"/>
                       <am3d:scale>
                         <am3d:sx n="1000000" d="1000000"/>
                         <am3d:sy n="1000000" d="1000000"/>
                         <am3d:sz n="1000000" d="1000000"/>
                       </am3d:scale>
-                      <am3d:rot ax="16200000" ay="3600000" az="16200000"/>
+                      <am3d:rot ax="-7650021" ay="5" az="7"/>
                       <am3d:postTrans dx="0" dy="0" dz="0"/>
                     </am3d:trans>
                     <am3d:raster rName="Office3DRenderer" rVer="16.0.8326">
-                      <am3d:blip r:embed="rId10"/>
+                      <am3d:blip r:embed="rId5"/>
                     </am3d:raster>
-                    <am3d:objViewport viewportSz="1615893"/>
+                    <am3d:objViewport viewportSz="796900"/>
                     <am3d:ambientLight>
                       <am3d:clr>
                         <a:scrgbClr r="50000" g="50000" b="50000"/>
@@ -4466,13 +3667,13 @@
               </a:graphic>
             </p:graphicFrame>
           </mc:Choice>
-          <mc:Fallback xmlns="">
+          <mc:Fallback>
             <p:pic>
               <p:nvPicPr>
-                <p:cNvPr id="77" name="Modelo 3D 76" descr="Hemisfério Cinza-Escuro">
+                <p:cNvPr id="35" name="Modelo 3D 34" descr="Cuboide Cinza-Escuro">
                   <a:extLst>
                     <a:ext uri="{FF2B5EF4-FFF2-40B4-BE49-F238E27FC236}">
-                      <a16:creationId xmlns:a16="http://schemas.microsoft.com/office/drawing/2014/main" id="{8814C08B-2BAE-475B-B167-0EC1D5CC6ACD}"/>
+                      <a16:creationId xmlns:a16="http://schemas.microsoft.com/office/drawing/2014/main" id="{CD476A95-7313-42E0-866F-47084F20620C}"/>
                     </a:ext>
                   </a:extLst>
                 </p:cNvPr>
@@ -4482,15 +3683,15 @@
                 <p:nvPr/>
               </p:nvPicPr>
               <p:blipFill>
-                <a:blip r:embed="rId10"/>
+                <a:blip r:embed="rId5"/>
                 <a:stretch>
                   <a:fillRect/>
                 </a:stretch>
               </p:blipFill>
               <p:spPr>
-                <a:xfrm rot="5400000">
-                  <a:off x="10482365" y="3837364"/>
-                  <a:ext cx="1178652" cy="802772"/>
+                <a:xfrm>
+                  <a:off x="8593365" y="3904918"/>
+                  <a:ext cx="508843" cy="779579"/>
                 </a:xfrm>
                 <a:prstGeom prst="rect">
                   <a:avLst/>
@@ -4501,10 +3702,118 @@
         </mc:AlternateContent>
         <p:sp>
           <p:nvSpPr>
-            <p:cNvPr id="78" name="CaixaDeTexto 77">
+            <p:cNvPr id="41" name="Retângulo 40">
               <a:extLst>
                 <a:ext uri="{FF2B5EF4-FFF2-40B4-BE49-F238E27FC236}">
-                  <a16:creationId xmlns:a16="http://schemas.microsoft.com/office/drawing/2014/main" id="{28E57BE4-A1F9-45D1-A74C-B60B1E08634E}"/>
+                  <a16:creationId xmlns:a16="http://schemas.microsoft.com/office/drawing/2014/main" id="{1044C7DB-10A5-4A4A-8A69-80C92F5516A3}"/>
+                </a:ext>
+              </a:extLst>
+            </p:cNvPr>
+            <p:cNvSpPr/>
+            <p:nvPr/>
+          </p:nvSpPr>
+          <p:spPr>
+            <a:xfrm>
+              <a:off x="252636" y="600409"/>
+              <a:ext cx="5616593" cy="2944480"/>
+            </a:xfrm>
+            <a:prstGeom prst="rect">
+              <a:avLst/>
+            </a:prstGeom>
+            <a:noFill/>
+            <a:ln w="9525" cap="flat" cmpd="sng" algn="ctr">
+              <a:solidFill>
+                <a:schemeClr val="dk1"/>
+              </a:solidFill>
+              <a:prstDash val="dashDot"/>
+              <a:round/>
+              <a:headEnd type="none" w="med" len="med"/>
+              <a:tailEnd type="none" w="med" len="med"/>
+            </a:ln>
+          </p:spPr>
+          <p:style>
+            <a:lnRef idx="0">
+              <a:scrgbClr r="0" g="0" b="0"/>
+            </a:lnRef>
+            <a:fillRef idx="0">
+              <a:scrgbClr r="0" g="0" b="0"/>
+            </a:fillRef>
+            <a:effectRef idx="0">
+              <a:scrgbClr r="0" g="0" b="0"/>
+            </a:effectRef>
+            <a:fontRef idx="minor">
+              <a:schemeClr val="dk1"/>
+            </a:fontRef>
+          </p:style>
+          <p:txBody>
+            <a:bodyPr rtlCol="0" anchor="ctr"/>
+            <a:lstStyle/>
+            <a:p>
+              <a:pPr algn="ctr"/>
+              <a:endParaRPr lang="en-GB"/>
+            </a:p>
+          </p:txBody>
+        </p:sp>
+        <p:sp>
+          <p:nvSpPr>
+            <p:cNvPr id="42" name="Retângulo 41">
+              <a:extLst>
+                <a:ext uri="{FF2B5EF4-FFF2-40B4-BE49-F238E27FC236}">
+                  <a16:creationId xmlns:a16="http://schemas.microsoft.com/office/drawing/2014/main" id="{C2F6895E-CB3E-4942-AB4D-A1330623A524}"/>
+                </a:ext>
+              </a:extLst>
+            </p:cNvPr>
+            <p:cNvSpPr/>
+            <p:nvPr/>
+          </p:nvSpPr>
+          <p:spPr>
+            <a:xfrm>
+              <a:off x="6383253" y="592388"/>
+              <a:ext cx="5691770" cy="5699113"/>
+            </a:xfrm>
+            <a:prstGeom prst="rect">
+              <a:avLst/>
+            </a:prstGeom>
+            <a:noFill/>
+            <a:ln w="9525" cap="flat" cmpd="sng" algn="ctr">
+              <a:solidFill>
+                <a:schemeClr val="dk1"/>
+              </a:solidFill>
+              <a:prstDash val="dashDot"/>
+              <a:round/>
+              <a:headEnd type="none" w="med" len="med"/>
+              <a:tailEnd type="none" w="med" len="med"/>
+            </a:ln>
+          </p:spPr>
+          <p:style>
+            <a:lnRef idx="0">
+              <a:scrgbClr r="0" g="0" b="0"/>
+            </a:lnRef>
+            <a:fillRef idx="0">
+              <a:scrgbClr r="0" g="0" b="0"/>
+            </a:fillRef>
+            <a:effectRef idx="0">
+              <a:scrgbClr r="0" g="0" b="0"/>
+            </a:effectRef>
+            <a:fontRef idx="minor">
+              <a:schemeClr val="dk1"/>
+            </a:fontRef>
+          </p:style>
+          <p:txBody>
+            <a:bodyPr rtlCol="0" anchor="ctr"/>
+            <a:lstStyle/>
+            <a:p>
+              <a:pPr algn="ctr"/>
+              <a:endParaRPr lang="en-GB"/>
+            </a:p>
+          </p:txBody>
+        </p:sp>
+        <p:sp>
+          <p:nvSpPr>
+            <p:cNvPr id="43" name="CaixaDeTexto 42">
+              <a:extLst>
+                <a:ext uri="{FF2B5EF4-FFF2-40B4-BE49-F238E27FC236}">
+                  <a16:creationId xmlns:a16="http://schemas.microsoft.com/office/drawing/2014/main" id="{A2E492A1-082D-4F9D-B8E2-9ACC85032C33}"/>
                 </a:ext>
               </a:extLst>
             </p:cNvPr>
@@ -4513,8 +3822,8 @@
           </p:nvSpPr>
           <p:spPr>
             <a:xfrm>
-              <a:off x="10942889" y="5477834"/>
-              <a:ext cx="780983" cy="553998"/>
+              <a:off x="1459056" y="2846788"/>
+              <a:ext cx="1019831" cy="553998"/>
             </a:xfrm>
             <a:prstGeom prst="rect">
               <a:avLst/>
@@ -4529,212 +3838,735 @@
             <a:p>
               <a:r>
                 <a:rPr lang="en-GB" sz="3000" b="1" dirty="0"/>
-                <a:t>D</a:t>
-              </a:r>
-              <a:r>
-                <a:rPr lang="en-GB" sz="3000" b="1" baseline="-25000" dirty="0"/>
-                <a:t>M1</a:t>
+                <a:t>Laser</a:t>
               </a:r>
             </a:p>
           </p:txBody>
         </p:sp>
-      </p:grpSp>
-      <mc:AlternateContent xmlns:mc="http://schemas.openxmlformats.org/markup-compatibility/2006" xmlns:am3d="http://schemas.microsoft.com/office/drawing/2017/model3d">
-        <mc:Choice Requires="am3d">
-          <p:graphicFrame>
-            <p:nvGraphicFramePr>
-              <p:cNvPr id="82" name="Modelo 3D 81" descr="Sinal de Subtração Cinza-Escuro">
+        <p:sp>
+          <p:nvSpPr>
+            <p:cNvPr id="44" name="CaixaDeTexto 43">
+              <a:extLst>
+                <a:ext uri="{FF2B5EF4-FFF2-40B4-BE49-F238E27FC236}">
+                  <a16:creationId xmlns:a16="http://schemas.microsoft.com/office/drawing/2014/main" id="{0EDA8795-CA94-4B3A-85AF-B784E65A4DC7}"/>
+                </a:ext>
+              </a:extLst>
+            </p:cNvPr>
+            <p:cNvSpPr txBox="1"/>
+            <p:nvPr/>
+          </p:nvSpPr>
+          <p:spPr>
+            <a:xfrm>
+              <a:off x="3681388" y="776211"/>
+              <a:ext cx="1382045" cy="707886"/>
+            </a:xfrm>
+            <a:prstGeom prst="rect">
+              <a:avLst/>
+            </a:prstGeom>
+            <a:noFill/>
+          </p:spPr>
+          <p:txBody>
+            <a:bodyPr wrap="none" rtlCol="0">
+              <a:spAutoFit/>
+            </a:bodyPr>
+            <a:lstStyle/>
+            <a:p>
+              <a:pPr algn="ctr"/>
+              <a:r>
+                <a:rPr lang="en-GB" sz="2000" b="1" dirty="0"/>
+                <a:t>Intensity</a:t>
+              </a:r>
+            </a:p>
+            <a:p>
+              <a:pPr algn="ctr"/>
+              <a:r>
+                <a:rPr lang="en-GB" sz="2000" b="1" dirty="0"/>
+                <a:t> Modulator</a:t>
+              </a:r>
+            </a:p>
+          </p:txBody>
+        </p:sp>
+        <p:grpSp>
+          <p:nvGrpSpPr>
+            <p:cNvPr id="71" name="Agrupar 70">
+              <a:extLst>
+                <a:ext uri="{FF2B5EF4-FFF2-40B4-BE49-F238E27FC236}">
+                  <a16:creationId xmlns:a16="http://schemas.microsoft.com/office/drawing/2014/main" id="{780E8B69-3907-4302-872B-50CB368BDD8B}"/>
+                </a:ext>
+              </a:extLst>
+            </p:cNvPr>
+            <p:cNvGrpSpPr/>
+            <p:nvPr/>
+          </p:nvGrpSpPr>
+          <p:grpSpPr>
+            <a:xfrm>
+              <a:off x="10698880" y="4753934"/>
+              <a:ext cx="1225017" cy="1369542"/>
+              <a:chOff x="10498855" y="5477834"/>
+              <a:chExt cx="1225017" cy="1369542"/>
+            </a:xfrm>
+          </p:grpSpPr>
+          <mc:AlternateContent xmlns:mc="http://schemas.openxmlformats.org/markup-compatibility/2006" xmlns:am3d="http://schemas.microsoft.com/office/drawing/2017/model3d">
+            <mc:Choice Requires="am3d">
+              <p:graphicFrame>
+                <p:nvGraphicFramePr>
+                  <p:cNvPr id="27" name="Modelo 3D 26" descr="Hemisfério Cinza-Escuro">
+                    <a:extLst>
+                      <a:ext uri="{FF2B5EF4-FFF2-40B4-BE49-F238E27FC236}">
+                        <a16:creationId xmlns:a16="http://schemas.microsoft.com/office/drawing/2014/main" id="{84E0CCAB-7D61-4B1B-ACAF-C110CFF4DB82}"/>
+                      </a:ext>
+                    </a:extLst>
+                  </p:cNvPr>
+                  <p:cNvGraphicFramePr>
+                    <a:graphicFrameLocks noChangeAspect="1"/>
+                  </p:cNvGraphicFramePr>
+                  <p:nvPr>
+                    <p:extLst>
+                      <p:ext uri="{D42A27DB-BD31-4B8C-83A1-F6EECF244321}">
+                        <p14:modId xmlns:p14="http://schemas.microsoft.com/office/powerpoint/2010/main" val="48384046"/>
+                      </p:ext>
+                    </p:extLst>
+                  </p:nvPr>
+                </p:nvGraphicFramePr>
+                <p:xfrm rot="5400000">
+                  <a:off x="10310915" y="5856664"/>
+                  <a:ext cx="1178652" cy="802772"/>
+                </p:xfrm>
+                <a:graphic>
+                  <a:graphicData uri="http://schemas.microsoft.com/office/drawing/2017/model3d">
+                    <am3d:model3d r:embed="rId6">
+                      <am3d:spPr>
+                        <a:xfrm rot="5400000">
+                          <a:off x="0" y="0"/>
+                          <a:ext cx="1371516" cy="810542"/>
+                        </a:xfrm>
+                        <a:prstGeom prst="rect">
+                          <a:avLst/>
+                        </a:prstGeom>
+                      </am3d:spPr>
+                      <am3d:camera>
+                        <am3d:pos x="0" y="0" z="70522459"/>
+                        <am3d:up dx="0" dy="36000000" dz="0"/>
+                        <am3d:lookAt x="0" y="0" z="0"/>
+                        <am3d:perspective fov="2700000"/>
+                      </am3d:camera>
+                      <am3d:trans>
+                        <am3d:meterPerModelUnit n="6553073" d="1000000"/>
+                        <am3d:preTrans dx="9" dy="-8999683" dz="-344461"/>
+                        <am3d:scale>
+                          <am3d:sx n="1000000" d="1000000"/>
+                          <am3d:sy n="1000000" d="1000000"/>
+                          <am3d:sz n="1000000" d="1000000"/>
+                        </am3d:scale>
+                        <am3d:rot ax="16200000" ay="3600000" az="16200000"/>
+                        <am3d:postTrans dx="0" dy="0" dz="0"/>
+                      </am3d:trans>
+                      <am3d:raster rName="Office3DRenderer" rVer="16.0.8326">
+                        <am3d:blip r:embed="rId7"/>
+                      </am3d:raster>
+                      <am3d:objViewport viewportSz="1631534"/>
+                      <am3d:ambientLight>
+                        <am3d:clr>
+                          <a:scrgbClr r="50000" g="50000" b="50000"/>
+                        </am3d:clr>
+                        <am3d:illuminance n="500000" d="1000000"/>
+                      </am3d:ambientLight>
+                      <am3d:ptLight rad="0">
+                        <am3d:clr>
+                          <a:scrgbClr r="100000" g="75000" b="50000"/>
+                        </am3d:clr>
+                        <am3d:intensity n="9765625" d="1000000"/>
+                        <am3d:pos x="21959998" y="70920001" z="16344003"/>
+                      </am3d:ptLight>
+                      <am3d:ptLight rad="0">
+                        <am3d:clr>
+                          <a:scrgbClr r="40000" g="60000" b="95000"/>
+                        </am3d:clr>
+                        <am3d:intensity n="12250000" d="1000000"/>
+                        <am3d:pos x="-37964106" y="51130435" z="57631972"/>
+                      </am3d:ptLight>
+                      <am3d:ptLight rad="0">
+                        <am3d:clr>
+                          <a:scrgbClr r="86837" g="72700" b="100000"/>
+                        </am3d:clr>
+                        <am3d:intensity n="3125000" d="1000000"/>
+                        <am3d:pos x="-37739122" y="58056624" z="-34769649"/>
+                      </am3d:ptLight>
+                    </am3d:model3d>
+                  </a:graphicData>
+                </a:graphic>
+              </p:graphicFrame>
+            </mc:Choice>
+            <mc:Fallback xmlns="">
+              <p:pic>
+                <p:nvPicPr>
+                  <p:cNvPr id="27" name="Modelo 3D 26" descr="Hemisfério Cinza-Escuro">
+                    <a:extLst>
+                      <a:ext uri="{FF2B5EF4-FFF2-40B4-BE49-F238E27FC236}">
+                        <a16:creationId xmlns:a16="http://schemas.microsoft.com/office/drawing/2014/main" id="{84E0CCAB-7D61-4B1B-ACAF-C110CFF4DB82}"/>
+                      </a:ext>
+                    </a:extLst>
+                  </p:cNvPr>
+                  <p:cNvPicPr>
+                    <a:picLocks noGrp="1" noRot="1" noChangeAspect="1" noMove="1" noResize="1" noEditPoints="1" noAdjustHandles="1" noChangeArrowheads="1" noChangeShapeType="1" noCrop="1"/>
+                  </p:cNvPicPr>
+                  <p:nvPr/>
+                </p:nvPicPr>
+                <p:blipFill>
+                  <a:blip r:embed="rId10"/>
+                  <a:stretch>
+                    <a:fillRect/>
+                  </a:stretch>
+                </p:blipFill>
+                <p:spPr>
+                  <a:xfrm rot="5400000">
+                    <a:off x="10472840" y="5628064"/>
+                    <a:ext cx="1178652" cy="802772"/>
+                  </a:xfrm>
+                  <a:prstGeom prst="rect">
+                    <a:avLst/>
+                  </a:prstGeom>
+                </p:spPr>
+              </p:pic>
+            </mc:Fallback>
+          </mc:AlternateContent>
+          <p:sp>
+            <p:nvSpPr>
+              <p:cNvPr id="47" name="CaixaDeTexto 46">
                 <a:extLst>
                   <a:ext uri="{FF2B5EF4-FFF2-40B4-BE49-F238E27FC236}">
-                    <a16:creationId xmlns:a16="http://schemas.microsoft.com/office/drawing/2014/main" id="{17B1B989-5A36-41E9-84F5-8D5AC06F7925}"/>
+                    <a16:creationId xmlns:a16="http://schemas.microsoft.com/office/drawing/2014/main" id="{8973744B-C158-45F6-B7DA-10886371E7AD}"/>
                   </a:ext>
                 </a:extLst>
               </p:cNvPr>
-              <p:cNvGraphicFramePr>
-                <a:graphicFrameLocks noChangeAspect="1"/>
-              </p:cNvGraphicFramePr>
-              <p:nvPr>
-                <p:extLst>
-                  <p:ext uri="{D42A27DB-BD31-4B8C-83A1-F6EECF244321}">
-                    <p14:modId xmlns:p14="http://schemas.microsoft.com/office/powerpoint/2010/main" val="1304654464"/>
-                  </p:ext>
-                </p:extLst>
-              </p:nvPr>
-            </p:nvGraphicFramePr>
-            <p:xfrm rot="10800000">
-              <a:off x="4870450" y="1578860"/>
-              <a:ext cx="911891" cy="1743209"/>
-            </p:xfrm>
-            <a:graphic>
-              <a:graphicData uri="http://schemas.microsoft.com/office/drawing/2017/model3d">
-                <am3d:model3d r:embed="rId2">
-                  <am3d:spPr>
-                    <a:xfrm rot="10800000">
-                      <a:off x="0" y="0"/>
-                      <a:ext cx="911891" cy="1743209"/>
-                    </a:xfrm>
-                    <a:prstGeom prst="rect">
-                      <a:avLst/>
-                    </a:prstGeom>
-                  </am3d:spPr>
-                  <am3d:camera>
-                    <am3d:pos x="0" y="0" z="49021875"/>
-                    <am3d:up dx="0" dy="36000000" dz="0"/>
-                    <am3d:lookAt x="0" y="0" z="0"/>
-                    <am3d:perspective fov="2700000"/>
-                  </am3d:camera>
-                  <am3d:trans>
-                    <am3d:meterPerModelUnit n="4685389" d="1000000"/>
-                    <am3d:preTrans dx="-2441" dy="-23614363" dz="0"/>
-                    <am3d:scale>
-                      <am3d:sx n="1000000" d="1000000"/>
-                      <am3d:sy n="1000000" d="1000000"/>
-                      <am3d:sz n="1000000" d="1000000"/>
-                    </am3d:scale>
-                    <am3d:rot ax="5616986" ay="4619897" az="5622683"/>
-                    <am3d:postTrans dx="0" dy="0" dz="0"/>
-                  </am3d:trans>
-                  <am3d:raster rName="Office3DRenderer" rVer="16.0.8326">
-                    <am3d:blip r:embed="rId4"/>
-                  </am3d:raster>
-                  <am3d:objViewport viewportSz="2651383"/>
-                  <am3d:ambientLight>
-                    <am3d:clr>
-                      <a:scrgbClr r="50000" g="50000" b="50000"/>
-                    </am3d:clr>
-                    <am3d:illuminance n="500000" d="1000000"/>
-                  </am3d:ambientLight>
-                  <am3d:ptLight rad="0">
-                    <am3d:clr>
-                      <a:scrgbClr r="100000" g="75000" b="50000"/>
-                    </am3d:clr>
-                    <am3d:intensity n="9765625" d="1000000"/>
-                    <am3d:pos x="21959998" y="70920001" z="16344003"/>
-                  </am3d:ptLight>
-                  <am3d:ptLight rad="0">
-                    <am3d:clr>
-                      <a:scrgbClr r="40000" g="60000" b="95000"/>
-                    </am3d:clr>
-                    <am3d:intensity n="12250000" d="1000000"/>
-                    <am3d:pos x="-37964106" y="51130435" z="57631972"/>
-                  </am3d:ptLight>
-                  <am3d:ptLight rad="0">
-                    <am3d:clr>
-                      <a:scrgbClr r="86837" g="72700" b="100000"/>
-                    </am3d:clr>
-                    <am3d:intensity n="3125000" d="1000000"/>
-                    <am3d:pos x="-37739122" y="58056624" z="-34769649"/>
-                  </am3d:ptLight>
-                </am3d:model3d>
-              </a:graphicData>
-            </a:graphic>
-          </p:graphicFrame>
-        </mc:Choice>
-        <mc:Fallback xmlns="">
-          <p:pic>
-            <p:nvPicPr>
-              <p:cNvPr id="82" name="Modelo 3D 81" descr="Sinal de Subtração Cinza-Escuro">
-                <a:extLst>
-                  <a:ext uri="{FF2B5EF4-FFF2-40B4-BE49-F238E27FC236}">
-                    <a16:creationId xmlns:a16="http://schemas.microsoft.com/office/drawing/2014/main" id="{17B1B989-5A36-41E9-84F5-8D5AC06F7925}"/>
-                  </a:ext>
-                </a:extLst>
-              </p:cNvPr>
-              <p:cNvPicPr>
-                <a:picLocks noGrp="1" noRot="1" noChangeAspect="1" noMove="1" noResize="1" noEditPoints="1" noAdjustHandles="1" noChangeArrowheads="1" noChangeShapeType="1" noCrop="1"/>
-              </p:cNvPicPr>
+              <p:cNvSpPr txBox="1"/>
               <p:nvPr/>
-            </p:nvPicPr>
-            <p:blipFill>
-              <a:blip r:embed="rId4"/>
-              <a:stretch>
-                <a:fillRect/>
-              </a:stretch>
-            </p:blipFill>
+            </p:nvSpPr>
             <p:spPr>
-              <a:xfrm rot="10800000">
-                <a:off x="4870450" y="1578860"/>
-                <a:ext cx="911891" cy="1743209"/>
+              <a:xfrm>
+                <a:off x="10942889" y="5477834"/>
+                <a:ext cx="780983" cy="553998"/>
               </a:xfrm>
               <a:prstGeom prst="rect">
                 <a:avLst/>
               </a:prstGeom>
+              <a:noFill/>
             </p:spPr>
-          </p:pic>
-        </mc:Fallback>
-      </mc:AlternateContent>
-      <p:cxnSp>
-        <p:nvCxnSpPr>
-          <p:cNvPr id="67" name="Conexão reta 66">
-            <a:extLst>
-              <a:ext uri="{FF2B5EF4-FFF2-40B4-BE49-F238E27FC236}">
-                <a16:creationId xmlns:a16="http://schemas.microsoft.com/office/drawing/2014/main" id="{B819E0FF-81F7-4171-9AFE-1AEEC6159964}"/>
-              </a:ext>
-            </a:extLst>
-          </p:cNvPr>
-          <p:cNvCxnSpPr>
-            <a:cxnSpLocks/>
-          </p:cNvCxnSpPr>
-          <p:nvPr/>
-        </p:nvCxnSpPr>
-        <p:spPr>
-          <a:xfrm flipV="1">
-            <a:off x="6793155" y="2121870"/>
-            <a:ext cx="0" cy="1561130"/>
-          </a:xfrm>
-          <a:prstGeom prst="line">
-            <a:avLst/>
-          </a:prstGeom>
-          <a:ln w="127000" cap="rnd">
-            <a:solidFill>
-              <a:schemeClr val="accent4"/>
-            </a:solidFill>
-            <a:round/>
-          </a:ln>
-        </p:spPr>
-        <p:style>
-          <a:lnRef idx="1">
-            <a:schemeClr val="accent1"/>
-          </a:lnRef>
-          <a:fillRef idx="0">
-            <a:schemeClr val="accent1"/>
-          </a:fillRef>
-          <a:effectRef idx="0">
-            <a:schemeClr val="accent1"/>
-          </a:effectRef>
-          <a:fontRef idx="minor">
-            <a:schemeClr val="tx1"/>
-          </a:fontRef>
-        </p:style>
-      </p:cxnSp>
-      <p:grpSp>
-        <p:nvGrpSpPr>
-          <p:cNvPr id="79" name="Agrupar 78">
-            <a:extLst>
-              <a:ext uri="{FF2B5EF4-FFF2-40B4-BE49-F238E27FC236}">
-                <a16:creationId xmlns:a16="http://schemas.microsoft.com/office/drawing/2014/main" id="{B6F1DAB8-F449-4FEF-A1B7-451CE97764E3}"/>
-              </a:ext>
-            </a:extLst>
-          </p:cNvPr>
-          <p:cNvGrpSpPr/>
-          <p:nvPr/>
-        </p:nvGrpSpPr>
-        <p:grpSpPr>
-          <a:xfrm>
-            <a:off x="10708405" y="1340809"/>
-            <a:ext cx="1015024" cy="1369542"/>
-            <a:chOff x="10498855" y="5477834"/>
-            <a:chExt cx="1015024" cy="1369542"/>
-          </a:xfrm>
-        </p:grpSpPr>
-        <mc:AlternateContent xmlns:mc="http://schemas.openxmlformats.org/markup-compatibility/2006" xmlns:am3d="http://schemas.microsoft.com/office/drawing/2017/model3d">
-          <mc:Choice Requires="am3d">
+            <p:txBody>
+              <a:bodyPr wrap="none" rtlCol="0">
+                <a:spAutoFit/>
+              </a:bodyPr>
+              <a:lstStyle/>
+              <a:p>
+                <a:r>
+                  <a:rPr lang="en-GB" sz="3000" b="1" dirty="0"/>
+                  <a:t>D</a:t>
+                </a:r>
+                <a:r>
+                  <a:rPr lang="en-GB" sz="3000" b="1" baseline="-25000" dirty="0"/>
+                  <a:t>M2</a:t>
+                </a:r>
+              </a:p>
+            </p:txBody>
+          </p:sp>
+        </p:grpSp>
+        <p:sp>
+          <p:nvSpPr>
+            <p:cNvPr id="48" name="CaixaDeTexto 47">
+              <a:extLst>
+                <a:ext uri="{FF2B5EF4-FFF2-40B4-BE49-F238E27FC236}">
+                  <a16:creationId xmlns:a16="http://schemas.microsoft.com/office/drawing/2014/main" id="{A2AB5F69-AF24-421C-A1FA-6D69BC18C10F}"/>
+                </a:ext>
+              </a:extLst>
+            </p:cNvPr>
+            <p:cNvSpPr txBox="1"/>
+            <p:nvPr/>
+          </p:nvSpPr>
+          <p:spPr>
+            <a:xfrm>
+              <a:off x="8280649" y="3310233"/>
+              <a:ext cx="1186543" cy="553998"/>
+            </a:xfrm>
+            <a:prstGeom prst="rect">
+              <a:avLst/>
+            </a:prstGeom>
+            <a:noFill/>
+          </p:spPr>
+          <p:txBody>
+            <a:bodyPr wrap="none" rtlCol="0">
+              <a:spAutoFit/>
+            </a:bodyPr>
+            <a:lstStyle/>
+            <a:p>
+              <a:r>
+                <a:rPr lang="en-GB" sz="3000" b="1" dirty="0"/>
+                <a:t>0.5 </a:t>
+              </a:r>
+              <a:r>
+                <a:rPr lang="en-GB" sz="3000" b="1" dirty="0" err="1"/>
+                <a:t>t</a:t>
+              </a:r>
+              <a:r>
+                <a:rPr lang="en-GB" sz="3000" b="1" baseline="-25000" dirty="0" err="1"/>
+                <a:t>bit</a:t>
+              </a:r>
+              <a:endParaRPr lang="en-GB" sz="3000" b="1" baseline="-25000" dirty="0"/>
+            </a:p>
+          </p:txBody>
+        </p:sp>
+        <p:sp>
+          <p:nvSpPr>
+            <p:cNvPr id="49" name="CaixaDeTexto 48">
+              <a:extLst>
+                <a:ext uri="{FF2B5EF4-FFF2-40B4-BE49-F238E27FC236}">
+                  <a16:creationId xmlns:a16="http://schemas.microsoft.com/office/drawing/2014/main" id="{DF00DC78-493F-4A09-881D-ECC652B928CC}"/>
+                </a:ext>
+              </a:extLst>
+            </p:cNvPr>
+            <p:cNvSpPr txBox="1"/>
+            <p:nvPr/>
+          </p:nvSpPr>
+          <p:spPr>
+            <a:xfrm>
+              <a:off x="7175885" y="1468601"/>
+              <a:ext cx="461986" cy="553998"/>
+            </a:xfrm>
+            <a:prstGeom prst="rect">
+              <a:avLst/>
+            </a:prstGeom>
+            <a:noFill/>
+          </p:spPr>
+          <p:txBody>
+            <a:bodyPr wrap="none" rtlCol="0">
+              <a:spAutoFit/>
+            </a:bodyPr>
+            <a:lstStyle/>
+            <a:p>
+              <a:r>
+                <a:rPr lang="en-GB" sz="3000" b="1" dirty="0" err="1"/>
+                <a:t>t</a:t>
+              </a:r>
+              <a:r>
+                <a:rPr lang="en-GB" sz="3000" b="1" baseline="-25000" dirty="0" err="1"/>
+                <a:t>B</a:t>
+              </a:r>
+              <a:endParaRPr lang="en-GB" sz="3000" b="1" baseline="-25000" dirty="0"/>
+            </a:p>
+          </p:txBody>
+        </p:sp>
+        <p:sp>
+          <p:nvSpPr>
+            <p:cNvPr id="50" name="CaixaDeTexto 49">
+              <a:extLst>
+                <a:ext uri="{FF2B5EF4-FFF2-40B4-BE49-F238E27FC236}">
+                  <a16:creationId xmlns:a16="http://schemas.microsoft.com/office/drawing/2014/main" id="{F1C44298-1642-4EAC-8D47-A952D30FC8D6}"/>
+                </a:ext>
+              </a:extLst>
+            </p:cNvPr>
+            <p:cNvSpPr txBox="1"/>
+            <p:nvPr/>
+          </p:nvSpPr>
+          <p:spPr>
+            <a:xfrm>
+              <a:off x="6872977" y="2516066"/>
+              <a:ext cx="774571" cy="553998"/>
+            </a:xfrm>
+            <a:prstGeom prst="rect">
+              <a:avLst/>
+            </a:prstGeom>
+            <a:noFill/>
+          </p:spPr>
+          <p:txBody>
+            <a:bodyPr wrap="none" rtlCol="0">
+              <a:spAutoFit/>
+            </a:bodyPr>
+            <a:lstStyle/>
+            <a:p>
+              <a:r>
+                <a:rPr lang="en-GB" sz="3000" b="1" dirty="0"/>
+                <a:t>1-t</a:t>
+              </a:r>
+              <a:r>
+                <a:rPr lang="en-GB" sz="3000" b="1" baseline="-25000" dirty="0"/>
+                <a:t>B</a:t>
+              </a:r>
+            </a:p>
+          </p:txBody>
+        </p:sp>
+        <p:sp>
+          <p:nvSpPr>
+            <p:cNvPr id="53" name="Hexágono 52">
+              <a:extLst>
+                <a:ext uri="{FF2B5EF4-FFF2-40B4-BE49-F238E27FC236}">
+                  <a16:creationId xmlns:a16="http://schemas.microsoft.com/office/drawing/2014/main" id="{0EF39FF1-9468-4B15-AE62-D30F361F0818}"/>
+                </a:ext>
+              </a:extLst>
+            </p:cNvPr>
+            <p:cNvSpPr/>
+            <p:nvPr/>
+          </p:nvSpPr>
+          <p:spPr>
+            <a:xfrm>
+              <a:off x="7698030" y="4174422"/>
+              <a:ext cx="2246214" cy="942975"/>
+            </a:xfrm>
+            <a:prstGeom prst="hexagon">
+              <a:avLst/>
+            </a:prstGeom>
+            <a:noFill/>
+            <a:ln w="127000" cap="sq">
+              <a:solidFill>
+                <a:schemeClr val="accent4"/>
+              </a:solidFill>
+              <a:miter lim="800000"/>
+            </a:ln>
+          </p:spPr>
+          <p:style>
+            <a:lnRef idx="2">
+              <a:schemeClr val="accent1">
+                <a:shade val="50000"/>
+              </a:schemeClr>
+            </a:lnRef>
+            <a:fillRef idx="1">
+              <a:schemeClr val="accent1"/>
+            </a:fillRef>
+            <a:effectRef idx="0">
+              <a:schemeClr val="accent1"/>
+            </a:effectRef>
+            <a:fontRef idx="minor">
+              <a:schemeClr val="lt1"/>
+            </a:fontRef>
+          </p:style>
+          <p:txBody>
+            <a:bodyPr rtlCol="0" anchor="ctr"/>
+            <a:lstStyle/>
+            <a:p>
+              <a:pPr algn="ctr"/>
+              <a:endParaRPr lang="en-GB"/>
+            </a:p>
+          </p:txBody>
+        </p:sp>
+        <p:cxnSp>
+          <p:nvCxnSpPr>
+            <p:cNvPr id="57" name="Conexão reta 56">
+              <a:extLst>
+                <a:ext uri="{FF2B5EF4-FFF2-40B4-BE49-F238E27FC236}">
+                  <a16:creationId xmlns:a16="http://schemas.microsoft.com/office/drawing/2014/main" id="{66EA8DB7-A68B-4DEC-8783-55FEF91B7784}"/>
+                </a:ext>
+              </a:extLst>
+            </p:cNvPr>
+            <p:cNvCxnSpPr>
+              <a:stCxn id="53" idx="0"/>
+            </p:cNvCxnSpPr>
+            <p:nvPr/>
+          </p:nvCxnSpPr>
+          <p:spPr>
+            <a:xfrm>
+              <a:off x="9944244" y="4645909"/>
+              <a:ext cx="914400" cy="914400"/>
+            </a:xfrm>
+            <a:prstGeom prst="line">
+              <a:avLst/>
+            </a:prstGeom>
+            <a:ln w="127000">
+              <a:solidFill>
+                <a:schemeClr val="accent4"/>
+              </a:solidFill>
+            </a:ln>
+          </p:spPr>
+          <p:style>
+            <a:lnRef idx="1">
+              <a:schemeClr val="accent1"/>
+            </a:lnRef>
+            <a:fillRef idx="0">
+              <a:schemeClr val="accent1"/>
+            </a:fillRef>
+            <a:effectRef idx="0">
+              <a:schemeClr val="accent1"/>
+            </a:effectRef>
+            <a:fontRef idx="minor">
+              <a:schemeClr val="tx1"/>
+            </a:fontRef>
+          </p:style>
+        </p:cxnSp>
+        <p:cxnSp>
+          <p:nvCxnSpPr>
+            <p:cNvPr id="63" name="Conexão reta 62">
+              <a:extLst>
+                <a:ext uri="{FF2B5EF4-FFF2-40B4-BE49-F238E27FC236}">
+                  <a16:creationId xmlns:a16="http://schemas.microsoft.com/office/drawing/2014/main" id="{9D5B6D5C-B107-4E32-B4F4-B5E76FACD7BE}"/>
+                </a:ext>
+              </a:extLst>
+            </p:cNvPr>
+            <p:cNvCxnSpPr>
+              <a:cxnSpLocks/>
+            </p:cNvCxnSpPr>
+            <p:nvPr/>
+          </p:nvCxnSpPr>
+          <p:spPr>
+            <a:xfrm flipV="1">
+              <a:off x="6783630" y="4664959"/>
+              <a:ext cx="914400" cy="914400"/>
+            </a:xfrm>
+            <a:prstGeom prst="line">
+              <a:avLst/>
+            </a:prstGeom>
+            <a:ln w="127000">
+              <a:solidFill>
+                <a:schemeClr val="accent4"/>
+              </a:solidFill>
+            </a:ln>
+          </p:spPr>
+          <p:style>
+            <a:lnRef idx="1">
+              <a:schemeClr val="accent1"/>
+            </a:lnRef>
+            <a:fillRef idx="0">
+              <a:schemeClr val="accent1"/>
+            </a:fillRef>
+            <a:effectRef idx="0">
+              <a:schemeClr val="accent1"/>
+            </a:effectRef>
+            <a:fontRef idx="minor">
+              <a:schemeClr val="tx1"/>
+            </a:fontRef>
+          </p:style>
+        </p:cxnSp>
+        <p:cxnSp>
+          <p:nvCxnSpPr>
+            <p:cNvPr id="65" name="Conexão reta 64">
+              <a:extLst>
+                <a:ext uri="{FF2B5EF4-FFF2-40B4-BE49-F238E27FC236}">
+                  <a16:creationId xmlns:a16="http://schemas.microsoft.com/office/drawing/2014/main" id="{6884B1D7-F3C4-4BF2-9CCD-C5CC953B59E3}"/>
+                </a:ext>
+              </a:extLst>
+            </p:cNvPr>
+            <p:cNvCxnSpPr>
+              <a:cxnSpLocks/>
+            </p:cNvCxnSpPr>
+            <p:nvPr/>
+          </p:nvCxnSpPr>
+          <p:spPr>
+            <a:xfrm>
+              <a:off x="6793155" y="3741034"/>
+              <a:ext cx="914400" cy="914400"/>
+            </a:xfrm>
+            <a:prstGeom prst="line">
+              <a:avLst/>
+            </a:prstGeom>
+            <a:ln w="127000">
+              <a:solidFill>
+                <a:schemeClr val="accent4"/>
+              </a:solidFill>
+            </a:ln>
+          </p:spPr>
+          <p:style>
+            <a:lnRef idx="1">
+              <a:schemeClr val="accent1"/>
+            </a:lnRef>
+            <a:fillRef idx="0">
+              <a:schemeClr val="accent1"/>
+            </a:fillRef>
+            <a:effectRef idx="0">
+              <a:schemeClr val="accent1"/>
+            </a:effectRef>
+            <a:fontRef idx="minor">
+              <a:schemeClr val="tx1"/>
+            </a:fontRef>
+          </p:style>
+        </p:cxnSp>
+        <p:grpSp>
+          <p:nvGrpSpPr>
+            <p:cNvPr id="76" name="Agrupar 75">
+              <a:extLst>
+                <a:ext uri="{FF2B5EF4-FFF2-40B4-BE49-F238E27FC236}">
+                  <a16:creationId xmlns:a16="http://schemas.microsoft.com/office/drawing/2014/main" id="{34D96E33-B495-437F-A3F3-BD079F952083}"/>
+                </a:ext>
+              </a:extLst>
+            </p:cNvPr>
+            <p:cNvGrpSpPr/>
+            <p:nvPr/>
+          </p:nvGrpSpPr>
+          <p:grpSpPr>
+            <a:xfrm>
+              <a:off x="10708405" y="2963234"/>
+              <a:ext cx="1225017" cy="1369542"/>
+              <a:chOff x="10498855" y="5477834"/>
+              <a:chExt cx="1225017" cy="1369542"/>
+            </a:xfrm>
+          </p:grpSpPr>
+          <mc:AlternateContent xmlns:mc="http://schemas.openxmlformats.org/markup-compatibility/2006" xmlns:am3d="http://schemas.microsoft.com/office/drawing/2017/model3d">
+            <mc:Choice Requires="am3d">
+              <p:graphicFrame>
+                <p:nvGraphicFramePr>
+                  <p:cNvPr id="77" name="Modelo 3D 76" descr="Hemisfério Cinza-Escuro">
+                    <a:extLst>
+                      <a:ext uri="{FF2B5EF4-FFF2-40B4-BE49-F238E27FC236}">
+                        <a16:creationId xmlns:a16="http://schemas.microsoft.com/office/drawing/2014/main" id="{8814C08B-2BAE-475B-B167-0EC1D5CC6ACD}"/>
+                      </a:ext>
+                    </a:extLst>
+                  </p:cNvPr>
+                  <p:cNvGraphicFramePr>
+                    <a:graphicFrameLocks noChangeAspect="1"/>
+                  </p:cNvGraphicFramePr>
+                  <p:nvPr>
+                    <p:extLst>
+                      <p:ext uri="{D42A27DB-BD31-4B8C-83A1-F6EECF244321}">
+                        <p14:modId xmlns:p14="http://schemas.microsoft.com/office/powerpoint/2010/main" val="3220112064"/>
+                      </p:ext>
+                    </p:extLst>
+                  </p:nvPr>
+                </p:nvGraphicFramePr>
+                <p:xfrm rot="5400000">
+                  <a:off x="10310915" y="5856664"/>
+                  <a:ext cx="1178652" cy="802772"/>
+                </p:xfrm>
+                <a:graphic>
+                  <a:graphicData uri="http://schemas.microsoft.com/office/drawing/2017/model3d">
+                    <am3d:model3d r:embed="rId6">
+                      <am3d:spPr>
+                        <a:xfrm rot="5400000">
+                          <a:off x="0" y="0"/>
+                          <a:ext cx="1371516" cy="810542"/>
+                        </a:xfrm>
+                        <a:prstGeom prst="rect">
+                          <a:avLst/>
+                        </a:prstGeom>
+                      </am3d:spPr>
+                      <am3d:camera>
+                        <am3d:pos x="0" y="0" z="70522459"/>
+                        <am3d:up dx="0" dy="36000000" dz="0"/>
+                        <am3d:lookAt x="0" y="0" z="0"/>
+                        <am3d:perspective fov="2700000"/>
+                      </am3d:camera>
+                      <am3d:trans>
+                        <am3d:meterPerModelUnit n="6553073" d="1000000"/>
+                        <am3d:preTrans dx="9" dy="-8999683" dz="-344461"/>
+                        <am3d:scale>
+                          <am3d:sx n="1000000" d="1000000"/>
+                          <am3d:sy n="1000000" d="1000000"/>
+                          <am3d:sz n="1000000" d="1000000"/>
+                        </am3d:scale>
+                        <am3d:rot ax="16200000" ay="3600000" az="16200000"/>
+                        <am3d:postTrans dx="0" dy="0" dz="0"/>
+                      </am3d:trans>
+                      <am3d:raster rName="Office3DRenderer" rVer="16.0.8326">
+                        <am3d:blip r:embed="rId10"/>
+                      </am3d:raster>
+                      <am3d:objViewport viewportSz="1631534"/>
+                      <am3d:ambientLight>
+                        <am3d:clr>
+                          <a:scrgbClr r="50000" g="50000" b="50000"/>
+                        </am3d:clr>
+                        <am3d:illuminance n="500000" d="1000000"/>
+                      </am3d:ambientLight>
+                      <am3d:ptLight rad="0">
+                        <am3d:clr>
+                          <a:scrgbClr r="100000" g="75000" b="50000"/>
+                        </am3d:clr>
+                        <am3d:intensity n="9765625" d="1000000"/>
+                        <am3d:pos x="21959998" y="70920001" z="16344003"/>
+                      </am3d:ptLight>
+                      <am3d:ptLight rad="0">
+                        <am3d:clr>
+                          <a:scrgbClr r="40000" g="60000" b="95000"/>
+                        </am3d:clr>
+                        <am3d:intensity n="12250000" d="1000000"/>
+                        <am3d:pos x="-37964106" y="51130435" z="57631972"/>
+                      </am3d:ptLight>
+                      <am3d:ptLight rad="0">
+                        <am3d:clr>
+                          <a:scrgbClr r="86837" g="72700" b="100000"/>
+                        </am3d:clr>
+                        <am3d:intensity n="3125000" d="1000000"/>
+                        <am3d:pos x="-37739122" y="58056624" z="-34769649"/>
+                      </am3d:ptLight>
+                    </am3d:model3d>
+                  </a:graphicData>
+                </a:graphic>
+              </p:graphicFrame>
+            </mc:Choice>
+            <mc:Fallback xmlns="">
+              <p:pic>
+                <p:nvPicPr>
+                  <p:cNvPr id="77" name="Modelo 3D 76" descr="Hemisfério Cinza-Escuro">
+                    <a:extLst>
+                      <a:ext uri="{FF2B5EF4-FFF2-40B4-BE49-F238E27FC236}">
+                        <a16:creationId xmlns:a16="http://schemas.microsoft.com/office/drawing/2014/main" id="{8814C08B-2BAE-475B-B167-0EC1D5CC6ACD}"/>
+                      </a:ext>
+                    </a:extLst>
+                  </p:cNvPr>
+                  <p:cNvPicPr>
+                    <a:picLocks noGrp="1" noRot="1" noChangeAspect="1" noMove="1" noResize="1" noEditPoints="1" noAdjustHandles="1" noChangeArrowheads="1" noChangeShapeType="1" noCrop="1"/>
+                  </p:cNvPicPr>
+                  <p:nvPr/>
+                </p:nvPicPr>
+                <p:blipFill>
+                  <a:blip r:embed="rId10"/>
+                  <a:stretch>
+                    <a:fillRect/>
+                  </a:stretch>
+                </p:blipFill>
+                <p:spPr>
+                  <a:xfrm rot="5400000">
+                    <a:off x="10482365" y="3837364"/>
+                    <a:ext cx="1178652" cy="802772"/>
+                  </a:xfrm>
+                  <a:prstGeom prst="rect">
+                    <a:avLst/>
+                  </a:prstGeom>
+                </p:spPr>
+              </p:pic>
+            </mc:Fallback>
+          </mc:AlternateContent>
+          <p:sp>
+            <p:nvSpPr>
+              <p:cNvPr id="78" name="CaixaDeTexto 77">
+                <a:extLst>
+                  <a:ext uri="{FF2B5EF4-FFF2-40B4-BE49-F238E27FC236}">
+                    <a16:creationId xmlns:a16="http://schemas.microsoft.com/office/drawing/2014/main" id="{28E57BE4-A1F9-45D1-A74C-B60B1E08634E}"/>
+                  </a:ext>
+                </a:extLst>
+              </p:cNvPr>
+              <p:cNvSpPr txBox="1"/>
+              <p:nvPr/>
+            </p:nvSpPr>
+            <p:spPr>
+              <a:xfrm>
+                <a:off x="10942889" y="5477834"/>
+                <a:ext cx="780983" cy="553998"/>
+              </a:xfrm>
+              <a:prstGeom prst="rect">
+                <a:avLst/>
+              </a:prstGeom>
+              <a:noFill/>
+            </p:spPr>
+            <p:txBody>
+              <a:bodyPr wrap="none" rtlCol="0">
+                <a:spAutoFit/>
+              </a:bodyPr>
+              <a:lstStyle/>
+              <a:p>
+                <a:r>
+                  <a:rPr lang="en-GB" sz="3000" b="1" dirty="0"/>
+                  <a:t>D</a:t>
+                </a:r>
+                <a:r>
+                  <a:rPr lang="en-GB" sz="3000" b="1" baseline="-25000" dirty="0"/>
+                  <a:t>M1</a:t>
+                </a:r>
+              </a:p>
+            </p:txBody>
+          </p:sp>
+        </p:grpSp>
+        <mc:AlternateContent xmlns:mc="http://schemas.openxmlformats.org/markup-compatibility/2006">
+          <mc:Choice xmlns:am3d="http://schemas.microsoft.com/office/drawing/2017/model3d" Requires="am3d">
             <p:graphicFrame>
               <p:nvGraphicFramePr>
-                <p:cNvPr id="80" name="Modelo 3D 79" descr="Hemisfério Cinza-Escuro">
+                <p:cNvPr id="82" name="Modelo 3D 81" descr="Sinal de Subtração Cinza-Escuro">
                   <a:extLst>
                     <a:ext uri="{FF2B5EF4-FFF2-40B4-BE49-F238E27FC236}">
-                      <a16:creationId xmlns:a16="http://schemas.microsoft.com/office/drawing/2014/main" id="{FC13DA74-E81F-494C-9207-78A85F36B252}"/>
+                      <a16:creationId xmlns:a16="http://schemas.microsoft.com/office/drawing/2014/main" id="{17B1B989-5A36-41E9-84F5-8D5AC06F7925}"/>
                     </a:ext>
                   </a:extLst>
                 </p:cNvPr>
@@ -4744,48 +4576,48 @@
                 <p:nvPr>
                   <p:extLst>
                     <p:ext uri="{D42A27DB-BD31-4B8C-83A1-F6EECF244321}">
-                      <p14:modId xmlns:p14="http://schemas.microsoft.com/office/powerpoint/2010/main" val="3220112064"/>
+                      <p14:modId xmlns:p14="http://schemas.microsoft.com/office/powerpoint/2010/main" val="176131356"/>
                     </p:ext>
                   </p:extLst>
                 </p:nvPr>
               </p:nvGraphicFramePr>
-              <p:xfrm rot="5400000">
-                <a:off x="10310915" y="5856664"/>
-                <a:ext cx="1178652" cy="802772"/>
+              <p:xfrm rot="10800000">
+                <a:off x="4870450" y="1578860"/>
+                <a:ext cx="911891" cy="1743209"/>
               </p:xfrm>
               <a:graphic>
                 <a:graphicData uri="http://schemas.microsoft.com/office/drawing/2017/model3d">
-                  <am3d:model3d r:embed="rId8">
+                  <am3d:model3d r:embed="rId2">
                     <am3d:spPr>
-                      <a:xfrm rot="5400000">
+                      <a:xfrm rot="10800000">
                         <a:off x="0" y="0"/>
-                        <a:ext cx="1178652" cy="802772"/>
+                        <a:ext cx="920717" cy="2028452"/>
                       </a:xfrm>
                       <a:prstGeom prst="rect">
                         <a:avLst/>
                       </a:prstGeom>
                     </am3d:spPr>
                     <am3d:camera>
-                      <am3d:pos x="0" y="0" z="70522459"/>
+                      <am3d:pos x="0" y="0" z="49021875"/>
                       <am3d:up dx="0" dy="36000000" dz="0"/>
                       <am3d:lookAt x="0" y="0" z="0"/>
                       <am3d:perspective fov="2700000"/>
                     </am3d:camera>
                     <am3d:trans>
-                      <am3d:meterPerModelUnit n="6553073" d="1000000"/>
-                      <am3d:preTrans dx="9" dy="-8999683" dz="-344461"/>
+                      <am3d:meterPerModelUnit n="4685389" d="1000000"/>
+                      <am3d:preTrans dx="-2441" dy="-23614363" dz="0"/>
                       <am3d:scale>
                         <am3d:sx n="1000000" d="1000000"/>
                         <am3d:sy n="1000000" d="1000000"/>
                         <am3d:sz n="1000000" d="1000000"/>
                       </am3d:scale>
-                      <am3d:rot ax="16200000" ay="3600000" az="16200000"/>
+                      <am3d:rot ax="5616986" ay="4619897" az="5622683"/>
                       <am3d:postTrans dx="0" dy="0" dz="0"/>
                     </am3d:trans>
                     <am3d:raster rName="Office3DRenderer" rVer="16.0.8326">
-                      <am3d:blip r:embed="rId10"/>
+                      <am3d:blip r:embed="rId3"/>
                     </am3d:raster>
-                    <am3d:objViewport viewportSz="1615893"/>
+                    <am3d:objViewport viewportSz="3085231"/>
                     <am3d:ambientLight>
                       <am3d:clr>
                         <a:scrgbClr r="50000" g="50000" b="50000"/>
@@ -4818,13 +4650,13 @@
               </a:graphic>
             </p:graphicFrame>
           </mc:Choice>
-          <mc:Fallback xmlns="">
+          <mc:Fallback>
             <p:pic>
               <p:nvPicPr>
-                <p:cNvPr id="80" name="Modelo 3D 79" descr="Hemisfério Cinza-Escuro">
+                <p:cNvPr id="82" name="Modelo 3D 81" descr="Sinal de Subtração Cinza-Escuro">
                   <a:extLst>
                     <a:ext uri="{FF2B5EF4-FFF2-40B4-BE49-F238E27FC236}">
-                      <a16:creationId xmlns:a16="http://schemas.microsoft.com/office/drawing/2014/main" id="{FC13DA74-E81F-494C-9207-78A85F36B252}"/>
+                      <a16:creationId xmlns:a16="http://schemas.microsoft.com/office/drawing/2014/main" id="{17B1B989-5A36-41E9-84F5-8D5AC06F7925}"/>
                     </a:ext>
                   </a:extLst>
                 </p:cNvPr>
@@ -4834,15 +4666,449 @@
                 <p:nvPr/>
               </p:nvPicPr>
               <p:blipFill>
-                <a:blip r:embed="rId10"/>
+                <a:blip r:embed="rId3"/>
                 <a:stretch>
                   <a:fillRect/>
                 </a:stretch>
               </p:blipFill>
               <p:spPr>
-                <a:xfrm rot="5400000">
-                  <a:off x="10482365" y="1237039"/>
+                <a:xfrm rot="10800000">
+                  <a:off x="4800718" y="1285324"/>
+                  <a:ext cx="920717" cy="2028452"/>
+                </a:xfrm>
+                <a:prstGeom prst="rect">
+                  <a:avLst/>
+                </a:prstGeom>
+              </p:spPr>
+            </p:pic>
+          </mc:Fallback>
+        </mc:AlternateContent>
+        <p:cxnSp>
+          <p:nvCxnSpPr>
+            <p:cNvPr id="67" name="Conexão reta 66">
+              <a:extLst>
+                <a:ext uri="{FF2B5EF4-FFF2-40B4-BE49-F238E27FC236}">
+                  <a16:creationId xmlns:a16="http://schemas.microsoft.com/office/drawing/2014/main" id="{B819E0FF-81F7-4171-9AFE-1AEEC6159964}"/>
+                </a:ext>
+              </a:extLst>
+            </p:cNvPr>
+            <p:cNvCxnSpPr>
+              <a:cxnSpLocks/>
+            </p:cNvCxnSpPr>
+            <p:nvPr/>
+          </p:nvCxnSpPr>
+          <p:spPr>
+            <a:xfrm flipV="1">
+              <a:off x="6793155" y="2121870"/>
+              <a:ext cx="0" cy="1561130"/>
+            </a:xfrm>
+            <a:prstGeom prst="line">
+              <a:avLst/>
+            </a:prstGeom>
+            <a:ln w="127000" cap="rnd">
+              <a:solidFill>
+                <a:schemeClr val="accent4"/>
+              </a:solidFill>
+              <a:round/>
+            </a:ln>
+          </p:spPr>
+          <p:style>
+            <a:lnRef idx="1">
+              <a:schemeClr val="accent1"/>
+            </a:lnRef>
+            <a:fillRef idx="0">
+              <a:schemeClr val="accent1"/>
+            </a:fillRef>
+            <a:effectRef idx="0">
+              <a:schemeClr val="accent1"/>
+            </a:effectRef>
+            <a:fontRef idx="minor">
+              <a:schemeClr val="tx1"/>
+            </a:fontRef>
+          </p:style>
+        </p:cxnSp>
+        <p:grpSp>
+          <p:nvGrpSpPr>
+            <p:cNvPr id="79" name="Agrupar 78">
+              <a:extLst>
+                <a:ext uri="{FF2B5EF4-FFF2-40B4-BE49-F238E27FC236}">
+                  <a16:creationId xmlns:a16="http://schemas.microsoft.com/office/drawing/2014/main" id="{B6F1DAB8-F449-4FEF-A1B7-451CE97764E3}"/>
+                </a:ext>
+              </a:extLst>
+            </p:cNvPr>
+            <p:cNvGrpSpPr/>
+            <p:nvPr/>
+          </p:nvGrpSpPr>
+          <p:grpSpPr>
+            <a:xfrm>
+              <a:off x="10708405" y="1340809"/>
+              <a:ext cx="1015024" cy="1369542"/>
+              <a:chOff x="10498855" y="5477834"/>
+              <a:chExt cx="1015024" cy="1369542"/>
+            </a:xfrm>
+          </p:grpSpPr>
+          <mc:AlternateContent xmlns:mc="http://schemas.openxmlformats.org/markup-compatibility/2006" xmlns:am3d="http://schemas.microsoft.com/office/drawing/2017/model3d">
+            <mc:Choice Requires="am3d">
+              <p:graphicFrame>
+                <p:nvGraphicFramePr>
+                  <p:cNvPr id="80" name="Modelo 3D 79" descr="Hemisfério Cinza-Escuro">
+                    <a:extLst>
+                      <a:ext uri="{FF2B5EF4-FFF2-40B4-BE49-F238E27FC236}">
+                        <a16:creationId xmlns:a16="http://schemas.microsoft.com/office/drawing/2014/main" id="{FC13DA74-E81F-494C-9207-78A85F36B252}"/>
+                      </a:ext>
+                    </a:extLst>
+                  </p:cNvPr>
+                  <p:cNvGraphicFramePr>
+                    <a:graphicFrameLocks noChangeAspect="1"/>
+                  </p:cNvGraphicFramePr>
+                  <p:nvPr>
+                    <p:extLst>
+                      <p:ext uri="{D42A27DB-BD31-4B8C-83A1-F6EECF244321}">
+                        <p14:modId xmlns:p14="http://schemas.microsoft.com/office/powerpoint/2010/main" val="3220112064"/>
+                      </p:ext>
+                    </p:extLst>
+                  </p:nvPr>
+                </p:nvGraphicFramePr>
+                <p:xfrm rot="5400000">
+                  <a:off x="10310915" y="5856664"/>
                   <a:ext cx="1178652" cy="802772"/>
+                </p:xfrm>
+                <a:graphic>
+                  <a:graphicData uri="http://schemas.microsoft.com/office/drawing/2017/model3d">
+                    <am3d:model3d r:embed="rId6">
+                      <am3d:spPr>
+                        <a:xfrm rot="5400000">
+                          <a:off x="0" y="0"/>
+                          <a:ext cx="1371516" cy="810542"/>
+                        </a:xfrm>
+                        <a:prstGeom prst="rect">
+                          <a:avLst/>
+                        </a:prstGeom>
+                      </am3d:spPr>
+                      <am3d:camera>
+                        <am3d:pos x="0" y="0" z="70522459"/>
+                        <am3d:up dx="0" dy="36000000" dz="0"/>
+                        <am3d:lookAt x="0" y="0" z="0"/>
+                        <am3d:perspective fov="2700000"/>
+                      </am3d:camera>
+                      <am3d:trans>
+                        <am3d:meterPerModelUnit n="6553073" d="1000000"/>
+                        <am3d:preTrans dx="9" dy="-8999683" dz="-344461"/>
+                        <am3d:scale>
+                          <am3d:sx n="1000000" d="1000000"/>
+                          <am3d:sy n="1000000" d="1000000"/>
+                          <am3d:sz n="1000000" d="1000000"/>
+                        </am3d:scale>
+                        <am3d:rot ax="16200000" ay="3600000" az="16200000"/>
+                        <am3d:postTrans dx="0" dy="0" dz="0"/>
+                      </am3d:trans>
+                      <am3d:raster rName="Office3DRenderer" rVer="16.0.8326">
+                        <am3d:blip r:embed="rId7"/>
+                      </am3d:raster>
+                      <am3d:objViewport viewportSz="1631534"/>
+                      <am3d:ambientLight>
+                        <am3d:clr>
+                          <a:scrgbClr r="50000" g="50000" b="50000"/>
+                        </am3d:clr>
+                        <am3d:illuminance n="500000" d="1000000"/>
+                      </am3d:ambientLight>
+                      <am3d:ptLight rad="0">
+                        <am3d:clr>
+                          <a:scrgbClr r="100000" g="75000" b="50000"/>
+                        </am3d:clr>
+                        <am3d:intensity n="9765625" d="1000000"/>
+                        <am3d:pos x="21959998" y="70920001" z="16344003"/>
+                      </am3d:ptLight>
+                      <am3d:ptLight rad="0">
+                        <am3d:clr>
+                          <a:scrgbClr r="40000" g="60000" b="95000"/>
+                        </am3d:clr>
+                        <am3d:intensity n="12250000" d="1000000"/>
+                        <am3d:pos x="-37964106" y="51130435" z="57631972"/>
+                      </am3d:ptLight>
+                      <am3d:ptLight rad="0">
+                        <am3d:clr>
+                          <a:scrgbClr r="86837" g="72700" b="100000"/>
+                        </am3d:clr>
+                        <am3d:intensity n="3125000" d="1000000"/>
+                        <am3d:pos x="-37739122" y="58056624" z="-34769649"/>
+                      </am3d:ptLight>
+                    </am3d:model3d>
+                  </a:graphicData>
+                </a:graphic>
+              </p:graphicFrame>
+            </mc:Choice>
+            <mc:Fallback xmlns="">
+              <p:pic>
+                <p:nvPicPr>
+                  <p:cNvPr id="80" name="Modelo 3D 79" descr="Hemisfério Cinza-Escuro">
+                    <a:extLst>
+                      <a:ext uri="{FF2B5EF4-FFF2-40B4-BE49-F238E27FC236}">
+                        <a16:creationId xmlns:a16="http://schemas.microsoft.com/office/drawing/2014/main" id="{FC13DA74-E81F-494C-9207-78A85F36B252}"/>
+                      </a:ext>
+                    </a:extLst>
+                  </p:cNvPr>
+                  <p:cNvPicPr>
+                    <a:picLocks noGrp="1" noRot="1" noChangeAspect="1" noMove="1" noResize="1" noEditPoints="1" noAdjustHandles="1" noChangeArrowheads="1" noChangeShapeType="1" noCrop="1"/>
+                  </p:cNvPicPr>
+                  <p:nvPr/>
+                </p:nvPicPr>
+                <p:blipFill>
+                  <a:blip r:embed="rId10"/>
+                  <a:stretch>
+                    <a:fillRect/>
+                  </a:stretch>
+                </p:blipFill>
+                <p:spPr>
+                  <a:xfrm rot="5400000">
+                    <a:off x="10482365" y="1237039"/>
+                    <a:ext cx="1178652" cy="802772"/>
+                  </a:xfrm>
+                  <a:prstGeom prst="rect">
+                    <a:avLst/>
+                  </a:prstGeom>
+                </p:spPr>
+              </p:pic>
+            </mc:Fallback>
+          </mc:AlternateContent>
+          <p:sp>
+            <p:nvSpPr>
+              <p:cNvPr id="81" name="CaixaDeTexto 80">
+                <a:extLst>
+                  <a:ext uri="{FF2B5EF4-FFF2-40B4-BE49-F238E27FC236}">
+                    <a16:creationId xmlns:a16="http://schemas.microsoft.com/office/drawing/2014/main" id="{418552F7-6CF1-464B-8A70-F98C0B9405F6}"/>
+                  </a:ext>
+                </a:extLst>
+              </p:cNvPr>
+              <p:cNvSpPr txBox="1"/>
+              <p:nvPr/>
+            </p:nvSpPr>
+            <p:spPr>
+              <a:xfrm>
+                <a:off x="10942889" y="5477834"/>
+                <a:ext cx="570990" cy="553998"/>
+              </a:xfrm>
+              <a:prstGeom prst="rect">
+                <a:avLst/>
+              </a:prstGeom>
+              <a:noFill/>
+            </p:spPr>
+            <p:txBody>
+              <a:bodyPr wrap="none" rtlCol="0">
+                <a:spAutoFit/>
+              </a:bodyPr>
+              <a:lstStyle/>
+              <a:p>
+                <a:r>
+                  <a:rPr lang="en-GB" sz="3000" b="1" dirty="0"/>
+                  <a:t>D</a:t>
+                </a:r>
+                <a:r>
+                  <a:rPr lang="en-GB" sz="3000" b="1" baseline="-25000" dirty="0"/>
+                  <a:t>B</a:t>
+                </a:r>
+              </a:p>
+            </p:txBody>
+          </p:sp>
+        </p:grpSp>
+        <p:cxnSp>
+          <p:nvCxnSpPr>
+            <p:cNvPr id="24" name="Conexão reta 23">
+              <a:extLst>
+                <a:ext uri="{FF2B5EF4-FFF2-40B4-BE49-F238E27FC236}">
+                  <a16:creationId xmlns:a16="http://schemas.microsoft.com/office/drawing/2014/main" id="{DFE6DE75-00C8-4237-A44C-460407874FD3}"/>
+                </a:ext>
+              </a:extLst>
+            </p:cNvPr>
+            <p:cNvCxnSpPr>
+              <a:cxnSpLocks/>
+            </p:cNvCxnSpPr>
+            <p:nvPr/>
+          </p:nvCxnSpPr>
+          <p:spPr>
+            <a:xfrm>
+              <a:off x="2685591" y="2085792"/>
+              <a:ext cx="8249109" cy="26553"/>
+            </a:xfrm>
+            <a:prstGeom prst="line">
+              <a:avLst/>
+            </a:prstGeom>
+            <a:ln w="127000"/>
+          </p:spPr>
+          <p:style>
+            <a:lnRef idx="3">
+              <a:schemeClr val="accent4"/>
+            </a:lnRef>
+            <a:fillRef idx="0">
+              <a:schemeClr val="accent4"/>
+            </a:fillRef>
+            <a:effectRef idx="2">
+              <a:schemeClr val="accent4"/>
+            </a:effectRef>
+            <a:fontRef idx="minor">
+              <a:schemeClr val="tx1"/>
+            </a:fontRef>
+          </p:style>
+        </p:cxnSp>
+        <p:cxnSp>
+          <p:nvCxnSpPr>
+            <p:cNvPr id="61" name="Conexão reta 60">
+              <a:extLst>
+                <a:ext uri="{FF2B5EF4-FFF2-40B4-BE49-F238E27FC236}">
+                  <a16:creationId xmlns:a16="http://schemas.microsoft.com/office/drawing/2014/main" id="{CFFF43EB-8583-4F91-99F2-1F9C400828AF}"/>
+                </a:ext>
+              </a:extLst>
+            </p:cNvPr>
+            <p:cNvCxnSpPr>
+              <a:cxnSpLocks/>
+            </p:cNvCxnSpPr>
+            <p:nvPr/>
+          </p:nvCxnSpPr>
+          <p:spPr>
+            <a:xfrm flipV="1">
+              <a:off x="9944244" y="3750559"/>
+              <a:ext cx="914400" cy="914400"/>
+            </a:xfrm>
+            <a:prstGeom prst="line">
+              <a:avLst/>
+            </a:prstGeom>
+            <a:ln w="127000">
+              <a:solidFill>
+                <a:schemeClr val="accent4"/>
+              </a:solidFill>
+            </a:ln>
+          </p:spPr>
+          <p:style>
+            <a:lnRef idx="1">
+              <a:schemeClr val="accent1"/>
+            </a:lnRef>
+            <a:fillRef idx="0">
+              <a:schemeClr val="accent1"/>
+            </a:fillRef>
+            <a:effectRef idx="0">
+              <a:schemeClr val="accent1"/>
+            </a:effectRef>
+            <a:fontRef idx="minor">
+              <a:schemeClr val="tx1"/>
+            </a:fontRef>
+          </p:style>
+        </p:cxnSp>
+        <mc:AlternateContent xmlns:mc="http://schemas.openxmlformats.org/markup-compatibility/2006">
+          <mc:Choice xmlns:am3d="http://schemas.microsoft.com/office/drawing/2017/model3d" Requires="am3d">
+            <p:graphicFrame>
+              <p:nvGraphicFramePr>
+                <p:cNvPr id="19" name="Modelo 3D 18" descr="Cuboide Cinza-Escuro">
+                  <a:extLst>
+                    <a:ext uri="{FF2B5EF4-FFF2-40B4-BE49-F238E27FC236}">
+                      <a16:creationId xmlns:a16="http://schemas.microsoft.com/office/drawing/2014/main" id="{3504EDA7-0DC3-4F5F-BB70-A4114A4748E8}"/>
+                    </a:ext>
+                  </a:extLst>
+                </p:cNvPr>
+                <p:cNvGraphicFramePr>
+                  <a:graphicFrameLocks noChangeAspect="1"/>
+                </p:cNvGraphicFramePr>
+                <p:nvPr>
+                  <p:extLst>
+                    <p:ext uri="{D42A27DB-BD31-4B8C-83A1-F6EECF244321}">
+                      <p14:modId xmlns:p14="http://schemas.microsoft.com/office/powerpoint/2010/main" val="1871943788"/>
+                    </p:ext>
+                  </p:extLst>
+                </p:nvPr>
+              </p:nvGraphicFramePr>
+              <p:xfrm>
+                <a:off x="-827618" y="1028163"/>
+                <a:ext cx="5593181" cy="1741456"/>
+              </p:xfrm>
+              <a:graphic>
+                <a:graphicData uri="http://schemas.microsoft.com/office/drawing/2017/model3d">
+                  <am3d:model3d r:embed="rId4">
+                    <am3d:spPr>
+                      <a:xfrm>
+                        <a:off x="0" y="0"/>
+                        <a:ext cx="5647316" cy="2026413"/>
+                      </a:xfrm>
+                      <a:prstGeom prst="rect">
+                        <a:avLst/>
+                      </a:prstGeom>
+                    </am3d:spPr>
+                    <am3d:camera>
+                      <am3d:pos x="0" y="0" z="57664451"/>
+                      <am3d:up dx="0" dy="36000000" dz="0"/>
+                      <am3d:lookAt x="0" y="0" z="0"/>
+                      <am3d:perspective fov="2700000"/>
+                    </am3d:camera>
+                    <am3d:trans>
+                      <am3d:meterPerModelUnit n="4361393" d="1000000"/>
+                      <am3d:preTrans dx="0" dy="-6493603" dz="0"/>
+                      <am3d:scale>
+                        <am3d:sx n="1000000" d="1000000"/>
+                        <am3d:sy n="1000000" d="1000000"/>
+                        <am3d:sz n="1000000" d="1000000"/>
+                      </am3d:scale>
+                      <am3d:rot ax="5400000" ay="18000000" az="16200000"/>
+                      <am3d:postTrans dx="0" dy="0" dz="0"/>
+                    </am3d:trans>
+                    <am3d:raster rName="Office3DRenderer" rVer="16.0.8326">
+                      <am3d:blip r:embed="rId11"/>
+                    </am3d:raster>
+                    <am3d:objViewport viewportSz="3879641"/>
+                    <am3d:ambientLight>
+                      <am3d:clr>
+                        <a:scrgbClr r="50000" g="50000" b="50000"/>
+                      </am3d:clr>
+                      <am3d:illuminance n="500000" d="1000000"/>
+                    </am3d:ambientLight>
+                    <am3d:ptLight rad="0">
+                      <am3d:clr>
+                        <a:scrgbClr r="100000" g="75000" b="50000"/>
+                      </am3d:clr>
+                      <am3d:intensity n="9765625" d="1000000"/>
+                      <am3d:pos x="21959998" y="70920001" z="16344003"/>
+                    </am3d:ptLight>
+                    <am3d:ptLight rad="0">
+                      <am3d:clr>
+                        <a:scrgbClr r="40000" g="60000" b="95000"/>
+                      </am3d:clr>
+                      <am3d:intensity n="12250000" d="1000000"/>
+                      <am3d:pos x="-37964106" y="51130435" z="57631972"/>
+                    </am3d:ptLight>
+                    <am3d:ptLight rad="0">
+                      <am3d:clr>
+                        <a:scrgbClr r="86837" g="72700" b="100000"/>
+                      </am3d:clr>
+                      <am3d:intensity n="3125000" d="1000000"/>
+                      <am3d:pos x="-37739122" y="58056624" z="-34769649"/>
+                    </am3d:ptLight>
+                  </am3d:model3d>
+                </a:graphicData>
+              </a:graphic>
+            </p:graphicFrame>
+          </mc:Choice>
+          <mc:Fallback>
+            <p:pic>
+              <p:nvPicPr>
+                <p:cNvPr id="19" name="Modelo 3D 18" descr="Cuboide Cinza-Escuro">
+                  <a:extLst>
+                    <a:ext uri="{FF2B5EF4-FFF2-40B4-BE49-F238E27FC236}">
+                      <a16:creationId xmlns:a16="http://schemas.microsoft.com/office/drawing/2014/main" id="{3504EDA7-0DC3-4F5F-BB70-A4114A4748E8}"/>
+                    </a:ext>
+                  </a:extLst>
+                </p:cNvPr>
+                <p:cNvPicPr>
+                  <a:picLocks noGrp="1" noRot="1" noChangeAspect="1" noMove="1" noResize="1" noEditPoints="1" noAdjustHandles="1" noChangeArrowheads="1" noChangeShapeType="1" noCrop="1"/>
+                </p:cNvPicPr>
+                <p:nvPr/>
+              </p:nvPicPr>
+              <p:blipFill>
+                <a:blip r:embed="rId11"/>
+                <a:stretch>
+                  <a:fillRect/>
+                </a:stretch>
+              </p:blipFill>
+              <p:spPr>
+                <a:xfrm>
+                  <a:off x="-952500" y="644516"/>
+                  <a:ext cx="5647316" cy="2026413"/>
                 </a:xfrm>
                 <a:prstGeom prst="rect">
                   <a:avLst/>
@@ -4853,10 +5119,10 @@
         </mc:AlternateContent>
         <p:sp>
           <p:nvSpPr>
-            <p:cNvPr id="81" name="CaixaDeTexto 80">
+            <p:cNvPr id="83" name="CaixaDeTexto 82">
               <a:extLst>
                 <a:ext uri="{FF2B5EF4-FFF2-40B4-BE49-F238E27FC236}">
-                  <a16:creationId xmlns:a16="http://schemas.microsoft.com/office/drawing/2014/main" id="{418552F7-6CF1-464B-8A70-F98C0B9405F6}"/>
+                  <a16:creationId xmlns:a16="http://schemas.microsoft.com/office/drawing/2014/main" id="{8789217A-9335-45E4-83F2-00B96068D3B2}"/>
                 </a:ext>
               </a:extLst>
             </p:cNvPr>
@@ -4865,8 +5131,8 @@
           </p:nvSpPr>
           <p:spPr>
             <a:xfrm>
-              <a:off x="10942889" y="5477834"/>
-              <a:ext cx="570990" cy="553998"/>
+              <a:off x="4611920" y="2837003"/>
+              <a:ext cx="1323824" cy="707886"/>
             </a:xfrm>
             <a:prstGeom prst="rect">
               <a:avLst/>
@@ -4879,267 +5145,22 @@
             </a:bodyPr>
             <a:lstStyle/>
             <a:p>
+              <a:pPr algn="ctr"/>
               <a:r>
-                <a:rPr lang="en-GB" sz="3000" b="1" dirty="0"/>
-                <a:t>D</a:t>
+                <a:rPr lang="en-GB" sz="2000" b="1" dirty="0"/>
+                <a:t>Optical</a:t>
               </a:r>
+            </a:p>
+            <a:p>
+              <a:pPr algn="ctr"/>
               <a:r>
-                <a:rPr lang="en-GB" sz="3000" b="1" baseline="-25000" dirty="0"/>
-                <a:t>B</a:t>
+                <a:rPr lang="en-GB" sz="2000" b="1" dirty="0"/>
+                <a:t>attenuator</a:t>
               </a:r>
             </a:p>
           </p:txBody>
         </p:sp>
       </p:grpSp>
-      <p:cxnSp>
-        <p:nvCxnSpPr>
-          <p:cNvPr id="24" name="Conexão reta 23">
-            <a:extLst>
-              <a:ext uri="{FF2B5EF4-FFF2-40B4-BE49-F238E27FC236}">
-                <a16:creationId xmlns:a16="http://schemas.microsoft.com/office/drawing/2014/main" id="{DFE6DE75-00C8-4237-A44C-460407874FD3}"/>
-              </a:ext>
-            </a:extLst>
-          </p:cNvPr>
-          <p:cNvCxnSpPr>
-            <a:cxnSpLocks/>
-          </p:cNvCxnSpPr>
-          <p:nvPr/>
-        </p:nvCxnSpPr>
-        <p:spPr>
-          <a:xfrm>
-            <a:off x="2685591" y="2085792"/>
-            <a:ext cx="8249109" cy="26553"/>
-          </a:xfrm>
-          <a:prstGeom prst="line">
-            <a:avLst/>
-          </a:prstGeom>
-          <a:ln w="127000"/>
-        </p:spPr>
-        <p:style>
-          <a:lnRef idx="3">
-            <a:schemeClr val="accent4"/>
-          </a:lnRef>
-          <a:fillRef idx="0">
-            <a:schemeClr val="accent4"/>
-          </a:fillRef>
-          <a:effectRef idx="2">
-            <a:schemeClr val="accent4"/>
-          </a:effectRef>
-          <a:fontRef idx="minor">
-            <a:schemeClr val="tx1"/>
-          </a:fontRef>
-        </p:style>
-      </p:cxnSp>
-      <p:cxnSp>
-        <p:nvCxnSpPr>
-          <p:cNvPr id="61" name="Conexão reta 60">
-            <a:extLst>
-              <a:ext uri="{FF2B5EF4-FFF2-40B4-BE49-F238E27FC236}">
-                <a16:creationId xmlns:a16="http://schemas.microsoft.com/office/drawing/2014/main" id="{CFFF43EB-8583-4F91-99F2-1F9C400828AF}"/>
-              </a:ext>
-            </a:extLst>
-          </p:cNvPr>
-          <p:cNvCxnSpPr>
-            <a:cxnSpLocks/>
-          </p:cNvCxnSpPr>
-          <p:nvPr/>
-        </p:nvCxnSpPr>
-        <p:spPr>
-          <a:xfrm flipV="1">
-            <a:off x="9944244" y="3750559"/>
-            <a:ext cx="914400" cy="914400"/>
-          </a:xfrm>
-          <a:prstGeom prst="line">
-            <a:avLst/>
-          </a:prstGeom>
-          <a:ln w="127000">
-            <a:solidFill>
-              <a:schemeClr val="accent4"/>
-            </a:solidFill>
-          </a:ln>
-        </p:spPr>
-        <p:style>
-          <a:lnRef idx="1">
-            <a:schemeClr val="accent1"/>
-          </a:lnRef>
-          <a:fillRef idx="0">
-            <a:schemeClr val="accent1"/>
-          </a:fillRef>
-          <a:effectRef idx="0">
-            <a:schemeClr val="accent1"/>
-          </a:effectRef>
-          <a:fontRef idx="minor">
-            <a:schemeClr val="tx1"/>
-          </a:fontRef>
-        </p:style>
-      </p:cxnSp>
-      <mc:AlternateContent xmlns:mc="http://schemas.openxmlformats.org/markup-compatibility/2006" xmlns:am3d="http://schemas.microsoft.com/office/drawing/2017/model3d">
-        <mc:Choice Requires="am3d">
-          <p:graphicFrame>
-            <p:nvGraphicFramePr>
-              <p:cNvPr id="19" name="Modelo 3D 18" descr="Cuboide Cinza-Escuro">
-                <a:extLst>
-                  <a:ext uri="{FF2B5EF4-FFF2-40B4-BE49-F238E27FC236}">
-                    <a16:creationId xmlns:a16="http://schemas.microsoft.com/office/drawing/2014/main" id="{3504EDA7-0DC3-4F5F-BB70-A4114A4748E8}"/>
-                  </a:ext>
-                </a:extLst>
-              </p:cNvPr>
-              <p:cNvGraphicFramePr>
-                <a:graphicFrameLocks noChangeAspect="1"/>
-              </p:cNvGraphicFramePr>
-              <p:nvPr>
-                <p:extLst>
-                  <p:ext uri="{D42A27DB-BD31-4B8C-83A1-F6EECF244321}">
-                    <p14:modId xmlns:p14="http://schemas.microsoft.com/office/powerpoint/2010/main" val="559341025"/>
-                  </p:ext>
-                </p:extLst>
-              </p:nvPr>
-            </p:nvGraphicFramePr>
-            <p:xfrm>
-              <a:off x="-827618" y="1028163"/>
-              <a:ext cx="5593181" cy="1741456"/>
-            </p:xfrm>
-            <a:graphic>
-              <a:graphicData uri="http://schemas.microsoft.com/office/drawing/2017/model3d">
-                <am3d:model3d r:embed="rId5">
-                  <am3d:spPr>
-                    <a:xfrm>
-                      <a:off x="0" y="0"/>
-                      <a:ext cx="5593181" cy="1741456"/>
-                    </a:xfrm>
-                    <a:prstGeom prst="rect">
-                      <a:avLst/>
-                    </a:prstGeom>
-                  </am3d:spPr>
-                  <am3d:camera>
-                    <am3d:pos x="0" y="0" z="57664451"/>
-                    <am3d:up dx="0" dy="36000000" dz="0"/>
-                    <am3d:lookAt x="0" y="0" z="0"/>
-                    <am3d:perspective fov="2700000"/>
-                  </am3d:camera>
-                  <am3d:trans>
-                    <am3d:meterPerModelUnit n="4361393" d="1000000"/>
-                    <am3d:preTrans dx="0" dy="-6493603" dz="0"/>
-                    <am3d:scale>
-                      <am3d:sx n="1000000" d="1000000"/>
-                      <am3d:sy n="1000000" d="1000000"/>
-                      <am3d:sz n="1000000" d="1000000"/>
-                    </am3d:scale>
-                    <am3d:rot ax="5400000" ay="18000000" az="16200000"/>
-                    <am3d:postTrans dx="0" dy="0" dz="0"/>
-                  </am3d:trans>
-                  <am3d:raster rName="Office3DRenderer" rVer="16.0.8326">
-                    <am3d:blip r:embed="rId11"/>
-                  </am3d:raster>
-                  <am3d:objViewport viewportSz="3334080"/>
-                  <am3d:ambientLight>
-                    <am3d:clr>
-                      <a:scrgbClr r="50000" g="50000" b="50000"/>
-                    </am3d:clr>
-                    <am3d:illuminance n="500000" d="1000000"/>
-                  </am3d:ambientLight>
-                  <am3d:ptLight rad="0">
-                    <am3d:clr>
-                      <a:scrgbClr r="100000" g="75000" b="50000"/>
-                    </am3d:clr>
-                    <am3d:intensity n="9765625" d="1000000"/>
-                    <am3d:pos x="21959998" y="70920001" z="16344003"/>
-                  </am3d:ptLight>
-                  <am3d:ptLight rad="0">
-                    <am3d:clr>
-                      <a:scrgbClr r="40000" g="60000" b="95000"/>
-                    </am3d:clr>
-                    <am3d:intensity n="12250000" d="1000000"/>
-                    <am3d:pos x="-37964106" y="51130435" z="57631972"/>
-                  </am3d:ptLight>
-                  <am3d:ptLight rad="0">
-                    <am3d:clr>
-                      <a:scrgbClr r="86837" g="72700" b="100000"/>
-                    </am3d:clr>
-                    <am3d:intensity n="3125000" d="1000000"/>
-                    <am3d:pos x="-37739122" y="58056624" z="-34769649"/>
-                  </am3d:ptLight>
-                </am3d:model3d>
-              </a:graphicData>
-            </a:graphic>
-          </p:graphicFrame>
-        </mc:Choice>
-        <mc:Fallback xmlns="">
-          <p:pic>
-            <p:nvPicPr>
-              <p:cNvPr id="19" name="Modelo 3D 18" descr="Cuboide Cinza-Escuro">
-                <a:extLst>
-                  <a:ext uri="{FF2B5EF4-FFF2-40B4-BE49-F238E27FC236}">
-                    <a16:creationId xmlns:a16="http://schemas.microsoft.com/office/drawing/2014/main" id="{3504EDA7-0DC3-4F5F-BB70-A4114A4748E8}"/>
-                  </a:ext>
-                </a:extLst>
-              </p:cNvPr>
-              <p:cNvPicPr>
-                <a:picLocks noGrp="1" noRot="1" noChangeAspect="1" noMove="1" noResize="1" noEditPoints="1" noAdjustHandles="1" noChangeArrowheads="1" noChangeShapeType="1" noCrop="1"/>
-              </p:cNvPicPr>
-              <p:nvPr/>
-            </p:nvPicPr>
-            <p:blipFill>
-              <a:blip r:embed="rId12"/>
-              <a:stretch>
-                <a:fillRect/>
-              </a:stretch>
-            </p:blipFill>
-            <p:spPr>
-              <a:xfrm>
-                <a:off x="-827618" y="1028163"/>
-                <a:ext cx="5593181" cy="1741456"/>
-              </a:xfrm>
-              <a:prstGeom prst="rect">
-                <a:avLst/>
-              </a:prstGeom>
-            </p:spPr>
-          </p:pic>
-        </mc:Fallback>
-      </mc:AlternateContent>
-      <p:sp>
-        <p:nvSpPr>
-          <p:cNvPr id="83" name="CaixaDeTexto 82">
-            <a:extLst>
-              <a:ext uri="{FF2B5EF4-FFF2-40B4-BE49-F238E27FC236}">
-                <a16:creationId xmlns:a16="http://schemas.microsoft.com/office/drawing/2014/main" id="{8789217A-9335-45E4-83F2-00B96068D3B2}"/>
-              </a:ext>
-            </a:extLst>
-          </p:cNvPr>
-          <p:cNvSpPr txBox="1"/>
-          <p:nvPr/>
-        </p:nvSpPr>
-        <p:spPr>
-          <a:xfrm>
-            <a:off x="4611920" y="2837003"/>
-            <a:ext cx="1323824" cy="707886"/>
-          </a:xfrm>
-          <a:prstGeom prst="rect">
-            <a:avLst/>
-          </a:prstGeom>
-          <a:noFill/>
-        </p:spPr>
-        <p:txBody>
-          <a:bodyPr wrap="none" rtlCol="0">
-            <a:spAutoFit/>
-          </a:bodyPr>
-          <a:lstStyle/>
-          <a:p>
-            <a:pPr algn="ctr"/>
-            <a:r>
-              <a:rPr lang="en-GB" sz="2000" b="1" dirty="0"/>
-              <a:t>Optical</a:t>
-            </a:r>
-          </a:p>
-          <a:p>
-            <a:pPr algn="ctr"/>
-            <a:r>
-              <a:rPr lang="en-GB" sz="2000" b="1" dirty="0"/>
-              <a:t>attenuator</a:t>
-            </a:r>
-          </a:p>
-        </p:txBody>
-      </p:sp>
     </p:spTree>
     <p:extLst>
       <p:ext uri="{BB962C8B-B14F-4D97-AF65-F5344CB8AC3E}">
@@ -9607,7 +9628,7 @@
                       <am3d:postTrans dx="0" dy="0" dz="0"/>
                     </am3d:trans>
                     <am3d:raster rName="Office3DRenderer" rVer="16.0.8326">
-                      <am3d:blip r:embed="rId3"/>
+                      <am3d:blip r:embed="rId4"/>
                     </am3d:raster>
                     <am3d:objViewport viewportSz="3576459"/>
                     <am3d:ambientLight>
@@ -12376,7 +12397,7 @@
                           <am3d:postTrans dx="0" dy="0" dz="0"/>
                         </am3d:trans>
                         <am3d:raster rName="Office3DRenderer" rVer="16.0.8326">
-                          <am3d:blip r:embed="rId14"/>
+                          <am3d:blip r:embed="rId13"/>
                         </am3d:raster>
                         <am3d:objViewport viewportSz="2247116"/>
                         <am3d:ambientLight>
@@ -12578,7 +12599,7 @@
                           <am3d:postTrans dx="0" dy="0" dz="0"/>
                         </am3d:trans>
                         <am3d:raster rName="Office3DRenderer" rVer="16.0.8326">
-                          <am3d:blip r:embed="rId13"/>
+                          <am3d:blip r:embed="rId14"/>
                         </am3d:raster>
                         <am3d:objViewport viewportSz="2247116"/>
                         <am3d:ambientLight>
